--- a/Ressources/Ecarts.pptx
+++ b/Ressources/Ecarts.pptx
@@ -1400,18 +1400,46 @@
         </dgm:presLayoutVars>
       </dgm:prSet>
       <dgm:spPr/>
+      <dgm:t>
+        <a:bodyPr/>
+        <a:lstStyle/>
+        <a:p>
+          <a:endParaRPr lang="fr-FR"/>
+        </a:p>
+      </dgm:t>
     </dgm:pt>
     <dgm:pt modelId="{DF09870F-F5ED-4920-B7E1-9F0D91D7F1CD}" type="pres">
       <dgm:prSet presAssocID="{CC7A09D6-CF51-4503-A499-AEF2F86A612F}" presName="centerShape" presStyleLbl="node0" presStyleIdx="0" presStyleCnt="1" custScaleY="46828"/>
       <dgm:spPr/>
+      <dgm:t>
+        <a:bodyPr/>
+        <a:lstStyle/>
+        <a:p>
+          <a:endParaRPr lang="fr-FR"/>
+        </a:p>
+      </dgm:t>
     </dgm:pt>
     <dgm:pt modelId="{A2FC416A-EBC7-46CE-8A00-5E59C50D8257}" type="pres">
       <dgm:prSet presAssocID="{5E9DFCFE-8035-47FF-8737-041E4392E51E}" presName="parTrans" presStyleLbl="sibTrans2D1" presStyleIdx="0" presStyleCnt="7"/>
       <dgm:spPr/>
+      <dgm:t>
+        <a:bodyPr/>
+        <a:lstStyle/>
+        <a:p>
+          <a:endParaRPr lang="fr-FR"/>
+        </a:p>
+      </dgm:t>
     </dgm:pt>
     <dgm:pt modelId="{C36A42E1-BA91-4E47-B26A-022A82C87076}" type="pres">
       <dgm:prSet presAssocID="{5E9DFCFE-8035-47FF-8737-041E4392E51E}" presName="connectorText" presStyleLbl="sibTrans2D1" presStyleIdx="0" presStyleCnt="7"/>
       <dgm:spPr/>
+      <dgm:t>
+        <a:bodyPr/>
+        <a:lstStyle/>
+        <a:p>
+          <a:endParaRPr lang="fr-FR"/>
+        </a:p>
+      </dgm:t>
     </dgm:pt>
     <dgm:pt modelId="{15FE29C2-5BA5-4DFC-BAC0-77F2915FA520}" type="pres">
       <dgm:prSet presAssocID="{D15BCD82-54F2-4B53-AD5B-FCD43A008746}" presName="node" presStyleLbl="node1" presStyleIdx="0" presStyleCnt="7" custScaleY="37304" custRadScaleRad="75157" custRadScaleInc="3491">
@@ -1431,10 +1459,24 @@
     <dgm:pt modelId="{B1A927CB-9F4B-4F29-AD07-9974F3A6F2F9}" type="pres">
       <dgm:prSet presAssocID="{FC2CD8C7-22DE-4FD8-BE5C-B5EFF3818DD1}" presName="parTrans" presStyleLbl="sibTrans2D1" presStyleIdx="1" presStyleCnt="7"/>
       <dgm:spPr/>
+      <dgm:t>
+        <a:bodyPr/>
+        <a:lstStyle/>
+        <a:p>
+          <a:endParaRPr lang="fr-FR"/>
+        </a:p>
+      </dgm:t>
     </dgm:pt>
     <dgm:pt modelId="{327B7C4E-C444-4ED2-92AB-EFA2130B78B5}" type="pres">
       <dgm:prSet presAssocID="{FC2CD8C7-22DE-4FD8-BE5C-B5EFF3818DD1}" presName="connectorText" presStyleLbl="sibTrans2D1" presStyleIdx="1" presStyleCnt="7"/>
       <dgm:spPr/>
+      <dgm:t>
+        <a:bodyPr/>
+        <a:lstStyle/>
+        <a:p>
+          <a:endParaRPr lang="fr-FR"/>
+        </a:p>
+      </dgm:t>
     </dgm:pt>
     <dgm:pt modelId="{7FD38485-6BD0-444D-A652-5E06AE00A9E5}" type="pres">
       <dgm:prSet presAssocID="{7D5AD727-B52D-4C15-8F81-ECF40C366E06}" presName="node" presStyleLbl="node1" presStyleIdx="1" presStyleCnt="7" custScaleY="45131" custRadScaleRad="101072" custRadScaleInc="39850">
@@ -1443,14 +1485,35 @@
         </dgm:presLayoutVars>
       </dgm:prSet>
       <dgm:spPr/>
+      <dgm:t>
+        <a:bodyPr/>
+        <a:lstStyle/>
+        <a:p>
+          <a:endParaRPr lang="fr-FR"/>
+        </a:p>
+      </dgm:t>
     </dgm:pt>
     <dgm:pt modelId="{56098039-CBAF-478E-849E-420E970445A4}" type="pres">
       <dgm:prSet presAssocID="{7B81B71B-46D0-4A6D-830C-D40787DA03E8}" presName="parTrans" presStyleLbl="sibTrans2D1" presStyleIdx="2" presStyleCnt="7"/>
       <dgm:spPr/>
+      <dgm:t>
+        <a:bodyPr/>
+        <a:lstStyle/>
+        <a:p>
+          <a:endParaRPr lang="fr-FR"/>
+        </a:p>
+      </dgm:t>
     </dgm:pt>
     <dgm:pt modelId="{01C07FA7-6127-46B1-A25D-7D27D71C42AE}" type="pres">
       <dgm:prSet presAssocID="{7B81B71B-46D0-4A6D-830C-D40787DA03E8}" presName="connectorText" presStyleLbl="sibTrans2D1" presStyleIdx="2" presStyleCnt="7"/>
       <dgm:spPr/>
+      <dgm:t>
+        <a:bodyPr/>
+        <a:lstStyle/>
+        <a:p>
+          <a:endParaRPr lang="fr-FR"/>
+        </a:p>
+      </dgm:t>
     </dgm:pt>
     <dgm:pt modelId="{FAA93E91-15D2-48FB-9F1C-1C1D6FCB396A}" type="pres">
       <dgm:prSet presAssocID="{CCC2B308-0DFF-4091-B48B-803AE41778E3}" presName="node" presStyleLbl="node1" presStyleIdx="2" presStyleCnt="7" custScaleY="46086">
@@ -1459,14 +1522,35 @@
         </dgm:presLayoutVars>
       </dgm:prSet>
       <dgm:spPr/>
+      <dgm:t>
+        <a:bodyPr/>
+        <a:lstStyle/>
+        <a:p>
+          <a:endParaRPr lang="fr-FR"/>
+        </a:p>
+      </dgm:t>
     </dgm:pt>
     <dgm:pt modelId="{1DFFE085-0465-4C9C-91D0-B8BC9794280B}" type="pres">
       <dgm:prSet presAssocID="{DB17F1C1-8100-4A84-9268-85BC9401DCC5}" presName="parTrans" presStyleLbl="sibTrans2D1" presStyleIdx="3" presStyleCnt="7"/>
       <dgm:spPr/>
+      <dgm:t>
+        <a:bodyPr/>
+        <a:lstStyle/>
+        <a:p>
+          <a:endParaRPr lang="fr-FR"/>
+        </a:p>
+      </dgm:t>
     </dgm:pt>
     <dgm:pt modelId="{80B1C042-E483-4375-8C28-86D3502EDF84}" type="pres">
       <dgm:prSet presAssocID="{DB17F1C1-8100-4A84-9268-85BC9401DCC5}" presName="connectorText" presStyleLbl="sibTrans2D1" presStyleIdx="3" presStyleCnt="7"/>
       <dgm:spPr/>
+      <dgm:t>
+        <a:bodyPr/>
+        <a:lstStyle/>
+        <a:p>
+          <a:endParaRPr lang="fr-FR"/>
+        </a:p>
+      </dgm:t>
     </dgm:pt>
     <dgm:pt modelId="{57029F2B-C901-4E73-B66B-D494F113F112}" type="pres">
       <dgm:prSet presAssocID="{FB167E6D-95F4-486A-9684-49CF8F1EDC35}" presName="node" presStyleLbl="node1" presStyleIdx="3" presStyleCnt="7" custScaleY="38921" custRadScaleRad="87823" custRadScaleInc="-47085">
@@ -1486,10 +1570,24 @@
     <dgm:pt modelId="{DB595E4D-B805-4A4A-88B2-DF5095B26C26}" type="pres">
       <dgm:prSet presAssocID="{3EB26ABE-F2BD-4028-99EC-F1E8582BA826}" presName="parTrans" presStyleLbl="sibTrans2D1" presStyleIdx="4" presStyleCnt="7"/>
       <dgm:spPr/>
+      <dgm:t>
+        <a:bodyPr/>
+        <a:lstStyle/>
+        <a:p>
+          <a:endParaRPr lang="fr-FR"/>
+        </a:p>
+      </dgm:t>
     </dgm:pt>
     <dgm:pt modelId="{63F394C0-7139-45BF-B22D-425E9C732477}" type="pres">
       <dgm:prSet presAssocID="{3EB26ABE-F2BD-4028-99EC-F1E8582BA826}" presName="connectorText" presStyleLbl="sibTrans2D1" presStyleIdx="4" presStyleCnt="7"/>
       <dgm:spPr/>
+      <dgm:t>
+        <a:bodyPr/>
+        <a:lstStyle/>
+        <a:p>
+          <a:endParaRPr lang="fr-FR"/>
+        </a:p>
+      </dgm:t>
     </dgm:pt>
     <dgm:pt modelId="{CDF56BA1-CC1C-4AF6-9FD5-5ECAD45B1E19}" type="pres">
       <dgm:prSet presAssocID="{AF54BFE1-C9F7-4646-9391-D6163A259868}" presName="node" presStyleLbl="node1" presStyleIdx="4" presStyleCnt="7" custScaleY="38921" custRadScaleRad="82406" custRadScaleInc="27026">
@@ -1498,14 +1596,35 @@
         </dgm:presLayoutVars>
       </dgm:prSet>
       <dgm:spPr/>
+      <dgm:t>
+        <a:bodyPr/>
+        <a:lstStyle/>
+        <a:p>
+          <a:endParaRPr lang="fr-FR"/>
+        </a:p>
+      </dgm:t>
     </dgm:pt>
     <dgm:pt modelId="{92EA049D-F3DB-461A-959D-8698A61CDADA}" type="pres">
       <dgm:prSet presAssocID="{5B9EB4C0-1E68-48AE-AF26-3DE02EFE5D06}" presName="parTrans" presStyleLbl="sibTrans2D1" presStyleIdx="5" presStyleCnt="7"/>
       <dgm:spPr/>
+      <dgm:t>
+        <a:bodyPr/>
+        <a:lstStyle/>
+        <a:p>
+          <a:endParaRPr lang="fr-FR"/>
+        </a:p>
+      </dgm:t>
     </dgm:pt>
     <dgm:pt modelId="{88188D4A-CCE1-4990-A9B4-FA0168379059}" type="pres">
       <dgm:prSet presAssocID="{5B9EB4C0-1E68-48AE-AF26-3DE02EFE5D06}" presName="connectorText" presStyleLbl="sibTrans2D1" presStyleIdx="5" presStyleCnt="7"/>
       <dgm:spPr/>
+      <dgm:t>
+        <a:bodyPr/>
+        <a:lstStyle/>
+        <a:p>
+          <a:endParaRPr lang="fr-FR"/>
+        </a:p>
+      </dgm:t>
     </dgm:pt>
     <dgm:pt modelId="{49BFCD7E-D52E-418B-850F-E0FEDBDC3C1A}" type="pres">
       <dgm:prSet presAssocID="{62C52E52-C1AD-47B5-9DB2-222920B632D5}" presName="node" presStyleLbl="node1" presStyleIdx="5" presStyleCnt="7" custScaleY="34519" custRadScaleRad="96248" custRadScaleInc="-1985">
@@ -1514,14 +1633,35 @@
         </dgm:presLayoutVars>
       </dgm:prSet>
       <dgm:spPr/>
+      <dgm:t>
+        <a:bodyPr/>
+        <a:lstStyle/>
+        <a:p>
+          <a:endParaRPr lang="fr-FR"/>
+        </a:p>
+      </dgm:t>
     </dgm:pt>
     <dgm:pt modelId="{D73A92E1-6647-4ED8-BAB6-78EC34CB8AD1}" type="pres">
       <dgm:prSet presAssocID="{51BD329E-6830-43BB-B09C-E770653834F2}" presName="parTrans" presStyleLbl="sibTrans2D1" presStyleIdx="6" presStyleCnt="7"/>
       <dgm:spPr/>
+      <dgm:t>
+        <a:bodyPr/>
+        <a:lstStyle/>
+        <a:p>
+          <a:endParaRPr lang="fr-FR"/>
+        </a:p>
+      </dgm:t>
     </dgm:pt>
     <dgm:pt modelId="{644D3658-E40F-435C-8159-E49BEEDB7CAC}" type="pres">
       <dgm:prSet presAssocID="{51BD329E-6830-43BB-B09C-E770653834F2}" presName="connectorText" presStyleLbl="sibTrans2D1" presStyleIdx="6" presStyleCnt="7"/>
       <dgm:spPr/>
+      <dgm:t>
+        <a:bodyPr/>
+        <a:lstStyle/>
+        <a:p>
+          <a:endParaRPr lang="fr-FR"/>
+        </a:p>
+      </dgm:t>
     </dgm:pt>
     <dgm:pt modelId="{0898BD1C-0D41-48F1-BA11-A3086BB4EAB8}" type="pres">
       <dgm:prSet presAssocID="{429AED82-4220-4FA6-BFD1-9BFC6D52522A}" presName="node" presStyleLbl="node1" presStyleIdx="6" presStyleCnt="7" custScaleY="44898" custRadScaleRad="95987" custRadScaleInc="-33229">
@@ -1540,37 +1680,37 @@
     </dgm:pt>
   </dgm:ptLst>
   <dgm:cxnLst>
-    <dgm:cxn modelId="{20C0B18A-0934-4C2F-9B2C-BCDC133AE3F0}" type="presOf" srcId="{7B81B71B-46D0-4A6D-830C-D40787DA03E8}" destId="{01C07FA7-6127-46B1-A25D-7D27D71C42AE}" srcOrd="1" destOrd="0" presId="urn:microsoft.com/office/officeart/2005/8/layout/radial5"/>
+    <dgm:cxn modelId="{1B9D6484-9762-489A-A018-62AC55E20A90}" type="presOf" srcId="{EAC09F0B-262C-4FC1-B4B2-6CE1041716FF}" destId="{27F82ACC-B48B-4BAF-B8F5-E19DE7EFBFE6}" srcOrd="0" destOrd="0" presId="urn:microsoft.com/office/officeart/2005/8/layout/radial5"/>
     <dgm:cxn modelId="{328D04D4-454C-4D80-BAE8-80E14F1A6E1C}" type="presOf" srcId="{DB17F1C1-8100-4A84-9268-85BC9401DCC5}" destId="{80B1C042-E483-4375-8C28-86D3502EDF84}" srcOrd="1" destOrd="0" presId="urn:microsoft.com/office/officeart/2005/8/layout/radial5"/>
-    <dgm:cxn modelId="{E293F5C5-9FA2-4796-846E-318452D9245E}" srcId="{CC7A09D6-CF51-4503-A499-AEF2F86A612F}" destId="{CCC2B308-0DFF-4091-B48B-803AE41778E3}" srcOrd="2" destOrd="0" parTransId="{7B81B71B-46D0-4A6D-830C-D40787DA03E8}" sibTransId="{86F0E311-87DC-4734-807F-C04DD816D27D}"/>
-    <dgm:cxn modelId="{9B22C6CD-3D1B-4DDE-AE75-083131893F2D}" srcId="{EAC09F0B-262C-4FC1-B4B2-6CE1041716FF}" destId="{CC7A09D6-CF51-4503-A499-AEF2F86A612F}" srcOrd="0" destOrd="0" parTransId="{6C9F694C-4D87-42C9-A17F-036DA80877D9}" sibTransId="{E04762FD-5F95-45CE-AE4B-76F0F4EDD05D}"/>
     <dgm:cxn modelId="{9AE4555C-1BCE-4710-846A-3E55ED13E17F}" type="presOf" srcId="{FB167E6D-95F4-486A-9684-49CF8F1EDC35}" destId="{57029F2B-C901-4E73-B66B-D494F113F112}" srcOrd="0" destOrd="0" presId="urn:microsoft.com/office/officeart/2005/8/layout/radial5"/>
-    <dgm:cxn modelId="{738194C6-EC65-440B-ACBA-EA2A0BF276CE}" srcId="{CC7A09D6-CF51-4503-A499-AEF2F86A612F}" destId="{AF54BFE1-C9F7-4646-9391-D6163A259868}" srcOrd="4" destOrd="0" parTransId="{3EB26ABE-F2BD-4028-99EC-F1E8582BA826}" sibTransId="{7568927D-FC3D-42AA-B1C2-779A2F90BA1A}"/>
-    <dgm:cxn modelId="{6D0B7F88-6B38-4399-AE69-CAC866F7F964}" type="presOf" srcId="{5B9EB4C0-1E68-48AE-AF26-3DE02EFE5D06}" destId="{92EA049D-F3DB-461A-959D-8698A61CDADA}" srcOrd="0" destOrd="0" presId="urn:microsoft.com/office/officeart/2005/8/layout/radial5"/>
-    <dgm:cxn modelId="{A174C8CD-7127-4031-AA10-920DFB100133}" type="presOf" srcId="{429AED82-4220-4FA6-BFD1-9BFC6D52522A}" destId="{0898BD1C-0D41-48F1-BA11-A3086BB4EAB8}" srcOrd="0" destOrd="0" presId="urn:microsoft.com/office/officeart/2005/8/layout/radial5"/>
-    <dgm:cxn modelId="{0359A209-85E5-4631-82A3-C1A054F73892}" type="presOf" srcId="{AF54BFE1-C9F7-4646-9391-D6163A259868}" destId="{CDF56BA1-CC1C-4AF6-9FD5-5ECAD45B1E19}" srcOrd="0" destOrd="0" presId="urn:microsoft.com/office/officeart/2005/8/layout/radial5"/>
     <dgm:cxn modelId="{7DF02CA6-7569-4BCC-9DEE-B7FCFFB3CDA2}" type="presOf" srcId="{3EB26ABE-F2BD-4028-99EC-F1E8582BA826}" destId="{DB595E4D-B805-4A4A-88B2-DF5095B26C26}" srcOrd="0" destOrd="0" presId="urn:microsoft.com/office/officeart/2005/8/layout/radial5"/>
     <dgm:cxn modelId="{0E3DBAB9-8A9E-4151-A510-B64BB5DEF846}" type="presOf" srcId="{FC2CD8C7-22DE-4FD8-BE5C-B5EFF3818DD1}" destId="{B1A927CB-9F4B-4F29-AD07-9974F3A6F2F9}" srcOrd="0" destOrd="0" presId="urn:microsoft.com/office/officeart/2005/8/layout/radial5"/>
     <dgm:cxn modelId="{F1F52530-2588-4ADC-84CA-48D0BC728A4A}" type="presOf" srcId="{7B81B71B-46D0-4A6D-830C-D40787DA03E8}" destId="{56098039-CBAF-478E-849E-420E970445A4}" srcOrd="0" destOrd="0" presId="urn:microsoft.com/office/officeart/2005/8/layout/radial5"/>
-    <dgm:cxn modelId="{1B9D6484-9762-489A-A018-62AC55E20A90}" type="presOf" srcId="{EAC09F0B-262C-4FC1-B4B2-6CE1041716FF}" destId="{27F82ACC-B48B-4BAF-B8F5-E19DE7EFBFE6}" srcOrd="0" destOrd="0" presId="urn:microsoft.com/office/officeart/2005/8/layout/radial5"/>
+    <dgm:cxn modelId="{D3462101-1D12-41E8-AE45-EAB0A1B71C2E}" type="presOf" srcId="{7D5AD727-B52D-4C15-8F81-ECF40C366E06}" destId="{7FD38485-6BD0-444D-A652-5E06AE00A9E5}" srcOrd="0" destOrd="0" presId="urn:microsoft.com/office/officeart/2005/8/layout/radial5"/>
+    <dgm:cxn modelId="{6D0B7F88-6B38-4399-AE69-CAC866F7F964}" type="presOf" srcId="{5B9EB4C0-1E68-48AE-AF26-3DE02EFE5D06}" destId="{92EA049D-F3DB-461A-959D-8698A61CDADA}" srcOrd="0" destOrd="0" presId="urn:microsoft.com/office/officeart/2005/8/layout/radial5"/>
+    <dgm:cxn modelId="{28593B54-6CAA-46DD-A60F-B65FBE49C607}" srcId="{CC7A09D6-CF51-4503-A499-AEF2F86A612F}" destId="{62C52E52-C1AD-47B5-9DB2-222920B632D5}" srcOrd="5" destOrd="0" parTransId="{5B9EB4C0-1E68-48AE-AF26-3DE02EFE5D06}" sibTransId="{E35DC3D1-23F4-46B8-A668-702D0A5F3BA7}"/>
+    <dgm:cxn modelId="{C11749B2-4461-4901-B8F3-9F0A9280E0E3}" type="presOf" srcId="{5E9DFCFE-8035-47FF-8737-041E4392E51E}" destId="{A2FC416A-EBC7-46CE-8A00-5E59C50D8257}" srcOrd="0" destOrd="0" presId="urn:microsoft.com/office/officeart/2005/8/layout/radial5"/>
+    <dgm:cxn modelId="{20C0B18A-0934-4C2F-9B2C-BCDC133AE3F0}" type="presOf" srcId="{7B81B71B-46D0-4A6D-830C-D40787DA03E8}" destId="{01C07FA7-6127-46B1-A25D-7D27D71C42AE}" srcOrd="1" destOrd="0" presId="urn:microsoft.com/office/officeart/2005/8/layout/radial5"/>
+    <dgm:cxn modelId="{A174C8CD-7127-4031-AA10-920DFB100133}" type="presOf" srcId="{429AED82-4220-4FA6-BFD1-9BFC6D52522A}" destId="{0898BD1C-0D41-48F1-BA11-A3086BB4EAB8}" srcOrd="0" destOrd="0" presId="urn:microsoft.com/office/officeart/2005/8/layout/radial5"/>
+    <dgm:cxn modelId="{0359A209-85E5-4631-82A3-C1A054F73892}" type="presOf" srcId="{AF54BFE1-C9F7-4646-9391-D6163A259868}" destId="{CDF56BA1-CC1C-4AF6-9FD5-5ECAD45B1E19}" srcOrd="0" destOrd="0" presId="urn:microsoft.com/office/officeart/2005/8/layout/radial5"/>
+    <dgm:cxn modelId="{C0F3508B-F94D-4974-A5C9-20089ED5404E}" type="presOf" srcId="{62C52E52-C1AD-47B5-9DB2-222920B632D5}" destId="{49BFCD7E-D52E-418B-850F-E0FEDBDC3C1A}" srcOrd="0" destOrd="0" presId="urn:microsoft.com/office/officeart/2005/8/layout/radial5"/>
+    <dgm:cxn modelId="{7F2A7CCF-8E7C-4FEE-A2B1-5C49B8BBFA30}" type="presOf" srcId="{5E9DFCFE-8035-47FF-8737-041E4392E51E}" destId="{C36A42E1-BA91-4E47-B26A-022A82C87076}" srcOrd="1" destOrd="0" presId="urn:microsoft.com/office/officeart/2005/8/layout/radial5"/>
+    <dgm:cxn modelId="{57D0446D-082A-40E7-A52A-213E78D1C776}" type="presOf" srcId="{5B9EB4C0-1E68-48AE-AF26-3DE02EFE5D06}" destId="{88188D4A-CCE1-4990-A9B4-FA0168379059}" srcOrd="1" destOrd="0" presId="urn:microsoft.com/office/officeart/2005/8/layout/radial5"/>
+    <dgm:cxn modelId="{69DBF3AA-50E3-4C2F-93BC-81D38815D9F2}" srcId="{CC7A09D6-CF51-4503-A499-AEF2F86A612F}" destId="{D15BCD82-54F2-4B53-AD5B-FCD43A008746}" srcOrd="0" destOrd="0" parTransId="{5E9DFCFE-8035-47FF-8737-041E4392E51E}" sibTransId="{D82A9993-BEF0-4F2B-A0FE-323133071D30}"/>
     <dgm:cxn modelId="{C5A8998D-2D5F-49EE-B361-648C0423C1DA}" type="presOf" srcId="{DB17F1C1-8100-4A84-9268-85BC9401DCC5}" destId="{1DFFE085-0465-4C9C-91D0-B8BC9794280B}" srcOrd="0" destOrd="0" presId="urn:microsoft.com/office/officeart/2005/8/layout/radial5"/>
-    <dgm:cxn modelId="{C0F3508B-F94D-4974-A5C9-20089ED5404E}" type="presOf" srcId="{62C52E52-C1AD-47B5-9DB2-222920B632D5}" destId="{49BFCD7E-D52E-418B-850F-E0FEDBDC3C1A}" srcOrd="0" destOrd="0" presId="urn:microsoft.com/office/officeart/2005/8/layout/radial5"/>
-    <dgm:cxn modelId="{A1F301B4-1190-4C43-8908-2959AB824ABF}" type="presOf" srcId="{51BD329E-6830-43BB-B09C-E770653834F2}" destId="{644D3658-E40F-435C-8159-E49BEEDB7CAC}" srcOrd="1" destOrd="0" presId="urn:microsoft.com/office/officeart/2005/8/layout/radial5"/>
-    <dgm:cxn modelId="{D3462101-1D12-41E8-AE45-EAB0A1B71C2E}" type="presOf" srcId="{7D5AD727-B52D-4C15-8F81-ECF40C366E06}" destId="{7FD38485-6BD0-444D-A652-5E06AE00A9E5}" srcOrd="0" destOrd="0" presId="urn:microsoft.com/office/officeart/2005/8/layout/radial5"/>
-    <dgm:cxn modelId="{15F517FA-77CA-4F5F-90CF-4C6DBBF2B577}" type="presOf" srcId="{51BD329E-6830-43BB-B09C-E770653834F2}" destId="{D73A92E1-6647-4ED8-BAB6-78EC34CB8AD1}" srcOrd="0" destOrd="0" presId="urn:microsoft.com/office/officeart/2005/8/layout/radial5"/>
     <dgm:cxn modelId="{BA3E3BF1-3585-4CFA-A2C3-1D50C9F18DB6}" type="presOf" srcId="{FC2CD8C7-22DE-4FD8-BE5C-B5EFF3818DD1}" destId="{327B7C4E-C444-4ED2-92AB-EFA2130B78B5}" srcOrd="1" destOrd="0" presId="urn:microsoft.com/office/officeart/2005/8/layout/radial5"/>
     <dgm:cxn modelId="{5FD8A590-A627-49F6-8CDB-A9E80CDFDDAC}" type="presOf" srcId="{D15BCD82-54F2-4B53-AD5B-FCD43A008746}" destId="{15FE29C2-5BA5-4DFC-BAC0-77F2915FA520}" srcOrd="0" destOrd="0" presId="urn:microsoft.com/office/officeart/2005/8/layout/radial5"/>
-    <dgm:cxn modelId="{C11749B2-4461-4901-B8F3-9F0A9280E0E3}" type="presOf" srcId="{5E9DFCFE-8035-47FF-8737-041E4392E51E}" destId="{A2FC416A-EBC7-46CE-8A00-5E59C50D8257}" srcOrd="0" destOrd="0" presId="urn:microsoft.com/office/officeart/2005/8/layout/radial5"/>
-    <dgm:cxn modelId="{69DBF3AA-50E3-4C2F-93BC-81D38815D9F2}" srcId="{CC7A09D6-CF51-4503-A499-AEF2F86A612F}" destId="{D15BCD82-54F2-4B53-AD5B-FCD43A008746}" srcOrd="0" destOrd="0" parTransId="{5E9DFCFE-8035-47FF-8737-041E4392E51E}" sibTransId="{D82A9993-BEF0-4F2B-A0FE-323133071D30}"/>
+    <dgm:cxn modelId="{738194C6-EC65-440B-ACBA-EA2A0BF276CE}" srcId="{CC7A09D6-CF51-4503-A499-AEF2F86A612F}" destId="{AF54BFE1-C9F7-4646-9391-D6163A259868}" srcOrd="4" destOrd="0" parTransId="{3EB26ABE-F2BD-4028-99EC-F1E8582BA826}" sibTransId="{7568927D-FC3D-42AA-B1C2-779A2F90BA1A}"/>
+    <dgm:cxn modelId="{A2BEC598-FE8B-4C64-832D-EFF2E6F316C2}" srcId="{CC7A09D6-CF51-4503-A499-AEF2F86A612F}" destId="{429AED82-4220-4FA6-BFD1-9BFC6D52522A}" srcOrd="6" destOrd="0" parTransId="{51BD329E-6830-43BB-B09C-E770653834F2}" sibTransId="{3D00A040-3661-4F05-9AED-3F7171D38CC8}"/>
+    <dgm:cxn modelId="{36EA8AA1-3787-438A-B12C-7497065248DC}" type="presOf" srcId="{CCC2B308-0DFF-4091-B48B-803AE41778E3}" destId="{FAA93E91-15D2-48FB-9F1C-1C1D6FCB396A}" srcOrd="0" destOrd="0" presId="urn:microsoft.com/office/officeart/2005/8/layout/radial5"/>
+    <dgm:cxn modelId="{06F77691-4154-4D63-8C04-D73E8F8B34FA}" type="presOf" srcId="{CC7A09D6-CF51-4503-A499-AEF2F86A612F}" destId="{DF09870F-F5ED-4920-B7E1-9F0D91D7F1CD}" srcOrd="0" destOrd="0" presId="urn:microsoft.com/office/officeart/2005/8/layout/radial5"/>
+    <dgm:cxn modelId="{9B22C6CD-3D1B-4DDE-AE75-083131893F2D}" srcId="{EAC09F0B-262C-4FC1-B4B2-6CE1041716FF}" destId="{CC7A09D6-CF51-4503-A499-AEF2F86A612F}" srcOrd="0" destOrd="0" parTransId="{6C9F694C-4D87-42C9-A17F-036DA80877D9}" sibTransId="{E04762FD-5F95-45CE-AE4B-76F0F4EDD05D}"/>
+    <dgm:cxn modelId="{149DB207-923A-4655-AD15-AED99E1D0609}" type="presOf" srcId="{3EB26ABE-F2BD-4028-99EC-F1E8582BA826}" destId="{63F394C0-7139-45BF-B22D-425E9C732477}" srcOrd="1" destOrd="0" presId="urn:microsoft.com/office/officeart/2005/8/layout/radial5"/>
+    <dgm:cxn modelId="{1F6E322F-7A32-46B3-8384-36E159BC6A7B}" srcId="{CC7A09D6-CF51-4503-A499-AEF2F86A612F}" destId="{7D5AD727-B52D-4C15-8F81-ECF40C366E06}" srcOrd="1" destOrd="0" parTransId="{FC2CD8C7-22DE-4FD8-BE5C-B5EFF3818DD1}" sibTransId="{92842FD9-58C7-469D-B912-ED30619B3461}"/>
     <dgm:cxn modelId="{EDE851F5-EECF-41D5-A859-0BED15D98140}" srcId="{CC7A09D6-CF51-4503-A499-AEF2F86A612F}" destId="{FB167E6D-95F4-486A-9684-49CF8F1EDC35}" srcOrd="3" destOrd="0" parTransId="{DB17F1C1-8100-4A84-9268-85BC9401DCC5}" sibTransId="{CF9EB4C0-46C5-472F-847A-42C49CDB749A}"/>
-    <dgm:cxn modelId="{1F6E322F-7A32-46B3-8384-36E159BC6A7B}" srcId="{CC7A09D6-CF51-4503-A499-AEF2F86A612F}" destId="{7D5AD727-B52D-4C15-8F81-ECF40C366E06}" srcOrd="1" destOrd="0" parTransId="{FC2CD8C7-22DE-4FD8-BE5C-B5EFF3818DD1}" sibTransId="{92842FD9-58C7-469D-B912-ED30619B3461}"/>
-    <dgm:cxn modelId="{149DB207-923A-4655-AD15-AED99E1D0609}" type="presOf" srcId="{3EB26ABE-F2BD-4028-99EC-F1E8582BA826}" destId="{63F394C0-7139-45BF-B22D-425E9C732477}" srcOrd="1" destOrd="0" presId="urn:microsoft.com/office/officeart/2005/8/layout/radial5"/>
-    <dgm:cxn modelId="{57D0446D-082A-40E7-A52A-213E78D1C776}" type="presOf" srcId="{5B9EB4C0-1E68-48AE-AF26-3DE02EFE5D06}" destId="{88188D4A-CCE1-4990-A9B4-FA0168379059}" srcOrd="1" destOrd="0" presId="urn:microsoft.com/office/officeart/2005/8/layout/radial5"/>
-    <dgm:cxn modelId="{A2BEC598-FE8B-4C64-832D-EFF2E6F316C2}" srcId="{CC7A09D6-CF51-4503-A499-AEF2F86A612F}" destId="{429AED82-4220-4FA6-BFD1-9BFC6D52522A}" srcOrd="6" destOrd="0" parTransId="{51BD329E-6830-43BB-B09C-E770653834F2}" sibTransId="{3D00A040-3661-4F05-9AED-3F7171D38CC8}"/>
-    <dgm:cxn modelId="{06F77691-4154-4D63-8C04-D73E8F8B34FA}" type="presOf" srcId="{CC7A09D6-CF51-4503-A499-AEF2F86A612F}" destId="{DF09870F-F5ED-4920-B7E1-9F0D91D7F1CD}" srcOrd="0" destOrd="0" presId="urn:microsoft.com/office/officeart/2005/8/layout/radial5"/>
-    <dgm:cxn modelId="{7F2A7CCF-8E7C-4FEE-A2B1-5C49B8BBFA30}" type="presOf" srcId="{5E9DFCFE-8035-47FF-8737-041E4392E51E}" destId="{C36A42E1-BA91-4E47-B26A-022A82C87076}" srcOrd="1" destOrd="0" presId="urn:microsoft.com/office/officeart/2005/8/layout/radial5"/>
-    <dgm:cxn modelId="{28593B54-6CAA-46DD-A60F-B65FBE49C607}" srcId="{CC7A09D6-CF51-4503-A499-AEF2F86A612F}" destId="{62C52E52-C1AD-47B5-9DB2-222920B632D5}" srcOrd="5" destOrd="0" parTransId="{5B9EB4C0-1E68-48AE-AF26-3DE02EFE5D06}" sibTransId="{E35DC3D1-23F4-46B8-A668-702D0A5F3BA7}"/>
-    <dgm:cxn modelId="{36EA8AA1-3787-438A-B12C-7497065248DC}" type="presOf" srcId="{CCC2B308-0DFF-4091-B48B-803AE41778E3}" destId="{FAA93E91-15D2-48FB-9F1C-1C1D6FCB396A}" srcOrd="0" destOrd="0" presId="urn:microsoft.com/office/officeart/2005/8/layout/radial5"/>
+    <dgm:cxn modelId="{A1F301B4-1190-4C43-8908-2959AB824ABF}" type="presOf" srcId="{51BD329E-6830-43BB-B09C-E770653834F2}" destId="{644D3658-E40F-435C-8159-E49BEEDB7CAC}" srcOrd="1" destOrd="0" presId="urn:microsoft.com/office/officeart/2005/8/layout/radial5"/>
+    <dgm:cxn modelId="{15F517FA-77CA-4F5F-90CF-4C6DBBF2B577}" type="presOf" srcId="{51BD329E-6830-43BB-B09C-E770653834F2}" destId="{D73A92E1-6647-4ED8-BAB6-78EC34CB8AD1}" srcOrd="0" destOrd="0" presId="urn:microsoft.com/office/officeart/2005/8/layout/radial5"/>
+    <dgm:cxn modelId="{E293F5C5-9FA2-4796-846E-318452D9245E}" srcId="{CC7A09D6-CF51-4503-A499-AEF2F86A612F}" destId="{CCC2B308-0DFF-4091-B48B-803AE41778E3}" srcOrd="2" destOrd="0" parTransId="{7B81B71B-46D0-4A6D-830C-D40787DA03E8}" sibTransId="{86F0E311-87DC-4734-807F-C04DD816D27D}"/>
     <dgm:cxn modelId="{079DEB35-52B8-4894-B2EF-7AC62B5AB911}" type="presParOf" srcId="{27F82ACC-B48B-4BAF-B8F5-E19DE7EFBFE6}" destId="{DF09870F-F5ED-4920-B7E1-9F0D91D7F1CD}" srcOrd="0" destOrd="0" presId="urn:microsoft.com/office/officeart/2005/8/layout/radial5"/>
     <dgm:cxn modelId="{3CFCE81B-6E56-4F4A-A379-FCB7134B90CB}" type="presParOf" srcId="{27F82ACC-B48B-4BAF-B8F5-E19DE7EFBFE6}" destId="{A2FC416A-EBC7-46CE-8A00-5E59C50D8257}" srcOrd="1" destOrd="0" presId="urn:microsoft.com/office/officeart/2005/8/layout/radial5"/>
     <dgm:cxn modelId="{24B291DD-BB24-42EA-9CCC-4CC5A1ABC878}" type="presParOf" srcId="{A2FC416A-EBC7-46CE-8A00-5E59C50D8257}" destId="{C36A42E1-BA91-4E47-B26A-022A82C87076}" srcOrd="0" destOrd="0" presId="urn:microsoft.com/office/officeart/2005/8/layout/radial5"/>
@@ -14203,35 +14343,20 @@
           <a:prstGeom prst="upDownArrow">
             <a:avLst/>
           </a:prstGeom>
-          <a:solidFill>
-            <a:schemeClr val="accent1">
-              <a:lumMod val="20000"/>
-              <a:lumOff val="80000"/>
-            </a:schemeClr>
-          </a:solidFill>
-          <a:ln>
-            <a:solidFill>
-              <a:schemeClr val="accent1">
-                <a:lumMod val="60000"/>
-                <a:lumOff val="40000"/>
-              </a:schemeClr>
-            </a:solidFill>
-          </a:ln>
+          <a:ln/>
         </p:spPr>
         <p:style>
-          <a:lnRef idx="2">
-            <a:schemeClr val="accent1">
-              <a:shade val="50000"/>
-            </a:schemeClr>
+          <a:lnRef idx="1">
+            <a:schemeClr val="accent1"/>
           </a:lnRef>
-          <a:fillRef idx="1">
+          <a:fillRef idx="2">
             <a:schemeClr val="accent1"/>
           </a:fillRef>
-          <a:effectRef idx="0">
+          <a:effectRef idx="1">
             <a:schemeClr val="accent1"/>
           </a:effectRef>
           <a:fontRef idx="minor">
-            <a:schemeClr val="lt1"/>
+            <a:schemeClr val="dk1"/>
           </a:fontRef>
         </p:style>
         <p:txBody>

--- a/Ressources/Ecarts.pptx
+++ b/Ressources/Ecarts.pptx
@@ -1063,13 +1063,13 @@
       <dgm:prSet phldrT="[Texte]" custT="1">
         <dgm:style>
           <a:lnRef idx="1">
-            <a:schemeClr val="accent3"/>
+            <a:schemeClr val="accent1"/>
           </a:lnRef>
           <a:fillRef idx="2">
-            <a:schemeClr val="accent3"/>
+            <a:schemeClr val="accent1"/>
           </a:fillRef>
           <a:effectRef idx="1">
-            <a:schemeClr val="accent3"/>
+            <a:schemeClr val="accent1"/>
           </a:effectRef>
           <a:fontRef idx="minor">
             <a:schemeClr val="dk1"/>
@@ -1093,13 +1093,13 @@
       <dgm:prSet custT="1">
         <dgm:style>
           <a:lnRef idx="1">
-            <a:schemeClr val="accent3"/>
+            <a:schemeClr val="accent1"/>
           </a:lnRef>
           <a:fillRef idx="2">
-            <a:schemeClr val="accent3"/>
+            <a:schemeClr val="accent1"/>
           </a:fillRef>
           <a:effectRef idx="1">
-            <a:schemeClr val="accent3"/>
+            <a:schemeClr val="accent1"/>
           </a:effectRef>
           <a:fontRef idx="minor">
             <a:schemeClr val="dk1"/>
@@ -1196,13 +1196,13 @@
       <dgm:prSet phldrT="[Texte]" custT="1">
         <dgm:style>
           <a:lnRef idx="1">
-            <a:schemeClr val="accent3"/>
+            <a:schemeClr val="accent1"/>
           </a:lnRef>
           <a:fillRef idx="2">
-            <a:schemeClr val="accent3"/>
+            <a:schemeClr val="accent1"/>
           </a:fillRef>
           <a:effectRef idx="1">
-            <a:schemeClr val="accent3"/>
+            <a:schemeClr val="accent1"/>
           </a:effectRef>
           <a:fontRef idx="minor">
             <a:schemeClr val="dk1"/>
@@ -1225,13 +1225,13 @@
       <dgm:prSet custT="1">
         <dgm:style>
           <a:lnRef idx="1">
-            <a:schemeClr val="accent3"/>
+            <a:schemeClr val="accent1"/>
           </a:lnRef>
           <a:fillRef idx="2">
-            <a:schemeClr val="accent3"/>
+            <a:schemeClr val="accent1"/>
           </a:fillRef>
           <a:effectRef idx="1">
-            <a:schemeClr val="accent3"/>
+            <a:schemeClr val="accent1"/>
           </a:effectRef>
           <a:fontRef idx="minor">
             <a:schemeClr val="dk1"/>
@@ -1262,13 +1262,13 @@
       <dgm:prSet phldrT="[Texte]" custT="1">
         <dgm:style>
           <a:lnRef idx="1">
-            <a:schemeClr val="accent1"/>
+            <a:schemeClr val="accent3"/>
           </a:lnRef>
           <a:fillRef idx="2">
-            <a:schemeClr val="accent1"/>
+            <a:schemeClr val="accent3"/>
           </a:fillRef>
           <a:effectRef idx="1">
-            <a:schemeClr val="accent1"/>
+            <a:schemeClr val="accent3"/>
           </a:effectRef>
           <a:fontRef idx="minor">
             <a:schemeClr val="dk1"/>
@@ -1291,13 +1291,13 @@
       <dgm:prSet custT="1">
         <dgm:style>
           <a:lnRef idx="1">
-            <a:schemeClr val="accent1"/>
+            <a:schemeClr val="accent3"/>
           </a:lnRef>
           <a:fillRef idx="2">
-            <a:schemeClr val="accent1"/>
+            <a:schemeClr val="accent3"/>
           </a:fillRef>
           <a:effectRef idx="1">
-            <a:schemeClr val="accent1"/>
+            <a:schemeClr val="accent3"/>
           </a:effectRef>
           <a:fontRef idx="minor">
             <a:schemeClr val="dk1"/>
@@ -1680,37 +1680,37 @@
     </dgm:pt>
   </dgm:ptLst>
   <dgm:cxnLst>
-    <dgm:cxn modelId="{1B9D6484-9762-489A-A018-62AC55E20A90}" type="presOf" srcId="{EAC09F0B-262C-4FC1-B4B2-6CE1041716FF}" destId="{27F82ACC-B48B-4BAF-B8F5-E19DE7EFBFE6}" srcOrd="0" destOrd="0" presId="urn:microsoft.com/office/officeart/2005/8/layout/radial5"/>
-    <dgm:cxn modelId="{328D04D4-454C-4D80-BAE8-80E14F1A6E1C}" type="presOf" srcId="{DB17F1C1-8100-4A84-9268-85BC9401DCC5}" destId="{80B1C042-E483-4375-8C28-86D3502EDF84}" srcOrd="1" destOrd="0" presId="urn:microsoft.com/office/officeart/2005/8/layout/radial5"/>
-    <dgm:cxn modelId="{9AE4555C-1BCE-4710-846A-3E55ED13E17F}" type="presOf" srcId="{FB167E6D-95F4-486A-9684-49CF8F1EDC35}" destId="{57029F2B-C901-4E73-B66B-D494F113F112}" srcOrd="0" destOrd="0" presId="urn:microsoft.com/office/officeart/2005/8/layout/radial5"/>
     <dgm:cxn modelId="{7DF02CA6-7569-4BCC-9DEE-B7FCFFB3CDA2}" type="presOf" srcId="{3EB26ABE-F2BD-4028-99EC-F1E8582BA826}" destId="{DB595E4D-B805-4A4A-88B2-DF5095B26C26}" srcOrd="0" destOrd="0" presId="urn:microsoft.com/office/officeart/2005/8/layout/radial5"/>
+    <dgm:cxn modelId="{20C0B18A-0934-4C2F-9B2C-BCDC133AE3F0}" type="presOf" srcId="{7B81B71B-46D0-4A6D-830C-D40787DA03E8}" destId="{01C07FA7-6127-46B1-A25D-7D27D71C42AE}" srcOrd="1" destOrd="0" presId="urn:microsoft.com/office/officeart/2005/8/layout/radial5"/>
     <dgm:cxn modelId="{0E3DBAB9-8A9E-4151-A510-B64BB5DEF846}" type="presOf" srcId="{FC2CD8C7-22DE-4FD8-BE5C-B5EFF3818DD1}" destId="{B1A927CB-9F4B-4F29-AD07-9974F3A6F2F9}" srcOrd="0" destOrd="0" presId="urn:microsoft.com/office/officeart/2005/8/layout/radial5"/>
-    <dgm:cxn modelId="{F1F52530-2588-4ADC-84CA-48D0BC728A4A}" type="presOf" srcId="{7B81B71B-46D0-4A6D-830C-D40787DA03E8}" destId="{56098039-CBAF-478E-849E-420E970445A4}" srcOrd="0" destOrd="0" presId="urn:microsoft.com/office/officeart/2005/8/layout/radial5"/>
-    <dgm:cxn modelId="{D3462101-1D12-41E8-AE45-EAB0A1B71C2E}" type="presOf" srcId="{7D5AD727-B52D-4C15-8F81-ECF40C366E06}" destId="{7FD38485-6BD0-444D-A652-5E06AE00A9E5}" srcOrd="0" destOrd="0" presId="urn:microsoft.com/office/officeart/2005/8/layout/radial5"/>
-    <dgm:cxn modelId="{6D0B7F88-6B38-4399-AE69-CAC866F7F964}" type="presOf" srcId="{5B9EB4C0-1E68-48AE-AF26-3DE02EFE5D06}" destId="{92EA049D-F3DB-461A-959D-8698A61CDADA}" srcOrd="0" destOrd="0" presId="urn:microsoft.com/office/officeart/2005/8/layout/radial5"/>
-    <dgm:cxn modelId="{28593B54-6CAA-46DD-A60F-B65FBE49C607}" srcId="{CC7A09D6-CF51-4503-A499-AEF2F86A612F}" destId="{62C52E52-C1AD-47B5-9DB2-222920B632D5}" srcOrd="5" destOrd="0" parTransId="{5B9EB4C0-1E68-48AE-AF26-3DE02EFE5D06}" sibTransId="{E35DC3D1-23F4-46B8-A668-702D0A5F3BA7}"/>
+    <dgm:cxn modelId="{9B22C6CD-3D1B-4DDE-AE75-083131893F2D}" srcId="{EAC09F0B-262C-4FC1-B4B2-6CE1041716FF}" destId="{CC7A09D6-CF51-4503-A499-AEF2F86A612F}" srcOrd="0" destOrd="0" parTransId="{6C9F694C-4D87-42C9-A17F-036DA80877D9}" sibTransId="{E04762FD-5F95-45CE-AE4B-76F0F4EDD05D}"/>
+    <dgm:cxn modelId="{E293F5C5-9FA2-4796-846E-318452D9245E}" srcId="{CC7A09D6-CF51-4503-A499-AEF2F86A612F}" destId="{CCC2B308-0DFF-4091-B48B-803AE41778E3}" srcOrd="2" destOrd="0" parTransId="{7B81B71B-46D0-4A6D-830C-D40787DA03E8}" sibTransId="{86F0E311-87DC-4734-807F-C04DD816D27D}"/>
+    <dgm:cxn modelId="{EDE851F5-EECF-41D5-A859-0BED15D98140}" srcId="{CC7A09D6-CF51-4503-A499-AEF2F86A612F}" destId="{FB167E6D-95F4-486A-9684-49CF8F1EDC35}" srcOrd="3" destOrd="0" parTransId="{DB17F1C1-8100-4A84-9268-85BC9401DCC5}" sibTransId="{CF9EB4C0-46C5-472F-847A-42C49CDB749A}"/>
+    <dgm:cxn modelId="{C5A8998D-2D5F-49EE-B361-648C0423C1DA}" type="presOf" srcId="{DB17F1C1-8100-4A84-9268-85BC9401DCC5}" destId="{1DFFE085-0465-4C9C-91D0-B8BC9794280B}" srcOrd="0" destOrd="0" presId="urn:microsoft.com/office/officeart/2005/8/layout/radial5"/>
+    <dgm:cxn modelId="{5FD8A590-A627-49F6-8CDB-A9E80CDFDDAC}" type="presOf" srcId="{D15BCD82-54F2-4B53-AD5B-FCD43A008746}" destId="{15FE29C2-5BA5-4DFC-BAC0-77F2915FA520}" srcOrd="0" destOrd="0" presId="urn:microsoft.com/office/officeart/2005/8/layout/radial5"/>
     <dgm:cxn modelId="{C11749B2-4461-4901-B8F3-9F0A9280E0E3}" type="presOf" srcId="{5E9DFCFE-8035-47FF-8737-041E4392E51E}" destId="{A2FC416A-EBC7-46CE-8A00-5E59C50D8257}" srcOrd="0" destOrd="0" presId="urn:microsoft.com/office/officeart/2005/8/layout/radial5"/>
-    <dgm:cxn modelId="{20C0B18A-0934-4C2F-9B2C-BCDC133AE3F0}" type="presOf" srcId="{7B81B71B-46D0-4A6D-830C-D40787DA03E8}" destId="{01C07FA7-6127-46B1-A25D-7D27D71C42AE}" srcOrd="1" destOrd="0" presId="urn:microsoft.com/office/officeart/2005/8/layout/radial5"/>
     <dgm:cxn modelId="{A174C8CD-7127-4031-AA10-920DFB100133}" type="presOf" srcId="{429AED82-4220-4FA6-BFD1-9BFC6D52522A}" destId="{0898BD1C-0D41-48F1-BA11-A3086BB4EAB8}" srcOrd="0" destOrd="0" presId="urn:microsoft.com/office/officeart/2005/8/layout/radial5"/>
     <dgm:cxn modelId="{0359A209-85E5-4631-82A3-C1A054F73892}" type="presOf" srcId="{AF54BFE1-C9F7-4646-9391-D6163A259868}" destId="{CDF56BA1-CC1C-4AF6-9FD5-5ECAD45B1E19}" srcOrd="0" destOrd="0" presId="urn:microsoft.com/office/officeart/2005/8/layout/radial5"/>
-    <dgm:cxn modelId="{C0F3508B-F94D-4974-A5C9-20089ED5404E}" type="presOf" srcId="{62C52E52-C1AD-47B5-9DB2-222920B632D5}" destId="{49BFCD7E-D52E-418B-850F-E0FEDBDC3C1A}" srcOrd="0" destOrd="0" presId="urn:microsoft.com/office/officeart/2005/8/layout/radial5"/>
+    <dgm:cxn modelId="{69DBF3AA-50E3-4C2F-93BC-81D38815D9F2}" srcId="{CC7A09D6-CF51-4503-A499-AEF2F86A612F}" destId="{D15BCD82-54F2-4B53-AD5B-FCD43A008746}" srcOrd="0" destOrd="0" parTransId="{5E9DFCFE-8035-47FF-8737-041E4392E51E}" sibTransId="{D82A9993-BEF0-4F2B-A0FE-323133071D30}"/>
+    <dgm:cxn modelId="{738194C6-EC65-440B-ACBA-EA2A0BF276CE}" srcId="{CC7A09D6-CF51-4503-A499-AEF2F86A612F}" destId="{AF54BFE1-C9F7-4646-9391-D6163A259868}" srcOrd="4" destOrd="0" parTransId="{3EB26ABE-F2BD-4028-99EC-F1E8582BA826}" sibTransId="{7568927D-FC3D-42AA-B1C2-779A2F90BA1A}"/>
+    <dgm:cxn modelId="{F1F52530-2588-4ADC-84CA-48D0BC728A4A}" type="presOf" srcId="{7B81B71B-46D0-4A6D-830C-D40787DA03E8}" destId="{56098039-CBAF-478E-849E-420E970445A4}" srcOrd="0" destOrd="0" presId="urn:microsoft.com/office/officeart/2005/8/layout/radial5"/>
+    <dgm:cxn modelId="{A1F301B4-1190-4C43-8908-2959AB824ABF}" type="presOf" srcId="{51BD329E-6830-43BB-B09C-E770653834F2}" destId="{644D3658-E40F-435C-8159-E49BEEDB7CAC}" srcOrd="1" destOrd="0" presId="urn:microsoft.com/office/officeart/2005/8/layout/radial5"/>
+    <dgm:cxn modelId="{9AE4555C-1BCE-4710-846A-3E55ED13E17F}" type="presOf" srcId="{FB167E6D-95F4-486A-9684-49CF8F1EDC35}" destId="{57029F2B-C901-4E73-B66B-D494F113F112}" srcOrd="0" destOrd="0" presId="urn:microsoft.com/office/officeart/2005/8/layout/radial5"/>
+    <dgm:cxn modelId="{15F517FA-77CA-4F5F-90CF-4C6DBBF2B577}" type="presOf" srcId="{51BD329E-6830-43BB-B09C-E770653834F2}" destId="{D73A92E1-6647-4ED8-BAB6-78EC34CB8AD1}" srcOrd="0" destOrd="0" presId="urn:microsoft.com/office/officeart/2005/8/layout/radial5"/>
+    <dgm:cxn modelId="{28593B54-6CAA-46DD-A60F-B65FBE49C607}" srcId="{CC7A09D6-CF51-4503-A499-AEF2F86A612F}" destId="{62C52E52-C1AD-47B5-9DB2-222920B632D5}" srcOrd="5" destOrd="0" parTransId="{5B9EB4C0-1E68-48AE-AF26-3DE02EFE5D06}" sibTransId="{E35DC3D1-23F4-46B8-A668-702D0A5F3BA7}"/>
+    <dgm:cxn modelId="{328D04D4-454C-4D80-BAE8-80E14F1A6E1C}" type="presOf" srcId="{DB17F1C1-8100-4A84-9268-85BC9401DCC5}" destId="{80B1C042-E483-4375-8C28-86D3502EDF84}" srcOrd="1" destOrd="0" presId="urn:microsoft.com/office/officeart/2005/8/layout/radial5"/>
+    <dgm:cxn modelId="{1B9D6484-9762-489A-A018-62AC55E20A90}" type="presOf" srcId="{EAC09F0B-262C-4FC1-B4B2-6CE1041716FF}" destId="{27F82ACC-B48B-4BAF-B8F5-E19DE7EFBFE6}" srcOrd="0" destOrd="0" presId="urn:microsoft.com/office/officeart/2005/8/layout/radial5"/>
+    <dgm:cxn modelId="{06F77691-4154-4D63-8C04-D73E8F8B34FA}" type="presOf" srcId="{CC7A09D6-CF51-4503-A499-AEF2F86A612F}" destId="{DF09870F-F5ED-4920-B7E1-9F0D91D7F1CD}" srcOrd="0" destOrd="0" presId="urn:microsoft.com/office/officeart/2005/8/layout/radial5"/>
+    <dgm:cxn modelId="{6D0B7F88-6B38-4399-AE69-CAC866F7F964}" type="presOf" srcId="{5B9EB4C0-1E68-48AE-AF26-3DE02EFE5D06}" destId="{92EA049D-F3DB-461A-959D-8698A61CDADA}" srcOrd="0" destOrd="0" presId="urn:microsoft.com/office/officeart/2005/8/layout/radial5"/>
+    <dgm:cxn modelId="{A2BEC598-FE8B-4C64-832D-EFF2E6F316C2}" srcId="{CC7A09D6-CF51-4503-A499-AEF2F86A612F}" destId="{429AED82-4220-4FA6-BFD1-9BFC6D52522A}" srcOrd="6" destOrd="0" parTransId="{51BD329E-6830-43BB-B09C-E770653834F2}" sibTransId="{3D00A040-3661-4F05-9AED-3F7171D38CC8}"/>
     <dgm:cxn modelId="{7F2A7CCF-8E7C-4FEE-A2B1-5C49B8BBFA30}" type="presOf" srcId="{5E9DFCFE-8035-47FF-8737-041E4392E51E}" destId="{C36A42E1-BA91-4E47-B26A-022A82C87076}" srcOrd="1" destOrd="0" presId="urn:microsoft.com/office/officeart/2005/8/layout/radial5"/>
     <dgm:cxn modelId="{57D0446D-082A-40E7-A52A-213E78D1C776}" type="presOf" srcId="{5B9EB4C0-1E68-48AE-AF26-3DE02EFE5D06}" destId="{88188D4A-CCE1-4990-A9B4-FA0168379059}" srcOrd="1" destOrd="0" presId="urn:microsoft.com/office/officeart/2005/8/layout/radial5"/>
-    <dgm:cxn modelId="{69DBF3AA-50E3-4C2F-93BC-81D38815D9F2}" srcId="{CC7A09D6-CF51-4503-A499-AEF2F86A612F}" destId="{D15BCD82-54F2-4B53-AD5B-FCD43A008746}" srcOrd="0" destOrd="0" parTransId="{5E9DFCFE-8035-47FF-8737-041E4392E51E}" sibTransId="{D82A9993-BEF0-4F2B-A0FE-323133071D30}"/>
-    <dgm:cxn modelId="{C5A8998D-2D5F-49EE-B361-648C0423C1DA}" type="presOf" srcId="{DB17F1C1-8100-4A84-9268-85BC9401DCC5}" destId="{1DFFE085-0465-4C9C-91D0-B8BC9794280B}" srcOrd="0" destOrd="0" presId="urn:microsoft.com/office/officeart/2005/8/layout/radial5"/>
+    <dgm:cxn modelId="{149DB207-923A-4655-AD15-AED99E1D0609}" type="presOf" srcId="{3EB26ABE-F2BD-4028-99EC-F1E8582BA826}" destId="{63F394C0-7139-45BF-B22D-425E9C732477}" srcOrd="1" destOrd="0" presId="urn:microsoft.com/office/officeart/2005/8/layout/radial5"/>
     <dgm:cxn modelId="{BA3E3BF1-3585-4CFA-A2C3-1D50C9F18DB6}" type="presOf" srcId="{FC2CD8C7-22DE-4FD8-BE5C-B5EFF3818DD1}" destId="{327B7C4E-C444-4ED2-92AB-EFA2130B78B5}" srcOrd="1" destOrd="0" presId="urn:microsoft.com/office/officeart/2005/8/layout/radial5"/>
-    <dgm:cxn modelId="{5FD8A590-A627-49F6-8CDB-A9E80CDFDDAC}" type="presOf" srcId="{D15BCD82-54F2-4B53-AD5B-FCD43A008746}" destId="{15FE29C2-5BA5-4DFC-BAC0-77F2915FA520}" srcOrd="0" destOrd="0" presId="urn:microsoft.com/office/officeart/2005/8/layout/radial5"/>
-    <dgm:cxn modelId="{738194C6-EC65-440B-ACBA-EA2A0BF276CE}" srcId="{CC7A09D6-CF51-4503-A499-AEF2F86A612F}" destId="{AF54BFE1-C9F7-4646-9391-D6163A259868}" srcOrd="4" destOrd="0" parTransId="{3EB26ABE-F2BD-4028-99EC-F1E8582BA826}" sibTransId="{7568927D-FC3D-42AA-B1C2-779A2F90BA1A}"/>
-    <dgm:cxn modelId="{A2BEC598-FE8B-4C64-832D-EFF2E6F316C2}" srcId="{CC7A09D6-CF51-4503-A499-AEF2F86A612F}" destId="{429AED82-4220-4FA6-BFD1-9BFC6D52522A}" srcOrd="6" destOrd="0" parTransId="{51BD329E-6830-43BB-B09C-E770653834F2}" sibTransId="{3D00A040-3661-4F05-9AED-3F7171D38CC8}"/>
+    <dgm:cxn modelId="{C0F3508B-F94D-4974-A5C9-20089ED5404E}" type="presOf" srcId="{62C52E52-C1AD-47B5-9DB2-222920B632D5}" destId="{49BFCD7E-D52E-418B-850F-E0FEDBDC3C1A}" srcOrd="0" destOrd="0" presId="urn:microsoft.com/office/officeart/2005/8/layout/radial5"/>
+    <dgm:cxn modelId="{1F6E322F-7A32-46B3-8384-36E159BC6A7B}" srcId="{CC7A09D6-CF51-4503-A499-AEF2F86A612F}" destId="{7D5AD727-B52D-4C15-8F81-ECF40C366E06}" srcOrd="1" destOrd="0" parTransId="{FC2CD8C7-22DE-4FD8-BE5C-B5EFF3818DD1}" sibTransId="{92842FD9-58C7-469D-B912-ED30619B3461}"/>
+    <dgm:cxn modelId="{D3462101-1D12-41E8-AE45-EAB0A1B71C2E}" type="presOf" srcId="{7D5AD727-B52D-4C15-8F81-ECF40C366E06}" destId="{7FD38485-6BD0-444D-A652-5E06AE00A9E5}" srcOrd="0" destOrd="0" presId="urn:microsoft.com/office/officeart/2005/8/layout/radial5"/>
     <dgm:cxn modelId="{36EA8AA1-3787-438A-B12C-7497065248DC}" type="presOf" srcId="{CCC2B308-0DFF-4091-B48B-803AE41778E3}" destId="{FAA93E91-15D2-48FB-9F1C-1C1D6FCB396A}" srcOrd="0" destOrd="0" presId="urn:microsoft.com/office/officeart/2005/8/layout/radial5"/>
-    <dgm:cxn modelId="{06F77691-4154-4D63-8C04-D73E8F8B34FA}" type="presOf" srcId="{CC7A09D6-CF51-4503-A499-AEF2F86A612F}" destId="{DF09870F-F5ED-4920-B7E1-9F0D91D7F1CD}" srcOrd="0" destOrd="0" presId="urn:microsoft.com/office/officeart/2005/8/layout/radial5"/>
-    <dgm:cxn modelId="{9B22C6CD-3D1B-4DDE-AE75-083131893F2D}" srcId="{EAC09F0B-262C-4FC1-B4B2-6CE1041716FF}" destId="{CC7A09D6-CF51-4503-A499-AEF2F86A612F}" srcOrd="0" destOrd="0" parTransId="{6C9F694C-4D87-42C9-A17F-036DA80877D9}" sibTransId="{E04762FD-5F95-45CE-AE4B-76F0F4EDD05D}"/>
-    <dgm:cxn modelId="{149DB207-923A-4655-AD15-AED99E1D0609}" type="presOf" srcId="{3EB26ABE-F2BD-4028-99EC-F1E8582BA826}" destId="{63F394C0-7139-45BF-B22D-425E9C732477}" srcOrd="1" destOrd="0" presId="urn:microsoft.com/office/officeart/2005/8/layout/radial5"/>
-    <dgm:cxn modelId="{1F6E322F-7A32-46B3-8384-36E159BC6A7B}" srcId="{CC7A09D6-CF51-4503-A499-AEF2F86A612F}" destId="{7D5AD727-B52D-4C15-8F81-ECF40C366E06}" srcOrd="1" destOrd="0" parTransId="{FC2CD8C7-22DE-4FD8-BE5C-B5EFF3818DD1}" sibTransId="{92842FD9-58C7-469D-B912-ED30619B3461}"/>
-    <dgm:cxn modelId="{EDE851F5-EECF-41D5-A859-0BED15D98140}" srcId="{CC7A09D6-CF51-4503-A499-AEF2F86A612F}" destId="{FB167E6D-95F4-486A-9684-49CF8F1EDC35}" srcOrd="3" destOrd="0" parTransId="{DB17F1C1-8100-4A84-9268-85BC9401DCC5}" sibTransId="{CF9EB4C0-46C5-472F-847A-42C49CDB749A}"/>
-    <dgm:cxn modelId="{A1F301B4-1190-4C43-8908-2959AB824ABF}" type="presOf" srcId="{51BD329E-6830-43BB-B09C-E770653834F2}" destId="{644D3658-E40F-435C-8159-E49BEEDB7CAC}" srcOrd="1" destOrd="0" presId="urn:microsoft.com/office/officeart/2005/8/layout/radial5"/>
-    <dgm:cxn modelId="{15F517FA-77CA-4F5F-90CF-4C6DBBF2B577}" type="presOf" srcId="{51BD329E-6830-43BB-B09C-E770653834F2}" destId="{D73A92E1-6647-4ED8-BAB6-78EC34CB8AD1}" srcOrd="0" destOrd="0" presId="urn:microsoft.com/office/officeart/2005/8/layout/radial5"/>
-    <dgm:cxn modelId="{E293F5C5-9FA2-4796-846E-318452D9245E}" srcId="{CC7A09D6-CF51-4503-A499-AEF2F86A612F}" destId="{CCC2B308-0DFF-4091-B48B-803AE41778E3}" srcOrd="2" destOrd="0" parTransId="{7B81B71B-46D0-4A6D-830C-D40787DA03E8}" sibTransId="{86F0E311-87DC-4734-807F-C04DD816D27D}"/>
     <dgm:cxn modelId="{079DEB35-52B8-4894-B2EF-7AC62B5AB911}" type="presParOf" srcId="{27F82ACC-B48B-4BAF-B8F5-E19DE7EFBFE6}" destId="{DF09870F-F5ED-4920-B7E1-9F0D91D7F1CD}" srcOrd="0" destOrd="0" presId="urn:microsoft.com/office/officeart/2005/8/layout/radial5"/>
     <dgm:cxn modelId="{3CFCE81B-6E56-4F4A-A379-FCB7134B90CB}" type="presParOf" srcId="{27F82ACC-B48B-4BAF-B8F5-E19DE7EFBFE6}" destId="{A2FC416A-EBC7-46CE-8A00-5E59C50D8257}" srcOrd="1" destOrd="0" presId="urn:microsoft.com/office/officeart/2005/8/layout/radial5"/>
     <dgm:cxn modelId="{24B291DD-BB24-42EA-9CCC-4CC5A1ABC878}" type="presParOf" srcId="{A2FC416A-EBC7-46CE-8A00-5E59C50D8257}" destId="{C36A42E1-BA91-4E47-B26A-022A82C87076}" srcOrd="0" destOrd="0" presId="urn:microsoft.com/office/officeart/2005/8/layout/radial5"/>
@@ -1738,7 +1738,7 @@
   <dgm:whole/>
   <dgm:extLst>
     <a:ext uri="http://schemas.microsoft.com/office/drawing/2008/diagram">
-      <dsp:dataModelExt xmlns:dsp="http://schemas.microsoft.com/office/drawing/2008/diagram" relId="rId6" minVer="http://schemas.openxmlformats.org/drawingml/2006/diagram"/>
+      <dsp:dataModelExt xmlns:dsp="http://schemas.microsoft.com/office/drawing/2008/diagram" xmlns="" relId="rId6" minVer="http://schemas.openxmlformats.org/drawingml/2006/diagram"/>
     </a:ext>
   </dgm:extLst>
 </dgm:dataModel>
@@ -4602,7 +4602,7 @@
     </p:spTree>
     <p:extLst>
       <p:ext uri="{BB962C8B-B14F-4D97-AF65-F5344CB8AC3E}">
-        <p14:creationId xmlns:p14="http://schemas.microsoft.com/office/powerpoint/2010/main" val="735395960"/>
+        <p14:creationId xmlns:p14="http://schemas.microsoft.com/office/powerpoint/2010/main" xmlns="" val="735395960"/>
       </p:ext>
     </p:extLst>
   </p:cSld>
@@ -5063,7 +5063,7 @@
     </p:spTree>
     <p:extLst>
       <p:ext uri="{BB962C8B-B14F-4D97-AF65-F5344CB8AC3E}">
-        <p14:creationId xmlns:p14="http://schemas.microsoft.com/office/powerpoint/2010/main" val="3993512361"/>
+        <p14:creationId xmlns:p14="http://schemas.microsoft.com/office/powerpoint/2010/main" xmlns="" val="3993512361"/>
       </p:ext>
     </p:extLst>
   </p:cSld>
@@ -5625,7 +5625,7 @@
     </p:spTree>
     <p:extLst>
       <p:ext uri="{BB962C8B-B14F-4D97-AF65-F5344CB8AC3E}">
-        <p14:creationId xmlns:p14="http://schemas.microsoft.com/office/powerpoint/2010/main" val="1629187809"/>
+        <p14:creationId xmlns:p14="http://schemas.microsoft.com/office/powerpoint/2010/main" xmlns="" val="1629187809"/>
       </p:ext>
     </p:extLst>
   </p:cSld>
@@ -6187,7 +6187,7 @@
     </p:spTree>
     <p:extLst>
       <p:ext uri="{BB962C8B-B14F-4D97-AF65-F5344CB8AC3E}">
-        <p14:creationId xmlns:p14="http://schemas.microsoft.com/office/powerpoint/2010/main" val="2121907143"/>
+        <p14:creationId xmlns:p14="http://schemas.microsoft.com/office/powerpoint/2010/main" xmlns="" val="2121907143"/>
       </p:ext>
     </p:extLst>
   </p:cSld>
@@ -6749,7 +6749,7 @@
     </p:spTree>
     <p:extLst>
       <p:ext uri="{BB962C8B-B14F-4D97-AF65-F5344CB8AC3E}">
-        <p14:creationId xmlns:p14="http://schemas.microsoft.com/office/powerpoint/2010/main" val="867030374"/>
+        <p14:creationId xmlns:p14="http://schemas.microsoft.com/office/powerpoint/2010/main" xmlns="" val="867030374"/>
       </p:ext>
     </p:extLst>
   </p:cSld>
@@ -7412,7 +7412,7 @@
     </p:spTree>
     <p:extLst>
       <p:ext uri="{BB962C8B-B14F-4D97-AF65-F5344CB8AC3E}">
-        <p14:creationId xmlns:p14="http://schemas.microsoft.com/office/powerpoint/2010/main" val="2968986945"/>
+        <p14:creationId xmlns:p14="http://schemas.microsoft.com/office/powerpoint/2010/main" xmlns="" val="2968986945"/>
       </p:ext>
     </p:extLst>
   </p:cSld>
@@ -8075,7 +8075,7 @@
     </p:spTree>
     <p:extLst>
       <p:ext uri="{BB962C8B-B14F-4D97-AF65-F5344CB8AC3E}">
-        <p14:creationId xmlns:p14="http://schemas.microsoft.com/office/powerpoint/2010/main" val="256286171"/>
+        <p14:creationId xmlns:p14="http://schemas.microsoft.com/office/powerpoint/2010/main" xmlns="" val="256286171"/>
       </p:ext>
     </p:extLst>
   </p:cSld>
@@ -9382,7 +9382,7 @@
     </p:spTree>
     <p:extLst>
       <p:ext uri="{BB962C8B-B14F-4D97-AF65-F5344CB8AC3E}">
-        <p14:creationId xmlns:p14="http://schemas.microsoft.com/office/powerpoint/2010/main" val="1512067192"/>
+        <p14:creationId xmlns:p14="http://schemas.microsoft.com/office/powerpoint/2010/main" xmlns="" val="1512067192"/>
       </p:ext>
     </p:extLst>
   </p:cSld>
@@ -9718,7 +9718,7 @@
           <a:blip r:embed="rId2" cstate="print">
             <a:extLst>
               <a:ext uri="{28A0092B-C50C-407E-A947-70E740481C1C}">
-                <a14:useLocalDpi xmlns:a14="http://schemas.microsoft.com/office/drawing/2010/main" val="0"/>
+                <a14:useLocalDpi xmlns:a14="http://schemas.microsoft.com/office/drawing/2010/main" xmlns="" val="0"/>
               </a:ext>
             </a:extLst>
           </a:blip>
@@ -9741,14 +9741,14 @@
           </a:ln>
           <a:extLst>
             <a:ext uri="{909E8E84-426E-40DD-AFC4-6F175D3DCCD1}">
-              <a14:hiddenFill xmlns:a14="http://schemas.microsoft.com/office/drawing/2010/main">
+              <a14:hiddenFill xmlns:a14="http://schemas.microsoft.com/office/drawing/2010/main" xmlns="">
                 <a:solidFill>
                   <a:srgbClr val="FFFFFF"/>
                 </a:solidFill>
               </a14:hiddenFill>
             </a:ext>
             <a:ext uri="{91240B29-F687-4F45-9708-019B960494DF}">
-              <a14:hiddenLine xmlns:a14="http://schemas.microsoft.com/office/drawing/2010/main" w="9525">
+              <a14:hiddenLine xmlns:a14="http://schemas.microsoft.com/office/drawing/2010/main" xmlns="" w="9525">
                 <a:solidFill>
                   <a:srgbClr val="000000"/>
                 </a:solidFill>
@@ -9813,7 +9813,7 @@
     </p:spTree>
     <p:extLst>
       <p:ext uri="{BB962C8B-B14F-4D97-AF65-F5344CB8AC3E}">
-        <p14:creationId xmlns:p14="http://schemas.microsoft.com/office/powerpoint/2010/main" val="2536410838"/>
+        <p14:creationId xmlns:p14="http://schemas.microsoft.com/office/powerpoint/2010/main" xmlns="" val="2536410838"/>
       </p:ext>
     </p:extLst>
   </p:cSld>
@@ -11041,7 +11041,7 @@
     </p:spTree>
     <p:extLst>
       <p:ext uri="{BB962C8B-B14F-4D97-AF65-F5344CB8AC3E}">
-        <p14:creationId xmlns:p14="http://schemas.microsoft.com/office/powerpoint/2010/main" val="3362483567"/>
+        <p14:creationId xmlns:p14="http://schemas.microsoft.com/office/powerpoint/2010/main" xmlns="" val="3362483567"/>
       </p:ext>
     </p:extLst>
   </p:cSld>
@@ -11340,7 +11340,7 @@
           <a:blip r:embed="rId2" cstate="print">
             <a:extLst>
               <a:ext uri="{28A0092B-C50C-407E-A947-70E740481C1C}">
-                <a14:useLocalDpi xmlns:a14="http://schemas.microsoft.com/office/drawing/2010/main" val="0"/>
+                <a14:useLocalDpi xmlns:a14="http://schemas.microsoft.com/office/drawing/2010/main" xmlns="" val="0"/>
               </a:ext>
             </a:extLst>
           </a:blip>
@@ -11361,7 +11361,7 @@
     </p:spTree>
     <p:extLst>
       <p:ext uri="{BB962C8B-B14F-4D97-AF65-F5344CB8AC3E}">
-        <p14:creationId xmlns:p14="http://schemas.microsoft.com/office/powerpoint/2010/main" val="1577921382"/>
+        <p14:creationId xmlns:p14="http://schemas.microsoft.com/office/powerpoint/2010/main" xmlns="" val="1577921382"/>
       </p:ext>
     </p:extLst>
   </p:cSld>
@@ -11487,7 +11487,7 @@
     </p:spTree>
     <p:extLst>
       <p:ext uri="{BB962C8B-B14F-4D97-AF65-F5344CB8AC3E}">
-        <p14:creationId xmlns:p14="http://schemas.microsoft.com/office/powerpoint/2010/main" val="1798277508"/>
+        <p14:creationId xmlns:p14="http://schemas.microsoft.com/office/powerpoint/2010/main" xmlns="" val="1798277508"/>
       </p:ext>
     </p:extLst>
   </p:cSld>
@@ -11760,7 +11760,7 @@
     </p:spTree>
     <p:extLst>
       <p:ext uri="{BB962C8B-B14F-4D97-AF65-F5344CB8AC3E}">
-        <p14:creationId xmlns:p14="http://schemas.microsoft.com/office/powerpoint/2010/main" val="1642583720"/>
+        <p14:creationId xmlns:p14="http://schemas.microsoft.com/office/powerpoint/2010/main" xmlns="" val="1642583720"/>
       </p:ext>
     </p:extLst>
   </p:cSld>
@@ -12099,7 +12099,7 @@
     </p:spTree>
     <p:extLst>
       <p:ext uri="{BB962C8B-B14F-4D97-AF65-F5344CB8AC3E}">
-        <p14:creationId xmlns:p14="http://schemas.microsoft.com/office/powerpoint/2010/main" val="2469207090"/>
+        <p14:creationId xmlns:p14="http://schemas.microsoft.com/office/powerpoint/2010/main" xmlns="" val="2469207090"/>
       </p:ext>
     </p:extLst>
   </p:cSld>
@@ -12560,7 +12560,7 @@
     </p:spTree>
     <p:extLst>
       <p:ext uri="{BB962C8B-B14F-4D97-AF65-F5344CB8AC3E}">
-        <p14:creationId xmlns:p14="http://schemas.microsoft.com/office/powerpoint/2010/main" val="2025569486"/>
+        <p14:creationId xmlns:p14="http://schemas.microsoft.com/office/powerpoint/2010/main" xmlns="" val="2025569486"/>
       </p:ext>
     </p:extLst>
   </p:cSld>
@@ -13021,7 +13021,7 @@
     </p:spTree>
     <p:extLst>
       <p:ext uri="{BB962C8B-B14F-4D97-AF65-F5344CB8AC3E}">
-        <p14:creationId xmlns:p14="http://schemas.microsoft.com/office/powerpoint/2010/main" val="4088655274"/>
+        <p14:creationId xmlns:p14="http://schemas.microsoft.com/office/powerpoint/2010/main" xmlns="" val="4088655274"/>
       </p:ext>
     </p:extLst>
   </p:cSld>
@@ -13413,7 +13413,7 @@
           <a:blip r:embed="rId18" cstate="print">
             <a:extLst>
               <a:ext uri="{28A0092B-C50C-407E-A947-70E740481C1C}">
-                <a14:useLocalDpi xmlns:a14="http://schemas.microsoft.com/office/drawing/2010/main" val="0"/>
+                <a14:useLocalDpi xmlns:a14="http://schemas.microsoft.com/office/drawing/2010/main" xmlns="" val="0"/>
               </a:ext>
             </a:extLst>
           </a:blip>
@@ -13434,7 +13434,7 @@
     </p:spTree>
     <p:extLst>
       <p:ext uri="{BB962C8B-B14F-4D97-AF65-F5344CB8AC3E}">
-        <p14:creationId xmlns:p14="http://schemas.microsoft.com/office/powerpoint/2010/main" val="600330060"/>
+        <p14:creationId xmlns:p14="http://schemas.microsoft.com/office/powerpoint/2010/main" xmlns="" val="600330060"/>
       </p:ext>
     </p:extLst>
   </p:cSld>
@@ -13743,7 +13743,7 @@
           <a:blip r:embed="rId2" cstate="print">
             <a:extLst>
               <a:ext uri="{28A0092B-C50C-407E-A947-70E740481C1C}">
-                <a14:useLocalDpi xmlns:a14="http://schemas.microsoft.com/office/drawing/2010/main" val="0"/>
+                <a14:useLocalDpi xmlns:a14="http://schemas.microsoft.com/office/drawing/2010/main" xmlns="" val="0"/>
               </a:ext>
             </a:extLst>
           </a:blip>
@@ -13767,14 +13767,14 @@
           <a:effectLst/>
           <a:extLst>
             <a:ext uri="{909E8E84-426E-40DD-AFC4-6F175D3DCCD1}">
-              <a14:hiddenFill xmlns:a14="http://schemas.microsoft.com/office/drawing/2010/main">
+              <a14:hiddenFill xmlns:a14="http://schemas.microsoft.com/office/drawing/2010/main" xmlns="">
                 <a:solidFill>
                   <a:schemeClr val="accent1"/>
                 </a:solidFill>
               </a14:hiddenFill>
             </a:ext>
             <a:ext uri="{91240B29-F687-4F45-9708-019B960494DF}">
-              <a14:hiddenLine xmlns:a14="http://schemas.microsoft.com/office/drawing/2010/main" w="9525">
+              <a14:hiddenLine xmlns:a14="http://schemas.microsoft.com/office/drawing/2010/main" xmlns="" w="9525">
                 <a:solidFill>
                   <a:schemeClr val="tx1"/>
                 </a:solidFill>
@@ -13784,7 +13784,7 @@
               </a14:hiddenLine>
             </a:ext>
             <a:ext uri="{AF507438-7753-43E0-B8FC-AC1667EBCBE1}">
-              <a14:hiddenEffects xmlns:a14="http://schemas.microsoft.com/office/drawing/2010/main">
+              <a14:hiddenEffects xmlns:a14="http://schemas.microsoft.com/office/drawing/2010/main" xmlns="">
                 <a:effectLst>
                   <a:outerShdw dist="35921" dir="2700000" algn="ctr" rotWithShape="0">
                     <a:schemeClr val="bg2"/>
@@ -13807,7 +13807,7 @@
           <a:blip r:embed="rId3" cstate="print">
             <a:extLst>
               <a:ext uri="{28A0092B-C50C-407E-A947-70E740481C1C}">
-                <a14:useLocalDpi xmlns:a14="http://schemas.microsoft.com/office/drawing/2010/main" val="0"/>
+                <a14:useLocalDpi xmlns:a14="http://schemas.microsoft.com/office/drawing/2010/main" xmlns="" val="0"/>
               </a:ext>
             </a:extLst>
           </a:blip>
@@ -13853,7 +13853,7 @@
           </a:sp3d>
           <a:extLst>
             <a:ext uri="{909E8E84-426E-40DD-AFC4-6F175D3DCCD1}">
-              <a14:hiddenFill xmlns:a14="http://schemas.microsoft.com/office/drawing/2010/main">
+              <a14:hiddenFill xmlns:a14="http://schemas.microsoft.com/office/drawing/2010/main" xmlns="">
                 <a:solidFill>
                   <a:schemeClr val="accent1"/>
                 </a:solidFill>
@@ -13874,7 +13874,7 @@
           <a:blip r:embed="rId4">
             <a:extLst>
               <a:ext uri="{28A0092B-C50C-407E-A947-70E740481C1C}">
-                <a14:useLocalDpi xmlns:a14="http://schemas.microsoft.com/office/drawing/2010/main" val="0"/>
+                <a14:useLocalDpi xmlns:a14="http://schemas.microsoft.com/office/drawing/2010/main" xmlns="" val="0"/>
               </a:ext>
             </a:extLst>
           </a:blip>
@@ -13896,14 +13896,14 @@
           <a:effectLst/>
           <a:extLst>
             <a:ext uri="{909E8E84-426E-40DD-AFC4-6F175D3DCCD1}">
-              <a14:hiddenFill xmlns:a14="http://schemas.microsoft.com/office/drawing/2010/main">
+              <a14:hiddenFill xmlns:a14="http://schemas.microsoft.com/office/drawing/2010/main" xmlns="">
                 <a:solidFill>
                   <a:schemeClr val="accent1"/>
                 </a:solidFill>
               </a14:hiddenFill>
             </a:ext>
             <a:ext uri="{91240B29-F687-4F45-9708-019B960494DF}">
-              <a14:hiddenLine xmlns:a14="http://schemas.microsoft.com/office/drawing/2010/main" w="9525">
+              <a14:hiddenLine xmlns:a14="http://schemas.microsoft.com/office/drawing/2010/main" xmlns="" w="9525">
                 <a:solidFill>
                   <a:schemeClr val="tx1"/>
                 </a:solidFill>
@@ -13913,7 +13913,7 @@
               </a14:hiddenLine>
             </a:ext>
             <a:ext uri="{AF507438-7753-43E0-B8FC-AC1667EBCBE1}">
-              <a14:hiddenEffects xmlns:a14="http://schemas.microsoft.com/office/drawing/2010/main">
+              <a14:hiddenEffects xmlns:a14="http://schemas.microsoft.com/office/drawing/2010/main" xmlns="">
                 <a:effectLst>
                   <a:outerShdw dist="35921" dir="2700000" algn="ctr" rotWithShape="0">
                     <a:schemeClr val="bg2"/>
@@ -13936,7 +13936,7 @@
           <a:blip r:embed="rId5" cstate="print">
             <a:extLst>
               <a:ext uri="{28A0092B-C50C-407E-A947-70E740481C1C}">
-                <a14:useLocalDpi xmlns:a14="http://schemas.microsoft.com/office/drawing/2010/main" val="0"/>
+                <a14:useLocalDpi xmlns:a14="http://schemas.microsoft.com/office/drawing/2010/main" xmlns="" val="0"/>
               </a:ext>
             </a:extLst>
           </a:blip>
@@ -13960,14 +13960,14 @@
           <a:effectLst/>
           <a:extLst>
             <a:ext uri="{909E8E84-426E-40DD-AFC4-6F175D3DCCD1}">
-              <a14:hiddenFill xmlns:a14="http://schemas.microsoft.com/office/drawing/2010/main">
+              <a14:hiddenFill xmlns:a14="http://schemas.microsoft.com/office/drawing/2010/main" xmlns="">
                 <a:solidFill>
                   <a:schemeClr val="accent1"/>
                 </a:solidFill>
               </a14:hiddenFill>
             </a:ext>
             <a:ext uri="{91240B29-F687-4F45-9708-019B960494DF}">
-              <a14:hiddenLine xmlns:a14="http://schemas.microsoft.com/office/drawing/2010/main" w="9525">
+              <a14:hiddenLine xmlns:a14="http://schemas.microsoft.com/office/drawing/2010/main" xmlns="" w="9525">
                 <a:solidFill>
                   <a:schemeClr val="tx1"/>
                 </a:solidFill>
@@ -13977,7 +13977,7 @@
               </a14:hiddenLine>
             </a:ext>
             <a:ext uri="{AF507438-7753-43E0-B8FC-AC1667EBCBE1}">
-              <a14:hiddenEffects xmlns:a14="http://schemas.microsoft.com/office/drawing/2010/main">
+              <a14:hiddenEffects xmlns:a14="http://schemas.microsoft.com/office/drawing/2010/main" xmlns="">
                 <a:effectLst>
                   <a:outerShdw dist="35921" dir="2700000" algn="ctr" rotWithShape="0">
                     <a:schemeClr val="bg2"/>
@@ -13997,6 +13997,106 @@
         <p:spPr>
           <a:xfrm>
             <a:off x="2771800" y="1772816"/>
+            <a:ext cx="3037584" cy="716632"/>
+          </a:xfrm>
+          <a:prstGeom prst="rightArrow">
+            <a:avLst/>
+          </a:prstGeom>
+        </p:spPr>
+        <p:style>
+          <a:lnRef idx="1">
+            <a:schemeClr val="accent1"/>
+          </a:lnRef>
+          <a:fillRef idx="2">
+            <a:schemeClr val="accent1"/>
+          </a:fillRef>
+          <a:effectRef idx="1">
+            <a:schemeClr val="accent1"/>
+          </a:effectRef>
+          <a:fontRef idx="minor">
+            <a:schemeClr val="dk1"/>
+          </a:fontRef>
+        </p:style>
+        <p:txBody>
+          <a:bodyPr rtlCol="0" anchor="ctr"/>
+          <a:lstStyle/>
+          <a:p>
+            <a:pPr algn="ctr"/>
+            <a:r>
+              <a:rPr lang="fr-FR" dirty="0" smtClean="0">
+                <a:solidFill>
+                  <a:prstClr val="black"/>
+                </a:solidFill>
+              </a:rPr>
+              <a:t>Domaine du client</a:t>
+            </a:r>
+            <a:endParaRPr lang="fr-FR" dirty="0">
+              <a:solidFill>
+                <a:prstClr val="black"/>
+              </a:solidFill>
+            </a:endParaRPr>
+          </a:p>
+        </p:txBody>
+      </p:sp>
+      <p:sp>
+        <p:nvSpPr>
+          <p:cNvPr id="13" name="Flèche droite 12"/>
+          <p:cNvSpPr/>
+          <p:nvPr/>
+        </p:nvSpPr>
+        <p:spPr>
+          <a:xfrm>
+            <a:off x="2771800" y="3780534"/>
+            <a:ext cx="3037584" cy="716632"/>
+          </a:xfrm>
+          <a:prstGeom prst="rightArrow">
+            <a:avLst/>
+          </a:prstGeom>
+        </p:spPr>
+        <p:style>
+          <a:lnRef idx="1">
+            <a:schemeClr val="accent1"/>
+          </a:lnRef>
+          <a:fillRef idx="2">
+            <a:schemeClr val="accent1"/>
+          </a:fillRef>
+          <a:effectRef idx="1">
+            <a:schemeClr val="accent1"/>
+          </a:effectRef>
+          <a:fontRef idx="minor">
+            <a:schemeClr val="dk1"/>
+          </a:fontRef>
+        </p:style>
+        <p:txBody>
+          <a:bodyPr rtlCol="0" anchor="ctr"/>
+          <a:lstStyle/>
+          <a:p>
+            <a:pPr algn="ctr"/>
+            <a:r>
+              <a:rPr lang="fr-FR" dirty="0" smtClean="0">
+                <a:solidFill>
+                  <a:prstClr val="black"/>
+                </a:solidFill>
+              </a:rPr>
+              <a:t>Domaine du laboratoire</a:t>
+            </a:r>
+            <a:endParaRPr lang="fr-FR" dirty="0">
+              <a:solidFill>
+                <a:prstClr val="black"/>
+              </a:solidFill>
+            </a:endParaRPr>
+          </a:p>
+        </p:txBody>
+      </p:sp>
+      <p:sp>
+        <p:nvSpPr>
+          <p:cNvPr id="14" name="Flèche droite 13"/>
+          <p:cNvSpPr/>
+          <p:nvPr/>
+        </p:nvSpPr>
+        <p:spPr>
+          <a:xfrm>
+            <a:off x="2771800" y="5694943"/>
             <a:ext cx="3037584" cy="716632"/>
           </a:xfrm>
           <a:prstGeom prst="rightArrow">
@@ -14012,106 +14112,6 @@
           </a:fillRef>
           <a:effectRef idx="1">
             <a:schemeClr val="accent5"/>
-          </a:effectRef>
-          <a:fontRef idx="minor">
-            <a:schemeClr val="dk1"/>
-          </a:fontRef>
-        </p:style>
-        <p:txBody>
-          <a:bodyPr rtlCol="0" anchor="ctr"/>
-          <a:lstStyle/>
-          <a:p>
-            <a:pPr algn="ctr"/>
-            <a:r>
-              <a:rPr lang="fr-FR" dirty="0" smtClean="0">
-                <a:solidFill>
-                  <a:prstClr val="black"/>
-                </a:solidFill>
-              </a:rPr>
-              <a:t>Domaine du client</a:t>
-            </a:r>
-            <a:endParaRPr lang="fr-FR" dirty="0">
-              <a:solidFill>
-                <a:prstClr val="black"/>
-              </a:solidFill>
-            </a:endParaRPr>
-          </a:p>
-        </p:txBody>
-      </p:sp>
-      <p:sp>
-        <p:nvSpPr>
-          <p:cNvPr id="13" name="Flèche droite 12"/>
-          <p:cNvSpPr/>
-          <p:nvPr/>
-        </p:nvSpPr>
-        <p:spPr>
-          <a:xfrm>
-            <a:off x="2771800" y="3780534"/>
-            <a:ext cx="3037584" cy="716632"/>
-          </a:xfrm>
-          <a:prstGeom prst="rightArrow">
-            <a:avLst/>
-          </a:prstGeom>
-        </p:spPr>
-        <p:style>
-          <a:lnRef idx="1">
-            <a:schemeClr val="accent5"/>
-          </a:lnRef>
-          <a:fillRef idx="2">
-            <a:schemeClr val="accent5"/>
-          </a:fillRef>
-          <a:effectRef idx="1">
-            <a:schemeClr val="accent5"/>
-          </a:effectRef>
-          <a:fontRef idx="minor">
-            <a:schemeClr val="dk1"/>
-          </a:fontRef>
-        </p:style>
-        <p:txBody>
-          <a:bodyPr rtlCol="0" anchor="ctr"/>
-          <a:lstStyle/>
-          <a:p>
-            <a:pPr algn="ctr"/>
-            <a:r>
-              <a:rPr lang="fr-FR" dirty="0" smtClean="0">
-                <a:solidFill>
-                  <a:prstClr val="black"/>
-                </a:solidFill>
-              </a:rPr>
-              <a:t>Domaine du laboratoire</a:t>
-            </a:r>
-            <a:endParaRPr lang="fr-FR" dirty="0">
-              <a:solidFill>
-                <a:prstClr val="black"/>
-              </a:solidFill>
-            </a:endParaRPr>
-          </a:p>
-        </p:txBody>
-      </p:sp>
-      <p:sp>
-        <p:nvSpPr>
-          <p:cNvPr id="14" name="Flèche droite 13"/>
-          <p:cNvSpPr/>
-          <p:nvPr/>
-        </p:nvSpPr>
-        <p:spPr>
-          <a:xfrm>
-            <a:off x="2771800" y="5694943"/>
-            <a:ext cx="3037584" cy="716632"/>
-          </a:xfrm>
-          <a:prstGeom prst="rightArrow">
-            <a:avLst/>
-          </a:prstGeom>
-        </p:spPr>
-        <p:style>
-          <a:lnRef idx="1">
-            <a:schemeClr val="accent1"/>
-          </a:lnRef>
-          <a:fillRef idx="2">
-            <a:schemeClr val="accent1"/>
-          </a:fillRef>
-          <a:effectRef idx="1">
-            <a:schemeClr val="accent1"/>
           </a:effectRef>
           <a:fontRef idx="minor">
             <a:schemeClr val="dk1"/>
@@ -14347,6 +14347,151 @@
         </p:spPr>
         <p:style>
           <a:lnRef idx="1">
+            <a:schemeClr val="accent5"/>
+          </a:lnRef>
+          <a:fillRef idx="2">
+            <a:schemeClr val="accent5"/>
+          </a:fillRef>
+          <a:effectRef idx="1">
+            <a:schemeClr val="accent5"/>
+          </a:effectRef>
+          <a:fontRef idx="minor">
+            <a:schemeClr val="dk1"/>
+          </a:fontRef>
+        </p:style>
+        <p:txBody>
+          <a:bodyPr rtlCol="0" anchor="ctr"/>
+          <a:lstStyle/>
+          <a:p>
+            <a:pPr algn="ctr"/>
+            <a:endParaRPr lang="fr-FR" sz="500" dirty="0">
+              <a:solidFill>
+                <a:prstClr val="white"/>
+              </a:solidFill>
+            </a:endParaRPr>
+          </a:p>
+        </p:txBody>
+      </p:sp>
+      <p:sp>
+        <p:nvSpPr>
+          <p:cNvPr id="23" name="ZoneTexte 22"/>
+          <p:cNvSpPr txBox="1"/>
+          <p:nvPr/>
+        </p:nvSpPr>
+        <p:spPr>
+          <a:xfrm rot="16200000">
+            <a:off x="5282735" y="2945424"/>
+            <a:ext cx="1944216" cy="400110"/>
+          </a:xfrm>
+          <a:prstGeom prst="rect">
+            <a:avLst/>
+          </a:prstGeom>
+          <a:noFill/>
+        </p:spPr>
+        <p:txBody>
+          <a:bodyPr wrap="square" rtlCol="0">
+            <a:spAutoFit/>
+          </a:bodyPr>
+          <a:lstStyle/>
+          <a:p>
+            <a:pPr algn="ctr"/>
+            <a:r>
+              <a:rPr lang="fr-FR" sz="2000" b="1" dirty="0">
+                <a:solidFill>
+                  <a:srgbClr val="FF0000"/>
+                </a:solidFill>
+              </a:rPr>
+              <a:t>Ecart 1</a:t>
+            </a:r>
+          </a:p>
+        </p:txBody>
+      </p:sp>
+      <p:sp>
+        <p:nvSpPr>
+          <p:cNvPr id="24" name="ZoneTexte 23"/>
+          <p:cNvSpPr txBox="1"/>
+          <p:nvPr/>
+        </p:nvSpPr>
+        <p:spPr>
+          <a:xfrm rot="16200000">
+            <a:off x="5282294" y="4923679"/>
+            <a:ext cx="1944216" cy="400110"/>
+          </a:xfrm>
+          <a:prstGeom prst="rect">
+            <a:avLst/>
+          </a:prstGeom>
+          <a:noFill/>
+        </p:spPr>
+        <p:txBody>
+          <a:bodyPr wrap="square" rtlCol="0">
+            <a:spAutoFit/>
+          </a:bodyPr>
+          <a:lstStyle/>
+          <a:p>
+            <a:pPr algn="ctr"/>
+            <a:r>
+              <a:rPr lang="fr-FR" sz="2000" b="1" dirty="0">
+                <a:solidFill>
+                  <a:srgbClr val="FF0000"/>
+                </a:solidFill>
+              </a:rPr>
+              <a:t>Ecart 2</a:t>
+            </a:r>
+          </a:p>
+        </p:txBody>
+      </p:sp>
+      <p:sp>
+        <p:nvSpPr>
+          <p:cNvPr id="25" name="ZoneTexte 24"/>
+          <p:cNvSpPr txBox="1"/>
+          <p:nvPr/>
+        </p:nvSpPr>
+        <p:spPr>
+          <a:xfrm rot="16200000">
+            <a:off x="7072245" y="3938794"/>
+            <a:ext cx="1944216" cy="400110"/>
+          </a:xfrm>
+          <a:prstGeom prst="rect">
+            <a:avLst/>
+          </a:prstGeom>
+          <a:noFill/>
+        </p:spPr>
+        <p:txBody>
+          <a:bodyPr wrap="square" rtlCol="0">
+            <a:spAutoFit/>
+          </a:bodyPr>
+          <a:lstStyle/>
+          <a:p>
+            <a:pPr algn="ctr"/>
+            <a:r>
+              <a:rPr lang="fr-FR" sz="2000" b="1" dirty="0">
+                <a:solidFill>
+                  <a:srgbClr val="FF0000"/>
+                </a:solidFill>
+              </a:rPr>
+              <a:t>Ecart 3</a:t>
+            </a:r>
+          </a:p>
+        </p:txBody>
+      </p:sp>
+      <p:sp>
+        <p:nvSpPr>
+          <p:cNvPr id="20" name="Double flèche verticale 19"/>
+          <p:cNvSpPr/>
+          <p:nvPr/>
+        </p:nvSpPr>
+        <p:spPr>
+          <a:xfrm>
+            <a:off x="6537530" y="2613359"/>
+            <a:ext cx="504056" cy="1106764"/>
+          </a:xfrm>
+          <a:prstGeom prst="upDownArrow">
+            <a:avLst/>
+          </a:prstGeom>
+          <a:ln/>
+        </p:spPr>
+        <p:style>
+          <a:lnRef idx="1">
             <a:schemeClr val="accent1"/>
           </a:lnRef>
           <a:fillRef idx="2">
@@ -14364,166 +14509,6 @@
           <a:lstStyle/>
           <a:p>
             <a:pPr algn="ctr"/>
-            <a:endParaRPr lang="fr-FR" sz="500" dirty="0">
-              <a:solidFill>
-                <a:prstClr val="white"/>
-              </a:solidFill>
-            </a:endParaRPr>
-          </a:p>
-        </p:txBody>
-      </p:sp>
-      <p:sp>
-        <p:nvSpPr>
-          <p:cNvPr id="23" name="ZoneTexte 22"/>
-          <p:cNvSpPr txBox="1"/>
-          <p:nvPr/>
-        </p:nvSpPr>
-        <p:spPr>
-          <a:xfrm rot="16200000">
-            <a:off x="5282735" y="2945424"/>
-            <a:ext cx="1944216" cy="400110"/>
-          </a:xfrm>
-          <a:prstGeom prst="rect">
-            <a:avLst/>
-          </a:prstGeom>
-          <a:noFill/>
-        </p:spPr>
-        <p:txBody>
-          <a:bodyPr wrap="square" rtlCol="0">
-            <a:spAutoFit/>
-          </a:bodyPr>
-          <a:lstStyle/>
-          <a:p>
-            <a:pPr algn="ctr"/>
-            <a:r>
-              <a:rPr lang="fr-FR" sz="2000" b="1" dirty="0">
-                <a:solidFill>
-                  <a:srgbClr val="FF0000"/>
-                </a:solidFill>
-              </a:rPr>
-              <a:t>Ecart 1</a:t>
-            </a:r>
-          </a:p>
-        </p:txBody>
-      </p:sp>
-      <p:sp>
-        <p:nvSpPr>
-          <p:cNvPr id="24" name="ZoneTexte 23"/>
-          <p:cNvSpPr txBox="1"/>
-          <p:nvPr/>
-        </p:nvSpPr>
-        <p:spPr>
-          <a:xfrm rot="16200000">
-            <a:off x="5282294" y="4923679"/>
-            <a:ext cx="1944216" cy="400110"/>
-          </a:xfrm>
-          <a:prstGeom prst="rect">
-            <a:avLst/>
-          </a:prstGeom>
-          <a:noFill/>
-        </p:spPr>
-        <p:txBody>
-          <a:bodyPr wrap="square" rtlCol="0">
-            <a:spAutoFit/>
-          </a:bodyPr>
-          <a:lstStyle/>
-          <a:p>
-            <a:pPr algn="ctr"/>
-            <a:r>
-              <a:rPr lang="fr-FR" sz="2000" b="1" dirty="0">
-                <a:solidFill>
-                  <a:srgbClr val="FF0000"/>
-                </a:solidFill>
-              </a:rPr>
-              <a:t>Ecart 2</a:t>
-            </a:r>
-          </a:p>
-        </p:txBody>
-      </p:sp>
-      <p:sp>
-        <p:nvSpPr>
-          <p:cNvPr id="25" name="ZoneTexte 24"/>
-          <p:cNvSpPr txBox="1"/>
-          <p:nvPr/>
-        </p:nvSpPr>
-        <p:spPr>
-          <a:xfrm rot="16200000">
-            <a:off x="7072245" y="3938794"/>
-            <a:ext cx="1944216" cy="400110"/>
-          </a:xfrm>
-          <a:prstGeom prst="rect">
-            <a:avLst/>
-          </a:prstGeom>
-          <a:noFill/>
-        </p:spPr>
-        <p:txBody>
-          <a:bodyPr wrap="square" rtlCol="0">
-            <a:spAutoFit/>
-          </a:bodyPr>
-          <a:lstStyle/>
-          <a:p>
-            <a:pPr algn="ctr"/>
-            <a:r>
-              <a:rPr lang="fr-FR" sz="2000" b="1" dirty="0">
-                <a:solidFill>
-                  <a:srgbClr val="FF0000"/>
-                </a:solidFill>
-              </a:rPr>
-              <a:t>Ecart 3</a:t>
-            </a:r>
-          </a:p>
-        </p:txBody>
-      </p:sp>
-      <p:sp>
-        <p:nvSpPr>
-          <p:cNvPr id="20" name="Double flèche verticale 19"/>
-          <p:cNvSpPr/>
-          <p:nvPr/>
-        </p:nvSpPr>
-        <p:spPr>
-          <a:xfrm>
-            <a:off x="6537530" y="2613359"/>
-            <a:ext cx="504056" cy="1106764"/>
-          </a:xfrm>
-          <a:prstGeom prst="upDownArrow">
-            <a:avLst/>
-          </a:prstGeom>
-          <a:solidFill>
-            <a:schemeClr val="accent1">
-              <a:lumMod val="20000"/>
-              <a:lumOff val="80000"/>
-            </a:schemeClr>
-          </a:solidFill>
-          <a:ln>
-            <a:solidFill>
-              <a:schemeClr val="accent1">
-                <a:lumMod val="60000"/>
-                <a:lumOff val="40000"/>
-              </a:schemeClr>
-            </a:solidFill>
-          </a:ln>
-        </p:spPr>
-        <p:style>
-          <a:lnRef idx="2">
-            <a:schemeClr val="accent1">
-              <a:shade val="50000"/>
-            </a:schemeClr>
-          </a:lnRef>
-          <a:fillRef idx="1">
-            <a:schemeClr val="accent1"/>
-          </a:fillRef>
-          <a:effectRef idx="0">
-            <a:schemeClr val="accent1"/>
-          </a:effectRef>
-          <a:fontRef idx="minor">
-            <a:schemeClr val="lt1"/>
-          </a:fontRef>
-        </p:style>
-        <p:txBody>
-          <a:bodyPr rtlCol="0" anchor="ctr"/>
-          <a:lstStyle/>
-          <a:p>
-            <a:pPr algn="ctr"/>
             <a:r>
               <a:rPr lang="fr-FR" sz="500" dirty="0" smtClean="0">
                 <a:solidFill>
@@ -14543,7 +14528,7 @@
     </p:spTree>
     <p:extLst>
       <p:ext uri="{BB962C8B-B14F-4D97-AF65-F5344CB8AC3E}">
-        <p14:creationId xmlns:p14="http://schemas.microsoft.com/office/powerpoint/2010/main" val="347518600"/>
+        <p14:creationId xmlns:p14="http://schemas.microsoft.com/office/powerpoint/2010/main" xmlns="" val="347518600"/>
       </p:ext>
     </p:extLst>
   </p:cSld>
@@ -14584,7 +14569,7 @@
           <p:nvPr>
             <p:extLst>
               <p:ext uri="{D42A27DB-BD31-4B8C-83A1-F6EECF244321}">
-                <p14:modId xmlns:p14="http://schemas.microsoft.com/office/powerpoint/2010/main" val="514942137"/>
+                <p14:modId xmlns:p14="http://schemas.microsoft.com/office/powerpoint/2010/main" xmlns="" val="514942137"/>
               </p:ext>
             </p:extLst>
           </p:nvPr>
@@ -14602,7 +14587,7 @@
     </p:spTree>
     <p:extLst>
       <p:ext uri="{BB962C8B-B14F-4D97-AF65-F5344CB8AC3E}">
-        <p14:creationId xmlns:p14="http://schemas.microsoft.com/office/powerpoint/2010/main" val="3033989473"/>
+        <p14:creationId xmlns:p14="http://schemas.microsoft.com/office/powerpoint/2010/main" xmlns="" val="3033989473"/>
       </p:ext>
     </p:extLst>
   </p:cSld>
@@ -15979,7 +15964,7 @@
     </p:spTree>
     <p:extLst>
       <p:ext uri="{BB962C8B-B14F-4D97-AF65-F5344CB8AC3E}">
-        <p14:creationId xmlns:p14="http://schemas.microsoft.com/office/powerpoint/2010/main" val="1959051362"/>
+        <p14:creationId xmlns:p14="http://schemas.microsoft.com/office/powerpoint/2010/main" xmlns="" val="1959051362"/>
       </p:ext>
     </p:extLst>
   </p:cSld>
@@ -17356,7 +17341,7 @@
     </p:spTree>
     <p:extLst>
       <p:ext uri="{BB962C8B-B14F-4D97-AF65-F5344CB8AC3E}">
-        <p14:creationId xmlns:p14="http://schemas.microsoft.com/office/powerpoint/2010/main" val="329598001"/>
+        <p14:creationId xmlns:p14="http://schemas.microsoft.com/office/powerpoint/2010/main" xmlns="" val="329598001"/>
       </p:ext>
     </p:extLst>
   </p:cSld>
@@ -17395,7 +17380,7 @@
           <a:blip r:embed="rId2" cstate="print">
             <a:extLst>
               <a:ext uri="{28A0092B-C50C-407E-A947-70E740481C1C}">
-                <a14:useLocalDpi xmlns:a14="http://schemas.microsoft.com/office/drawing/2010/main" val="0"/>
+                <a14:useLocalDpi xmlns:a14="http://schemas.microsoft.com/office/drawing/2010/main" xmlns="" val="0"/>
               </a:ext>
             </a:extLst>
           </a:blip>
@@ -17424,14 +17409,14 @@
           </a:scene3d>
           <a:extLst>
             <a:ext uri="{909E8E84-426E-40DD-AFC4-6F175D3DCCD1}">
-              <a14:hiddenFill xmlns:a14="http://schemas.microsoft.com/office/drawing/2010/main">
+              <a14:hiddenFill xmlns:a14="http://schemas.microsoft.com/office/drawing/2010/main" xmlns="">
                 <a:solidFill>
                   <a:schemeClr val="accent1"/>
                 </a:solidFill>
               </a14:hiddenFill>
             </a:ext>
             <a:ext uri="{91240B29-F687-4F45-9708-019B960494DF}">
-              <a14:hiddenLine xmlns:a14="http://schemas.microsoft.com/office/drawing/2010/main" w="9525">
+              <a14:hiddenLine xmlns:a14="http://schemas.microsoft.com/office/drawing/2010/main" xmlns="" w="9525">
                 <a:solidFill>
                   <a:schemeClr val="tx1"/>
                 </a:solidFill>
@@ -18022,7 +18007,7 @@
           <a:blip r:embed="rId3" cstate="print">
             <a:extLst>
               <a:ext uri="{28A0092B-C50C-407E-A947-70E740481C1C}">
-                <a14:useLocalDpi xmlns:a14="http://schemas.microsoft.com/office/drawing/2010/main" val="0"/>
+                <a14:useLocalDpi xmlns:a14="http://schemas.microsoft.com/office/drawing/2010/main" xmlns="" val="0"/>
               </a:ext>
             </a:extLst>
           </a:blip>
@@ -18051,14 +18036,14 @@
           </a:effectLst>
           <a:extLst>
             <a:ext uri="{909E8E84-426E-40DD-AFC4-6F175D3DCCD1}">
-              <a14:hiddenFill xmlns:a14="http://schemas.microsoft.com/office/drawing/2010/main">
+              <a14:hiddenFill xmlns:a14="http://schemas.microsoft.com/office/drawing/2010/main" xmlns="">
                 <a:solidFill>
                   <a:schemeClr val="accent1"/>
                 </a:solidFill>
               </a14:hiddenFill>
             </a:ext>
             <a:ext uri="{91240B29-F687-4F45-9708-019B960494DF}">
-              <a14:hiddenLine xmlns:a14="http://schemas.microsoft.com/office/drawing/2010/main" w="9525">
+              <a14:hiddenLine xmlns:a14="http://schemas.microsoft.com/office/drawing/2010/main" xmlns="" w="9525">
                 <a:solidFill>
                   <a:schemeClr val="tx1"/>
                 </a:solidFill>
@@ -18082,7 +18067,7 @@
           <a:blip r:embed="rId4" cstate="print">
             <a:extLst>
               <a:ext uri="{28A0092B-C50C-407E-A947-70E740481C1C}">
-                <a14:useLocalDpi xmlns:a14="http://schemas.microsoft.com/office/drawing/2010/main" val="0"/>
+                <a14:useLocalDpi xmlns:a14="http://schemas.microsoft.com/office/drawing/2010/main" xmlns="" val="0"/>
               </a:ext>
             </a:extLst>
           </a:blip>
@@ -18111,14 +18096,14 @@
           </a:effectLst>
           <a:extLst>
             <a:ext uri="{909E8E84-426E-40DD-AFC4-6F175D3DCCD1}">
-              <a14:hiddenFill xmlns:a14="http://schemas.microsoft.com/office/drawing/2010/main">
+              <a14:hiddenFill xmlns:a14="http://schemas.microsoft.com/office/drawing/2010/main" xmlns="">
                 <a:solidFill>
                   <a:schemeClr val="accent1"/>
                 </a:solidFill>
               </a14:hiddenFill>
             </a:ext>
             <a:ext uri="{91240B29-F687-4F45-9708-019B960494DF}">
-              <a14:hiddenLine xmlns:a14="http://schemas.microsoft.com/office/drawing/2010/main" w="9525">
+              <a14:hiddenLine xmlns:a14="http://schemas.microsoft.com/office/drawing/2010/main" xmlns="" w="9525">
                 <a:solidFill>
                   <a:schemeClr val="tx1"/>
                 </a:solidFill>
@@ -18142,7 +18127,7 @@
           <a:blip r:embed="rId5" cstate="print">
             <a:extLst>
               <a:ext uri="{28A0092B-C50C-407E-A947-70E740481C1C}">
-                <a14:useLocalDpi xmlns:a14="http://schemas.microsoft.com/office/drawing/2010/main" val="0"/>
+                <a14:useLocalDpi xmlns:a14="http://schemas.microsoft.com/office/drawing/2010/main" xmlns="" val="0"/>
               </a:ext>
             </a:extLst>
           </a:blip>
@@ -18173,14 +18158,14 @@
           </a:scene3d>
           <a:extLst>
             <a:ext uri="{909E8E84-426E-40DD-AFC4-6F175D3DCCD1}">
-              <a14:hiddenFill xmlns:a14="http://schemas.microsoft.com/office/drawing/2010/main">
+              <a14:hiddenFill xmlns:a14="http://schemas.microsoft.com/office/drawing/2010/main" xmlns="">
                 <a:solidFill>
                   <a:schemeClr val="accent1"/>
                 </a:solidFill>
               </a14:hiddenFill>
             </a:ext>
             <a:ext uri="{91240B29-F687-4F45-9708-019B960494DF}">
-              <a14:hiddenLine xmlns:a14="http://schemas.microsoft.com/office/drawing/2010/main" w="9525">
+              <a14:hiddenLine xmlns:a14="http://schemas.microsoft.com/office/drawing/2010/main" xmlns="" w="9525">
                 <a:solidFill>
                   <a:schemeClr val="tx1"/>
                 </a:solidFill>
@@ -18195,7 +18180,7 @@
     </p:spTree>
     <p:extLst>
       <p:ext uri="{BB962C8B-B14F-4D97-AF65-F5344CB8AC3E}">
-        <p14:creationId xmlns:p14="http://schemas.microsoft.com/office/powerpoint/2010/main" val="918188242"/>
+        <p14:creationId xmlns:p14="http://schemas.microsoft.com/office/powerpoint/2010/main" xmlns="" val="918188242"/>
       </p:ext>
     </p:extLst>
   </p:cSld>
@@ -18241,7 +18226,7 @@
           <a:blip r:embed="rId2" cstate="print">
             <a:extLst>
               <a:ext uri="{28A0092B-C50C-407E-A947-70E740481C1C}">
-                <a14:useLocalDpi xmlns:a14="http://schemas.microsoft.com/office/drawing/2010/main" val="0"/>
+                <a14:useLocalDpi xmlns:a14="http://schemas.microsoft.com/office/drawing/2010/main" xmlns="" val="0"/>
               </a:ext>
             </a:extLst>
           </a:blip>
@@ -18265,14 +18250,14 @@
           <a:effectLst/>
           <a:extLst>
             <a:ext uri="{909E8E84-426E-40DD-AFC4-6F175D3DCCD1}">
-              <a14:hiddenFill xmlns:a14="http://schemas.microsoft.com/office/drawing/2010/main">
+              <a14:hiddenFill xmlns:a14="http://schemas.microsoft.com/office/drawing/2010/main" xmlns="">
                 <a:solidFill>
                   <a:schemeClr val="accent1"/>
                 </a:solidFill>
               </a14:hiddenFill>
             </a:ext>
             <a:ext uri="{91240B29-F687-4F45-9708-019B960494DF}">
-              <a14:hiddenLine xmlns:a14="http://schemas.microsoft.com/office/drawing/2010/main" w="9525">
+              <a14:hiddenLine xmlns:a14="http://schemas.microsoft.com/office/drawing/2010/main" xmlns="" w="9525">
                 <a:solidFill>
                   <a:schemeClr val="tx1"/>
                 </a:solidFill>
@@ -18282,7 +18267,7 @@
               </a14:hiddenLine>
             </a:ext>
             <a:ext uri="{AF507438-7753-43E0-B8FC-AC1667EBCBE1}">
-              <a14:hiddenEffects xmlns:a14="http://schemas.microsoft.com/office/drawing/2010/main">
+              <a14:hiddenEffects xmlns:a14="http://schemas.microsoft.com/office/drawing/2010/main" xmlns="">
                 <a:effectLst>
                   <a:outerShdw dist="35921" dir="2700000" algn="ctr" rotWithShape="0">
                     <a:schemeClr val="bg2"/>
@@ -18305,7 +18290,7 @@
           <a:blip r:embed="rId3" cstate="print">
             <a:extLst>
               <a:ext uri="{28A0092B-C50C-407E-A947-70E740481C1C}">
-                <a14:useLocalDpi xmlns:a14="http://schemas.microsoft.com/office/drawing/2010/main" val="0"/>
+                <a14:useLocalDpi xmlns:a14="http://schemas.microsoft.com/office/drawing/2010/main" xmlns="" val="0"/>
               </a:ext>
             </a:extLst>
           </a:blip>
@@ -18351,7 +18336,7 @@
           </a:sp3d>
           <a:extLst>
             <a:ext uri="{909E8E84-426E-40DD-AFC4-6F175D3DCCD1}">
-              <a14:hiddenFill xmlns:a14="http://schemas.microsoft.com/office/drawing/2010/main">
+              <a14:hiddenFill xmlns:a14="http://schemas.microsoft.com/office/drawing/2010/main" xmlns="">
                 <a:solidFill>
                   <a:schemeClr val="accent1"/>
                 </a:solidFill>
@@ -18372,7 +18357,7 @@
           <a:blip r:embed="rId4">
             <a:extLst>
               <a:ext uri="{28A0092B-C50C-407E-A947-70E740481C1C}">
-                <a14:useLocalDpi xmlns:a14="http://schemas.microsoft.com/office/drawing/2010/main" val="0"/>
+                <a14:useLocalDpi xmlns:a14="http://schemas.microsoft.com/office/drawing/2010/main" xmlns="" val="0"/>
               </a:ext>
             </a:extLst>
           </a:blip>
@@ -18394,14 +18379,14 @@
           <a:effectLst/>
           <a:extLst>
             <a:ext uri="{909E8E84-426E-40DD-AFC4-6F175D3DCCD1}">
-              <a14:hiddenFill xmlns:a14="http://schemas.microsoft.com/office/drawing/2010/main">
+              <a14:hiddenFill xmlns:a14="http://schemas.microsoft.com/office/drawing/2010/main" xmlns="">
                 <a:solidFill>
                   <a:schemeClr val="accent1"/>
                 </a:solidFill>
               </a14:hiddenFill>
             </a:ext>
             <a:ext uri="{91240B29-F687-4F45-9708-019B960494DF}">
-              <a14:hiddenLine xmlns:a14="http://schemas.microsoft.com/office/drawing/2010/main" w="9525">
+              <a14:hiddenLine xmlns:a14="http://schemas.microsoft.com/office/drawing/2010/main" xmlns="" w="9525">
                 <a:solidFill>
                   <a:schemeClr val="tx1"/>
                 </a:solidFill>
@@ -18411,7 +18396,7 @@
               </a14:hiddenLine>
             </a:ext>
             <a:ext uri="{AF507438-7753-43E0-B8FC-AC1667EBCBE1}">
-              <a14:hiddenEffects xmlns:a14="http://schemas.microsoft.com/office/drawing/2010/main">
+              <a14:hiddenEffects xmlns:a14="http://schemas.microsoft.com/office/drawing/2010/main" xmlns="">
                 <a:effectLst>
                   <a:outerShdw dist="35921" dir="2700000" algn="ctr" rotWithShape="0">
                     <a:schemeClr val="bg2"/>
@@ -18434,7 +18419,7 @@
           <a:blip r:embed="rId5" cstate="print">
             <a:extLst>
               <a:ext uri="{28A0092B-C50C-407E-A947-70E740481C1C}">
-                <a14:useLocalDpi xmlns:a14="http://schemas.microsoft.com/office/drawing/2010/main" val="0"/>
+                <a14:useLocalDpi xmlns:a14="http://schemas.microsoft.com/office/drawing/2010/main" xmlns="" val="0"/>
               </a:ext>
             </a:extLst>
           </a:blip>
@@ -18458,14 +18443,14 @@
           <a:effectLst/>
           <a:extLst>
             <a:ext uri="{909E8E84-426E-40DD-AFC4-6F175D3DCCD1}">
-              <a14:hiddenFill xmlns:a14="http://schemas.microsoft.com/office/drawing/2010/main">
+              <a14:hiddenFill xmlns:a14="http://schemas.microsoft.com/office/drawing/2010/main" xmlns="">
                 <a:solidFill>
                   <a:schemeClr val="accent1"/>
                 </a:solidFill>
               </a14:hiddenFill>
             </a:ext>
             <a:ext uri="{91240B29-F687-4F45-9708-019B960494DF}">
-              <a14:hiddenLine xmlns:a14="http://schemas.microsoft.com/office/drawing/2010/main" w="9525">
+              <a14:hiddenLine xmlns:a14="http://schemas.microsoft.com/office/drawing/2010/main" xmlns="" w="9525">
                 <a:solidFill>
                   <a:schemeClr val="tx1"/>
                 </a:solidFill>
@@ -18475,7 +18460,7 @@
               </a14:hiddenLine>
             </a:ext>
             <a:ext uri="{AF507438-7753-43E0-B8FC-AC1667EBCBE1}">
-              <a14:hiddenEffects xmlns:a14="http://schemas.microsoft.com/office/drawing/2010/main">
+              <a14:hiddenEffects xmlns:a14="http://schemas.microsoft.com/office/drawing/2010/main" xmlns="">
                 <a:effectLst>
                   <a:outerShdw dist="35921" dir="2700000" algn="ctr" rotWithShape="0">
                     <a:schemeClr val="bg2"/>
@@ -19021,7 +19006,7 @@
     </p:spTree>
     <p:extLst>
       <p:ext uri="{BB962C8B-B14F-4D97-AF65-F5344CB8AC3E}">
-        <p14:creationId xmlns:p14="http://schemas.microsoft.com/office/powerpoint/2010/main" val="347518600"/>
+        <p14:creationId xmlns:p14="http://schemas.microsoft.com/office/powerpoint/2010/main" xmlns="" val="347518600"/>
       </p:ext>
     </p:extLst>
   </p:cSld>
@@ -19845,7 +19830,7 @@
     </p:spTree>
     <p:extLst>
       <p:ext uri="{BB962C8B-B14F-4D97-AF65-F5344CB8AC3E}">
-        <p14:creationId xmlns:p14="http://schemas.microsoft.com/office/powerpoint/2010/main" val="2128794243"/>
+        <p14:creationId xmlns:p14="http://schemas.microsoft.com/office/powerpoint/2010/main" xmlns="" val="2128794243"/>
       </p:ext>
     </p:extLst>
   </p:cSld>

--- a/Ressources/Ecarts.pptx
+++ b/Ressources/Ecarts.pptx
@@ -1738,7 +1738,7 @@
   <dgm:whole/>
   <dgm:extLst>
     <a:ext uri="http://schemas.microsoft.com/office/drawing/2008/diagram">
-      <dsp:dataModelExt xmlns:dsp="http://schemas.microsoft.com/office/drawing/2008/diagram" xmlns="" relId="rId6" minVer="http://schemas.openxmlformats.org/drawingml/2006/diagram"/>
+      <dsp:dataModelExt xmlns="" xmlns:dsp="http://schemas.microsoft.com/office/drawing/2008/diagram" relId="rId6" minVer="http://schemas.openxmlformats.org/drawingml/2006/diagram"/>
     </a:ext>
   </dgm:extLst>
 </dgm:dataModel>
@@ -4602,7 +4602,7 @@
     </p:spTree>
     <p:extLst>
       <p:ext uri="{BB962C8B-B14F-4D97-AF65-F5344CB8AC3E}">
-        <p14:creationId xmlns:p14="http://schemas.microsoft.com/office/powerpoint/2010/main" xmlns="" val="735395960"/>
+        <p14:creationId xmlns="" xmlns:p14="http://schemas.microsoft.com/office/powerpoint/2010/main" val="735395960"/>
       </p:ext>
     </p:extLst>
   </p:cSld>
@@ -5063,7 +5063,7 @@
     </p:spTree>
     <p:extLst>
       <p:ext uri="{BB962C8B-B14F-4D97-AF65-F5344CB8AC3E}">
-        <p14:creationId xmlns:p14="http://schemas.microsoft.com/office/powerpoint/2010/main" xmlns="" val="3993512361"/>
+        <p14:creationId xmlns="" xmlns:p14="http://schemas.microsoft.com/office/powerpoint/2010/main" val="3993512361"/>
       </p:ext>
     </p:extLst>
   </p:cSld>
@@ -5625,7 +5625,7 @@
     </p:spTree>
     <p:extLst>
       <p:ext uri="{BB962C8B-B14F-4D97-AF65-F5344CB8AC3E}">
-        <p14:creationId xmlns:p14="http://schemas.microsoft.com/office/powerpoint/2010/main" xmlns="" val="1629187809"/>
+        <p14:creationId xmlns="" xmlns:p14="http://schemas.microsoft.com/office/powerpoint/2010/main" val="1629187809"/>
       </p:ext>
     </p:extLst>
   </p:cSld>
@@ -6187,7 +6187,7 @@
     </p:spTree>
     <p:extLst>
       <p:ext uri="{BB962C8B-B14F-4D97-AF65-F5344CB8AC3E}">
-        <p14:creationId xmlns:p14="http://schemas.microsoft.com/office/powerpoint/2010/main" xmlns="" val="2121907143"/>
+        <p14:creationId xmlns="" xmlns:p14="http://schemas.microsoft.com/office/powerpoint/2010/main" val="2121907143"/>
       </p:ext>
     </p:extLst>
   </p:cSld>
@@ -6749,7 +6749,7 @@
     </p:spTree>
     <p:extLst>
       <p:ext uri="{BB962C8B-B14F-4D97-AF65-F5344CB8AC3E}">
-        <p14:creationId xmlns:p14="http://schemas.microsoft.com/office/powerpoint/2010/main" xmlns="" val="867030374"/>
+        <p14:creationId xmlns="" xmlns:p14="http://schemas.microsoft.com/office/powerpoint/2010/main" val="867030374"/>
       </p:ext>
     </p:extLst>
   </p:cSld>
@@ -7412,7 +7412,7 @@
     </p:spTree>
     <p:extLst>
       <p:ext uri="{BB962C8B-B14F-4D97-AF65-F5344CB8AC3E}">
-        <p14:creationId xmlns:p14="http://schemas.microsoft.com/office/powerpoint/2010/main" xmlns="" val="2968986945"/>
+        <p14:creationId xmlns="" xmlns:p14="http://schemas.microsoft.com/office/powerpoint/2010/main" val="2968986945"/>
       </p:ext>
     </p:extLst>
   </p:cSld>
@@ -8075,7 +8075,7 @@
     </p:spTree>
     <p:extLst>
       <p:ext uri="{BB962C8B-B14F-4D97-AF65-F5344CB8AC3E}">
-        <p14:creationId xmlns:p14="http://schemas.microsoft.com/office/powerpoint/2010/main" xmlns="" val="256286171"/>
+        <p14:creationId xmlns="" xmlns:p14="http://schemas.microsoft.com/office/powerpoint/2010/main" val="256286171"/>
       </p:ext>
     </p:extLst>
   </p:cSld>
@@ -9382,7 +9382,7 @@
     </p:spTree>
     <p:extLst>
       <p:ext uri="{BB962C8B-B14F-4D97-AF65-F5344CB8AC3E}">
-        <p14:creationId xmlns:p14="http://schemas.microsoft.com/office/powerpoint/2010/main" xmlns="" val="1512067192"/>
+        <p14:creationId xmlns="" xmlns:p14="http://schemas.microsoft.com/office/powerpoint/2010/main" val="1512067192"/>
       </p:ext>
     </p:extLst>
   </p:cSld>
@@ -9718,7 +9718,7 @@
           <a:blip r:embed="rId2" cstate="print">
             <a:extLst>
               <a:ext uri="{28A0092B-C50C-407E-A947-70E740481C1C}">
-                <a14:useLocalDpi xmlns:a14="http://schemas.microsoft.com/office/drawing/2010/main" xmlns="" val="0"/>
+                <a14:useLocalDpi xmlns="" xmlns:a14="http://schemas.microsoft.com/office/drawing/2010/main" val="0"/>
               </a:ext>
             </a:extLst>
           </a:blip>
@@ -9741,14 +9741,14 @@
           </a:ln>
           <a:extLst>
             <a:ext uri="{909E8E84-426E-40DD-AFC4-6F175D3DCCD1}">
-              <a14:hiddenFill xmlns:a14="http://schemas.microsoft.com/office/drawing/2010/main" xmlns="">
+              <a14:hiddenFill xmlns="" xmlns:a14="http://schemas.microsoft.com/office/drawing/2010/main">
                 <a:solidFill>
                   <a:srgbClr val="FFFFFF"/>
                 </a:solidFill>
               </a14:hiddenFill>
             </a:ext>
             <a:ext uri="{91240B29-F687-4F45-9708-019B960494DF}">
-              <a14:hiddenLine xmlns:a14="http://schemas.microsoft.com/office/drawing/2010/main" xmlns="" w="9525">
+              <a14:hiddenLine xmlns="" xmlns:a14="http://schemas.microsoft.com/office/drawing/2010/main" w="9525">
                 <a:solidFill>
                   <a:srgbClr val="000000"/>
                 </a:solidFill>
@@ -9813,7 +9813,7 @@
     </p:spTree>
     <p:extLst>
       <p:ext uri="{BB962C8B-B14F-4D97-AF65-F5344CB8AC3E}">
-        <p14:creationId xmlns:p14="http://schemas.microsoft.com/office/powerpoint/2010/main" xmlns="" val="2536410838"/>
+        <p14:creationId xmlns="" xmlns:p14="http://schemas.microsoft.com/office/powerpoint/2010/main" val="2536410838"/>
       </p:ext>
     </p:extLst>
   </p:cSld>
@@ -11041,7 +11041,7 @@
     </p:spTree>
     <p:extLst>
       <p:ext uri="{BB962C8B-B14F-4D97-AF65-F5344CB8AC3E}">
-        <p14:creationId xmlns:p14="http://schemas.microsoft.com/office/powerpoint/2010/main" xmlns="" val="3362483567"/>
+        <p14:creationId xmlns="" xmlns:p14="http://schemas.microsoft.com/office/powerpoint/2010/main" val="3362483567"/>
       </p:ext>
     </p:extLst>
   </p:cSld>
@@ -11340,7 +11340,7 @@
           <a:blip r:embed="rId2" cstate="print">
             <a:extLst>
               <a:ext uri="{28A0092B-C50C-407E-A947-70E740481C1C}">
-                <a14:useLocalDpi xmlns:a14="http://schemas.microsoft.com/office/drawing/2010/main" xmlns="" val="0"/>
+                <a14:useLocalDpi xmlns="" xmlns:a14="http://schemas.microsoft.com/office/drawing/2010/main" val="0"/>
               </a:ext>
             </a:extLst>
           </a:blip>
@@ -11361,7 +11361,7 @@
     </p:spTree>
     <p:extLst>
       <p:ext uri="{BB962C8B-B14F-4D97-AF65-F5344CB8AC3E}">
-        <p14:creationId xmlns:p14="http://schemas.microsoft.com/office/powerpoint/2010/main" xmlns="" val="1577921382"/>
+        <p14:creationId xmlns="" xmlns:p14="http://schemas.microsoft.com/office/powerpoint/2010/main" val="1577921382"/>
       </p:ext>
     </p:extLst>
   </p:cSld>
@@ -11487,7 +11487,7 @@
     </p:spTree>
     <p:extLst>
       <p:ext uri="{BB962C8B-B14F-4D97-AF65-F5344CB8AC3E}">
-        <p14:creationId xmlns:p14="http://schemas.microsoft.com/office/powerpoint/2010/main" xmlns="" val="1798277508"/>
+        <p14:creationId xmlns="" xmlns:p14="http://schemas.microsoft.com/office/powerpoint/2010/main" val="1798277508"/>
       </p:ext>
     </p:extLst>
   </p:cSld>
@@ -11760,7 +11760,7 @@
     </p:spTree>
     <p:extLst>
       <p:ext uri="{BB962C8B-B14F-4D97-AF65-F5344CB8AC3E}">
-        <p14:creationId xmlns:p14="http://schemas.microsoft.com/office/powerpoint/2010/main" xmlns="" val="1642583720"/>
+        <p14:creationId xmlns="" xmlns:p14="http://schemas.microsoft.com/office/powerpoint/2010/main" val="1642583720"/>
       </p:ext>
     </p:extLst>
   </p:cSld>
@@ -12099,7 +12099,7 @@
     </p:spTree>
     <p:extLst>
       <p:ext uri="{BB962C8B-B14F-4D97-AF65-F5344CB8AC3E}">
-        <p14:creationId xmlns:p14="http://schemas.microsoft.com/office/powerpoint/2010/main" xmlns="" val="2469207090"/>
+        <p14:creationId xmlns="" xmlns:p14="http://schemas.microsoft.com/office/powerpoint/2010/main" val="2469207090"/>
       </p:ext>
     </p:extLst>
   </p:cSld>
@@ -12560,7 +12560,7 @@
     </p:spTree>
     <p:extLst>
       <p:ext uri="{BB962C8B-B14F-4D97-AF65-F5344CB8AC3E}">
-        <p14:creationId xmlns:p14="http://schemas.microsoft.com/office/powerpoint/2010/main" xmlns="" val="2025569486"/>
+        <p14:creationId xmlns="" xmlns:p14="http://schemas.microsoft.com/office/powerpoint/2010/main" val="2025569486"/>
       </p:ext>
     </p:extLst>
   </p:cSld>
@@ -13021,7 +13021,7 @@
     </p:spTree>
     <p:extLst>
       <p:ext uri="{BB962C8B-B14F-4D97-AF65-F5344CB8AC3E}">
-        <p14:creationId xmlns:p14="http://schemas.microsoft.com/office/powerpoint/2010/main" xmlns="" val="4088655274"/>
+        <p14:creationId xmlns="" xmlns:p14="http://schemas.microsoft.com/office/powerpoint/2010/main" val="4088655274"/>
       </p:ext>
     </p:extLst>
   </p:cSld>
@@ -13413,7 +13413,7 @@
           <a:blip r:embed="rId18" cstate="print">
             <a:extLst>
               <a:ext uri="{28A0092B-C50C-407E-A947-70E740481C1C}">
-                <a14:useLocalDpi xmlns:a14="http://schemas.microsoft.com/office/drawing/2010/main" xmlns="" val="0"/>
+                <a14:useLocalDpi xmlns="" xmlns:a14="http://schemas.microsoft.com/office/drawing/2010/main" val="0"/>
               </a:ext>
             </a:extLst>
           </a:blip>
@@ -13434,7 +13434,7 @@
     </p:spTree>
     <p:extLst>
       <p:ext uri="{BB962C8B-B14F-4D97-AF65-F5344CB8AC3E}">
-        <p14:creationId xmlns:p14="http://schemas.microsoft.com/office/powerpoint/2010/main" xmlns="" val="600330060"/>
+        <p14:creationId xmlns="" xmlns:p14="http://schemas.microsoft.com/office/powerpoint/2010/main" val="600330060"/>
       </p:ext>
     </p:extLst>
   </p:cSld>
@@ -13743,7 +13743,7 @@
           <a:blip r:embed="rId2" cstate="print">
             <a:extLst>
               <a:ext uri="{28A0092B-C50C-407E-A947-70E740481C1C}">
-                <a14:useLocalDpi xmlns:a14="http://schemas.microsoft.com/office/drawing/2010/main" xmlns="" val="0"/>
+                <a14:useLocalDpi xmlns="" xmlns:a14="http://schemas.microsoft.com/office/drawing/2010/main" val="0"/>
               </a:ext>
             </a:extLst>
           </a:blip>
@@ -13767,14 +13767,14 @@
           <a:effectLst/>
           <a:extLst>
             <a:ext uri="{909E8E84-426E-40DD-AFC4-6F175D3DCCD1}">
-              <a14:hiddenFill xmlns:a14="http://schemas.microsoft.com/office/drawing/2010/main" xmlns="">
+              <a14:hiddenFill xmlns="" xmlns:a14="http://schemas.microsoft.com/office/drawing/2010/main">
                 <a:solidFill>
                   <a:schemeClr val="accent1"/>
                 </a:solidFill>
               </a14:hiddenFill>
             </a:ext>
             <a:ext uri="{91240B29-F687-4F45-9708-019B960494DF}">
-              <a14:hiddenLine xmlns:a14="http://schemas.microsoft.com/office/drawing/2010/main" xmlns="" w="9525">
+              <a14:hiddenLine xmlns="" xmlns:a14="http://schemas.microsoft.com/office/drawing/2010/main" w="9525">
                 <a:solidFill>
                   <a:schemeClr val="tx1"/>
                 </a:solidFill>
@@ -13784,7 +13784,7 @@
               </a14:hiddenLine>
             </a:ext>
             <a:ext uri="{AF507438-7753-43E0-B8FC-AC1667EBCBE1}">
-              <a14:hiddenEffects xmlns:a14="http://schemas.microsoft.com/office/drawing/2010/main" xmlns="">
+              <a14:hiddenEffects xmlns="" xmlns:a14="http://schemas.microsoft.com/office/drawing/2010/main">
                 <a:effectLst>
                   <a:outerShdw dist="35921" dir="2700000" algn="ctr" rotWithShape="0">
                     <a:schemeClr val="bg2"/>
@@ -13807,7 +13807,7 @@
           <a:blip r:embed="rId3" cstate="print">
             <a:extLst>
               <a:ext uri="{28A0092B-C50C-407E-A947-70E740481C1C}">
-                <a14:useLocalDpi xmlns:a14="http://schemas.microsoft.com/office/drawing/2010/main" xmlns="" val="0"/>
+                <a14:useLocalDpi xmlns="" xmlns:a14="http://schemas.microsoft.com/office/drawing/2010/main" val="0"/>
               </a:ext>
             </a:extLst>
           </a:blip>
@@ -13853,7 +13853,7 @@
           </a:sp3d>
           <a:extLst>
             <a:ext uri="{909E8E84-426E-40DD-AFC4-6F175D3DCCD1}">
-              <a14:hiddenFill xmlns:a14="http://schemas.microsoft.com/office/drawing/2010/main" xmlns="">
+              <a14:hiddenFill xmlns="" xmlns:a14="http://schemas.microsoft.com/office/drawing/2010/main">
                 <a:solidFill>
                   <a:schemeClr val="accent1"/>
                 </a:solidFill>
@@ -13874,7 +13874,7 @@
           <a:blip r:embed="rId4">
             <a:extLst>
               <a:ext uri="{28A0092B-C50C-407E-A947-70E740481C1C}">
-                <a14:useLocalDpi xmlns:a14="http://schemas.microsoft.com/office/drawing/2010/main" xmlns="" val="0"/>
+                <a14:useLocalDpi xmlns="" xmlns:a14="http://schemas.microsoft.com/office/drawing/2010/main" val="0"/>
               </a:ext>
             </a:extLst>
           </a:blip>
@@ -13896,14 +13896,14 @@
           <a:effectLst/>
           <a:extLst>
             <a:ext uri="{909E8E84-426E-40DD-AFC4-6F175D3DCCD1}">
-              <a14:hiddenFill xmlns:a14="http://schemas.microsoft.com/office/drawing/2010/main" xmlns="">
+              <a14:hiddenFill xmlns="" xmlns:a14="http://schemas.microsoft.com/office/drawing/2010/main">
                 <a:solidFill>
                   <a:schemeClr val="accent1"/>
                 </a:solidFill>
               </a14:hiddenFill>
             </a:ext>
             <a:ext uri="{91240B29-F687-4F45-9708-019B960494DF}">
-              <a14:hiddenLine xmlns:a14="http://schemas.microsoft.com/office/drawing/2010/main" xmlns="" w="9525">
+              <a14:hiddenLine xmlns="" xmlns:a14="http://schemas.microsoft.com/office/drawing/2010/main" w="9525">
                 <a:solidFill>
                   <a:schemeClr val="tx1"/>
                 </a:solidFill>
@@ -13913,7 +13913,7 @@
               </a14:hiddenLine>
             </a:ext>
             <a:ext uri="{AF507438-7753-43E0-B8FC-AC1667EBCBE1}">
-              <a14:hiddenEffects xmlns:a14="http://schemas.microsoft.com/office/drawing/2010/main" xmlns="">
+              <a14:hiddenEffects xmlns="" xmlns:a14="http://schemas.microsoft.com/office/drawing/2010/main">
                 <a:effectLst>
                   <a:outerShdw dist="35921" dir="2700000" algn="ctr" rotWithShape="0">
                     <a:schemeClr val="bg2"/>
@@ -13936,7 +13936,7 @@
           <a:blip r:embed="rId5" cstate="print">
             <a:extLst>
               <a:ext uri="{28A0092B-C50C-407E-A947-70E740481C1C}">
-                <a14:useLocalDpi xmlns:a14="http://schemas.microsoft.com/office/drawing/2010/main" xmlns="" val="0"/>
+                <a14:useLocalDpi xmlns="" xmlns:a14="http://schemas.microsoft.com/office/drawing/2010/main" val="0"/>
               </a:ext>
             </a:extLst>
           </a:blip>
@@ -13960,14 +13960,14 @@
           <a:effectLst/>
           <a:extLst>
             <a:ext uri="{909E8E84-426E-40DD-AFC4-6F175D3DCCD1}">
-              <a14:hiddenFill xmlns:a14="http://schemas.microsoft.com/office/drawing/2010/main" xmlns="">
+              <a14:hiddenFill xmlns="" xmlns:a14="http://schemas.microsoft.com/office/drawing/2010/main">
                 <a:solidFill>
                   <a:schemeClr val="accent1"/>
                 </a:solidFill>
               </a14:hiddenFill>
             </a:ext>
             <a:ext uri="{91240B29-F687-4F45-9708-019B960494DF}">
-              <a14:hiddenLine xmlns:a14="http://schemas.microsoft.com/office/drawing/2010/main" xmlns="" w="9525">
+              <a14:hiddenLine xmlns="" xmlns:a14="http://schemas.microsoft.com/office/drawing/2010/main" w="9525">
                 <a:solidFill>
                   <a:schemeClr val="tx1"/>
                 </a:solidFill>
@@ -13977,7 +13977,7 @@
               </a14:hiddenLine>
             </a:ext>
             <a:ext uri="{AF507438-7753-43E0-B8FC-AC1667EBCBE1}">
-              <a14:hiddenEffects xmlns:a14="http://schemas.microsoft.com/office/drawing/2010/main" xmlns="">
+              <a14:hiddenEffects xmlns="" xmlns:a14="http://schemas.microsoft.com/office/drawing/2010/main">
                 <a:effectLst>
                   <a:outerShdw dist="35921" dir="2700000" algn="ctr" rotWithShape="0">
                     <a:schemeClr val="bg2"/>
@@ -13997,6 +13997,56 @@
         <p:spPr>
           <a:xfrm>
             <a:off x="2771800" y="1772816"/>
+            <a:ext cx="3037584" cy="716632"/>
+          </a:xfrm>
+          <a:prstGeom prst="rightArrow">
+            <a:avLst/>
+          </a:prstGeom>
+        </p:spPr>
+        <p:style>
+          <a:lnRef idx="1">
+            <a:schemeClr val="accent5"/>
+          </a:lnRef>
+          <a:fillRef idx="2">
+            <a:schemeClr val="accent5"/>
+          </a:fillRef>
+          <a:effectRef idx="1">
+            <a:schemeClr val="accent5"/>
+          </a:effectRef>
+          <a:fontRef idx="minor">
+            <a:schemeClr val="dk1"/>
+          </a:fontRef>
+        </p:style>
+        <p:txBody>
+          <a:bodyPr rtlCol="0" anchor="ctr"/>
+          <a:lstStyle/>
+          <a:p>
+            <a:pPr algn="ctr"/>
+            <a:r>
+              <a:rPr lang="fr-FR" dirty="0" smtClean="0">
+                <a:solidFill>
+                  <a:prstClr val="black"/>
+                </a:solidFill>
+              </a:rPr>
+              <a:t>Domaine du client</a:t>
+            </a:r>
+            <a:endParaRPr lang="fr-FR" dirty="0">
+              <a:solidFill>
+                <a:prstClr val="black"/>
+              </a:solidFill>
+            </a:endParaRPr>
+          </a:p>
+        </p:txBody>
+      </p:sp>
+      <p:sp>
+        <p:nvSpPr>
+          <p:cNvPr id="13" name="Flèche droite 12"/>
+          <p:cNvSpPr/>
+          <p:nvPr/>
+        </p:nvSpPr>
+        <p:spPr>
+          <a:xfrm>
+            <a:off x="2771800" y="3780534"/>
             <a:ext cx="3037584" cy="716632"/>
           </a:xfrm>
           <a:prstGeom prst="rightArrow">
@@ -14028,7 +14078,7 @@
                   <a:prstClr val="black"/>
                 </a:solidFill>
               </a:rPr>
-              <a:t>Domaine du client</a:t>
+              <a:t>Domaine du laboratoire</a:t>
             </a:r>
             <a:endParaRPr lang="fr-FR" dirty="0">
               <a:solidFill>
@@ -14040,13 +14090,13 @@
       </p:sp>
       <p:sp>
         <p:nvSpPr>
-          <p:cNvPr id="13" name="Flèche droite 12"/>
+          <p:cNvPr id="14" name="Flèche droite 13"/>
           <p:cNvSpPr/>
           <p:nvPr/>
         </p:nvSpPr>
         <p:spPr>
           <a:xfrm>
-            <a:off x="2771800" y="3780534"/>
+            <a:off x="2771800" y="5694943"/>
             <a:ext cx="3037584" cy="716632"/>
           </a:xfrm>
           <a:prstGeom prst="rightArrow">
@@ -14078,7 +14128,7 @@
                   <a:prstClr val="black"/>
                 </a:solidFill>
               </a:rPr>
-              <a:t>Domaine du laboratoire</a:t>
+              <a:t>Domaine de la simulation</a:t>
             </a:r>
             <a:endParaRPr lang="fr-FR" dirty="0">
               <a:solidFill>
@@ -14090,18 +14140,195 @@
       </p:sp>
       <p:sp>
         <p:nvSpPr>
-          <p:cNvPr id="14" name="Flèche droite 13"/>
+          <p:cNvPr id="17" name="ZoneTexte 16"/>
+          <p:cNvSpPr txBox="1"/>
+          <p:nvPr/>
+        </p:nvSpPr>
+        <p:spPr>
+          <a:xfrm>
+            <a:off x="6054788" y="1807966"/>
+            <a:ext cx="1469540" cy="646331"/>
+          </a:xfrm>
+          <a:prstGeom prst="rect">
+            <a:avLst/>
+          </a:prstGeom>
+          <a:noFill/>
+        </p:spPr>
+        <p:txBody>
+          <a:bodyPr wrap="square" rtlCol="0">
+            <a:spAutoFit/>
+          </a:bodyPr>
+          <a:lstStyle/>
+          <a:p>
+            <a:pPr algn="ctr"/>
+            <a:r>
+              <a:rPr lang="fr-FR" dirty="0" smtClean="0">
+                <a:solidFill>
+                  <a:prstClr val="black"/>
+                </a:solidFill>
+              </a:rPr>
+              <a:t>Performances</a:t>
+            </a:r>
+            <a:endParaRPr lang="fr-FR" dirty="0">
+              <a:solidFill>
+                <a:prstClr val="black"/>
+              </a:solidFill>
+            </a:endParaRPr>
+          </a:p>
+          <a:p>
+            <a:pPr algn="ctr"/>
+            <a:r>
+              <a:rPr lang="fr-FR" dirty="0" smtClean="0">
+                <a:solidFill>
+                  <a:prstClr val="black"/>
+                </a:solidFill>
+              </a:rPr>
+              <a:t>attendues</a:t>
+            </a:r>
+            <a:endParaRPr lang="fr-FR" dirty="0">
+              <a:solidFill>
+                <a:prstClr val="black"/>
+              </a:solidFill>
+            </a:endParaRPr>
+          </a:p>
+        </p:txBody>
+      </p:sp>
+      <p:sp>
+        <p:nvSpPr>
+          <p:cNvPr id="18" name="ZoneTexte 17"/>
+          <p:cNvSpPr txBox="1"/>
+          <p:nvPr/>
+        </p:nvSpPr>
+        <p:spPr>
+          <a:xfrm>
+            <a:off x="6054788" y="3815684"/>
+            <a:ext cx="1469540" cy="646331"/>
+          </a:xfrm>
+          <a:prstGeom prst="rect">
+            <a:avLst/>
+          </a:prstGeom>
+          <a:noFill/>
+        </p:spPr>
+        <p:txBody>
+          <a:bodyPr wrap="square" rtlCol="0">
+            <a:spAutoFit/>
+          </a:bodyPr>
+          <a:lstStyle/>
+          <a:p>
+            <a:pPr algn="ctr"/>
+            <a:r>
+              <a:rPr lang="fr-FR" dirty="0" smtClean="0">
+                <a:solidFill>
+                  <a:prstClr val="black"/>
+                </a:solidFill>
+              </a:rPr>
+              <a:t>Performances mesurées</a:t>
+            </a:r>
+            <a:endParaRPr lang="fr-FR" dirty="0">
+              <a:solidFill>
+                <a:prstClr val="black"/>
+              </a:solidFill>
+            </a:endParaRPr>
+          </a:p>
+        </p:txBody>
+      </p:sp>
+      <p:sp>
+        <p:nvSpPr>
+          <p:cNvPr id="19" name="ZoneTexte 18"/>
+          <p:cNvSpPr txBox="1"/>
+          <p:nvPr/>
+        </p:nvSpPr>
+        <p:spPr>
+          <a:xfrm>
+            <a:off x="6054788" y="5730093"/>
+            <a:ext cx="1469540" cy="646331"/>
+          </a:xfrm>
+          <a:prstGeom prst="rect">
+            <a:avLst/>
+          </a:prstGeom>
+          <a:noFill/>
+        </p:spPr>
+        <p:txBody>
+          <a:bodyPr wrap="square" rtlCol="0">
+            <a:spAutoFit/>
+          </a:bodyPr>
+          <a:lstStyle/>
+          <a:p>
+            <a:pPr algn="ctr"/>
+            <a:r>
+              <a:rPr lang="fr-FR" dirty="0" smtClean="0">
+                <a:solidFill>
+                  <a:prstClr val="black"/>
+                </a:solidFill>
+              </a:rPr>
+              <a:t>Performance simulées</a:t>
+            </a:r>
+            <a:endParaRPr lang="fr-FR" dirty="0">
+              <a:solidFill>
+                <a:prstClr val="black"/>
+              </a:solidFill>
+            </a:endParaRPr>
+          </a:p>
+        </p:txBody>
+      </p:sp>
+      <p:sp>
+        <p:nvSpPr>
+          <p:cNvPr id="21" name="Double flèche verticale 20"/>
           <p:cNvSpPr/>
           <p:nvPr/>
         </p:nvSpPr>
         <p:spPr>
           <a:xfrm>
-            <a:off x="2771800" y="5694943"/>
-            <a:ext cx="3037584" cy="716632"/>
-          </a:xfrm>
-          <a:prstGeom prst="rightArrow">
+            <a:off x="6537530" y="4564789"/>
+            <a:ext cx="504056" cy="1106764"/>
+          </a:xfrm>
+          <a:prstGeom prst="upDownArrow">
             <a:avLst/>
           </a:prstGeom>
+          <a:ln/>
+        </p:spPr>
+        <p:style>
+          <a:lnRef idx="1">
+            <a:schemeClr val="accent1"/>
+          </a:lnRef>
+          <a:fillRef idx="2">
+            <a:schemeClr val="accent1"/>
+          </a:fillRef>
+          <a:effectRef idx="1">
+            <a:schemeClr val="accent1"/>
+          </a:effectRef>
+          <a:fontRef idx="minor">
+            <a:schemeClr val="dk1"/>
+          </a:fontRef>
+        </p:style>
+        <p:txBody>
+          <a:bodyPr rtlCol="0" anchor="ctr"/>
+          <a:lstStyle/>
+          <a:p>
+            <a:pPr algn="ctr"/>
+            <a:endParaRPr lang="fr-FR" sz="500" dirty="0">
+              <a:solidFill>
+                <a:prstClr val="white"/>
+              </a:solidFill>
+            </a:endParaRPr>
+          </a:p>
+        </p:txBody>
+      </p:sp>
+      <p:sp>
+        <p:nvSpPr>
+          <p:cNvPr id="22" name="Double flèche verticale 21"/>
+          <p:cNvSpPr/>
+          <p:nvPr/>
+        </p:nvSpPr>
+        <p:spPr>
+          <a:xfrm>
+            <a:off x="7524328" y="2181856"/>
+            <a:ext cx="504056" cy="3913986"/>
+          </a:xfrm>
+          <a:prstGeom prst="upDownArrow">
+            <a:avLst/>
+          </a:prstGeom>
+          <a:ln/>
         </p:spPr>
         <p:style>
           <a:lnRef idx="1">
@@ -14122,205 +14349,6 @@
           <a:lstStyle/>
           <a:p>
             <a:pPr algn="ctr"/>
-            <a:r>
-              <a:rPr lang="fr-FR" dirty="0" smtClean="0">
-                <a:solidFill>
-                  <a:prstClr val="black"/>
-                </a:solidFill>
-              </a:rPr>
-              <a:t>Domaine de la simulation</a:t>
-            </a:r>
-            <a:endParaRPr lang="fr-FR" dirty="0">
-              <a:solidFill>
-                <a:prstClr val="black"/>
-              </a:solidFill>
-            </a:endParaRPr>
-          </a:p>
-        </p:txBody>
-      </p:sp>
-      <p:sp>
-        <p:nvSpPr>
-          <p:cNvPr id="17" name="ZoneTexte 16"/>
-          <p:cNvSpPr txBox="1"/>
-          <p:nvPr/>
-        </p:nvSpPr>
-        <p:spPr>
-          <a:xfrm>
-            <a:off x="6054788" y="1807966"/>
-            <a:ext cx="1469540" cy="646331"/>
-          </a:xfrm>
-          <a:prstGeom prst="rect">
-            <a:avLst/>
-          </a:prstGeom>
-          <a:noFill/>
-        </p:spPr>
-        <p:txBody>
-          <a:bodyPr wrap="square" rtlCol="0">
-            <a:spAutoFit/>
-          </a:bodyPr>
-          <a:lstStyle/>
-          <a:p>
-            <a:pPr algn="ctr"/>
-            <a:r>
-              <a:rPr lang="fr-FR" dirty="0" smtClean="0">
-                <a:solidFill>
-                  <a:prstClr val="black"/>
-                </a:solidFill>
-              </a:rPr>
-              <a:t>Performances</a:t>
-            </a:r>
-            <a:endParaRPr lang="fr-FR" dirty="0">
-              <a:solidFill>
-                <a:prstClr val="black"/>
-              </a:solidFill>
-            </a:endParaRPr>
-          </a:p>
-          <a:p>
-            <a:pPr algn="ctr"/>
-            <a:r>
-              <a:rPr lang="fr-FR" dirty="0" smtClean="0">
-                <a:solidFill>
-                  <a:prstClr val="black"/>
-                </a:solidFill>
-              </a:rPr>
-              <a:t>attendues</a:t>
-            </a:r>
-            <a:endParaRPr lang="fr-FR" dirty="0">
-              <a:solidFill>
-                <a:prstClr val="black"/>
-              </a:solidFill>
-            </a:endParaRPr>
-          </a:p>
-        </p:txBody>
-      </p:sp>
-      <p:sp>
-        <p:nvSpPr>
-          <p:cNvPr id="18" name="ZoneTexte 17"/>
-          <p:cNvSpPr txBox="1"/>
-          <p:nvPr/>
-        </p:nvSpPr>
-        <p:spPr>
-          <a:xfrm>
-            <a:off x="6054788" y="3815684"/>
-            <a:ext cx="1469540" cy="646331"/>
-          </a:xfrm>
-          <a:prstGeom prst="rect">
-            <a:avLst/>
-          </a:prstGeom>
-          <a:noFill/>
-        </p:spPr>
-        <p:txBody>
-          <a:bodyPr wrap="square" rtlCol="0">
-            <a:spAutoFit/>
-          </a:bodyPr>
-          <a:lstStyle/>
-          <a:p>
-            <a:pPr algn="ctr"/>
-            <a:r>
-              <a:rPr lang="fr-FR" dirty="0" smtClean="0">
-                <a:solidFill>
-                  <a:prstClr val="black"/>
-                </a:solidFill>
-              </a:rPr>
-              <a:t>Performances mesurées</a:t>
-            </a:r>
-            <a:endParaRPr lang="fr-FR" dirty="0">
-              <a:solidFill>
-                <a:prstClr val="black"/>
-              </a:solidFill>
-            </a:endParaRPr>
-          </a:p>
-        </p:txBody>
-      </p:sp>
-      <p:sp>
-        <p:nvSpPr>
-          <p:cNvPr id="19" name="ZoneTexte 18"/>
-          <p:cNvSpPr txBox="1"/>
-          <p:nvPr/>
-        </p:nvSpPr>
-        <p:spPr>
-          <a:xfrm>
-            <a:off x="6054788" y="5730093"/>
-            <a:ext cx="1469540" cy="646331"/>
-          </a:xfrm>
-          <a:prstGeom prst="rect">
-            <a:avLst/>
-          </a:prstGeom>
-          <a:noFill/>
-        </p:spPr>
-        <p:txBody>
-          <a:bodyPr wrap="square" rtlCol="0">
-            <a:spAutoFit/>
-          </a:bodyPr>
-          <a:lstStyle/>
-          <a:p>
-            <a:pPr algn="ctr"/>
-            <a:r>
-              <a:rPr lang="fr-FR" dirty="0" smtClean="0">
-                <a:solidFill>
-                  <a:prstClr val="black"/>
-                </a:solidFill>
-              </a:rPr>
-              <a:t>Performance simulées</a:t>
-            </a:r>
-            <a:endParaRPr lang="fr-FR" dirty="0">
-              <a:solidFill>
-                <a:prstClr val="black"/>
-              </a:solidFill>
-            </a:endParaRPr>
-          </a:p>
-        </p:txBody>
-      </p:sp>
-      <p:sp>
-        <p:nvSpPr>
-          <p:cNvPr id="21" name="Double flèche verticale 20"/>
-          <p:cNvSpPr/>
-          <p:nvPr/>
-        </p:nvSpPr>
-        <p:spPr>
-          <a:xfrm>
-            <a:off x="6537530" y="4564789"/>
-            <a:ext cx="504056" cy="1106764"/>
-          </a:xfrm>
-          <a:prstGeom prst="upDownArrow">
-            <a:avLst/>
-          </a:prstGeom>
-          <a:solidFill>
-            <a:schemeClr val="accent1">
-              <a:lumMod val="20000"/>
-              <a:lumOff val="80000"/>
-            </a:schemeClr>
-          </a:solidFill>
-          <a:ln>
-            <a:solidFill>
-              <a:schemeClr val="accent1">
-                <a:lumMod val="60000"/>
-                <a:lumOff val="40000"/>
-              </a:schemeClr>
-            </a:solidFill>
-          </a:ln>
-        </p:spPr>
-        <p:style>
-          <a:lnRef idx="2">
-            <a:schemeClr val="accent1">
-              <a:shade val="50000"/>
-            </a:schemeClr>
-          </a:lnRef>
-          <a:fillRef idx="1">
-            <a:schemeClr val="accent1"/>
-          </a:fillRef>
-          <a:effectRef idx="0">
-            <a:schemeClr val="accent1"/>
-          </a:effectRef>
-          <a:fontRef idx="minor">
-            <a:schemeClr val="lt1"/>
-          </a:fontRef>
-        </p:style>
-        <p:txBody>
-          <a:bodyPr rtlCol="0" anchor="ctr"/>
-          <a:lstStyle/>
-          <a:p>
-            <a:pPr algn="ctr"/>
             <a:endParaRPr lang="fr-FR" sz="500" dirty="0">
               <a:solidFill>
                 <a:prstClr val="white"/>
@@ -14331,14 +14359,116 @@
       </p:sp>
       <p:sp>
         <p:nvSpPr>
-          <p:cNvPr id="22" name="Double flèche verticale 21"/>
+          <p:cNvPr id="23" name="ZoneTexte 22"/>
+          <p:cNvSpPr txBox="1"/>
+          <p:nvPr/>
+        </p:nvSpPr>
+        <p:spPr>
+          <a:xfrm rot="16200000">
+            <a:off x="5282735" y="2945424"/>
+            <a:ext cx="1944216" cy="400110"/>
+          </a:xfrm>
+          <a:prstGeom prst="rect">
+            <a:avLst/>
+          </a:prstGeom>
+          <a:noFill/>
+        </p:spPr>
+        <p:txBody>
+          <a:bodyPr wrap="square" rtlCol="0">
+            <a:spAutoFit/>
+          </a:bodyPr>
+          <a:lstStyle/>
+          <a:p>
+            <a:pPr algn="ctr"/>
+            <a:r>
+              <a:rPr lang="fr-FR" sz="2000" b="1" dirty="0">
+                <a:solidFill>
+                  <a:srgbClr val="FF0000"/>
+                </a:solidFill>
+              </a:rPr>
+              <a:t>Ecart 1</a:t>
+            </a:r>
+          </a:p>
+        </p:txBody>
+      </p:sp>
+      <p:sp>
+        <p:nvSpPr>
+          <p:cNvPr id="24" name="ZoneTexte 23"/>
+          <p:cNvSpPr txBox="1"/>
+          <p:nvPr/>
+        </p:nvSpPr>
+        <p:spPr>
+          <a:xfrm rot="16200000">
+            <a:off x="5282294" y="4923679"/>
+            <a:ext cx="1944216" cy="400110"/>
+          </a:xfrm>
+          <a:prstGeom prst="rect">
+            <a:avLst/>
+          </a:prstGeom>
+          <a:noFill/>
+        </p:spPr>
+        <p:txBody>
+          <a:bodyPr wrap="square" rtlCol="0">
+            <a:spAutoFit/>
+          </a:bodyPr>
+          <a:lstStyle/>
+          <a:p>
+            <a:pPr algn="ctr"/>
+            <a:r>
+              <a:rPr lang="fr-FR" sz="2000" b="1" dirty="0">
+                <a:solidFill>
+                  <a:srgbClr val="FF0000"/>
+                </a:solidFill>
+              </a:rPr>
+              <a:t>Ecart 2</a:t>
+            </a:r>
+          </a:p>
+        </p:txBody>
+      </p:sp>
+      <p:sp>
+        <p:nvSpPr>
+          <p:cNvPr id="25" name="ZoneTexte 24"/>
+          <p:cNvSpPr txBox="1"/>
+          <p:nvPr/>
+        </p:nvSpPr>
+        <p:spPr>
+          <a:xfrm rot="16200000">
+            <a:off x="7072245" y="3938794"/>
+            <a:ext cx="1944216" cy="400110"/>
+          </a:xfrm>
+          <a:prstGeom prst="rect">
+            <a:avLst/>
+          </a:prstGeom>
+          <a:noFill/>
+        </p:spPr>
+        <p:txBody>
+          <a:bodyPr wrap="square" rtlCol="0">
+            <a:spAutoFit/>
+          </a:bodyPr>
+          <a:lstStyle/>
+          <a:p>
+            <a:pPr algn="ctr"/>
+            <a:r>
+              <a:rPr lang="fr-FR" sz="2000" b="1" dirty="0">
+                <a:solidFill>
+                  <a:srgbClr val="FF0000"/>
+                </a:solidFill>
+              </a:rPr>
+              <a:t>Ecart 3</a:t>
+            </a:r>
+          </a:p>
+        </p:txBody>
+      </p:sp>
+      <p:sp>
+        <p:nvSpPr>
+          <p:cNvPr id="20" name="Double flèche verticale 19"/>
           <p:cNvSpPr/>
           <p:nvPr/>
         </p:nvSpPr>
         <p:spPr>
           <a:xfrm>
-            <a:off x="7524328" y="2181856"/>
-            <a:ext cx="504056" cy="3913986"/>
+            <a:off x="6537530" y="2613359"/>
+            <a:ext cx="504056" cy="1106764"/>
           </a:xfrm>
           <a:prstGeom prst="upDownArrow">
             <a:avLst/>
@@ -14364,151 +14494,6 @@
           <a:lstStyle/>
           <a:p>
             <a:pPr algn="ctr"/>
-            <a:endParaRPr lang="fr-FR" sz="500" dirty="0">
-              <a:solidFill>
-                <a:prstClr val="white"/>
-              </a:solidFill>
-            </a:endParaRPr>
-          </a:p>
-        </p:txBody>
-      </p:sp>
-      <p:sp>
-        <p:nvSpPr>
-          <p:cNvPr id="23" name="ZoneTexte 22"/>
-          <p:cNvSpPr txBox="1"/>
-          <p:nvPr/>
-        </p:nvSpPr>
-        <p:spPr>
-          <a:xfrm rot="16200000">
-            <a:off x="5282735" y="2945424"/>
-            <a:ext cx="1944216" cy="400110"/>
-          </a:xfrm>
-          <a:prstGeom prst="rect">
-            <a:avLst/>
-          </a:prstGeom>
-          <a:noFill/>
-        </p:spPr>
-        <p:txBody>
-          <a:bodyPr wrap="square" rtlCol="0">
-            <a:spAutoFit/>
-          </a:bodyPr>
-          <a:lstStyle/>
-          <a:p>
-            <a:pPr algn="ctr"/>
-            <a:r>
-              <a:rPr lang="fr-FR" sz="2000" b="1" dirty="0">
-                <a:solidFill>
-                  <a:srgbClr val="FF0000"/>
-                </a:solidFill>
-              </a:rPr>
-              <a:t>Ecart 1</a:t>
-            </a:r>
-          </a:p>
-        </p:txBody>
-      </p:sp>
-      <p:sp>
-        <p:nvSpPr>
-          <p:cNvPr id="24" name="ZoneTexte 23"/>
-          <p:cNvSpPr txBox="1"/>
-          <p:nvPr/>
-        </p:nvSpPr>
-        <p:spPr>
-          <a:xfrm rot="16200000">
-            <a:off x="5282294" y="4923679"/>
-            <a:ext cx="1944216" cy="400110"/>
-          </a:xfrm>
-          <a:prstGeom prst="rect">
-            <a:avLst/>
-          </a:prstGeom>
-          <a:noFill/>
-        </p:spPr>
-        <p:txBody>
-          <a:bodyPr wrap="square" rtlCol="0">
-            <a:spAutoFit/>
-          </a:bodyPr>
-          <a:lstStyle/>
-          <a:p>
-            <a:pPr algn="ctr"/>
-            <a:r>
-              <a:rPr lang="fr-FR" sz="2000" b="1" dirty="0">
-                <a:solidFill>
-                  <a:srgbClr val="FF0000"/>
-                </a:solidFill>
-              </a:rPr>
-              <a:t>Ecart 2</a:t>
-            </a:r>
-          </a:p>
-        </p:txBody>
-      </p:sp>
-      <p:sp>
-        <p:nvSpPr>
-          <p:cNvPr id="25" name="ZoneTexte 24"/>
-          <p:cNvSpPr txBox="1"/>
-          <p:nvPr/>
-        </p:nvSpPr>
-        <p:spPr>
-          <a:xfrm rot="16200000">
-            <a:off x="7072245" y="3938794"/>
-            <a:ext cx="1944216" cy="400110"/>
-          </a:xfrm>
-          <a:prstGeom prst="rect">
-            <a:avLst/>
-          </a:prstGeom>
-          <a:noFill/>
-        </p:spPr>
-        <p:txBody>
-          <a:bodyPr wrap="square" rtlCol="0">
-            <a:spAutoFit/>
-          </a:bodyPr>
-          <a:lstStyle/>
-          <a:p>
-            <a:pPr algn="ctr"/>
-            <a:r>
-              <a:rPr lang="fr-FR" sz="2000" b="1" dirty="0">
-                <a:solidFill>
-                  <a:srgbClr val="FF0000"/>
-                </a:solidFill>
-              </a:rPr>
-              <a:t>Ecart 3</a:t>
-            </a:r>
-          </a:p>
-        </p:txBody>
-      </p:sp>
-      <p:sp>
-        <p:nvSpPr>
-          <p:cNvPr id="20" name="Double flèche verticale 19"/>
-          <p:cNvSpPr/>
-          <p:nvPr/>
-        </p:nvSpPr>
-        <p:spPr>
-          <a:xfrm>
-            <a:off x="6537530" y="2613359"/>
-            <a:ext cx="504056" cy="1106764"/>
-          </a:xfrm>
-          <a:prstGeom prst="upDownArrow">
-            <a:avLst/>
-          </a:prstGeom>
-          <a:ln/>
-        </p:spPr>
-        <p:style>
-          <a:lnRef idx="1">
-            <a:schemeClr val="accent1"/>
-          </a:lnRef>
-          <a:fillRef idx="2">
-            <a:schemeClr val="accent1"/>
-          </a:fillRef>
-          <a:effectRef idx="1">
-            <a:schemeClr val="accent1"/>
-          </a:effectRef>
-          <a:fontRef idx="minor">
-            <a:schemeClr val="dk1"/>
-          </a:fontRef>
-        </p:style>
-        <p:txBody>
-          <a:bodyPr rtlCol="0" anchor="ctr"/>
-          <a:lstStyle/>
-          <a:p>
-            <a:pPr algn="ctr"/>
             <a:r>
               <a:rPr lang="fr-FR" sz="500" dirty="0" smtClean="0">
                 <a:solidFill>
@@ -14528,7 +14513,7 @@
     </p:spTree>
     <p:extLst>
       <p:ext uri="{BB962C8B-B14F-4D97-AF65-F5344CB8AC3E}">
-        <p14:creationId xmlns:p14="http://schemas.microsoft.com/office/powerpoint/2010/main" xmlns="" val="347518600"/>
+        <p14:creationId xmlns="" xmlns:p14="http://schemas.microsoft.com/office/powerpoint/2010/main" val="347518600"/>
       </p:ext>
     </p:extLst>
   </p:cSld>
@@ -14569,7 +14554,7 @@
           <p:nvPr>
             <p:extLst>
               <p:ext uri="{D42A27DB-BD31-4B8C-83A1-F6EECF244321}">
-                <p14:modId xmlns:p14="http://schemas.microsoft.com/office/powerpoint/2010/main" xmlns="" val="514942137"/>
+                <p14:modId xmlns="" xmlns:p14="http://schemas.microsoft.com/office/powerpoint/2010/main" val="514942137"/>
               </p:ext>
             </p:extLst>
           </p:nvPr>
@@ -14587,7 +14572,7 @@
     </p:spTree>
     <p:extLst>
       <p:ext uri="{BB962C8B-B14F-4D97-AF65-F5344CB8AC3E}">
-        <p14:creationId xmlns:p14="http://schemas.microsoft.com/office/powerpoint/2010/main" xmlns="" val="3033989473"/>
+        <p14:creationId xmlns="" xmlns:p14="http://schemas.microsoft.com/office/powerpoint/2010/main" val="3033989473"/>
       </p:ext>
     </p:extLst>
   </p:cSld>
@@ -15964,7 +15949,7 @@
     </p:spTree>
     <p:extLst>
       <p:ext uri="{BB962C8B-B14F-4D97-AF65-F5344CB8AC3E}">
-        <p14:creationId xmlns:p14="http://schemas.microsoft.com/office/powerpoint/2010/main" xmlns="" val="1959051362"/>
+        <p14:creationId xmlns="" xmlns:p14="http://schemas.microsoft.com/office/powerpoint/2010/main" val="1959051362"/>
       </p:ext>
     </p:extLst>
   </p:cSld>
@@ -17341,7 +17326,7 @@
     </p:spTree>
     <p:extLst>
       <p:ext uri="{BB962C8B-B14F-4D97-AF65-F5344CB8AC3E}">
-        <p14:creationId xmlns:p14="http://schemas.microsoft.com/office/powerpoint/2010/main" xmlns="" val="329598001"/>
+        <p14:creationId xmlns="" xmlns:p14="http://schemas.microsoft.com/office/powerpoint/2010/main" val="329598001"/>
       </p:ext>
     </p:extLst>
   </p:cSld>
@@ -17380,7 +17365,7 @@
           <a:blip r:embed="rId2" cstate="print">
             <a:extLst>
               <a:ext uri="{28A0092B-C50C-407E-A947-70E740481C1C}">
-                <a14:useLocalDpi xmlns:a14="http://schemas.microsoft.com/office/drawing/2010/main" xmlns="" val="0"/>
+                <a14:useLocalDpi xmlns="" xmlns:a14="http://schemas.microsoft.com/office/drawing/2010/main" val="0"/>
               </a:ext>
             </a:extLst>
           </a:blip>
@@ -17409,14 +17394,14 @@
           </a:scene3d>
           <a:extLst>
             <a:ext uri="{909E8E84-426E-40DD-AFC4-6F175D3DCCD1}">
-              <a14:hiddenFill xmlns:a14="http://schemas.microsoft.com/office/drawing/2010/main" xmlns="">
+              <a14:hiddenFill xmlns="" xmlns:a14="http://schemas.microsoft.com/office/drawing/2010/main">
                 <a:solidFill>
                   <a:schemeClr val="accent1"/>
                 </a:solidFill>
               </a14:hiddenFill>
             </a:ext>
             <a:ext uri="{91240B29-F687-4F45-9708-019B960494DF}">
-              <a14:hiddenLine xmlns:a14="http://schemas.microsoft.com/office/drawing/2010/main" xmlns="" w="9525">
+              <a14:hiddenLine xmlns="" xmlns:a14="http://schemas.microsoft.com/office/drawing/2010/main" w="9525">
                 <a:solidFill>
                   <a:schemeClr val="tx1"/>
                 </a:solidFill>
@@ -18007,7 +17992,7 @@
           <a:blip r:embed="rId3" cstate="print">
             <a:extLst>
               <a:ext uri="{28A0092B-C50C-407E-A947-70E740481C1C}">
-                <a14:useLocalDpi xmlns:a14="http://schemas.microsoft.com/office/drawing/2010/main" xmlns="" val="0"/>
+                <a14:useLocalDpi xmlns="" xmlns:a14="http://schemas.microsoft.com/office/drawing/2010/main" val="0"/>
               </a:ext>
             </a:extLst>
           </a:blip>
@@ -18036,14 +18021,14 @@
           </a:effectLst>
           <a:extLst>
             <a:ext uri="{909E8E84-426E-40DD-AFC4-6F175D3DCCD1}">
-              <a14:hiddenFill xmlns:a14="http://schemas.microsoft.com/office/drawing/2010/main" xmlns="">
+              <a14:hiddenFill xmlns="" xmlns:a14="http://schemas.microsoft.com/office/drawing/2010/main">
                 <a:solidFill>
                   <a:schemeClr val="accent1"/>
                 </a:solidFill>
               </a14:hiddenFill>
             </a:ext>
             <a:ext uri="{91240B29-F687-4F45-9708-019B960494DF}">
-              <a14:hiddenLine xmlns:a14="http://schemas.microsoft.com/office/drawing/2010/main" xmlns="" w="9525">
+              <a14:hiddenLine xmlns="" xmlns:a14="http://schemas.microsoft.com/office/drawing/2010/main" w="9525">
                 <a:solidFill>
                   <a:schemeClr val="tx1"/>
                 </a:solidFill>
@@ -18067,7 +18052,7 @@
           <a:blip r:embed="rId4" cstate="print">
             <a:extLst>
               <a:ext uri="{28A0092B-C50C-407E-A947-70E740481C1C}">
-                <a14:useLocalDpi xmlns:a14="http://schemas.microsoft.com/office/drawing/2010/main" xmlns="" val="0"/>
+                <a14:useLocalDpi xmlns="" xmlns:a14="http://schemas.microsoft.com/office/drawing/2010/main" val="0"/>
               </a:ext>
             </a:extLst>
           </a:blip>
@@ -18096,14 +18081,14 @@
           </a:effectLst>
           <a:extLst>
             <a:ext uri="{909E8E84-426E-40DD-AFC4-6F175D3DCCD1}">
-              <a14:hiddenFill xmlns:a14="http://schemas.microsoft.com/office/drawing/2010/main" xmlns="">
+              <a14:hiddenFill xmlns="" xmlns:a14="http://schemas.microsoft.com/office/drawing/2010/main">
                 <a:solidFill>
                   <a:schemeClr val="accent1"/>
                 </a:solidFill>
               </a14:hiddenFill>
             </a:ext>
             <a:ext uri="{91240B29-F687-4F45-9708-019B960494DF}">
-              <a14:hiddenLine xmlns:a14="http://schemas.microsoft.com/office/drawing/2010/main" xmlns="" w="9525">
+              <a14:hiddenLine xmlns="" xmlns:a14="http://schemas.microsoft.com/office/drawing/2010/main" w="9525">
                 <a:solidFill>
                   <a:schemeClr val="tx1"/>
                 </a:solidFill>
@@ -18127,7 +18112,7 @@
           <a:blip r:embed="rId5" cstate="print">
             <a:extLst>
               <a:ext uri="{28A0092B-C50C-407E-A947-70E740481C1C}">
-                <a14:useLocalDpi xmlns:a14="http://schemas.microsoft.com/office/drawing/2010/main" xmlns="" val="0"/>
+                <a14:useLocalDpi xmlns="" xmlns:a14="http://schemas.microsoft.com/office/drawing/2010/main" val="0"/>
               </a:ext>
             </a:extLst>
           </a:blip>
@@ -18158,14 +18143,14 @@
           </a:scene3d>
           <a:extLst>
             <a:ext uri="{909E8E84-426E-40DD-AFC4-6F175D3DCCD1}">
-              <a14:hiddenFill xmlns:a14="http://schemas.microsoft.com/office/drawing/2010/main" xmlns="">
+              <a14:hiddenFill xmlns="" xmlns:a14="http://schemas.microsoft.com/office/drawing/2010/main">
                 <a:solidFill>
                   <a:schemeClr val="accent1"/>
                 </a:solidFill>
               </a14:hiddenFill>
             </a:ext>
             <a:ext uri="{91240B29-F687-4F45-9708-019B960494DF}">
-              <a14:hiddenLine xmlns:a14="http://schemas.microsoft.com/office/drawing/2010/main" xmlns="" w="9525">
+              <a14:hiddenLine xmlns="" xmlns:a14="http://schemas.microsoft.com/office/drawing/2010/main" w="9525">
                 <a:solidFill>
                   <a:schemeClr val="tx1"/>
                 </a:solidFill>
@@ -18180,7 +18165,7 @@
     </p:spTree>
     <p:extLst>
       <p:ext uri="{BB962C8B-B14F-4D97-AF65-F5344CB8AC3E}">
-        <p14:creationId xmlns:p14="http://schemas.microsoft.com/office/powerpoint/2010/main" xmlns="" val="918188242"/>
+        <p14:creationId xmlns="" xmlns:p14="http://schemas.microsoft.com/office/powerpoint/2010/main" val="918188242"/>
       </p:ext>
     </p:extLst>
   </p:cSld>
@@ -18226,7 +18211,7 @@
           <a:blip r:embed="rId2" cstate="print">
             <a:extLst>
               <a:ext uri="{28A0092B-C50C-407E-A947-70E740481C1C}">
-                <a14:useLocalDpi xmlns:a14="http://schemas.microsoft.com/office/drawing/2010/main" xmlns="" val="0"/>
+                <a14:useLocalDpi xmlns="" xmlns:a14="http://schemas.microsoft.com/office/drawing/2010/main" val="0"/>
               </a:ext>
             </a:extLst>
           </a:blip>
@@ -18250,14 +18235,14 @@
           <a:effectLst/>
           <a:extLst>
             <a:ext uri="{909E8E84-426E-40DD-AFC4-6F175D3DCCD1}">
-              <a14:hiddenFill xmlns:a14="http://schemas.microsoft.com/office/drawing/2010/main" xmlns="">
+              <a14:hiddenFill xmlns="" xmlns:a14="http://schemas.microsoft.com/office/drawing/2010/main">
                 <a:solidFill>
                   <a:schemeClr val="accent1"/>
                 </a:solidFill>
               </a14:hiddenFill>
             </a:ext>
             <a:ext uri="{91240B29-F687-4F45-9708-019B960494DF}">
-              <a14:hiddenLine xmlns:a14="http://schemas.microsoft.com/office/drawing/2010/main" xmlns="" w="9525">
+              <a14:hiddenLine xmlns="" xmlns:a14="http://schemas.microsoft.com/office/drawing/2010/main" w="9525">
                 <a:solidFill>
                   <a:schemeClr val="tx1"/>
                 </a:solidFill>
@@ -18267,7 +18252,7 @@
               </a14:hiddenLine>
             </a:ext>
             <a:ext uri="{AF507438-7753-43E0-B8FC-AC1667EBCBE1}">
-              <a14:hiddenEffects xmlns:a14="http://schemas.microsoft.com/office/drawing/2010/main" xmlns="">
+              <a14:hiddenEffects xmlns="" xmlns:a14="http://schemas.microsoft.com/office/drawing/2010/main">
                 <a:effectLst>
                   <a:outerShdw dist="35921" dir="2700000" algn="ctr" rotWithShape="0">
                     <a:schemeClr val="bg2"/>
@@ -18290,7 +18275,7 @@
           <a:blip r:embed="rId3" cstate="print">
             <a:extLst>
               <a:ext uri="{28A0092B-C50C-407E-A947-70E740481C1C}">
-                <a14:useLocalDpi xmlns:a14="http://schemas.microsoft.com/office/drawing/2010/main" xmlns="" val="0"/>
+                <a14:useLocalDpi xmlns="" xmlns:a14="http://schemas.microsoft.com/office/drawing/2010/main" val="0"/>
               </a:ext>
             </a:extLst>
           </a:blip>
@@ -18336,7 +18321,7 @@
           </a:sp3d>
           <a:extLst>
             <a:ext uri="{909E8E84-426E-40DD-AFC4-6F175D3DCCD1}">
-              <a14:hiddenFill xmlns:a14="http://schemas.microsoft.com/office/drawing/2010/main" xmlns="">
+              <a14:hiddenFill xmlns="" xmlns:a14="http://schemas.microsoft.com/office/drawing/2010/main">
                 <a:solidFill>
                   <a:schemeClr val="accent1"/>
                 </a:solidFill>
@@ -18357,7 +18342,7 @@
           <a:blip r:embed="rId4">
             <a:extLst>
               <a:ext uri="{28A0092B-C50C-407E-A947-70E740481C1C}">
-                <a14:useLocalDpi xmlns:a14="http://schemas.microsoft.com/office/drawing/2010/main" xmlns="" val="0"/>
+                <a14:useLocalDpi xmlns="" xmlns:a14="http://schemas.microsoft.com/office/drawing/2010/main" val="0"/>
               </a:ext>
             </a:extLst>
           </a:blip>
@@ -18379,14 +18364,14 @@
           <a:effectLst/>
           <a:extLst>
             <a:ext uri="{909E8E84-426E-40DD-AFC4-6F175D3DCCD1}">
-              <a14:hiddenFill xmlns:a14="http://schemas.microsoft.com/office/drawing/2010/main" xmlns="">
+              <a14:hiddenFill xmlns="" xmlns:a14="http://schemas.microsoft.com/office/drawing/2010/main">
                 <a:solidFill>
                   <a:schemeClr val="accent1"/>
                 </a:solidFill>
               </a14:hiddenFill>
             </a:ext>
             <a:ext uri="{91240B29-F687-4F45-9708-019B960494DF}">
-              <a14:hiddenLine xmlns:a14="http://schemas.microsoft.com/office/drawing/2010/main" xmlns="" w="9525">
+              <a14:hiddenLine xmlns="" xmlns:a14="http://schemas.microsoft.com/office/drawing/2010/main" w="9525">
                 <a:solidFill>
                   <a:schemeClr val="tx1"/>
                 </a:solidFill>
@@ -18396,7 +18381,7 @@
               </a14:hiddenLine>
             </a:ext>
             <a:ext uri="{AF507438-7753-43E0-B8FC-AC1667EBCBE1}">
-              <a14:hiddenEffects xmlns:a14="http://schemas.microsoft.com/office/drawing/2010/main" xmlns="">
+              <a14:hiddenEffects xmlns="" xmlns:a14="http://schemas.microsoft.com/office/drawing/2010/main">
                 <a:effectLst>
                   <a:outerShdw dist="35921" dir="2700000" algn="ctr" rotWithShape="0">
                     <a:schemeClr val="bg2"/>
@@ -18419,7 +18404,7 @@
           <a:blip r:embed="rId5" cstate="print">
             <a:extLst>
               <a:ext uri="{28A0092B-C50C-407E-A947-70E740481C1C}">
-                <a14:useLocalDpi xmlns:a14="http://schemas.microsoft.com/office/drawing/2010/main" xmlns="" val="0"/>
+                <a14:useLocalDpi xmlns="" xmlns:a14="http://schemas.microsoft.com/office/drawing/2010/main" val="0"/>
               </a:ext>
             </a:extLst>
           </a:blip>
@@ -18443,14 +18428,14 @@
           <a:effectLst/>
           <a:extLst>
             <a:ext uri="{909E8E84-426E-40DD-AFC4-6F175D3DCCD1}">
-              <a14:hiddenFill xmlns:a14="http://schemas.microsoft.com/office/drawing/2010/main" xmlns="">
+              <a14:hiddenFill xmlns="" xmlns:a14="http://schemas.microsoft.com/office/drawing/2010/main">
                 <a:solidFill>
                   <a:schemeClr val="accent1"/>
                 </a:solidFill>
               </a14:hiddenFill>
             </a:ext>
             <a:ext uri="{91240B29-F687-4F45-9708-019B960494DF}">
-              <a14:hiddenLine xmlns:a14="http://schemas.microsoft.com/office/drawing/2010/main" xmlns="" w="9525">
+              <a14:hiddenLine xmlns="" xmlns:a14="http://schemas.microsoft.com/office/drawing/2010/main" w="9525">
                 <a:solidFill>
                   <a:schemeClr val="tx1"/>
                 </a:solidFill>
@@ -18460,7 +18445,7 @@
               </a14:hiddenLine>
             </a:ext>
             <a:ext uri="{AF507438-7753-43E0-B8FC-AC1667EBCBE1}">
-              <a14:hiddenEffects xmlns:a14="http://schemas.microsoft.com/office/drawing/2010/main" xmlns="">
+              <a14:hiddenEffects xmlns="" xmlns:a14="http://schemas.microsoft.com/office/drawing/2010/main">
                 <a:effectLst>
                   <a:outerShdw dist="35921" dir="2700000" algn="ctr" rotWithShape="0">
                     <a:schemeClr val="bg2"/>
@@ -19006,7 +18991,7 @@
     </p:spTree>
     <p:extLst>
       <p:ext uri="{BB962C8B-B14F-4D97-AF65-F5344CB8AC3E}">
-        <p14:creationId xmlns:p14="http://schemas.microsoft.com/office/powerpoint/2010/main" xmlns="" val="347518600"/>
+        <p14:creationId xmlns="" xmlns:p14="http://schemas.microsoft.com/office/powerpoint/2010/main" val="347518600"/>
       </p:ext>
     </p:extLst>
   </p:cSld>
@@ -19830,7 +19815,7 @@
     </p:spTree>
     <p:extLst>
       <p:ext uri="{BB962C8B-B14F-4D97-AF65-F5344CB8AC3E}">
-        <p14:creationId xmlns:p14="http://schemas.microsoft.com/office/powerpoint/2010/main" xmlns="" val="2128794243"/>
+        <p14:creationId xmlns="" xmlns:p14="http://schemas.microsoft.com/office/powerpoint/2010/main" val="2128794243"/>
       </p:ext>
     </p:extLst>
   </p:cSld>

--- a/Ressources/Ecarts.pptx
+++ b/Ressources/Ecarts.pptx
@@ -1262,13 +1262,13 @@
       <dgm:prSet phldrT="[Texte]" custT="1">
         <dgm:style>
           <a:lnRef idx="1">
-            <a:schemeClr val="accent3"/>
+            <a:schemeClr val="accent6"/>
           </a:lnRef>
           <a:fillRef idx="2">
-            <a:schemeClr val="accent3"/>
+            <a:schemeClr val="accent6"/>
           </a:fillRef>
           <a:effectRef idx="1">
-            <a:schemeClr val="accent3"/>
+            <a:schemeClr val="accent6"/>
           </a:effectRef>
           <a:fontRef idx="minor">
             <a:schemeClr val="dk1"/>
@@ -1291,13 +1291,13 @@
       <dgm:prSet custT="1">
         <dgm:style>
           <a:lnRef idx="1">
-            <a:schemeClr val="accent3"/>
+            <a:schemeClr val="accent6"/>
           </a:lnRef>
           <a:fillRef idx="2">
-            <a:schemeClr val="accent3"/>
+            <a:schemeClr val="accent6"/>
           </a:fillRef>
           <a:effectRef idx="1">
-            <a:schemeClr val="accent3"/>
+            <a:schemeClr val="accent6"/>
           </a:effectRef>
           <a:fontRef idx="minor">
             <a:schemeClr val="dk1"/>
@@ -1680,37 +1680,37 @@
     </dgm:pt>
   </dgm:ptLst>
   <dgm:cxnLst>
+    <dgm:cxn modelId="{1B9D6484-9762-489A-A018-62AC55E20A90}" type="presOf" srcId="{EAC09F0B-262C-4FC1-B4B2-6CE1041716FF}" destId="{27F82ACC-B48B-4BAF-B8F5-E19DE7EFBFE6}" srcOrd="0" destOrd="0" presId="urn:microsoft.com/office/officeart/2005/8/layout/radial5"/>
+    <dgm:cxn modelId="{328D04D4-454C-4D80-BAE8-80E14F1A6E1C}" type="presOf" srcId="{DB17F1C1-8100-4A84-9268-85BC9401DCC5}" destId="{80B1C042-E483-4375-8C28-86D3502EDF84}" srcOrd="1" destOrd="0" presId="urn:microsoft.com/office/officeart/2005/8/layout/radial5"/>
+    <dgm:cxn modelId="{9AE4555C-1BCE-4710-846A-3E55ED13E17F}" type="presOf" srcId="{FB167E6D-95F4-486A-9684-49CF8F1EDC35}" destId="{57029F2B-C901-4E73-B66B-D494F113F112}" srcOrd="0" destOrd="0" presId="urn:microsoft.com/office/officeart/2005/8/layout/radial5"/>
     <dgm:cxn modelId="{7DF02CA6-7569-4BCC-9DEE-B7FCFFB3CDA2}" type="presOf" srcId="{3EB26ABE-F2BD-4028-99EC-F1E8582BA826}" destId="{DB595E4D-B805-4A4A-88B2-DF5095B26C26}" srcOrd="0" destOrd="0" presId="urn:microsoft.com/office/officeart/2005/8/layout/radial5"/>
+    <dgm:cxn modelId="{0E3DBAB9-8A9E-4151-A510-B64BB5DEF846}" type="presOf" srcId="{FC2CD8C7-22DE-4FD8-BE5C-B5EFF3818DD1}" destId="{B1A927CB-9F4B-4F29-AD07-9974F3A6F2F9}" srcOrd="0" destOrd="0" presId="urn:microsoft.com/office/officeart/2005/8/layout/radial5"/>
+    <dgm:cxn modelId="{F1F52530-2588-4ADC-84CA-48D0BC728A4A}" type="presOf" srcId="{7B81B71B-46D0-4A6D-830C-D40787DA03E8}" destId="{56098039-CBAF-478E-849E-420E970445A4}" srcOrd="0" destOrd="0" presId="urn:microsoft.com/office/officeart/2005/8/layout/radial5"/>
+    <dgm:cxn modelId="{D3462101-1D12-41E8-AE45-EAB0A1B71C2E}" type="presOf" srcId="{7D5AD727-B52D-4C15-8F81-ECF40C366E06}" destId="{7FD38485-6BD0-444D-A652-5E06AE00A9E5}" srcOrd="0" destOrd="0" presId="urn:microsoft.com/office/officeart/2005/8/layout/radial5"/>
+    <dgm:cxn modelId="{6D0B7F88-6B38-4399-AE69-CAC866F7F964}" type="presOf" srcId="{5B9EB4C0-1E68-48AE-AF26-3DE02EFE5D06}" destId="{92EA049D-F3DB-461A-959D-8698A61CDADA}" srcOrd="0" destOrd="0" presId="urn:microsoft.com/office/officeart/2005/8/layout/radial5"/>
+    <dgm:cxn modelId="{28593B54-6CAA-46DD-A60F-B65FBE49C607}" srcId="{CC7A09D6-CF51-4503-A499-AEF2F86A612F}" destId="{62C52E52-C1AD-47B5-9DB2-222920B632D5}" srcOrd="5" destOrd="0" parTransId="{5B9EB4C0-1E68-48AE-AF26-3DE02EFE5D06}" sibTransId="{E35DC3D1-23F4-46B8-A668-702D0A5F3BA7}"/>
+    <dgm:cxn modelId="{C11749B2-4461-4901-B8F3-9F0A9280E0E3}" type="presOf" srcId="{5E9DFCFE-8035-47FF-8737-041E4392E51E}" destId="{A2FC416A-EBC7-46CE-8A00-5E59C50D8257}" srcOrd="0" destOrd="0" presId="urn:microsoft.com/office/officeart/2005/8/layout/radial5"/>
     <dgm:cxn modelId="{20C0B18A-0934-4C2F-9B2C-BCDC133AE3F0}" type="presOf" srcId="{7B81B71B-46D0-4A6D-830C-D40787DA03E8}" destId="{01C07FA7-6127-46B1-A25D-7D27D71C42AE}" srcOrd="1" destOrd="0" presId="urn:microsoft.com/office/officeart/2005/8/layout/radial5"/>
-    <dgm:cxn modelId="{0E3DBAB9-8A9E-4151-A510-B64BB5DEF846}" type="presOf" srcId="{FC2CD8C7-22DE-4FD8-BE5C-B5EFF3818DD1}" destId="{B1A927CB-9F4B-4F29-AD07-9974F3A6F2F9}" srcOrd="0" destOrd="0" presId="urn:microsoft.com/office/officeart/2005/8/layout/radial5"/>
-    <dgm:cxn modelId="{9B22C6CD-3D1B-4DDE-AE75-083131893F2D}" srcId="{EAC09F0B-262C-4FC1-B4B2-6CE1041716FF}" destId="{CC7A09D6-CF51-4503-A499-AEF2F86A612F}" srcOrd="0" destOrd="0" parTransId="{6C9F694C-4D87-42C9-A17F-036DA80877D9}" sibTransId="{E04762FD-5F95-45CE-AE4B-76F0F4EDD05D}"/>
-    <dgm:cxn modelId="{E293F5C5-9FA2-4796-846E-318452D9245E}" srcId="{CC7A09D6-CF51-4503-A499-AEF2F86A612F}" destId="{CCC2B308-0DFF-4091-B48B-803AE41778E3}" srcOrd="2" destOrd="0" parTransId="{7B81B71B-46D0-4A6D-830C-D40787DA03E8}" sibTransId="{86F0E311-87DC-4734-807F-C04DD816D27D}"/>
-    <dgm:cxn modelId="{EDE851F5-EECF-41D5-A859-0BED15D98140}" srcId="{CC7A09D6-CF51-4503-A499-AEF2F86A612F}" destId="{FB167E6D-95F4-486A-9684-49CF8F1EDC35}" srcOrd="3" destOrd="0" parTransId="{DB17F1C1-8100-4A84-9268-85BC9401DCC5}" sibTransId="{CF9EB4C0-46C5-472F-847A-42C49CDB749A}"/>
-    <dgm:cxn modelId="{C5A8998D-2D5F-49EE-B361-648C0423C1DA}" type="presOf" srcId="{DB17F1C1-8100-4A84-9268-85BC9401DCC5}" destId="{1DFFE085-0465-4C9C-91D0-B8BC9794280B}" srcOrd="0" destOrd="0" presId="urn:microsoft.com/office/officeart/2005/8/layout/radial5"/>
-    <dgm:cxn modelId="{5FD8A590-A627-49F6-8CDB-A9E80CDFDDAC}" type="presOf" srcId="{D15BCD82-54F2-4B53-AD5B-FCD43A008746}" destId="{15FE29C2-5BA5-4DFC-BAC0-77F2915FA520}" srcOrd="0" destOrd="0" presId="urn:microsoft.com/office/officeart/2005/8/layout/radial5"/>
-    <dgm:cxn modelId="{C11749B2-4461-4901-B8F3-9F0A9280E0E3}" type="presOf" srcId="{5E9DFCFE-8035-47FF-8737-041E4392E51E}" destId="{A2FC416A-EBC7-46CE-8A00-5E59C50D8257}" srcOrd="0" destOrd="0" presId="urn:microsoft.com/office/officeart/2005/8/layout/radial5"/>
     <dgm:cxn modelId="{A174C8CD-7127-4031-AA10-920DFB100133}" type="presOf" srcId="{429AED82-4220-4FA6-BFD1-9BFC6D52522A}" destId="{0898BD1C-0D41-48F1-BA11-A3086BB4EAB8}" srcOrd="0" destOrd="0" presId="urn:microsoft.com/office/officeart/2005/8/layout/radial5"/>
     <dgm:cxn modelId="{0359A209-85E5-4631-82A3-C1A054F73892}" type="presOf" srcId="{AF54BFE1-C9F7-4646-9391-D6163A259868}" destId="{CDF56BA1-CC1C-4AF6-9FD5-5ECAD45B1E19}" srcOrd="0" destOrd="0" presId="urn:microsoft.com/office/officeart/2005/8/layout/radial5"/>
-    <dgm:cxn modelId="{69DBF3AA-50E3-4C2F-93BC-81D38815D9F2}" srcId="{CC7A09D6-CF51-4503-A499-AEF2F86A612F}" destId="{D15BCD82-54F2-4B53-AD5B-FCD43A008746}" srcOrd="0" destOrd="0" parTransId="{5E9DFCFE-8035-47FF-8737-041E4392E51E}" sibTransId="{D82A9993-BEF0-4F2B-A0FE-323133071D30}"/>
-    <dgm:cxn modelId="{738194C6-EC65-440B-ACBA-EA2A0BF276CE}" srcId="{CC7A09D6-CF51-4503-A499-AEF2F86A612F}" destId="{AF54BFE1-C9F7-4646-9391-D6163A259868}" srcOrd="4" destOrd="0" parTransId="{3EB26ABE-F2BD-4028-99EC-F1E8582BA826}" sibTransId="{7568927D-FC3D-42AA-B1C2-779A2F90BA1A}"/>
-    <dgm:cxn modelId="{F1F52530-2588-4ADC-84CA-48D0BC728A4A}" type="presOf" srcId="{7B81B71B-46D0-4A6D-830C-D40787DA03E8}" destId="{56098039-CBAF-478E-849E-420E970445A4}" srcOrd="0" destOrd="0" presId="urn:microsoft.com/office/officeart/2005/8/layout/radial5"/>
-    <dgm:cxn modelId="{A1F301B4-1190-4C43-8908-2959AB824ABF}" type="presOf" srcId="{51BD329E-6830-43BB-B09C-E770653834F2}" destId="{644D3658-E40F-435C-8159-E49BEEDB7CAC}" srcOrd="1" destOrd="0" presId="urn:microsoft.com/office/officeart/2005/8/layout/radial5"/>
-    <dgm:cxn modelId="{9AE4555C-1BCE-4710-846A-3E55ED13E17F}" type="presOf" srcId="{FB167E6D-95F4-486A-9684-49CF8F1EDC35}" destId="{57029F2B-C901-4E73-B66B-D494F113F112}" srcOrd="0" destOrd="0" presId="urn:microsoft.com/office/officeart/2005/8/layout/radial5"/>
-    <dgm:cxn modelId="{15F517FA-77CA-4F5F-90CF-4C6DBBF2B577}" type="presOf" srcId="{51BD329E-6830-43BB-B09C-E770653834F2}" destId="{D73A92E1-6647-4ED8-BAB6-78EC34CB8AD1}" srcOrd="0" destOrd="0" presId="urn:microsoft.com/office/officeart/2005/8/layout/radial5"/>
-    <dgm:cxn modelId="{28593B54-6CAA-46DD-A60F-B65FBE49C607}" srcId="{CC7A09D6-CF51-4503-A499-AEF2F86A612F}" destId="{62C52E52-C1AD-47B5-9DB2-222920B632D5}" srcOrd="5" destOrd="0" parTransId="{5B9EB4C0-1E68-48AE-AF26-3DE02EFE5D06}" sibTransId="{E35DC3D1-23F4-46B8-A668-702D0A5F3BA7}"/>
-    <dgm:cxn modelId="{328D04D4-454C-4D80-BAE8-80E14F1A6E1C}" type="presOf" srcId="{DB17F1C1-8100-4A84-9268-85BC9401DCC5}" destId="{80B1C042-E483-4375-8C28-86D3502EDF84}" srcOrd="1" destOrd="0" presId="urn:microsoft.com/office/officeart/2005/8/layout/radial5"/>
-    <dgm:cxn modelId="{1B9D6484-9762-489A-A018-62AC55E20A90}" type="presOf" srcId="{EAC09F0B-262C-4FC1-B4B2-6CE1041716FF}" destId="{27F82ACC-B48B-4BAF-B8F5-E19DE7EFBFE6}" srcOrd="0" destOrd="0" presId="urn:microsoft.com/office/officeart/2005/8/layout/radial5"/>
-    <dgm:cxn modelId="{06F77691-4154-4D63-8C04-D73E8F8B34FA}" type="presOf" srcId="{CC7A09D6-CF51-4503-A499-AEF2F86A612F}" destId="{DF09870F-F5ED-4920-B7E1-9F0D91D7F1CD}" srcOrd="0" destOrd="0" presId="urn:microsoft.com/office/officeart/2005/8/layout/radial5"/>
-    <dgm:cxn modelId="{6D0B7F88-6B38-4399-AE69-CAC866F7F964}" type="presOf" srcId="{5B9EB4C0-1E68-48AE-AF26-3DE02EFE5D06}" destId="{92EA049D-F3DB-461A-959D-8698A61CDADA}" srcOrd="0" destOrd="0" presId="urn:microsoft.com/office/officeart/2005/8/layout/radial5"/>
-    <dgm:cxn modelId="{A2BEC598-FE8B-4C64-832D-EFF2E6F316C2}" srcId="{CC7A09D6-CF51-4503-A499-AEF2F86A612F}" destId="{429AED82-4220-4FA6-BFD1-9BFC6D52522A}" srcOrd="6" destOrd="0" parTransId="{51BD329E-6830-43BB-B09C-E770653834F2}" sibTransId="{3D00A040-3661-4F05-9AED-3F7171D38CC8}"/>
+    <dgm:cxn modelId="{C0F3508B-F94D-4974-A5C9-20089ED5404E}" type="presOf" srcId="{62C52E52-C1AD-47B5-9DB2-222920B632D5}" destId="{49BFCD7E-D52E-418B-850F-E0FEDBDC3C1A}" srcOrd="0" destOrd="0" presId="urn:microsoft.com/office/officeart/2005/8/layout/radial5"/>
     <dgm:cxn modelId="{7F2A7CCF-8E7C-4FEE-A2B1-5C49B8BBFA30}" type="presOf" srcId="{5E9DFCFE-8035-47FF-8737-041E4392E51E}" destId="{C36A42E1-BA91-4E47-B26A-022A82C87076}" srcOrd="1" destOrd="0" presId="urn:microsoft.com/office/officeart/2005/8/layout/radial5"/>
     <dgm:cxn modelId="{57D0446D-082A-40E7-A52A-213E78D1C776}" type="presOf" srcId="{5B9EB4C0-1E68-48AE-AF26-3DE02EFE5D06}" destId="{88188D4A-CCE1-4990-A9B4-FA0168379059}" srcOrd="1" destOrd="0" presId="urn:microsoft.com/office/officeart/2005/8/layout/radial5"/>
+    <dgm:cxn modelId="{69DBF3AA-50E3-4C2F-93BC-81D38815D9F2}" srcId="{CC7A09D6-CF51-4503-A499-AEF2F86A612F}" destId="{D15BCD82-54F2-4B53-AD5B-FCD43A008746}" srcOrd="0" destOrd="0" parTransId="{5E9DFCFE-8035-47FF-8737-041E4392E51E}" sibTransId="{D82A9993-BEF0-4F2B-A0FE-323133071D30}"/>
+    <dgm:cxn modelId="{C5A8998D-2D5F-49EE-B361-648C0423C1DA}" type="presOf" srcId="{DB17F1C1-8100-4A84-9268-85BC9401DCC5}" destId="{1DFFE085-0465-4C9C-91D0-B8BC9794280B}" srcOrd="0" destOrd="0" presId="urn:microsoft.com/office/officeart/2005/8/layout/radial5"/>
+    <dgm:cxn modelId="{BA3E3BF1-3585-4CFA-A2C3-1D50C9F18DB6}" type="presOf" srcId="{FC2CD8C7-22DE-4FD8-BE5C-B5EFF3818DD1}" destId="{327B7C4E-C444-4ED2-92AB-EFA2130B78B5}" srcOrd="1" destOrd="0" presId="urn:microsoft.com/office/officeart/2005/8/layout/radial5"/>
+    <dgm:cxn modelId="{5FD8A590-A627-49F6-8CDB-A9E80CDFDDAC}" type="presOf" srcId="{D15BCD82-54F2-4B53-AD5B-FCD43A008746}" destId="{15FE29C2-5BA5-4DFC-BAC0-77F2915FA520}" srcOrd="0" destOrd="0" presId="urn:microsoft.com/office/officeart/2005/8/layout/radial5"/>
+    <dgm:cxn modelId="{738194C6-EC65-440B-ACBA-EA2A0BF276CE}" srcId="{CC7A09D6-CF51-4503-A499-AEF2F86A612F}" destId="{AF54BFE1-C9F7-4646-9391-D6163A259868}" srcOrd="4" destOrd="0" parTransId="{3EB26ABE-F2BD-4028-99EC-F1E8582BA826}" sibTransId="{7568927D-FC3D-42AA-B1C2-779A2F90BA1A}"/>
+    <dgm:cxn modelId="{A2BEC598-FE8B-4C64-832D-EFF2E6F316C2}" srcId="{CC7A09D6-CF51-4503-A499-AEF2F86A612F}" destId="{429AED82-4220-4FA6-BFD1-9BFC6D52522A}" srcOrd="6" destOrd="0" parTransId="{51BD329E-6830-43BB-B09C-E770653834F2}" sibTransId="{3D00A040-3661-4F05-9AED-3F7171D38CC8}"/>
+    <dgm:cxn modelId="{36EA8AA1-3787-438A-B12C-7497065248DC}" type="presOf" srcId="{CCC2B308-0DFF-4091-B48B-803AE41778E3}" destId="{FAA93E91-15D2-48FB-9F1C-1C1D6FCB396A}" srcOrd="0" destOrd="0" presId="urn:microsoft.com/office/officeart/2005/8/layout/radial5"/>
+    <dgm:cxn modelId="{06F77691-4154-4D63-8C04-D73E8F8B34FA}" type="presOf" srcId="{CC7A09D6-CF51-4503-A499-AEF2F86A612F}" destId="{DF09870F-F5ED-4920-B7E1-9F0D91D7F1CD}" srcOrd="0" destOrd="0" presId="urn:microsoft.com/office/officeart/2005/8/layout/radial5"/>
+    <dgm:cxn modelId="{9B22C6CD-3D1B-4DDE-AE75-083131893F2D}" srcId="{EAC09F0B-262C-4FC1-B4B2-6CE1041716FF}" destId="{CC7A09D6-CF51-4503-A499-AEF2F86A612F}" srcOrd="0" destOrd="0" parTransId="{6C9F694C-4D87-42C9-A17F-036DA80877D9}" sibTransId="{E04762FD-5F95-45CE-AE4B-76F0F4EDD05D}"/>
     <dgm:cxn modelId="{149DB207-923A-4655-AD15-AED99E1D0609}" type="presOf" srcId="{3EB26ABE-F2BD-4028-99EC-F1E8582BA826}" destId="{63F394C0-7139-45BF-B22D-425E9C732477}" srcOrd="1" destOrd="0" presId="urn:microsoft.com/office/officeart/2005/8/layout/radial5"/>
-    <dgm:cxn modelId="{BA3E3BF1-3585-4CFA-A2C3-1D50C9F18DB6}" type="presOf" srcId="{FC2CD8C7-22DE-4FD8-BE5C-B5EFF3818DD1}" destId="{327B7C4E-C444-4ED2-92AB-EFA2130B78B5}" srcOrd="1" destOrd="0" presId="urn:microsoft.com/office/officeart/2005/8/layout/radial5"/>
-    <dgm:cxn modelId="{C0F3508B-F94D-4974-A5C9-20089ED5404E}" type="presOf" srcId="{62C52E52-C1AD-47B5-9DB2-222920B632D5}" destId="{49BFCD7E-D52E-418B-850F-E0FEDBDC3C1A}" srcOrd="0" destOrd="0" presId="urn:microsoft.com/office/officeart/2005/8/layout/radial5"/>
     <dgm:cxn modelId="{1F6E322F-7A32-46B3-8384-36E159BC6A7B}" srcId="{CC7A09D6-CF51-4503-A499-AEF2F86A612F}" destId="{7D5AD727-B52D-4C15-8F81-ECF40C366E06}" srcOrd="1" destOrd="0" parTransId="{FC2CD8C7-22DE-4FD8-BE5C-B5EFF3818DD1}" sibTransId="{92842FD9-58C7-469D-B912-ED30619B3461}"/>
-    <dgm:cxn modelId="{D3462101-1D12-41E8-AE45-EAB0A1B71C2E}" type="presOf" srcId="{7D5AD727-B52D-4C15-8F81-ECF40C366E06}" destId="{7FD38485-6BD0-444D-A652-5E06AE00A9E5}" srcOrd="0" destOrd="0" presId="urn:microsoft.com/office/officeart/2005/8/layout/radial5"/>
-    <dgm:cxn modelId="{36EA8AA1-3787-438A-B12C-7497065248DC}" type="presOf" srcId="{CCC2B308-0DFF-4091-B48B-803AE41778E3}" destId="{FAA93E91-15D2-48FB-9F1C-1C1D6FCB396A}" srcOrd="0" destOrd="0" presId="urn:microsoft.com/office/officeart/2005/8/layout/radial5"/>
+    <dgm:cxn modelId="{EDE851F5-EECF-41D5-A859-0BED15D98140}" srcId="{CC7A09D6-CF51-4503-A499-AEF2F86A612F}" destId="{FB167E6D-95F4-486A-9684-49CF8F1EDC35}" srcOrd="3" destOrd="0" parTransId="{DB17F1C1-8100-4A84-9268-85BC9401DCC5}" sibTransId="{CF9EB4C0-46C5-472F-847A-42C49CDB749A}"/>
+    <dgm:cxn modelId="{A1F301B4-1190-4C43-8908-2959AB824ABF}" type="presOf" srcId="{51BD329E-6830-43BB-B09C-E770653834F2}" destId="{644D3658-E40F-435C-8159-E49BEEDB7CAC}" srcOrd="1" destOrd="0" presId="urn:microsoft.com/office/officeart/2005/8/layout/radial5"/>
+    <dgm:cxn modelId="{15F517FA-77CA-4F5F-90CF-4C6DBBF2B577}" type="presOf" srcId="{51BD329E-6830-43BB-B09C-E770653834F2}" destId="{D73A92E1-6647-4ED8-BAB6-78EC34CB8AD1}" srcOrd="0" destOrd="0" presId="urn:microsoft.com/office/officeart/2005/8/layout/radial5"/>
+    <dgm:cxn modelId="{E293F5C5-9FA2-4796-846E-318452D9245E}" srcId="{CC7A09D6-CF51-4503-A499-AEF2F86A612F}" destId="{CCC2B308-0DFF-4091-B48B-803AE41778E3}" srcOrd="2" destOrd="0" parTransId="{7B81B71B-46D0-4A6D-830C-D40787DA03E8}" sibTransId="{86F0E311-87DC-4734-807F-C04DD816D27D}"/>
     <dgm:cxn modelId="{079DEB35-52B8-4894-B2EF-7AC62B5AB911}" type="presParOf" srcId="{27F82ACC-B48B-4BAF-B8F5-E19DE7EFBFE6}" destId="{DF09870F-F5ED-4920-B7E1-9F0D91D7F1CD}" srcOrd="0" destOrd="0" presId="urn:microsoft.com/office/officeart/2005/8/layout/radial5"/>
     <dgm:cxn modelId="{3CFCE81B-6E56-4F4A-A379-FCB7134B90CB}" type="presParOf" srcId="{27F82ACC-B48B-4BAF-B8F5-E19DE7EFBFE6}" destId="{A2FC416A-EBC7-46CE-8A00-5E59C50D8257}" srcOrd="1" destOrd="0" presId="urn:microsoft.com/office/officeart/2005/8/layout/radial5"/>
     <dgm:cxn modelId="{24B291DD-BB24-42EA-9CCC-4CC5A1ABC878}" type="presParOf" srcId="{A2FC416A-EBC7-46CE-8A00-5E59C50D8257}" destId="{C36A42E1-BA91-4E47-B26A-022A82C87076}" srcOrd="0" destOrd="0" presId="urn:microsoft.com/office/officeart/2005/8/layout/radial5"/>
@@ -1738,7 +1738,7 @@
   <dgm:whole/>
   <dgm:extLst>
     <a:ext uri="http://schemas.microsoft.com/office/drawing/2008/diagram">
-      <dsp:dataModelExt xmlns="" xmlns:dsp="http://schemas.microsoft.com/office/drawing/2008/diagram" relId="rId6" minVer="http://schemas.openxmlformats.org/drawingml/2006/diagram"/>
+      <dsp:dataModelExt xmlns:dsp="http://schemas.microsoft.com/office/drawing/2008/diagram" relId="rId6" minVer="http://schemas.openxmlformats.org/drawingml/2006/diagram"/>
     </a:ext>
   </dgm:extLst>
 </dgm:dataModel>
@@ -2243,19 +2243,19 @@
         <a:gradFill rotWithShape="1">
           <a:gsLst>
             <a:gs pos="0">
-              <a:schemeClr val="accent3">
+              <a:schemeClr val="accent1">
                 <a:tint val="65000"/>
                 <a:satMod val="270000"/>
               </a:schemeClr>
             </a:gs>
             <a:gs pos="25000">
-              <a:schemeClr val="accent3">
+              <a:schemeClr val="accent1">
                 <a:tint val="60000"/>
                 <a:satMod val="300000"/>
               </a:schemeClr>
             </a:gs>
             <a:gs pos="100000">
-              <a:schemeClr val="accent3">
+              <a:schemeClr val="accent1">
                 <a:tint val="29000"/>
                 <a:satMod val="400000"/>
               </a:schemeClr>
@@ -2265,7 +2265,7 @@
         </a:gradFill>
         <a:ln w="9525" cap="flat" cmpd="sng" algn="ctr">
           <a:solidFill>
-            <a:schemeClr val="accent3">
+            <a:schemeClr val="accent1">
               <a:satMod val="150000"/>
             </a:schemeClr>
           </a:solidFill>
@@ -2281,13 +2281,13 @@
       </dsp:spPr>
       <dsp:style>
         <a:lnRef idx="1">
-          <a:schemeClr val="accent3"/>
+          <a:schemeClr val="accent1"/>
         </a:lnRef>
         <a:fillRef idx="2">
-          <a:schemeClr val="accent3"/>
+          <a:schemeClr val="accent1"/>
         </a:fillRef>
         <a:effectRef idx="1">
-          <a:schemeClr val="accent3"/>
+          <a:schemeClr val="accent1"/>
         </a:effectRef>
         <a:fontRef idx="minor">
           <a:schemeClr val="dk1"/>
@@ -2334,19 +2334,19 @@
         <a:gradFill rotWithShape="1">
           <a:gsLst>
             <a:gs pos="0">
-              <a:schemeClr val="accent3">
+              <a:schemeClr val="accent1">
                 <a:tint val="65000"/>
                 <a:satMod val="270000"/>
               </a:schemeClr>
             </a:gs>
             <a:gs pos="25000">
-              <a:schemeClr val="accent3">
+              <a:schemeClr val="accent1">
                 <a:tint val="60000"/>
                 <a:satMod val="300000"/>
               </a:schemeClr>
             </a:gs>
             <a:gs pos="100000">
-              <a:schemeClr val="accent3">
+              <a:schemeClr val="accent1">
                 <a:tint val="29000"/>
                 <a:satMod val="400000"/>
               </a:schemeClr>
@@ -2356,7 +2356,7 @@
         </a:gradFill>
         <a:ln w="9525" cap="flat" cmpd="sng" algn="ctr">
           <a:solidFill>
-            <a:schemeClr val="accent3">
+            <a:schemeClr val="accent1">
               <a:satMod val="150000"/>
             </a:schemeClr>
           </a:solidFill>
@@ -2372,13 +2372,13 @@
       </dsp:spPr>
       <dsp:style>
         <a:lnRef idx="1">
-          <a:schemeClr val="accent3"/>
+          <a:schemeClr val="accent1"/>
         </a:lnRef>
         <a:fillRef idx="2">
-          <a:schemeClr val="accent3"/>
+          <a:schemeClr val="accent1"/>
         </a:fillRef>
         <a:effectRef idx="1">
-          <a:schemeClr val="accent3"/>
+          <a:schemeClr val="accent1"/>
         </a:effectRef>
         <a:fontRef idx="minor">
           <a:schemeClr val="dk1"/>
@@ -2422,194 +2422,6 @@
         <a:xfrm rot="3130689">
           <a:off x="3978089" y="3212328"/>
           <a:ext cx="558987" cy="516836"/>
-        </a:xfrm>
-        <a:prstGeom prst="rightArrow">
-          <a:avLst>
-            <a:gd name="adj1" fmla="val 60000"/>
-            <a:gd name="adj2" fmla="val 50000"/>
-          </a:avLst>
-        </a:prstGeom>
-        <a:gradFill rotWithShape="1">
-          <a:gsLst>
-            <a:gs pos="0">
-              <a:schemeClr val="accent3">
-                <a:tint val="65000"/>
-                <a:satMod val="270000"/>
-              </a:schemeClr>
-            </a:gs>
-            <a:gs pos="25000">
-              <a:schemeClr val="accent3">
-                <a:tint val="60000"/>
-                <a:satMod val="300000"/>
-              </a:schemeClr>
-            </a:gs>
-            <a:gs pos="100000">
-              <a:schemeClr val="accent3">
-                <a:tint val="29000"/>
-                <a:satMod val="400000"/>
-              </a:schemeClr>
-            </a:gs>
-          </a:gsLst>
-          <a:lin ang="16200000" scaled="1"/>
-        </a:gradFill>
-        <a:ln w="9525" cap="flat" cmpd="sng" algn="ctr">
-          <a:solidFill>
-            <a:schemeClr val="accent3">
-              <a:satMod val="150000"/>
-            </a:schemeClr>
-          </a:solidFill>
-          <a:prstDash val="solid"/>
-        </a:ln>
-        <a:effectLst>
-          <a:outerShdw blurRad="65500" dist="38100" dir="5400000" rotWithShape="0">
-            <a:srgbClr val="000000">
-              <a:alpha val="40000"/>
-            </a:srgbClr>
-          </a:outerShdw>
-        </a:effectLst>
-      </dsp:spPr>
-      <dsp:style>
-        <a:lnRef idx="1">
-          <a:schemeClr val="accent3"/>
-        </a:lnRef>
-        <a:fillRef idx="2">
-          <a:schemeClr val="accent3"/>
-        </a:fillRef>
-        <a:effectRef idx="1">
-          <a:schemeClr val="accent3"/>
-        </a:effectRef>
-        <a:fontRef idx="minor">
-          <a:schemeClr val="dk1"/>
-        </a:fontRef>
-      </dsp:style>
-      <dsp:txBody>
-        <a:bodyPr spcFirstLastPara="0" vert="horz" wrap="square" lIns="0" tIns="0" rIns="0" bIns="0" numCol="1" spcCol="1270" anchor="ctr" anchorCtr="0">
-          <a:noAutofit/>
-        </a:bodyPr>
-        <a:lstStyle/>
-        <a:p>
-          <a:pPr lvl="0" algn="ctr" defTabSz="533400">
-            <a:lnSpc>
-              <a:spcPct val="90000"/>
-            </a:lnSpc>
-            <a:spcBef>
-              <a:spcPct val="0"/>
-            </a:spcBef>
-            <a:spcAft>
-              <a:spcPct val="35000"/>
-            </a:spcAft>
-          </a:pPr>
-          <a:endParaRPr lang="fr-FR" sz="1200" kern="1200"/>
-        </a:p>
-      </dsp:txBody>
-      <dsp:txXfrm>
-        <a:off x="4008075" y="3254456"/>
-        <a:ext cx="403936" cy="310102"/>
-      </dsp:txXfrm>
-    </dsp:sp>
-    <dsp:sp modelId="{57029F2B-C901-4E73-B66B-D494F113F112}">
-      <dsp:nvSpPr>
-        <dsp:cNvPr id="0" name=""/>
-        <dsp:cNvSpPr/>
-      </dsp:nvSpPr>
-      <dsp:spPr>
-        <a:xfrm>
-          <a:off x="4104453" y="3888427"/>
-          <a:ext cx="1368097" cy="532477"/>
-        </a:xfrm>
-        <a:prstGeom prst="ellipse">
-          <a:avLst/>
-        </a:prstGeom>
-        <a:gradFill rotWithShape="1">
-          <a:gsLst>
-            <a:gs pos="0">
-              <a:schemeClr val="accent3">
-                <a:tint val="65000"/>
-                <a:satMod val="270000"/>
-              </a:schemeClr>
-            </a:gs>
-            <a:gs pos="25000">
-              <a:schemeClr val="accent3">
-                <a:tint val="60000"/>
-                <a:satMod val="300000"/>
-              </a:schemeClr>
-            </a:gs>
-            <a:gs pos="100000">
-              <a:schemeClr val="accent3">
-                <a:tint val="29000"/>
-                <a:satMod val="400000"/>
-              </a:schemeClr>
-            </a:gs>
-          </a:gsLst>
-          <a:lin ang="16200000" scaled="1"/>
-        </a:gradFill>
-        <a:ln w="9525" cap="flat" cmpd="sng" algn="ctr">
-          <a:solidFill>
-            <a:schemeClr val="accent3">
-              <a:satMod val="150000"/>
-            </a:schemeClr>
-          </a:solidFill>
-          <a:prstDash val="solid"/>
-        </a:ln>
-        <a:effectLst>
-          <a:outerShdw blurRad="65500" dist="38100" dir="5400000" rotWithShape="0">
-            <a:srgbClr val="000000">
-              <a:alpha val="40000"/>
-            </a:srgbClr>
-          </a:outerShdw>
-        </a:effectLst>
-      </dsp:spPr>
-      <dsp:style>
-        <a:lnRef idx="1">
-          <a:schemeClr val="accent3"/>
-        </a:lnRef>
-        <a:fillRef idx="2">
-          <a:schemeClr val="accent3"/>
-        </a:fillRef>
-        <a:effectRef idx="1">
-          <a:schemeClr val="accent3"/>
-        </a:effectRef>
-        <a:fontRef idx="minor">
-          <a:schemeClr val="dk1"/>
-        </a:fontRef>
-      </dsp:style>
-      <dsp:txBody>
-        <a:bodyPr spcFirstLastPara="0" vert="horz" wrap="square" lIns="15240" tIns="15240" rIns="15240" bIns="15240" numCol="1" spcCol="1270" anchor="ctr" anchorCtr="0">
-          <a:noAutofit/>
-        </a:bodyPr>
-        <a:lstStyle/>
-        <a:p>
-          <a:pPr lvl="0" algn="ctr" defTabSz="533400">
-            <a:lnSpc>
-              <a:spcPct val="90000"/>
-            </a:lnSpc>
-            <a:spcBef>
-              <a:spcPct val="0"/>
-            </a:spcBef>
-            <a:spcAft>
-              <a:spcPct val="35000"/>
-            </a:spcAft>
-          </a:pPr>
-          <a:r>
-            <a:rPr lang="fr-FR" sz="1200" kern="1200" dirty="0" smtClean="0"/>
-            <a:t>Analyser</a:t>
-          </a:r>
-        </a:p>
-      </dsp:txBody>
-      <dsp:txXfrm>
-        <a:off x="4304806" y="3966406"/>
-        <a:ext cx="967391" cy="376519"/>
-      </dsp:txXfrm>
-    </dsp:sp>
-    <dsp:sp modelId="{DB595E4D-B805-4A4A-88B2-DF5095B26C26}">
-      <dsp:nvSpPr>
-        <dsp:cNvPr id="0" name=""/>
-        <dsp:cNvSpPr/>
-      </dsp:nvSpPr>
-      <dsp:spPr>
-        <a:xfrm rot="7359830">
-          <a:off x="2950554" y="3213944"/>
-          <a:ext cx="518312" cy="516836"/>
         </a:xfrm>
         <a:prstGeom prst="rightArrow">
           <a:avLst>
@@ -2690,19 +2502,19 @@
           <a:endParaRPr lang="fr-FR" sz="1200" kern="1200"/>
         </a:p>
       </dsp:txBody>
-      <dsp:txXfrm rot="10800000">
-        <a:off x="3069921" y="3252046"/>
-        <a:ext cx="363261" cy="310102"/>
+      <dsp:txXfrm>
+        <a:off x="4008075" y="3254456"/>
+        <a:ext cx="403936" cy="310102"/>
       </dsp:txXfrm>
     </dsp:sp>
-    <dsp:sp modelId="{CDF56BA1-CC1C-4AF6-9FD5-5ECAD45B1E19}">
+    <dsp:sp modelId="{57029F2B-C901-4E73-B66B-D494F113F112}">
       <dsp:nvSpPr>
         <dsp:cNvPr id="0" name=""/>
         <dsp:cNvSpPr/>
       </dsp:nvSpPr>
       <dsp:spPr>
         <a:xfrm>
-          <a:off x="2088233" y="3888435"/>
+          <a:off x="4104453" y="3888427"/>
           <a:ext cx="1368097" cy="532477"/>
         </a:xfrm>
         <a:prstGeom prst="ellipse">
@@ -2756,6 +2568,194 @@
         </a:fillRef>
         <a:effectRef idx="1">
           <a:schemeClr val="accent1"/>
+        </a:effectRef>
+        <a:fontRef idx="minor">
+          <a:schemeClr val="dk1"/>
+        </a:fontRef>
+      </dsp:style>
+      <dsp:txBody>
+        <a:bodyPr spcFirstLastPara="0" vert="horz" wrap="square" lIns="15240" tIns="15240" rIns="15240" bIns="15240" numCol="1" spcCol="1270" anchor="ctr" anchorCtr="0">
+          <a:noAutofit/>
+        </a:bodyPr>
+        <a:lstStyle/>
+        <a:p>
+          <a:pPr lvl="0" algn="ctr" defTabSz="533400">
+            <a:lnSpc>
+              <a:spcPct val="90000"/>
+            </a:lnSpc>
+            <a:spcBef>
+              <a:spcPct val="0"/>
+            </a:spcBef>
+            <a:spcAft>
+              <a:spcPct val="35000"/>
+            </a:spcAft>
+          </a:pPr>
+          <a:r>
+            <a:rPr lang="fr-FR" sz="1200" kern="1200" dirty="0" smtClean="0"/>
+            <a:t>Analyser</a:t>
+          </a:r>
+        </a:p>
+      </dsp:txBody>
+      <dsp:txXfrm>
+        <a:off x="4304806" y="3966406"/>
+        <a:ext cx="967391" cy="376519"/>
+      </dsp:txXfrm>
+    </dsp:sp>
+    <dsp:sp modelId="{DB595E4D-B805-4A4A-88B2-DF5095B26C26}">
+      <dsp:nvSpPr>
+        <dsp:cNvPr id="0" name=""/>
+        <dsp:cNvSpPr/>
+      </dsp:nvSpPr>
+      <dsp:spPr>
+        <a:xfrm rot="7359830">
+          <a:off x="2950554" y="3213944"/>
+          <a:ext cx="518312" cy="516836"/>
+        </a:xfrm>
+        <a:prstGeom prst="rightArrow">
+          <a:avLst>
+            <a:gd name="adj1" fmla="val 60000"/>
+            <a:gd name="adj2" fmla="val 50000"/>
+          </a:avLst>
+        </a:prstGeom>
+        <a:gradFill rotWithShape="1">
+          <a:gsLst>
+            <a:gs pos="0">
+              <a:schemeClr val="accent6">
+                <a:tint val="65000"/>
+                <a:satMod val="270000"/>
+              </a:schemeClr>
+            </a:gs>
+            <a:gs pos="25000">
+              <a:schemeClr val="accent6">
+                <a:tint val="60000"/>
+                <a:satMod val="300000"/>
+              </a:schemeClr>
+            </a:gs>
+            <a:gs pos="100000">
+              <a:schemeClr val="accent6">
+                <a:tint val="29000"/>
+                <a:satMod val="400000"/>
+              </a:schemeClr>
+            </a:gs>
+          </a:gsLst>
+          <a:lin ang="16200000" scaled="1"/>
+        </a:gradFill>
+        <a:ln w="9525" cap="flat" cmpd="sng" algn="ctr">
+          <a:solidFill>
+            <a:schemeClr val="accent6">
+              <a:satMod val="150000"/>
+            </a:schemeClr>
+          </a:solidFill>
+          <a:prstDash val="solid"/>
+        </a:ln>
+        <a:effectLst>
+          <a:outerShdw blurRad="65500" dist="38100" dir="5400000" rotWithShape="0">
+            <a:srgbClr val="000000">
+              <a:alpha val="40000"/>
+            </a:srgbClr>
+          </a:outerShdw>
+        </a:effectLst>
+      </dsp:spPr>
+      <dsp:style>
+        <a:lnRef idx="1">
+          <a:schemeClr val="accent6"/>
+        </a:lnRef>
+        <a:fillRef idx="2">
+          <a:schemeClr val="accent6"/>
+        </a:fillRef>
+        <a:effectRef idx="1">
+          <a:schemeClr val="accent6"/>
+        </a:effectRef>
+        <a:fontRef idx="minor">
+          <a:schemeClr val="dk1"/>
+        </a:fontRef>
+      </dsp:style>
+      <dsp:txBody>
+        <a:bodyPr spcFirstLastPara="0" vert="horz" wrap="square" lIns="0" tIns="0" rIns="0" bIns="0" numCol="1" spcCol="1270" anchor="ctr" anchorCtr="0">
+          <a:noAutofit/>
+        </a:bodyPr>
+        <a:lstStyle/>
+        <a:p>
+          <a:pPr lvl="0" algn="ctr" defTabSz="533400">
+            <a:lnSpc>
+              <a:spcPct val="90000"/>
+            </a:lnSpc>
+            <a:spcBef>
+              <a:spcPct val="0"/>
+            </a:spcBef>
+            <a:spcAft>
+              <a:spcPct val="35000"/>
+            </a:spcAft>
+          </a:pPr>
+          <a:endParaRPr lang="fr-FR" sz="1200" kern="1200"/>
+        </a:p>
+      </dsp:txBody>
+      <dsp:txXfrm rot="10800000">
+        <a:off x="3069921" y="3252046"/>
+        <a:ext cx="363261" cy="310102"/>
+      </dsp:txXfrm>
+    </dsp:sp>
+    <dsp:sp modelId="{CDF56BA1-CC1C-4AF6-9FD5-5ECAD45B1E19}">
+      <dsp:nvSpPr>
+        <dsp:cNvPr id="0" name=""/>
+        <dsp:cNvSpPr/>
+      </dsp:nvSpPr>
+      <dsp:spPr>
+        <a:xfrm>
+          <a:off x="2088233" y="3888435"/>
+          <a:ext cx="1368097" cy="532477"/>
+        </a:xfrm>
+        <a:prstGeom prst="ellipse">
+          <a:avLst/>
+        </a:prstGeom>
+        <a:gradFill rotWithShape="1">
+          <a:gsLst>
+            <a:gs pos="0">
+              <a:schemeClr val="accent6">
+                <a:tint val="65000"/>
+                <a:satMod val="270000"/>
+              </a:schemeClr>
+            </a:gs>
+            <a:gs pos="25000">
+              <a:schemeClr val="accent6">
+                <a:tint val="60000"/>
+                <a:satMod val="300000"/>
+              </a:schemeClr>
+            </a:gs>
+            <a:gs pos="100000">
+              <a:schemeClr val="accent6">
+                <a:tint val="29000"/>
+                <a:satMod val="400000"/>
+              </a:schemeClr>
+            </a:gs>
+          </a:gsLst>
+          <a:lin ang="16200000" scaled="1"/>
+        </a:gradFill>
+        <a:ln w="9525" cap="flat" cmpd="sng" algn="ctr">
+          <a:solidFill>
+            <a:schemeClr val="accent6">
+              <a:satMod val="150000"/>
+            </a:schemeClr>
+          </a:solidFill>
+          <a:prstDash val="solid"/>
+        </a:ln>
+        <a:effectLst>
+          <a:outerShdw blurRad="65500" dist="38100" dir="5400000" rotWithShape="0">
+            <a:srgbClr val="000000">
+              <a:alpha val="40000"/>
+            </a:srgbClr>
+          </a:outerShdw>
+        </a:effectLst>
+      </dsp:spPr>
+      <dsp:style>
+        <a:lnRef idx="1">
+          <a:schemeClr val="accent6"/>
+        </a:lnRef>
+        <a:fillRef idx="2">
+          <a:schemeClr val="accent6"/>
+        </a:fillRef>
+        <a:effectRef idx="1">
+          <a:schemeClr val="accent6"/>
         </a:effectRef>
         <a:fontRef idx="minor">
           <a:schemeClr val="dk1"/>
@@ -4602,7 +4602,7 @@
     </p:spTree>
     <p:extLst>
       <p:ext uri="{BB962C8B-B14F-4D97-AF65-F5344CB8AC3E}">
-        <p14:creationId xmlns="" xmlns:p14="http://schemas.microsoft.com/office/powerpoint/2010/main" val="735395960"/>
+        <p14:creationId xmlns:p14="http://schemas.microsoft.com/office/powerpoint/2010/main" val="735395960"/>
       </p:ext>
     </p:extLst>
   </p:cSld>
@@ -5063,7 +5063,7 @@
     </p:spTree>
     <p:extLst>
       <p:ext uri="{BB962C8B-B14F-4D97-AF65-F5344CB8AC3E}">
-        <p14:creationId xmlns="" xmlns:p14="http://schemas.microsoft.com/office/powerpoint/2010/main" val="3993512361"/>
+        <p14:creationId xmlns:p14="http://schemas.microsoft.com/office/powerpoint/2010/main" val="3993512361"/>
       </p:ext>
     </p:extLst>
   </p:cSld>
@@ -5625,7 +5625,7 @@
     </p:spTree>
     <p:extLst>
       <p:ext uri="{BB962C8B-B14F-4D97-AF65-F5344CB8AC3E}">
-        <p14:creationId xmlns="" xmlns:p14="http://schemas.microsoft.com/office/powerpoint/2010/main" val="1629187809"/>
+        <p14:creationId xmlns:p14="http://schemas.microsoft.com/office/powerpoint/2010/main" val="1629187809"/>
       </p:ext>
     </p:extLst>
   </p:cSld>
@@ -6187,7 +6187,7 @@
     </p:spTree>
     <p:extLst>
       <p:ext uri="{BB962C8B-B14F-4D97-AF65-F5344CB8AC3E}">
-        <p14:creationId xmlns="" xmlns:p14="http://schemas.microsoft.com/office/powerpoint/2010/main" val="2121907143"/>
+        <p14:creationId xmlns:p14="http://schemas.microsoft.com/office/powerpoint/2010/main" val="2121907143"/>
       </p:ext>
     </p:extLst>
   </p:cSld>
@@ -6749,7 +6749,7 @@
     </p:spTree>
     <p:extLst>
       <p:ext uri="{BB962C8B-B14F-4D97-AF65-F5344CB8AC3E}">
-        <p14:creationId xmlns="" xmlns:p14="http://schemas.microsoft.com/office/powerpoint/2010/main" val="867030374"/>
+        <p14:creationId xmlns:p14="http://schemas.microsoft.com/office/powerpoint/2010/main" val="867030374"/>
       </p:ext>
     </p:extLst>
   </p:cSld>
@@ -7412,7 +7412,7 @@
     </p:spTree>
     <p:extLst>
       <p:ext uri="{BB962C8B-B14F-4D97-AF65-F5344CB8AC3E}">
-        <p14:creationId xmlns="" xmlns:p14="http://schemas.microsoft.com/office/powerpoint/2010/main" val="2968986945"/>
+        <p14:creationId xmlns:p14="http://schemas.microsoft.com/office/powerpoint/2010/main" val="2968986945"/>
       </p:ext>
     </p:extLst>
   </p:cSld>
@@ -8075,7 +8075,7 @@
     </p:spTree>
     <p:extLst>
       <p:ext uri="{BB962C8B-B14F-4D97-AF65-F5344CB8AC3E}">
-        <p14:creationId xmlns="" xmlns:p14="http://schemas.microsoft.com/office/powerpoint/2010/main" val="256286171"/>
+        <p14:creationId xmlns:p14="http://schemas.microsoft.com/office/powerpoint/2010/main" val="256286171"/>
       </p:ext>
     </p:extLst>
   </p:cSld>
@@ -9382,7 +9382,7 @@
     </p:spTree>
     <p:extLst>
       <p:ext uri="{BB962C8B-B14F-4D97-AF65-F5344CB8AC3E}">
-        <p14:creationId xmlns="" xmlns:p14="http://schemas.microsoft.com/office/powerpoint/2010/main" val="1512067192"/>
+        <p14:creationId xmlns:p14="http://schemas.microsoft.com/office/powerpoint/2010/main" val="1512067192"/>
       </p:ext>
     </p:extLst>
   </p:cSld>
@@ -9718,7 +9718,7 @@
           <a:blip r:embed="rId2" cstate="print">
             <a:extLst>
               <a:ext uri="{28A0092B-C50C-407E-A947-70E740481C1C}">
-                <a14:useLocalDpi xmlns="" xmlns:a14="http://schemas.microsoft.com/office/drawing/2010/main" val="0"/>
+                <a14:useLocalDpi xmlns:a14="http://schemas.microsoft.com/office/drawing/2010/main" val="0"/>
               </a:ext>
             </a:extLst>
           </a:blip>
@@ -9741,14 +9741,14 @@
           </a:ln>
           <a:extLst>
             <a:ext uri="{909E8E84-426E-40DD-AFC4-6F175D3DCCD1}">
-              <a14:hiddenFill xmlns="" xmlns:a14="http://schemas.microsoft.com/office/drawing/2010/main">
+              <a14:hiddenFill xmlns:a14="http://schemas.microsoft.com/office/drawing/2010/main">
                 <a:solidFill>
                   <a:srgbClr val="FFFFFF"/>
                 </a:solidFill>
               </a14:hiddenFill>
             </a:ext>
             <a:ext uri="{91240B29-F687-4F45-9708-019B960494DF}">
-              <a14:hiddenLine xmlns="" xmlns:a14="http://schemas.microsoft.com/office/drawing/2010/main" w="9525">
+              <a14:hiddenLine xmlns:a14="http://schemas.microsoft.com/office/drawing/2010/main" w="9525">
                 <a:solidFill>
                   <a:srgbClr val="000000"/>
                 </a:solidFill>
@@ -9813,7 +9813,7 @@
     </p:spTree>
     <p:extLst>
       <p:ext uri="{BB962C8B-B14F-4D97-AF65-F5344CB8AC3E}">
-        <p14:creationId xmlns="" xmlns:p14="http://schemas.microsoft.com/office/powerpoint/2010/main" val="2536410838"/>
+        <p14:creationId xmlns:p14="http://schemas.microsoft.com/office/powerpoint/2010/main" val="2536410838"/>
       </p:ext>
     </p:extLst>
   </p:cSld>
@@ -11041,7 +11041,7 @@
     </p:spTree>
     <p:extLst>
       <p:ext uri="{BB962C8B-B14F-4D97-AF65-F5344CB8AC3E}">
-        <p14:creationId xmlns="" xmlns:p14="http://schemas.microsoft.com/office/powerpoint/2010/main" val="3362483567"/>
+        <p14:creationId xmlns:p14="http://schemas.microsoft.com/office/powerpoint/2010/main" val="3362483567"/>
       </p:ext>
     </p:extLst>
   </p:cSld>
@@ -11340,7 +11340,7 @@
           <a:blip r:embed="rId2" cstate="print">
             <a:extLst>
               <a:ext uri="{28A0092B-C50C-407E-A947-70E740481C1C}">
-                <a14:useLocalDpi xmlns="" xmlns:a14="http://schemas.microsoft.com/office/drawing/2010/main" val="0"/>
+                <a14:useLocalDpi xmlns:a14="http://schemas.microsoft.com/office/drawing/2010/main" val="0"/>
               </a:ext>
             </a:extLst>
           </a:blip>
@@ -11361,7 +11361,7 @@
     </p:spTree>
     <p:extLst>
       <p:ext uri="{BB962C8B-B14F-4D97-AF65-F5344CB8AC3E}">
-        <p14:creationId xmlns="" xmlns:p14="http://schemas.microsoft.com/office/powerpoint/2010/main" val="1577921382"/>
+        <p14:creationId xmlns:p14="http://schemas.microsoft.com/office/powerpoint/2010/main" val="1577921382"/>
       </p:ext>
     </p:extLst>
   </p:cSld>
@@ -11487,7 +11487,7 @@
     </p:spTree>
     <p:extLst>
       <p:ext uri="{BB962C8B-B14F-4D97-AF65-F5344CB8AC3E}">
-        <p14:creationId xmlns="" xmlns:p14="http://schemas.microsoft.com/office/powerpoint/2010/main" val="1798277508"/>
+        <p14:creationId xmlns:p14="http://schemas.microsoft.com/office/powerpoint/2010/main" val="1798277508"/>
       </p:ext>
     </p:extLst>
   </p:cSld>
@@ -11760,7 +11760,7 @@
     </p:spTree>
     <p:extLst>
       <p:ext uri="{BB962C8B-B14F-4D97-AF65-F5344CB8AC3E}">
-        <p14:creationId xmlns="" xmlns:p14="http://schemas.microsoft.com/office/powerpoint/2010/main" val="1642583720"/>
+        <p14:creationId xmlns:p14="http://schemas.microsoft.com/office/powerpoint/2010/main" val="1642583720"/>
       </p:ext>
     </p:extLst>
   </p:cSld>
@@ -12099,7 +12099,7 @@
     </p:spTree>
     <p:extLst>
       <p:ext uri="{BB962C8B-B14F-4D97-AF65-F5344CB8AC3E}">
-        <p14:creationId xmlns="" xmlns:p14="http://schemas.microsoft.com/office/powerpoint/2010/main" val="2469207090"/>
+        <p14:creationId xmlns:p14="http://schemas.microsoft.com/office/powerpoint/2010/main" val="2469207090"/>
       </p:ext>
     </p:extLst>
   </p:cSld>
@@ -12560,7 +12560,7 @@
     </p:spTree>
     <p:extLst>
       <p:ext uri="{BB962C8B-B14F-4D97-AF65-F5344CB8AC3E}">
-        <p14:creationId xmlns="" xmlns:p14="http://schemas.microsoft.com/office/powerpoint/2010/main" val="2025569486"/>
+        <p14:creationId xmlns:p14="http://schemas.microsoft.com/office/powerpoint/2010/main" val="2025569486"/>
       </p:ext>
     </p:extLst>
   </p:cSld>
@@ -13021,7 +13021,7 @@
     </p:spTree>
     <p:extLst>
       <p:ext uri="{BB962C8B-B14F-4D97-AF65-F5344CB8AC3E}">
-        <p14:creationId xmlns="" xmlns:p14="http://schemas.microsoft.com/office/powerpoint/2010/main" val="4088655274"/>
+        <p14:creationId xmlns:p14="http://schemas.microsoft.com/office/powerpoint/2010/main" val="4088655274"/>
       </p:ext>
     </p:extLst>
   </p:cSld>
@@ -13413,7 +13413,7 @@
           <a:blip r:embed="rId18" cstate="print">
             <a:extLst>
               <a:ext uri="{28A0092B-C50C-407E-A947-70E740481C1C}">
-                <a14:useLocalDpi xmlns="" xmlns:a14="http://schemas.microsoft.com/office/drawing/2010/main" val="0"/>
+                <a14:useLocalDpi xmlns:a14="http://schemas.microsoft.com/office/drawing/2010/main" val="0"/>
               </a:ext>
             </a:extLst>
           </a:blip>
@@ -13434,7 +13434,7 @@
     </p:spTree>
     <p:extLst>
       <p:ext uri="{BB962C8B-B14F-4D97-AF65-F5344CB8AC3E}">
-        <p14:creationId xmlns="" xmlns:p14="http://schemas.microsoft.com/office/powerpoint/2010/main" val="600330060"/>
+        <p14:creationId xmlns:p14="http://schemas.microsoft.com/office/powerpoint/2010/main" val="600330060"/>
       </p:ext>
     </p:extLst>
   </p:cSld>
@@ -13743,7 +13743,7 @@
           <a:blip r:embed="rId2" cstate="print">
             <a:extLst>
               <a:ext uri="{28A0092B-C50C-407E-A947-70E740481C1C}">
-                <a14:useLocalDpi xmlns="" xmlns:a14="http://schemas.microsoft.com/office/drawing/2010/main" val="0"/>
+                <a14:useLocalDpi xmlns:a14="http://schemas.microsoft.com/office/drawing/2010/main" val="0"/>
               </a:ext>
             </a:extLst>
           </a:blip>
@@ -13767,14 +13767,14 @@
           <a:effectLst/>
           <a:extLst>
             <a:ext uri="{909E8E84-426E-40DD-AFC4-6F175D3DCCD1}">
-              <a14:hiddenFill xmlns="" xmlns:a14="http://schemas.microsoft.com/office/drawing/2010/main">
+              <a14:hiddenFill xmlns:a14="http://schemas.microsoft.com/office/drawing/2010/main">
                 <a:solidFill>
                   <a:schemeClr val="accent1"/>
                 </a:solidFill>
               </a14:hiddenFill>
             </a:ext>
             <a:ext uri="{91240B29-F687-4F45-9708-019B960494DF}">
-              <a14:hiddenLine xmlns="" xmlns:a14="http://schemas.microsoft.com/office/drawing/2010/main" w="9525">
+              <a14:hiddenLine xmlns:a14="http://schemas.microsoft.com/office/drawing/2010/main" w="9525">
                 <a:solidFill>
                   <a:schemeClr val="tx1"/>
                 </a:solidFill>
@@ -13784,7 +13784,7 @@
               </a14:hiddenLine>
             </a:ext>
             <a:ext uri="{AF507438-7753-43E0-B8FC-AC1667EBCBE1}">
-              <a14:hiddenEffects xmlns="" xmlns:a14="http://schemas.microsoft.com/office/drawing/2010/main">
+              <a14:hiddenEffects xmlns:a14="http://schemas.microsoft.com/office/drawing/2010/main">
                 <a:effectLst>
                   <a:outerShdw dist="35921" dir="2700000" algn="ctr" rotWithShape="0">
                     <a:schemeClr val="bg2"/>
@@ -13807,7 +13807,7 @@
           <a:blip r:embed="rId3" cstate="print">
             <a:extLst>
               <a:ext uri="{28A0092B-C50C-407E-A947-70E740481C1C}">
-                <a14:useLocalDpi xmlns="" xmlns:a14="http://schemas.microsoft.com/office/drawing/2010/main" val="0"/>
+                <a14:useLocalDpi xmlns:a14="http://schemas.microsoft.com/office/drawing/2010/main" val="0"/>
               </a:ext>
             </a:extLst>
           </a:blip>
@@ -13853,7 +13853,7 @@
           </a:sp3d>
           <a:extLst>
             <a:ext uri="{909E8E84-426E-40DD-AFC4-6F175D3DCCD1}">
-              <a14:hiddenFill xmlns="" xmlns:a14="http://schemas.microsoft.com/office/drawing/2010/main">
+              <a14:hiddenFill xmlns:a14="http://schemas.microsoft.com/office/drawing/2010/main">
                 <a:solidFill>
                   <a:schemeClr val="accent1"/>
                 </a:solidFill>
@@ -13874,7 +13874,7 @@
           <a:blip r:embed="rId4">
             <a:extLst>
               <a:ext uri="{28A0092B-C50C-407E-A947-70E740481C1C}">
-                <a14:useLocalDpi xmlns="" xmlns:a14="http://schemas.microsoft.com/office/drawing/2010/main" val="0"/>
+                <a14:useLocalDpi xmlns:a14="http://schemas.microsoft.com/office/drawing/2010/main" val="0"/>
               </a:ext>
             </a:extLst>
           </a:blip>
@@ -13896,14 +13896,14 @@
           <a:effectLst/>
           <a:extLst>
             <a:ext uri="{909E8E84-426E-40DD-AFC4-6F175D3DCCD1}">
-              <a14:hiddenFill xmlns="" xmlns:a14="http://schemas.microsoft.com/office/drawing/2010/main">
+              <a14:hiddenFill xmlns:a14="http://schemas.microsoft.com/office/drawing/2010/main">
                 <a:solidFill>
                   <a:schemeClr val="accent1"/>
                 </a:solidFill>
               </a14:hiddenFill>
             </a:ext>
             <a:ext uri="{91240B29-F687-4F45-9708-019B960494DF}">
-              <a14:hiddenLine xmlns="" xmlns:a14="http://schemas.microsoft.com/office/drawing/2010/main" w="9525">
+              <a14:hiddenLine xmlns:a14="http://schemas.microsoft.com/office/drawing/2010/main" w="9525">
                 <a:solidFill>
                   <a:schemeClr val="tx1"/>
                 </a:solidFill>
@@ -13913,7 +13913,7 @@
               </a14:hiddenLine>
             </a:ext>
             <a:ext uri="{AF507438-7753-43E0-B8FC-AC1667EBCBE1}">
-              <a14:hiddenEffects xmlns="" xmlns:a14="http://schemas.microsoft.com/office/drawing/2010/main">
+              <a14:hiddenEffects xmlns:a14="http://schemas.microsoft.com/office/drawing/2010/main">
                 <a:effectLst>
                   <a:outerShdw dist="35921" dir="2700000" algn="ctr" rotWithShape="0">
                     <a:schemeClr val="bg2"/>
@@ -13936,7 +13936,7 @@
           <a:blip r:embed="rId5" cstate="print">
             <a:extLst>
               <a:ext uri="{28A0092B-C50C-407E-A947-70E740481C1C}">
-                <a14:useLocalDpi xmlns="" xmlns:a14="http://schemas.microsoft.com/office/drawing/2010/main" val="0"/>
+                <a14:useLocalDpi xmlns:a14="http://schemas.microsoft.com/office/drawing/2010/main" val="0"/>
               </a:ext>
             </a:extLst>
           </a:blip>
@@ -13960,14 +13960,14 @@
           <a:effectLst/>
           <a:extLst>
             <a:ext uri="{909E8E84-426E-40DD-AFC4-6F175D3DCCD1}">
-              <a14:hiddenFill xmlns="" xmlns:a14="http://schemas.microsoft.com/office/drawing/2010/main">
+              <a14:hiddenFill xmlns:a14="http://schemas.microsoft.com/office/drawing/2010/main">
                 <a:solidFill>
                   <a:schemeClr val="accent1"/>
                 </a:solidFill>
               </a14:hiddenFill>
             </a:ext>
             <a:ext uri="{91240B29-F687-4F45-9708-019B960494DF}">
-              <a14:hiddenLine xmlns="" xmlns:a14="http://schemas.microsoft.com/office/drawing/2010/main" w="9525">
+              <a14:hiddenLine xmlns:a14="http://schemas.microsoft.com/office/drawing/2010/main" w="9525">
                 <a:solidFill>
                   <a:schemeClr val="tx1"/>
                 </a:solidFill>
@@ -13977,7 +13977,7 @@
               </a14:hiddenLine>
             </a:ext>
             <a:ext uri="{AF507438-7753-43E0-B8FC-AC1667EBCBE1}">
-              <a14:hiddenEffects xmlns="" xmlns:a14="http://schemas.microsoft.com/office/drawing/2010/main">
+              <a14:hiddenEffects xmlns:a14="http://schemas.microsoft.com/office/drawing/2010/main">
                 <a:effectLst>
                   <a:outerShdw dist="35921" dir="2700000" algn="ctr" rotWithShape="0">
                     <a:schemeClr val="bg2"/>
@@ -14105,13 +14105,13 @@
         </p:spPr>
         <p:style>
           <a:lnRef idx="1">
-            <a:schemeClr val="accent1"/>
+            <a:schemeClr val="accent5"/>
           </a:lnRef>
           <a:fillRef idx="2">
-            <a:schemeClr val="accent1"/>
+            <a:schemeClr val="accent5"/>
           </a:fillRef>
           <a:effectRef idx="1">
-            <a:schemeClr val="accent1"/>
+            <a:schemeClr val="accent5"/>
           </a:effectRef>
           <a:fontRef idx="minor">
             <a:schemeClr val="dk1"/>
@@ -14280,6 +14280,194 @@
         <p:spPr>
           <a:xfrm>
             <a:off x="6537530" y="4564789"/>
+            <a:ext cx="504056" cy="1106764"/>
+          </a:xfrm>
+          <a:prstGeom prst="upDownArrow">
+            <a:avLst/>
+          </a:prstGeom>
+          <a:ln/>
+        </p:spPr>
+        <p:style>
+          <a:lnRef idx="1">
+            <a:schemeClr val="accent5"/>
+          </a:lnRef>
+          <a:fillRef idx="2">
+            <a:schemeClr val="accent5"/>
+          </a:fillRef>
+          <a:effectRef idx="1">
+            <a:schemeClr val="accent5"/>
+          </a:effectRef>
+          <a:fontRef idx="minor">
+            <a:schemeClr val="dk1"/>
+          </a:fontRef>
+        </p:style>
+        <p:txBody>
+          <a:bodyPr rtlCol="0" anchor="ctr"/>
+          <a:lstStyle/>
+          <a:p>
+            <a:pPr algn="ctr"/>
+            <a:endParaRPr lang="fr-FR" sz="500" dirty="0">
+              <a:solidFill>
+                <a:prstClr val="white"/>
+              </a:solidFill>
+            </a:endParaRPr>
+          </a:p>
+        </p:txBody>
+      </p:sp>
+      <p:sp>
+        <p:nvSpPr>
+          <p:cNvPr id="22" name="Double flèche verticale 21"/>
+          <p:cNvSpPr/>
+          <p:nvPr/>
+        </p:nvSpPr>
+        <p:spPr>
+          <a:xfrm>
+            <a:off x="7524328" y="2181856"/>
+            <a:ext cx="504056" cy="3913986"/>
+          </a:xfrm>
+          <a:prstGeom prst="upDownArrow">
+            <a:avLst/>
+          </a:prstGeom>
+          <a:ln/>
+        </p:spPr>
+        <p:style>
+          <a:lnRef idx="1">
+            <a:schemeClr val="accent5"/>
+          </a:lnRef>
+          <a:fillRef idx="2">
+            <a:schemeClr val="accent5"/>
+          </a:fillRef>
+          <a:effectRef idx="1">
+            <a:schemeClr val="accent5"/>
+          </a:effectRef>
+          <a:fontRef idx="minor">
+            <a:schemeClr val="dk1"/>
+          </a:fontRef>
+        </p:style>
+        <p:txBody>
+          <a:bodyPr rtlCol="0" anchor="ctr"/>
+          <a:lstStyle/>
+          <a:p>
+            <a:pPr algn="ctr"/>
+            <a:endParaRPr lang="fr-FR" sz="500" dirty="0">
+              <a:solidFill>
+                <a:prstClr val="white"/>
+              </a:solidFill>
+            </a:endParaRPr>
+          </a:p>
+        </p:txBody>
+      </p:sp>
+      <p:sp>
+        <p:nvSpPr>
+          <p:cNvPr id="23" name="ZoneTexte 22"/>
+          <p:cNvSpPr txBox="1"/>
+          <p:nvPr/>
+        </p:nvSpPr>
+        <p:spPr>
+          <a:xfrm rot="16200000">
+            <a:off x="5282735" y="2945424"/>
+            <a:ext cx="1944216" cy="400110"/>
+          </a:xfrm>
+          <a:prstGeom prst="rect">
+            <a:avLst/>
+          </a:prstGeom>
+          <a:noFill/>
+        </p:spPr>
+        <p:txBody>
+          <a:bodyPr wrap="square" rtlCol="0">
+            <a:spAutoFit/>
+          </a:bodyPr>
+          <a:lstStyle/>
+          <a:p>
+            <a:pPr algn="ctr"/>
+            <a:r>
+              <a:rPr lang="fr-FR" sz="2000" b="1" dirty="0">
+                <a:solidFill>
+                  <a:srgbClr val="FF0000"/>
+                </a:solidFill>
+              </a:rPr>
+              <a:t>Ecart 1</a:t>
+            </a:r>
+          </a:p>
+        </p:txBody>
+      </p:sp>
+      <p:sp>
+        <p:nvSpPr>
+          <p:cNvPr id="24" name="ZoneTexte 23"/>
+          <p:cNvSpPr txBox="1"/>
+          <p:nvPr/>
+        </p:nvSpPr>
+        <p:spPr>
+          <a:xfrm rot="16200000">
+            <a:off x="5282294" y="4923679"/>
+            <a:ext cx="1944216" cy="400110"/>
+          </a:xfrm>
+          <a:prstGeom prst="rect">
+            <a:avLst/>
+          </a:prstGeom>
+          <a:noFill/>
+        </p:spPr>
+        <p:txBody>
+          <a:bodyPr wrap="square" rtlCol="0">
+            <a:spAutoFit/>
+          </a:bodyPr>
+          <a:lstStyle/>
+          <a:p>
+            <a:pPr algn="ctr"/>
+            <a:r>
+              <a:rPr lang="fr-FR" sz="2000" b="1" dirty="0">
+                <a:solidFill>
+                  <a:srgbClr val="FF0000"/>
+                </a:solidFill>
+              </a:rPr>
+              <a:t>Ecart 2</a:t>
+            </a:r>
+          </a:p>
+        </p:txBody>
+      </p:sp>
+      <p:sp>
+        <p:nvSpPr>
+          <p:cNvPr id="25" name="ZoneTexte 24"/>
+          <p:cNvSpPr txBox="1"/>
+          <p:nvPr/>
+        </p:nvSpPr>
+        <p:spPr>
+          <a:xfrm rot="16200000">
+            <a:off x="7072245" y="3938794"/>
+            <a:ext cx="1944216" cy="400110"/>
+          </a:xfrm>
+          <a:prstGeom prst="rect">
+            <a:avLst/>
+          </a:prstGeom>
+          <a:noFill/>
+        </p:spPr>
+        <p:txBody>
+          <a:bodyPr wrap="square" rtlCol="0">
+            <a:spAutoFit/>
+          </a:bodyPr>
+          <a:lstStyle/>
+          <a:p>
+            <a:pPr algn="ctr"/>
+            <a:r>
+              <a:rPr lang="fr-FR" sz="2000" b="1" dirty="0">
+                <a:solidFill>
+                  <a:srgbClr val="FF0000"/>
+                </a:solidFill>
+              </a:rPr>
+              <a:t>Ecart 3</a:t>
+            </a:r>
+          </a:p>
+        </p:txBody>
+      </p:sp>
+      <p:sp>
+        <p:nvSpPr>
+          <p:cNvPr id="20" name="Double flèche verticale 19"/>
+          <p:cNvSpPr/>
+          <p:nvPr/>
+        </p:nvSpPr>
+        <p:spPr>
+          <a:xfrm>
+            <a:off x="6537530" y="2613359"/>
             <a:ext cx="504056" cy="1106764"/>
           </a:xfrm>
           <a:prstGeom prst="upDownArrow">
@@ -14306,194 +14494,6 @@
           <a:lstStyle/>
           <a:p>
             <a:pPr algn="ctr"/>
-            <a:endParaRPr lang="fr-FR" sz="500" dirty="0">
-              <a:solidFill>
-                <a:prstClr val="white"/>
-              </a:solidFill>
-            </a:endParaRPr>
-          </a:p>
-        </p:txBody>
-      </p:sp>
-      <p:sp>
-        <p:nvSpPr>
-          <p:cNvPr id="22" name="Double flèche verticale 21"/>
-          <p:cNvSpPr/>
-          <p:nvPr/>
-        </p:nvSpPr>
-        <p:spPr>
-          <a:xfrm>
-            <a:off x="7524328" y="2181856"/>
-            <a:ext cx="504056" cy="3913986"/>
-          </a:xfrm>
-          <a:prstGeom prst="upDownArrow">
-            <a:avLst/>
-          </a:prstGeom>
-          <a:ln/>
-        </p:spPr>
-        <p:style>
-          <a:lnRef idx="1">
-            <a:schemeClr val="accent5"/>
-          </a:lnRef>
-          <a:fillRef idx="2">
-            <a:schemeClr val="accent5"/>
-          </a:fillRef>
-          <a:effectRef idx="1">
-            <a:schemeClr val="accent5"/>
-          </a:effectRef>
-          <a:fontRef idx="minor">
-            <a:schemeClr val="dk1"/>
-          </a:fontRef>
-        </p:style>
-        <p:txBody>
-          <a:bodyPr rtlCol="0" anchor="ctr"/>
-          <a:lstStyle/>
-          <a:p>
-            <a:pPr algn="ctr"/>
-            <a:endParaRPr lang="fr-FR" sz="500" dirty="0">
-              <a:solidFill>
-                <a:prstClr val="white"/>
-              </a:solidFill>
-            </a:endParaRPr>
-          </a:p>
-        </p:txBody>
-      </p:sp>
-      <p:sp>
-        <p:nvSpPr>
-          <p:cNvPr id="23" name="ZoneTexte 22"/>
-          <p:cNvSpPr txBox="1"/>
-          <p:nvPr/>
-        </p:nvSpPr>
-        <p:spPr>
-          <a:xfrm rot="16200000">
-            <a:off x="5282735" y="2945424"/>
-            <a:ext cx="1944216" cy="400110"/>
-          </a:xfrm>
-          <a:prstGeom prst="rect">
-            <a:avLst/>
-          </a:prstGeom>
-          <a:noFill/>
-        </p:spPr>
-        <p:txBody>
-          <a:bodyPr wrap="square" rtlCol="0">
-            <a:spAutoFit/>
-          </a:bodyPr>
-          <a:lstStyle/>
-          <a:p>
-            <a:pPr algn="ctr"/>
-            <a:r>
-              <a:rPr lang="fr-FR" sz="2000" b="1" dirty="0">
-                <a:solidFill>
-                  <a:srgbClr val="FF0000"/>
-                </a:solidFill>
-              </a:rPr>
-              <a:t>Ecart 1</a:t>
-            </a:r>
-          </a:p>
-        </p:txBody>
-      </p:sp>
-      <p:sp>
-        <p:nvSpPr>
-          <p:cNvPr id="24" name="ZoneTexte 23"/>
-          <p:cNvSpPr txBox="1"/>
-          <p:nvPr/>
-        </p:nvSpPr>
-        <p:spPr>
-          <a:xfrm rot="16200000">
-            <a:off x="5282294" y="4923679"/>
-            <a:ext cx="1944216" cy="400110"/>
-          </a:xfrm>
-          <a:prstGeom prst="rect">
-            <a:avLst/>
-          </a:prstGeom>
-          <a:noFill/>
-        </p:spPr>
-        <p:txBody>
-          <a:bodyPr wrap="square" rtlCol="0">
-            <a:spAutoFit/>
-          </a:bodyPr>
-          <a:lstStyle/>
-          <a:p>
-            <a:pPr algn="ctr"/>
-            <a:r>
-              <a:rPr lang="fr-FR" sz="2000" b="1" dirty="0">
-                <a:solidFill>
-                  <a:srgbClr val="FF0000"/>
-                </a:solidFill>
-              </a:rPr>
-              <a:t>Ecart 2</a:t>
-            </a:r>
-          </a:p>
-        </p:txBody>
-      </p:sp>
-      <p:sp>
-        <p:nvSpPr>
-          <p:cNvPr id="25" name="ZoneTexte 24"/>
-          <p:cNvSpPr txBox="1"/>
-          <p:nvPr/>
-        </p:nvSpPr>
-        <p:spPr>
-          <a:xfrm rot="16200000">
-            <a:off x="7072245" y="3938794"/>
-            <a:ext cx="1944216" cy="400110"/>
-          </a:xfrm>
-          <a:prstGeom prst="rect">
-            <a:avLst/>
-          </a:prstGeom>
-          <a:noFill/>
-        </p:spPr>
-        <p:txBody>
-          <a:bodyPr wrap="square" rtlCol="0">
-            <a:spAutoFit/>
-          </a:bodyPr>
-          <a:lstStyle/>
-          <a:p>
-            <a:pPr algn="ctr"/>
-            <a:r>
-              <a:rPr lang="fr-FR" sz="2000" b="1" dirty="0">
-                <a:solidFill>
-                  <a:srgbClr val="FF0000"/>
-                </a:solidFill>
-              </a:rPr>
-              <a:t>Ecart 3</a:t>
-            </a:r>
-          </a:p>
-        </p:txBody>
-      </p:sp>
-      <p:sp>
-        <p:nvSpPr>
-          <p:cNvPr id="20" name="Double flèche verticale 19"/>
-          <p:cNvSpPr/>
-          <p:nvPr/>
-        </p:nvSpPr>
-        <p:spPr>
-          <a:xfrm>
-            <a:off x="6537530" y="2613359"/>
-            <a:ext cx="504056" cy="1106764"/>
-          </a:xfrm>
-          <a:prstGeom prst="upDownArrow">
-            <a:avLst/>
-          </a:prstGeom>
-          <a:ln/>
-        </p:spPr>
-        <p:style>
-          <a:lnRef idx="1">
-            <a:schemeClr val="accent5"/>
-          </a:lnRef>
-          <a:fillRef idx="2">
-            <a:schemeClr val="accent5"/>
-          </a:fillRef>
-          <a:effectRef idx="1">
-            <a:schemeClr val="accent5"/>
-          </a:effectRef>
-          <a:fontRef idx="minor">
-            <a:schemeClr val="dk1"/>
-          </a:fontRef>
-        </p:style>
-        <p:txBody>
-          <a:bodyPr rtlCol="0" anchor="ctr"/>
-          <a:lstStyle/>
-          <a:p>
-            <a:pPr algn="ctr"/>
             <a:r>
               <a:rPr lang="fr-FR" sz="500" dirty="0" smtClean="0">
                 <a:solidFill>
@@ -14513,7 +14513,7 @@
     </p:spTree>
     <p:extLst>
       <p:ext uri="{BB962C8B-B14F-4D97-AF65-F5344CB8AC3E}">
-        <p14:creationId xmlns="" xmlns:p14="http://schemas.microsoft.com/office/powerpoint/2010/main" val="347518600"/>
+        <p14:creationId xmlns:p14="http://schemas.microsoft.com/office/powerpoint/2010/main" val="347518600"/>
       </p:ext>
     </p:extLst>
   </p:cSld>
@@ -14554,7 +14554,7 @@
           <p:nvPr>
             <p:extLst>
               <p:ext uri="{D42A27DB-BD31-4B8C-83A1-F6EECF244321}">
-                <p14:modId xmlns="" xmlns:p14="http://schemas.microsoft.com/office/powerpoint/2010/main" val="514942137"/>
+                <p14:modId xmlns:p14="http://schemas.microsoft.com/office/powerpoint/2010/main" val="2024688617"/>
               </p:ext>
             </p:extLst>
           </p:nvPr>
@@ -14572,7 +14572,7 @@
     </p:spTree>
     <p:extLst>
       <p:ext uri="{BB962C8B-B14F-4D97-AF65-F5344CB8AC3E}">
-        <p14:creationId xmlns="" xmlns:p14="http://schemas.microsoft.com/office/powerpoint/2010/main" val="3033989473"/>
+        <p14:creationId xmlns:p14="http://schemas.microsoft.com/office/powerpoint/2010/main" val="3033989473"/>
       </p:ext>
     </p:extLst>
   </p:cSld>
@@ -15949,7 +15949,7 @@
     </p:spTree>
     <p:extLst>
       <p:ext uri="{BB962C8B-B14F-4D97-AF65-F5344CB8AC3E}">
-        <p14:creationId xmlns="" xmlns:p14="http://schemas.microsoft.com/office/powerpoint/2010/main" val="1959051362"/>
+        <p14:creationId xmlns:p14="http://schemas.microsoft.com/office/powerpoint/2010/main" val="1959051362"/>
       </p:ext>
     </p:extLst>
   </p:cSld>
@@ -17326,7 +17326,7 @@
     </p:spTree>
     <p:extLst>
       <p:ext uri="{BB962C8B-B14F-4D97-AF65-F5344CB8AC3E}">
-        <p14:creationId xmlns="" xmlns:p14="http://schemas.microsoft.com/office/powerpoint/2010/main" val="329598001"/>
+        <p14:creationId xmlns:p14="http://schemas.microsoft.com/office/powerpoint/2010/main" val="329598001"/>
       </p:ext>
     </p:extLst>
   </p:cSld>
@@ -17365,7 +17365,7 @@
           <a:blip r:embed="rId2" cstate="print">
             <a:extLst>
               <a:ext uri="{28A0092B-C50C-407E-A947-70E740481C1C}">
-                <a14:useLocalDpi xmlns="" xmlns:a14="http://schemas.microsoft.com/office/drawing/2010/main" val="0"/>
+                <a14:useLocalDpi xmlns:a14="http://schemas.microsoft.com/office/drawing/2010/main" val="0"/>
               </a:ext>
             </a:extLst>
           </a:blip>
@@ -17394,14 +17394,14 @@
           </a:scene3d>
           <a:extLst>
             <a:ext uri="{909E8E84-426E-40DD-AFC4-6F175D3DCCD1}">
-              <a14:hiddenFill xmlns="" xmlns:a14="http://schemas.microsoft.com/office/drawing/2010/main">
+              <a14:hiddenFill xmlns:a14="http://schemas.microsoft.com/office/drawing/2010/main">
                 <a:solidFill>
                   <a:schemeClr val="accent1"/>
                 </a:solidFill>
               </a14:hiddenFill>
             </a:ext>
             <a:ext uri="{91240B29-F687-4F45-9708-019B960494DF}">
-              <a14:hiddenLine xmlns="" xmlns:a14="http://schemas.microsoft.com/office/drawing/2010/main" w="9525">
+              <a14:hiddenLine xmlns:a14="http://schemas.microsoft.com/office/drawing/2010/main" w="9525">
                 <a:solidFill>
                   <a:schemeClr val="tx1"/>
                 </a:solidFill>
@@ -17992,7 +17992,7 @@
           <a:blip r:embed="rId3" cstate="print">
             <a:extLst>
               <a:ext uri="{28A0092B-C50C-407E-A947-70E740481C1C}">
-                <a14:useLocalDpi xmlns="" xmlns:a14="http://schemas.microsoft.com/office/drawing/2010/main" val="0"/>
+                <a14:useLocalDpi xmlns:a14="http://schemas.microsoft.com/office/drawing/2010/main" val="0"/>
               </a:ext>
             </a:extLst>
           </a:blip>
@@ -18021,14 +18021,14 @@
           </a:effectLst>
           <a:extLst>
             <a:ext uri="{909E8E84-426E-40DD-AFC4-6F175D3DCCD1}">
-              <a14:hiddenFill xmlns="" xmlns:a14="http://schemas.microsoft.com/office/drawing/2010/main">
+              <a14:hiddenFill xmlns:a14="http://schemas.microsoft.com/office/drawing/2010/main">
                 <a:solidFill>
                   <a:schemeClr val="accent1"/>
                 </a:solidFill>
               </a14:hiddenFill>
             </a:ext>
             <a:ext uri="{91240B29-F687-4F45-9708-019B960494DF}">
-              <a14:hiddenLine xmlns="" xmlns:a14="http://schemas.microsoft.com/office/drawing/2010/main" w="9525">
+              <a14:hiddenLine xmlns:a14="http://schemas.microsoft.com/office/drawing/2010/main" w="9525">
                 <a:solidFill>
                   <a:schemeClr val="tx1"/>
                 </a:solidFill>
@@ -18052,7 +18052,7 @@
           <a:blip r:embed="rId4" cstate="print">
             <a:extLst>
               <a:ext uri="{28A0092B-C50C-407E-A947-70E740481C1C}">
-                <a14:useLocalDpi xmlns="" xmlns:a14="http://schemas.microsoft.com/office/drawing/2010/main" val="0"/>
+                <a14:useLocalDpi xmlns:a14="http://schemas.microsoft.com/office/drawing/2010/main" val="0"/>
               </a:ext>
             </a:extLst>
           </a:blip>
@@ -18081,14 +18081,14 @@
           </a:effectLst>
           <a:extLst>
             <a:ext uri="{909E8E84-426E-40DD-AFC4-6F175D3DCCD1}">
-              <a14:hiddenFill xmlns="" xmlns:a14="http://schemas.microsoft.com/office/drawing/2010/main">
+              <a14:hiddenFill xmlns:a14="http://schemas.microsoft.com/office/drawing/2010/main">
                 <a:solidFill>
                   <a:schemeClr val="accent1"/>
                 </a:solidFill>
               </a14:hiddenFill>
             </a:ext>
             <a:ext uri="{91240B29-F687-4F45-9708-019B960494DF}">
-              <a14:hiddenLine xmlns="" xmlns:a14="http://schemas.microsoft.com/office/drawing/2010/main" w="9525">
+              <a14:hiddenLine xmlns:a14="http://schemas.microsoft.com/office/drawing/2010/main" w="9525">
                 <a:solidFill>
                   <a:schemeClr val="tx1"/>
                 </a:solidFill>
@@ -18112,7 +18112,7 @@
           <a:blip r:embed="rId5" cstate="print">
             <a:extLst>
               <a:ext uri="{28A0092B-C50C-407E-A947-70E740481C1C}">
-                <a14:useLocalDpi xmlns="" xmlns:a14="http://schemas.microsoft.com/office/drawing/2010/main" val="0"/>
+                <a14:useLocalDpi xmlns:a14="http://schemas.microsoft.com/office/drawing/2010/main" val="0"/>
               </a:ext>
             </a:extLst>
           </a:blip>
@@ -18143,14 +18143,14 @@
           </a:scene3d>
           <a:extLst>
             <a:ext uri="{909E8E84-426E-40DD-AFC4-6F175D3DCCD1}">
-              <a14:hiddenFill xmlns="" xmlns:a14="http://schemas.microsoft.com/office/drawing/2010/main">
+              <a14:hiddenFill xmlns:a14="http://schemas.microsoft.com/office/drawing/2010/main">
                 <a:solidFill>
                   <a:schemeClr val="accent1"/>
                 </a:solidFill>
               </a14:hiddenFill>
             </a:ext>
             <a:ext uri="{91240B29-F687-4F45-9708-019B960494DF}">
-              <a14:hiddenLine xmlns="" xmlns:a14="http://schemas.microsoft.com/office/drawing/2010/main" w="9525">
+              <a14:hiddenLine xmlns:a14="http://schemas.microsoft.com/office/drawing/2010/main" w="9525">
                 <a:solidFill>
                   <a:schemeClr val="tx1"/>
                 </a:solidFill>
@@ -18165,7 +18165,7 @@
     </p:spTree>
     <p:extLst>
       <p:ext uri="{BB962C8B-B14F-4D97-AF65-F5344CB8AC3E}">
-        <p14:creationId xmlns="" xmlns:p14="http://schemas.microsoft.com/office/powerpoint/2010/main" val="918188242"/>
+        <p14:creationId xmlns:p14="http://schemas.microsoft.com/office/powerpoint/2010/main" val="918188242"/>
       </p:ext>
     </p:extLst>
   </p:cSld>
@@ -18211,7 +18211,7 @@
           <a:blip r:embed="rId2" cstate="print">
             <a:extLst>
               <a:ext uri="{28A0092B-C50C-407E-A947-70E740481C1C}">
-                <a14:useLocalDpi xmlns="" xmlns:a14="http://schemas.microsoft.com/office/drawing/2010/main" val="0"/>
+                <a14:useLocalDpi xmlns:a14="http://schemas.microsoft.com/office/drawing/2010/main" val="0"/>
               </a:ext>
             </a:extLst>
           </a:blip>
@@ -18235,14 +18235,14 @@
           <a:effectLst/>
           <a:extLst>
             <a:ext uri="{909E8E84-426E-40DD-AFC4-6F175D3DCCD1}">
-              <a14:hiddenFill xmlns="" xmlns:a14="http://schemas.microsoft.com/office/drawing/2010/main">
+              <a14:hiddenFill xmlns:a14="http://schemas.microsoft.com/office/drawing/2010/main">
                 <a:solidFill>
                   <a:schemeClr val="accent1"/>
                 </a:solidFill>
               </a14:hiddenFill>
             </a:ext>
             <a:ext uri="{91240B29-F687-4F45-9708-019B960494DF}">
-              <a14:hiddenLine xmlns="" xmlns:a14="http://schemas.microsoft.com/office/drawing/2010/main" w="9525">
+              <a14:hiddenLine xmlns:a14="http://schemas.microsoft.com/office/drawing/2010/main" w="9525">
                 <a:solidFill>
                   <a:schemeClr val="tx1"/>
                 </a:solidFill>
@@ -18252,7 +18252,7 @@
               </a14:hiddenLine>
             </a:ext>
             <a:ext uri="{AF507438-7753-43E0-B8FC-AC1667EBCBE1}">
-              <a14:hiddenEffects xmlns="" xmlns:a14="http://schemas.microsoft.com/office/drawing/2010/main">
+              <a14:hiddenEffects xmlns:a14="http://schemas.microsoft.com/office/drawing/2010/main">
                 <a:effectLst>
                   <a:outerShdw dist="35921" dir="2700000" algn="ctr" rotWithShape="0">
                     <a:schemeClr val="bg2"/>
@@ -18275,7 +18275,7 @@
           <a:blip r:embed="rId3" cstate="print">
             <a:extLst>
               <a:ext uri="{28A0092B-C50C-407E-A947-70E740481C1C}">
-                <a14:useLocalDpi xmlns="" xmlns:a14="http://schemas.microsoft.com/office/drawing/2010/main" val="0"/>
+                <a14:useLocalDpi xmlns:a14="http://schemas.microsoft.com/office/drawing/2010/main" val="0"/>
               </a:ext>
             </a:extLst>
           </a:blip>
@@ -18321,7 +18321,7 @@
           </a:sp3d>
           <a:extLst>
             <a:ext uri="{909E8E84-426E-40DD-AFC4-6F175D3DCCD1}">
-              <a14:hiddenFill xmlns="" xmlns:a14="http://schemas.microsoft.com/office/drawing/2010/main">
+              <a14:hiddenFill xmlns:a14="http://schemas.microsoft.com/office/drawing/2010/main">
                 <a:solidFill>
                   <a:schemeClr val="accent1"/>
                 </a:solidFill>
@@ -18342,7 +18342,7 @@
           <a:blip r:embed="rId4">
             <a:extLst>
               <a:ext uri="{28A0092B-C50C-407E-A947-70E740481C1C}">
-                <a14:useLocalDpi xmlns="" xmlns:a14="http://schemas.microsoft.com/office/drawing/2010/main" val="0"/>
+                <a14:useLocalDpi xmlns:a14="http://schemas.microsoft.com/office/drawing/2010/main" val="0"/>
               </a:ext>
             </a:extLst>
           </a:blip>
@@ -18364,14 +18364,14 @@
           <a:effectLst/>
           <a:extLst>
             <a:ext uri="{909E8E84-426E-40DD-AFC4-6F175D3DCCD1}">
-              <a14:hiddenFill xmlns="" xmlns:a14="http://schemas.microsoft.com/office/drawing/2010/main">
+              <a14:hiddenFill xmlns:a14="http://schemas.microsoft.com/office/drawing/2010/main">
                 <a:solidFill>
                   <a:schemeClr val="accent1"/>
                 </a:solidFill>
               </a14:hiddenFill>
             </a:ext>
             <a:ext uri="{91240B29-F687-4F45-9708-019B960494DF}">
-              <a14:hiddenLine xmlns="" xmlns:a14="http://schemas.microsoft.com/office/drawing/2010/main" w="9525">
+              <a14:hiddenLine xmlns:a14="http://schemas.microsoft.com/office/drawing/2010/main" w="9525">
                 <a:solidFill>
                   <a:schemeClr val="tx1"/>
                 </a:solidFill>
@@ -18381,7 +18381,7 @@
               </a14:hiddenLine>
             </a:ext>
             <a:ext uri="{AF507438-7753-43E0-B8FC-AC1667EBCBE1}">
-              <a14:hiddenEffects xmlns="" xmlns:a14="http://schemas.microsoft.com/office/drawing/2010/main">
+              <a14:hiddenEffects xmlns:a14="http://schemas.microsoft.com/office/drawing/2010/main">
                 <a:effectLst>
                   <a:outerShdw dist="35921" dir="2700000" algn="ctr" rotWithShape="0">
                     <a:schemeClr val="bg2"/>
@@ -18404,7 +18404,7 @@
           <a:blip r:embed="rId5" cstate="print">
             <a:extLst>
               <a:ext uri="{28A0092B-C50C-407E-A947-70E740481C1C}">
-                <a14:useLocalDpi xmlns="" xmlns:a14="http://schemas.microsoft.com/office/drawing/2010/main" val="0"/>
+                <a14:useLocalDpi xmlns:a14="http://schemas.microsoft.com/office/drawing/2010/main" val="0"/>
               </a:ext>
             </a:extLst>
           </a:blip>
@@ -18428,14 +18428,14 @@
           <a:effectLst/>
           <a:extLst>
             <a:ext uri="{909E8E84-426E-40DD-AFC4-6F175D3DCCD1}">
-              <a14:hiddenFill xmlns="" xmlns:a14="http://schemas.microsoft.com/office/drawing/2010/main">
+              <a14:hiddenFill xmlns:a14="http://schemas.microsoft.com/office/drawing/2010/main">
                 <a:solidFill>
                   <a:schemeClr val="accent1"/>
                 </a:solidFill>
               </a14:hiddenFill>
             </a:ext>
             <a:ext uri="{91240B29-F687-4F45-9708-019B960494DF}">
-              <a14:hiddenLine xmlns="" xmlns:a14="http://schemas.microsoft.com/office/drawing/2010/main" w="9525">
+              <a14:hiddenLine xmlns:a14="http://schemas.microsoft.com/office/drawing/2010/main" w="9525">
                 <a:solidFill>
                   <a:schemeClr val="tx1"/>
                 </a:solidFill>
@@ -18445,7 +18445,7 @@
               </a14:hiddenLine>
             </a:ext>
             <a:ext uri="{AF507438-7753-43E0-B8FC-AC1667EBCBE1}">
-              <a14:hiddenEffects xmlns="" xmlns:a14="http://schemas.microsoft.com/office/drawing/2010/main">
+              <a14:hiddenEffects xmlns:a14="http://schemas.microsoft.com/office/drawing/2010/main">
                 <a:effectLst>
                   <a:outerShdw dist="35921" dir="2700000" algn="ctr" rotWithShape="0">
                     <a:schemeClr val="bg2"/>
@@ -18991,7 +18991,7 @@
     </p:spTree>
     <p:extLst>
       <p:ext uri="{BB962C8B-B14F-4D97-AF65-F5344CB8AC3E}">
-        <p14:creationId xmlns="" xmlns:p14="http://schemas.microsoft.com/office/powerpoint/2010/main" val="347518600"/>
+        <p14:creationId xmlns:p14="http://schemas.microsoft.com/office/powerpoint/2010/main" val="347518600"/>
       </p:ext>
     </p:extLst>
   </p:cSld>
@@ -19815,7 +19815,7 @@
     </p:spTree>
     <p:extLst>
       <p:ext uri="{BB962C8B-B14F-4D97-AF65-F5344CB8AC3E}">
-        <p14:creationId xmlns="" xmlns:p14="http://schemas.microsoft.com/office/powerpoint/2010/main" val="2128794243"/>
+        <p14:creationId xmlns:p14="http://schemas.microsoft.com/office/powerpoint/2010/main" val="2128794243"/>
       </p:ext>
     </p:extLst>
   </p:cSld>

--- a/Ressources/Ecarts.pptx
+++ b/Ressources/Ecarts.pptx
@@ -1063,13 +1063,13 @@
       <dgm:prSet phldrT="[Texte]" custT="1">
         <dgm:style>
           <a:lnRef idx="1">
-            <a:schemeClr val="accent1"/>
+            <a:schemeClr val="accent6"/>
           </a:lnRef>
           <a:fillRef idx="2">
-            <a:schemeClr val="accent1"/>
+            <a:schemeClr val="accent6"/>
           </a:fillRef>
           <a:effectRef idx="1">
-            <a:schemeClr val="accent1"/>
+            <a:schemeClr val="accent6"/>
           </a:effectRef>
           <a:fontRef idx="minor">
             <a:schemeClr val="dk1"/>
@@ -1093,13 +1093,13 @@
       <dgm:prSet custT="1">
         <dgm:style>
           <a:lnRef idx="1">
-            <a:schemeClr val="accent1"/>
+            <a:schemeClr val="accent6"/>
           </a:lnRef>
           <a:fillRef idx="2">
-            <a:schemeClr val="accent1"/>
+            <a:schemeClr val="accent6"/>
           </a:fillRef>
           <a:effectRef idx="1">
-            <a:schemeClr val="accent1"/>
+            <a:schemeClr val="accent6"/>
           </a:effectRef>
           <a:fontRef idx="minor">
             <a:schemeClr val="dk1"/>
@@ -1196,13 +1196,13 @@
       <dgm:prSet phldrT="[Texte]" custT="1">
         <dgm:style>
           <a:lnRef idx="1">
-            <a:schemeClr val="accent1"/>
+            <a:schemeClr val="accent6"/>
           </a:lnRef>
           <a:fillRef idx="2">
-            <a:schemeClr val="accent1"/>
+            <a:schemeClr val="accent6"/>
           </a:fillRef>
           <a:effectRef idx="1">
-            <a:schemeClr val="accent1"/>
+            <a:schemeClr val="accent6"/>
           </a:effectRef>
           <a:fontRef idx="minor">
             <a:schemeClr val="dk1"/>
@@ -1225,13 +1225,13 @@
       <dgm:prSet custT="1">
         <dgm:style>
           <a:lnRef idx="1">
-            <a:schemeClr val="accent1"/>
+            <a:schemeClr val="accent6"/>
           </a:lnRef>
           <a:fillRef idx="2">
-            <a:schemeClr val="accent1"/>
+            <a:schemeClr val="accent6"/>
           </a:fillRef>
           <a:effectRef idx="1">
-            <a:schemeClr val="accent1"/>
+            <a:schemeClr val="accent6"/>
           </a:effectRef>
           <a:fontRef idx="minor">
             <a:schemeClr val="dk1"/>
@@ -1262,13 +1262,13 @@
       <dgm:prSet phldrT="[Texte]" custT="1">
         <dgm:style>
           <a:lnRef idx="1">
-            <a:schemeClr val="accent6"/>
+            <a:schemeClr val="accent1"/>
           </a:lnRef>
           <a:fillRef idx="2">
-            <a:schemeClr val="accent6"/>
+            <a:schemeClr val="accent1"/>
           </a:fillRef>
           <a:effectRef idx="1">
-            <a:schemeClr val="accent6"/>
+            <a:schemeClr val="accent1"/>
           </a:effectRef>
           <a:fontRef idx="minor">
             <a:schemeClr val="dk1"/>
@@ -1291,13 +1291,13 @@
       <dgm:prSet custT="1">
         <dgm:style>
           <a:lnRef idx="1">
-            <a:schemeClr val="accent6"/>
+            <a:schemeClr val="accent1"/>
           </a:lnRef>
           <a:fillRef idx="2">
-            <a:schemeClr val="accent6"/>
+            <a:schemeClr val="accent1"/>
           </a:fillRef>
           <a:effectRef idx="1">
-            <a:schemeClr val="accent6"/>
+            <a:schemeClr val="accent1"/>
           </a:effectRef>
           <a:fontRef idx="minor">
             <a:schemeClr val="dk1"/>
@@ -1328,13 +1328,13 @@
       <dgm:prSet phldrT="[Texte]" custT="1">
         <dgm:style>
           <a:lnRef idx="1">
-            <a:schemeClr val="accent3"/>
+            <a:schemeClr val="accent1"/>
           </a:lnRef>
           <a:fillRef idx="2">
-            <a:schemeClr val="accent3"/>
+            <a:schemeClr val="accent1"/>
           </a:fillRef>
           <a:effectRef idx="1">
-            <a:schemeClr val="accent3"/>
+            <a:schemeClr val="accent1"/>
           </a:effectRef>
           <a:fontRef idx="minor">
             <a:schemeClr val="dk1"/>
@@ -1357,13 +1357,13 @@
       <dgm:prSet custT="1">
         <dgm:style>
           <a:lnRef idx="1">
-            <a:schemeClr val="accent3"/>
+            <a:schemeClr val="accent1"/>
           </a:lnRef>
           <a:fillRef idx="2">
-            <a:schemeClr val="accent3"/>
+            <a:schemeClr val="accent1"/>
           </a:fillRef>
           <a:effectRef idx="1">
-            <a:schemeClr val="accent3"/>
+            <a:schemeClr val="accent1"/>
           </a:effectRef>
           <a:fontRef idx="minor">
             <a:schemeClr val="dk1"/>
@@ -2243,19 +2243,19 @@
         <a:gradFill rotWithShape="1">
           <a:gsLst>
             <a:gs pos="0">
-              <a:schemeClr val="accent1">
+              <a:schemeClr val="accent6">
                 <a:tint val="65000"/>
                 <a:satMod val="270000"/>
               </a:schemeClr>
             </a:gs>
             <a:gs pos="25000">
-              <a:schemeClr val="accent1">
+              <a:schemeClr val="accent6">
                 <a:tint val="60000"/>
                 <a:satMod val="300000"/>
               </a:schemeClr>
             </a:gs>
             <a:gs pos="100000">
-              <a:schemeClr val="accent1">
+              <a:schemeClr val="accent6">
                 <a:tint val="29000"/>
                 <a:satMod val="400000"/>
               </a:schemeClr>
@@ -2265,7 +2265,7 @@
         </a:gradFill>
         <a:ln w="9525" cap="flat" cmpd="sng" algn="ctr">
           <a:solidFill>
-            <a:schemeClr val="accent1">
+            <a:schemeClr val="accent6">
               <a:satMod val="150000"/>
             </a:schemeClr>
           </a:solidFill>
@@ -2281,13 +2281,13 @@
       </dsp:spPr>
       <dsp:style>
         <a:lnRef idx="1">
-          <a:schemeClr val="accent1"/>
+          <a:schemeClr val="accent6"/>
         </a:lnRef>
         <a:fillRef idx="2">
-          <a:schemeClr val="accent1"/>
+          <a:schemeClr val="accent6"/>
         </a:fillRef>
         <a:effectRef idx="1">
-          <a:schemeClr val="accent1"/>
+          <a:schemeClr val="accent6"/>
         </a:effectRef>
         <a:fontRef idx="minor">
           <a:schemeClr val="dk1"/>
@@ -2334,19 +2334,19 @@
         <a:gradFill rotWithShape="1">
           <a:gsLst>
             <a:gs pos="0">
-              <a:schemeClr val="accent1">
+              <a:schemeClr val="accent6">
                 <a:tint val="65000"/>
                 <a:satMod val="270000"/>
               </a:schemeClr>
             </a:gs>
             <a:gs pos="25000">
-              <a:schemeClr val="accent1">
+              <a:schemeClr val="accent6">
                 <a:tint val="60000"/>
                 <a:satMod val="300000"/>
               </a:schemeClr>
             </a:gs>
             <a:gs pos="100000">
-              <a:schemeClr val="accent1">
+              <a:schemeClr val="accent6">
                 <a:tint val="29000"/>
                 <a:satMod val="400000"/>
               </a:schemeClr>
@@ -2356,7 +2356,7 @@
         </a:gradFill>
         <a:ln w="9525" cap="flat" cmpd="sng" algn="ctr">
           <a:solidFill>
-            <a:schemeClr val="accent1">
+            <a:schemeClr val="accent6">
               <a:satMod val="150000"/>
             </a:schemeClr>
           </a:solidFill>
@@ -2372,13 +2372,13 @@
       </dsp:spPr>
       <dsp:style>
         <a:lnRef idx="1">
-          <a:schemeClr val="accent1"/>
+          <a:schemeClr val="accent6"/>
         </a:lnRef>
         <a:fillRef idx="2">
-          <a:schemeClr val="accent1"/>
+          <a:schemeClr val="accent6"/>
         </a:fillRef>
         <a:effectRef idx="1">
-          <a:schemeClr val="accent1"/>
+          <a:schemeClr val="accent6"/>
         </a:effectRef>
         <a:fontRef idx="minor">
           <a:schemeClr val="dk1"/>
@@ -2422,6 +2422,194 @@
         <a:xfrm rot="3130689">
           <a:off x="3978089" y="3212328"/>
           <a:ext cx="558987" cy="516836"/>
+        </a:xfrm>
+        <a:prstGeom prst="rightArrow">
+          <a:avLst>
+            <a:gd name="adj1" fmla="val 60000"/>
+            <a:gd name="adj2" fmla="val 50000"/>
+          </a:avLst>
+        </a:prstGeom>
+        <a:gradFill rotWithShape="1">
+          <a:gsLst>
+            <a:gs pos="0">
+              <a:schemeClr val="accent6">
+                <a:tint val="65000"/>
+                <a:satMod val="270000"/>
+              </a:schemeClr>
+            </a:gs>
+            <a:gs pos="25000">
+              <a:schemeClr val="accent6">
+                <a:tint val="60000"/>
+                <a:satMod val="300000"/>
+              </a:schemeClr>
+            </a:gs>
+            <a:gs pos="100000">
+              <a:schemeClr val="accent6">
+                <a:tint val="29000"/>
+                <a:satMod val="400000"/>
+              </a:schemeClr>
+            </a:gs>
+          </a:gsLst>
+          <a:lin ang="16200000" scaled="1"/>
+        </a:gradFill>
+        <a:ln w="9525" cap="flat" cmpd="sng" algn="ctr">
+          <a:solidFill>
+            <a:schemeClr val="accent6">
+              <a:satMod val="150000"/>
+            </a:schemeClr>
+          </a:solidFill>
+          <a:prstDash val="solid"/>
+        </a:ln>
+        <a:effectLst>
+          <a:outerShdw blurRad="65500" dist="38100" dir="5400000" rotWithShape="0">
+            <a:srgbClr val="000000">
+              <a:alpha val="40000"/>
+            </a:srgbClr>
+          </a:outerShdw>
+        </a:effectLst>
+      </dsp:spPr>
+      <dsp:style>
+        <a:lnRef idx="1">
+          <a:schemeClr val="accent6"/>
+        </a:lnRef>
+        <a:fillRef idx="2">
+          <a:schemeClr val="accent6"/>
+        </a:fillRef>
+        <a:effectRef idx="1">
+          <a:schemeClr val="accent6"/>
+        </a:effectRef>
+        <a:fontRef idx="minor">
+          <a:schemeClr val="dk1"/>
+        </a:fontRef>
+      </dsp:style>
+      <dsp:txBody>
+        <a:bodyPr spcFirstLastPara="0" vert="horz" wrap="square" lIns="0" tIns="0" rIns="0" bIns="0" numCol="1" spcCol="1270" anchor="ctr" anchorCtr="0">
+          <a:noAutofit/>
+        </a:bodyPr>
+        <a:lstStyle/>
+        <a:p>
+          <a:pPr lvl="0" algn="ctr" defTabSz="533400">
+            <a:lnSpc>
+              <a:spcPct val="90000"/>
+            </a:lnSpc>
+            <a:spcBef>
+              <a:spcPct val="0"/>
+            </a:spcBef>
+            <a:spcAft>
+              <a:spcPct val="35000"/>
+            </a:spcAft>
+          </a:pPr>
+          <a:endParaRPr lang="fr-FR" sz="1200" kern="1200"/>
+        </a:p>
+      </dsp:txBody>
+      <dsp:txXfrm>
+        <a:off x="4008075" y="3254456"/>
+        <a:ext cx="403936" cy="310102"/>
+      </dsp:txXfrm>
+    </dsp:sp>
+    <dsp:sp modelId="{57029F2B-C901-4E73-B66B-D494F113F112}">
+      <dsp:nvSpPr>
+        <dsp:cNvPr id="0" name=""/>
+        <dsp:cNvSpPr/>
+      </dsp:nvSpPr>
+      <dsp:spPr>
+        <a:xfrm>
+          <a:off x="4104453" y="3888427"/>
+          <a:ext cx="1368097" cy="532477"/>
+        </a:xfrm>
+        <a:prstGeom prst="ellipse">
+          <a:avLst/>
+        </a:prstGeom>
+        <a:gradFill rotWithShape="1">
+          <a:gsLst>
+            <a:gs pos="0">
+              <a:schemeClr val="accent6">
+                <a:tint val="65000"/>
+                <a:satMod val="270000"/>
+              </a:schemeClr>
+            </a:gs>
+            <a:gs pos="25000">
+              <a:schemeClr val="accent6">
+                <a:tint val="60000"/>
+                <a:satMod val="300000"/>
+              </a:schemeClr>
+            </a:gs>
+            <a:gs pos="100000">
+              <a:schemeClr val="accent6">
+                <a:tint val="29000"/>
+                <a:satMod val="400000"/>
+              </a:schemeClr>
+            </a:gs>
+          </a:gsLst>
+          <a:lin ang="16200000" scaled="1"/>
+        </a:gradFill>
+        <a:ln w="9525" cap="flat" cmpd="sng" algn="ctr">
+          <a:solidFill>
+            <a:schemeClr val="accent6">
+              <a:satMod val="150000"/>
+            </a:schemeClr>
+          </a:solidFill>
+          <a:prstDash val="solid"/>
+        </a:ln>
+        <a:effectLst>
+          <a:outerShdw blurRad="65500" dist="38100" dir="5400000" rotWithShape="0">
+            <a:srgbClr val="000000">
+              <a:alpha val="40000"/>
+            </a:srgbClr>
+          </a:outerShdw>
+        </a:effectLst>
+      </dsp:spPr>
+      <dsp:style>
+        <a:lnRef idx="1">
+          <a:schemeClr val="accent6"/>
+        </a:lnRef>
+        <a:fillRef idx="2">
+          <a:schemeClr val="accent6"/>
+        </a:fillRef>
+        <a:effectRef idx="1">
+          <a:schemeClr val="accent6"/>
+        </a:effectRef>
+        <a:fontRef idx="minor">
+          <a:schemeClr val="dk1"/>
+        </a:fontRef>
+      </dsp:style>
+      <dsp:txBody>
+        <a:bodyPr spcFirstLastPara="0" vert="horz" wrap="square" lIns="15240" tIns="15240" rIns="15240" bIns="15240" numCol="1" spcCol="1270" anchor="ctr" anchorCtr="0">
+          <a:noAutofit/>
+        </a:bodyPr>
+        <a:lstStyle/>
+        <a:p>
+          <a:pPr lvl="0" algn="ctr" defTabSz="533400">
+            <a:lnSpc>
+              <a:spcPct val="90000"/>
+            </a:lnSpc>
+            <a:spcBef>
+              <a:spcPct val="0"/>
+            </a:spcBef>
+            <a:spcAft>
+              <a:spcPct val="35000"/>
+            </a:spcAft>
+          </a:pPr>
+          <a:r>
+            <a:rPr lang="fr-FR" sz="1200" kern="1200" dirty="0" smtClean="0"/>
+            <a:t>Analyser</a:t>
+          </a:r>
+        </a:p>
+      </dsp:txBody>
+      <dsp:txXfrm>
+        <a:off x="4304806" y="3966406"/>
+        <a:ext cx="967391" cy="376519"/>
+      </dsp:txXfrm>
+    </dsp:sp>
+    <dsp:sp modelId="{DB595E4D-B805-4A4A-88B2-DF5095B26C26}">
+      <dsp:nvSpPr>
+        <dsp:cNvPr id="0" name=""/>
+        <dsp:cNvSpPr/>
+      </dsp:nvSpPr>
+      <dsp:spPr>
+        <a:xfrm rot="7359830">
+          <a:off x="2950554" y="3213944"/>
+          <a:ext cx="518312" cy="516836"/>
         </a:xfrm>
         <a:prstGeom prst="rightArrow">
           <a:avLst>
@@ -2502,19 +2690,19 @@
           <a:endParaRPr lang="fr-FR" sz="1200" kern="1200"/>
         </a:p>
       </dsp:txBody>
-      <dsp:txXfrm>
-        <a:off x="4008075" y="3254456"/>
-        <a:ext cx="403936" cy="310102"/>
+      <dsp:txXfrm rot="10800000">
+        <a:off x="3069921" y="3252046"/>
+        <a:ext cx="363261" cy="310102"/>
       </dsp:txXfrm>
     </dsp:sp>
-    <dsp:sp modelId="{57029F2B-C901-4E73-B66B-D494F113F112}">
+    <dsp:sp modelId="{CDF56BA1-CC1C-4AF6-9FD5-5ECAD45B1E19}">
       <dsp:nvSpPr>
         <dsp:cNvPr id="0" name=""/>
         <dsp:cNvSpPr/>
       </dsp:nvSpPr>
       <dsp:spPr>
         <a:xfrm>
-          <a:off x="4104453" y="3888427"/>
+          <a:off x="2088233" y="3888435"/>
           <a:ext cx="1368097" cy="532477"/>
         </a:xfrm>
         <a:prstGeom prst="ellipse">
@@ -2592,194 +2780,6 @@
           </a:pPr>
           <a:r>
             <a:rPr lang="fr-FR" sz="1200" kern="1200" dirty="0" smtClean="0"/>
-            <a:t>Analyser</a:t>
-          </a:r>
-        </a:p>
-      </dsp:txBody>
-      <dsp:txXfrm>
-        <a:off x="4304806" y="3966406"/>
-        <a:ext cx="967391" cy="376519"/>
-      </dsp:txXfrm>
-    </dsp:sp>
-    <dsp:sp modelId="{DB595E4D-B805-4A4A-88B2-DF5095B26C26}">
-      <dsp:nvSpPr>
-        <dsp:cNvPr id="0" name=""/>
-        <dsp:cNvSpPr/>
-      </dsp:nvSpPr>
-      <dsp:spPr>
-        <a:xfrm rot="7359830">
-          <a:off x="2950554" y="3213944"/>
-          <a:ext cx="518312" cy="516836"/>
-        </a:xfrm>
-        <a:prstGeom prst="rightArrow">
-          <a:avLst>
-            <a:gd name="adj1" fmla="val 60000"/>
-            <a:gd name="adj2" fmla="val 50000"/>
-          </a:avLst>
-        </a:prstGeom>
-        <a:gradFill rotWithShape="1">
-          <a:gsLst>
-            <a:gs pos="0">
-              <a:schemeClr val="accent6">
-                <a:tint val="65000"/>
-                <a:satMod val="270000"/>
-              </a:schemeClr>
-            </a:gs>
-            <a:gs pos="25000">
-              <a:schemeClr val="accent6">
-                <a:tint val="60000"/>
-                <a:satMod val="300000"/>
-              </a:schemeClr>
-            </a:gs>
-            <a:gs pos="100000">
-              <a:schemeClr val="accent6">
-                <a:tint val="29000"/>
-                <a:satMod val="400000"/>
-              </a:schemeClr>
-            </a:gs>
-          </a:gsLst>
-          <a:lin ang="16200000" scaled="1"/>
-        </a:gradFill>
-        <a:ln w="9525" cap="flat" cmpd="sng" algn="ctr">
-          <a:solidFill>
-            <a:schemeClr val="accent6">
-              <a:satMod val="150000"/>
-            </a:schemeClr>
-          </a:solidFill>
-          <a:prstDash val="solid"/>
-        </a:ln>
-        <a:effectLst>
-          <a:outerShdw blurRad="65500" dist="38100" dir="5400000" rotWithShape="0">
-            <a:srgbClr val="000000">
-              <a:alpha val="40000"/>
-            </a:srgbClr>
-          </a:outerShdw>
-        </a:effectLst>
-      </dsp:spPr>
-      <dsp:style>
-        <a:lnRef idx="1">
-          <a:schemeClr val="accent6"/>
-        </a:lnRef>
-        <a:fillRef idx="2">
-          <a:schemeClr val="accent6"/>
-        </a:fillRef>
-        <a:effectRef idx="1">
-          <a:schemeClr val="accent6"/>
-        </a:effectRef>
-        <a:fontRef idx="minor">
-          <a:schemeClr val="dk1"/>
-        </a:fontRef>
-      </dsp:style>
-      <dsp:txBody>
-        <a:bodyPr spcFirstLastPara="0" vert="horz" wrap="square" lIns="0" tIns="0" rIns="0" bIns="0" numCol="1" spcCol="1270" anchor="ctr" anchorCtr="0">
-          <a:noAutofit/>
-        </a:bodyPr>
-        <a:lstStyle/>
-        <a:p>
-          <a:pPr lvl="0" algn="ctr" defTabSz="533400">
-            <a:lnSpc>
-              <a:spcPct val="90000"/>
-            </a:lnSpc>
-            <a:spcBef>
-              <a:spcPct val="0"/>
-            </a:spcBef>
-            <a:spcAft>
-              <a:spcPct val="35000"/>
-            </a:spcAft>
-          </a:pPr>
-          <a:endParaRPr lang="fr-FR" sz="1200" kern="1200"/>
-        </a:p>
-      </dsp:txBody>
-      <dsp:txXfrm rot="10800000">
-        <a:off x="3069921" y="3252046"/>
-        <a:ext cx="363261" cy="310102"/>
-      </dsp:txXfrm>
-    </dsp:sp>
-    <dsp:sp modelId="{CDF56BA1-CC1C-4AF6-9FD5-5ECAD45B1E19}">
-      <dsp:nvSpPr>
-        <dsp:cNvPr id="0" name=""/>
-        <dsp:cNvSpPr/>
-      </dsp:nvSpPr>
-      <dsp:spPr>
-        <a:xfrm>
-          <a:off x="2088233" y="3888435"/>
-          <a:ext cx="1368097" cy="532477"/>
-        </a:xfrm>
-        <a:prstGeom prst="ellipse">
-          <a:avLst/>
-        </a:prstGeom>
-        <a:gradFill rotWithShape="1">
-          <a:gsLst>
-            <a:gs pos="0">
-              <a:schemeClr val="accent6">
-                <a:tint val="65000"/>
-                <a:satMod val="270000"/>
-              </a:schemeClr>
-            </a:gs>
-            <a:gs pos="25000">
-              <a:schemeClr val="accent6">
-                <a:tint val="60000"/>
-                <a:satMod val="300000"/>
-              </a:schemeClr>
-            </a:gs>
-            <a:gs pos="100000">
-              <a:schemeClr val="accent6">
-                <a:tint val="29000"/>
-                <a:satMod val="400000"/>
-              </a:schemeClr>
-            </a:gs>
-          </a:gsLst>
-          <a:lin ang="16200000" scaled="1"/>
-        </a:gradFill>
-        <a:ln w="9525" cap="flat" cmpd="sng" algn="ctr">
-          <a:solidFill>
-            <a:schemeClr val="accent6">
-              <a:satMod val="150000"/>
-            </a:schemeClr>
-          </a:solidFill>
-          <a:prstDash val="solid"/>
-        </a:ln>
-        <a:effectLst>
-          <a:outerShdw blurRad="65500" dist="38100" dir="5400000" rotWithShape="0">
-            <a:srgbClr val="000000">
-              <a:alpha val="40000"/>
-            </a:srgbClr>
-          </a:outerShdw>
-        </a:effectLst>
-      </dsp:spPr>
-      <dsp:style>
-        <a:lnRef idx="1">
-          <a:schemeClr val="accent6"/>
-        </a:lnRef>
-        <a:fillRef idx="2">
-          <a:schemeClr val="accent6"/>
-        </a:fillRef>
-        <a:effectRef idx="1">
-          <a:schemeClr val="accent6"/>
-        </a:effectRef>
-        <a:fontRef idx="minor">
-          <a:schemeClr val="dk1"/>
-        </a:fontRef>
-      </dsp:style>
-      <dsp:txBody>
-        <a:bodyPr spcFirstLastPara="0" vert="horz" wrap="square" lIns="15240" tIns="15240" rIns="15240" bIns="15240" numCol="1" spcCol="1270" anchor="ctr" anchorCtr="0">
-          <a:noAutofit/>
-        </a:bodyPr>
-        <a:lstStyle/>
-        <a:p>
-          <a:pPr lvl="0" algn="ctr" defTabSz="533400">
-            <a:lnSpc>
-              <a:spcPct val="90000"/>
-            </a:lnSpc>
-            <a:spcBef>
-              <a:spcPct val="0"/>
-            </a:spcBef>
-            <a:spcAft>
-              <a:spcPct val="35000"/>
-            </a:spcAft>
-          </a:pPr>
-          <a:r>
-            <a:rPr lang="fr-FR" sz="1200" kern="1200" dirty="0" smtClean="0"/>
             <a:t>Modéliser</a:t>
           </a:r>
         </a:p>
@@ -2808,19 +2808,19 @@
         <a:gradFill rotWithShape="1">
           <a:gsLst>
             <a:gs pos="0">
-              <a:schemeClr val="accent3">
+              <a:schemeClr val="accent1">
                 <a:tint val="65000"/>
                 <a:satMod val="270000"/>
               </a:schemeClr>
             </a:gs>
             <a:gs pos="25000">
-              <a:schemeClr val="accent3">
+              <a:schemeClr val="accent1">
                 <a:tint val="60000"/>
                 <a:satMod val="300000"/>
               </a:schemeClr>
             </a:gs>
             <a:gs pos="100000">
-              <a:schemeClr val="accent3">
+              <a:schemeClr val="accent1">
                 <a:tint val="29000"/>
                 <a:satMod val="400000"/>
               </a:schemeClr>
@@ -2830,7 +2830,7 @@
         </a:gradFill>
         <a:ln w="9525" cap="flat" cmpd="sng" algn="ctr">
           <a:solidFill>
-            <a:schemeClr val="accent3">
+            <a:schemeClr val="accent1">
               <a:satMod val="150000"/>
             </a:schemeClr>
           </a:solidFill>
@@ -2846,13 +2846,13 @@
       </dsp:spPr>
       <dsp:style>
         <a:lnRef idx="1">
-          <a:schemeClr val="accent3"/>
+          <a:schemeClr val="accent1"/>
         </a:lnRef>
         <a:fillRef idx="2">
-          <a:schemeClr val="accent3"/>
+          <a:schemeClr val="accent1"/>
         </a:fillRef>
         <a:effectRef idx="1">
-          <a:schemeClr val="accent3"/>
+          <a:schemeClr val="accent1"/>
         </a:effectRef>
         <a:fontRef idx="minor">
           <a:schemeClr val="dk1"/>
@@ -2899,19 +2899,19 @@
         <a:gradFill rotWithShape="1">
           <a:gsLst>
             <a:gs pos="0">
-              <a:schemeClr val="accent3">
+              <a:schemeClr val="accent1">
                 <a:tint val="65000"/>
                 <a:satMod val="270000"/>
               </a:schemeClr>
             </a:gs>
             <a:gs pos="25000">
-              <a:schemeClr val="accent3">
+              <a:schemeClr val="accent1">
                 <a:tint val="60000"/>
                 <a:satMod val="300000"/>
               </a:schemeClr>
             </a:gs>
             <a:gs pos="100000">
-              <a:schemeClr val="accent3">
+              <a:schemeClr val="accent1">
                 <a:tint val="29000"/>
                 <a:satMod val="400000"/>
               </a:schemeClr>
@@ -2921,7 +2921,7 @@
         </a:gradFill>
         <a:ln w="9525" cap="flat" cmpd="sng" algn="ctr">
           <a:solidFill>
-            <a:schemeClr val="accent3">
+            <a:schemeClr val="accent1">
               <a:satMod val="150000"/>
             </a:schemeClr>
           </a:solidFill>
@@ -2937,13 +2937,13 @@
       </dsp:spPr>
       <dsp:style>
         <a:lnRef idx="1">
-          <a:schemeClr val="accent3"/>
+          <a:schemeClr val="accent1"/>
         </a:lnRef>
         <a:fillRef idx="2">
-          <a:schemeClr val="accent3"/>
+          <a:schemeClr val="accent1"/>
         </a:fillRef>
         <a:effectRef idx="1">
-          <a:schemeClr val="accent3"/>
+          <a:schemeClr val="accent1"/>
         </a:effectRef>
         <a:fontRef idx="minor">
           <a:schemeClr val="dk1"/>
@@ -14554,7 +14554,7 @@
           <p:nvPr>
             <p:extLst>
               <p:ext uri="{D42A27DB-BD31-4B8C-83A1-F6EECF244321}">
-                <p14:modId xmlns:p14="http://schemas.microsoft.com/office/powerpoint/2010/main" val="2024688617"/>
+                <p14:modId xmlns:p14="http://schemas.microsoft.com/office/powerpoint/2010/main" val="3835086870"/>
               </p:ext>
             </p:extLst>
           </p:nvPr>

--- a/Ressources/Ecarts.pptx
+++ b/Ressources/Ecarts.pptx
@@ -16333,13 +16333,13 @@
         </p:spPr>
         <p:style>
           <a:lnRef idx="1">
-            <a:schemeClr val="accent1"/>
+            <a:schemeClr val="accent3"/>
           </a:lnRef>
           <a:fillRef idx="2">
-            <a:schemeClr val="accent1"/>
+            <a:schemeClr val="accent3"/>
           </a:fillRef>
           <a:effectRef idx="1">
-            <a:schemeClr val="accent1"/>
+            <a:schemeClr val="accent3"/>
           </a:effectRef>
           <a:fontRef idx="minor">
             <a:schemeClr val="dk1"/>
@@ -16351,7 +16351,7 @@
           <a:p>
             <a:pPr algn="ctr"/>
             <a:r>
-              <a:rPr lang="fr-FR" sz="1200" dirty="0" smtClean="0"/>
+              <a:rPr lang="fr-FR" sz="1200" dirty="0"/>
               <a:t>Choix de l’architecture globale du système</a:t>
             </a:r>
             <a:endParaRPr lang="fr-FR" sz="1200" dirty="0"/>
@@ -16368,48 +16368,6 @@
           <a:xfrm>
             <a:off x="-468560" y="3368035"/>
             <a:ext cx="1476000" cy="540000"/>
-          </a:xfrm>
-          <a:prstGeom prst="rect">
-            <a:avLst/>
-          </a:prstGeom>
-        </p:spPr>
-        <p:style>
-          <a:lnRef idx="1">
-            <a:schemeClr val="accent1"/>
-          </a:lnRef>
-          <a:fillRef idx="2">
-            <a:schemeClr val="accent1"/>
-          </a:fillRef>
-          <a:effectRef idx="1">
-            <a:schemeClr val="accent1"/>
-          </a:effectRef>
-          <a:fontRef idx="minor">
-            <a:schemeClr val="dk1"/>
-          </a:fontRef>
-        </p:style>
-        <p:txBody>
-          <a:bodyPr rtlCol="0" anchor="ctr"/>
-          <a:lstStyle/>
-          <a:p>
-            <a:pPr algn="ctr"/>
-            <a:r>
-              <a:rPr lang="fr-FR" sz="1200" dirty="0" smtClean="0"/>
-              <a:t>Choix de l’architecture détaillée du système</a:t>
-            </a:r>
-            <a:endParaRPr lang="fr-FR" sz="1200" dirty="0"/>
-          </a:p>
-        </p:txBody>
-      </p:sp>
-      <p:sp>
-        <p:nvSpPr>
-          <p:cNvPr id="16" name="Rectangle 15"/>
-          <p:cNvSpPr/>
-          <p:nvPr/>
-        </p:nvSpPr>
-        <p:spPr>
-          <a:xfrm>
-            <a:off x="8424000" y="2866239"/>
-            <a:ext cx="1440000" cy="540000"/>
           </a:xfrm>
           <a:prstGeom prst="rect">
             <a:avLst/>
@@ -16435,8 +16393,8 @@
           <a:p>
             <a:pPr algn="ctr"/>
             <a:r>
-              <a:rPr lang="fr-FR" sz="1200" dirty="0" smtClean="0"/>
-              <a:t>Sous-systèmes réalisés</a:t>
+              <a:rPr lang="fr-FR" sz="1200" dirty="0"/>
+              <a:t>Choix de l’architecture détaillée du système</a:t>
             </a:r>
             <a:endParaRPr lang="fr-FR" sz="1200" dirty="0"/>
           </a:p>
@@ -16444,13 +16402,13 @@
       </p:sp>
       <p:sp>
         <p:nvSpPr>
-          <p:cNvPr id="17" name="Rectangle 16"/>
+          <p:cNvPr id="16" name="Rectangle 15"/>
           <p:cNvSpPr/>
           <p:nvPr/>
         </p:nvSpPr>
         <p:spPr>
           <a:xfrm>
-            <a:off x="10188624" y="949984"/>
+            <a:off x="8424000" y="2866239"/>
             <a:ext cx="1440000" cy="540000"/>
           </a:xfrm>
           <a:prstGeom prst="rect">
@@ -16478,6 +16436,48 @@
             <a:pPr algn="ctr"/>
             <a:r>
               <a:rPr lang="fr-FR" sz="1200" dirty="0" smtClean="0"/>
+              <a:t>Sous-systèmes réalisés</a:t>
+            </a:r>
+            <a:endParaRPr lang="fr-FR" sz="1200" dirty="0"/>
+          </a:p>
+        </p:txBody>
+      </p:sp>
+      <p:sp>
+        <p:nvSpPr>
+          <p:cNvPr id="17" name="Rectangle 16"/>
+          <p:cNvSpPr/>
+          <p:nvPr/>
+        </p:nvSpPr>
+        <p:spPr>
+          <a:xfrm>
+            <a:off x="10188624" y="949984"/>
+            <a:ext cx="1440000" cy="540000"/>
+          </a:xfrm>
+          <a:prstGeom prst="rect">
+            <a:avLst/>
+          </a:prstGeom>
+        </p:spPr>
+        <p:style>
+          <a:lnRef idx="1">
+            <a:schemeClr val="accent3"/>
+          </a:lnRef>
+          <a:fillRef idx="2">
+            <a:schemeClr val="accent3"/>
+          </a:fillRef>
+          <a:effectRef idx="1">
+            <a:schemeClr val="accent3"/>
+          </a:effectRef>
+          <a:fontRef idx="minor">
+            <a:schemeClr val="dk1"/>
+          </a:fontRef>
+        </p:style>
+        <p:txBody>
+          <a:bodyPr rtlCol="0" anchor="ctr"/>
+          <a:lstStyle/>
+          <a:p>
+            <a:pPr algn="ctr"/>
+            <a:r>
+              <a:rPr lang="fr-FR" sz="1200" dirty="0" smtClean="0"/>
               <a:t>Système réalisé</a:t>
             </a:r>
             <a:endParaRPr lang="fr-FR" sz="1200" dirty="0"/>
@@ -16711,48 +16711,6 @@
         </p:spPr>
         <p:style>
           <a:lnRef idx="1">
-            <a:schemeClr val="accent1"/>
-          </a:lnRef>
-          <a:fillRef idx="2">
-            <a:schemeClr val="accent1"/>
-          </a:fillRef>
-          <a:effectRef idx="1">
-            <a:schemeClr val="accent1"/>
-          </a:effectRef>
-          <a:fontRef idx="minor">
-            <a:schemeClr val="dk1"/>
-          </a:fontRef>
-        </p:style>
-        <p:txBody>
-          <a:bodyPr rtlCol="0" anchor="ctr"/>
-          <a:lstStyle/>
-          <a:p>
-            <a:pPr algn="ctr"/>
-            <a:r>
-              <a:rPr lang="fr-FR" sz="1400" i="1" dirty="0" smtClean="0"/>
-              <a:t>Conception</a:t>
-            </a:r>
-            <a:endParaRPr lang="fr-FR" sz="1400" i="1" dirty="0"/>
-          </a:p>
-        </p:txBody>
-      </p:sp>
-      <p:sp>
-        <p:nvSpPr>
-          <p:cNvPr id="24" name="Flèche droite 23"/>
-          <p:cNvSpPr/>
-          <p:nvPr/>
-        </p:nvSpPr>
-        <p:spPr>
-          <a:xfrm>
-            <a:off x="3145559" y="4400329"/>
-            <a:ext cx="2671700" cy="864096"/>
-          </a:xfrm>
-          <a:prstGeom prst="rightArrow">
-            <a:avLst/>
-          </a:prstGeom>
-        </p:spPr>
-        <p:style>
-          <a:lnRef idx="1">
             <a:schemeClr val="accent3"/>
           </a:lnRef>
           <a:fillRef idx="2">
@@ -16771,8 +16729,8 @@
           <a:p>
             <a:pPr algn="ctr"/>
             <a:r>
-              <a:rPr lang="fr-FR" sz="1400" b="1" i="1" dirty="0" smtClean="0"/>
-              <a:t>Réalisation</a:t>
+              <a:rPr lang="fr-FR" sz="1400" b="1" i="1" dirty="0"/>
+              <a:t>Conception</a:t>
             </a:r>
             <a:endParaRPr lang="fr-FR" sz="1400" b="1" i="1" dirty="0"/>
           </a:p>
@@ -17323,6 +17281,96 @@
           </a:fontRef>
         </p:style>
       </p:cxnSp>
+      <p:sp>
+        <p:nvSpPr>
+          <p:cNvPr id="2" name="Rectangle 1"/>
+          <p:cNvSpPr/>
+          <p:nvPr/>
+        </p:nvSpPr>
+        <p:spPr>
+          <a:xfrm>
+            <a:off x="-2988840" y="0"/>
+            <a:ext cx="14761640" cy="5445224"/>
+          </a:xfrm>
+          <a:prstGeom prst="rect">
+            <a:avLst/>
+          </a:prstGeom>
+          <a:solidFill>
+            <a:schemeClr val="bg1">
+              <a:alpha val="60000"/>
+            </a:schemeClr>
+          </a:solidFill>
+          <a:ln>
+            <a:noFill/>
+          </a:ln>
+        </p:spPr>
+        <p:style>
+          <a:lnRef idx="2">
+            <a:schemeClr val="accent1">
+              <a:shade val="50000"/>
+            </a:schemeClr>
+          </a:lnRef>
+          <a:fillRef idx="1">
+            <a:schemeClr val="accent1"/>
+          </a:fillRef>
+          <a:effectRef idx="0">
+            <a:schemeClr val="accent1"/>
+          </a:effectRef>
+          <a:fontRef idx="minor">
+            <a:schemeClr val="lt1"/>
+          </a:fontRef>
+        </p:style>
+        <p:txBody>
+          <a:bodyPr rtlCol="0" anchor="ctr"/>
+          <a:lstStyle/>
+          <a:p>
+            <a:pPr algn="ctr"/>
+            <a:endParaRPr lang="fr-FR"/>
+          </a:p>
+        </p:txBody>
+      </p:sp>
+      <p:sp>
+        <p:nvSpPr>
+          <p:cNvPr id="24" name="Flèche droite 23"/>
+          <p:cNvSpPr/>
+          <p:nvPr/>
+        </p:nvSpPr>
+        <p:spPr>
+          <a:xfrm>
+            <a:off x="3145559" y="4400329"/>
+            <a:ext cx="2671700" cy="864096"/>
+          </a:xfrm>
+          <a:prstGeom prst="rightArrow">
+            <a:avLst/>
+          </a:prstGeom>
+        </p:spPr>
+        <p:style>
+          <a:lnRef idx="1">
+            <a:schemeClr val="accent1"/>
+          </a:lnRef>
+          <a:fillRef idx="2">
+            <a:schemeClr val="accent1"/>
+          </a:fillRef>
+          <a:effectRef idx="1">
+            <a:schemeClr val="accent1"/>
+          </a:effectRef>
+          <a:fontRef idx="minor">
+            <a:schemeClr val="dk1"/>
+          </a:fontRef>
+        </p:style>
+        <p:txBody>
+          <a:bodyPr rtlCol="0" anchor="ctr"/>
+          <a:lstStyle/>
+          <a:p>
+            <a:pPr algn="ctr"/>
+            <a:r>
+              <a:rPr lang="fr-FR" sz="2400" b="1" i="1" dirty="0" smtClean="0"/>
+              <a:t>Réalisation</a:t>
+            </a:r>
+            <a:endParaRPr lang="fr-FR" sz="2400" b="1" i="1" dirty="0"/>
+          </a:p>
+        </p:txBody>
+      </p:sp>
     </p:spTree>
     <p:extLst>
       <p:ext uri="{BB962C8B-B14F-4D97-AF65-F5344CB8AC3E}">

--- a/Ressources/Ecarts.pptx
+++ b/Ressources/Ecarts.pptx
@@ -6,12 +6,13 @@
   </p:sldMasterIdLst>
   <p:sldIdLst>
     <p:sldId id="257" r:id="rId2"/>
-    <p:sldId id="262" r:id="rId3"/>
-    <p:sldId id="261" r:id="rId4"/>
-    <p:sldId id="263" r:id="rId5"/>
-    <p:sldId id="259" r:id="rId6"/>
-    <p:sldId id="258" r:id="rId7"/>
-    <p:sldId id="260" r:id="rId8"/>
+    <p:sldId id="264" r:id="rId3"/>
+    <p:sldId id="262" r:id="rId4"/>
+    <p:sldId id="261" r:id="rId5"/>
+    <p:sldId id="263" r:id="rId6"/>
+    <p:sldId id="259" r:id="rId7"/>
+    <p:sldId id="258" r:id="rId8"/>
+    <p:sldId id="260" r:id="rId9"/>
   </p:sldIdLst>
   <p:sldSz cx="9144000" cy="6858000" type="screen4x3"/>
   <p:notesSz cx="6858000" cy="9144000"/>
@@ -1063,13 +1064,13 @@
       <dgm:prSet phldrT="[Texte]" custT="1">
         <dgm:style>
           <a:lnRef idx="1">
-            <a:schemeClr val="accent6"/>
+            <a:schemeClr val="accent1"/>
           </a:lnRef>
           <a:fillRef idx="2">
-            <a:schemeClr val="accent6"/>
+            <a:schemeClr val="accent1"/>
           </a:fillRef>
           <a:effectRef idx="1">
-            <a:schemeClr val="accent6"/>
+            <a:schemeClr val="accent1"/>
           </a:effectRef>
           <a:fontRef idx="minor">
             <a:schemeClr val="dk1"/>
@@ -1093,13 +1094,13 @@
       <dgm:prSet custT="1">
         <dgm:style>
           <a:lnRef idx="1">
-            <a:schemeClr val="accent6"/>
+            <a:schemeClr val="accent1"/>
           </a:lnRef>
           <a:fillRef idx="2">
-            <a:schemeClr val="accent6"/>
+            <a:schemeClr val="accent1"/>
           </a:fillRef>
           <a:effectRef idx="1">
-            <a:schemeClr val="accent6"/>
+            <a:schemeClr val="accent1"/>
           </a:effectRef>
           <a:fontRef idx="minor">
             <a:schemeClr val="dk1"/>
@@ -1130,13 +1131,13 @@
       <dgm:prSet phldrT="[Texte]" custT="1">
         <dgm:style>
           <a:lnRef idx="1">
-            <a:schemeClr val="accent1"/>
+            <a:schemeClr val="accent3"/>
           </a:lnRef>
           <a:fillRef idx="2">
-            <a:schemeClr val="accent1"/>
+            <a:schemeClr val="accent3"/>
           </a:fillRef>
           <a:effectRef idx="1">
-            <a:schemeClr val="accent1"/>
+            <a:schemeClr val="accent3"/>
           </a:effectRef>
           <a:fontRef idx="minor">
             <a:schemeClr val="dk1"/>
@@ -1159,13 +1160,13 @@
       <dgm:prSet custT="1">
         <dgm:style>
           <a:lnRef idx="1">
-            <a:schemeClr val="accent1"/>
+            <a:schemeClr val="accent3"/>
           </a:lnRef>
           <a:fillRef idx="2">
-            <a:schemeClr val="accent1"/>
+            <a:schemeClr val="accent3"/>
           </a:fillRef>
           <a:effectRef idx="1">
-            <a:schemeClr val="accent1"/>
+            <a:schemeClr val="accent3"/>
           </a:effectRef>
           <a:fontRef idx="minor">
             <a:schemeClr val="dk1"/>
@@ -1196,13 +1197,13 @@
       <dgm:prSet phldrT="[Texte]" custT="1">
         <dgm:style>
           <a:lnRef idx="1">
-            <a:schemeClr val="accent6"/>
+            <a:schemeClr val="accent1"/>
           </a:lnRef>
           <a:fillRef idx="2">
-            <a:schemeClr val="accent6"/>
+            <a:schemeClr val="accent1"/>
           </a:fillRef>
           <a:effectRef idx="1">
-            <a:schemeClr val="accent6"/>
+            <a:schemeClr val="accent1"/>
           </a:effectRef>
           <a:fontRef idx="minor">
             <a:schemeClr val="dk1"/>
@@ -1214,6 +1215,7 @@
         <a:bodyPr/>
         <a:lstStyle/>
         <a:p>
+          <a:pPr algn="ctr"/>
           <a:r>
             <a:rPr lang="fr-FR" sz="1200" dirty="0" smtClean="0"/>
             <a:t>Analyser</a:t>
@@ -1225,13 +1227,13 @@
       <dgm:prSet custT="1">
         <dgm:style>
           <a:lnRef idx="1">
-            <a:schemeClr val="accent6"/>
+            <a:schemeClr val="accent1"/>
           </a:lnRef>
           <a:fillRef idx="2">
-            <a:schemeClr val="accent6"/>
+            <a:schemeClr val="accent1"/>
           </a:fillRef>
           <a:effectRef idx="1">
-            <a:schemeClr val="accent6"/>
+            <a:schemeClr val="accent1"/>
           </a:effectRef>
           <a:fontRef idx="minor">
             <a:schemeClr val="dk1"/>
@@ -1328,13 +1330,13 @@
       <dgm:prSet phldrT="[Texte]" custT="1">
         <dgm:style>
           <a:lnRef idx="1">
-            <a:schemeClr val="accent1"/>
+            <a:schemeClr val="accent6"/>
           </a:lnRef>
           <a:fillRef idx="2">
-            <a:schemeClr val="accent1"/>
+            <a:schemeClr val="accent6"/>
           </a:fillRef>
           <a:effectRef idx="1">
-            <a:schemeClr val="accent1"/>
+            <a:schemeClr val="accent6"/>
           </a:effectRef>
           <a:fontRef idx="minor">
             <a:schemeClr val="dk1"/>
@@ -1357,13 +1359,13 @@
       <dgm:prSet custT="1">
         <dgm:style>
           <a:lnRef idx="1">
-            <a:schemeClr val="accent1"/>
+            <a:schemeClr val="accent6"/>
           </a:lnRef>
           <a:fillRef idx="2">
-            <a:schemeClr val="accent1"/>
+            <a:schemeClr val="accent6"/>
           </a:fillRef>
           <a:effectRef idx="1">
-            <a:schemeClr val="accent1"/>
+            <a:schemeClr val="accent6"/>
           </a:effectRef>
           <a:fontRef idx="minor">
             <a:schemeClr val="dk1"/>
@@ -2243,19 +2245,19 @@
         <a:gradFill rotWithShape="1">
           <a:gsLst>
             <a:gs pos="0">
-              <a:schemeClr val="accent6">
+              <a:schemeClr val="accent1">
                 <a:tint val="65000"/>
                 <a:satMod val="270000"/>
               </a:schemeClr>
             </a:gs>
             <a:gs pos="25000">
-              <a:schemeClr val="accent6">
+              <a:schemeClr val="accent1">
                 <a:tint val="60000"/>
                 <a:satMod val="300000"/>
               </a:schemeClr>
             </a:gs>
             <a:gs pos="100000">
-              <a:schemeClr val="accent6">
+              <a:schemeClr val="accent1">
                 <a:tint val="29000"/>
                 <a:satMod val="400000"/>
               </a:schemeClr>
@@ -2265,7 +2267,7 @@
         </a:gradFill>
         <a:ln w="9525" cap="flat" cmpd="sng" algn="ctr">
           <a:solidFill>
-            <a:schemeClr val="accent6">
+            <a:schemeClr val="accent1">
               <a:satMod val="150000"/>
             </a:schemeClr>
           </a:solidFill>
@@ -2281,13 +2283,13 @@
       </dsp:spPr>
       <dsp:style>
         <a:lnRef idx="1">
-          <a:schemeClr val="accent6"/>
+          <a:schemeClr val="accent1"/>
         </a:lnRef>
         <a:fillRef idx="2">
-          <a:schemeClr val="accent6"/>
+          <a:schemeClr val="accent1"/>
         </a:fillRef>
         <a:effectRef idx="1">
-          <a:schemeClr val="accent6"/>
+          <a:schemeClr val="accent1"/>
         </a:effectRef>
         <a:fontRef idx="minor">
           <a:schemeClr val="dk1"/>
@@ -2334,19 +2336,19 @@
         <a:gradFill rotWithShape="1">
           <a:gsLst>
             <a:gs pos="0">
-              <a:schemeClr val="accent6">
+              <a:schemeClr val="accent1">
                 <a:tint val="65000"/>
                 <a:satMod val="270000"/>
               </a:schemeClr>
             </a:gs>
             <a:gs pos="25000">
-              <a:schemeClr val="accent6">
+              <a:schemeClr val="accent1">
                 <a:tint val="60000"/>
                 <a:satMod val="300000"/>
               </a:schemeClr>
             </a:gs>
             <a:gs pos="100000">
-              <a:schemeClr val="accent6">
+              <a:schemeClr val="accent1">
                 <a:tint val="29000"/>
                 <a:satMod val="400000"/>
               </a:schemeClr>
@@ -2356,7 +2358,7 @@
         </a:gradFill>
         <a:ln w="9525" cap="flat" cmpd="sng" algn="ctr">
           <a:solidFill>
-            <a:schemeClr val="accent6">
+            <a:schemeClr val="accent1">
               <a:satMod val="150000"/>
             </a:schemeClr>
           </a:solidFill>
@@ -2372,13 +2374,13 @@
       </dsp:spPr>
       <dsp:style>
         <a:lnRef idx="1">
-          <a:schemeClr val="accent6"/>
+          <a:schemeClr val="accent1"/>
         </a:lnRef>
         <a:fillRef idx="2">
-          <a:schemeClr val="accent6"/>
+          <a:schemeClr val="accent1"/>
         </a:fillRef>
         <a:effectRef idx="1">
-          <a:schemeClr val="accent6"/>
+          <a:schemeClr val="accent1"/>
         </a:effectRef>
         <a:fontRef idx="minor">
           <a:schemeClr val="dk1"/>
@@ -2432,19 +2434,19 @@
         <a:gradFill rotWithShape="1">
           <a:gsLst>
             <a:gs pos="0">
-              <a:schemeClr val="accent6">
+              <a:schemeClr val="accent1">
                 <a:tint val="65000"/>
                 <a:satMod val="270000"/>
               </a:schemeClr>
             </a:gs>
             <a:gs pos="25000">
-              <a:schemeClr val="accent6">
+              <a:schemeClr val="accent1">
                 <a:tint val="60000"/>
                 <a:satMod val="300000"/>
               </a:schemeClr>
             </a:gs>
             <a:gs pos="100000">
-              <a:schemeClr val="accent6">
+              <a:schemeClr val="accent1">
                 <a:tint val="29000"/>
                 <a:satMod val="400000"/>
               </a:schemeClr>
@@ -2454,7 +2456,7 @@
         </a:gradFill>
         <a:ln w="9525" cap="flat" cmpd="sng" algn="ctr">
           <a:solidFill>
-            <a:schemeClr val="accent6">
+            <a:schemeClr val="accent1">
               <a:satMod val="150000"/>
             </a:schemeClr>
           </a:solidFill>
@@ -2470,13 +2472,13 @@
       </dsp:spPr>
       <dsp:style>
         <a:lnRef idx="1">
-          <a:schemeClr val="accent6"/>
+          <a:schemeClr val="accent1"/>
         </a:lnRef>
         <a:fillRef idx="2">
-          <a:schemeClr val="accent6"/>
+          <a:schemeClr val="accent1"/>
         </a:fillRef>
         <a:effectRef idx="1">
-          <a:schemeClr val="accent6"/>
+          <a:schemeClr val="accent1"/>
         </a:effectRef>
         <a:fontRef idx="minor">
           <a:schemeClr val="dk1"/>
@@ -2523,19 +2525,19 @@
         <a:gradFill rotWithShape="1">
           <a:gsLst>
             <a:gs pos="0">
-              <a:schemeClr val="accent6">
+              <a:schemeClr val="accent1">
                 <a:tint val="65000"/>
                 <a:satMod val="270000"/>
               </a:schemeClr>
             </a:gs>
             <a:gs pos="25000">
-              <a:schemeClr val="accent6">
+              <a:schemeClr val="accent1">
                 <a:tint val="60000"/>
                 <a:satMod val="300000"/>
               </a:schemeClr>
             </a:gs>
             <a:gs pos="100000">
-              <a:schemeClr val="accent6">
+              <a:schemeClr val="accent1">
                 <a:tint val="29000"/>
                 <a:satMod val="400000"/>
               </a:schemeClr>
@@ -2545,7 +2547,7 @@
         </a:gradFill>
         <a:ln w="9525" cap="flat" cmpd="sng" algn="ctr">
           <a:solidFill>
-            <a:schemeClr val="accent6">
+            <a:schemeClr val="accent1">
               <a:satMod val="150000"/>
             </a:schemeClr>
           </a:solidFill>
@@ -2561,13 +2563,13 @@
       </dsp:spPr>
       <dsp:style>
         <a:lnRef idx="1">
-          <a:schemeClr val="accent6"/>
+          <a:schemeClr val="accent1"/>
         </a:lnRef>
         <a:fillRef idx="2">
-          <a:schemeClr val="accent6"/>
+          <a:schemeClr val="accent1"/>
         </a:fillRef>
         <a:effectRef idx="1">
-          <a:schemeClr val="accent6"/>
+          <a:schemeClr val="accent1"/>
         </a:effectRef>
         <a:fontRef idx="minor">
           <a:schemeClr val="dk1"/>
@@ -2808,19 +2810,19 @@
         <a:gradFill rotWithShape="1">
           <a:gsLst>
             <a:gs pos="0">
-              <a:schemeClr val="accent1">
+              <a:schemeClr val="accent6">
                 <a:tint val="65000"/>
                 <a:satMod val="270000"/>
               </a:schemeClr>
             </a:gs>
             <a:gs pos="25000">
-              <a:schemeClr val="accent1">
+              <a:schemeClr val="accent6">
                 <a:tint val="60000"/>
                 <a:satMod val="300000"/>
               </a:schemeClr>
             </a:gs>
             <a:gs pos="100000">
-              <a:schemeClr val="accent1">
+              <a:schemeClr val="accent6">
                 <a:tint val="29000"/>
                 <a:satMod val="400000"/>
               </a:schemeClr>
@@ -2830,7 +2832,7 @@
         </a:gradFill>
         <a:ln w="9525" cap="flat" cmpd="sng" algn="ctr">
           <a:solidFill>
-            <a:schemeClr val="accent1">
+            <a:schemeClr val="accent6">
               <a:satMod val="150000"/>
             </a:schemeClr>
           </a:solidFill>
@@ -2846,13 +2848,13 @@
       </dsp:spPr>
       <dsp:style>
         <a:lnRef idx="1">
-          <a:schemeClr val="accent1"/>
+          <a:schemeClr val="accent6"/>
         </a:lnRef>
         <a:fillRef idx="2">
-          <a:schemeClr val="accent1"/>
+          <a:schemeClr val="accent6"/>
         </a:fillRef>
         <a:effectRef idx="1">
-          <a:schemeClr val="accent1"/>
+          <a:schemeClr val="accent6"/>
         </a:effectRef>
         <a:fontRef idx="minor">
           <a:schemeClr val="dk1"/>
@@ -2899,19 +2901,19 @@
         <a:gradFill rotWithShape="1">
           <a:gsLst>
             <a:gs pos="0">
-              <a:schemeClr val="accent1">
+              <a:schemeClr val="accent6">
                 <a:tint val="65000"/>
                 <a:satMod val="270000"/>
               </a:schemeClr>
             </a:gs>
             <a:gs pos="25000">
-              <a:schemeClr val="accent1">
+              <a:schemeClr val="accent6">
                 <a:tint val="60000"/>
                 <a:satMod val="300000"/>
               </a:schemeClr>
             </a:gs>
             <a:gs pos="100000">
-              <a:schemeClr val="accent1">
+              <a:schemeClr val="accent6">
                 <a:tint val="29000"/>
                 <a:satMod val="400000"/>
               </a:schemeClr>
@@ -2921,7 +2923,7 @@
         </a:gradFill>
         <a:ln w="9525" cap="flat" cmpd="sng" algn="ctr">
           <a:solidFill>
-            <a:schemeClr val="accent1">
+            <a:schemeClr val="accent6">
               <a:satMod val="150000"/>
             </a:schemeClr>
           </a:solidFill>
@@ -2937,13 +2939,13 @@
       </dsp:spPr>
       <dsp:style>
         <a:lnRef idx="1">
-          <a:schemeClr val="accent1"/>
+          <a:schemeClr val="accent6"/>
         </a:lnRef>
         <a:fillRef idx="2">
-          <a:schemeClr val="accent1"/>
+          <a:schemeClr val="accent6"/>
         </a:fillRef>
         <a:effectRef idx="1">
-          <a:schemeClr val="accent1"/>
+          <a:schemeClr val="accent6"/>
         </a:effectRef>
         <a:fontRef idx="minor">
           <a:schemeClr val="dk1"/>
@@ -2996,19 +2998,19 @@
         <a:gradFill rotWithShape="1">
           <a:gsLst>
             <a:gs pos="0">
-              <a:schemeClr val="accent1">
+              <a:schemeClr val="accent3">
                 <a:tint val="65000"/>
                 <a:satMod val="270000"/>
               </a:schemeClr>
             </a:gs>
             <a:gs pos="25000">
-              <a:schemeClr val="accent1">
+              <a:schemeClr val="accent3">
                 <a:tint val="60000"/>
                 <a:satMod val="300000"/>
               </a:schemeClr>
             </a:gs>
             <a:gs pos="100000">
-              <a:schemeClr val="accent1">
+              <a:schemeClr val="accent3">
                 <a:tint val="29000"/>
                 <a:satMod val="400000"/>
               </a:schemeClr>
@@ -3018,7 +3020,7 @@
         </a:gradFill>
         <a:ln w="9525" cap="flat" cmpd="sng" algn="ctr">
           <a:solidFill>
-            <a:schemeClr val="accent1">
+            <a:schemeClr val="accent3">
               <a:satMod val="150000"/>
             </a:schemeClr>
           </a:solidFill>
@@ -3034,13 +3036,13 @@
       </dsp:spPr>
       <dsp:style>
         <a:lnRef idx="1">
-          <a:schemeClr val="accent1"/>
+          <a:schemeClr val="accent3"/>
         </a:lnRef>
         <a:fillRef idx="2">
-          <a:schemeClr val="accent1"/>
+          <a:schemeClr val="accent3"/>
         </a:fillRef>
         <a:effectRef idx="1">
-          <a:schemeClr val="accent1"/>
+          <a:schemeClr val="accent3"/>
         </a:effectRef>
         <a:fontRef idx="minor">
           <a:schemeClr val="dk1"/>
@@ -3087,19 +3089,19 @@
         <a:gradFill rotWithShape="1">
           <a:gsLst>
             <a:gs pos="0">
-              <a:schemeClr val="accent1">
+              <a:schemeClr val="accent3">
                 <a:tint val="65000"/>
                 <a:satMod val="270000"/>
               </a:schemeClr>
             </a:gs>
             <a:gs pos="25000">
-              <a:schemeClr val="accent1">
+              <a:schemeClr val="accent3">
                 <a:tint val="60000"/>
                 <a:satMod val="300000"/>
               </a:schemeClr>
             </a:gs>
             <a:gs pos="100000">
-              <a:schemeClr val="accent1">
+              <a:schemeClr val="accent3">
                 <a:tint val="29000"/>
                 <a:satMod val="400000"/>
               </a:schemeClr>
@@ -3109,7 +3111,7 @@
         </a:gradFill>
         <a:ln w="9525" cap="flat" cmpd="sng" algn="ctr">
           <a:solidFill>
-            <a:schemeClr val="accent1">
+            <a:schemeClr val="accent3">
               <a:satMod val="150000"/>
             </a:schemeClr>
           </a:solidFill>
@@ -3125,13 +3127,13 @@
       </dsp:spPr>
       <dsp:style>
         <a:lnRef idx="1">
-          <a:schemeClr val="accent1"/>
+          <a:schemeClr val="accent3"/>
         </a:lnRef>
         <a:fillRef idx="2">
-          <a:schemeClr val="accent1"/>
+          <a:schemeClr val="accent3"/>
         </a:fillRef>
         <a:effectRef idx="1">
-          <a:schemeClr val="accent1"/>
+          <a:schemeClr val="accent3"/>
         </a:effectRef>
         <a:fontRef idx="minor">
           <a:schemeClr val="dk1"/>
@@ -14547,38 +14549,669 @@
           <a:chExt cx="0" cy="0"/>
         </a:xfrm>
       </p:grpSpPr>
-      <p:graphicFrame>
-        <p:nvGraphicFramePr>
-          <p:cNvPr id="5" name="Diagramme 4"/>
-          <p:cNvGraphicFramePr/>
-          <p:nvPr>
-            <p:extLst>
-              <p:ext uri="{D42A27DB-BD31-4B8C-83A1-F6EECF244321}">
-                <p14:modId xmlns:p14="http://schemas.microsoft.com/office/powerpoint/2010/main" val="3835086870"/>
-              </p:ext>
-            </p:extLst>
-          </p:nvPr>
-        </p:nvGraphicFramePr>
-        <p:xfrm>
-          <a:off x="251520" y="188640"/>
-          <a:ext cx="7368480" cy="5272360"/>
-        </p:xfrm>
-        <a:graphic>
-          <a:graphicData uri="http://schemas.openxmlformats.org/drawingml/2006/diagram">
-            <dgm:relIds xmlns:dgm="http://schemas.openxmlformats.org/drawingml/2006/diagram" xmlns:r="http://schemas.openxmlformats.org/officeDocument/2006/relationships" r:dm="rId2" r:lo="rId3" r:qs="rId4" r:cs="rId5"/>
-          </a:graphicData>
-        </a:graphic>
-      </p:graphicFrame>
+      <p:sp>
+        <p:nvSpPr>
+          <p:cNvPr id="4" name="Flèche droite 3"/>
+          <p:cNvSpPr/>
+          <p:nvPr/>
+        </p:nvSpPr>
+        <p:spPr>
+          <a:xfrm>
+            <a:off x="2771800" y="1772816"/>
+            <a:ext cx="3037584" cy="716632"/>
+          </a:xfrm>
+          <a:prstGeom prst="rightArrow">
+            <a:avLst/>
+          </a:prstGeom>
+        </p:spPr>
+        <p:style>
+          <a:lnRef idx="1">
+            <a:schemeClr val="accent5"/>
+          </a:lnRef>
+          <a:fillRef idx="2">
+            <a:schemeClr val="accent5"/>
+          </a:fillRef>
+          <a:effectRef idx="1">
+            <a:schemeClr val="accent5"/>
+          </a:effectRef>
+          <a:fontRef idx="minor">
+            <a:schemeClr val="dk1"/>
+          </a:fontRef>
+        </p:style>
+        <p:txBody>
+          <a:bodyPr rtlCol="0" anchor="ctr"/>
+          <a:lstStyle/>
+          <a:p>
+            <a:pPr algn="ctr"/>
+            <a:r>
+              <a:rPr lang="fr-FR" dirty="0" smtClean="0">
+                <a:solidFill>
+                  <a:prstClr val="black"/>
+                </a:solidFill>
+              </a:rPr>
+              <a:t>Domaine du client</a:t>
+            </a:r>
+            <a:endParaRPr lang="fr-FR" dirty="0">
+              <a:solidFill>
+                <a:prstClr val="black"/>
+              </a:solidFill>
+            </a:endParaRPr>
+          </a:p>
+        </p:txBody>
+      </p:sp>
+      <p:sp>
+        <p:nvSpPr>
+          <p:cNvPr id="13" name="Flèche droite 12"/>
+          <p:cNvSpPr/>
+          <p:nvPr/>
+        </p:nvSpPr>
+        <p:spPr>
+          <a:xfrm>
+            <a:off x="2771800" y="3780534"/>
+            <a:ext cx="3037584" cy="716632"/>
+          </a:xfrm>
+          <a:prstGeom prst="rightArrow">
+            <a:avLst/>
+          </a:prstGeom>
+        </p:spPr>
+        <p:style>
+          <a:lnRef idx="1">
+            <a:schemeClr val="accent5"/>
+          </a:lnRef>
+          <a:fillRef idx="2">
+            <a:schemeClr val="accent5"/>
+          </a:fillRef>
+          <a:effectRef idx="1">
+            <a:schemeClr val="accent5"/>
+          </a:effectRef>
+          <a:fontRef idx="minor">
+            <a:schemeClr val="dk1"/>
+          </a:fontRef>
+        </p:style>
+        <p:txBody>
+          <a:bodyPr rtlCol="0" anchor="ctr"/>
+          <a:lstStyle/>
+          <a:p>
+            <a:pPr algn="ctr"/>
+            <a:r>
+              <a:rPr lang="fr-FR" dirty="0" smtClean="0">
+                <a:solidFill>
+                  <a:prstClr val="black"/>
+                </a:solidFill>
+              </a:rPr>
+              <a:t>Domaine du laboratoire</a:t>
+            </a:r>
+            <a:endParaRPr lang="fr-FR" dirty="0">
+              <a:solidFill>
+                <a:prstClr val="black"/>
+              </a:solidFill>
+            </a:endParaRPr>
+          </a:p>
+        </p:txBody>
+      </p:sp>
+      <p:sp>
+        <p:nvSpPr>
+          <p:cNvPr id="14" name="Flèche droite 13"/>
+          <p:cNvSpPr/>
+          <p:nvPr/>
+        </p:nvSpPr>
+        <p:spPr>
+          <a:xfrm>
+            <a:off x="2771800" y="5694943"/>
+            <a:ext cx="3037584" cy="716632"/>
+          </a:xfrm>
+          <a:prstGeom prst="rightArrow">
+            <a:avLst/>
+          </a:prstGeom>
+        </p:spPr>
+        <p:style>
+          <a:lnRef idx="1">
+            <a:schemeClr val="accent5"/>
+          </a:lnRef>
+          <a:fillRef idx="2">
+            <a:schemeClr val="accent5"/>
+          </a:fillRef>
+          <a:effectRef idx="1">
+            <a:schemeClr val="accent5"/>
+          </a:effectRef>
+          <a:fontRef idx="minor">
+            <a:schemeClr val="dk1"/>
+          </a:fontRef>
+        </p:style>
+        <p:txBody>
+          <a:bodyPr rtlCol="0" anchor="ctr"/>
+          <a:lstStyle/>
+          <a:p>
+            <a:pPr algn="ctr"/>
+            <a:r>
+              <a:rPr lang="fr-FR" dirty="0" smtClean="0">
+                <a:solidFill>
+                  <a:prstClr val="black"/>
+                </a:solidFill>
+              </a:rPr>
+              <a:t>Domaine de la simulation</a:t>
+            </a:r>
+            <a:endParaRPr lang="fr-FR" dirty="0">
+              <a:solidFill>
+                <a:prstClr val="black"/>
+              </a:solidFill>
+            </a:endParaRPr>
+          </a:p>
+        </p:txBody>
+      </p:sp>
+      <p:sp>
+        <p:nvSpPr>
+          <p:cNvPr id="17" name="ZoneTexte 16"/>
+          <p:cNvSpPr txBox="1"/>
+          <p:nvPr/>
+        </p:nvSpPr>
+        <p:spPr>
+          <a:xfrm>
+            <a:off x="6054788" y="1807966"/>
+            <a:ext cx="1469540" cy="646331"/>
+          </a:xfrm>
+          <a:prstGeom prst="rect">
+            <a:avLst/>
+          </a:prstGeom>
+          <a:noFill/>
+        </p:spPr>
+        <p:txBody>
+          <a:bodyPr wrap="square" rtlCol="0">
+            <a:spAutoFit/>
+          </a:bodyPr>
+          <a:lstStyle/>
+          <a:p>
+            <a:pPr algn="ctr"/>
+            <a:r>
+              <a:rPr lang="fr-FR" dirty="0" smtClean="0">
+                <a:solidFill>
+                  <a:prstClr val="black"/>
+                </a:solidFill>
+              </a:rPr>
+              <a:t>Performances</a:t>
+            </a:r>
+            <a:endParaRPr lang="fr-FR" dirty="0">
+              <a:solidFill>
+                <a:prstClr val="black"/>
+              </a:solidFill>
+            </a:endParaRPr>
+          </a:p>
+          <a:p>
+            <a:pPr algn="ctr"/>
+            <a:r>
+              <a:rPr lang="fr-FR" dirty="0" smtClean="0">
+                <a:solidFill>
+                  <a:prstClr val="black"/>
+                </a:solidFill>
+              </a:rPr>
+              <a:t>attendues</a:t>
+            </a:r>
+            <a:endParaRPr lang="fr-FR" dirty="0">
+              <a:solidFill>
+                <a:prstClr val="black"/>
+              </a:solidFill>
+            </a:endParaRPr>
+          </a:p>
+        </p:txBody>
+      </p:sp>
+      <p:sp>
+        <p:nvSpPr>
+          <p:cNvPr id="18" name="ZoneTexte 17"/>
+          <p:cNvSpPr txBox="1"/>
+          <p:nvPr/>
+        </p:nvSpPr>
+        <p:spPr>
+          <a:xfrm>
+            <a:off x="6054788" y="3815684"/>
+            <a:ext cx="1469540" cy="646331"/>
+          </a:xfrm>
+          <a:prstGeom prst="rect">
+            <a:avLst/>
+          </a:prstGeom>
+          <a:noFill/>
+        </p:spPr>
+        <p:txBody>
+          <a:bodyPr wrap="square" rtlCol="0">
+            <a:spAutoFit/>
+          </a:bodyPr>
+          <a:lstStyle/>
+          <a:p>
+            <a:pPr algn="ctr"/>
+            <a:r>
+              <a:rPr lang="fr-FR" dirty="0" smtClean="0">
+                <a:solidFill>
+                  <a:prstClr val="black"/>
+                </a:solidFill>
+              </a:rPr>
+              <a:t>Performances mesurées</a:t>
+            </a:r>
+            <a:endParaRPr lang="fr-FR" dirty="0">
+              <a:solidFill>
+                <a:prstClr val="black"/>
+              </a:solidFill>
+            </a:endParaRPr>
+          </a:p>
+        </p:txBody>
+      </p:sp>
+      <p:sp>
+        <p:nvSpPr>
+          <p:cNvPr id="19" name="ZoneTexte 18"/>
+          <p:cNvSpPr txBox="1"/>
+          <p:nvPr/>
+        </p:nvSpPr>
+        <p:spPr>
+          <a:xfrm>
+            <a:off x="6054788" y="5730093"/>
+            <a:ext cx="1469540" cy="646331"/>
+          </a:xfrm>
+          <a:prstGeom prst="rect">
+            <a:avLst/>
+          </a:prstGeom>
+          <a:noFill/>
+        </p:spPr>
+        <p:txBody>
+          <a:bodyPr wrap="square" rtlCol="0">
+            <a:spAutoFit/>
+          </a:bodyPr>
+          <a:lstStyle/>
+          <a:p>
+            <a:pPr algn="ctr"/>
+            <a:r>
+              <a:rPr lang="fr-FR" dirty="0" smtClean="0">
+                <a:solidFill>
+                  <a:prstClr val="black"/>
+                </a:solidFill>
+              </a:rPr>
+              <a:t>Performance simulées</a:t>
+            </a:r>
+            <a:endParaRPr lang="fr-FR" dirty="0">
+              <a:solidFill>
+                <a:prstClr val="black"/>
+              </a:solidFill>
+            </a:endParaRPr>
+          </a:p>
+        </p:txBody>
+      </p:sp>
+      <p:sp>
+        <p:nvSpPr>
+          <p:cNvPr id="21" name="Double flèche verticale 20"/>
+          <p:cNvSpPr/>
+          <p:nvPr/>
+        </p:nvSpPr>
+        <p:spPr>
+          <a:xfrm>
+            <a:off x="6537530" y="4564789"/>
+            <a:ext cx="504056" cy="1106764"/>
+          </a:xfrm>
+          <a:prstGeom prst="upDownArrow">
+            <a:avLst/>
+          </a:prstGeom>
+          <a:ln/>
+        </p:spPr>
+        <p:style>
+          <a:lnRef idx="1">
+            <a:schemeClr val="accent5"/>
+          </a:lnRef>
+          <a:fillRef idx="2">
+            <a:schemeClr val="accent5"/>
+          </a:fillRef>
+          <a:effectRef idx="1">
+            <a:schemeClr val="accent5"/>
+          </a:effectRef>
+          <a:fontRef idx="minor">
+            <a:schemeClr val="dk1"/>
+          </a:fontRef>
+        </p:style>
+        <p:txBody>
+          <a:bodyPr rtlCol="0" anchor="ctr"/>
+          <a:lstStyle/>
+          <a:p>
+            <a:pPr algn="ctr"/>
+            <a:endParaRPr lang="fr-FR" sz="500" dirty="0">
+              <a:solidFill>
+                <a:prstClr val="white"/>
+              </a:solidFill>
+            </a:endParaRPr>
+          </a:p>
+        </p:txBody>
+      </p:sp>
+      <p:sp>
+        <p:nvSpPr>
+          <p:cNvPr id="22" name="Double flèche verticale 21"/>
+          <p:cNvSpPr/>
+          <p:nvPr/>
+        </p:nvSpPr>
+        <p:spPr>
+          <a:xfrm>
+            <a:off x="7524328" y="2181856"/>
+            <a:ext cx="504056" cy="3913986"/>
+          </a:xfrm>
+          <a:prstGeom prst="upDownArrow">
+            <a:avLst/>
+          </a:prstGeom>
+          <a:ln/>
+        </p:spPr>
+        <p:style>
+          <a:lnRef idx="1">
+            <a:schemeClr val="accent5"/>
+          </a:lnRef>
+          <a:fillRef idx="2">
+            <a:schemeClr val="accent5"/>
+          </a:fillRef>
+          <a:effectRef idx="1">
+            <a:schemeClr val="accent5"/>
+          </a:effectRef>
+          <a:fontRef idx="minor">
+            <a:schemeClr val="dk1"/>
+          </a:fontRef>
+        </p:style>
+        <p:txBody>
+          <a:bodyPr rtlCol="0" anchor="ctr"/>
+          <a:lstStyle/>
+          <a:p>
+            <a:pPr algn="ctr"/>
+            <a:endParaRPr lang="fr-FR" sz="500" dirty="0">
+              <a:solidFill>
+                <a:prstClr val="white"/>
+              </a:solidFill>
+            </a:endParaRPr>
+          </a:p>
+        </p:txBody>
+      </p:sp>
+      <p:sp>
+        <p:nvSpPr>
+          <p:cNvPr id="23" name="ZoneTexte 22"/>
+          <p:cNvSpPr txBox="1"/>
+          <p:nvPr/>
+        </p:nvSpPr>
+        <p:spPr>
+          <a:xfrm rot="16200000">
+            <a:off x="5282735" y="2945424"/>
+            <a:ext cx="1944216" cy="400110"/>
+          </a:xfrm>
+          <a:prstGeom prst="rect">
+            <a:avLst/>
+          </a:prstGeom>
+          <a:noFill/>
+        </p:spPr>
+        <p:txBody>
+          <a:bodyPr wrap="square" rtlCol="0">
+            <a:spAutoFit/>
+          </a:bodyPr>
+          <a:lstStyle/>
+          <a:p>
+            <a:pPr algn="ctr"/>
+            <a:r>
+              <a:rPr lang="fr-FR" sz="2000" b="1" dirty="0">
+                <a:solidFill>
+                  <a:srgbClr val="FF0000"/>
+                </a:solidFill>
+              </a:rPr>
+              <a:t>Ecart 1</a:t>
+            </a:r>
+          </a:p>
+        </p:txBody>
+      </p:sp>
+      <p:sp>
+        <p:nvSpPr>
+          <p:cNvPr id="24" name="ZoneTexte 23"/>
+          <p:cNvSpPr txBox="1"/>
+          <p:nvPr/>
+        </p:nvSpPr>
+        <p:spPr>
+          <a:xfrm rot="16200000">
+            <a:off x="5282294" y="4923679"/>
+            <a:ext cx="1944216" cy="400110"/>
+          </a:xfrm>
+          <a:prstGeom prst="rect">
+            <a:avLst/>
+          </a:prstGeom>
+          <a:noFill/>
+        </p:spPr>
+        <p:txBody>
+          <a:bodyPr wrap="square" rtlCol="0">
+            <a:spAutoFit/>
+          </a:bodyPr>
+          <a:lstStyle/>
+          <a:p>
+            <a:pPr algn="ctr"/>
+            <a:r>
+              <a:rPr lang="fr-FR" sz="2000" b="1" dirty="0">
+                <a:solidFill>
+                  <a:srgbClr val="FF0000"/>
+                </a:solidFill>
+              </a:rPr>
+              <a:t>Ecart 2</a:t>
+            </a:r>
+          </a:p>
+        </p:txBody>
+      </p:sp>
+      <p:sp>
+        <p:nvSpPr>
+          <p:cNvPr id="25" name="ZoneTexte 24"/>
+          <p:cNvSpPr txBox="1"/>
+          <p:nvPr/>
+        </p:nvSpPr>
+        <p:spPr>
+          <a:xfrm rot="16200000">
+            <a:off x="7072245" y="3938794"/>
+            <a:ext cx="1944216" cy="400110"/>
+          </a:xfrm>
+          <a:prstGeom prst="rect">
+            <a:avLst/>
+          </a:prstGeom>
+          <a:noFill/>
+        </p:spPr>
+        <p:txBody>
+          <a:bodyPr wrap="square" rtlCol="0">
+            <a:spAutoFit/>
+          </a:bodyPr>
+          <a:lstStyle/>
+          <a:p>
+            <a:pPr algn="ctr"/>
+            <a:r>
+              <a:rPr lang="fr-FR" sz="2000" b="1" dirty="0">
+                <a:solidFill>
+                  <a:srgbClr val="FF0000"/>
+                </a:solidFill>
+              </a:rPr>
+              <a:t>Ecart 3</a:t>
+            </a:r>
+          </a:p>
+        </p:txBody>
+      </p:sp>
+      <p:sp>
+        <p:nvSpPr>
+          <p:cNvPr id="20" name="Double flèche verticale 19"/>
+          <p:cNvSpPr/>
+          <p:nvPr/>
+        </p:nvSpPr>
+        <p:spPr>
+          <a:xfrm>
+            <a:off x="6537530" y="2613359"/>
+            <a:ext cx="504056" cy="1106764"/>
+          </a:xfrm>
+          <a:prstGeom prst="upDownArrow">
+            <a:avLst/>
+          </a:prstGeom>
+          <a:ln/>
+        </p:spPr>
+        <p:style>
+          <a:lnRef idx="1">
+            <a:schemeClr val="accent1"/>
+          </a:lnRef>
+          <a:fillRef idx="2">
+            <a:schemeClr val="accent1"/>
+          </a:fillRef>
+          <a:effectRef idx="1">
+            <a:schemeClr val="accent1"/>
+          </a:effectRef>
+          <a:fontRef idx="minor">
+            <a:schemeClr val="dk1"/>
+          </a:fontRef>
+        </p:style>
+        <p:txBody>
+          <a:bodyPr rtlCol="0" anchor="ctr"/>
+          <a:lstStyle/>
+          <a:p>
+            <a:pPr algn="ctr"/>
+            <a:r>
+              <a:rPr lang="fr-FR" sz="500" dirty="0" smtClean="0">
+                <a:solidFill>
+                  <a:prstClr val="white"/>
+                </a:solidFill>
+              </a:rPr>
+              <a:t>  </a:t>
+            </a:r>
+            <a:endParaRPr lang="fr-FR" sz="500" dirty="0">
+              <a:solidFill>
+                <a:prstClr val="white"/>
+              </a:solidFill>
+            </a:endParaRPr>
+          </a:p>
+        </p:txBody>
+      </p:sp>
+      <p:pic>
+        <p:nvPicPr>
+          <p:cNvPr id="26" name="Image 25"/>
+          <p:cNvPicPr/>
+          <p:nvPr/>
+        </p:nvPicPr>
+        <p:blipFill>
+          <a:blip r:embed="rId2">
+            <a:extLst>
+              <a:ext uri="{28A0092B-C50C-407E-A947-70E740481C1C}">
+                <a14:useLocalDpi xmlns:a14="http://schemas.microsoft.com/office/drawing/2010/main" val="0"/>
+              </a:ext>
+            </a:extLst>
+          </a:blip>
+          <a:stretch>
+            <a:fillRect/>
+          </a:stretch>
+        </p:blipFill>
+        <p:spPr>
+          <a:xfrm>
+            <a:off x="827584" y="1536136"/>
+            <a:ext cx="1639570" cy="1189990"/>
+          </a:xfrm>
+          <a:prstGeom prst="rect">
+            <a:avLst/>
+          </a:prstGeom>
+        </p:spPr>
+      </p:pic>
+      <p:pic>
+        <p:nvPicPr>
+          <p:cNvPr id="27" name="Image 26"/>
+          <p:cNvPicPr/>
+          <p:nvPr/>
+        </p:nvPicPr>
+        <p:blipFill rotWithShape="1">
+          <a:blip r:embed="rId3" cstate="print">
+            <a:extLst>
+              <a:ext uri="{28A0092B-C50C-407E-A947-70E740481C1C}">
+                <a14:useLocalDpi xmlns:a14="http://schemas.microsoft.com/office/drawing/2010/main" val="0"/>
+              </a:ext>
+            </a:extLst>
+          </a:blip>
+          <a:srcRect l="56368" b="60701"/>
+          <a:stretch/>
+        </p:blipFill>
+        <p:spPr bwMode="auto">
+          <a:xfrm>
+            <a:off x="488907" y="3429000"/>
+            <a:ext cx="1978247" cy="1358775"/>
+          </a:xfrm>
+          <a:prstGeom prst="rect">
+            <a:avLst/>
+          </a:prstGeom>
+          <a:noFill/>
+        </p:spPr>
+      </p:pic>
+      <p:pic>
+        <p:nvPicPr>
+          <p:cNvPr id="1027" name="Picture 3"/>
+          <p:cNvPicPr>
+            <a:picLocks noChangeAspect="1" noChangeArrowheads="1"/>
+          </p:cNvPicPr>
+          <p:nvPr/>
+        </p:nvPicPr>
+        <p:blipFill>
+          <a:blip r:embed="rId4" cstate="print">
+            <a:extLst>
+              <a:ext uri="{28A0092B-C50C-407E-A947-70E740481C1C}">
+                <a14:useLocalDpi xmlns:a14="http://schemas.microsoft.com/office/drawing/2010/main" val="0"/>
+              </a:ext>
+            </a:extLst>
+          </a:blip>
+          <a:srcRect/>
+          <a:stretch>
+            <a:fillRect/>
+          </a:stretch>
+        </p:blipFill>
+        <p:spPr bwMode="auto">
+          <a:xfrm>
+            <a:off x="173759" y="5228945"/>
+            <a:ext cx="2574174" cy="1182630"/>
+          </a:xfrm>
+          <a:prstGeom prst="rect">
+            <a:avLst/>
+          </a:prstGeom>
+          <a:noFill/>
+          <a:ln>
+            <a:noFill/>
+          </a:ln>
+          <a:effectLst/>
+          <a:scene3d>
+            <a:camera prst="isometricRightUp"/>
+            <a:lightRig rig="threePt" dir="t"/>
+          </a:scene3d>
+          <a:extLst>
+            <a:ext uri="{909E8E84-426E-40DD-AFC4-6F175D3DCCD1}">
+              <a14:hiddenFill xmlns:a14="http://schemas.microsoft.com/office/drawing/2010/main">
+                <a:solidFill>
+                  <a:schemeClr val="accent1"/>
+                </a:solidFill>
+              </a14:hiddenFill>
+            </a:ext>
+            <a:ext uri="{91240B29-F687-4F45-9708-019B960494DF}">
+              <a14:hiddenLine xmlns:a14="http://schemas.microsoft.com/office/drawing/2010/main" w="9525">
+                <a:solidFill>
+                  <a:schemeClr val="tx1"/>
+                </a:solidFill>
+                <a:miter lim="800000"/>
+                <a:headEnd/>
+                <a:tailEnd/>
+              </a14:hiddenLine>
+            </a:ext>
+            <a:ext uri="{AF507438-7753-43E0-B8FC-AC1667EBCBE1}">
+              <a14:hiddenEffects xmlns:a14="http://schemas.microsoft.com/office/drawing/2010/main">
+                <a:effectLst>
+                  <a:outerShdw dist="35921" dir="2700000" algn="ctr" rotWithShape="0">
+                    <a:schemeClr val="bg2"/>
+                  </a:outerShdw>
+                </a:effectLst>
+              </a14:hiddenEffects>
+            </a:ext>
+          </a:extLst>
+        </p:spPr>
+      </p:pic>
     </p:spTree>
     <p:extLst>
       <p:ext uri="{BB962C8B-B14F-4D97-AF65-F5344CB8AC3E}">
-        <p14:creationId xmlns:p14="http://schemas.microsoft.com/office/powerpoint/2010/main" val="3033989473"/>
+        <p14:creationId xmlns:p14="http://schemas.microsoft.com/office/powerpoint/2010/main" val="318773674"/>
       </p:ext>
     </p:extLst>
   </p:cSld>
   <p:clrMapOvr>
     <a:masterClrMapping/>
   </p:clrMapOvr>
+  <p:timing>
+    <p:tnLst>
+      <p:par>
+        <p:cTn id="1" dur="indefinite" restart="never" nodeType="tmRoot"/>
+      </p:par>
+    </p:tnLst>
+  </p:timing>
 </p:sld>
 </file>
 
@@ -14599,1357 +15232,32 @@
           <a:chExt cx="0" cy="0"/>
         </a:xfrm>
       </p:grpSpPr>
-      <p:cxnSp>
-        <p:nvCxnSpPr>
-          <p:cNvPr id="5" name="Connecteur droit avec flèche 4"/>
-          <p:cNvCxnSpPr>
-            <a:stCxn id="13" idx="3"/>
-            <a:endCxn id="18" idx="1"/>
-          </p:cNvCxnSpPr>
-          <p:nvPr/>
-        </p:nvCxnSpPr>
-        <p:spPr>
-          <a:xfrm>
-            <a:off x="-1294740" y="1219984"/>
-            <a:ext cx="1939458" cy="0"/>
-          </a:xfrm>
-          <a:prstGeom prst="straightConnector1">
-            <a:avLst/>
-          </a:prstGeom>
-          <a:ln w="19050">
-            <a:tailEnd type="arrow"/>
-          </a:ln>
-        </p:spPr>
-        <p:style>
-          <a:lnRef idx="1">
-            <a:schemeClr val="accent4"/>
-          </a:lnRef>
-          <a:fillRef idx="0">
-            <a:schemeClr val="accent4"/>
-          </a:fillRef>
-          <a:effectRef idx="0">
-            <a:schemeClr val="accent4"/>
-          </a:effectRef>
-          <a:fontRef idx="minor">
-            <a:schemeClr val="tx1"/>
-          </a:fontRef>
-        </p:style>
-      </p:cxnSp>
-      <p:cxnSp>
-        <p:nvCxnSpPr>
-          <p:cNvPr id="6" name="Connecteur droit avec flèche 5"/>
-          <p:cNvCxnSpPr>
-            <a:stCxn id="14" idx="3"/>
-            <a:endCxn id="19" idx="1"/>
-          </p:cNvCxnSpPr>
-          <p:nvPr/>
-        </p:nvCxnSpPr>
-        <p:spPr>
-          <a:xfrm>
-            <a:off x="-325011" y="2402856"/>
-            <a:ext cx="4108462" cy="0"/>
-          </a:xfrm>
-          <a:prstGeom prst="straightConnector1">
-            <a:avLst/>
-          </a:prstGeom>
-          <a:ln w="19050">
-            <a:tailEnd type="arrow"/>
-          </a:ln>
-        </p:spPr>
-        <p:style>
-          <a:lnRef idx="1">
-            <a:schemeClr val="accent4"/>
-          </a:lnRef>
-          <a:fillRef idx="0">
-            <a:schemeClr val="accent4"/>
-          </a:fillRef>
-          <a:effectRef idx="0">
-            <a:schemeClr val="accent4"/>
-          </a:effectRef>
-          <a:fontRef idx="minor">
-            <a:schemeClr val="tx1"/>
-          </a:fontRef>
-        </p:style>
-      </p:cxnSp>
-      <p:cxnSp>
-        <p:nvCxnSpPr>
-          <p:cNvPr id="7" name="Connecteur droit avec flèche 6"/>
-          <p:cNvCxnSpPr>
-            <a:stCxn id="17" idx="1"/>
-            <a:endCxn id="26" idx="3"/>
-          </p:cNvCxnSpPr>
-          <p:nvPr/>
-        </p:nvCxnSpPr>
-        <p:spPr>
-          <a:xfrm flipH="1">
-            <a:off x="8320869" y="1219984"/>
-            <a:ext cx="1867755" cy="0"/>
-          </a:xfrm>
-          <a:prstGeom prst="straightConnector1">
-            <a:avLst/>
-          </a:prstGeom>
-          <a:ln w="19050">
-            <a:tailEnd type="arrow"/>
-          </a:ln>
-        </p:spPr>
-        <p:style>
-          <a:lnRef idx="1">
-            <a:schemeClr val="accent4"/>
-          </a:lnRef>
-          <a:fillRef idx="0">
-            <a:schemeClr val="accent4"/>
-          </a:fillRef>
-          <a:effectRef idx="0">
-            <a:schemeClr val="accent4"/>
-          </a:effectRef>
-          <a:fontRef idx="minor">
-            <a:schemeClr val="tx1"/>
-          </a:fontRef>
-        </p:style>
-      </p:cxnSp>
-      <p:cxnSp>
-        <p:nvCxnSpPr>
-          <p:cNvPr id="8" name="Connecteur droit avec flèche 7"/>
-          <p:cNvCxnSpPr>
-            <a:stCxn id="16" idx="1"/>
-            <a:endCxn id="22" idx="3"/>
-          </p:cNvCxnSpPr>
-          <p:nvPr/>
-        </p:nvCxnSpPr>
-        <p:spPr>
-          <a:xfrm flipH="1">
-            <a:off x="6880869" y="3136239"/>
-            <a:ext cx="1543131" cy="0"/>
-          </a:xfrm>
-          <a:prstGeom prst="straightConnector1">
-            <a:avLst/>
-          </a:prstGeom>
-          <a:ln w="19050">
-            <a:tailEnd type="arrow"/>
-          </a:ln>
-        </p:spPr>
-        <p:style>
-          <a:lnRef idx="1">
-            <a:schemeClr val="accent4"/>
-          </a:lnRef>
-          <a:fillRef idx="0">
-            <a:schemeClr val="accent4"/>
-          </a:fillRef>
-          <a:effectRef idx="0">
-            <a:schemeClr val="accent4"/>
-          </a:effectRef>
-          <a:fontRef idx="minor">
-            <a:schemeClr val="tx1"/>
-          </a:fontRef>
-        </p:style>
-      </p:cxnSp>
-      <p:cxnSp>
-        <p:nvCxnSpPr>
-          <p:cNvPr id="9" name="Connecteur droit avec flèche 8"/>
-          <p:cNvCxnSpPr>
-            <a:endCxn id="21" idx="1"/>
-          </p:cNvCxnSpPr>
-          <p:nvPr/>
-        </p:nvCxnSpPr>
-        <p:spPr>
-          <a:xfrm>
-            <a:off x="269440" y="4130329"/>
-            <a:ext cx="3443237" cy="0"/>
-          </a:xfrm>
-          <a:prstGeom prst="straightConnector1">
-            <a:avLst/>
-          </a:prstGeom>
-          <a:ln w="19050">
-            <a:tailEnd type="arrow"/>
-          </a:ln>
-        </p:spPr>
-        <p:style>
-          <a:lnRef idx="1">
-            <a:schemeClr val="accent4"/>
-          </a:lnRef>
-          <a:fillRef idx="0">
-            <a:schemeClr val="accent4"/>
-          </a:fillRef>
-          <a:effectRef idx="0">
-            <a:schemeClr val="accent4"/>
-          </a:effectRef>
-          <a:fontRef idx="minor">
-            <a:schemeClr val="tx1"/>
-          </a:fontRef>
-        </p:style>
-      </p:cxnSp>
-      <p:cxnSp>
-        <p:nvCxnSpPr>
-          <p:cNvPr id="10" name="Connecteur droit avec flèche 9"/>
-          <p:cNvCxnSpPr>
-            <a:endCxn id="20" idx="1"/>
-          </p:cNvCxnSpPr>
-          <p:nvPr/>
-        </p:nvCxnSpPr>
-        <p:spPr>
-          <a:xfrm>
-            <a:off x="269440" y="3136239"/>
-            <a:ext cx="1715045" cy="0"/>
-          </a:xfrm>
-          <a:prstGeom prst="straightConnector1">
-            <a:avLst/>
-          </a:prstGeom>
-          <a:ln w="19050">
-            <a:tailEnd type="arrow"/>
-          </a:ln>
-        </p:spPr>
-        <p:style>
-          <a:lnRef idx="1">
-            <a:schemeClr val="accent4"/>
-          </a:lnRef>
-          <a:fillRef idx="0">
-            <a:schemeClr val="accent4"/>
-          </a:fillRef>
-          <a:effectRef idx="0">
-            <a:schemeClr val="accent4"/>
-          </a:effectRef>
-          <a:fontRef idx="minor">
-            <a:schemeClr val="tx1"/>
-          </a:fontRef>
-        </p:style>
-      </p:cxnSp>
-      <p:sp>
-        <p:nvSpPr>
-          <p:cNvPr id="11" name="Rectangle 10"/>
-          <p:cNvSpPr/>
-          <p:nvPr/>
-        </p:nvSpPr>
-        <p:spPr>
-          <a:xfrm>
-            <a:off x="-1695653" y="0"/>
-            <a:ext cx="1440000" cy="540000"/>
-          </a:xfrm>
-          <a:prstGeom prst="rect">
-            <a:avLst/>
-          </a:prstGeom>
-        </p:spPr>
-        <p:style>
-          <a:lnRef idx="1">
-            <a:schemeClr val="accent6"/>
-          </a:lnRef>
-          <a:fillRef idx="2">
-            <a:schemeClr val="accent6"/>
-          </a:fillRef>
-          <a:effectRef idx="1">
-            <a:schemeClr val="accent6"/>
-          </a:effectRef>
-          <a:fontRef idx="minor">
-            <a:schemeClr val="dk1"/>
-          </a:fontRef>
-        </p:style>
-        <p:txBody>
-          <a:bodyPr rtlCol="0" anchor="ctr"/>
-          <a:lstStyle/>
-          <a:p>
-            <a:pPr algn="ctr"/>
-            <a:r>
-              <a:rPr lang="fr-FR" sz="1200" dirty="0" smtClean="0"/>
-              <a:t>Besoin client</a:t>
-            </a:r>
-            <a:endParaRPr lang="fr-FR" sz="1200" dirty="0"/>
-          </a:p>
-        </p:txBody>
-      </p:sp>
-      <p:sp>
-        <p:nvSpPr>
-          <p:cNvPr id="12" name="Rectangle 11"/>
-          <p:cNvSpPr/>
-          <p:nvPr/>
-        </p:nvSpPr>
-        <p:spPr>
-          <a:xfrm>
-            <a:off x="8977205" y="0"/>
-            <a:ext cx="1440000" cy="540000"/>
-          </a:xfrm>
-          <a:prstGeom prst="rect">
-            <a:avLst/>
-          </a:prstGeom>
-        </p:spPr>
-        <p:style>
-          <a:lnRef idx="1">
-            <a:schemeClr val="accent6"/>
-          </a:lnRef>
-          <a:fillRef idx="2">
-            <a:schemeClr val="accent6"/>
-          </a:fillRef>
-          <a:effectRef idx="1">
-            <a:schemeClr val="accent6"/>
-          </a:effectRef>
-          <a:fontRef idx="minor">
-            <a:schemeClr val="dk1"/>
-          </a:fontRef>
-        </p:style>
-        <p:txBody>
-          <a:bodyPr rtlCol="0" anchor="ctr"/>
-          <a:lstStyle/>
-          <a:p>
-            <a:pPr algn="ctr"/>
-            <a:r>
-              <a:rPr lang="fr-FR" sz="1200" dirty="0" smtClean="0"/>
-              <a:t>Système livré</a:t>
-            </a:r>
-            <a:endParaRPr lang="fr-FR" sz="1200" dirty="0"/>
-          </a:p>
-        </p:txBody>
-      </p:sp>
-      <p:sp>
-        <p:nvSpPr>
-          <p:cNvPr id="13" name="Rectangle 12"/>
-          <p:cNvSpPr/>
-          <p:nvPr/>
-        </p:nvSpPr>
-        <p:spPr>
-          <a:xfrm>
-            <a:off x="-2734740" y="949984"/>
-            <a:ext cx="1440000" cy="540000"/>
-          </a:xfrm>
-          <a:prstGeom prst="rect">
-            <a:avLst/>
-          </a:prstGeom>
-        </p:spPr>
-        <p:style>
-          <a:lnRef idx="1">
-            <a:schemeClr val="accent4"/>
-          </a:lnRef>
-          <a:fillRef idx="2">
-            <a:schemeClr val="accent4"/>
-          </a:fillRef>
-          <a:effectRef idx="1">
-            <a:schemeClr val="accent4"/>
-          </a:effectRef>
-          <a:fontRef idx="minor">
-            <a:schemeClr val="dk1"/>
-          </a:fontRef>
-        </p:style>
-        <p:txBody>
-          <a:bodyPr rtlCol="0" anchor="ctr"/>
-          <a:lstStyle/>
-          <a:p>
-            <a:pPr algn="ctr"/>
-            <a:r>
-              <a:rPr lang="fr-FR" sz="1200" dirty="0" smtClean="0"/>
-              <a:t>Spécifications / Cahier des charges</a:t>
-            </a:r>
-            <a:endParaRPr lang="fr-FR" sz="1200" dirty="0"/>
-          </a:p>
-        </p:txBody>
-      </p:sp>
-      <p:sp>
-        <p:nvSpPr>
-          <p:cNvPr id="14" name="Rectangle 13"/>
-          <p:cNvSpPr/>
-          <p:nvPr/>
-        </p:nvSpPr>
-        <p:spPr>
-          <a:xfrm>
-            <a:off x="-1765011" y="2132856"/>
-            <a:ext cx="1440000" cy="540000"/>
-          </a:xfrm>
-          <a:prstGeom prst="rect">
-            <a:avLst/>
-          </a:prstGeom>
-        </p:spPr>
-        <p:style>
-          <a:lnRef idx="1">
-            <a:schemeClr val="accent4"/>
-          </a:lnRef>
-          <a:fillRef idx="2">
-            <a:schemeClr val="accent4"/>
-          </a:fillRef>
-          <a:effectRef idx="1">
-            <a:schemeClr val="accent4"/>
-          </a:effectRef>
-          <a:fontRef idx="minor">
-            <a:schemeClr val="dk1"/>
-          </a:fontRef>
-        </p:style>
-        <p:txBody>
-          <a:bodyPr rtlCol="0" anchor="ctr"/>
-          <a:lstStyle/>
-          <a:p>
-            <a:pPr algn="ctr"/>
-            <a:r>
-              <a:rPr lang="fr-FR" sz="1200" dirty="0" smtClean="0"/>
-              <a:t>Choix de l’architecture globale du système</a:t>
-            </a:r>
-            <a:endParaRPr lang="fr-FR" sz="1200" dirty="0"/>
-          </a:p>
-        </p:txBody>
-      </p:sp>
-      <p:sp>
-        <p:nvSpPr>
-          <p:cNvPr id="15" name="Rectangle 14"/>
-          <p:cNvSpPr/>
-          <p:nvPr/>
-        </p:nvSpPr>
-        <p:spPr>
-          <a:xfrm>
-            <a:off x="-468560" y="3368035"/>
-            <a:ext cx="1476000" cy="540000"/>
-          </a:xfrm>
-          <a:prstGeom prst="rect">
-            <a:avLst/>
-          </a:prstGeom>
-        </p:spPr>
-        <p:style>
-          <a:lnRef idx="1">
-            <a:schemeClr val="accent4"/>
-          </a:lnRef>
-          <a:fillRef idx="2">
-            <a:schemeClr val="accent4"/>
-          </a:fillRef>
-          <a:effectRef idx="1">
-            <a:schemeClr val="accent4"/>
-          </a:effectRef>
-          <a:fontRef idx="minor">
-            <a:schemeClr val="dk1"/>
-          </a:fontRef>
-        </p:style>
-        <p:txBody>
-          <a:bodyPr rtlCol="0" anchor="ctr"/>
-          <a:lstStyle/>
-          <a:p>
-            <a:pPr algn="ctr"/>
-            <a:r>
-              <a:rPr lang="fr-FR" sz="1200" dirty="0" smtClean="0"/>
-              <a:t>Choix de l’architecture détaillée du système</a:t>
-            </a:r>
-            <a:endParaRPr lang="fr-FR" sz="1200" dirty="0"/>
-          </a:p>
-        </p:txBody>
-      </p:sp>
-      <p:sp>
-        <p:nvSpPr>
-          <p:cNvPr id="16" name="Rectangle 15"/>
-          <p:cNvSpPr/>
-          <p:nvPr/>
-        </p:nvSpPr>
-        <p:spPr>
-          <a:xfrm>
-            <a:off x="8424000" y="2866239"/>
-            <a:ext cx="1440000" cy="540000"/>
-          </a:xfrm>
-          <a:prstGeom prst="rect">
-            <a:avLst/>
-          </a:prstGeom>
-        </p:spPr>
-        <p:style>
-          <a:lnRef idx="1">
-            <a:schemeClr val="accent4"/>
-          </a:lnRef>
-          <a:fillRef idx="2">
-            <a:schemeClr val="accent4"/>
-          </a:fillRef>
-          <a:effectRef idx="1">
-            <a:schemeClr val="accent4"/>
-          </a:effectRef>
-          <a:fontRef idx="minor">
-            <a:schemeClr val="dk1"/>
-          </a:fontRef>
-        </p:style>
-        <p:txBody>
-          <a:bodyPr rtlCol="0" anchor="ctr"/>
-          <a:lstStyle/>
-          <a:p>
-            <a:pPr algn="ctr"/>
-            <a:r>
-              <a:rPr lang="fr-FR" sz="1200" dirty="0" smtClean="0"/>
-              <a:t>Sous-systèmes réalisés</a:t>
-            </a:r>
-            <a:endParaRPr lang="fr-FR" sz="1200" dirty="0"/>
-          </a:p>
-        </p:txBody>
-      </p:sp>
-      <p:sp>
-        <p:nvSpPr>
-          <p:cNvPr id="17" name="Rectangle 16"/>
-          <p:cNvSpPr/>
-          <p:nvPr/>
-        </p:nvSpPr>
-        <p:spPr>
-          <a:xfrm>
-            <a:off x="10188624" y="949984"/>
-            <a:ext cx="1440000" cy="540000"/>
-          </a:xfrm>
-          <a:prstGeom prst="rect">
-            <a:avLst/>
-          </a:prstGeom>
-        </p:spPr>
-        <p:style>
-          <a:lnRef idx="1">
-            <a:schemeClr val="accent4"/>
-          </a:lnRef>
-          <a:fillRef idx="2">
-            <a:schemeClr val="accent4"/>
-          </a:fillRef>
-          <a:effectRef idx="1">
-            <a:schemeClr val="accent4"/>
-          </a:effectRef>
-          <a:fontRef idx="minor">
-            <a:schemeClr val="dk1"/>
-          </a:fontRef>
-        </p:style>
-        <p:txBody>
-          <a:bodyPr rtlCol="0" anchor="ctr"/>
-          <a:lstStyle/>
-          <a:p>
-            <a:pPr algn="ctr"/>
-            <a:r>
-              <a:rPr lang="fr-FR" sz="1200" dirty="0" smtClean="0"/>
-              <a:t>Système réalisé</a:t>
-            </a:r>
-            <a:endParaRPr lang="fr-FR" sz="1200" dirty="0"/>
-          </a:p>
-        </p:txBody>
-      </p:sp>
-      <p:sp>
-        <p:nvSpPr>
-          <p:cNvPr id="18" name="Rectangle 17"/>
-          <p:cNvSpPr/>
-          <p:nvPr/>
-        </p:nvSpPr>
-        <p:spPr>
-          <a:xfrm>
-            <a:off x="644718" y="949984"/>
-            <a:ext cx="1440000" cy="540000"/>
-          </a:xfrm>
-          <a:prstGeom prst="rect">
-            <a:avLst/>
-          </a:prstGeom>
-        </p:spPr>
-        <p:style>
-          <a:lnRef idx="1">
-            <a:schemeClr val="accent1"/>
-          </a:lnRef>
-          <a:fillRef idx="2">
-            <a:schemeClr val="accent1"/>
-          </a:fillRef>
-          <a:effectRef idx="1">
-            <a:schemeClr val="accent1"/>
-          </a:effectRef>
-          <a:fontRef idx="minor">
-            <a:schemeClr val="dk1"/>
-          </a:fontRef>
-        </p:style>
-        <p:txBody>
-          <a:bodyPr rtlCol="0" anchor="ctr"/>
-          <a:lstStyle/>
-          <a:p>
-            <a:pPr algn="ctr"/>
-            <a:r>
-              <a:rPr lang="fr-FR" sz="1200" dirty="0" smtClean="0"/>
-              <a:t>Performances attendues du système</a:t>
-            </a:r>
-            <a:endParaRPr lang="fr-FR" sz="1200" dirty="0"/>
-          </a:p>
-        </p:txBody>
-      </p:sp>
-      <p:sp>
-        <p:nvSpPr>
-          <p:cNvPr id="19" name="Rectangle 18"/>
-          <p:cNvSpPr/>
-          <p:nvPr/>
-        </p:nvSpPr>
-        <p:spPr>
-          <a:xfrm>
-            <a:off x="3783451" y="2132856"/>
-            <a:ext cx="1440000" cy="540000"/>
-          </a:xfrm>
-          <a:prstGeom prst="rect">
-            <a:avLst/>
-          </a:prstGeom>
-        </p:spPr>
-        <p:style>
-          <a:lnRef idx="1">
-            <a:schemeClr val="accent1"/>
-          </a:lnRef>
-          <a:fillRef idx="2">
-            <a:schemeClr val="accent1"/>
-          </a:fillRef>
-          <a:effectRef idx="1">
-            <a:schemeClr val="accent1"/>
-          </a:effectRef>
-          <a:fontRef idx="minor">
-            <a:schemeClr val="dk1"/>
-          </a:fontRef>
-        </p:style>
-        <p:txBody>
-          <a:bodyPr rtlCol="0" anchor="ctr"/>
-          <a:lstStyle/>
-          <a:p>
-            <a:pPr algn="ctr"/>
-            <a:r>
-              <a:rPr lang="fr-FR" sz="1200" dirty="0" smtClean="0"/>
-              <a:t>Performances simulées du système</a:t>
-            </a:r>
-            <a:endParaRPr lang="fr-FR" sz="1200" dirty="0"/>
-          </a:p>
-        </p:txBody>
-      </p:sp>
-      <p:sp>
-        <p:nvSpPr>
-          <p:cNvPr id="20" name="Rectangle 19"/>
-          <p:cNvSpPr/>
-          <p:nvPr/>
-        </p:nvSpPr>
-        <p:spPr>
-          <a:xfrm>
-            <a:off x="1984485" y="2866239"/>
-            <a:ext cx="1440000" cy="540000"/>
-          </a:xfrm>
-          <a:prstGeom prst="rect">
-            <a:avLst/>
-          </a:prstGeom>
-        </p:spPr>
-        <p:style>
-          <a:lnRef idx="1">
-            <a:schemeClr val="accent1"/>
-          </a:lnRef>
-          <a:fillRef idx="2">
-            <a:schemeClr val="accent1"/>
-          </a:fillRef>
-          <a:effectRef idx="1">
-            <a:schemeClr val="accent1"/>
-          </a:effectRef>
-          <a:fontRef idx="minor">
-            <a:schemeClr val="dk1"/>
-          </a:fontRef>
-        </p:style>
-        <p:txBody>
-          <a:bodyPr rtlCol="0" anchor="ctr"/>
-          <a:lstStyle/>
-          <a:p>
-            <a:pPr algn="ctr"/>
-            <a:r>
-              <a:rPr lang="fr-FR" sz="1200" dirty="0" smtClean="0"/>
-              <a:t>Performances attendues des sous-systèmes</a:t>
-            </a:r>
-            <a:endParaRPr lang="fr-FR" sz="1200" dirty="0"/>
-          </a:p>
-        </p:txBody>
-      </p:sp>
-      <p:sp>
-        <p:nvSpPr>
-          <p:cNvPr id="21" name="Rectangle 20"/>
-          <p:cNvSpPr/>
-          <p:nvPr/>
-        </p:nvSpPr>
-        <p:spPr>
-          <a:xfrm>
-            <a:off x="3712677" y="3860329"/>
-            <a:ext cx="1440000" cy="540000"/>
-          </a:xfrm>
-          <a:prstGeom prst="rect">
-            <a:avLst/>
-          </a:prstGeom>
-        </p:spPr>
-        <p:style>
-          <a:lnRef idx="1">
-            <a:schemeClr val="accent1"/>
-          </a:lnRef>
-          <a:fillRef idx="2">
-            <a:schemeClr val="accent1"/>
-          </a:fillRef>
-          <a:effectRef idx="1">
-            <a:schemeClr val="accent1"/>
-          </a:effectRef>
-          <a:fontRef idx="minor">
-            <a:schemeClr val="dk1"/>
-          </a:fontRef>
-        </p:style>
-        <p:txBody>
-          <a:bodyPr rtlCol="0" anchor="ctr"/>
-          <a:lstStyle/>
-          <a:p>
-            <a:pPr algn="ctr"/>
-            <a:r>
-              <a:rPr lang="fr-FR" sz="1200" dirty="0" smtClean="0"/>
-              <a:t>Performances mesurées des sous-systèmes</a:t>
-            </a:r>
-            <a:endParaRPr lang="fr-FR" sz="1200" dirty="0"/>
-          </a:p>
-        </p:txBody>
-      </p:sp>
-      <p:sp>
-        <p:nvSpPr>
-          <p:cNvPr id="22" name="Rectangle 21"/>
-          <p:cNvSpPr/>
-          <p:nvPr/>
-        </p:nvSpPr>
-        <p:spPr>
-          <a:xfrm>
-            <a:off x="5440869" y="2866239"/>
-            <a:ext cx="1440000" cy="540000"/>
-          </a:xfrm>
-          <a:prstGeom prst="rect">
-            <a:avLst/>
-          </a:prstGeom>
-        </p:spPr>
-        <p:style>
-          <a:lnRef idx="1">
-            <a:schemeClr val="accent1"/>
-          </a:lnRef>
-          <a:fillRef idx="2">
-            <a:schemeClr val="accent1"/>
-          </a:fillRef>
-          <a:effectRef idx="1">
-            <a:schemeClr val="accent1"/>
-          </a:effectRef>
-          <a:fontRef idx="minor">
-            <a:schemeClr val="dk1"/>
-          </a:fontRef>
-        </p:style>
-        <p:txBody>
-          <a:bodyPr rtlCol="0" anchor="ctr"/>
-          <a:lstStyle/>
-          <a:p>
-            <a:pPr algn="ctr"/>
-            <a:r>
-              <a:rPr lang="fr-FR" sz="1200" dirty="0" smtClean="0"/>
-              <a:t>Performances simulées des sous-systèmes</a:t>
-            </a:r>
-            <a:endParaRPr lang="fr-FR" sz="1200" dirty="0"/>
-          </a:p>
-        </p:txBody>
-      </p:sp>
-      <p:sp>
-        <p:nvSpPr>
-          <p:cNvPr id="23" name="Flèche droite 22"/>
-          <p:cNvSpPr/>
-          <p:nvPr/>
-        </p:nvSpPr>
-        <p:spPr>
-          <a:xfrm rot="2700000">
-            <a:off x="-1915151" y="2442430"/>
-            <a:ext cx="5796062" cy="864096"/>
-          </a:xfrm>
-          <a:prstGeom prst="rightArrow">
-            <a:avLst/>
-          </a:prstGeom>
-        </p:spPr>
-        <p:style>
-          <a:lnRef idx="1">
-            <a:schemeClr val="accent3"/>
-          </a:lnRef>
-          <a:fillRef idx="2">
-            <a:schemeClr val="accent3"/>
-          </a:fillRef>
-          <a:effectRef idx="1">
-            <a:schemeClr val="accent3"/>
-          </a:effectRef>
-          <a:fontRef idx="minor">
-            <a:schemeClr val="dk1"/>
-          </a:fontRef>
-        </p:style>
-        <p:txBody>
-          <a:bodyPr rtlCol="0" anchor="ctr"/>
-          <a:lstStyle/>
-          <a:p>
-            <a:pPr algn="ctr"/>
-            <a:r>
-              <a:rPr lang="fr-FR" sz="1400" b="1" i="1" dirty="0" smtClean="0"/>
-              <a:t>Conception</a:t>
-            </a:r>
-            <a:endParaRPr lang="fr-FR" sz="1400" b="1" i="1" dirty="0"/>
-          </a:p>
-        </p:txBody>
-      </p:sp>
-      <p:sp>
-        <p:nvSpPr>
-          <p:cNvPr id="24" name="Flèche droite 23"/>
-          <p:cNvSpPr/>
-          <p:nvPr/>
-        </p:nvSpPr>
-        <p:spPr>
-          <a:xfrm>
-            <a:off x="3145559" y="4400329"/>
-            <a:ext cx="2671700" cy="864096"/>
-          </a:xfrm>
-          <a:prstGeom prst="rightArrow">
-            <a:avLst/>
-          </a:prstGeom>
-        </p:spPr>
-        <p:style>
-          <a:lnRef idx="1">
-            <a:schemeClr val="accent3"/>
-          </a:lnRef>
-          <a:fillRef idx="2">
-            <a:schemeClr val="accent3"/>
-          </a:fillRef>
-          <a:effectRef idx="1">
-            <a:schemeClr val="accent3"/>
-          </a:effectRef>
-          <a:fontRef idx="minor">
-            <a:schemeClr val="dk1"/>
-          </a:fontRef>
-        </p:style>
-        <p:txBody>
-          <a:bodyPr rtlCol="0" anchor="ctr"/>
-          <a:lstStyle/>
-          <a:p>
-            <a:pPr algn="ctr"/>
-            <a:r>
-              <a:rPr lang="fr-FR" sz="1400" b="1" i="1" dirty="0" smtClean="0"/>
-              <a:t>Réalisation</a:t>
-            </a:r>
-            <a:endParaRPr lang="fr-FR" sz="1400" b="1" i="1" dirty="0"/>
-          </a:p>
-        </p:txBody>
-      </p:sp>
-      <p:sp>
-        <p:nvSpPr>
-          <p:cNvPr id="25" name="Flèche droite 24"/>
-          <p:cNvSpPr/>
-          <p:nvPr/>
-        </p:nvSpPr>
-        <p:spPr>
-          <a:xfrm rot="18900000">
-            <a:off x="5164505" y="2350430"/>
-            <a:ext cx="5796000" cy="864096"/>
-          </a:xfrm>
-          <a:prstGeom prst="rightArrow">
-            <a:avLst/>
-          </a:prstGeom>
-        </p:spPr>
-        <p:style>
-          <a:lnRef idx="1">
-            <a:schemeClr val="accent3"/>
-          </a:lnRef>
-          <a:fillRef idx="2">
-            <a:schemeClr val="accent3"/>
-          </a:fillRef>
-          <a:effectRef idx="1">
-            <a:schemeClr val="accent3"/>
-          </a:effectRef>
-          <a:fontRef idx="minor">
-            <a:schemeClr val="dk1"/>
-          </a:fontRef>
-        </p:style>
-        <p:txBody>
-          <a:bodyPr rtlCol="0" anchor="ctr"/>
-          <a:lstStyle/>
-          <a:p>
-            <a:pPr algn="ctr"/>
-            <a:r>
-              <a:rPr lang="fr-FR" sz="1400" b="1" i="1" dirty="0" smtClean="0"/>
-              <a:t>Intégration</a:t>
-            </a:r>
-            <a:endParaRPr lang="fr-FR" sz="1400" b="1" i="1" dirty="0"/>
-          </a:p>
-        </p:txBody>
-      </p:sp>
-      <p:sp>
-        <p:nvSpPr>
-          <p:cNvPr id="26" name="Rectangle 25"/>
-          <p:cNvSpPr/>
-          <p:nvPr/>
-        </p:nvSpPr>
-        <p:spPr>
-          <a:xfrm>
-            <a:off x="6880869" y="949984"/>
-            <a:ext cx="1440000" cy="540000"/>
-          </a:xfrm>
-          <a:prstGeom prst="rect">
-            <a:avLst/>
-          </a:prstGeom>
-        </p:spPr>
-        <p:style>
-          <a:lnRef idx="1">
-            <a:schemeClr val="accent1"/>
-          </a:lnRef>
-          <a:fillRef idx="2">
-            <a:schemeClr val="accent1"/>
-          </a:fillRef>
-          <a:effectRef idx="1">
-            <a:schemeClr val="accent1"/>
-          </a:effectRef>
-          <a:fontRef idx="minor">
-            <a:schemeClr val="dk1"/>
-          </a:fontRef>
-        </p:style>
-        <p:txBody>
-          <a:bodyPr rtlCol="0" anchor="ctr"/>
-          <a:lstStyle/>
-          <a:p>
-            <a:pPr algn="ctr"/>
-            <a:r>
-              <a:rPr lang="fr-FR" sz="1200" dirty="0" smtClean="0"/>
-              <a:t>Performances mesurées du système</a:t>
-            </a:r>
-            <a:endParaRPr lang="fr-FR" sz="1200" dirty="0"/>
-          </a:p>
-        </p:txBody>
-      </p:sp>
-      <p:cxnSp>
-        <p:nvCxnSpPr>
-          <p:cNvPr id="27" name="Connecteur droit avec flèche 26"/>
-          <p:cNvCxnSpPr>
-            <a:stCxn id="11" idx="3"/>
-            <a:endCxn id="12" idx="1"/>
-          </p:cNvCxnSpPr>
-          <p:nvPr/>
-        </p:nvCxnSpPr>
-        <p:spPr>
-          <a:xfrm>
-            <a:off x="-255653" y="270000"/>
-            <a:ext cx="9232858" cy="0"/>
-          </a:xfrm>
-          <a:prstGeom prst="straightConnector1">
-            <a:avLst/>
-          </a:prstGeom>
-          <a:ln w="47625" cmpd="sng">
-            <a:headEnd type="stealth" w="med" len="lg"/>
-            <a:tailEnd type="stealth" w="med" len="lg"/>
-          </a:ln>
-        </p:spPr>
-        <p:style>
-          <a:lnRef idx="1">
-            <a:schemeClr val="accent6"/>
-          </a:lnRef>
-          <a:fillRef idx="0">
-            <a:schemeClr val="accent6"/>
-          </a:fillRef>
-          <a:effectRef idx="0">
-            <a:schemeClr val="accent6"/>
-          </a:effectRef>
-          <a:fontRef idx="minor">
-            <a:schemeClr val="tx1"/>
-          </a:fontRef>
-        </p:style>
-      </p:cxnSp>
-      <p:cxnSp>
-        <p:nvCxnSpPr>
-          <p:cNvPr id="28" name="Connecteur droit avec flèche 27"/>
-          <p:cNvCxnSpPr>
-            <a:stCxn id="18" idx="3"/>
-            <a:endCxn id="26" idx="1"/>
-          </p:cNvCxnSpPr>
-          <p:nvPr/>
-        </p:nvCxnSpPr>
-        <p:spPr>
-          <a:xfrm>
-            <a:off x="2084718" y="1219984"/>
-            <a:ext cx="4796151" cy="0"/>
-          </a:xfrm>
-          <a:prstGeom prst="straightConnector1">
-            <a:avLst/>
-          </a:prstGeom>
-          <a:ln w="28575">
-            <a:headEnd type="stealth" w="med" len="lg"/>
-            <a:tailEnd type="stealth" w="med" len="lg"/>
-          </a:ln>
-        </p:spPr>
-        <p:style>
-          <a:lnRef idx="1">
-            <a:schemeClr val="accent5"/>
-          </a:lnRef>
-          <a:fillRef idx="0">
-            <a:schemeClr val="accent5"/>
-          </a:fillRef>
-          <a:effectRef idx="0">
-            <a:schemeClr val="accent5"/>
-          </a:effectRef>
-          <a:fontRef idx="minor">
-            <a:schemeClr val="tx1"/>
-          </a:fontRef>
-        </p:style>
-      </p:cxnSp>
-      <p:cxnSp>
-        <p:nvCxnSpPr>
-          <p:cNvPr id="29" name="Connecteur droit avec flèche 28"/>
-          <p:cNvCxnSpPr/>
-          <p:nvPr/>
-        </p:nvCxnSpPr>
-        <p:spPr>
-          <a:xfrm>
-            <a:off x="2084718" y="1489984"/>
-            <a:ext cx="1698733" cy="642872"/>
-          </a:xfrm>
-          <a:prstGeom prst="straightConnector1">
-            <a:avLst/>
-          </a:prstGeom>
-          <a:ln w="28575">
-            <a:headEnd type="stealth" w="med" len="lg"/>
-            <a:tailEnd type="stealth" w="med" len="lg"/>
-          </a:ln>
-        </p:spPr>
-        <p:style>
-          <a:lnRef idx="1">
-            <a:schemeClr val="accent5"/>
-          </a:lnRef>
-          <a:fillRef idx="0">
-            <a:schemeClr val="accent5"/>
-          </a:fillRef>
-          <a:effectRef idx="0">
-            <a:schemeClr val="accent5"/>
-          </a:effectRef>
-          <a:fontRef idx="minor">
-            <a:schemeClr val="tx1"/>
-          </a:fontRef>
-        </p:style>
-      </p:cxnSp>
-      <p:cxnSp>
-        <p:nvCxnSpPr>
-          <p:cNvPr id="30" name="Connecteur droit avec flèche 29"/>
-          <p:cNvCxnSpPr/>
-          <p:nvPr/>
-        </p:nvCxnSpPr>
-        <p:spPr>
-          <a:xfrm flipV="1">
-            <a:off x="5223451" y="1489984"/>
-            <a:ext cx="1657418" cy="642872"/>
-          </a:xfrm>
-          <a:prstGeom prst="straightConnector1">
-            <a:avLst/>
-          </a:prstGeom>
-          <a:ln w="28575">
-            <a:headEnd type="stealth" w="med" len="lg"/>
-            <a:tailEnd type="stealth" w="med" len="lg"/>
-          </a:ln>
-        </p:spPr>
-        <p:style>
-          <a:lnRef idx="1">
-            <a:schemeClr val="accent5"/>
-          </a:lnRef>
-          <a:fillRef idx="0">
-            <a:schemeClr val="accent5"/>
-          </a:fillRef>
-          <a:effectRef idx="0">
-            <a:schemeClr val="accent5"/>
-          </a:effectRef>
-          <a:fontRef idx="minor">
-            <a:schemeClr val="tx1"/>
-          </a:fontRef>
-        </p:style>
-      </p:cxnSp>
-      <p:cxnSp>
-        <p:nvCxnSpPr>
-          <p:cNvPr id="31" name="Connecteur droit avec flèche 30"/>
-          <p:cNvCxnSpPr/>
-          <p:nvPr/>
-        </p:nvCxnSpPr>
-        <p:spPr>
-          <a:xfrm flipV="1">
-            <a:off x="5152677" y="3406239"/>
-            <a:ext cx="288192" cy="454090"/>
-          </a:xfrm>
-          <a:prstGeom prst="straightConnector1">
-            <a:avLst/>
-          </a:prstGeom>
-          <a:ln w="28575">
-            <a:headEnd type="stealth" w="med" len="lg"/>
-            <a:tailEnd type="stealth" w="med" len="lg"/>
-          </a:ln>
-        </p:spPr>
-        <p:style>
-          <a:lnRef idx="1">
-            <a:schemeClr val="accent5"/>
-          </a:lnRef>
-          <a:fillRef idx="0">
-            <a:schemeClr val="accent5"/>
-          </a:fillRef>
-          <a:effectRef idx="0">
-            <a:schemeClr val="accent5"/>
-          </a:effectRef>
-          <a:fontRef idx="minor">
-            <a:schemeClr val="tx1"/>
-          </a:fontRef>
-        </p:style>
-      </p:cxnSp>
-      <p:cxnSp>
-        <p:nvCxnSpPr>
-          <p:cNvPr id="32" name="Connecteur droit avec flèche 31"/>
-          <p:cNvCxnSpPr/>
-          <p:nvPr/>
-        </p:nvCxnSpPr>
-        <p:spPr>
-          <a:xfrm flipH="1" flipV="1">
-            <a:off x="3424485" y="3406241"/>
-            <a:ext cx="288192" cy="454088"/>
-          </a:xfrm>
-          <a:prstGeom prst="straightConnector1">
-            <a:avLst/>
-          </a:prstGeom>
-          <a:ln w="28575">
-            <a:headEnd type="stealth" w="med" len="lg"/>
-            <a:tailEnd type="stealth" w="med" len="lg"/>
-          </a:ln>
-        </p:spPr>
-        <p:style>
-          <a:lnRef idx="1">
-            <a:schemeClr val="accent5"/>
-          </a:lnRef>
-          <a:fillRef idx="0">
-            <a:schemeClr val="accent5"/>
-          </a:fillRef>
-          <a:effectRef idx="0">
-            <a:schemeClr val="accent5"/>
-          </a:effectRef>
-          <a:fontRef idx="minor">
-            <a:schemeClr val="tx1"/>
-          </a:fontRef>
-        </p:style>
-      </p:cxnSp>
-      <p:cxnSp>
-        <p:nvCxnSpPr>
-          <p:cNvPr id="33" name="Connecteur droit avec flèche 32"/>
-          <p:cNvCxnSpPr>
-            <a:stCxn id="22" idx="1"/>
-            <a:endCxn id="20" idx="3"/>
-          </p:cNvCxnSpPr>
-          <p:nvPr/>
-        </p:nvCxnSpPr>
-        <p:spPr>
-          <a:xfrm flipH="1">
-            <a:off x="3424485" y="3136239"/>
-            <a:ext cx="2016384" cy="0"/>
-          </a:xfrm>
-          <a:prstGeom prst="straightConnector1">
-            <a:avLst/>
-          </a:prstGeom>
-          <a:ln w="28575">
-            <a:headEnd type="stealth" w="med" len="lg"/>
-            <a:tailEnd type="stealth" w="med" len="lg"/>
-          </a:ln>
-        </p:spPr>
-        <p:style>
-          <a:lnRef idx="1">
-            <a:schemeClr val="accent5"/>
-          </a:lnRef>
-          <a:fillRef idx="0">
-            <a:schemeClr val="accent5"/>
-          </a:fillRef>
-          <a:effectRef idx="0">
-            <a:schemeClr val="accent5"/>
-          </a:effectRef>
-          <a:fontRef idx="minor">
-            <a:schemeClr val="tx1"/>
-          </a:fontRef>
-        </p:style>
-      </p:cxnSp>
-      <p:cxnSp>
-        <p:nvCxnSpPr>
-          <p:cNvPr id="34" name="Connecteur droit avec flèche 33"/>
-          <p:cNvCxnSpPr>
-            <a:endCxn id="13" idx="0"/>
-          </p:cNvCxnSpPr>
-          <p:nvPr/>
-        </p:nvCxnSpPr>
-        <p:spPr>
-          <a:xfrm>
-            <a:off x="-2014740" y="270000"/>
-            <a:ext cx="0" cy="679984"/>
-          </a:xfrm>
-          <a:prstGeom prst="straightConnector1">
-            <a:avLst/>
-          </a:prstGeom>
-          <a:ln w="19050">
-            <a:tailEnd type="arrow"/>
-          </a:ln>
-        </p:spPr>
-        <p:style>
-          <a:lnRef idx="1">
-            <a:schemeClr val="accent4"/>
-          </a:lnRef>
-          <a:fillRef idx="0">
-            <a:schemeClr val="accent4"/>
-          </a:fillRef>
-          <a:effectRef idx="0">
-            <a:schemeClr val="accent4"/>
-          </a:effectRef>
-          <a:fontRef idx="minor">
-            <a:schemeClr val="tx1"/>
-          </a:fontRef>
-        </p:style>
-      </p:cxnSp>
-      <p:cxnSp>
-        <p:nvCxnSpPr>
-          <p:cNvPr id="35" name="Connecteur droit avec flèche 34"/>
-          <p:cNvCxnSpPr>
-            <a:endCxn id="12" idx="3"/>
-          </p:cNvCxnSpPr>
-          <p:nvPr/>
-        </p:nvCxnSpPr>
-        <p:spPr>
-          <a:xfrm flipH="1">
-            <a:off x="10417205" y="270000"/>
-            <a:ext cx="491419" cy="0"/>
-          </a:xfrm>
-          <a:prstGeom prst="straightConnector1">
-            <a:avLst/>
-          </a:prstGeom>
-          <a:ln w="19050">
-            <a:tailEnd type="arrow"/>
-          </a:ln>
-        </p:spPr>
-        <p:style>
-          <a:lnRef idx="1">
-            <a:schemeClr val="accent4"/>
-          </a:lnRef>
-          <a:fillRef idx="0">
-            <a:schemeClr val="accent4"/>
-          </a:fillRef>
-          <a:effectRef idx="0">
-            <a:schemeClr val="accent4"/>
-          </a:effectRef>
-          <a:fontRef idx="minor">
-            <a:schemeClr val="tx1"/>
-          </a:fontRef>
-        </p:style>
-      </p:cxnSp>
-      <p:cxnSp>
-        <p:nvCxnSpPr>
-          <p:cNvPr id="36" name="Connecteur droit avec flèche 35"/>
-          <p:cNvCxnSpPr>
-            <a:stCxn id="11" idx="1"/>
-          </p:cNvCxnSpPr>
-          <p:nvPr/>
-        </p:nvCxnSpPr>
-        <p:spPr>
-          <a:xfrm flipH="1">
-            <a:off x="-2014740" y="270000"/>
-            <a:ext cx="319087" cy="0"/>
-          </a:xfrm>
-          <a:prstGeom prst="straightConnector1">
-            <a:avLst/>
-          </a:prstGeom>
-          <a:ln w="19050">
-            <a:headEnd type="none" w="med" len="med"/>
-            <a:tailEnd type="none" w="med" len="med"/>
-          </a:ln>
-        </p:spPr>
-        <p:style>
-          <a:lnRef idx="1">
-            <a:schemeClr val="accent4"/>
-          </a:lnRef>
-          <a:fillRef idx="0">
-            <a:schemeClr val="accent4"/>
-          </a:fillRef>
-          <a:effectRef idx="0">
-            <a:schemeClr val="accent4"/>
-          </a:effectRef>
-          <a:fontRef idx="minor">
-            <a:schemeClr val="tx1"/>
-          </a:fontRef>
-        </p:style>
-      </p:cxnSp>
-      <p:cxnSp>
-        <p:nvCxnSpPr>
-          <p:cNvPr id="37" name="Connecteur droit avec flèche 36"/>
-          <p:cNvCxnSpPr>
-            <a:endCxn id="15" idx="0"/>
-          </p:cNvCxnSpPr>
-          <p:nvPr/>
-        </p:nvCxnSpPr>
-        <p:spPr>
-          <a:xfrm>
-            <a:off x="269440" y="3136239"/>
-            <a:ext cx="0" cy="231796"/>
-          </a:xfrm>
-          <a:prstGeom prst="straightConnector1">
-            <a:avLst/>
-          </a:prstGeom>
-          <a:ln w="19050">
-            <a:headEnd type="none" w="med" len="med"/>
-            <a:tailEnd type="none" w="med" len="med"/>
-          </a:ln>
-        </p:spPr>
-        <p:style>
-          <a:lnRef idx="1">
-            <a:schemeClr val="accent4"/>
-          </a:lnRef>
-          <a:fillRef idx="0">
-            <a:schemeClr val="accent4"/>
-          </a:fillRef>
-          <a:effectRef idx="0">
-            <a:schemeClr val="accent4"/>
-          </a:effectRef>
-          <a:fontRef idx="minor">
-            <a:schemeClr val="tx1"/>
-          </a:fontRef>
-        </p:style>
-      </p:cxnSp>
-      <p:cxnSp>
-        <p:nvCxnSpPr>
-          <p:cNvPr id="38" name="Connecteur droit avec flèche 37"/>
-          <p:cNvCxnSpPr>
-            <a:stCxn id="15" idx="2"/>
-          </p:cNvCxnSpPr>
-          <p:nvPr/>
-        </p:nvCxnSpPr>
-        <p:spPr>
-          <a:xfrm>
-            <a:off x="269440" y="3908035"/>
-            <a:ext cx="0" cy="222294"/>
-          </a:xfrm>
-          <a:prstGeom prst="straightConnector1">
-            <a:avLst/>
-          </a:prstGeom>
-          <a:ln w="19050">
-            <a:headEnd type="none" w="med" len="med"/>
-            <a:tailEnd type="none" w="med" len="med"/>
-          </a:ln>
-        </p:spPr>
-        <p:style>
-          <a:lnRef idx="1">
-            <a:schemeClr val="accent4"/>
-          </a:lnRef>
-          <a:fillRef idx="0">
-            <a:schemeClr val="accent4"/>
-          </a:fillRef>
-          <a:effectRef idx="0">
-            <a:schemeClr val="accent4"/>
-          </a:effectRef>
-          <a:fontRef idx="minor">
-            <a:schemeClr val="tx1"/>
-          </a:fontRef>
-        </p:style>
-      </p:cxnSp>
-      <p:cxnSp>
-        <p:nvCxnSpPr>
-          <p:cNvPr id="39" name="Connecteur droit avec flèche 38"/>
-          <p:cNvCxnSpPr>
-            <a:stCxn id="17" idx="0"/>
-          </p:cNvCxnSpPr>
-          <p:nvPr/>
-        </p:nvCxnSpPr>
-        <p:spPr>
-          <a:xfrm flipV="1">
-            <a:off x="10908624" y="270000"/>
-            <a:ext cx="0" cy="679984"/>
-          </a:xfrm>
-          <a:prstGeom prst="straightConnector1">
-            <a:avLst/>
-          </a:prstGeom>
-          <a:ln w="19050">
-            <a:headEnd type="none" w="med" len="med"/>
-            <a:tailEnd type="none" w="med" len="med"/>
-          </a:ln>
-        </p:spPr>
-        <p:style>
-          <a:lnRef idx="1">
-            <a:schemeClr val="accent4"/>
-          </a:lnRef>
-          <a:fillRef idx="0">
-            <a:schemeClr val="accent4"/>
-          </a:fillRef>
-          <a:effectRef idx="0">
-            <a:schemeClr val="accent4"/>
-          </a:effectRef>
-          <a:fontRef idx="minor">
-            <a:schemeClr val="tx1"/>
-          </a:fontRef>
-        </p:style>
-      </p:cxnSp>
+      <p:graphicFrame>
+        <p:nvGraphicFramePr>
+          <p:cNvPr id="5" name="Diagramme 4"/>
+          <p:cNvGraphicFramePr/>
+          <p:nvPr>
+            <p:extLst>
+              <p:ext uri="{D42A27DB-BD31-4B8C-83A1-F6EECF244321}">
+                <p14:modId xmlns:p14="http://schemas.microsoft.com/office/powerpoint/2010/main" val="1651723787"/>
+              </p:ext>
+            </p:extLst>
+          </p:nvPr>
+        </p:nvGraphicFramePr>
+        <p:xfrm>
+          <a:off x="251520" y="188640"/>
+          <a:ext cx="7368480" cy="5272360"/>
+        </p:xfrm>
+        <a:graphic>
+          <a:graphicData uri="http://schemas.openxmlformats.org/drawingml/2006/diagram">
+            <dgm:relIds xmlns:dgm="http://schemas.openxmlformats.org/drawingml/2006/diagram" xmlns:r="http://schemas.openxmlformats.org/officeDocument/2006/relationships" r:dm="rId2" r:lo="rId3" r:qs="rId4" r:cs="rId5"/>
+          </a:graphicData>
+        </a:graphic>
+      </p:graphicFrame>
     </p:spTree>
     <p:extLst>
       <p:ext uri="{BB962C8B-B14F-4D97-AF65-F5344CB8AC3E}">
-        <p14:creationId xmlns:p14="http://schemas.microsoft.com/office/powerpoint/2010/main" val="1959051362"/>
+        <p14:creationId xmlns:p14="http://schemas.microsoft.com/office/powerpoint/2010/main" val="3033989473"/>
       </p:ext>
     </p:extLst>
   </p:cSld>
@@ -16291,13 +15599,13 @@
         </p:spPr>
         <p:style>
           <a:lnRef idx="1">
-            <a:schemeClr val="accent3"/>
+            <a:schemeClr val="accent4"/>
           </a:lnRef>
           <a:fillRef idx="2">
-            <a:schemeClr val="accent3"/>
+            <a:schemeClr val="accent4"/>
           </a:fillRef>
           <a:effectRef idx="1">
-            <a:schemeClr val="accent3"/>
+            <a:schemeClr val="accent4"/>
           </a:effectRef>
           <a:fontRef idx="minor">
             <a:schemeClr val="dk1"/>
@@ -16328,6 +15636,384 @@
             <a:ext cx="1440000" cy="540000"/>
           </a:xfrm>
           <a:prstGeom prst="rect">
+            <a:avLst/>
+          </a:prstGeom>
+        </p:spPr>
+        <p:style>
+          <a:lnRef idx="1">
+            <a:schemeClr val="accent4"/>
+          </a:lnRef>
+          <a:fillRef idx="2">
+            <a:schemeClr val="accent4"/>
+          </a:fillRef>
+          <a:effectRef idx="1">
+            <a:schemeClr val="accent4"/>
+          </a:effectRef>
+          <a:fontRef idx="minor">
+            <a:schemeClr val="dk1"/>
+          </a:fontRef>
+        </p:style>
+        <p:txBody>
+          <a:bodyPr rtlCol="0" anchor="ctr"/>
+          <a:lstStyle/>
+          <a:p>
+            <a:pPr algn="ctr"/>
+            <a:r>
+              <a:rPr lang="fr-FR" sz="1200" dirty="0" smtClean="0"/>
+              <a:t>Choix de l’architecture globale du système</a:t>
+            </a:r>
+            <a:endParaRPr lang="fr-FR" sz="1200" dirty="0"/>
+          </a:p>
+        </p:txBody>
+      </p:sp>
+      <p:sp>
+        <p:nvSpPr>
+          <p:cNvPr id="15" name="Rectangle 14"/>
+          <p:cNvSpPr/>
+          <p:nvPr/>
+        </p:nvSpPr>
+        <p:spPr>
+          <a:xfrm>
+            <a:off x="-468560" y="3368035"/>
+            <a:ext cx="1476000" cy="540000"/>
+          </a:xfrm>
+          <a:prstGeom prst="rect">
+            <a:avLst/>
+          </a:prstGeom>
+        </p:spPr>
+        <p:style>
+          <a:lnRef idx="1">
+            <a:schemeClr val="accent4"/>
+          </a:lnRef>
+          <a:fillRef idx="2">
+            <a:schemeClr val="accent4"/>
+          </a:fillRef>
+          <a:effectRef idx="1">
+            <a:schemeClr val="accent4"/>
+          </a:effectRef>
+          <a:fontRef idx="minor">
+            <a:schemeClr val="dk1"/>
+          </a:fontRef>
+        </p:style>
+        <p:txBody>
+          <a:bodyPr rtlCol="0" anchor="ctr"/>
+          <a:lstStyle/>
+          <a:p>
+            <a:pPr algn="ctr"/>
+            <a:r>
+              <a:rPr lang="fr-FR" sz="1200" dirty="0" smtClean="0"/>
+              <a:t>Choix de l’architecture détaillée du système</a:t>
+            </a:r>
+            <a:endParaRPr lang="fr-FR" sz="1200" dirty="0"/>
+          </a:p>
+        </p:txBody>
+      </p:sp>
+      <p:sp>
+        <p:nvSpPr>
+          <p:cNvPr id="16" name="Rectangle 15"/>
+          <p:cNvSpPr/>
+          <p:nvPr/>
+        </p:nvSpPr>
+        <p:spPr>
+          <a:xfrm>
+            <a:off x="8424000" y="2866239"/>
+            <a:ext cx="1440000" cy="540000"/>
+          </a:xfrm>
+          <a:prstGeom prst="rect">
+            <a:avLst/>
+          </a:prstGeom>
+        </p:spPr>
+        <p:style>
+          <a:lnRef idx="1">
+            <a:schemeClr val="accent4"/>
+          </a:lnRef>
+          <a:fillRef idx="2">
+            <a:schemeClr val="accent4"/>
+          </a:fillRef>
+          <a:effectRef idx="1">
+            <a:schemeClr val="accent4"/>
+          </a:effectRef>
+          <a:fontRef idx="minor">
+            <a:schemeClr val="dk1"/>
+          </a:fontRef>
+        </p:style>
+        <p:txBody>
+          <a:bodyPr rtlCol="0" anchor="ctr"/>
+          <a:lstStyle/>
+          <a:p>
+            <a:pPr algn="ctr"/>
+            <a:r>
+              <a:rPr lang="fr-FR" sz="1200" dirty="0" smtClean="0"/>
+              <a:t>Sous-systèmes réalisés</a:t>
+            </a:r>
+            <a:endParaRPr lang="fr-FR" sz="1200" dirty="0"/>
+          </a:p>
+        </p:txBody>
+      </p:sp>
+      <p:sp>
+        <p:nvSpPr>
+          <p:cNvPr id="17" name="Rectangle 16"/>
+          <p:cNvSpPr/>
+          <p:nvPr/>
+        </p:nvSpPr>
+        <p:spPr>
+          <a:xfrm>
+            <a:off x="10188624" y="949984"/>
+            <a:ext cx="1440000" cy="540000"/>
+          </a:xfrm>
+          <a:prstGeom prst="rect">
+            <a:avLst/>
+          </a:prstGeom>
+        </p:spPr>
+        <p:style>
+          <a:lnRef idx="1">
+            <a:schemeClr val="accent4"/>
+          </a:lnRef>
+          <a:fillRef idx="2">
+            <a:schemeClr val="accent4"/>
+          </a:fillRef>
+          <a:effectRef idx="1">
+            <a:schemeClr val="accent4"/>
+          </a:effectRef>
+          <a:fontRef idx="minor">
+            <a:schemeClr val="dk1"/>
+          </a:fontRef>
+        </p:style>
+        <p:txBody>
+          <a:bodyPr rtlCol="0" anchor="ctr"/>
+          <a:lstStyle/>
+          <a:p>
+            <a:pPr algn="ctr"/>
+            <a:r>
+              <a:rPr lang="fr-FR" sz="1200" dirty="0" smtClean="0"/>
+              <a:t>Système réalisé</a:t>
+            </a:r>
+            <a:endParaRPr lang="fr-FR" sz="1200" dirty="0"/>
+          </a:p>
+        </p:txBody>
+      </p:sp>
+      <p:sp>
+        <p:nvSpPr>
+          <p:cNvPr id="18" name="Rectangle 17"/>
+          <p:cNvSpPr/>
+          <p:nvPr/>
+        </p:nvSpPr>
+        <p:spPr>
+          <a:xfrm>
+            <a:off x="644718" y="949984"/>
+            <a:ext cx="1440000" cy="540000"/>
+          </a:xfrm>
+          <a:prstGeom prst="rect">
+            <a:avLst/>
+          </a:prstGeom>
+        </p:spPr>
+        <p:style>
+          <a:lnRef idx="1">
+            <a:schemeClr val="accent1"/>
+          </a:lnRef>
+          <a:fillRef idx="2">
+            <a:schemeClr val="accent1"/>
+          </a:fillRef>
+          <a:effectRef idx="1">
+            <a:schemeClr val="accent1"/>
+          </a:effectRef>
+          <a:fontRef idx="minor">
+            <a:schemeClr val="dk1"/>
+          </a:fontRef>
+        </p:style>
+        <p:txBody>
+          <a:bodyPr rtlCol="0" anchor="ctr"/>
+          <a:lstStyle/>
+          <a:p>
+            <a:pPr algn="ctr"/>
+            <a:r>
+              <a:rPr lang="fr-FR" sz="1200" dirty="0" smtClean="0"/>
+              <a:t>Performances attendues du système</a:t>
+            </a:r>
+            <a:endParaRPr lang="fr-FR" sz="1200" dirty="0"/>
+          </a:p>
+        </p:txBody>
+      </p:sp>
+      <p:sp>
+        <p:nvSpPr>
+          <p:cNvPr id="19" name="Rectangle 18"/>
+          <p:cNvSpPr/>
+          <p:nvPr/>
+        </p:nvSpPr>
+        <p:spPr>
+          <a:xfrm>
+            <a:off x="3783451" y="2132856"/>
+            <a:ext cx="1440000" cy="540000"/>
+          </a:xfrm>
+          <a:prstGeom prst="rect">
+            <a:avLst/>
+          </a:prstGeom>
+        </p:spPr>
+        <p:style>
+          <a:lnRef idx="1">
+            <a:schemeClr val="accent1"/>
+          </a:lnRef>
+          <a:fillRef idx="2">
+            <a:schemeClr val="accent1"/>
+          </a:fillRef>
+          <a:effectRef idx="1">
+            <a:schemeClr val="accent1"/>
+          </a:effectRef>
+          <a:fontRef idx="minor">
+            <a:schemeClr val="dk1"/>
+          </a:fontRef>
+        </p:style>
+        <p:txBody>
+          <a:bodyPr rtlCol="0" anchor="ctr"/>
+          <a:lstStyle/>
+          <a:p>
+            <a:pPr algn="ctr"/>
+            <a:r>
+              <a:rPr lang="fr-FR" sz="1200" dirty="0" smtClean="0"/>
+              <a:t>Performances simulées du système</a:t>
+            </a:r>
+            <a:endParaRPr lang="fr-FR" sz="1200" dirty="0"/>
+          </a:p>
+        </p:txBody>
+      </p:sp>
+      <p:sp>
+        <p:nvSpPr>
+          <p:cNvPr id="20" name="Rectangle 19"/>
+          <p:cNvSpPr/>
+          <p:nvPr/>
+        </p:nvSpPr>
+        <p:spPr>
+          <a:xfrm>
+            <a:off x="1984485" y="2866239"/>
+            <a:ext cx="1440000" cy="540000"/>
+          </a:xfrm>
+          <a:prstGeom prst="rect">
+            <a:avLst/>
+          </a:prstGeom>
+        </p:spPr>
+        <p:style>
+          <a:lnRef idx="1">
+            <a:schemeClr val="accent1"/>
+          </a:lnRef>
+          <a:fillRef idx="2">
+            <a:schemeClr val="accent1"/>
+          </a:fillRef>
+          <a:effectRef idx="1">
+            <a:schemeClr val="accent1"/>
+          </a:effectRef>
+          <a:fontRef idx="minor">
+            <a:schemeClr val="dk1"/>
+          </a:fontRef>
+        </p:style>
+        <p:txBody>
+          <a:bodyPr rtlCol="0" anchor="ctr"/>
+          <a:lstStyle/>
+          <a:p>
+            <a:pPr algn="ctr"/>
+            <a:r>
+              <a:rPr lang="fr-FR" sz="1200" dirty="0" smtClean="0"/>
+              <a:t>Performances attendues des sous-systèmes</a:t>
+            </a:r>
+            <a:endParaRPr lang="fr-FR" sz="1200" dirty="0"/>
+          </a:p>
+        </p:txBody>
+      </p:sp>
+      <p:sp>
+        <p:nvSpPr>
+          <p:cNvPr id="21" name="Rectangle 20"/>
+          <p:cNvSpPr/>
+          <p:nvPr/>
+        </p:nvSpPr>
+        <p:spPr>
+          <a:xfrm>
+            <a:off x="3712677" y="3860329"/>
+            <a:ext cx="1440000" cy="540000"/>
+          </a:xfrm>
+          <a:prstGeom prst="rect">
+            <a:avLst/>
+          </a:prstGeom>
+        </p:spPr>
+        <p:style>
+          <a:lnRef idx="1">
+            <a:schemeClr val="accent1"/>
+          </a:lnRef>
+          <a:fillRef idx="2">
+            <a:schemeClr val="accent1"/>
+          </a:fillRef>
+          <a:effectRef idx="1">
+            <a:schemeClr val="accent1"/>
+          </a:effectRef>
+          <a:fontRef idx="minor">
+            <a:schemeClr val="dk1"/>
+          </a:fontRef>
+        </p:style>
+        <p:txBody>
+          <a:bodyPr rtlCol="0" anchor="ctr"/>
+          <a:lstStyle/>
+          <a:p>
+            <a:pPr algn="ctr"/>
+            <a:r>
+              <a:rPr lang="fr-FR" sz="1200" dirty="0" smtClean="0"/>
+              <a:t>Performances mesurées des sous-systèmes</a:t>
+            </a:r>
+            <a:endParaRPr lang="fr-FR" sz="1200" dirty="0"/>
+          </a:p>
+        </p:txBody>
+      </p:sp>
+      <p:sp>
+        <p:nvSpPr>
+          <p:cNvPr id="22" name="Rectangle 21"/>
+          <p:cNvSpPr/>
+          <p:nvPr/>
+        </p:nvSpPr>
+        <p:spPr>
+          <a:xfrm>
+            <a:off x="5440869" y="2866239"/>
+            <a:ext cx="1440000" cy="540000"/>
+          </a:xfrm>
+          <a:prstGeom prst="rect">
+            <a:avLst/>
+          </a:prstGeom>
+        </p:spPr>
+        <p:style>
+          <a:lnRef idx="1">
+            <a:schemeClr val="accent1"/>
+          </a:lnRef>
+          <a:fillRef idx="2">
+            <a:schemeClr val="accent1"/>
+          </a:fillRef>
+          <a:effectRef idx="1">
+            <a:schemeClr val="accent1"/>
+          </a:effectRef>
+          <a:fontRef idx="minor">
+            <a:schemeClr val="dk1"/>
+          </a:fontRef>
+        </p:style>
+        <p:txBody>
+          <a:bodyPr rtlCol="0" anchor="ctr"/>
+          <a:lstStyle/>
+          <a:p>
+            <a:pPr algn="ctr"/>
+            <a:r>
+              <a:rPr lang="fr-FR" sz="1200" dirty="0" smtClean="0"/>
+              <a:t>Performances simulées des sous-systèmes</a:t>
+            </a:r>
+            <a:endParaRPr lang="fr-FR" sz="1200" dirty="0"/>
+          </a:p>
+        </p:txBody>
+      </p:sp>
+      <p:sp>
+        <p:nvSpPr>
+          <p:cNvPr id="23" name="Flèche droite 22"/>
+          <p:cNvSpPr/>
+          <p:nvPr/>
+        </p:nvSpPr>
+        <p:spPr>
+          <a:xfrm rot="2700000">
+            <a:off x="-1915151" y="2442430"/>
+            <a:ext cx="5796062" cy="864096"/>
+          </a:xfrm>
+          <a:prstGeom prst="rightArrow">
             <a:avLst/>
           </a:prstGeom>
         </p:spPr>
@@ -16351,25 +16037,25 @@
           <a:p>
             <a:pPr algn="ctr"/>
             <a:r>
-              <a:rPr lang="fr-FR" sz="1200" dirty="0"/>
-              <a:t>Choix de l’architecture globale du système</a:t>
-            </a:r>
-            <a:endParaRPr lang="fr-FR" sz="1200" dirty="0"/>
-          </a:p>
-        </p:txBody>
-      </p:sp>
-      <p:sp>
-        <p:nvSpPr>
-          <p:cNvPr id="15" name="Rectangle 14"/>
+              <a:rPr lang="fr-FR" sz="1400" b="1" i="1" dirty="0" smtClean="0"/>
+              <a:t>Conception</a:t>
+            </a:r>
+            <a:endParaRPr lang="fr-FR" sz="1400" b="1" i="1" dirty="0"/>
+          </a:p>
+        </p:txBody>
+      </p:sp>
+      <p:sp>
+        <p:nvSpPr>
+          <p:cNvPr id="24" name="Flèche droite 23"/>
           <p:cNvSpPr/>
           <p:nvPr/>
         </p:nvSpPr>
         <p:spPr>
           <a:xfrm>
-            <a:off x="-468560" y="3368035"/>
-            <a:ext cx="1476000" cy="540000"/>
-          </a:xfrm>
-          <a:prstGeom prst="rect">
+            <a:off x="3145559" y="4400329"/>
+            <a:ext cx="2671700" cy="864096"/>
+          </a:xfrm>
+          <a:prstGeom prst="rightArrow">
             <a:avLst/>
           </a:prstGeom>
         </p:spPr>
@@ -16393,25 +16079,25 @@
           <a:p>
             <a:pPr algn="ctr"/>
             <a:r>
-              <a:rPr lang="fr-FR" sz="1200" dirty="0"/>
-              <a:t>Choix de l’architecture détaillée du système</a:t>
-            </a:r>
-            <a:endParaRPr lang="fr-FR" sz="1200" dirty="0"/>
-          </a:p>
-        </p:txBody>
-      </p:sp>
-      <p:sp>
-        <p:nvSpPr>
-          <p:cNvPr id="16" name="Rectangle 15"/>
+              <a:rPr lang="fr-FR" sz="1400" b="1" i="1" dirty="0" smtClean="0"/>
+              <a:t>Réalisation</a:t>
+            </a:r>
+            <a:endParaRPr lang="fr-FR" sz="1400" b="1" i="1" dirty="0"/>
+          </a:p>
+        </p:txBody>
+      </p:sp>
+      <p:sp>
+        <p:nvSpPr>
+          <p:cNvPr id="25" name="Flèche droite 24"/>
           <p:cNvSpPr/>
           <p:nvPr/>
         </p:nvSpPr>
         <p:spPr>
-          <a:xfrm>
-            <a:off x="8424000" y="2866239"/>
-            <a:ext cx="1440000" cy="540000"/>
-          </a:xfrm>
-          <a:prstGeom prst="rect">
+          <a:xfrm rot="18900000">
+            <a:off x="5164505" y="2350430"/>
+            <a:ext cx="5796000" cy="864096"/>
+          </a:xfrm>
+          <a:prstGeom prst="rightArrow">
             <a:avLst/>
           </a:prstGeom>
         </p:spPr>
@@ -16435,22 +16121,22 @@
           <a:p>
             <a:pPr algn="ctr"/>
             <a:r>
-              <a:rPr lang="fr-FR" sz="1200" dirty="0" smtClean="0"/>
-              <a:t>Sous-systèmes réalisés</a:t>
-            </a:r>
-            <a:endParaRPr lang="fr-FR" sz="1200" dirty="0"/>
-          </a:p>
-        </p:txBody>
-      </p:sp>
-      <p:sp>
-        <p:nvSpPr>
-          <p:cNvPr id="17" name="Rectangle 16"/>
+              <a:rPr lang="fr-FR" sz="1400" b="1" i="1" dirty="0" smtClean="0"/>
+              <a:t>Intégration</a:t>
+            </a:r>
+            <a:endParaRPr lang="fr-FR" sz="1400" b="1" i="1" dirty="0"/>
+          </a:p>
+        </p:txBody>
+      </p:sp>
+      <p:sp>
+        <p:nvSpPr>
+          <p:cNvPr id="26" name="Rectangle 25"/>
           <p:cNvSpPr/>
           <p:nvPr/>
         </p:nvSpPr>
         <p:spPr>
           <a:xfrm>
-            <a:off x="10188624" y="949984"/>
+            <a:off x="6880869" y="949984"/>
             <a:ext cx="1440000" cy="540000"/>
           </a:xfrm>
           <a:prstGeom prst="rect">
@@ -16459,349 +16145,13 @@
         </p:spPr>
         <p:style>
           <a:lnRef idx="1">
-            <a:schemeClr val="accent3"/>
+            <a:schemeClr val="accent1"/>
           </a:lnRef>
           <a:fillRef idx="2">
-            <a:schemeClr val="accent3"/>
+            <a:schemeClr val="accent1"/>
           </a:fillRef>
           <a:effectRef idx="1">
-            <a:schemeClr val="accent3"/>
-          </a:effectRef>
-          <a:fontRef idx="minor">
-            <a:schemeClr val="dk1"/>
-          </a:fontRef>
-        </p:style>
-        <p:txBody>
-          <a:bodyPr rtlCol="0" anchor="ctr"/>
-          <a:lstStyle/>
-          <a:p>
-            <a:pPr algn="ctr"/>
-            <a:r>
-              <a:rPr lang="fr-FR" sz="1200" dirty="0" smtClean="0"/>
-              <a:t>Système réalisé</a:t>
-            </a:r>
-            <a:endParaRPr lang="fr-FR" sz="1200" dirty="0"/>
-          </a:p>
-        </p:txBody>
-      </p:sp>
-      <p:sp>
-        <p:nvSpPr>
-          <p:cNvPr id="18" name="Rectangle 17"/>
-          <p:cNvSpPr/>
-          <p:nvPr/>
-        </p:nvSpPr>
-        <p:spPr>
-          <a:xfrm>
-            <a:off x="644718" y="949984"/>
-            <a:ext cx="1440000" cy="540000"/>
-          </a:xfrm>
-          <a:prstGeom prst="rect">
-            <a:avLst/>
-          </a:prstGeom>
-        </p:spPr>
-        <p:style>
-          <a:lnRef idx="1">
-            <a:schemeClr val="accent5"/>
-          </a:lnRef>
-          <a:fillRef idx="2">
-            <a:schemeClr val="accent5"/>
-          </a:fillRef>
-          <a:effectRef idx="1">
-            <a:schemeClr val="accent5"/>
-          </a:effectRef>
-          <a:fontRef idx="minor">
-            <a:schemeClr val="dk1"/>
-          </a:fontRef>
-        </p:style>
-        <p:txBody>
-          <a:bodyPr rtlCol="0" anchor="ctr"/>
-          <a:lstStyle/>
-          <a:p>
-            <a:pPr algn="ctr"/>
-            <a:r>
-              <a:rPr lang="fr-FR" sz="1200" dirty="0" smtClean="0"/>
-              <a:t>Performances attendues du système</a:t>
-            </a:r>
-            <a:endParaRPr lang="fr-FR" sz="1200" dirty="0"/>
-          </a:p>
-        </p:txBody>
-      </p:sp>
-      <p:sp>
-        <p:nvSpPr>
-          <p:cNvPr id="19" name="Rectangle 18"/>
-          <p:cNvSpPr/>
-          <p:nvPr/>
-        </p:nvSpPr>
-        <p:spPr>
-          <a:xfrm>
-            <a:off x="3783451" y="2132856"/>
-            <a:ext cx="1440000" cy="540000"/>
-          </a:xfrm>
-          <a:prstGeom prst="rect">
-            <a:avLst/>
-          </a:prstGeom>
-        </p:spPr>
-        <p:style>
-          <a:lnRef idx="1">
-            <a:schemeClr val="accent5"/>
-          </a:lnRef>
-          <a:fillRef idx="2">
-            <a:schemeClr val="accent5"/>
-          </a:fillRef>
-          <a:effectRef idx="1">
-            <a:schemeClr val="accent5"/>
-          </a:effectRef>
-          <a:fontRef idx="minor">
-            <a:schemeClr val="dk1"/>
-          </a:fontRef>
-        </p:style>
-        <p:txBody>
-          <a:bodyPr rtlCol="0" anchor="ctr"/>
-          <a:lstStyle/>
-          <a:p>
-            <a:pPr algn="ctr"/>
-            <a:r>
-              <a:rPr lang="fr-FR" sz="1200" dirty="0" smtClean="0"/>
-              <a:t>Performances simulées du système</a:t>
-            </a:r>
-            <a:endParaRPr lang="fr-FR" sz="1200" dirty="0"/>
-          </a:p>
-        </p:txBody>
-      </p:sp>
-      <p:sp>
-        <p:nvSpPr>
-          <p:cNvPr id="20" name="Rectangle 19"/>
-          <p:cNvSpPr/>
-          <p:nvPr/>
-        </p:nvSpPr>
-        <p:spPr>
-          <a:xfrm>
-            <a:off x="1984485" y="2866239"/>
-            <a:ext cx="1440000" cy="540000"/>
-          </a:xfrm>
-          <a:prstGeom prst="rect">
-            <a:avLst/>
-          </a:prstGeom>
-        </p:spPr>
-        <p:style>
-          <a:lnRef idx="1">
-            <a:schemeClr val="accent5"/>
-          </a:lnRef>
-          <a:fillRef idx="2">
-            <a:schemeClr val="accent5"/>
-          </a:fillRef>
-          <a:effectRef idx="1">
-            <a:schemeClr val="accent5"/>
-          </a:effectRef>
-          <a:fontRef idx="minor">
-            <a:schemeClr val="dk1"/>
-          </a:fontRef>
-        </p:style>
-        <p:txBody>
-          <a:bodyPr rtlCol="0" anchor="ctr"/>
-          <a:lstStyle/>
-          <a:p>
-            <a:pPr algn="ctr"/>
-            <a:r>
-              <a:rPr lang="fr-FR" sz="1200" dirty="0" smtClean="0"/>
-              <a:t>Performances attendues des sous-systèmes</a:t>
-            </a:r>
-            <a:endParaRPr lang="fr-FR" sz="1200" dirty="0"/>
-          </a:p>
-        </p:txBody>
-      </p:sp>
-      <p:sp>
-        <p:nvSpPr>
-          <p:cNvPr id="21" name="Rectangle 20"/>
-          <p:cNvSpPr/>
-          <p:nvPr/>
-        </p:nvSpPr>
-        <p:spPr>
-          <a:xfrm>
-            <a:off x="3712677" y="3860329"/>
-            <a:ext cx="1440000" cy="540000"/>
-          </a:xfrm>
-          <a:prstGeom prst="rect">
-            <a:avLst/>
-          </a:prstGeom>
-        </p:spPr>
-        <p:style>
-          <a:lnRef idx="1">
-            <a:schemeClr val="accent5"/>
-          </a:lnRef>
-          <a:fillRef idx="2">
-            <a:schemeClr val="accent5"/>
-          </a:fillRef>
-          <a:effectRef idx="1">
-            <a:schemeClr val="accent5"/>
-          </a:effectRef>
-          <a:fontRef idx="minor">
-            <a:schemeClr val="dk1"/>
-          </a:fontRef>
-        </p:style>
-        <p:txBody>
-          <a:bodyPr rtlCol="0" anchor="ctr"/>
-          <a:lstStyle/>
-          <a:p>
-            <a:pPr algn="ctr"/>
-            <a:r>
-              <a:rPr lang="fr-FR" sz="1200" dirty="0" smtClean="0"/>
-              <a:t>Performances mesurées des sous-systèmes</a:t>
-            </a:r>
-            <a:endParaRPr lang="fr-FR" sz="1200" dirty="0"/>
-          </a:p>
-        </p:txBody>
-      </p:sp>
-      <p:sp>
-        <p:nvSpPr>
-          <p:cNvPr id="22" name="Rectangle 21"/>
-          <p:cNvSpPr/>
-          <p:nvPr/>
-        </p:nvSpPr>
-        <p:spPr>
-          <a:xfrm>
-            <a:off x="5440869" y="2866239"/>
-            <a:ext cx="1440000" cy="540000"/>
-          </a:xfrm>
-          <a:prstGeom prst="rect">
-            <a:avLst/>
-          </a:prstGeom>
-        </p:spPr>
-        <p:style>
-          <a:lnRef idx="1">
-            <a:schemeClr val="accent5"/>
-          </a:lnRef>
-          <a:fillRef idx="2">
-            <a:schemeClr val="accent5"/>
-          </a:fillRef>
-          <a:effectRef idx="1">
-            <a:schemeClr val="accent5"/>
-          </a:effectRef>
-          <a:fontRef idx="minor">
-            <a:schemeClr val="dk1"/>
-          </a:fontRef>
-        </p:style>
-        <p:txBody>
-          <a:bodyPr rtlCol="0" anchor="ctr"/>
-          <a:lstStyle/>
-          <a:p>
-            <a:pPr algn="ctr"/>
-            <a:r>
-              <a:rPr lang="fr-FR" sz="1200" dirty="0" smtClean="0"/>
-              <a:t>Performances simulées des sous-systèmes</a:t>
-            </a:r>
-            <a:endParaRPr lang="fr-FR" sz="1200" dirty="0"/>
-          </a:p>
-        </p:txBody>
-      </p:sp>
-      <p:sp>
-        <p:nvSpPr>
-          <p:cNvPr id="23" name="Flèche droite 22"/>
-          <p:cNvSpPr/>
-          <p:nvPr/>
-        </p:nvSpPr>
-        <p:spPr>
-          <a:xfrm rot="2700000">
-            <a:off x="-1915151" y="2442430"/>
-            <a:ext cx="5796062" cy="864096"/>
-          </a:xfrm>
-          <a:prstGeom prst="rightArrow">
-            <a:avLst/>
-          </a:prstGeom>
-        </p:spPr>
-        <p:style>
-          <a:lnRef idx="1">
-            <a:schemeClr val="accent3"/>
-          </a:lnRef>
-          <a:fillRef idx="2">
-            <a:schemeClr val="accent3"/>
-          </a:fillRef>
-          <a:effectRef idx="1">
-            <a:schemeClr val="accent3"/>
-          </a:effectRef>
-          <a:fontRef idx="minor">
-            <a:schemeClr val="dk1"/>
-          </a:fontRef>
-        </p:style>
-        <p:txBody>
-          <a:bodyPr rtlCol="0" anchor="ctr"/>
-          <a:lstStyle/>
-          <a:p>
-            <a:pPr algn="ctr"/>
-            <a:r>
-              <a:rPr lang="fr-FR" sz="1400" b="1" i="1" dirty="0"/>
-              <a:t>Conception</a:t>
-            </a:r>
-            <a:endParaRPr lang="fr-FR" sz="1400" b="1" i="1" dirty="0"/>
-          </a:p>
-        </p:txBody>
-      </p:sp>
-      <p:sp>
-        <p:nvSpPr>
-          <p:cNvPr id="25" name="Flèche droite 24"/>
-          <p:cNvSpPr/>
-          <p:nvPr/>
-        </p:nvSpPr>
-        <p:spPr>
-          <a:xfrm rot="18900000">
-            <a:off x="5164505" y="2350430"/>
-            <a:ext cx="5796000" cy="864096"/>
-          </a:xfrm>
-          <a:prstGeom prst="rightArrow">
-            <a:avLst/>
-          </a:prstGeom>
-        </p:spPr>
-        <p:style>
-          <a:lnRef idx="1">
-            <a:schemeClr val="accent3"/>
-          </a:lnRef>
-          <a:fillRef idx="2">
-            <a:schemeClr val="accent3"/>
-          </a:fillRef>
-          <a:effectRef idx="1">
-            <a:schemeClr val="accent3"/>
-          </a:effectRef>
-          <a:fontRef idx="minor">
-            <a:schemeClr val="dk1"/>
-          </a:fontRef>
-        </p:style>
-        <p:txBody>
-          <a:bodyPr rtlCol="0" anchor="ctr"/>
-          <a:lstStyle/>
-          <a:p>
-            <a:pPr algn="ctr"/>
-            <a:r>
-              <a:rPr lang="fr-FR" sz="1400" b="1" i="1" dirty="0" smtClean="0"/>
-              <a:t>Intégration</a:t>
-            </a:r>
-            <a:endParaRPr lang="fr-FR" sz="1400" b="1" i="1" dirty="0"/>
-          </a:p>
-        </p:txBody>
-      </p:sp>
-      <p:sp>
-        <p:nvSpPr>
-          <p:cNvPr id="26" name="Rectangle 25"/>
-          <p:cNvSpPr/>
-          <p:nvPr/>
-        </p:nvSpPr>
-        <p:spPr>
-          <a:xfrm>
-            <a:off x="6880869" y="949984"/>
-            <a:ext cx="1440000" cy="540000"/>
-          </a:xfrm>
-          <a:prstGeom prst="rect">
-            <a:avLst/>
-          </a:prstGeom>
-        </p:spPr>
-        <p:style>
-          <a:lnRef idx="1">
-            <a:schemeClr val="accent5"/>
-          </a:lnRef>
-          <a:fillRef idx="2">
-            <a:schemeClr val="accent5"/>
-          </a:fillRef>
-          <a:effectRef idx="1">
-            <a:schemeClr val="accent5"/>
+            <a:schemeClr val="accent1"/>
           </a:effectRef>
           <a:fontRef idx="minor">
             <a:schemeClr val="dk1"/>
@@ -17281,6 +16631,1338 @@
           </a:fontRef>
         </p:style>
       </p:cxnSp>
+    </p:spTree>
+    <p:extLst>
+      <p:ext uri="{BB962C8B-B14F-4D97-AF65-F5344CB8AC3E}">
+        <p14:creationId xmlns:p14="http://schemas.microsoft.com/office/powerpoint/2010/main" val="1959051362"/>
+      </p:ext>
+    </p:extLst>
+  </p:cSld>
+  <p:clrMapOvr>
+    <a:masterClrMapping/>
+  </p:clrMapOvr>
+</p:sld>
+</file>
+
+<file path=ppt/slides/slide5.xml><?xml version="1.0" encoding="utf-8"?>
+<p:sld xmlns:a="http://schemas.openxmlformats.org/drawingml/2006/main" xmlns:r="http://schemas.openxmlformats.org/officeDocument/2006/relationships" xmlns:p="http://schemas.openxmlformats.org/presentationml/2006/main">
+  <p:cSld>
+    <p:spTree>
+      <p:nvGrpSpPr>
+        <p:cNvPr id="1" name=""/>
+        <p:cNvGrpSpPr/>
+        <p:nvPr/>
+      </p:nvGrpSpPr>
+      <p:grpSpPr>
+        <a:xfrm>
+          <a:off x="0" y="0"/>
+          <a:ext cx="0" cy="0"/>
+          <a:chOff x="0" y="0"/>
+          <a:chExt cx="0" cy="0"/>
+        </a:xfrm>
+      </p:grpSpPr>
+      <p:cxnSp>
+        <p:nvCxnSpPr>
+          <p:cNvPr id="5" name="Connecteur droit avec flèche 4"/>
+          <p:cNvCxnSpPr>
+            <a:stCxn id="13" idx="3"/>
+            <a:endCxn id="18" idx="1"/>
+          </p:cNvCxnSpPr>
+          <p:nvPr/>
+        </p:nvCxnSpPr>
+        <p:spPr>
+          <a:xfrm>
+            <a:off x="-1294740" y="1219984"/>
+            <a:ext cx="1939458" cy="0"/>
+          </a:xfrm>
+          <a:prstGeom prst="straightConnector1">
+            <a:avLst/>
+          </a:prstGeom>
+          <a:ln w="19050">
+            <a:tailEnd type="arrow"/>
+          </a:ln>
+        </p:spPr>
+        <p:style>
+          <a:lnRef idx="1">
+            <a:schemeClr val="accent4"/>
+          </a:lnRef>
+          <a:fillRef idx="0">
+            <a:schemeClr val="accent4"/>
+          </a:fillRef>
+          <a:effectRef idx="0">
+            <a:schemeClr val="accent4"/>
+          </a:effectRef>
+          <a:fontRef idx="minor">
+            <a:schemeClr val="tx1"/>
+          </a:fontRef>
+        </p:style>
+      </p:cxnSp>
+      <p:cxnSp>
+        <p:nvCxnSpPr>
+          <p:cNvPr id="6" name="Connecteur droit avec flèche 5"/>
+          <p:cNvCxnSpPr>
+            <a:stCxn id="14" idx="3"/>
+            <a:endCxn id="19" idx="1"/>
+          </p:cNvCxnSpPr>
+          <p:nvPr/>
+        </p:nvCxnSpPr>
+        <p:spPr>
+          <a:xfrm>
+            <a:off x="-325011" y="2402856"/>
+            <a:ext cx="4108462" cy="0"/>
+          </a:xfrm>
+          <a:prstGeom prst="straightConnector1">
+            <a:avLst/>
+          </a:prstGeom>
+          <a:ln w="19050">
+            <a:tailEnd type="arrow"/>
+          </a:ln>
+        </p:spPr>
+        <p:style>
+          <a:lnRef idx="1">
+            <a:schemeClr val="accent4"/>
+          </a:lnRef>
+          <a:fillRef idx="0">
+            <a:schemeClr val="accent4"/>
+          </a:fillRef>
+          <a:effectRef idx="0">
+            <a:schemeClr val="accent4"/>
+          </a:effectRef>
+          <a:fontRef idx="minor">
+            <a:schemeClr val="tx1"/>
+          </a:fontRef>
+        </p:style>
+      </p:cxnSp>
+      <p:cxnSp>
+        <p:nvCxnSpPr>
+          <p:cNvPr id="7" name="Connecteur droit avec flèche 6"/>
+          <p:cNvCxnSpPr>
+            <a:stCxn id="17" idx="1"/>
+            <a:endCxn id="26" idx="3"/>
+          </p:cNvCxnSpPr>
+          <p:nvPr/>
+        </p:nvCxnSpPr>
+        <p:spPr>
+          <a:xfrm flipH="1">
+            <a:off x="8320869" y="1219984"/>
+            <a:ext cx="1867755" cy="0"/>
+          </a:xfrm>
+          <a:prstGeom prst="straightConnector1">
+            <a:avLst/>
+          </a:prstGeom>
+          <a:ln w="19050">
+            <a:tailEnd type="arrow"/>
+          </a:ln>
+        </p:spPr>
+        <p:style>
+          <a:lnRef idx="1">
+            <a:schemeClr val="accent4"/>
+          </a:lnRef>
+          <a:fillRef idx="0">
+            <a:schemeClr val="accent4"/>
+          </a:fillRef>
+          <a:effectRef idx="0">
+            <a:schemeClr val="accent4"/>
+          </a:effectRef>
+          <a:fontRef idx="minor">
+            <a:schemeClr val="tx1"/>
+          </a:fontRef>
+        </p:style>
+      </p:cxnSp>
+      <p:cxnSp>
+        <p:nvCxnSpPr>
+          <p:cNvPr id="8" name="Connecteur droit avec flèche 7"/>
+          <p:cNvCxnSpPr>
+            <a:stCxn id="16" idx="1"/>
+            <a:endCxn id="22" idx="3"/>
+          </p:cNvCxnSpPr>
+          <p:nvPr/>
+        </p:nvCxnSpPr>
+        <p:spPr>
+          <a:xfrm flipH="1">
+            <a:off x="6880869" y="3136239"/>
+            <a:ext cx="1543131" cy="0"/>
+          </a:xfrm>
+          <a:prstGeom prst="straightConnector1">
+            <a:avLst/>
+          </a:prstGeom>
+          <a:ln w="19050">
+            <a:tailEnd type="arrow"/>
+          </a:ln>
+        </p:spPr>
+        <p:style>
+          <a:lnRef idx="1">
+            <a:schemeClr val="accent4"/>
+          </a:lnRef>
+          <a:fillRef idx="0">
+            <a:schemeClr val="accent4"/>
+          </a:fillRef>
+          <a:effectRef idx="0">
+            <a:schemeClr val="accent4"/>
+          </a:effectRef>
+          <a:fontRef idx="minor">
+            <a:schemeClr val="tx1"/>
+          </a:fontRef>
+        </p:style>
+      </p:cxnSp>
+      <p:cxnSp>
+        <p:nvCxnSpPr>
+          <p:cNvPr id="9" name="Connecteur droit avec flèche 8"/>
+          <p:cNvCxnSpPr>
+            <a:endCxn id="21" idx="1"/>
+          </p:cNvCxnSpPr>
+          <p:nvPr/>
+        </p:nvCxnSpPr>
+        <p:spPr>
+          <a:xfrm>
+            <a:off x="269440" y="4130329"/>
+            <a:ext cx="3443237" cy="0"/>
+          </a:xfrm>
+          <a:prstGeom prst="straightConnector1">
+            <a:avLst/>
+          </a:prstGeom>
+          <a:ln w="19050">
+            <a:tailEnd type="arrow"/>
+          </a:ln>
+        </p:spPr>
+        <p:style>
+          <a:lnRef idx="1">
+            <a:schemeClr val="accent4"/>
+          </a:lnRef>
+          <a:fillRef idx="0">
+            <a:schemeClr val="accent4"/>
+          </a:fillRef>
+          <a:effectRef idx="0">
+            <a:schemeClr val="accent4"/>
+          </a:effectRef>
+          <a:fontRef idx="minor">
+            <a:schemeClr val="tx1"/>
+          </a:fontRef>
+        </p:style>
+      </p:cxnSp>
+      <p:cxnSp>
+        <p:nvCxnSpPr>
+          <p:cNvPr id="10" name="Connecteur droit avec flèche 9"/>
+          <p:cNvCxnSpPr>
+            <a:endCxn id="20" idx="1"/>
+          </p:cNvCxnSpPr>
+          <p:nvPr/>
+        </p:nvCxnSpPr>
+        <p:spPr>
+          <a:xfrm>
+            <a:off x="269440" y="3136239"/>
+            <a:ext cx="1715045" cy="0"/>
+          </a:xfrm>
+          <a:prstGeom prst="straightConnector1">
+            <a:avLst/>
+          </a:prstGeom>
+          <a:ln w="19050">
+            <a:tailEnd type="arrow"/>
+          </a:ln>
+        </p:spPr>
+        <p:style>
+          <a:lnRef idx="1">
+            <a:schemeClr val="accent4"/>
+          </a:lnRef>
+          <a:fillRef idx="0">
+            <a:schemeClr val="accent4"/>
+          </a:fillRef>
+          <a:effectRef idx="0">
+            <a:schemeClr val="accent4"/>
+          </a:effectRef>
+          <a:fontRef idx="minor">
+            <a:schemeClr val="tx1"/>
+          </a:fontRef>
+        </p:style>
+      </p:cxnSp>
+      <p:sp>
+        <p:nvSpPr>
+          <p:cNvPr id="11" name="Rectangle 10"/>
+          <p:cNvSpPr/>
+          <p:nvPr/>
+        </p:nvSpPr>
+        <p:spPr>
+          <a:xfrm>
+            <a:off x="-1695653" y="0"/>
+            <a:ext cx="1440000" cy="540000"/>
+          </a:xfrm>
+          <a:prstGeom prst="rect">
+            <a:avLst/>
+          </a:prstGeom>
+        </p:spPr>
+        <p:style>
+          <a:lnRef idx="1">
+            <a:schemeClr val="accent6"/>
+          </a:lnRef>
+          <a:fillRef idx="2">
+            <a:schemeClr val="accent6"/>
+          </a:fillRef>
+          <a:effectRef idx="1">
+            <a:schemeClr val="accent6"/>
+          </a:effectRef>
+          <a:fontRef idx="minor">
+            <a:schemeClr val="dk1"/>
+          </a:fontRef>
+        </p:style>
+        <p:txBody>
+          <a:bodyPr rtlCol="0" anchor="ctr"/>
+          <a:lstStyle/>
+          <a:p>
+            <a:pPr algn="ctr"/>
+            <a:r>
+              <a:rPr lang="fr-FR" sz="1200" dirty="0" smtClean="0"/>
+              <a:t>Besoin client</a:t>
+            </a:r>
+            <a:endParaRPr lang="fr-FR" sz="1200" dirty="0"/>
+          </a:p>
+        </p:txBody>
+      </p:sp>
+      <p:sp>
+        <p:nvSpPr>
+          <p:cNvPr id="12" name="Rectangle 11"/>
+          <p:cNvSpPr/>
+          <p:nvPr/>
+        </p:nvSpPr>
+        <p:spPr>
+          <a:xfrm>
+            <a:off x="8977205" y="0"/>
+            <a:ext cx="1440000" cy="540000"/>
+          </a:xfrm>
+          <a:prstGeom prst="rect">
+            <a:avLst/>
+          </a:prstGeom>
+        </p:spPr>
+        <p:style>
+          <a:lnRef idx="1">
+            <a:schemeClr val="accent6"/>
+          </a:lnRef>
+          <a:fillRef idx="2">
+            <a:schemeClr val="accent6"/>
+          </a:fillRef>
+          <a:effectRef idx="1">
+            <a:schemeClr val="accent6"/>
+          </a:effectRef>
+          <a:fontRef idx="minor">
+            <a:schemeClr val="dk1"/>
+          </a:fontRef>
+        </p:style>
+        <p:txBody>
+          <a:bodyPr rtlCol="0" anchor="ctr"/>
+          <a:lstStyle/>
+          <a:p>
+            <a:pPr algn="ctr"/>
+            <a:r>
+              <a:rPr lang="fr-FR" sz="1200" dirty="0" smtClean="0"/>
+              <a:t>Système livré</a:t>
+            </a:r>
+            <a:endParaRPr lang="fr-FR" sz="1200" dirty="0"/>
+          </a:p>
+        </p:txBody>
+      </p:sp>
+      <p:sp>
+        <p:nvSpPr>
+          <p:cNvPr id="13" name="Rectangle 12"/>
+          <p:cNvSpPr/>
+          <p:nvPr/>
+        </p:nvSpPr>
+        <p:spPr>
+          <a:xfrm>
+            <a:off x="-2734740" y="949984"/>
+            <a:ext cx="1440000" cy="540000"/>
+          </a:xfrm>
+          <a:prstGeom prst="rect">
+            <a:avLst/>
+          </a:prstGeom>
+        </p:spPr>
+        <p:style>
+          <a:lnRef idx="1">
+            <a:schemeClr val="accent3"/>
+          </a:lnRef>
+          <a:fillRef idx="2">
+            <a:schemeClr val="accent3"/>
+          </a:fillRef>
+          <a:effectRef idx="1">
+            <a:schemeClr val="accent3"/>
+          </a:effectRef>
+          <a:fontRef idx="minor">
+            <a:schemeClr val="dk1"/>
+          </a:fontRef>
+        </p:style>
+        <p:txBody>
+          <a:bodyPr rtlCol="0" anchor="ctr"/>
+          <a:lstStyle/>
+          <a:p>
+            <a:pPr algn="ctr"/>
+            <a:r>
+              <a:rPr lang="fr-FR" sz="1200" dirty="0" smtClean="0"/>
+              <a:t>Spécifications / Cahier des charges</a:t>
+            </a:r>
+            <a:endParaRPr lang="fr-FR" sz="1200" dirty="0"/>
+          </a:p>
+        </p:txBody>
+      </p:sp>
+      <p:sp>
+        <p:nvSpPr>
+          <p:cNvPr id="14" name="Rectangle 13"/>
+          <p:cNvSpPr/>
+          <p:nvPr/>
+        </p:nvSpPr>
+        <p:spPr>
+          <a:xfrm>
+            <a:off x="-1765011" y="2132856"/>
+            <a:ext cx="1440000" cy="540000"/>
+          </a:xfrm>
+          <a:prstGeom prst="rect">
+            <a:avLst/>
+          </a:prstGeom>
+        </p:spPr>
+        <p:style>
+          <a:lnRef idx="1">
+            <a:schemeClr val="accent3"/>
+          </a:lnRef>
+          <a:fillRef idx="2">
+            <a:schemeClr val="accent3"/>
+          </a:fillRef>
+          <a:effectRef idx="1">
+            <a:schemeClr val="accent3"/>
+          </a:effectRef>
+          <a:fontRef idx="minor">
+            <a:schemeClr val="dk1"/>
+          </a:fontRef>
+        </p:style>
+        <p:txBody>
+          <a:bodyPr rtlCol="0" anchor="ctr"/>
+          <a:lstStyle/>
+          <a:p>
+            <a:pPr algn="ctr"/>
+            <a:r>
+              <a:rPr lang="fr-FR" sz="1200" dirty="0"/>
+              <a:t>Choix de l’architecture globale du système</a:t>
+            </a:r>
+          </a:p>
+        </p:txBody>
+      </p:sp>
+      <p:sp>
+        <p:nvSpPr>
+          <p:cNvPr id="15" name="Rectangle 14"/>
+          <p:cNvSpPr/>
+          <p:nvPr/>
+        </p:nvSpPr>
+        <p:spPr>
+          <a:xfrm>
+            <a:off x="-468560" y="3368035"/>
+            <a:ext cx="1476000" cy="540000"/>
+          </a:xfrm>
+          <a:prstGeom prst="rect">
+            <a:avLst/>
+          </a:prstGeom>
+        </p:spPr>
+        <p:style>
+          <a:lnRef idx="1">
+            <a:schemeClr val="accent3"/>
+          </a:lnRef>
+          <a:fillRef idx="2">
+            <a:schemeClr val="accent3"/>
+          </a:fillRef>
+          <a:effectRef idx="1">
+            <a:schemeClr val="accent3"/>
+          </a:effectRef>
+          <a:fontRef idx="minor">
+            <a:schemeClr val="dk1"/>
+          </a:fontRef>
+        </p:style>
+        <p:txBody>
+          <a:bodyPr rtlCol="0" anchor="ctr"/>
+          <a:lstStyle/>
+          <a:p>
+            <a:pPr algn="ctr"/>
+            <a:r>
+              <a:rPr lang="fr-FR" sz="1200" dirty="0"/>
+              <a:t>Choix de l’architecture détaillée du système</a:t>
+            </a:r>
+          </a:p>
+        </p:txBody>
+      </p:sp>
+      <p:sp>
+        <p:nvSpPr>
+          <p:cNvPr id="16" name="Rectangle 15"/>
+          <p:cNvSpPr/>
+          <p:nvPr/>
+        </p:nvSpPr>
+        <p:spPr>
+          <a:xfrm>
+            <a:off x="8424000" y="2866239"/>
+            <a:ext cx="1440000" cy="540000"/>
+          </a:xfrm>
+          <a:prstGeom prst="rect">
+            <a:avLst/>
+          </a:prstGeom>
+        </p:spPr>
+        <p:style>
+          <a:lnRef idx="1">
+            <a:schemeClr val="accent3"/>
+          </a:lnRef>
+          <a:fillRef idx="2">
+            <a:schemeClr val="accent3"/>
+          </a:fillRef>
+          <a:effectRef idx="1">
+            <a:schemeClr val="accent3"/>
+          </a:effectRef>
+          <a:fontRef idx="minor">
+            <a:schemeClr val="dk1"/>
+          </a:fontRef>
+        </p:style>
+        <p:txBody>
+          <a:bodyPr rtlCol="0" anchor="ctr"/>
+          <a:lstStyle/>
+          <a:p>
+            <a:pPr algn="ctr"/>
+            <a:r>
+              <a:rPr lang="fr-FR" sz="1200" dirty="0" smtClean="0"/>
+              <a:t>Sous-systèmes réalisés</a:t>
+            </a:r>
+            <a:endParaRPr lang="fr-FR" sz="1200" dirty="0"/>
+          </a:p>
+        </p:txBody>
+      </p:sp>
+      <p:sp>
+        <p:nvSpPr>
+          <p:cNvPr id="17" name="Rectangle 16"/>
+          <p:cNvSpPr/>
+          <p:nvPr/>
+        </p:nvSpPr>
+        <p:spPr>
+          <a:xfrm>
+            <a:off x="10188624" y="949984"/>
+            <a:ext cx="1440000" cy="540000"/>
+          </a:xfrm>
+          <a:prstGeom prst="rect">
+            <a:avLst/>
+          </a:prstGeom>
+        </p:spPr>
+        <p:style>
+          <a:lnRef idx="1">
+            <a:schemeClr val="accent3"/>
+          </a:lnRef>
+          <a:fillRef idx="2">
+            <a:schemeClr val="accent3"/>
+          </a:fillRef>
+          <a:effectRef idx="1">
+            <a:schemeClr val="accent3"/>
+          </a:effectRef>
+          <a:fontRef idx="minor">
+            <a:schemeClr val="dk1"/>
+          </a:fontRef>
+        </p:style>
+        <p:txBody>
+          <a:bodyPr rtlCol="0" anchor="ctr"/>
+          <a:lstStyle/>
+          <a:p>
+            <a:pPr algn="ctr"/>
+            <a:r>
+              <a:rPr lang="fr-FR" sz="1200" dirty="0" smtClean="0"/>
+              <a:t>Système réalisé</a:t>
+            </a:r>
+            <a:endParaRPr lang="fr-FR" sz="1200" dirty="0"/>
+          </a:p>
+        </p:txBody>
+      </p:sp>
+      <p:sp>
+        <p:nvSpPr>
+          <p:cNvPr id="18" name="Rectangle 17"/>
+          <p:cNvSpPr/>
+          <p:nvPr/>
+        </p:nvSpPr>
+        <p:spPr>
+          <a:xfrm>
+            <a:off x="644718" y="949984"/>
+            <a:ext cx="1440000" cy="540000"/>
+          </a:xfrm>
+          <a:prstGeom prst="rect">
+            <a:avLst/>
+          </a:prstGeom>
+        </p:spPr>
+        <p:style>
+          <a:lnRef idx="1">
+            <a:schemeClr val="accent5"/>
+          </a:lnRef>
+          <a:fillRef idx="2">
+            <a:schemeClr val="accent5"/>
+          </a:fillRef>
+          <a:effectRef idx="1">
+            <a:schemeClr val="accent5"/>
+          </a:effectRef>
+          <a:fontRef idx="minor">
+            <a:schemeClr val="dk1"/>
+          </a:fontRef>
+        </p:style>
+        <p:txBody>
+          <a:bodyPr rtlCol="0" anchor="ctr"/>
+          <a:lstStyle/>
+          <a:p>
+            <a:pPr algn="ctr"/>
+            <a:r>
+              <a:rPr lang="fr-FR" sz="1200" dirty="0" smtClean="0"/>
+              <a:t>Performances attendues du système</a:t>
+            </a:r>
+            <a:endParaRPr lang="fr-FR" sz="1200" dirty="0"/>
+          </a:p>
+        </p:txBody>
+      </p:sp>
+      <p:sp>
+        <p:nvSpPr>
+          <p:cNvPr id="19" name="Rectangle 18"/>
+          <p:cNvSpPr/>
+          <p:nvPr/>
+        </p:nvSpPr>
+        <p:spPr>
+          <a:xfrm>
+            <a:off x="3783451" y="2132856"/>
+            <a:ext cx="1440000" cy="540000"/>
+          </a:xfrm>
+          <a:prstGeom prst="rect">
+            <a:avLst/>
+          </a:prstGeom>
+        </p:spPr>
+        <p:style>
+          <a:lnRef idx="1">
+            <a:schemeClr val="accent5"/>
+          </a:lnRef>
+          <a:fillRef idx="2">
+            <a:schemeClr val="accent5"/>
+          </a:fillRef>
+          <a:effectRef idx="1">
+            <a:schemeClr val="accent5"/>
+          </a:effectRef>
+          <a:fontRef idx="minor">
+            <a:schemeClr val="dk1"/>
+          </a:fontRef>
+        </p:style>
+        <p:txBody>
+          <a:bodyPr rtlCol="0" anchor="ctr"/>
+          <a:lstStyle/>
+          <a:p>
+            <a:pPr algn="ctr"/>
+            <a:r>
+              <a:rPr lang="fr-FR" sz="1200" dirty="0" smtClean="0"/>
+              <a:t>Performances simulées du système</a:t>
+            </a:r>
+            <a:endParaRPr lang="fr-FR" sz="1200" dirty="0"/>
+          </a:p>
+        </p:txBody>
+      </p:sp>
+      <p:sp>
+        <p:nvSpPr>
+          <p:cNvPr id="20" name="Rectangle 19"/>
+          <p:cNvSpPr/>
+          <p:nvPr/>
+        </p:nvSpPr>
+        <p:spPr>
+          <a:xfrm>
+            <a:off x="1984485" y="2866239"/>
+            <a:ext cx="1440000" cy="540000"/>
+          </a:xfrm>
+          <a:prstGeom prst="rect">
+            <a:avLst/>
+          </a:prstGeom>
+        </p:spPr>
+        <p:style>
+          <a:lnRef idx="1">
+            <a:schemeClr val="accent5"/>
+          </a:lnRef>
+          <a:fillRef idx="2">
+            <a:schemeClr val="accent5"/>
+          </a:fillRef>
+          <a:effectRef idx="1">
+            <a:schemeClr val="accent5"/>
+          </a:effectRef>
+          <a:fontRef idx="minor">
+            <a:schemeClr val="dk1"/>
+          </a:fontRef>
+        </p:style>
+        <p:txBody>
+          <a:bodyPr rtlCol="0" anchor="ctr"/>
+          <a:lstStyle/>
+          <a:p>
+            <a:pPr algn="ctr"/>
+            <a:r>
+              <a:rPr lang="fr-FR" sz="1200" dirty="0" smtClean="0"/>
+              <a:t>Performances attendues des sous-systèmes</a:t>
+            </a:r>
+            <a:endParaRPr lang="fr-FR" sz="1200" dirty="0"/>
+          </a:p>
+        </p:txBody>
+      </p:sp>
+      <p:sp>
+        <p:nvSpPr>
+          <p:cNvPr id="21" name="Rectangle 20"/>
+          <p:cNvSpPr/>
+          <p:nvPr/>
+        </p:nvSpPr>
+        <p:spPr>
+          <a:xfrm>
+            <a:off x="3712677" y="3860329"/>
+            <a:ext cx="1440000" cy="540000"/>
+          </a:xfrm>
+          <a:prstGeom prst="rect">
+            <a:avLst/>
+          </a:prstGeom>
+        </p:spPr>
+        <p:style>
+          <a:lnRef idx="1">
+            <a:schemeClr val="accent5"/>
+          </a:lnRef>
+          <a:fillRef idx="2">
+            <a:schemeClr val="accent5"/>
+          </a:fillRef>
+          <a:effectRef idx="1">
+            <a:schemeClr val="accent5"/>
+          </a:effectRef>
+          <a:fontRef idx="minor">
+            <a:schemeClr val="dk1"/>
+          </a:fontRef>
+        </p:style>
+        <p:txBody>
+          <a:bodyPr rtlCol="0" anchor="ctr"/>
+          <a:lstStyle/>
+          <a:p>
+            <a:pPr algn="ctr"/>
+            <a:r>
+              <a:rPr lang="fr-FR" sz="1200" dirty="0" smtClean="0"/>
+              <a:t>Performances mesurées des sous-systèmes</a:t>
+            </a:r>
+            <a:endParaRPr lang="fr-FR" sz="1200" dirty="0"/>
+          </a:p>
+        </p:txBody>
+      </p:sp>
+      <p:sp>
+        <p:nvSpPr>
+          <p:cNvPr id="22" name="Rectangle 21"/>
+          <p:cNvSpPr/>
+          <p:nvPr/>
+        </p:nvSpPr>
+        <p:spPr>
+          <a:xfrm>
+            <a:off x="5440869" y="2866239"/>
+            <a:ext cx="1440000" cy="540000"/>
+          </a:xfrm>
+          <a:prstGeom prst="rect">
+            <a:avLst/>
+          </a:prstGeom>
+        </p:spPr>
+        <p:style>
+          <a:lnRef idx="1">
+            <a:schemeClr val="accent5"/>
+          </a:lnRef>
+          <a:fillRef idx="2">
+            <a:schemeClr val="accent5"/>
+          </a:fillRef>
+          <a:effectRef idx="1">
+            <a:schemeClr val="accent5"/>
+          </a:effectRef>
+          <a:fontRef idx="minor">
+            <a:schemeClr val="dk1"/>
+          </a:fontRef>
+        </p:style>
+        <p:txBody>
+          <a:bodyPr rtlCol="0" anchor="ctr"/>
+          <a:lstStyle/>
+          <a:p>
+            <a:pPr algn="ctr"/>
+            <a:r>
+              <a:rPr lang="fr-FR" sz="1200" dirty="0" smtClean="0"/>
+              <a:t>Performances simulées des sous-systèmes</a:t>
+            </a:r>
+            <a:endParaRPr lang="fr-FR" sz="1200" dirty="0"/>
+          </a:p>
+        </p:txBody>
+      </p:sp>
+      <p:sp>
+        <p:nvSpPr>
+          <p:cNvPr id="23" name="Flèche droite 22"/>
+          <p:cNvSpPr/>
+          <p:nvPr/>
+        </p:nvSpPr>
+        <p:spPr>
+          <a:xfrm rot="2700000">
+            <a:off x="-1915151" y="2442430"/>
+            <a:ext cx="5796062" cy="864096"/>
+          </a:xfrm>
+          <a:prstGeom prst="rightArrow">
+            <a:avLst/>
+          </a:prstGeom>
+        </p:spPr>
+        <p:style>
+          <a:lnRef idx="1">
+            <a:schemeClr val="accent3"/>
+          </a:lnRef>
+          <a:fillRef idx="2">
+            <a:schemeClr val="accent3"/>
+          </a:fillRef>
+          <a:effectRef idx="1">
+            <a:schemeClr val="accent3"/>
+          </a:effectRef>
+          <a:fontRef idx="minor">
+            <a:schemeClr val="dk1"/>
+          </a:fontRef>
+        </p:style>
+        <p:txBody>
+          <a:bodyPr rtlCol="0" anchor="ctr"/>
+          <a:lstStyle/>
+          <a:p>
+            <a:pPr algn="ctr"/>
+            <a:r>
+              <a:rPr lang="fr-FR" sz="1400" b="1" i="1" dirty="0"/>
+              <a:t>Conception</a:t>
+            </a:r>
+          </a:p>
+        </p:txBody>
+      </p:sp>
+      <p:sp>
+        <p:nvSpPr>
+          <p:cNvPr id="25" name="Flèche droite 24"/>
+          <p:cNvSpPr/>
+          <p:nvPr/>
+        </p:nvSpPr>
+        <p:spPr>
+          <a:xfrm rot="18900000">
+            <a:off x="5164505" y="2350430"/>
+            <a:ext cx="5796000" cy="864096"/>
+          </a:xfrm>
+          <a:prstGeom prst="rightArrow">
+            <a:avLst/>
+          </a:prstGeom>
+        </p:spPr>
+        <p:style>
+          <a:lnRef idx="1">
+            <a:schemeClr val="accent3"/>
+          </a:lnRef>
+          <a:fillRef idx="2">
+            <a:schemeClr val="accent3"/>
+          </a:fillRef>
+          <a:effectRef idx="1">
+            <a:schemeClr val="accent3"/>
+          </a:effectRef>
+          <a:fontRef idx="minor">
+            <a:schemeClr val="dk1"/>
+          </a:fontRef>
+        </p:style>
+        <p:txBody>
+          <a:bodyPr rtlCol="0" anchor="ctr"/>
+          <a:lstStyle/>
+          <a:p>
+            <a:pPr algn="ctr"/>
+            <a:r>
+              <a:rPr lang="fr-FR" sz="1400" b="1" i="1" dirty="0" smtClean="0"/>
+              <a:t>Intégration</a:t>
+            </a:r>
+            <a:endParaRPr lang="fr-FR" sz="1400" b="1" i="1" dirty="0"/>
+          </a:p>
+        </p:txBody>
+      </p:sp>
+      <p:sp>
+        <p:nvSpPr>
+          <p:cNvPr id="26" name="Rectangle 25"/>
+          <p:cNvSpPr/>
+          <p:nvPr/>
+        </p:nvSpPr>
+        <p:spPr>
+          <a:xfrm>
+            <a:off x="6880869" y="949984"/>
+            <a:ext cx="1440000" cy="540000"/>
+          </a:xfrm>
+          <a:prstGeom prst="rect">
+            <a:avLst/>
+          </a:prstGeom>
+        </p:spPr>
+        <p:style>
+          <a:lnRef idx="1">
+            <a:schemeClr val="accent5"/>
+          </a:lnRef>
+          <a:fillRef idx="2">
+            <a:schemeClr val="accent5"/>
+          </a:fillRef>
+          <a:effectRef idx="1">
+            <a:schemeClr val="accent5"/>
+          </a:effectRef>
+          <a:fontRef idx="minor">
+            <a:schemeClr val="dk1"/>
+          </a:fontRef>
+        </p:style>
+        <p:txBody>
+          <a:bodyPr rtlCol="0" anchor="ctr"/>
+          <a:lstStyle/>
+          <a:p>
+            <a:pPr algn="ctr"/>
+            <a:r>
+              <a:rPr lang="fr-FR" sz="1200" dirty="0" smtClean="0"/>
+              <a:t>Performances mesurées du système</a:t>
+            </a:r>
+            <a:endParaRPr lang="fr-FR" sz="1200" dirty="0"/>
+          </a:p>
+        </p:txBody>
+      </p:sp>
+      <p:cxnSp>
+        <p:nvCxnSpPr>
+          <p:cNvPr id="27" name="Connecteur droit avec flèche 26"/>
+          <p:cNvCxnSpPr>
+            <a:stCxn id="11" idx="3"/>
+            <a:endCxn id="12" idx="1"/>
+          </p:cNvCxnSpPr>
+          <p:nvPr/>
+        </p:nvCxnSpPr>
+        <p:spPr>
+          <a:xfrm>
+            <a:off x="-255653" y="270000"/>
+            <a:ext cx="9232858" cy="0"/>
+          </a:xfrm>
+          <a:prstGeom prst="straightConnector1">
+            <a:avLst/>
+          </a:prstGeom>
+          <a:ln w="47625" cmpd="sng">
+            <a:headEnd type="stealth" w="med" len="lg"/>
+            <a:tailEnd type="stealth" w="med" len="lg"/>
+          </a:ln>
+        </p:spPr>
+        <p:style>
+          <a:lnRef idx="1">
+            <a:schemeClr val="accent6"/>
+          </a:lnRef>
+          <a:fillRef idx="0">
+            <a:schemeClr val="accent6"/>
+          </a:fillRef>
+          <a:effectRef idx="0">
+            <a:schemeClr val="accent6"/>
+          </a:effectRef>
+          <a:fontRef idx="minor">
+            <a:schemeClr val="tx1"/>
+          </a:fontRef>
+        </p:style>
+      </p:cxnSp>
+      <p:cxnSp>
+        <p:nvCxnSpPr>
+          <p:cNvPr id="28" name="Connecteur droit avec flèche 27"/>
+          <p:cNvCxnSpPr>
+            <a:stCxn id="18" idx="3"/>
+            <a:endCxn id="26" idx="1"/>
+          </p:cNvCxnSpPr>
+          <p:nvPr/>
+        </p:nvCxnSpPr>
+        <p:spPr>
+          <a:xfrm>
+            <a:off x="2084718" y="1219984"/>
+            <a:ext cx="4796151" cy="0"/>
+          </a:xfrm>
+          <a:prstGeom prst="straightConnector1">
+            <a:avLst/>
+          </a:prstGeom>
+          <a:ln w="28575">
+            <a:headEnd type="stealth" w="med" len="lg"/>
+            <a:tailEnd type="stealth" w="med" len="lg"/>
+          </a:ln>
+        </p:spPr>
+        <p:style>
+          <a:lnRef idx="1">
+            <a:schemeClr val="accent5"/>
+          </a:lnRef>
+          <a:fillRef idx="0">
+            <a:schemeClr val="accent5"/>
+          </a:fillRef>
+          <a:effectRef idx="0">
+            <a:schemeClr val="accent5"/>
+          </a:effectRef>
+          <a:fontRef idx="minor">
+            <a:schemeClr val="tx1"/>
+          </a:fontRef>
+        </p:style>
+      </p:cxnSp>
+      <p:cxnSp>
+        <p:nvCxnSpPr>
+          <p:cNvPr id="29" name="Connecteur droit avec flèche 28"/>
+          <p:cNvCxnSpPr/>
+          <p:nvPr/>
+        </p:nvCxnSpPr>
+        <p:spPr>
+          <a:xfrm>
+            <a:off x="2084718" y="1489984"/>
+            <a:ext cx="1698733" cy="642872"/>
+          </a:xfrm>
+          <a:prstGeom prst="straightConnector1">
+            <a:avLst/>
+          </a:prstGeom>
+          <a:ln w="28575">
+            <a:headEnd type="stealth" w="med" len="lg"/>
+            <a:tailEnd type="stealth" w="med" len="lg"/>
+          </a:ln>
+        </p:spPr>
+        <p:style>
+          <a:lnRef idx="1">
+            <a:schemeClr val="accent5"/>
+          </a:lnRef>
+          <a:fillRef idx="0">
+            <a:schemeClr val="accent5"/>
+          </a:fillRef>
+          <a:effectRef idx="0">
+            <a:schemeClr val="accent5"/>
+          </a:effectRef>
+          <a:fontRef idx="minor">
+            <a:schemeClr val="tx1"/>
+          </a:fontRef>
+        </p:style>
+      </p:cxnSp>
+      <p:cxnSp>
+        <p:nvCxnSpPr>
+          <p:cNvPr id="30" name="Connecteur droit avec flèche 29"/>
+          <p:cNvCxnSpPr/>
+          <p:nvPr/>
+        </p:nvCxnSpPr>
+        <p:spPr>
+          <a:xfrm flipV="1">
+            <a:off x="5223451" y="1489984"/>
+            <a:ext cx="1657418" cy="642872"/>
+          </a:xfrm>
+          <a:prstGeom prst="straightConnector1">
+            <a:avLst/>
+          </a:prstGeom>
+          <a:ln w="28575">
+            <a:headEnd type="stealth" w="med" len="lg"/>
+            <a:tailEnd type="stealth" w="med" len="lg"/>
+          </a:ln>
+        </p:spPr>
+        <p:style>
+          <a:lnRef idx="1">
+            <a:schemeClr val="accent5"/>
+          </a:lnRef>
+          <a:fillRef idx="0">
+            <a:schemeClr val="accent5"/>
+          </a:fillRef>
+          <a:effectRef idx="0">
+            <a:schemeClr val="accent5"/>
+          </a:effectRef>
+          <a:fontRef idx="minor">
+            <a:schemeClr val="tx1"/>
+          </a:fontRef>
+        </p:style>
+      </p:cxnSp>
+      <p:cxnSp>
+        <p:nvCxnSpPr>
+          <p:cNvPr id="31" name="Connecteur droit avec flèche 30"/>
+          <p:cNvCxnSpPr/>
+          <p:nvPr/>
+        </p:nvCxnSpPr>
+        <p:spPr>
+          <a:xfrm flipV="1">
+            <a:off x="5152677" y="3406239"/>
+            <a:ext cx="288192" cy="454090"/>
+          </a:xfrm>
+          <a:prstGeom prst="straightConnector1">
+            <a:avLst/>
+          </a:prstGeom>
+          <a:ln w="28575">
+            <a:headEnd type="stealth" w="med" len="lg"/>
+            <a:tailEnd type="stealth" w="med" len="lg"/>
+          </a:ln>
+        </p:spPr>
+        <p:style>
+          <a:lnRef idx="1">
+            <a:schemeClr val="accent5"/>
+          </a:lnRef>
+          <a:fillRef idx="0">
+            <a:schemeClr val="accent5"/>
+          </a:fillRef>
+          <a:effectRef idx="0">
+            <a:schemeClr val="accent5"/>
+          </a:effectRef>
+          <a:fontRef idx="minor">
+            <a:schemeClr val="tx1"/>
+          </a:fontRef>
+        </p:style>
+      </p:cxnSp>
+      <p:cxnSp>
+        <p:nvCxnSpPr>
+          <p:cNvPr id="32" name="Connecteur droit avec flèche 31"/>
+          <p:cNvCxnSpPr/>
+          <p:nvPr/>
+        </p:nvCxnSpPr>
+        <p:spPr>
+          <a:xfrm flipH="1" flipV="1">
+            <a:off x="3424485" y="3406241"/>
+            <a:ext cx="288192" cy="454088"/>
+          </a:xfrm>
+          <a:prstGeom prst="straightConnector1">
+            <a:avLst/>
+          </a:prstGeom>
+          <a:ln w="28575">
+            <a:headEnd type="stealth" w="med" len="lg"/>
+            <a:tailEnd type="stealth" w="med" len="lg"/>
+          </a:ln>
+        </p:spPr>
+        <p:style>
+          <a:lnRef idx="1">
+            <a:schemeClr val="accent5"/>
+          </a:lnRef>
+          <a:fillRef idx="0">
+            <a:schemeClr val="accent5"/>
+          </a:fillRef>
+          <a:effectRef idx="0">
+            <a:schemeClr val="accent5"/>
+          </a:effectRef>
+          <a:fontRef idx="minor">
+            <a:schemeClr val="tx1"/>
+          </a:fontRef>
+        </p:style>
+      </p:cxnSp>
+      <p:cxnSp>
+        <p:nvCxnSpPr>
+          <p:cNvPr id="33" name="Connecteur droit avec flèche 32"/>
+          <p:cNvCxnSpPr>
+            <a:stCxn id="22" idx="1"/>
+            <a:endCxn id="20" idx="3"/>
+          </p:cNvCxnSpPr>
+          <p:nvPr/>
+        </p:nvCxnSpPr>
+        <p:spPr>
+          <a:xfrm flipH="1">
+            <a:off x="3424485" y="3136239"/>
+            <a:ext cx="2016384" cy="0"/>
+          </a:xfrm>
+          <a:prstGeom prst="straightConnector1">
+            <a:avLst/>
+          </a:prstGeom>
+          <a:ln w="28575">
+            <a:headEnd type="stealth" w="med" len="lg"/>
+            <a:tailEnd type="stealth" w="med" len="lg"/>
+          </a:ln>
+        </p:spPr>
+        <p:style>
+          <a:lnRef idx="1">
+            <a:schemeClr val="accent5"/>
+          </a:lnRef>
+          <a:fillRef idx="0">
+            <a:schemeClr val="accent5"/>
+          </a:fillRef>
+          <a:effectRef idx="0">
+            <a:schemeClr val="accent5"/>
+          </a:effectRef>
+          <a:fontRef idx="minor">
+            <a:schemeClr val="tx1"/>
+          </a:fontRef>
+        </p:style>
+      </p:cxnSp>
+      <p:cxnSp>
+        <p:nvCxnSpPr>
+          <p:cNvPr id="34" name="Connecteur droit avec flèche 33"/>
+          <p:cNvCxnSpPr>
+            <a:endCxn id="13" idx="0"/>
+          </p:cNvCxnSpPr>
+          <p:nvPr/>
+        </p:nvCxnSpPr>
+        <p:spPr>
+          <a:xfrm>
+            <a:off x="-2014740" y="270000"/>
+            <a:ext cx="0" cy="679984"/>
+          </a:xfrm>
+          <a:prstGeom prst="straightConnector1">
+            <a:avLst/>
+          </a:prstGeom>
+          <a:ln w="19050">
+            <a:tailEnd type="arrow"/>
+          </a:ln>
+        </p:spPr>
+        <p:style>
+          <a:lnRef idx="1">
+            <a:schemeClr val="accent4"/>
+          </a:lnRef>
+          <a:fillRef idx="0">
+            <a:schemeClr val="accent4"/>
+          </a:fillRef>
+          <a:effectRef idx="0">
+            <a:schemeClr val="accent4"/>
+          </a:effectRef>
+          <a:fontRef idx="minor">
+            <a:schemeClr val="tx1"/>
+          </a:fontRef>
+        </p:style>
+      </p:cxnSp>
+      <p:cxnSp>
+        <p:nvCxnSpPr>
+          <p:cNvPr id="35" name="Connecteur droit avec flèche 34"/>
+          <p:cNvCxnSpPr>
+            <a:endCxn id="12" idx="3"/>
+          </p:cNvCxnSpPr>
+          <p:nvPr/>
+        </p:nvCxnSpPr>
+        <p:spPr>
+          <a:xfrm flipH="1">
+            <a:off x="10417205" y="270000"/>
+            <a:ext cx="491419" cy="0"/>
+          </a:xfrm>
+          <a:prstGeom prst="straightConnector1">
+            <a:avLst/>
+          </a:prstGeom>
+          <a:ln w="19050">
+            <a:tailEnd type="arrow"/>
+          </a:ln>
+        </p:spPr>
+        <p:style>
+          <a:lnRef idx="1">
+            <a:schemeClr val="accent4"/>
+          </a:lnRef>
+          <a:fillRef idx="0">
+            <a:schemeClr val="accent4"/>
+          </a:fillRef>
+          <a:effectRef idx="0">
+            <a:schemeClr val="accent4"/>
+          </a:effectRef>
+          <a:fontRef idx="minor">
+            <a:schemeClr val="tx1"/>
+          </a:fontRef>
+        </p:style>
+      </p:cxnSp>
+      <p:cxnSp>
+        <p:nvCxnSpPr>
+          <p:cNvPr id="36" name="Connecteur droit avec flèche 35"/>
+          <p:cNvCxnSpPr>
+            <a:stCxn id="11" idx="1"/>
+          </p:cNvCxnSpPr>
+          <p:nvPr/>
+        </p:nvCxnSpPr>
+        <p:spPr>
+          <a:xfrm flipH="1">
+            <a:off x="-2014740" y="270000"/>
+            <a:ext cx="319087" cy="0"/>
+          </a:xfrm>
+          <a:prstGeom prst="straightConnector1">
+            <a:avLst/>
+          </a:prstGeom>
+          <a:ln w="19050">
+            <a:headEnd type="none" w="med" len="med"/>
+            <a:tailEnd type="none" w="med" len="med"/>
+          </a:ln>
+        </p:spPr>
+        <p:style>
+          <a:lnRef idx="1">
+            <a:schemeClr val="accent4"/>
+          </a:lnRef>
+          <a:fillRef idx="0">
+            <a:schemeClr val="accent4"/>
+          </a:fillRef>
+          <a:effectRef idx="0">
+            <a:schemeClr val="accent4"/>
+          </a:effectRef>
+          <a:fontRef idx="minor">
+            <a:schemeClr val="tx1"/>
+          </a:fontRef>
+        </p:style>
+      </p:cxnSp>
+      <p:cxnSp>
+        <p:nvCxnSpPr>
+          <p:cNvPr id="37" name="Connecteur droit avec flèche 36"/>
+          <p:cNvCxnSpPr>
+            <a:endCxn id="15" idx="0"/>
+          </p:cNvCxnSpPr>
+          <p:nvPr/>
+        </p:nvCxnSpPr>
+        <p:spPr>
+          <a:xfrm>
+            <a:off x="269440" y="3136239"/>
+            <a:ext cx="0" cy="231796"/>
+          </a:xfrm>
+          <a:prstGeom prst="straightConnector1">
+            <a:avLst/>
+          </a:prstGeom>
+          <a:ln w="19050">
+            <a:headEnd type="none" w="med" len="med"/>
+            <a:tailEnd type="none" w="med" len="med"/>
+          </a:ln>
+        </p:spPr>
+        <p:style>
+          <a:lnRef idx="1">
+            <a:schemeClr val="accent4"/>
+          </a:lnRef>
+          <a:fillRef idx="0">
+            <a:schemeClr val="accent4"/>
+          </a:fillRef>
+          <a:effectRef idx="0">
+            <a:schemeClr val="accent4"/>
+          </a:effectRef>
+          <a:fontRef idx="minor">
+            <a:schemeClr val="tx1"/>
+          </a:fontRef>
+        </p:style>
+      </p:cxnSp>
+      <p:cxnSp>
+        <p:nvCxnSpPr>
+          <p:cNvPr id="38" name="Connecteur droit avec flèche 37"/>
+          <p:cNvCxnSpPr>
+            <a:stCxn id="15" idx="2"/>
+          </p:cNvCxnSpPr>
+          <p:nvPr/>
+        </p:nvCxnSpPr>
+        <p:spPr>
+          <a:xfrm>
+            <a:off x="269440" y="3908035"/>
+            <a:ext cx="0" cy="222294"/>
+          </a:xfrm>
+          <a:prstGeom prst="straightConnector1">
+            <a:avLst/>
+          </a:prstGeom>
+          <a:ln w="19050">
+            <a:headEnd type="none" w="med" len="med"/>
+            <a:tailEnd type="none" w="med" len="med"/>
+          </a:ln>
+        </p:spPr>
+        <p:style>
+          <a:lnRef idx="1">
+            <a:schemeClr val="accent4"/>
+          </a:lnRef>
+          <a:fillRef idx="0">
+            <a:schemeClr val="accent4"/>
+          </a:fillRef>
+          <a:effectRef idx="0">
+            <a:schemeClr val="accent4"/>
+          </a:effectRef>
+          <a:fontRef idx="minor">
+            <a:schemeClr val="tx1"/>
+          </a:fontRef>
+        </p:style>
+      </p:cxnSp>
+      <p:cxnSp>
+        <p:nvCxnSpPr>
+          <p:cNvPr id="39" name="Connecteur droit avec flèche 38"/>
+          <p:cNvCxnSpPr>
+            <a:stCxn id="17" idx="0"/>
+          </p:cNvCxnSpPr>
+          <p:nvPr/>
+        </p:nvCxnSpPr>
+        <p:spPr>
+          <a:xfrm flipV="1">
+            <a:off x="10908624" y="270000"/>
+            <a:ext cx="0" cy="679984"/>
+          </a:xfrm>
+          <a:prstGeom prst="straightConnector1">
+            <a:avLst/>
+          </a:prstGeom>
+          <a:ln w="19050">
+            <a:headEnd type="none" w="med" len="med"/>
+            <a:tailEnd type="none" w="med" len="med"/>
+          </a:ln>
+        </p:spPr>
+        <p:style>
+          <a:lnRef idx="1">
+            <a:schemeClr val="accent4"/>
+          </a:lnRef>
+          <a:fillRef idx="0">
+            <a:schemeClr val="accent4"/>
+          </a:fillRef>
+          <a:effectRef idx="0">
+            <a:schemeClr val="accent4"/>
+          </a:effectRef>
+          <a:fontRef idx="minor">
+            <a:schemeClr val="tx1"/>
+          </a:fontRef>
+        </p:style>
+      </p:cxnSp>
       <p:sp>
         <p:nvSpPr>
           <p:cNvPr id="2" name="Rectangle 1"/>
@@ -17384,7 +18066,7 @@
 </p:sld>
 </file>
 
-<file path=ppt/slides/slide5.xml><?xml version="1.0" encoding="utf-8"?>
+<file path=ppt/slides/slide6.xml><?xml version="1.0" encoding="utf-8"?>
 <p:sld xmlns:a="http://schemas.openxmlformats.org/drawingml/2006/main" xmlns:r="http://schemas.openxmlformats.org/officeDocument/2006/relationships" xmlns:p="http://schemas.openxmlformats.org/presentationml/2006/main">
   <p:cSld>
     <p:spTree>
@@ -18230,7 +18912,7 @@
 </p:sld>
 </file>
 
-<file path=ppt/slides/slide6.xml><?xml version="1.0" encoding="utf-8"?>
+<file path=ppt/slides/slide7.xml><?xml version="1.0" encoding="utf-8"?>
 <p:sld xmlns:a="http://schemas.openxmlformats.org/drawingml/2006/main" xmlns:r="http://schemas.openxmlformats.org/officeDocument/2006/relationships" xmlns:p="http://schemas.openxmlformats.org/presentationml/2006/main">
   <p:cSld>
     <p:spTree>
@@ -19056,7 +19738,7 @@
 </p:sld>
 </file>
 
-<file path=ppt/slides/slide7.xml><?xml version="1.0" encoding="utf-8"?>
+<file path=ppt/slides/slide8.xml><?xml version="1.0" encoding="utf-8"?>
 <p:sld xmlns:a="http://schemas.openxmlformats.org/drawingml/2006/main" xmlns:r="http://schemas.openxmlformats.org/officeDocument/2006/relationships" xmlns:p="http://schemas.openxmlformats.org/presentationml/2006/main">
   <p:cSld>
     <p:spTree>
@@ -19095,7 +19777,7 @@
                 </a:solidFill>
               </a:rPr>
               <a:pPr/>
-              <a:t>7</a:t>
+              <a:t>8</a:t>
             </a:fld>
             <a:endParaRPr lang="fr-FR" dirty="0">
               <a:solidFill>

--- a/Ressources/Ecarts.pptx
+++ b/Ressources/Ecarts.pptx
@@ -6,13 +6,14 @@
   </p:sldMasterIdLst>
   <p:sldIdLst>
     <p:sldId id="257" r:id="rId2"/>
-    <p:sldId id="264" r:id="rId3"/>
-    <p:sldId id="262" r:id="rId4"/>
-    <p:sldId id="261" r:id="rId5"/>
-    <p:sldId id="263" r:id="rId6"/>
-    <p:sldId id="259" r:id="rId7"/>
-    <p:sldId id="258" r:id="rId8"/>
-    <p:sldId id="260" r:id="rId9"/>
+    <p:sldId id="265" r:id="rId3"/>
+    <p:sldId id="264" r:id="rId4"/>
+    <p:sldId id="262" r:id="rId5"/>
+    <p:sldId id="261" r:id="rId6"/>
+    <p:sldId id="263" r:id="rId7"/>
+    <p:sldId id="259" r:id="rId8"/>
+    <p:sldId id="258" r:id="rId9"/>
+    <p:sldId id="260" r:id="rId10"/>
   </p:sldIdLst>
   <p:sldSz cx="9144000" cy="6858000" type="screen4x3"/>
   <p:notesSz cx="6858000" cy="9144000"/>
@@ -14634,6 +14635,688 @@
           <a:p>
             <a:pPr algn="ctr"/>
             <a:r>
+              <a:rPr lang="fr-FR" dirty="0">
+                <a:solidFill>
+                  <a:prstClr val="black"/>
+                </a:solidFill>
+              </a:rPr>
+              <a:t>Domaine du laboratoire</a:t>
+            </a:r>
+            <a:endParaRPr lang="fr-FR" dirty="0">
+              <a:solidFill>
+                <a:prstClr val="black"/>
+              </a:solidFill>
+            </a:endParaRPr>
+          </a:p>
+        </p:txBody>
+      </p:sp>
+      <p:sp>
+        <p:nvSpPr>
+          <p:cNvPr id="14" name="Flèche droite 13"/>
+          <p:cNvSpPr/>
+          <p:nvPr/>
+        </p:nvSpPr>
+        <p:spPr>
+          <a:xfrm>
+            <a:off x="2771800" y="5694943"/>
+            <a:ext cx="3037584" cy="716632"/>
+          </a:xfrm>
+          <a:prstGeom prst="rightArrow">
+            <a:avLst/>
+          </a:prstGeom>
+        </p:spPr>
+        <p:style>
+          <a:lnRef idx="1">
+            <a:schemeClr val="accent5"/>
+          </a:lnRef>
+          <a:fillRef idx="2">
+            <a:schemeClr val="accent5"/>
+          </a:fillRef>
+          <a:effectRef idx="1">
+            <a:schemeClr val="accent5"/>
+          </a:effectRef>
+          <a:fontRef idx="minor">
+            <a:schemeClr val="dk1"/>
+          </a:fontRef>
+        </p:style>
+        <p:txBody>
+          <a:bodyPr rtlCol="0" anchor="ctr"/>
+          <a:lstStyle/>
+          <a:p>
+            <a:pPr algn="ctr"/>
+            <a:r>
+              <a:rPr lang="fr-FR" dirty="0" smtClean="0">
+                <a:solidFill>
+                  <a:prstClr val="black"/>
+                </a:solidFill>
+              </a:rPr>
+              <a:t>Domaine de la simulation</a:t>
+            </a:r>
+            <a:endParaRPr lang="fr-FR" dirty="0">
+              <a:solidFill>
+                <a:prstClr val="black"/>
+              </a:solidFill>
+            </a:endParaRPr>
+          </a:p>
+        </p:txBody>
+      </p:sp>
+      <p:sp>
+        <p:nvSpPr>
+          <p:cNvPr id="17" name="ZoneTexte 16"/>
+          <p:cNvSpPr txBox="1"/>
+          <p:nvPr/>
+        </p:nvSpPr>
+        <p:spPr>
+          <a:xfrm>
+            <a:off x="6054788" y="1807966"/>
+            <a:ext cx="1469540" cy="646331"/>
+          </a:xfrm>
+          <a:prstGeom prst="rect">
+            <a:avLst/>
+          </a:prstGeom>
+          <a:noFill/>
+        </p:spPr>
+        <p:txBody>
+          <a:bodyPr wrap="square" rtlCol="0">
+            <a:spAutoFit/>
+          </a:bodyPr>
+          <a:lstStyle/>
+          <a:p>
+            <a:pPr algn="ctr"/>
+            <a:r>
+              <a:rPr lang="fr-FR" dirty="0" smtClean="0">
+                <a:solidFill>
+                  <a:prstClr val="black"/>
+                </a:solidFill>
+              </a:rPr>
+              <a:t>Performances</a:t>
+            </a:r>
+            <a:endParaRPr lang="fr-FR" dirty="0">
+              <a:solidFill>
+                <a:prstClr val="black"/>
+              </a:solidFill>
+            </a:endParaRPr>
+          </a:p>
+          <a:p>
+            <a:pPr algn="ctr"/>
+            <a:r>
+              <a:rPr lang="fr-FR" dirty="0" smtClean="0">
+                <a:solidFill>
+                  <a:prstClr val="black"/>
+                </a:solidFill>
+              </a:rPr>
+              <a:t>attendues</a:t>
+            </a:r>
+            <a:endParaRPr lang="fr-FR" dirty="0">
+              <a:solidFill>
+                <a:prstClr val="black"/>
+              </a:solidFill>
+            </a:endParaRPr>
+          </a:p>
+        </p:txBody>
+      </p:sp>
+      <p:sp>
+        <p:nvSpPr>
+          <p:cNvPr id="18" name="ZoneTexte 17"/>
+          <p:cNvSpPr txBox="1"/>
+          <p:nvPr/>
+        </p:nvSpPr>
+        <p:spPr>
+          <a:xfrm>
+            <a:off x="6054788" y="3815684"/>
+            <a:ext cx="1469540" cy="646331"/>
+          </a:xfrm>
+          <a:prstGeom prst="rect">
+            <a:avLst/>
+          </a:prstGeom>
+          <a:noFill/>
+        </p:spPr>
+        <p:txBody>
+          <a:bodyPr wrap="square" rtlCol="0">
+            <a:spAutoFit/>
+          </a:bodyPr>
+          <a:lstStyle/>
+          <a:p>
+            <a:pPr algn="ctr"/>
+            <a:r>
+              <a:rPr lang="fr-FR" dirty="0" smtClean="0">
+                <a:solidFill>
+                  <a:prstClr val="black"/>
+                </a:solidFill>
+              </a:rPr>
+              <a:t>Performances mesurées</a:t>
+            </a:r>
+            <a:endParaRPr lang="fr-FR" dirty="0">
+              <a:solidFill>
+                <a:prstClr val="black"/>
+              </a:solidFill>
+            </a:endParaRPr>
+          </a:p>
+        </p:txBody>
+      </p:sp>
+      <p:sp>
+        <p:nvSpPr>
+          <p:cNvPr id="19" name="ZoneTexte 18"/>
+          <p:cNvSpPr txBox="1"/>
+          <p:nvPr/>
+        </p:nvSpPr>
+        <p:spPr>
+          <a:xfrm>
+            <a:off x="6054788" y="5730093"/>
+            <a:ext cx="1469540" cy="646331"/>
+          </a:xfrm>
+          <a:prstGeom prst="rect">
+            <a:avLst/>
+          </a:prstGeom>
+          <a:noFill/>
+        </p:spPr>
+        <p:txBody>
+          <a:bodyPr wrap="square" rtlCol="0">
+            <a:spAutoFit/>
+          </a:bodyPr>
+          <a:lstStyle/>
+          <a:p>
+            <a:pPr algn="ctr"/>
+            <a:r>
+              <a:rPr lang="fr-FR" dirty="0" smtClean="0">
+                <a:solidFill>
+                  <a:prstClr val="black"/>
+                </a:solidFill>
+              </a:rPr>
+              <a:t>Performance simulées</a:t>
+            </a:r>
+            <a:endParaRPr lang="fr-FR" dirty="0">
+              <a:solidFill>
+                <a:prstClr val="black"/>
+              </a:solidFill>
+            </a:endParaRPr>
+          </a:p>
+        </p:txBody>
+      </p:sp>
+      <p:sp>
+        <p:nvSpPr>
+          <p:cNvPr id="21" name="Double flèche verticale 20"/>
+          <p:cNvSpPr/>
+          <p:nvPr/>
+        </p:nvSpPr>
+        <p:spPr>
+          <a:xfrm>
+            <a:off x="6537530" y="4564789"/>
+            <a:ext cx="504056" cy="1106764"/>
+          </a:xfrm>
+          <a:prstGeom prst="upDownArrow">
+            <a:avLst/>
+          </a:prstGeom>
+          <a:ln/>
+        </p:spPr>
+        <p:style>
+          <a:lnRef idx="1">
+            <a:schemeClr val="accent5"/>
+          </a:lnRef>
+          <a:fillRef idx="2">
+            <a:schemeClr val="accent5"/>
+          </a:fillRef>
+          <a:effectRef idx="1">
+            <a:schemeClr val="accent5"/>
+          </a:effectRef>
+          <a:fontRef idx="minor">
+            <a:schemeClr val="dk1"/>
+          </a:fontRef>
+        </p:style>
+        <p:txBody>
+          <a:bodyPr rtlCol="0" anchor="ctr"/>
+          <a:lstStyle/>
+          <a:p>
+            <a:pPr algn="ctr"/>
+            <a:endParaRPr lang="fr-FR" sz="500" dirty="0">
+              <a:solidFill>
+                <a:prstClr val="white"/>
+              </a:solidFill>
+            </a:endParaRPr>
+          </a:p>
+        </p:txBody>
+      </p:sp>
+      <p:sp>
+        <p:nvSpPr>
+          <p:cNvPr id="22" name="Double flèche verticale 21"/>
+          <p:cNvSpPr/>
+          <p:nvPr/>
+        </p:nvSpPr>
+        <p:spPr>
+          <a:xfrm>
+            <a:off x="7524328" y="2181856"/>
+            <a:ext cx="504056" cy="3913986"/>
+          </a:xfrm>
+          <a:prstGeom prst="upDownArrow">
+            <a:avLst/>
+          </a:prstGeom>
+          <a:ln/>
+        </p:spPr>
+        <p:style>
+          <a:lnRef idx="1">
+            <a:schemeClr val="accent1"/>
+          </a:lnRef>
+          <a:fillRef idx="2">
+            <a:schemeClr val="accent1"/>
+          </a:fillRef>
+          <a:effectRef idx="1">
+            <a:schemeClr val="accent1"/>
+          </a:effectRef>
+          <a:fontRef idx="minor">
+            <a:schemeClr val="dk1"/>
+          </a:fontRef>
+        </p:style>
+        <p:txBody>
+          <a:bodyPr rtlCol="0" anchor="ctr"/>
+          <a:lstStyle/>
+          <a:p>
+            <a:pPr algn="ctr"/>
+            <a:endParaRPr lang="fr-FR" sz="500" dirty="0">
+              <a:solidFill>
+                <a:prstClr val="white"/>
+              </a:solidFill>
+            </a:endParaRPr>
+          </a:p>
+        </p:txBody>
+      </p:sp>
+      <p:sp>
+        <p:nvSpPr>
+          <p:cNvPr id="23" name="ZoneTexte 22"/>
+          <p:cNvSpPr txBox="1"/>
+          <p:nvPr/>
+        </p:nvSpPr>
+        <p:spPr>
+          <a:xfrm rot="16200000">
+            <a:off x="5282735" y="2945424"/>
+            <a:ext cx="1944216" cy="400110"/>
+          </a:xfrm>
+          <a:prstGeom prst="rect">
+            <a:avLst/>
+          </a:prstGeom>
+          <a:noFill/>
+        </p:spPr>
+        <p:txBody>
+          <a:bodyPr wrap="square" rtlCol="0">
+            <a:spAutoFit/>
+          </a:bodyPr>
+          <a:lstStyle/>
+          <a:p>
+            <a:pPr algn="ctr"/>
+            <a:r>
+              <a:rPr lang="fr-FR" sz="2000" b="1" dirty="0">
+                <a:solidFill>
+                  <a:srgbClr val="FF0000"/>
+                </a:solidFill>
+              </a:rPr>
+              <a:t>Ecart 1</a:t>
+            </a:r>
+          </a:p>
+        </p:txBody>
+      </p:sp>
+      <p:sp>
+        <p:nvSpPr>
+          <p:cNvPr id="24" name="ZoneTexte 23"/>
+          <p:cNvSpPr txBox="1"/>
+          <p:nvPr/>
+        </p:nvSpPr>
+        <p:spPr>
+          <a:xfrm rot="16200000">
+            <a:off x="5282294" y="4923679"/>
+            <a:ext cx="1944216" cy="400110"/>
+          </a:xfrm>
+          <a:prstGeom prst="rect">
+            <a:avLst/>
+          </a:prstGeom>
+          <a:noFill/>
+        </p:spPr>
+        <p:txBody>
+          <a:bodyPr wrap="square" rtlCol="0">
+            <a:spAutoFit/>
+          </a:bodyPr>
+          <a:lstStyle/>
+          <a:p>
+            <a:pPr algn="ctr"/>
+            <a:r>
+              <a:rPr lang="fr-FR" sz="2000" b="1" dirty="0">
+                <a:solidFill>
+                  <a:srgbClr val="FF0000"/>
+                </a:solidFill>
+              </a:rPr>
+              <a:t>Ecart 2</a:t>
+            </a:r>
+          </a:p>
+        </p:txBody>
+      </p:sp>
+      <p:sp>
+        <p:nvSpPr>
+          <p:cNvPr id="25" name="ZoneTexte 24"/>
+          <p:cNvSpPr txBox="1"/>
+          <p:nvPr/>
+        </p:nvSpPr>
+        <p:spPr>
+          <a:xfrm rot="16200000">
+            <a:off x="7072245" y="3938794"/>
+            <a:ext cx="1944216" cy="400110"/>
+          </a:xfrm>
+          <a:prstGeom prst="rect">
+            <a:avLst/>
+          </a:prstGeom>
+          <a:noFill/>
+        </p:spPr>
+        <p:txBody>
+          <a:bodyPr wrap="square" rtlCol="0">
+            <a:spAutoFit/>
+          </a:bodyPr>
+          <a:lstStyle/>
+          <a:p>
+            <a:pPr algn="ctr"/>
+            <a:r>
+              <a:rPr lang="fr-FR" sz="2000" b="1" dirty="0">
+                <a:solidFill>
+                  <a:srgbClr val="FF0000"/>
+                </a:solidFill>
+              </a:rPr>
+              <a:t>Ecart 3</a:t>
+            </a:r>
+          </a:p>
+        </p:txBody>
+      </p:sp>
+      <p:sp>
+        <p:nvSpPr>
+          <p:cNvPr id="20" name="Double flèche verticale 19"/>
+          <p:cNvSpPr/>
+          <p:nvPr/>
+        </p:nvSpPr>
+        <p:spPr>
+          <a:xfrm>
+            <a:off x="6537530" y="2613359"/>
+            <a:ext cx="504056" cy="1106764"/>
+          </a:xfrm>
+          <a:prstGeom prst="upDownArrow">
+            <a:avLst/>
+          </a:prstGeom>
+          <a:ln/>
+        </p:spPr>
+        <p:style>
+          <a:lnRef idx="1">
+            <a:schemeClr val="accent5"/>
+          </a:lnRef>
+          <a:fillRef idx="2">
+            <a:schemeClr val="accent5"/>
+          </a:fillRef>
+          <a:effectRef idx="1">
+            <a:schemeClr val="accent5"/>
+          </a:effectRef>
+          <a:fontRef idx="minor">
+            <a:schemeClr val="dk1"/>
+          </a:fontRef>
+        </p:style>
+        <p:txBody>
+          <a:bodyPr rtlCol="0" anchor="ctr"/>
+          <a:lstStyle/>
+          <a:p>
+            <a:pPr algn="ctr"/>
+            <a:r>
+              <a:rPr lang="fr-FR" sz="500" dirty="0">
+                <a:solidFill>
+                  <a:prstClr val="white"/>
+                </a:solidFill>
+              </a:rPr>
+              <a:t>  </a:t>
+            </a:r>
+            <a:endParaRPr lang="fr-FR" sz="500" dirty="0">
+              <a:solidFill>
+                <a:prstClr val="white"/>
+              </a:solidFill>
+            </a:endParaRPr>
+          </a:p>
+        </p:txBody>
+      </p:sp>
+      <p:pic>
+        <p:nvPicPr>
+          <p:cNvPr id="26" name="Image 25"/>
+          <p:cNvPicPr/>
+          <p:nvPr/>
+        </p:nvPicPr>
+        <p:blipFill>
+          <a:blip r:embed="rId2"/>
+          <a:stretch>
+            <a:fillRect/>
+          </a:stretch>
+        </p:blipFill>
+        <p:spPr>
+          <a:xfrm>
+            <a:off x="724441" y="4896553"/>
+            <a:ext cx="3600400" cy="1549999"/>
+          </a:xfrm>
+          <a:prstGeom prst="rect">
+            <a:avLst/>
+          </a:prstGeom>
+          <a:ln>
+            <a:noFill/>
+          </a:ln>
+          <a:effectLst>
+            <a:outerShdw blurRad="292100" dist="139700" dir="2700000" algn="tl" rotWithShape="0">
+              <a:srgbClr val="333333">
+                <a:alpha val="65000"/>
+              </a:srgbClr>
+            </a:outerShdw>
+          </a:effectLst>
+        </p:spPr>
+      </p:pic>
+      <p:pic>
+        <p:nvPicPr>
+          <p:cNvPr id="1026" name="Picture 2" descr="C:\Enseignement\GitHub\09_Etude_Dynamique_Systemes_Solides_Chaine_Energie_Analyser_Modeliser_Resoudre\TP Sympact\SysML\Exigences.png"/>
+          <p:cNvPicPr>
+            <a:picLocks noChangeAspect="1" noChangeArrowheads="1"/>
+          </p:cNvPicPr>
+          <p:nvPr/>
+        </p:nvPicPr>
+        <p:blipFill rotWithShape="1">
+          <a:blip r:embed="rId3" cstate="print">
+            <a:extLst>
+              <a:ext uri="{28A0092B-C50C-407E-A947-70E740481C1C}">
+                <a14:useLocalDpi xmlns:a14="http://schemas.microsoft.com/office/drawing/2010/main" val="0"/>
+              </a:ext>
+            </a:extLst>
+          </a:blip>
+          <a:srcRect b="40050"/>
+          <a:stretch/>
+        </p:blipFill>
+        <p:spPr bwMode="auto">
+          <a:xfrm>
+            <a:off x="611560" y="1352122"/>
+            <a:ext cx="2018202" cy="1261237"/>
+          </a:xfrm>
+          <a:prstGeom prst="rect">
+            <a:avLst/>
+          </a:prstGeom>
+          <a:noFill/>
+          <a:effectLst>
+            <a:outerShdw blurRad="50800" dist="38100" dir="2700000" algn="tl" rotWithShape="0">
+              <a:prstClr val="black">
+                <a:alpha val="40000"/>
+              </a:prstClr>
+            </a:outerShdw>
+          </a:effectLst>
+          <a:scene3d>
+            <a:camera prst="isometricOffAxis1Right"/>
+            <a:lightRig rig="threePt" dir="t"/>
+          </a:scene3d>
+          <a:extLst>
+            <a:ext uri="{909E8E84-426E-40DD-AFC4-6F175D3DCCD1}">
+              <a14:hiddenFill xmlns:a14="http://schemas.microsoft.com/office/drawing/2010/main">
+                <a:solidFill>
+                  <a:srgbClr val="FFFFFF"/>
+                </a:solidFill>
+              </a14:hiddenFill>
+            </a:ext>
+          </a:extLst>
+        </p:spPr>
+      </p:pic>
+      <p:pic>
+        <p:nvPicPr>
+          <p:cNvPr id="1028" name="Picture 4" descr="http://img.archiexpo.fr/images_ae/photo-g/11072-3506235.jpg"/>
+          <p:cNvPicPr>
+            <a:picLocks noChangeAspect="1" noChangeArrowheads="1"/>
+          </p:cNvPicPr>
+          <p:nvPr/>
+        </p:nvPicPr>
+        <p:blipFill>
+          <a:blip r:embed="rId4">
+            <a:extLst>
+              <a:ext uri="{28A0092B-C50C-407E-A947-70E740481C1C}">
+                <a14:useLocalDpi xmlns:a14="http://schemas.microsoft.com/office/drawing/2010/main" val="0"/>
+              </a:ext>
+            </a:extLst>
+          </a:blip>
+          <a:srcRect/>
+          <a:stretch>
+            <a:fillRect/>
+          </a:stretch>
+        </p:blipFill>
+        <p:spPr bwMode="auto">
+          <a:xfrm>
+            <a:off x="709659" y="3403968"/>
+            <a:ext cx="1822004" cy="1427238"/>
+          </a:xfrm>
+          <a:prstGeom prst="rect">
+            <a:avLst/>
+          </a:prstGeom>
+          <a:noFill/>
+          <a:extLst>
+            <a:ext uri="{909E8E84-426E-40DD-AFC4-6F175D3DCCD1}">
+              <a14:hiddenFill xmlns:a14="http://schemas.microsoft.com/office/drawing/2010/main">
+                <a:solidFill>
+                  <a:srgbClr val="FFFFFF"/>
+                </a:solidFill>
+              </a14:hiddenFill>
+            </a:ext>
+          </a:extLst>
+        </p:spPr>
+      </p:pic>
+    </p:spTree>
+    <p:extLst>
+      <p:ext uri="{BB962C8B-B14F-4D97-AF65-F5344CB8AC3E}">
+        <p14:creationId xmlns:p14="http://schemas.microsoft.com/office/powerpoint/2010/main" val="1185306439"/>
+      </p:ext>
+    </p:extLst>
+  </p:cSld>
+  <p:clrMapOvr>
+    <a:masterClrMapping/>
+  </p:clrMapOvr>
+  <p:timing>
+    <p:tnLst>
+      <p:par>
+        <p:cTn id="1" dur="indefinite" restart="never" nodeType="tmRoot"/>
+      </p:par>
+    </p:tnLst>
+  </p:timing>
+</p:sld>
+</file>
+
+<file path=ppt/slides/slide3.xml><?xml version="1.0" encoding="utf-8"?>
+<p:sld xmlns:a="http://schemas.openxmlformats.org/drawingml/2006/main" xmlns:r="http://schemas.openxmlformats.org/officeDocument/2006/relationships" xmlns:p="http://schemas.openxmlformats.org/presentationml/2006/main">
+  <p:cSld>
+    <p:spTree>
+      <p:nvGrpSpPr>
+        <p:cNvPr id="1" name=""/>
+        <p:cNvGrpSpPr/>
+        <p:nvPr/>
+      </p:nvGrpSpPr>
+      <p:grpSpPr>
+        <a:xfrm>
+          <a:off x="0" y="0"/>
+          <a:ext cx="0" cy="0"/>
+          <a:chOff x="0" y="0"/>
+          <a:chExt cx="0" cy="0"/>
+        </a:xfrm>
+      </p:grpSpPr>
+      <p:sp>
+        <p:nvSpPr>
+          <p:cNvPr id="4" name="Flèche droite 3"/>
+          <p:cNvSpPr/>
+          <p:nvPr/>
+        </p:nvSpPr>
+        <p:spPr>
+          <a:xfrm>
+            <a:off x="2771800" y="1772816"/>
+            <a:ext cx="3037584" cy="716632"/>
+          </a:xfrm>
+          <a:prstGeom prst="rightArrow">
+            <a:avLst/>
+          </a:prstGeom>
+        </p:spPr>
+        <p:style>
+          <a:lnRef idx="1">
+            <a:schemeClr val="accent5"/>
+          </a:lnRef>
+          <a:fillRef idx="2">
+            <a:schemeClr val="accent5"/>
+          </a:fillRef>
+          <a:effectRef idx="1">
+            <a:schemeClr val="accent5"/>
+          </a:effectRef>
+          <a:fontRef idx="minor">
+            <a:schemeClr val="dk1"/>
+          </a:fontRef>
+        </p:style>
+        <p:txBody>
+          <a:bodyPr rtlCol="0" anchor="ctr"/>
+          <a:lstStyle/>
+          <a:p>
+            <a:pPr algn="ctr"/>
+            <a:r>
+              <a:rPr lang="fr-FR" dirty="0" smtClean="0">
+                <a:solidFill>
+                  <a:prstClr val="black"/>
+                </a:solidFill>
+              </a:rPr>
+              <a:t>Domaine du client</a:t>
+            </a:r>
+            <a:endParaRPr lang="fr-FR" dirty="0">
+              <a:solidFill>
+                <a:prstClr val="black"/>
+              </a:solidFill>
+            </a:endParaRPr>
+          </a:p>
+        </p:txBody>
+      </p:sp>
+      <p:sp>
+        <p:nvSpPr>
+          <p:cNvPr id="13" name="Flèche droite 12"/>
+          <p:cNvSpPr/>
+          <p:nvPr/>
+        </p:nvSpPr>
+        <p:spPr>
+          <a:xfrm>
+            <a:off x="2771800" y="3780534"/>
+            <a:ext cx="3037584" cy="716632"/>
+          </a:xfrm>
+          <a:prstGeom prst="rightArrow">
+            <a:avLst/>
+          </a:prstGeom>
+        </p:spPr>
+        <p:style>
+          <a:lnRef idx="1">
+            <a:schemeClr val="accent5"/>
+          </a:lnRef>
+          <a:fillRef idx="2">
+            <a:schemeClr val="accent5"/>
+          </a:fillRef>
+          <a:effectRef idx="1">
+            <a:schemeClr val="accent5"/>
+          </a:effectRef>
+          <a:fontRef idx="minor">
+            <a:schemeClr val="dk1"/>
+          </a:fontRef>
+        </p:style>
+        <p:txBody>
+          <a:bodyPr rtlCol="0" anchor="ctr"/>
+          <a:lstStyle/>
+          <a:p>
+            <a:pPr algn="ctr"/>
+            <a:r>
               <a:rPr lang="fr-FR" dirty="0" smtClean="0">
                 <a:solidFill>
                   <a:prstClr val="black"/>
@@ -15215,7 +15898,7 @@
 </p:sld>
 </file>
 
-<file path=ppt/slides/slide3.xml><?xml version="1.0" encoding="utf-8"?>
+<file path=ppt/slides/slide4.xml><?xml version="1.0" encoding="utf-8"?>
 <p:sld xmlns:a="http://schemas.openxmlformats.org/drawingml/2006/main" xmlns:r="http://schemas.openxmlformats.org/officeDocument/2006/relationships" xmlns:p="http://schemas.openxmlformats.org/presentationml/2006/main">
   <p:cSld>
     <p:spTree>
@@ -15267,7 +15950,7 @@
 </p:sld>
 </file>
 
-<file path=ppt/slides/slide4.xml><?xml version="1.0" encoding="utf-8"?>
+<file path=ppt/slides/slide5.xml><?xml version="1.0" encoding="utf-8"?>
 <p:sld xmlns:a="http://schemas.openxmlformats.org/drawingml/2006/main" xmlns:r="http://schemas.openxmlformats.org/officeDocument/2006/relationships" xmlns:p="http://schemas.openxmlformats.org/presentationml/2006/main">
   <p:cSld>
     <p:spTree>
@@ -16644,7 +17327,7 @@
 </p:sld>
 </file>
 
-<file path=ppt/slides/slide5.xml><?xml version="1.0" encoding="utf-8"?>
+<file path=ppt/slides/slide6.xml><?xml version="1.0" encoding="utf-8"?>
 <p:sld xmlns:a="http://schemas.openxmlformats.org/drawingml/2006/main" xmlns:r="http://schemas.openxmlformats.org/officeDocument/2006/relationships" xmlns:p="http://schemas.openxmlformats.org/presentationml/2006/main">
   <p:cSld>
     <p:spTree>
@@ -18066,7 +18749,7 @@
 </p:sld>
 </file>
 
-<file path=ppt/slides/slide6.xml><?xml version="1.0" encoding="utf-8"?>
+<file path=ppt/slides/slide7.xml><?xml version="1.0" encoding="utf-8"?>
 <p:sld xmlns:a="http://schemas.openxmlformats.org/drawingml/2006/main" xmlns:r="http://schemas.openxmlformats.org/officeDocument/2006/relationships" xmlns:p="http://schemas.openxmlformats.org/presentationml/2006/main">
   <p:cSld>
     <p:spTree>
@@ -18912,7 +19595,7 @@
 </p:sld>
 </file>
 
-<file path=ppt/slides/slide7.xml><?xml version="1.0" encoding="utf-8"?>
+<file path=ppt/slides/slide8.xml><?xml version="1.0" encoding="utf-8"?>
 <p:sld xmlns:a="http://schemas.openxmlformats.org/drawingml/2006/main" xmlns:r="http://schemas.openxmlformats.org/officeDocument/2006/relationships" xmlns:p="http://schemas.openxmlformats.org/presentationml/2006/main">
   <p:cSld>
     <p:spTree>
@@ -19738,7 +20421,7 @@
 </p:sld>
 </file>
 
-<file path=ppt/slides/slide8.xml><?xml version="1.0" encoding="utf-8"?>
+<file path=ppt/slides/slide9.xml><?xml version="1.0" encoding="utf-8"?>
 <p:sld xmlns:a="http://schemas.openxmlformats.org/drawingml/2006/main" xmlns:r="http://schemas.openxmlformats.org/officeDocument/2006/relationships" xmlns:p="http://schemas.openxmlformats.org/presentationml/2006/main">
   <p:cSld>
     <p:spTree>
@@ -19777,7 +20460,7 @@
                 </a:solidFill>
               </a:rPr>
               <a:pPr/>
-              <a:t>8</a:t>
+              <a:t>9</a:t>
             </a:fld>
             <a:endParaRPr lang="fr-FR" dirty="0">
               <a:solidFill>

--- a/Ressources/Ecarts.pptx
+++ b/Ressources/Ecarts.pptx
@@ -1065,13 +1065,13 @@
       <dgm:prSet phldrT="[Texte]" custT="1">
         <dgm:style>
           <a:lnRef idx="1">
-            <a:schemeClr val="accent1"/>
+            <a:schemeClr val="accent3"/>
           </a:lnRef>
           <a:fillRef idx="2">
-            <a:schemeClr val="accent1"/>
+            <a:schemeClr val="accent3"/>
           </a:fillRef>
           <a:effectRef idx="1">
-            <a:schemeClr val="accent1"/>
+            <a:schemeClr val="accent3"/>
           </a:effectRef>
           <a:fontRef idx="minor">
             <a:schemeClr val="dk1"/>
@@ -1095,13 +1095,13 @@
       <dgm:prSet custT="1">
         <dgm:style>
           <a:lnRef idx="1">
-            <a:schemeClr val="accent1"/>
+            <a:schemeClr val="accent3"/>
           </a:lnRef>
           <a:fillRef idx="2">
-            <a:schemeClr val="accent1"/>
+            <a:schemeClr val="accent3"/>
           </a:fillRef>
           <a:effectRef idx="1">
-            <a:schemeClr val="accent1"/>
+            <a:schemeClr val="accent3"/>
           </a:effectRef>
           <a:fontRef idx="minor">
             <a:schemeClr val="dk1"/>
@@ -1331,13 +1331,13 @@
       <dgm:prSet phldrT="[Texte]" custT="1">
         <dgm:style>
           <a:lnRef idx="1">
-            <a:schemeClr val="accent6"/>
+            <a:schemeClr val="accent1"/>
           </a:lnRef>
           <a:fillRef idx="2">
-            <a:schemeClr val="accent6"/>
+            <a:schemeClr val="accent1"/>
           </a:fillRef>
           <a:effectRef idx="1">
-            <a:schemeClr val="accent6"/>
+            <a:schemeClr val="accent1"/>
           </a:effectRef>
           <a:fontRef idx="minor">
             <a:schemeClr val="dk1"/>
@@ -1360,13 +1360,13 @@
       <dgm:prSet custT="1">
         <dgm:style>
           <a:lnRef idx="1">
-            <a:schemeClr val="accent6"/>
+            <a:schemeClr val="accent1"/>
           </a:lnRef>
           <a:fillRef idx="2">
-            <a:schemeClr val="accent6"/>
+            <a:schemeClr val="accent1"/>
           </a:fillRef>
           <a:effectRef idx="1">
-            <a:schemeClr val="accent6"/>
+            <a:schemeClr val="accent1"/>
           </a:effectRef>
           <a:fontRef idx="minor">
             <a:schemeClr val="dk1"/>
@@ -2246,19 +2246,19 @@
         <a:gradFill rotWithShape="1">
           <a:gsLst>
             <a:gs pos="0">
-              <a:schemeClr val="accent1">
+              <a:schemeClr val="accent3">
                 <a:tint val="65000"/>
                 <a:satMod val="270000"/>
               </a:schemeClr>
             </a:gs>
             <a:gs pos="25000">
-              <a:schemeClr val="accent1">
+              <a:schemeClr val="accent3">
                 <a:tint val="60000"/>
                 <a:satMod val="300000"/>
               </a:schemeClr>
             </a:gs>
             <a:gs pos="100000">
-              <a:schemeClr val="accent1">
+              <a:schemeClr val="accent3">
                 <a:tint val="29000"/>
                 <a:satMod val="400000"/>
               </a:schemeClr>
@@ -2268,7 +2268,7 @@
         </a:gradFill>
         <a:ln w="9525" cap="flat" cmpd="sng" algn="ctr">
           <a:solidFill>
-            <a:schemeClr val="accent1">
+            <a:schemeClr val="accent3">
               <a:satMod val="150000"/>
             </a:schemeClr>
           </a:solidFill>
@@ -2284,13 +2284,13 @@
       </dsp:spPr>
       <dsp:style>
         <a:lnRef idx="1">
-          <a:schemeClr val="accent1"/>
+          <a:schemeClr val="accent3"/>
         </a:lnRef>
         <a:fillRef idx="2">
-          <a:schemeClr val="accent1"/>
+          <a:schemeClr val="accent3"/>
         </a:fillRef>
         <a:effectRef idx="1">
-          <a:schemeClr val="accent1"/>
+          <a:schemeClr val="accent3"/>
         </a:effectRef>
         <a:fontRef idx="minor">
           <a:schemeClr val="dk1"/>
@@ -2337,19 +2337,19 @@
         <a:gradFill rotWithShape="1">
           <a:gsLst>
             <a:gs pos="0">
-              <a:schemeClr val="accent1">
+              <a:schemeClr val="accent3">
                 <a:tint val="65000"/>
                 <a:satMod val="270000"/>
               </a:schemeClr>
             </a:gs>
             <a:gs pos="25000">
-              <a:schemeClr val="accent1">
+              <a:schemeClr val="accent3">
                 <a:tint val="60000"/>
                 <a:satMod val="300000"/>
               </a:schemeClr>
             </a:gs>
             <a:gs pos="100000">
-              <a:schemeClr val="accent1">
+              <a:schemeClr val="accent3">
                 <a:tint val="29000"/>
                 <a:satMod val="400000"/>
               </a:schemeClr>
@@ -2359,7 +2359,7 @@
         </a:gradFill>
         <a:ln w="9525" cap="flat" cmpd="sng" algn="ctr">
           <a:solidFill>
-            <a:schemeClr val="accent1">
+            <a:schemeClr val="accent3">
               <a:satMod val="150000"/>
             </a:schemeClr>
           </a:solidFill>
@@ -2375,13 +2375,13 @@
       </dsp:spPr>
       <dsp:style>
         <a:lnRef idx="1">
-          <a:schemeClr val="accent1"/>
+          <a:schemeClr val="accent3"/>
         </a:lnRef>
         <a:fillRef idx="2">
-          <a:schemeClr val="accent1"/>
+          <a:schemeClr val="accent3"/>
         </a:fillRef>
         <a:effectRef idx="1">
-          <a:schemeClr val="accent1"/>
+          <a:schemeClr val="accent3"/>
         </a:effectRef>
         <a:fontRef idx="minor">
           <a:schemeClr val="dk1"/>
@@ -2811,19 +2811,19 @@
         <a:gradFill rotWithShape="1">
           <a:gsLst>
             <a:gs pos="0">
-              <a:schemeClr val="accent6">
+              <a:schemeClr val="accent1">
                 <a:tint val="65000"/>
                 <a:satMod val="270000"/>
               </a:schemeClr>
             </a:gs>
             <a:gs pos="25000">
-              <a:schemeClr val="accent6">
+              <a:schemeClr val="accent1">
                 <a:tint val="60000"/>
                 <a:satMod val="300000"/>
               </a:schemeClr>
             </a:gs>
             <a:gs pos="100000">
-              <a:schemeClr val="accent6">
+              <a:schemeClr val="accent1">
                 <a:tint val="29000"/>
                 <a:satMod val="400000"/>
               </a:schemeClr>
@@ -2833,7 +2833,7 @@
         </a:gradFill>
         <a:ln w="9525" cap="flat" cmpd="sng" algn="ctr">
           <a:solidFill>
-            <a:schemeClr val="accent6">
+            <a:schemeClr val="accent1">
               <a:satMod val="150000"/>
             </a:schemeClr>
           </a:solidFill>
@@ -2849,13 +2849,13 @@
       </dsp:spPr>
       <dsp:style>
         <a:lnRef idx="1">
-          <a:schemeClr val="accent6"/>
+          <a:schemeClr val="accent1"/>
         </a:lnRef>
         <a:fillRef idx="2">
-          <a:schemeClr val="accent6"/>
+          <a:schemeClr val="accent1"/>
         </a:fillRef>
         <a:effectRef idx="1">
-          <a:schemeClr val="accent6"/>
+          <a:schemeClr val="accent1"/>
         </a:effectRef>
         <a:fontRef idx="minor">
           <a:schemeClr val="dk1"/>
@@ -2902,19 +2902,19 @@
         <a:gradFill rotWithShape="1">
           <a:gsLst>
             <a:gs pos="0">
-              <a:schemeClr val="accent6">
+              <a:schemeClr val="accent1">
                 <a:tint val="65000"/>
                 <a:satMod val="270000"/>
               </a:schemeClr>
             </a:gs>
             <a:gs pos="25000">
-              <a:schemeClr val="accent6">
+              <a:schemeClr val="accent1">
                 <a:tint val="60000"/>
                 <a:satMod val="300000"/>
               </a:schemeClr>
             </a:gs>
             <a:gs pos="100000">
-              <a:schemeClr val="accent6">
+              <a:schemeClr val="accent1">
                 <a:tint val="29000"/>
                 <a:satMod val="400000"/>
               </a:schemeClr>
@@ -2924,7 +2924,7 @@
         </a:gradFill>
         <a:ln w="9525" cap="flat" cmpd="sng" algn="ctr">
           <a:solidFill>
-            <a:schemeClr val="accent6">
+            <a:schemeClr val="accent1">
               <a:satMod val="150000"/>
             </a:schemeClr>
           </a:solidFill>
@@ -2940,13 +2940,13 @@
       </dsp:spPr>
       <dsp:style>
         <a:lnRef idx="1">
-          <a:schemeClr val="accent6"/>
+          <a:schemeClr val="accent1"/>
         </a:lnRef>
         <a:fillRef idx="2">
-          <a:schemeClr val="accent6"/>
+          <a:schemeClr val="accent1"/>
         </a:fillRef>
         <a:effectRef idx="1">
-          <a:schemeClr val="accent6"/>
+          <a:schemeClr val="accent1"/>
         </a:effectRef>
         <a:fontRef idx="minor">
           <a:schemeClr val="dk1"/>
@@ -14642,11 +14642,6 @@
               </a:rPr>
               <a:t>Domaine du laboratoire</a:t>
             </a:r>
-            <a:endParaRPr lang="fr-FR" dirty="0">
-              <a:solidFill>
-                <a:prstClr val="black"/>
-              </a:solidFill>
-            </a:endParaRPr>
           </a:p>
         </p:txBody>
       </p:sp>
@@ -15064,11 +15059,6 @@
               </a:rPr>
               <a:t>  </a:t>
             </a:r>
-            <a:endParaRPr lang="fr-FR" sz="500" dirty="0">
-              <a:solidFill>
-                <a:prstClr val="white"/>
-              </a:solidFill>
-            </a:endParaRPr>
           </a:p>
         </p:txBody>
       </p:sp>
@@ -15922,7 +15912,7 @@
           <p:nvPr>
             <p:extLst>
               <p:ext uri="{D42A27DB-BD31-4B8C-83A1-F6EECF244321}">
-                <p14:modId xmlns:p14="http://schemas.microsoft.com/office/powerpoint/2010/main" val="1651723787"/>
+                <p14:modId xmlns:p14="http://schemas.microsoft.com/office/powerpoint/2010/main" val="3233866507"/>
               </p:ext>
             </p:extLst>
           </p:nvPr>

--- a/Ressources/Ecarts.pptx
+++ b/Ressources/Ecarts.pptx
@@ -8,12 +8,13 @@
     <p:sldId id="257" r:id="rId2"/>
     <p:sldId id="265" r:id="rId3"/>
     <p:sldId id="264" r:id="rId4"/>
-    <p:sldId id="262" r:id="rId5"/>
-    <p:sldId id="261" r:id="rId6"/>
-    <p:sldId id="263" r:id="rId7"/>
-    <p:sldId id="259" r:id="rId8"/>
-    <p:sldId id="258" r:id="rId9"/>
-    <p:sldId id="260" r:id="rId10"/>
+    <p:sldId id="266" r:id="rId5"/>
+    <p:sldId id="262" r:id="rId6"/>
+    <p:sldId id="261" r:id="rId7"/>
+    <p:sldId id="263" r:id="rId8"/>
+    <p:sldId id="259" r:id="rId9"/>
+    <p:sldId id="258" r:id="rId10"/>
+    <p:sldId id="260" r:id="rId11"/>
   </p:sldIdLst>
   <p:sldSz cx="9144000" cy="6858000" type="screen4x3"/>
   <p:notesSz cx="6858000" cy="9144000"/>
@@ -14533,6 +14534,823 @@
 </p:sld>
 </file>
 
+<file path=ppt/slides/slide10.xml><?xml version="1.0" encoding="utf-8"?>
+<p:sld xmlns:a="http://schemas.openxmlformats.org/drawingml/2006/main" xmlns:r="http://schemas.openxmlformats.org/officeDocument/2006/relationships" xmlns:p="http://schemas.openxmlformats.org/presentationml/2006/main">
+  <p:cSld>
+    <p:spTree>
+      <p:nvGrpSpPr>
+        <p:cNvPr id="1" name=""/>
+        <p:cNvGrpSpPr/>
+        <p:nvPr/>
+      </p:nvGrpSpPr>
+      <p:grpSpPr>
+        <a:xfrm>
+          <a:off x="0" y="0"/>
+          <a:ext cx="0" cy="0"/>
+          <a:chOff x="0" y="0"/>
+          <a:chExt cx="0" cy="0"/>
+        </a:xfrm>
+      </p:grpSpPr>
+      <p:sp>
+        <p:nvSpPr>
+          <p:cNvPr id="3" name="Espace réservé du numéro de diapositive 2"/>
+          <p:cNvSpPr>
+            <a:spLocks noGrp="1"/>
+          </p:cNvSpPr>
+          <p:nvPr>
+            <p:ph type="sldNum" sz="quarter" idx="17"/>
+          </p:nvPr>
+        </p:nvSpPr>
+        <p:spPr/>
+        <p:txBody>
+          <a:bodyPr/>
+          <a:lstStyle/>
+          <a:p>
+            <a:fld id="{256D3EEF-DE4E-429D-8EC4-DDC531AFF587}" type="slidenum">
+              <a:rPr lang="fr-FR" smtClean="0">
+                <a:solidFill>
+                  <a:prstClr val="white"/>
+                </a:solidFill>
+              </a:rPr>
+              <a:pPr/>
+              <a:t>10</a:t>
+            </a:fld>
+            <a:endParaRPr lang="fr-FR" dirty="0">
+              <a:solidFill>
+                <a:prstClr val="white"/>
+              </a:solidFill>
+            </a:endParaRPr>
+          </a:p>
+        </p:txBody>
+      </p:sp>
+      <p:sp>
+        <p:nvSpPr>
+          <p:cNvPr id="4" name="Espace réservé du texte 3"/>
+          <p:cNvSpPr>
+            <a:spLocks noGrp="1"/>
+          </p:cNvSpPr>
+          <p:nvPr>
+            <p:ph type="body" sz="quarter" idx="13"/>
+          </p:nvPr>
+        </p:nvSpPr>
+        <p:spPr/>
+        <p:txBody>
+          <a:bodyPr/>
+          <a:lstStyle/>
+          <a:p>
+            <a:endParaRPr lang="fr-FR"/>
+          </a:p>
+        </p:txBody>
+      </p:sp>
+      <p:cxnSp>
+        <p:nvCxnSpPr>
+          <p:cNvPr id="5" name="Connecteur droit 4"/>
+          <p:cNvCxnSpPr>
+            <a:stCxn id="16" idx="2"/>
+            <a:endCxn id="9" idx="2"/>
+          </p:cNvCxnSpPr>
+          <p:nvPr/>
+        </p:nvCxnSpPr>
+        <p:spPr>
+          <a:xfrm>
+            <a:off x="841140" y="1988776"/>
+            <a:ext cx="1857988" cy="3744416"/>
+          </a:xfrm>
+          <a:prstGeom prst="line">
+            <a:avLst/>
+          </a:prstGeom>
+          <a:ln w="101600" cmpd="dbl">
+            <a:tailEnd type="triangle" w="sm" len="med"/>
+          </a:ln>
+        </p:spPr>
+        <p:style>
+          <a:lnRef idx="1">
+            <a:schemeClr val="accent1"/>
+          </a:lnRef>
+          <a:fillRef idx="0">
+            <a:schemeClr val="accent1"/>
+          </a:fillRef>
+          <a:effectRef idx="0">
+            <a:schemeClr val="accent1"/>
+          </a:effectRef>
+          <a:fontRef idx="minor">
+            <a:schemeClr val="tx1"/>
+          </a:fontRef>
+        </p:style>
+      </p:cxnSp>
+      <p:cxnSp>
+        <p:nvCxnSpPr>
+          <p:cNvPr id="6" name="Connecteur droit 5"/>
+          <p:cNvCxnSpPr>
+            <a:stCxn id="15" idx="2"/>
+            <a:endCxn id="9" idx="2"/>
+          </p:cNvCxnSpPr>
+          <p:nvPr/>
+        </p:nvCxnSpPr>
+        <p:spPr>
+          <a:xfrm flipH="1">
+            <a:off x="2699128" y="1988776"/>
+            <a:ext cx="1857989" cy="3744416"/>
+          </a:xfrm>
+          <a:prstGeom prst="line">
+            <a:avLst/>
+          </a:prstGeom>
+          <a:ln w="101600" cmpd="dbl">
+            <a:headEnd type="triangle" w="sm" len="med"/>
+          </a:ln>
+        </p:spPr>
+        <p:style>
+          <a:lnRef idx="1">
+            <a:schemeClr val="accent1"/>
+          </a:lnRef>
+          <a:fillRef idx="0">
+            <a:schemeClr val="accent1"/>
+          </a:fillRef>
+          <a:effectRef idx="0">
+            <a:schemeClr val="accent1"/>
+          </a:effectRef>
+          <a:fontRef idx="minor">
+            <a:schemeClr val="tx1"/>
+          </a:fontRef>
+        </p:style>
+      </p:cxnSp>
+      <p:cxnSp>
+        <p:nvCxnSpPr>
+          <p:cNvPr id="7" name="Connecteur droit 6"/>
+          <p:cNvCxnSpPr>
+            <a:endCxn id="15" idx="3"/>
+          </p:cNvCxnSpPr>
+          <p:nvPr/>
+        </p:nvCxnSpPr>
+        <p:spPr>
+          <a:xfrm flipH="1">
+            <a:off x="5205117" y="1700776"/>
+            <a:ext cx="3615355" cy="0"/>
+          </a:xfrm>
+          <a:prstGeom prst="line">
+            <a:avLst/>
+          </a:prstGeom>
+          <a:ln w="101600" cmpd="dbl">
+            <a:headEnd type="triangle" w="sm" len="med"/>
+            <a:tailEnd type="none"/>
+          </a:ln>
+        </p:spPr>
+        <p:style>
+          <a:lnRef idx="1">
+            <a:schemeClr val="accent1"/>
+          </a:lnRef>
+          <a:fillRef idx="0">
+            <a:schemeClr val="accent1"/>
+          </a:fillRef>
+          <a:effectRef idx="0">
+            <a:schemeClr val="accent1"/>
+          </a:effectRef>
+          <a:fontRef idx="minor">
+            <a:schemeClr val="tx1"/>
+          </a:fontRef>
+        </p:style>
+      </p:cxnSp>
+      <p:sp>
+        <p:nvSpPr>
+          <p:cNvPr id="8" name="Rectangle à coins arrondis 7"/>
+          <p:cNvSpPr/>
+          <p:nvPr/>
+        </p:nvSpPr>
+        <p:spPr>
+          <a:xfrm>
+            <a:off x="2771944" y="4221088"/>
+            <a:ext cx="1296000" cy="576000"/>
+          </a:xfrm>
+          <a:prstGeom prst="roundRect">
+            <a:avLst/>
+          </a:prstGeom>
+        </p:spPr>
+        <p:style>
+          <a:lnRef idx="1">
+            <a:schemeClr val="accent4"/>
+          </a:lnRef>
+          <a:fillRef idx="2">
+            <a:schemeClr val="accent4"/>
+          </a:fillRef>
+          <a:effectRef idx="1">
+            <a:schemeClr val="accent4"/>
+          </a:effectRef>
+          <a:fontRef idx="minor">
+            <a:schemeClr val="dk1"/>
+          </a:fontRef>
+        </p:style>
+        <p:txBody>
+          <a:bodyPr rtlCol="0" anchor="ctr"/>
+          <a:lstStyle/>
+          <a:p>
+            <a:pPr algn="ctr"/>
+            <a:r>
+              <a:rPr lang="fr-FR" sz="1400" dirty="0" smtClean="0"/>
+              <a:t>Tests unitaires</a:t>
+            </a:r>
+            <a:endParaRPr lang="fr-FR" sz="1400" dirty="0"/>
+          </a:p>
+        </p:txBody>
+      </p:sp>
+      <p:sp>
+        <p:nvSpPr>
+          <p:cNvPr id="9" name="Rectangle à coins arrondis 8"/>
+          <p:cNvSpPr/>
+          <p:nvPr/>
+        </p:nvSpPr>
+        <p:spPr>
+          <a:xfrm>
+            <a:off x="2051128" y="5157192"/>
+            <a:ext cx="1296000" cy="576000"/>
+          </a:xfrm>
+          <a:prstGeom prst="roundRect">
+            <a:avLst/>
+          </a:prstGeom>
+        </p:spPr>
+        <p:style>
+          <a:lnRef idx="1">
+            <a:schemeClr val="accent5"/>
+          </a:lnRef>
+          <a:fillRef idx="2">
+            <a:schemeClr val="accent5"/>
+          </a:fillRef>
+          <a:effectRef idx="1">
+            <a:schemeClr val="accent5"/>
+          </a:effectRef>
+          <a:fontRef idx="minor">
+            <a:schemeClr val="dk1"/>
+          </a:fontRef>
+        </p:style>
+        <p:txBody>
+          <a:bodyPr rtlCol="0" anchor="ctr"/>
+          <a:lstStyle/>
+          <a:p>
+            <a:pPr algn="ctr"/>
+            <a:r>
+              <a:rPr lang="fr-FR" sz="1400" dirty="0" smtClean="0"/>
+              <a:t>Réalisation</a:t>
+            </a:r>
+            <a:endParaRPr lang="fr-FR" sz="1400" dirty="0"/>
+          </a:p>
+        </p:txBody>
+      </p:sp>
+      <p:sp>
+        <p:nvSpPr>
+          <p:cNvPr id="10" name="Rectangle à coins arrondis 9"/>
+          <p:cNvSpPr/>
+          <p:nvPr/>
+        </p:nvSpPr>
+        <p:spPr>
+          <a:xfrm>
+            <a:off x="1331640" y="4221088"/>
+            <a:ext cx="1296000" cy="576000"/>
+          </a:xfrm>
+          <a:prstGeom prst="roundRect">
+            <a:avLst/>
+          </a:prstGeom>
+        </p:spPr>
+        <p:style>
+          <a:lnRef idx="1">
+            <a:schemeClr val="accent4"/>
+          </a:lnRef>
+          <a:fillRef idx="2">
+            <a:schemeClr val="accent4"/>
+          </a:fillRef>
+          <a:effectRef idx="1">
+            <a:schemeClr val="accent4"/>
+          </a:effectRef>
+          <a:fontRef idx="minor">
+            <a:schemeClr val="dk1"/>
+          </a:fontRef>
+        </p:style>
+        <p:txBody>
+          <a:bodyPr rtlCol="0" anchor="ctr"/>
+          <a:lstStyle/>
+          <a:p>
+            <a:pPr algn="ctr"/>
+            <a:r>
+              <a:rPr lang="fr-FR" sz="1400" dirty="0" smtClean="0"/>
+              <a:t>Conception détaillée</a:t>
+            </a:r>
+            <a:endParaRPr lang="fr-FR" sz="1400" dirty="0"/>
+          </a:p>
+        </p:txBody>
+      </p:sp>
+      <p:sp>
+        <p:nvSpPr>
+          <p:cNvPr id="11" name="Rectangle à coins arrondis 10"/>
+          <p:cNvSpPr/>
+          <p:nvPr/>
+        </p:nvSpPr>
+        <p:spPr>
+          <a:xfrm>
+            <a:off x="3203992" y="3284984"/>
+            <a:ext cx="1296000" cy="576000"/>
+          </a:xfrm>
+          <a:prstGeom prst="roundRect">
+            <a:avLst/>
+          </a:prstGeom>
+        </p:spPr>
+        <p:style>
+          <a:lnRef idx="1">
+            <a:schemeClr val="accent3"/>
+          </a:lnRef>
+          <a:fillRef idx="2">
+            <a:schemeClr val="accent3"/>
+          </a:fillRef>
+          <a:effectRef idx="1">
+            <a:schemeClr val="accent3"/>
+          </a:effectRef>
+          <a:fontRef idx="minor">
+            <a:schemeClr val="dk1"/>
+          </a:fontRef>
+        </p:style>
+        <p:txBody>
+          <a:bodyPr rtlCol="0" anchor="ctr"/>
+          <a:lstStyle/>
+          <a:p>
+            <a:pPr algn="ctr"/>
+            <a:r>
+              <a:rPr lang="fr-FR" sz="1400" dirty="0" smtClean="0"/>
+              <a:t>Tests d’intégration</a:t>
+            </a:r>
+            <a:endParaRPr lang="fr-FR" sz="1400" dirty="0"/>
+          </a:p>
+        </p:txBody>
+      </p:sp>
+      <p:sp>
+        <p:nvSpPr>
+          <p:cNvPr id="12" name="Rectangle à coins arrondis 11"/>
+          <p:cNvSpPr/>
+          <p:nvPr/>
+        </p:nvSpPr>
+        <p:spPr>
+          <a:xfrm>
+            <a:off x="899592" y="3284984"/>
+            <a:ext cx="1296000" cy="576000"/>
+          </a:xfrm>
+          <a:prstGeom prst="roundRect">
+            <a:avLst/>
+          </a:prstGeom>
+        </p:spPr>
+        <p:style>
+          <a:lnRef idx="1">
+            <a:schemeClr val="accent3"/>
+          </a:lnRef>
+          <a:fillRef idx="2">
+            <a:schemeClr val="accent3"/>
+          </a:fillRef>
+          <a:effectRef idx="1">
+            <a:schemeClr val="accent3"/>
+          </a:effectRef>
+          <a:fontRef idx="minor">
+            <a:schemeClr val="dk1"/>
+          </a:fontRef>
+        </p:style>
+        <p:txBody>
+          <a:bodyPr rtlCol="0" anchor="ctr"/>
+          <a:lstStyle/>
+          <a:p>
+            <a:pPr algn="ctr"/>
+            <a:r>
+              <a:rPr lang="fr-FR" sz="1400" dirty="0" smtClean="0"/>
+              <a:t>Conception générale</a:t>
+            </a:r>
+            <a:endParaRPr lang="fr-FR" sz="1400" dirty="0"/>
+          </a:p>
+        </p:txBody>
+      </p:sp>
+      <p:sp>
+        <p:nvSpPr>
+          <p:cNvPr id="13" name="Rectangle à coins arrondis 12"/>
+          <p:cNvSpPr/>
+          <p:nvPr/>
+        </p:nvSpPr>
+        <p:spPr>
+          <a:xfrm>
+            <a:off x="3636040" y="2348880"/>
+            <a:ext cx="1296000" cy="576000"/>
+          </a:xfrm>
+          <a:prstGeom prst="roundRect">
+            <a:avLst/>
+          </a:prstGeom>
+        </p:spPr>
+        <p:style>
+          <a:lnRef idx="1">
+            <a:schemeClr val="accent2"/>
+          </a:lnRef>
+          <a:fillRef idx="2">
+            <a:schemeClr val="accent2"/>
+          </a:fillRef>
+          <a:effectRef idx="1">
+            <a:schemeClr val="accent2"/>
+          </a:effectRef>
+          <a:fontRef idx="minor">
+            <a:schemeClr val="dk1"/>
+          </a:fontRef>
+        </p:style>
+        <p:txBody>
+          <a:bodyPr rtlCol="0" anchor="ctr"/>
+          <a:lstStyle/>
+          <a:p>
+            <a:pPr algn="ctr"/>
+            <a:r>
+              <a:rPr lang="fr-FR" sz="1400" dirty="0" smtClean="0"/>
+              <a:t>Validation</a:t>
+            </a:r>
+            <a:endParaRPr lang="fr-FR" sz="1400" dirty="0"/>
+          </a:p>
+        </p:txBody>
+      </p:sp>
+      <p:sp>
+        <p:nvSpPr>
+          <p:cNvPr id="14" name="Rectangle à coins arrondis 13"/>
+          <p:cNvSpPr/>
+          <p:nvPr/>
+        </p:nvSpPr>
+        <p:spPr>
+          <a:xfrm>
+            <a:off x="467544" y="2348880"/>
+            <a:ext cx="1296000" cy="576000"/>
+          </a:xfrm>
+          <a:prstGeom prst="roundRect">
+            <a:avLst/>
+          </a:prstGeom>
+        </p:spPr>
+        <p:style>
+          <a:lnRef idx="1">
+            <a:schemeClr val="accent2"/>
+          </a:lnRef>
+          <a:fillRef idx="2">
+            <a:schemeClr val="accent2"/>
+          </a:fillRef>
+          <a:effectRef idx="1">
+            <a:schemeClr val="accent2"/>
+          </a:effectRef>
+          <a:fontRef idx="minor">
+            <a:schemeClr val="dk1"/>
+          </a:fontRef>
+        </p:style>
+        <p:txBody>
+          <a:bodyPr rtlCol="0" anchor="ctr"/>
+          <a:lstStyle/>
+          <a:p>
+            <a:pPr algn="ctr"/>
+            <a:r>
+              <a:rPr lang="fr-FR" sz="1400" dirty="0" smtClean="0"/>
+              <a:t>Spécifications</a:t>
+            </a:r>
+          </a:p>
+        </p:txBody>
+      </p:sp>
+      <p:sp>
+        <p:nvSpPr>
+          <p:cNvPr id="15" name="Rectangle à coins arrondis 14"/>
+          <p:cNvSpPr/>
+          <p:nvPr/>
+        </p:nvSpPr>
+        <p:spPr>
+          <a:xfrm>
+            <a:off x="3909117" y="1412776"/>
+            <a:ext cx="1296000" cy="576000"/>
+          </a:xfrm>
+          <a:prstGeom prst="roundRect">
+            <a:avLst/>
+          </a:prstGeom>
+        </p:spPr>
+        <p:style>
+          <a:lnRef idx="1">
+            <a:schemeClr val="accent6"/>
+          </a:lnRef>
+          <a:fillRef idx="2">
+            <a:schemeClr val="accent6"/>
+          </a:fillRef>
+          <a:effectRef idx="1">
+            <a:schemeClr val="accent6"/>
+          </a:effectRef>
+          <a:fontRef idx="minor">
+            <a:schemeClr val="dk1"/>
+          </a:fontRef>
+        </p:style>
+        <p:txBody>
+          <a:bodyPr rtlCol="0" anchor="ctr"/>
+          <a:lstStyle/>
+          <a:p>
+            <a:pPr algn="ctr"/>
+            <a:r>
+              <a:rPr lang="fr-FR" sz="1400" dirty="0" smtClean="0"/>
+              <a:t>Production</a:t>
+            </a:r>
+            <a:endParaRPr lang="fr-FR" sz="1400" dirty="0"/>
+          </a:p>
+        </p:txBody>
+      </p:sp>
+      <p:sp>
+        <p:nvSpPr>
+          <p:cNvPr id="16" name="Rectangle à coins arrondis 15"/>
+          <p:cNvSpPr/>
+          <p:nvPr/>
+        </p:nvSpPr>
+        <p:spPr>
+          <a:xfrm>
+            <a:off x="193140" y="1412776"/>
+            <a:ext cx="1296000" cy="576000"/>
+          </a:xfrm>
+          <a:prstGeom prst="roundRect">
+            <a:avLst/>
+          </a:prstGeom>
+        </p:spPr>
+        <p:style>
+          <a:lnRef idx="1">
+            <a:schemeClr val="accent6"/>
+          </a:lnRef>
+          <a:fillRef idx="2">
+            <a:schemeClr val="accent6"/>
+          </a:fillRef>
+          <a:effectRef idx="1">
+            <a:schemeClr val="accent6"/>
+          </a:effectRef>
+          <a:fontRef idx="minor">
+            <a:schemeClr val="dk1"/>
+          </a:fontRef>
+        </p:style>
+        <p:txBody>
+          <a:bodyPr rtlCol="0" anchor="ctr"/>
+          <a:lstStyle/>
+          <a:p>
+            <a:pPr algn="ctr"/>
+            <a:r>
+              <a:rPr lang="fr-FR" sz="1400" dirty="0" smtClean="0"/>
+              <a:t>Expression des besoins</a:t>
+            </a:r>
+            <a:endParaRPr lang="fr-FR" sz="1400" dirty="0"/>
+          </a:p>
+        </p:txBody>
+      </p:sp>
+      <p:sp>
+        <p:nvSpPr>
+          <p:cNvPr id="17" name="Rectangle à coins arrondis 16"/>
+          <p:cNvSpPr/>
+          <p:nvPr/>
+        </p:nvSpPr>
+        <p:spPr>
+          <a:xfrm>
+            <a:off x="5364088" y="1412776"/>
+            <a:ext cx="1296000" cy="576000"/>
+          </a:xfrm>
+          <a:prstGeom prst="roundRect">
+            <a:avLst/>
+          </a:prstGeom>
+        </p:spPr>
+        <p:style>
+          <a:lnRef idx="1">
+            <a:schemeClr val="accent6"/>
+          </a:lnRef>
+          <a:fillRef idx="2">
+            <a:schemeClr val="accent6"/>
+          </a:fillRef>
+          <a:effectRef idx="1">
+            <a:schemeClr val="accent6"/>
+          </a:effectRef>
+          <a:fontRef idx="minor">
+            <a:schemeClr val="dk1"/>
+          </a:fontRef>
+        </p:style>
+        <p:txBody>
+          <a:bodyPr rtlCol="0" anchor="ctr"/>
+          <a:lstStyle/>
+          <a:p>
+            <a:pPr algn="ctr"/>
+            <a:r>
+              <a:rPr lang="fr-FR" sz="1400" dirty="0" smtClean="0"/>
+              <a:t>Utilisation</a:t>
+            </a:r>
+          </a:p>
+          <a:p>
+            <a:pPr algn="ctr"/>
+            <a:r>
+              <a:rPr lang="fr-FR" sz="1400" dirty="0" smtClean="0"/>
+              <a:t>Maintenance</a:t>
+            </a:r>
+            <a:endParaRPr lang="fr-FR" sz="1400" dirty="0"/>
+          </a:p>
+        </p:txBody>
+      </p:sp>
+      <p:sp>
+        <p:nvSpPr>
+          <p:cNvPr id="18" name="Rectangle à coins arrondis 17"/>
+          <p:cNvSpPr/>
+          <p:nvPr/>
+        </p:nvSpPr>
+        <p:spPr>
+          <a:xfrm>
+            <a:off x="6876256" y="1412776"/>
+            <a:ext cx="1296000" cy="576000"/>
+          </a:xfrm>
+          <a:prstGeom prst="roundRect">
+            <a:avLst/>
+          </a:prstGeom>
+        </p:spPr>
+        <p:style>
+          <a:lnRef idx="1">
+            <a:schemeClr val="accent6"/>
+          </a:lnRef>
+          <a:fillRef idx="2">
+            <a:schemeClr val="accent6"/>
+          </a:fillRef>
+          <a:effectRef idx="1">
+            <a:schemeClr val="accent6"/>
+          </a:effectRef>
+          <a:fontRef idx="minor">
+            <a:schemeClr val="dk1"/>
+          </a:fontRef>
+        </p:style>
+        <p:txBody>
+          <a:bodyPr rtlCol="0" anchor="ctr"/>
+          <a:lstStyle/>
+          <a:p>
+            <a:pPr algn="ctr"/>
+            <a:r>
+              <a:rPr lang="fr-FR" sz="1400" dirty="0" smtClean="0"/>
+              <a:t>Recyclage</a:t>
+            </a:r>
+            <a:endParaRPr lang="fr-FR" sz="1400" dirty="0"/>
+          </a:p>
+        </p:txBody>
+      </p:sp>
+      <p:cxnSp>
+        <p:nvCxnSpPr>
+          <p:cNvPr id="19" name="Connecteur droit avec flèche 18"/>
+          <p:cNvCxnSpPr>
+            <a:stCxn id="14" idx="3"/>
+            <a:endCxn id="13" idx="1"/>
+          </p:cNvCxnSpPr>
+          <p:nvPr/>
+        </p:nvCxnSpPr>
+        <p:spPr>
+          <a:xfrm>
+            <a:off x="1763544" y="2636880"/>
+            <a:ext cx="1872496" cy="0"/>
+          </a:xfrm>
+          <a:prstGeom prst="straightConnector1">
+            <a:avLst/>
+          </a:prstGeom>
+          <a:ln w="28575">
+            <a:headEnd type="arrow"/>
+            <a:tailEnd type="arrow"/>
+          </a:ln>
+        </p:spPr>
+        <p:style>
+          <a:lnRef idx="1">
+            <a:schemeClr val="accent1"/>
+          </a:lnRef>
+          <a:fillRef idx="0">
+            <a:schemeClr val="accent1"/>
+          </a:fillRef>
+          <a:effectRef idx="0">
+            <a:schemeClr val="accent1"/>
+          </a:effectRef>
+          <a:fontRef idx="minor">
+            <a:schemeClr val="tx1"/>
+          </a:fontRef>
+        </p:style>
+      </p:cxnSp>
+      <p:cxnSp>
+        <p:nvCxnSpPr>
+          <p:cNvPr id="20" name="Connecteur droit avec flèche 19"/>
+          <p:cNvCxnSpPr>
+            <a:stCxn id="12" idx="3"/>
+            <a:endCxn id="11" idx="1"/>
+          </p:cNvCxnSpPr>
+          <p:nvPr/>
+        </p:nvCxnSpPr>
+        <p:spPr>
+          <a:xfrm>
+            <a:off x="2195592" y="3572984"/>
+            <a:ext cx="1008400" cy="0"/>
+          </a:xfrm>
+          <a:prstGeom prst="straightConnector1">
+            <a:avLst/>
+          </a:prstGeom>
+          <a:ln w="28575">
+            <a:headEnd type="arrow"/>
+            <a:tailEnd type="arrow"/>
+          </a:ln>
+        </p:spPr>
+        <p:style>
+          <a:lnRef idx="1">
+            <a:schemeClr val="accent1"/>
+          </a:lnRef>
+          <a:fillRef idx="0">
+            <a:schemeClr val="accent1"/>
+          </a:fillRef>
+          <a:effectRef idx="0">
+            <a:schemeClr val="accent1"/>
+          </a:effectRef>
+          <a:fontRef idx="minor">
+            <a:schemeClr val="tx1"/>
+          </a:fontRef>
+        </p:style>
+      </p:cxnSp>
+      <p:sp>
+        <p:nvSpPr>
+          <p:cNvPr id="21" name="Arc 20"/>
+          <p:cNvSpPr/>
+          <p:nvPr/>
+        </p:nvSpPr>
+        <p:spPr>
+          <a:xfrm>
+            <a:off x="2195592" y="3915046"/>
+            <a:ext cx="1008400" cy="612084"/>
+          </a:xfrm>
+          <a:prstGeom prst="arc">
+            <a:avLst>
+              <a:gd name="adj1" fmla="val 10710518"/>
+              <a:gd name="adj2" fmla="val 0"/>
+            </a:avLst>
+          </a:prstGeom>
+          <a:ln w="28575">
+            <a:headEnd type="arrow" w="med" len="med"/>
+            <a:tailEnd type="arrow" w="med" len="med"/>
+          </a:ln>
+        </p:spPr>
+        <p:style>
+          <a:lnRef idx="1">
+            <a:schemeClr val="accent1"/>
+          </a:lnRef>
+          <a:fillRef idx="0">
+            <a:schemeClr val="accent1"/>
+          </a:fillRef>
+          <a:effectRef idx="0">
+            <a:schemeClr val="accent1"/>
+          </a:effectRef>
+          <a:fontRef idx="minor">
+            <a:schemeClr val="tx1"/>
+          </a:fontRef>
+        </p:style>
+        <p:txBody>
+          <a:bodyPr rtlCol="0" anchor="ctr"/>
+          <a:lstStyle/>
+          <a:p>
+            <a:pPr algn="ctr"/>
+            <a:endParaRPr lang="fr-FR"/>
+          </a:p>
+        </p:txBody>
+      </p:sp>
+      <p:sp>
+        <p:nvSpPr>
+          <p:cNvPr id="22" name="Rectangle 21"/>
+          <p:cNvSpPr/>
+          <p:nvPr/>
+        </p:nvSpPr>
+        <p:spPr>
+          <a:xfrm>
+            <a:off x="711754" y="3212976"/>
+            <a:ext cx="1979640" cy="1800200"/>
+          </a:xfrm>
+          <a:prstGeom prst="rect">
+            <a:avLst/>
+          </a:prstGeom>
+          <a:noFill/>
+        </p:spPr>
+        <p:style>
+          <a:lnRef idx="2">
+            <a:schemeClr val="accent1">
+              <a:shade val="50000"/>
+            </a:schemeClr>
+          </a:lnRef>
+          <a:fillRef idx="1">
+            <a:schemeClr val="accent1"/>
+          </a:fillRef>
+          <a:effectRef idx="0">
+            <a:schemeClr val="accent1"/>
+          </a:effectRef>
+          <a:fontRef idx="minor">
+            <a:schemeClr val="lt1"/>
+          </a:fontRef>
+        </p:style>
+        <p:txBody>
+          <a:bodyPr rtlCol="0" anchor="ctr"/>
+          <a:lstStyle/>
+          <a:p>
+            <a:pPr algn="ctr"/>
+            <a:endParaRPr lang="fr-FR"/>
+          </a:p>
+        </p:txBody>
+      </p:sp>
+    </p:spTree>
+    <p:extLst>
+      <p:ext uri="{BB962C8B-B14F-4D97-AF65-F5344CB8AC3E}">
+        <p14:creationId xmlns:p14="http://schemas.microsoft.com/office/powerpoint/2010/main" val="2128794243"/>
+      </p:ext>
+    </p:extLst>
+  </p:cSld>
+  <p:clrMapOvr>
+    <a:masterClrMapping/>
+  </p:clrMapOvr>
+</p:sld>
+</file>
+
 <file path=ppt/slides/slide2.xml><?xml version="1.0" encoding="utf-8"?>
 <p:sld xmlns:a="http://schemas.openxmlformats.org/drawingml/2006/main" xmlns:r="http://schemas.openxmlformats.org/officeDocument/2006/relationships" xmlns:p="http://schemas.openxmlformats.org/presentationml/2006/main">
   <p:cSld>
@@ -15889,6 +16707,709 @@
 </file>
 
 <file path=ppt/slides/slide4.xml><?xml version="1.0" encoding="utf-8"?>
+<p:sld xmlns:a="http://schemas.openxmlformats.org/drawingml/2006/main" xmlns:r="http://schemas.openxmlformats.org/officeDocument/2006/relationships" xmlns:p="http://schemas.openxmlformats.org/presentationml/2006/main">
+  <p:cSld>
+    <p:spTree>
+      <p:nvGrpSpPr>
+        <p:cNvPr id="1" name=""/>
+        <p:cNvGrpSpPr/>
+        <p:nvPr/>
+      </p:nvGrpSpPr>
+      <p:grpSpPr>
+        <a:xfrm>
+          <a:off x="0" y="0"/>
+          <a:ext cx="0" cy="0"/>
+          <a:chOff x="0" y="0"/>
+          <a:chExt cx="0" cy="0"/>
+        </a:xfrm>
+      </p:grpSpPr>
+      <p:sp>
+        <p:nvSpPr>
+          <p:cNvPr id="4" name="Flèche droite 3"/>
+          <p:cNvSpPr/>
+          <p:nvPr/>
+        </p:nvSpPr>
+        <p:spPr>
+          <a:xfrm>
+            <a:off x="2771800" y="1772816"/>
+            <a:ext cx="3037584" cy="716632"/>
+          </a:xfrm>
+          <a:prstGeom prst="rightArrow">
+            <a:avLst/>
+          </a:prstGeom>
+        </p:spPr>
+        <p:style>
+          <a:lnRef idx="1">
+            <a:schemeClr val="accent5"/>
+          </a:lnRef>
+          <a:fillRef idx="2">
+            <a:schemeClr val="accent5"/>
+          </a:fillRef>
+          <a:effectRef idx="1">
+            <a:schemeClr val="accent5"/>
+          </a:effectRef>
+          <a:fontRef idx="minor">
+            <a:schemeClr val="dk1"/>
+          </a:fontRef>
+        </p:style>
+        <p:txBody>
+          <a:bodyPr rtlCol="0" anchor="ctr"/>
+          <a:lstStyle/>
+          <a:p>
+            <a:pPr algn="ctr"/>
+            <a:r>
+              <a:rPr lang="fr-FR" dirty="0" smtClean="0">
+                <a:solidFill>
+                  <a:prstClr val="black"/>
+                </a:solidFill>
+              </a:rPr>
+              <a:t>Domaine du client</a:t>
+            </a:r>
+            <a:endParaRPr lang="fr-FR" dirty="0">
+              <a:solidFill>
+                <a:prstClr val="black"/>
+              </a:solidFill>
+            </a:endParaRPr>
+          </a:p>
+        </p:txBody>
+      </p:sp>
+      <p:sp>
+        <p:nvSpPr>
+          <p:cNvPr id="13" name="Flèche droite 12"/>
+          <p:cNvSpPr/>
+          <p:nvPr/>
+        </p:nvSpPr>
+        <p:spPr>
+          <a:xfrm>
+            <a:off x="2771800" y="3780534"/>
+            <a:ext cx="3037584" cy="716632"/>
+          </a:xfrm>
+          <a:prstGeom prst="rightArrow">
+            <a:avLst/>
+          </a:prstGeom>
+        </p:spPr>
+        <p:style>
+          <a:lnRef idx="1">
+            <a:schemeClr val="accent5"/>
+          </a:lnRef>
+          <a:fillRef idx="2">
+            <a:schemeClr val="accent5"/>
+          </a:fillRef>
+          <a:effectRef idx="1">
+            <a:schemeClr val="accent5"/>
+          </a:effectRef>
+          <a:fontRef idx="minor">
+            <a:schemeClr val="dk1"/>
+          </a:fontRef>
+        </p:style>
+        <p:txBody>
+          <a:bodyPr rtlCol="0" anchor="ctr"/>
+          <a:lstStyle/>
+          <a:p>
+            <a:pPr algn="ctr"/>
+            <a:r>
+              <a:rPr lang="fr-FR" dirty="0" smtClean="0">
+                <a:solidFill>
+                  <a:prstClr val="black"/>
+                </a:solidFill>
+              </a:rPr>
+              <a:t>Domaine du laboratoire</a:t>
+            </a:r>
+            <a:endParaRPr lang="fr-FR" dirty="0">
+              <a:solidFill>
+                <a:prstClr val="black"/>
+              </a:solidFill>
+            </a:endParaRPr>
+          </a:p>
+        </p:txBody>
+      </p:sp>
+      <p:sp>
+        <p:nvSpPr>
+          <p:cNvPr id="14" name="Flèche droite 13"/>
+          <p:cNvSpPr/>
+          <p:nvPr/>
+        </p:nvSpPr>
+        <p:spPr>
+          <a:xfrm>
+            <a:off x="2771800" y="5694943"/>
+            <a:ext cx="3037584" cy="716632"/>
+          </a:xfrm>
+          <a:prstGeom prst="rightArrow">
+            <a:avLst/>
+          </a:prstGeom>
+        </p:spPr>
+        <p:style>
+          <a:lnRef idx="1">
+            <a:schemeClr val="accent5"/>
+          </a:lnRef>
+          <a:fillRef idx="2">
+            <a:schemeClr val="accent5"/>
+          </a:fillRef>
+          <a:effectRef idx="1">
+            <a:schemeClr val="accent5"/>
+          </a:effectRef>
+          <a:fontRef idx="minor">
+            <a:schemeClr val="dk1"/>
+          </a:fontRef>
+        </p:style>
+        <p:txBody>
+          <a:bodyPr rtlCol="0" anchor="ctr"/>
+          <a:lstStyle/>
+          <a:p>
+            <a:pPr algn="ctr"/>
+            <a:r>
+              <a:rPr lang="fr-FR" dirty="0" smtClean="0">
+                <a:solidFill>
+                  <a:prstClr val="black"/>
+                </a:solidFill>
+              </a:rPr>
+              <a:t>Domaine de la simulation</a:t>
+            </a:r>
+            <a:endParaRPr lang="fr-FR" dirty="0">
+              <a:solidFill>
+                <a:prstClr val="black"/>
+              </a:solidFill>
+            </a:endParaRPr>
+          </a:p>
+        </p:txBody>
+      </p:sp>
+      <p:sp>
+        <p:nvSpPr>
+          <p:cNvPr id="17" name="ZoneTexte 16"/>
+          <p:cNvSpPr txBox="1"/>
+          <p:nvPr/>
+        </p:nvSpPr>
+        <p:spPr>
+          <a:xfrm>
+            <a:off x="6054788" y="1807966"/>
+            <a:ext cx="1469540" cy="646331"/>
+          </a:xfrm>
+          <a:prstGeom prst="rect">
+            <a:avLst/>
+          </a:prstGeom>
+          <a:noFill/>
+        </p:spPr>
+        <p:txBody>
+          <a:bodyPr wrap="square" rtlCol="0">
+            <a:spAutoFit/>
+          </a:bodyPr>
+          <a:lstStyle/>
+          <a:p>
+            <a:pPr algn="ctr"/>
+            <a:r>
+              <a:rPr lang="fr-FR" dirty="0" smtClean="0">
+                <a:solidFill>
+                  <a:prstClr val="black"/>
+                </a:solidFill>
+              </a:rPr>
+              <a:t>Performances</a:t>
+            </a:r>
+            <a:endParaRPr lang="fr-FR" dirty="0">
+              <a:solidFill>
+                <a:prstClr val="black"/>
+              </a:solidFill>
+            </a:endParaRPr>
+          </a:p>
+          <a:p>
+            <a:pPr algn="ctr"/>
+            <a:r>
+              <a:rPr lang="fr-FR" dirty="0" smtClean="0">
+                <a:solidFill>
+                  <a:prstClr val="black"/>
+                </a:solidFill>
+              </a:rPr>
+              <a:t>attendues</a:t>
+            </a:r>
+            <a:endParaRPr lang="fr-FR" dirty="0">
+              <a:solidFill>
+                <a:prstClr val="black"/>
+              </a:solidFill>
+            </a:endParaRPr>
+          </a:p>
+        </p:txBody>
+      </p:sp>
+      <p:sp>
+        <p:nvSpPr>
+          <p:cNvPr id="18" name="ZoneTexte 17"/>
+          <p:cNvSpPr txBox="1"/>
+          <p:nvPr/>
+        </p:nvSpPr>
+        <p:spPr>
+          <a:xfrm>
+            <a:off x="6054788" y="3815684"/>
+            <a:ext cx="1469540" cy="646331"/>
+          </a:xfrm>
+          <a:prstGeom prst="rect">
+            <a:avLst/>
+          </a:prstGeom>
+          <a:noFill/>
+        </p:spPr>
+        <p:txBody>
+          <a:bodyPr wrap="square" rtlCol="0">
+            <a:spAutoFit/>
+          </a:bodyPr>
+          <a:lstStyle/>
+          <a:p>
+            <a:pPr algn="ctr"/>
+            <a:r>
+              <a:rPr lang="fr-FR" dirty="0" smtClean="0">
+                <a:solidFill>
+                  <a:prstClr val="black"/>
+                </a:solidFill>
+              </a:rPr>
+              <a:t>Performances mesurées</a:t>
+            </a:r>
+            <a:endParaRPr lang="fr-FR" dirty="0">
+              <a:solidFill>
+                <a:prstClr val="black"/>
+              </a:solidFill>
+            </a:endParaRPr>
+          </a:p>
+        </p:txBody>
+      </p:sp>
+      <p:sp>
+        <p:nvSpPr>
+          <p:cNvPr id="19" name="ZoneTexte 18"/>
+          <p:cNvSpPr txBox="1"/>
+          <p:nvPr/>
+        </p:nvSpPr>
+        <p:spPr>
+          <a:xfrm>
+            <a:off x="6054788" y="5730093"/>
+            <a:ext cx="1469540" cy="646331"/>
+          </a:xfrm>
+          <a:prstGeom prst="rect">
+            <a:avLst/>
+          </a:prstGeom>
+          <a:noFill/>
+        </p:spPr>
+        <p:txBody>
+          <a:bodyPr wrap="square" rtlCol="0">
+            <a:spAutoFit/>
+          </a:bodyPr>
+          <a:lstStyle/>
+          <a:p>
+            <a:pPr algn="ctr"/>
+            <a:r>
+              <a:rPr lang="fr-FR" dirty="0" smtClean="0">
+                <a:solidFill>
+                  <a:prstClr val="black"/>
+                </a:solidFill>
+              </a:rPr>
+              <a:t>Performance simulées</a:t>
+            </a:r>
+            <a:endParaRPr lang="fr-FR" dirty="0">
+              <a:solidFill>
+                <a:prstClr val="black"/>
+              </a:solidFill>
+            </a:endParaRPr>
+          </a:p>
+        </p:txBody>
+      </p:sp>
+      <p:sp>
+        <p:nvSpPr>
+          <p:cNvPr id="21" name="Double flèche verticale 20"/>
+          <p:cNvSpPr/>
+          <p:nvPr/>
+        </p:nvSpPr>
+        <p:spPr>
+          <a:xfrm>
+            <a:off x="6537530" y="4564789"/>
+            <a:ext cx="504056" cy="1106764"/>
+          </a:xfrm>
+          <a:prstGeom prst="upDownArrow">
+            <a:avLst/>
+          </a:prstGeom>
+          <a:ln/>
+        </p:spPr>
+        <p:style>
+          <a:lnRef idx="1">
+            <a:schemeClr val="accent5"/>
+          </a:lnRef>
+          <a:fillRef idx="2">
+            <a:schemeClr val="accent5"/>
+          </a:fillRef>
+          <a:effectRef idx="1">
+            <a:schemeClr val="accent5"/>
+          </a:effectRef>
+          <a:fontRef idx="minor">
+            <a:schemeClr val="dk1"/>
+          </a:fontRef>
+        </p:style>
+        <p:txBody>
+          <a:bodyPr rtlCol="0" anchor="ctr"/>
+          <a:lstStyle/>
+          <a:p>
+            <a:pPr algn="ctr"/>
+            <a:endParaRPr lang="fr-FR" sz="500" dirty="0">
+              <a:solidFill>
+                <a:prstClr val="white"/>
+              </a:solidFill>
+            </a:endParaRPr>
+          </a:p>
+        </p:txBody>
+      </p:sp>
+      <p:sp>
+        <p:nvSpPr>
+          <p:cNvPr id="22" name="Double flèche verticale 21"/>
+          <p:cNvSpPr/>
+          <p:nvPr/>
+        </p:nvSpPr>
+        <p:spPr>
+          <a:xfrm>
+            <a:off x="7524328" y="2181856"/>
+            <a:ext cx="504056" cy="3913986"/>
+          </a:xfrm>
+          <a:prstGeom prst="upDownArrow">
+            <a:avLst/>
+          </a:prstGeom>
+          <a:ln/>
+        </p:spPr>
+        <p:style>
+          <a:lnRef idx="1">
+            <a:schemeClr val="accent5"/>
+          </a:lnRef>
+          <a:fillRef idx="2">
+            <a:schemeClr val="accent5"/>
+          </a:fillRef>
+          <a:effectRef idx="1">
+            <a:schemeClr val="accent5"/>
+          </a:effectRef>
+          <a:fontRef idx="minor">
+            <a:schemeClr val="dk1"/>
+          </a:fontRef>
+        </p:style>
+        <p:txBody>
+          <a:bodyPr rtlCol="0" anchor="ctr"/>
+          <a:lstStyle/>
+          <a:p>
+            <a:pPr algn="ctr"/>
+            <a:endParaRPr lang="fr-FR" sz="500" dirty="0">
+              <a:solidFill>
+                <a:prstClr val="white"/>
+              </a:solidFill>
+            </a:endParaRPr>
+          </a:p>
+        </p:txBody>
+      </p:sp>
+      <p:sp>
+        <p:nvSpPr>
+          <p:cNvPr id="23" name="ZoneTexte 22"/>
+          <p:cNvSpPr txBox="1"/>
+          <p:nvPr/>
+        </p:nvSpPr>
+        <p:spPr>
+          <a:xfrm rot="16200000">
+            <a:off x="5282735" y="2945424"/>
+            <a:ext cx="1944216" cy="400110"/>
+          </a:xfrm>
+          <a:prstGeom prst="rect">
+            <a:avLst/>
+          </a:prstGeom>
+          <a:noFill/>
+        </p:spPr>
+        <p:txBody>
+          <a:bodyPr wrap="square" rtlCol="0">
+            <a:spAutoFit/>
+          </a:bodyPr>
+          <a:lstStyle/>
+          <a:p>
+            <a:pPr algn="ctr"/>
+            <a:r>
+              <a:rPr lang="fr-FR" sz="2000" b="1" dirty="0">
+                <a:solidFill>
+                  <a:srgbClr val="FF0000"/>
+                </a:solidFill>
+              </a:rPr>
+              <a:t>Ecart 1</a:t>
+            </a:r>
+          </a:p>
+        </p:txBody>
+      </p:sp>
+      <p:sp>
+        <p:nvSpPr>
+          <p:cNvPr id="24" name="ZoneTexte 23"/>
+          <p:cNvSpPr txBox="1"/>
+          <p:nvPr/>
+        </p:nvSpPr>
+        <p:spPr>
+          <a:xfrm rot="16200000">
+            <a:off x="5282294" y="4923679"/>
+            <a:ext cx="1944216" cy="400110"/>
+          </a:xfrm>
+          <a:prstGeom prst="rect">
+            <a:avLst/>
+          </a:prstGeom>
+          <a:noFill/>
+        </p:spPr>
+        <p:txBody>
+          <a:bodyPr wrap="square" rtlCol="0">
+            <a:spAutoFit/>
+          </a:bodyPr>
+          <a:lstStyle/>
+          <a:p>
+            <a:pPr algn="ctr"/>
+            <a:r>
+              <a:rPr lang="fr-FR" sz="2000" b="1" dirty="0">
+                <a:solidFill>
+                  <a:srgbClr val="FF0000"/>
+                </a:solidFill>
+              </a:rPr>
+              <a:t>Ecart 2</a:t>
+            </a:r>
+          </a:p>
+        </p:txBody>
+      </p:sp>
+      <p:sp>
+        <p:nvSpPr>
+          <p:cNvPr id="25" name="ZoneTexte 24"/>
+          <p:cNvSpPr txBox="1"/>
+          <p:nvPr/>
+        </p:nvSpPr>
+        <p:spPr>
+          <a:xfrm rot="16200000">
+            <a:off x="7072245" y="3938794"/>
+            <a:ext cx="1944216" cy="400110"/>
+          </a:xfrm>
+          <a:prstGeom prst="rect">
+            <a:avLst/>
+          </a:prstGeom>
+          <a:noFill/>
+        </p:spPr>
+        <p:txBody>
+          <a:bodyPr wrap="square" rtlCol="0">
+            <a:spAutoFit/>
+          </a:bodyPr>
+          <a:lstStyle/>
+          <a:p>
+            <a:pPr algn="ctr"/>
+            <a:r>
+              <a:rPr lang="fr-FR" sz="2000" b="1" dirty="0">
+                <a:solidFill>
+                  <a:srgbClr val="FF0000"/>
+                </a:solidFill>
+              </a:rPr>
+              <a:t>Ecart 3</a:t>
+            </a:r>
+          </a:p>
+        </p:txBody>
+      </p:sp>
+      <p:sp>
+        <p:nvSpPr>
+          <p:cNvPr id="20" name="Double flèche verticale 19"/>
+          <p:cNvSpPr/>
+          <p:nvPr/>
+        </p:nvSpPr>
+        <p:spPr>
+          <a:xfrm>
+            <a:off x="6537530" y="2613359"/>
+            <a:ext cx="504056" cy="1106764"/>
+          </a:xfrm>
+          <a:prstGeom prst="upDownArrow">
+            <a:avLst/>
+          </a:prstGeom>
+          <a:ln/>
+        </p:spPr>
+        <p:style>
+          <a:lnRef idx="1">
+            <a:schemeClr val="accent5"/>
+          </a:lnRef>
+          <a:fillRef idx="2">
+            <a:schemeClr val="accent5"/>
+          </a:fillRef>
+          <a:effectRef idx="1">
+            <a:schemeClr val="accent5"/>
+          </a:effectRef>
+          <a:fontRef idx="minor">
+            <a:schemeClr val="dk1"/>
+          </a:fontRef>
+        </p:style>
+        <p:txBody>
+          <a:bodyPr rtlCol="0" anchor="ctr"/>
+          <a:lstStyle/>
+          <a:p>
+            <a:pPr algn="ctr"/>
+            <a:r>
+              <a:rPr lang="fr-FR" sz="500" dirty="0">
+                <a:solidFill>
+                  <a:prstClr val="white"/>
+                </a:solidFill>
+              </a:rPr>
+              <a:t>  </a:t>
+            </a:r>
+            <a:endParaRPr lang="fr-FR" sz="500" dirty="0">
+              <a:solidFill>
+                <a:prstClr val="white"/>
+              </a:solidFill>
+            </a:endParaRPr>
+          </a:p>
+        </p:txBody>
+      </p:sp>
+      <p:pic>
+        <p:nvPicPr>
+          <p:cNvPr id="28" name="Image 27" descr="MAXPID"/>
+          <p:cNvPicPr/>
+          <p:nvPr/>
+        </p:nvPicPr>
+        <p:blipFill>
+          <a:blip r:embed="rId2" cstate="print">
+            <a:clrChange>
+              <a:clrFrom>
+                <a:srgbClr val="FFFFFF"/>
+              </a:clrFrom>
+              <a:clrTo>
+                <a:srgbClr val="FFFFFF">
+                  <a:alpha val="0"/>
+                </a:srgbClr>
+              </a:clrTo>
+            </a:clrChange>
+            <a:extLst>
+              <a:ext uri="{28A0092B-C50C-407E-A947-70E740481C1C}">
+                <a14:useLocalDpi xmlns:a14="http://schemas.microsoft.com/office/drawing/2010/main" val="0"/>
+              </a:ext>
+            </a:extLst>
+          </a:blip>
+          <a:srcRect l="7627" t="7030"/>
+          <a:stretch>
+            <a:fillRect/>
+          </a:stretch>
+        </p:blipFill>
+        <p:spPr bwMode="auto">
+          <a:xfrm>
+            <a:off x="1034968" y="5398254"/>
+            <a:ext cx="1762760" cy="1310005"/>
+          </a:xfrm>
+          <a:prstGeom prst="rect">
+            <a:avLst/>
+          </a:prstGeom>
+          <a:ln>
+            <a:noFill/>
+          </a:ln>
+          <a:effectLst>
+            <a:outerShdw blurRad="292100" dist="139700" dir="2700000" algn="tl" rotWithShape="0">
+              <a:srgbClr val="333333">
+                <a:alpha val="65000"/>
+              </a:srgbClr>
+            </a:outerShdw>
+          </a:effectLst>
+        </p:spPr>
+      </p:pic>
+      <p:pic>
+        <p:nvPicPr>
+          <p:cNvPr id="29" name="Image 28"/>
+          <p:cNvPicPr/>
+          <p:nvPr/>
+        </p:nvPicPr>
+        <p:blipFill rotWithShape="1">
+          <a:blip r:embed="rId3" cstate="print">
+            <a:extLst>
+              <a:ext uri="{28A0092B-C50C-407E-A947-70E740481C1C}">
+                <a14:useLocalDpi xmlns:a14="http://schemas.microsoft.com/office/drawing/2010/main" val="0"/>
+              </a:ext>
+            </a:extLst>
+          </a:blip>
+          <a:srcRect l="2065" t="3311" r="50000" b="5090"/>
+          <a:stretch/>
+        </p:blipFill>
+        <p:spPr bwMode="auto">
+          <a:xfrm>
+            <a:off x="567868" y="1484785"/>
+            <a:ext cx="2007860" cy="1292694"/>
+          </a:xfrm>
+          <a:prstGeom prst="rect">
+            <a:avLst/>
+          </a:prstGeom>
+          <a:noFill/>
+          <a:ln>
+            <a:noFill/>
+          </a:ln>
+        </p:spPr>
+      </p:pic>
+      <p:pic>
+        <p:nvPicPr>
+          <p:cNvPr id="2" name="Picture 3"/>
+          <p:cNvPicPr>
+            <a:picLocks noChangeAspect="1" noChangeArrowheads="1"/>
+          </p:cNvPicPr>
+          <p:nvPr/>
+        </p:nvPicPr>
+        <p:blipFill>
+          <a:blip r:embed="rId4">
+            <a:extLst>
+              <a:ext uri="{28A0092B-C50C-407E-A947-70E740481C1C}">
+                <a14:useLocalDpi xmlns:a14="http://schemas.microsoft.com/office/drawing/2010/main" val="0"/>
+              </a:ext>
+            </a:extLst>
+          </a:blip>
+          <a:srcRect/>
+          <a:stretch>
+            <a:fillRect/>
+          </a:stretch>
+        </p:blipFill>
+        <p:spPr bwMode="auto">
+          <a:xfrm>
+            <a:off x="536327" y="3337770"/>
+            <a:ext cx="2070942" cy="1602160"/>
+          </a:xfrm>
+          <a:prstGeom prst="rect">
+            <a:avLst/>
+          </a:prstGeom>
+          <a:noFill/>
+          <a:ln>
+            <a:noFill/>
+          </a:ln>
+          <a:effectLst/>
+          <a:extLst>
+            <a:ext uri="{909E8E84-426E-40DD-AFC4-6F175D3DCCD1}">
+              <a14:hiddenFill xmlns:a14="http://schemas.microsoft.com/office/drawing/2010/main">
+                <a:solidFill>
+                  <a:schemeClr val="accent1"/>
+                </a:solidFill>
+              </a14:hiddenFill>
+            </a:ext>
+            <a:ext uri="{91240B29-F687-4F45-9708-019B960494DF}">
+              <a14:hiddenLine xmlns:a14="http://schemas.microsoft.com/office/drawing/2010/main" w="9525">
+                <a:solidFill>
+                  <a:schemeClr val="tx1"/>
+                </a:solidFill>
+                <a:miter lim="800000"/>
+                <a:headEnd/>
+                <a:tailEnd/>
+              </a14:hiddenLine>
+            </a:ext>
+            <a:ext uri="{AF507438-7753-43E0-B8FC-AC1667EBCBE1}">
+              <a14:hiddenEffects xmlns:a14="http://schemas.microsoft.com/office/drawing/2010/main">
+                <a:effectLst>
+                  <a:outerShdw dist="35921" dir="2700000" algn="ctr" rotWithShape="0">
+                    <a:schemeClr val="bg2"/>
+                  </a:outerShdw>
+                </a:effectLst>
+              </a14:hiddenEffects>
+            </a:ext>
+          </a:extLst>
+        </p:spPr>
+      </p:pic>
+    </p:spTree>
+    <p:extLst>
+      <p:ext uri="{BB962C8B-B14F-4D97-AF65-F5344CB8AC3E}">
+        <p14:creationId xmlns:p14="http://schemas.microsoft.com/office/powerpoint/2010/main" val="3049536689"/>
+      </p:ext>
+    </p:extLst>
+  </p:cSld>
+  <p:clrMapOvr>
+    <a:masterClrMapping/>
+  </p:clrMapOvr>
+  <p:timing>
+    <p:tnLst>
+      <p:par>
+        <p:cTn id="1" dur="indefinite" restart="never" nodeType="tmRoot"/>
+      </p:par>
+    </p:tnLst>
+  </p:timing>
+</p:sld>
+</file>
+
+<file path=ppt/slides/slide5.xml><?xml version="1.0" encoding="utf-8"?>
 <p:sld xmlns:a="http://schemas.openxmlformats.org/drawingml/2006/main" xmlns:r="http://schemas.openxmlformats.org/officeDocument/2006/relationships" xmlns:p="http://schemas.openxmlformats.org/presentationml/2006/main">
   <p:cSld>
     <p:spTree>
@@ -15940,7 +17461,7 @@
 </p:sld>
 </file>
 
-<file path=ppt/slides/slide5.xml><?xml version="1.0" encoding="utf-8"?>
+<file path=ppt/slides/slide6.xml><?xml version="1.0" encoding="utf-8"?>
 <p:sld xmlns:a="http://schemas.openxmlformats.org/drawingml/2006/main" xmlns:r="http://schemas.openxmlformats.org/officeDocument/2006/relationships" xmlns:p="http://schemas.openxmlformats.org/presentationml/2006/main">
   <p:cSld>
     <p:spTree>
@@ -17317,7 +18838,7 @@
 </p:sld>
 </file>
 
-<file path=ppt/slides/slide6.xml><?xml version="1.0" encoding="utf-8"?>
+<file path=ppt/slides/slide7.xml><?xml version="1.0" encoding="utf-8"?>
 <p:sld xmlns:a="http://schemas.openxmlformats.org/drawingml/2006/main" xmlns:r="http://schemas.openxmlformats.org/officeDocument/2006/relationships" xmlns:p="http://schemas.openxmlformats.org/presentationml/2006/main">
   <p:cSld>
     <p:spTree>
@@ -18739,7 +20260,7 @@
 </p:sld>
 </file>
 
-<file path=ppt/slides/slide7.xml><?xml version="1.0" encoding="utf-8"?>
+<file path=ppt/slides/slide8.xml><?xml version="1.0" encoding="utf-8"?>
 <p:sld xmlns:a="http://schemas.openxmlformats.org/drawingml/2006/main" xmlns:r="http://schemas.openxmlformats.org/officeDocument/2006/relationships" xmlns:p="http://schemas.openxmlformats.org/presentationml/2006/main">
   <p:cSld>
     <p:spTree>
@@ -19585,7 +21106,7 @@
 </p:sld>
 </file>
 
-<file path=ppt/slides/slide8.xml><?xml version="1.0" encoding="utf-8"?>
+<file path=ppt/slides/slide9.xml><?xml version="1.0" encoding="utf-8"?>
 <p:sld xmlns:a="http://schemas.openxmlformats.org/drawingml/2006/main" xmlns:r="http://schemas.openxmlformats.org/officeDocument/2006/relationships" xmlns:p="http://schemas.openxmlformats.org/presentationml/2006/main">
   <p:cSld>
     <p:spTree>
@@ -20408,823 +21929,6 @@
       </p:par>
     </p:tnLst>
   </p:timing>
-</p:sld>
-</file>
-
-<file path=ppt/slides/slide9.xml><?xml version="1.0" encoding="utf-8"?>
-<p:sld xmlns:a="http://schemas.openxmlformats.org/drawingml/2006/main" xmlns:r="http://schemas.openxmlformats.org/officeDocument/2006/relationships" xmlns:p="http://schemas.openxmlformats.org/presentationml/2006/main">
-  <p:cSld>
-    <p:spTree>
-      <p:nvGrpSpPr>
-        <p:cNvPr id="1" name=""/>
-        <p:cNvGrpSpPr/>
-        <p:nvPr/>
-      </p:nvGrpSpPr>
-      <p:grpSpPr>
-        <a:xfrm>
-          <a:off x="0" y="0"/>
-          <a:ext cx="0" cy="0"/>
-          <a:chOff x="0" y="0"/>
-          <a:chExt cx="0" cy="0"/>
-        </a:xfrm>
-      </p:grpSpPr>
-      <p:sp>
-        <p:nvSpPr>
-          <p:cNvPr id="3" name="Espace réservé du numéro de diapositive 2"/>
-          <p:cNvSpPr>
-            <a:spLocks noGrp="1"/>
-          </p:cNvSpPr>
-          <p:nvPr>
-            <p:ph type="sldNum" sz="quarter" idx="17"/>
-          </p:nvPr>
-        </p:nvSpPr>
-        <p:spPr/>
-        <p:txBody>
-          <a:bodyPr/>
-          <a:lstStyle/>
-          <a:p>
-            <a:fld id="{256D3EEF-DE4E-429D-8EC4-DDC531AFF587}" type="slidenum">
-              <a:rPr lang="fr-FR" smtClean="0">
-                <a:solidFill>
-                  <a:prstClr val="white"/>
-                </a:solidFill>
-              </a:rPr>
-              <a:pPr/>
-              <a:t>9</a:t>
-            </a:fld>
-            <a:endParaRPr lang="fr-FR" dirty="0">
-              <a:solidFill>
-                <a:prstClr val="white"/>
-              </a:solidFill>
-            </a:endParaRPr>
-          </a:p>
-        </p:txBody>
-      </p:sp>
-      <p:sp>
-        <p:nvSpPr>
-          <p:cNvPr id="4" name="Espace réservé du texte 3"/>
-          <p:cNvSpPr>
-            <a:spLocks noGrp="1"/>
-          </p:cNvSpPr>
-          <p:nvPr>
-            <p:ph type="body" sz="quarter" idx="13"/>
-          </p:nvPr>
-        </p:nvSpPr>
-        <p:spPr/>
-        <p:txBody>
-          <a:bodyPr/>
-          <a:lstStyle/>
-          <a:p>
-            <a:endParaRPr lang="fr-FR"/>
-          </a:p>
-        </p:txBody>
-      </p:sp>
-      <p:cxnSp>
-        <p:nvCxnSpPr>
-          <p:cNvPr id="5" name="Connecteur droit 4"/>
-          <p:cNvCxnSpPr>
-            <a:stCxn id="16" idx="2"/>
-            <a:endCxn id="9" idx="2"/>
-          </p:cNvCxnSpPr>
-          <p:nvPr/>
-        </p:nvCxnSpPr>
-        <p:spPr>
-          <a:xfrm>
-            <a:off x="841140" y="1988776"/>
-            <a:ext cx="1857988" cy="3744416"/>
-          </a:xfrm>
-          <a:prstGeom prst="line">
-            <a:avLst/>
-          </a:prstGeom>
-          <a:ln w="101600" cmpd="dbl">
-            <a:tailEnd type="triangle" w="sm" len="med"/>
-          </a:ln>
-        </p:spPr>
-        <p:style>
-          <a:lnRef idx="1">
-            <a:schemeClr val="accent1"/>
-          </a:lnRef>
-          <a:fillRef idx="0">
-            <a:schemeClr val="accent1"/>
-          </a:fillRef>
-          <a:effectRef idx="0">
-            <a:schemeClr val="accent1"/>
-          </a:effectRef>
-          <a:fontRef idx="minor">
-            <a:schemeClr val="tx1"/>
-          </a:fontRef>
-        </p:style>
-      </p:cxnSp>
-      <p:cxnSp>
-        <p:nvCxnSpPr>
-          <p:cNvPr id="6" name="Connecteur droit 5"/>
-          <p:cNvCxnSpPr>
-            <a:stCxn id="15" idx="2"/>
-            <a:endCxn id="9" idx="2"/>
-          </p:cNvCxnSpPr>
-          <p:nvPr/>
-        </p:nvCxnSpPr>
-        <p:spPr>
-          <a:xfrm flipH="1">
-            <a:off x="2699128" y="1988776"/>
-            <a:ext cx="1857989" cy="3744416"/>
-          </a:xfrm>
-          <a:prstGeom prst="line">
-            <a:avLst/>
-          </a:prstGeom>
-          <a:ln w="101600" cmpd="dbl">
-            <a:headEnd type="triangle" w="sm" len="med"/>
-          </a:ln>
-        </p:spPr>
-        <p:style>
-          <a:lnRef idx="1">
-            <a:schemeClr val="accent1"/>
-          </a:lnRef>
-          <a:fillRef idx="0">
-            <a:schemeClr val="accent1"/>
-          </a:fillRef>
-          <a:effectRef idx="0">
-            <a:schemeClr val="accent1"/>
-          </a:effectRef>
-          <a:fontRef idx="minor">
-            <a:schemeClr val="tx1"/>
-          </a:fontRef>
-        </p:style>
-      </p:cxnSp>
-      <p:cxnSp>
-        <p:nvCxnSpPr>
-          <p:cNvPr id="7" name="Connecteur droit 6"/>
-          <p:cNvCxnSpPr>
-            <a:endCxn id="15" idx="3"/>
-          </p:cNvCxnSpPr>
-          <p:nvPr/>
-        </p:nvCxnSpPr>
-        <p:spPr>
-          <a:xfrm flipH="1">
-            <a:off x="5205117" y="1700776"/>
-            <a:ext cx="3615355" cy="0"/>
-          </a:xfrm>
-          <a:prstGeom prst="line">
-            <a:avLst/>
-          </a:prstGeom>
-          <a:ln w="101600" cmpd="dbl">
-            <a:headEnd type="triangle" w="sm" len="med"/>
-            <a:tailEnd type="none"/>
-          </a:ln>
-        </p:spPr>
-        <p:style>
-          <a:lnRef idx="1">
-            <a:schemeClr val="accent1"/>
-          </a:lnRef>
-          <a:fillRef idx="0">
-            <a:schemeClr val="accent1"/>
-          </a:fillRef>
-          <a:effectRef idx="0">
-            <a:schemeClr val="accent1"/>
-          </a:effectRef>
-          <a:fontRef idx="minor">
-            <a:schemeClr val="tx1"/>
-          </a:fontRef>
-        </p:style>
-      </p:cxnSp>
-      <p:sp>
-        <p:nvSpPr>
-          <p:cNvPr id="8" name="Rectangle à coins arrondis 7"/>
-          <p:cNvSpPr/>
-          <p:nvPr/>
-        </p:nvSpPr>
-        <p:spPr>
-          <a:xfrm>
-            <a:off x="2771944" y="4221088"/>
-            <a:ext cx="1296000" cy="576000"/>
-          </a:xfrm>
-          <a:prstGeom prst="roundRect">
-            <a:avLst/>
-          </a:prstGeom>
-        </p:spPr>
-        <p:style>
-          <a:lnRef idx="1">
-            <a:schemeClr val="accent4"/>
-          </a:lnRef>
-          <a:fillRef idx="2">
-            <a:schemeClr val="accent4"/>
-          </a:fillRef>
-          <a:effectRef idx="1">
-            <a:schemeClr val="accent4"/>
-          </a:effectRef>
-          <a:fontRef idx="minor">
-            <a:schemeClr val="dk1"/>
-          </a:fontRef>
-        </p:style>
-        <p:txBody>
-          <a:bodyPr rtlCol="0" anchor="ctr"/>
-          <a:lstStyle/>
-          <a:p>
-            <a:pPr algn="ctr"/>
-            <a:r>
-              <a:rPr lang="fr-FR" sz="1400" dirty="0" smtClean="0"/>
-              <a:t>Tests unitaires</a:t>
-            </a:r>
-            <a:endParaRPr lang="fr-FR" sz="1400" dirty="0"/>
-          </a:p>
-        </p:txBody>
-      </p:sp>
-      <p:sp>
-        <p:nvSpPr>
-          <p:cNvPr id="9" name="Rectangle à coins arrondis 8"/>
-          <p:cNvSpPr/>
-          <p:nvPr/>
-        </p:nvSpPr>
-        <p:spPr>
-          <a:xfrm>
-            <a:off x="2051128" y="5157192"/>
-            <a:ext cx="1296000" cy="576000"/>
-          </a:xfrm>
-          <a:prstGeom prst="roundRect">
-            <a:avLst/>
-          </a:prstGeom>
-        </p:spPr>
-        <p:style>
-          <a:lnRef idx="1">
-            <a:schemeClr val="accent5"/>
-          </a:lnRef>
-          <a:fillRef idx="2">
-            <a:schemeClr val="accent5"/>
-          </a:fillRef>
-          <a:effectRef idx="1">
-            <a:schemeClr val="accent5"/>
-          </a:effectRef>
-          <a:fontRef idx="minor">
-            <a:schemeClr val="dk1"/>
-          </a:fontRef>
-        </p:style>
-        <p:txBody>
-          <a:bodyPr rtlCol="0" anchor="ctr"/>
-          <a:lstStyle/>
-          <a:p>
-            <a:pPr algn="ctr"/>
-            <a:r>
-              <a:rPr lang="fr-FR" sz="1400" dirty="0" smtClean="0"/>
-              <a:t>Réalisation</a:t>
-            </a:r>
-            <a:endParaRPr lang="fr-FR" sz="1400" dirty="0"/>
-          </a:p>
-        </p:txBody>
-      </p:sp>
-      <p:sp>
-        <p:nvSpPr>
-          <p:cNvPr id="10" name="Rectangle à coins arrondis 9"/>
-          <p:cNvSpPr/>
-          <p:nvPr/>
-        </p:nvSpPr>
-        <p:spPr>
-          <a:xfrm>
-            <a:off x="1331640" y="4221088"/>
-            <a:ext cx="1296000" cy="576000"/>
-          </a:xfrm>
-          <a:prstGeom prst="roundRect">
-            <a:avLst/>
-          </a:prstGeom>
-        </p:spPr>
-        <p:style>
-          <a:lnRef idx="1">
-            <a:schemeClr val="accent4"/>
-          </a:lnRef>
-          <a:fillRef idx="2">
-            <a:schemeClr val="accent4"/>
-          </a:fillRef>
-          <a:effectRef idx="1">
-            <a:schemeClr val="accent4"/>
-          </a:effectRef>
-          <a:fontRef idx="minor">
-            <a:schemeClr val="dk1"/>
-          </a:fontRef>
-        </p:style>
-        <p:txBody>
-          <a:bodyPr rtlCol="0" anchor="ctr"/>
-          <a:lstStyle/>
-          <a:p>
-            <a:pPr algn="ctr"/>
-            <a:r>
-              <a:rPr lang="fr-FR" sz="1400" dirty="0" smtClean="0"/>
-              <a:t>Conception détaillée</a:t>
-            </a:r>
-            <a:endParaRPr lang="fr-FR" sz="1400" dirty="0"/>
-          </a:p>
-        </p:txBody>
-      </p:sp>
-      <p:sp>
-        <p:nvSpPr>
-          <p:cNvPr id="11" name="Rectangle à coins arrondis 10"/>
-          <p:cNvSpPr/>
-          <p:nvPr/>
-        </p:nvSpPr>
-        <p:spPr>
-          <a:xfrm>
-            <a:off x="3203992" y="3284984"/>
-            <a:ext cx="1296000" cy="576000"/>
-          </a:xfrm>
-          <a:prstGeom prst="roundRect">
-            <a:avLst/>
-          </a:prstGeom>
-        </p:spPr>
-        <p:style>
-          <a:lnRef idx="1">
-            <a:schemeClr val="accent3"/>
-          </a:lnRef>
-          <a:fillRef idx="2">
-            <a:schemeClr val="accent3"/>
-          </a:fillRef>
-          <a:effectRef idx="1">
-            <a:schemeClr val="accent3"/>
-          </a:effectRef>
-          <a:fontRef idx="minor">
-            <a:schemeClr val="dk1"/>
-          </a:fontRef>
-        </p:style>
-        <p:txBody>
-          <a:bodyPr rtlCol="0" anchor="ctr"/>
-          <a:lstStyle/>
-          <a:p>
-            <a:pPr algn="ctr"/>
-            <a:r>
-              <a:rPr lang="fr-FR" sz="1400" dirty="0" smtClean="0"/>
-              <a:t>Tests d’intégration</a:t>
-            </a:r>
-            <a:endParaRPr lang="fr-FR" sz="1400" dirty="0"/>
-          </a:p>
-        </p:txBody>
-      </p:sp>
-      <p:sp>
-        <p:nvSpPr>
-          <p:cNvPr id="12" name="Rectangle à coins arrondis 11"/>
-          <p:cNvSpPr/>
-          <p:nvPr/>
-        </p:nvSpPr>
-        <p:spPr>
-          <a:xfrm>
-            <a:off x="899592" y="3284984"/>
-            <a:ext cx="1296000" cy="576000"/>
-          </a:xfrm>
-          <a:prstGeom prst="roundRect">
-            <a:avLst/>
-          </a:prstGeom>
-        </p:spPr>
-        <p:style>
-          <a:lnRef idx="1">
-            <a:schemeClr val="accent3"/>
-          </a:lnRef>
-          <a:fillRef idx="2">
-            <a:schemeClr val="accent3"/>
-          </a:fillRef>
-          <a:effectRef idx="1">
-            <a:schemeClr val="accent3"/>
-          </a:effectRef>
-          <a:fontRef idx="minor">
-            <a:schemeClr val="dk1"/>
-          </a:fontRef>
-        </p:style>
-        <p:txBody>
-          <a:bodyPr rtlCol="0" anchor="ctr"/>
-          <a:lstStyle/>
-          <a:p>
-            <a:pPr algn="ctr"/>
-            <a:r>
-              <a:rPr lang="fr-FR" sz="1400" dirty="0" smtClean="0"/>
-              <a:t>Conception générale</a:t>
-            </a:r>
-            <a:endParaRPr lang="fr-FR" sz="1400" dirty="0"/>
-          </a:p>
-        </p:txBody>
-      </p:sp>
-      <p:sp>
-        <p:nvSpPr>
-          <p:cNvPr id="13" name="Rectangle à coins arrondis 12"/>
-          <p:cNvSpPr/>
-          <p:nvPr/>
-        </p:nvSpPr>
-        <p:spPr>
-          <a:xfrm>
-            <a:off x="3636040" y="2348880"/>
-            <a:ext cx="1296000" cy="576000"/>
-          </a:xfrm>
-          <a:prstGeom prst="roundRect">
-            <a:avLst/>
-          </a:prstGeom>
-        </p:spPr>
-        <p:style>
-          <a:lnRef idx="1">
-            <a:schemeClr val="accent2"/>
-          </a:lnRef>
-          <a:fillRef idx="2">
-            <a:schemeClr val="accent2"/>
-          </a:fillRef>
-          <a:effectRef idx="1">
-            <a:schemeClr val="accent2"/>
-          </a:effectRef>
-          <a:fontRef idx="minor">
-            <a:schemeClr val="dk1"/>
-          </a:fontRef>
-        </p:style>
-        <p:txBody>
-          <a:bodyPr rtlCol="0" anchor="ctr"/>
-          <a:lstStyle/>
-          <a:p>
-            <a:pPr algn="ctr"/>
-            <a:r>
-              <a:rPr lang="fr-FR" sz="1400" dirty="0" smtClean="0"/>
-              <a:t>Validation</a:t>
-            </a:r>
-            <a:endParaRPr lang="fr-FR" sz="1400" dirty="0"/>
-          </a:p>
-        </p:txBody>
-      </p:sp>
-      <p:sp>
-        <p:nvSpPr>
-          <p:cNvPr id="14" name="Rectangle à coins arrondis 13"/>
-          <p:cNvSpPr/>
-          <p:nvPr/>
-        </p:nvSpPr>
-        <p:spPr>
-          <a:xfrm>
-            <a:off x="467544" y="2348880"/>
-            <a:ext cx="1296000" cy="576000"/>
-          </a:xfrm>
-          <a:prstGeom prst="roundRect">
-            <a:avLst/>
-          </a:prstGeom>
-        </p:spPr>
-        <p:style>
-          <a:lnRef idx="1">
-            <a:schemeClr val="accent2"/>
-          </a:lnRef>
-          <a:fillRef idx="2">
-            <a:schemeClr val="accent2"/>
-          </a:fillRef>
-          <a:effectRef idx="1">
-            <a:schemeClr val="accent2"/>
-          </a:effectRef>
-          <a:fontRef idx="minor">
-            <a:schemeClr val="dk1"/>
-          </a:fontRef>
-        </p:style>
-        <p:txBody>
-          <a:bodyPr rtlCol="0" anchor="ctr"/>
-          <a:lstStyle/>
-          <a:p>
-            <a:pPr algn="ctr"/>
-            <a:r>
-              <a:rPr lang="fr-FR" sz="1400" dirty="0" smtClean="0"/>
-              <a:t>Spécifications</a:t>
-            </a:r>
-          </a:p>
-        </p:txBody>
-      </p:sp>
-      <p:sp>
-        <p:nvSpPr>
-          <p:cNvPr id="15" name="Rectangle à coins arrondis 14"/>
-          <p:cNvSpPr/>
-          <p:nvPr/>
-        </p:nvSpPr>
-        <p:spPr>
-          <a:xfrm>
-            <a:off x="3909117" y="1412776"/>
-            <a:ext cx="1296000" cy="576000"/>
-          </a:xfrm>
-          <a:prstGeom prst="roundRect">
-            <a:avLst/>
-          </a:prstGeom>
-        </p:spPr>
-        <p:style>
-          <a:lnRef idx="1">
-            <a:schemeClr val="accent6"/>
-          </a:lnRef>
-          <a:fillRef idx="2">
-            <a:schemeClr val="accent6"/>
-          </a:fillRef>
-          <a:effectRef idx="1">
-            <a:schemeClr val="accent6"/>
-          </a:effectRef>
-          <a:fontRef idx="minor">
-            <a:schemeClr val="dk1"/>
-          </a:fontRef>
-        </p:style>
-        <p:txBody>
-          <a:bodyPr rtlCol="0" anchor="ctr"/>
-          <a:lstStyle/>
-          <a:p>
-            <a:pPr algn="ctr"/>
-            <a:r>
-              <a:rPr lang="fr-FR" sz="1400" dirty="0" smtClean="0"/>
-              <a:t>Production</a:t>
-            </a:r>
-            <a:endParaRPr lang="fr-FR" sz="1400" dirty="0"/>
-          </a:p>
-        </p:txBody>
-      </p:sp>
-      <p:sp>
-        <p:nvSpPr>
-          <p:cNvPr id="16" name="Rectangle à coins arrondis 15"/>
-          <p:cNvSpPr/>
-          <p:nvPr/>
-        </p:nvSpPr>
-        <p:spPr>
-          <a:xfrm>
-            <a:off x="193140" y="1412776"/>
-            <a:ext cx="1296000" cy="576000"/>
-          </a:xfrm>
-          <a:prstGeom prst="roundRect">
-            <a:avLst/>
-          </a:prstGeom>
-        </p:spPr>
-        <p:style>
-          <a:lnRef idx="1">
-            <a:schemeClr val="accent6"/>
-          </a:lnRef>
-          <a:fillRef idx="2">
-            <a:schemeClr val="accent6"/>
-          </a:fillRef>
-          <a:effectRef idx="1">
-            <a:schemeClr val="accent6"/>
-          </a:effectRef>
-          <a:fontRef idx="minor">
-            <a:schemeClr val="dk1"/>
-          </a:fontRef>
-        </p:style>
-        <p:txBody>
-          <a:bodyPr rtlCol="0" anchor="ctr"/>
-          <a:lstStyle/>
-          <a:p>
-            <a:pPr algn="ctr"/>
-            <a:r>
-              <a:rPr lang="fr-FR" sz="1400" dirty="0" smtClean="0"/>
-              <a:t>Expression des besoins</a:t>
-            </a:r>
-            <a:endParaRPr lang="fr-FR" sz="1400" dirty="0"/>
-          </a:p>
-        </p:txBody>
-      </p:sp>
-      <p:sp>
-        <p:nvSpPr>
-          <p:cNvPr id="17" name="Rectangle à coins arrondis 16"/>
-          <p:cNvSpPr/>
-          <p:nvPr/>
-        </p:nvSpPr>
-        <p:spPr>
-          <a:xfrm>
-            <a:off x="5364088" y="1412776"/>
-            <a:ext cx="1296000" cy="576000"/>
-          </a:xfrm>
-          <a:prstGeom prst="roundRect">
-            <a:avLst/>
-          </a:prstGeom>
-        </p:spPr>
-        <p:style>
-          <a:lnRef idx="1">
-            <a:schemeClr val="accent6"/>
-          </a:lnRef>
-          <a:fillRef idx="2">
-            <a:schemeClr val="accent6"/>
-          </a:fillRef>
-          <a:effectRef idx="1">
-            <a:schemeClr val="accent6"/>
-          </a:effectRef>
-          <a:fontRef idx="minor">
-            <a:schemeClr val="dk1"/>
-          </a:fontRef>
-        </p:style>
-        <p:txBody>
-          <a:bodyPr rtlCol="0" anchor="ctr"/>
-          <a:lstStyle/>
-          <a:p>
-            <a:pPr algn="ctr"/>
-            <a:r>
-              <a:rPr lang="fr-FR" sz="1400" dirty="0" smtClean="0"/>
-              <a:t>Utilisation</a:t>
-            </a:r>
-          </a:p>
-          <a:p>
-            <a:pPr algn="ctr"/>
-            <a:r>
-              <a:rPr lang="fr-FR" sz="1400" dirty="0" smtClean="0"/>
-              <a:t>Maintenance</a:t>
-            </a:r>
-            <a:endParaRPr lang="fr-FR" sz="1400" dirty="0"/>
-          </a:p>
-        </p:txBody>
-      </p:sp>
-      <p:sp>
-        <p:nvSpPr>
-          <p:cNvPr id="18" name="Rectangle à coins arrondis 17"/>
-          <p:cNvSpPr/>
-          <p:nvPr/>
-        </p:nvSpPr>
-        <p:spPr>
-          <a:xfrm>
-            <a:off x="6876256" y="1412776"/>
-            <a:ext cx="1296000" cy="576000"/>
-          </a:xfrm>
-          <a:prstGeom prst="roundRect">
-            <a:avLst/>
-          </a:prstGeom>
-        </p:spPr>
-        <p:style>
-          <a:lnRef idx="1">
-            <a:schemeClr val="accent6"/>
-          </a:lnRef>
-          <a:fillRef idx="2">
-            <a:schemeClr val="accent6"/>
-          </a:fillRef>
-          <a:effectRef idx="1">
-            <a:schemeClr val="accent6"/>
-          </a:effectRef>
-          <a:fontRef idx="minor">
-            <a:schemeClr val="dk1"/>
-          </a:fontRef>
-        </p:style>
-        <p:txBody>
-          <a:bodyPr rtlCol="0" anchor="ctr"/>
-          <a:lstStyle/>
-          <a:p>
-            <a:pPr algn="ctr"/>
-            <a:r>
-              <a:rPr lang="fr-FR" sz="1400" dirty="0" smtClean="0"/>
-              <a:t>Recyclage</a:t>
-            </a:r>
-            <a:endParaRPr lang="fr-FR" sz="1400" dirty="0"/>
-          </a:p>
-        </p:txBody>
-      </p:sp>
-      <p:cxnSp>
-        <p:nvCxnSpPr>
-          <p:cNvPr id="19" name="Connecteur droit avec flèche 18"/>
-          <p:cNvCxnSpPr>
-            <a:stCxn id="14" idx="3"/>
-            <a:endCxn id="13" idx="1"/>
-          </p:cNvCxnSpPr>
-          <p:nvPr/>
-        </p:nvCxnSpPr>
-        <p:spPr>
-          <a:xfrm>
-            <a:off x="1763544" y="2636880"/>
-            <a:ext cx="1872496" cy="0"/>
-          </a:xfrm>
-          <a:prstGeom prst="straightConnector1">
-            <a:avLst/>
-          </a:prstGeom>
-          <a:ln w="28575">
-            <a:headEnd type="arrow"/>
-            <a:tailEnd type="arrow"/>
-          </a:ln>
-        </p:spPr>
-        <p:style>
-          <a:lnRef idx="1">
-            <a:schemeClr val="accent1"/>
-          </a:lnRef>
-          <a:fillRef idx="0">
-            <a:schemeClr val="accent1"/>
-          </a:fillRef>
-          <a:effectRef idx="0">
-            <a:schemeClr val="accent1"/>
-          </a:effectRef>
-          <a:fontRef idx="minor">
-            <a:schemeClr val="tx1"/>
-          </a:fontRef>
-        </p:style>
-      </p:cxnSp>
-      <p:cxnSp>
-        <p:nvCxnSpPr>
-          <p:cNvPr id="20" name="Connecteur droit avec flèche 19"/>
-          <p:cNvCxnSpPr>
-            <a:stCxn id="12" idx="3"/>
-            <a:endCxn id="11" idx="1"/>
-          </p:cNvCxnSpPr>
-          <p:nvPr/>
-        </p:nvCxnSpPr>
-        <p:spPr>
-          <a:xfrm>
-            <a:off x="2195592" y="3572984"/>
-            <a:ext cx="1008400" cy="0"/>
-          </a:xfrm>
-          <a:prstGeom prst="straightConnector1">
-            <a:avLst/>
-          </a:prstGeom>
-          <a:ln w="28575">
-            <a:headEnd type="arrow"/>
-            <a:tailEnd type="arrow"/>
-          </a:ln>
-        </p:spPr>
-        <p:style>
-          <a:lnRef idx="1">
-            <a:schemeClr val="accent1"/>
-          </a:lnRef>
-          <a:fillRef idx="0">
-            <a:schemeClr val="accent1"/>
-          </a:fillRef>
-          <a:effectRef idx="0">
-            <a:schemeClr val="accent1"/>
-          </a:effectRef>
-          <a:fontRef idx="minor">
-            <a:schemeClr val="tx1"/>
-          </a:fontRef>
-        </p:style>
-      </p:cxnSp>
-      <p:sp>
-        <p:nvSpPr>
-          <p:cNvPr id="21" name="Arc 20"/>
-          <p:cNvSpPr/>
-          <p:nvPr/>
-        </p:nvSpPr>
-        <p:spPr>
-          <a:xfrm>
-            <a:off x="2195592" y="3915046"/>
-            <a:ext cx="1008400" cy="612084"/>
-          </a:xfrm>
-          <a:prstGeom prst="arc">
-            <a:avLst>
-              <a:gd name="adj1" fmla="val 10710518"/>
-              <a:gd name="adj2" fmla="val 0"/>
-            </a:avLst>
-          </a:prstGeom>
-          <a:ln w="28575">
-            <a:headEnd type="arrow" w="med" len="med"/>
-            <a:tailEnd type="arrow" w="med" len="med"/>
-          </a:ln>
-        </p:spPr>
-        <p:style>
-          <a:lnRef idx="1">
-            <a:schemeClr val="accent1"/>
-          </a:lnRef>
-          <a:fillRef idx="0">
-            <a:schemeClr val="accent1"/>
-          </a:fillRef>
-          <a:effectRef idx="0">
-            <a:schemeClr val="accent1"/>
-          </a:effectRef>
-          <a:fontRef idx="minor">
-            <a:schemeClr val="tx1"/>
-          </a:fontRef>
-        </p:style>
-        <p:txBody>
-          <a:bodyPr rtlCol="0" anchor="ctr"/>
-          <a:lstStyle/>
-          <a:p>
-            <a:pPr algn="ctr"/>
-            <a:endParaRPr lang="fr-FR"/>
-          </a:p>
-        </p:txBody>
-      </p:sp>
-      <p:sp>
-        <p:nvSpPr>
-          <p:cNvPr id="22" name="Rectangle 21"/>
-          <p:cNvSpPr/>
-          <p:nvPr/>
-        </p:nvSpPr>
-        <p:spPr>
-          <a:xfrm>
-            <a:off x="711754" y="3212976"/>
-            <a:ext cx="1979640" cy="1800200"/>
-          </a:xfrm>
-          <a:prstGeom prst="rect">
-            <a:avLst/>
-          </a:prstGeom>
-          <a:noFill/>
-        </p:spPr>
-        <p:style>
-          <a:lnRef idx="2">
-            <a:schemeClr val="accent1">
-              <a:shade val="50000"/>
-            </a:schemeClr>
-          </a:lnRef>
-          <a:fillRef idx="1">
-            <a:schemeClr val="accent1"/>
-          </a:fillRef>
-          <a:effectRef idx="0">
-            <a:schemeClr val="accent1"/>
-          </a:effectRef>
-          <a:fontRef idx="minor">
-            <a:schemeClr val="lt1"/>
-          </a:fontRef>
-        </p:style>
-        <p:txBody>
-          <a:bodyPr rtlCol="0" anchor="ctr"/>
-          <a:lstStyle/>
-          <a:p>
-            <a:pPr algn="ctr"/>
-            <a:endParaRPr lang="fr-FR"/>
-          </a:p>
-        </p:txBody>
-      </p:sp>
-    </p:spTree>
-    <p:extLst>
-      <p:ext uri="{BB962C8B-B14F-4D97-AF65-F5344CB8AC3E}">
-        <p14:creationId xmlns:p14="http://schemas.microsoft.com/office/powerpoint/2010/main" val="2128794243"/>
-      </p:ext>
-    </p:extLst>
-  </p:cSld>
-  <p:clrMapOvr>
-    <a:masterClrMapping/>
-  </p:clrMapOvr>
 </p:sld>
 </file>
 

--- a/Ressources/Ecarts.pptx
+++ b/Ressources/Ecarts.pptx
@@ -9,12 +9,13 @@
     <p:sldId id="265" r:id="rId3"/>
     <p:sldId id="264" r:id="rId4"/>
     <p:sldId id="266" r:id="rId5"/>
-    <p:sldId id="262" r:id="rId6"/>
-    <p:sldId id="261" r:id="rId7"/>
-    <p:sldId id="263" r:id="rId8"/>
-    <p:sldId id="259" r:id="rId9"/>
-    <p:sldId id="258" r:id="rId10"/>
-    <p:sldId id="260" r:id="rId11"/>
+    <p:sldId id="267" r:id="rId6"/>
+    <p:sldId id="262" r:id="rId7"/>
+    <p:sldId id="261" r:id="rId8"/>
+    <p:sldId id="263" r:id="rId9"/>
+    <p:sldId id="259" r:id="rId10"/>
+    <p:sldId id="258" r:id="rId11"/>
+    <p:sldId id="260" r:id="rId12"/>
   </p:sldIdLst>
   <p:sldSz cx="9144000" cy="6858000" type="screen4x3"/>
   <p:notesSz cx="6858000" cy="9144000"/>
@@ -14551,6 +14552,832 @@
           <a:chExt cx="0" cy="0"/>
         </a:xfrm>
       </p:grpSpPr>
+      <p:pic>
+        <p:nvPicPr>
+          <p:cNvPr id="10243" name="Picture 3"/>
+          <p:cNvPicPr>
+            <a:picLocks noChangeAspect="1" noChangeArrowheads="1"/>
+          </p:cNvPicPr>
+          <p:nvPr/>
+        </p:nvPicPr>
+        <p:blipFill>
+          <a:blip r:embed="rId2" cstate="print">
+            <a:extLst>
+              <a:ext uri="{28A0092B-C50C-407E-A947-70E740481C1C}">
+                <a14:useLocalDpi xmlns:a14="http://schemas.microsoft.com/office/drawing/2010/main" val="0"/>
+              </a:ext>
+            </a:extLst>
+          </a:blip>
+          <a:srcRect/>
+          <a:stretch>
+            <a:fillRect/>
+          </a:stretch>
+        </p:blipFill>
+        <p:spPr bwMode="auto">
+          <a:xfrm>
+            <a:off x="251520" y="1556792"/>
+            <a:ext cx="909638" cy="1426369"/>
+          </a:xfrm>
+          <a:prstGeom prst="rect">
+            <a:avLst/>
+          </a:prstGeom>
+          <a:noFill/>
+          <a:ln>
+            <a:noFill/>
+          </a:ln>
+          <a:effectLst/>
+          <a:extLst>
+            <a:ext uri="{909E8E84-426E-40DD-AFC4-6F175D3DCCD1}">
+              <a14:hiddenFill xmlns:a14="http://schemas.microsoft.com/office/drawing/2010/main">
+                <a:solidFill>
+                  <a:schemeClr val="accent1"/>
+                </a:solidFill>
+              </a14:hiddenFill>
+            </a:ext>
+            <a:ext uri="{91240B29-F687-4F45-9708-019B960494DF}">
+              <a14:hiddenLine xmlns:a14="http://schemas.microsoft.com/office/drawing/2010/main" w="9525">
+                <a:solidFill>
+                  <a:schemeClr val="tx1"/>
+                </a:solidFill>
+                <a:miter lim="800000"/>
+                <a:headEnd/>
+                <a:tailEnd/>
+              </a14:hiddenLine>
+            </a:ext>
+            <a:ext uri="{AF507438-7753-43E0-B8FC-AC1667EBCBE1}">
+              <a14:hiddenEffects xmlns:a14="http://schemas.microsoft.com/office/drawing/2010/main">
+                <a:effectLst>
+                  <a:outerShdw dist="35921" dir="2700000" algn="ctr" rotWithShape="0">
+                    <a:schemeClr val="bg2"/>
+                  </a:outerShdw>
+                </a:effectLst>
+              </a14:hiddenEffects>
+            </a:ext>
+          </a:extLst>
+        </p:spPr>
+      </p:pic>
+      <p:pic>
+        <p:nvPicPr>
+          <p:cNvPr id="10242" name="Picture 2"/>
+          <p:cNvPicPr>
+            <a:picLocks noChangeAspect="1" noChangeArrowheads="1"/>
+          </p:cNvPicPr>
+          <p:nvPr/>
+        </p:nvPicPr>
+        <p:blipFill>
+          <a:blip r:embed="rId3" cstate="print">
+            <a:extLst>
+              <a:ext uri="{28A0092B-C50C-407E-A947-70E740481C1C}">
+                <a14:useLocalDpi xmlns:a14="http://schemas.microsoft.com/office/drawing/2010/main" val="0"/>
+              </a:ext>
+            </a:extLst>
+          </a:blip>
+          <a:srcRect/>
+          <a:stretch>
+            <a:fillRect/>
+          </a:stretch>
+        </p:blipFill>
+        <p:spPr bwMode="auto">
+          <a:xfrm>
+            <a:off x="922363" y="944724"/>
+            <a:ext cx="1663132" cy="936104"/>
+          </a:xfrm>
+          <a:prstGeom prst="ellipse">
+            <a:avLst/>
+          </a:prstGeom>
+          <a:ln w="9525">
+            <a:solidFill>
+              <a:schemeClr val="tx1"/>
+            </a:solidFill>
+            <a:miter lim="800000"/>
+            <a:headEnd/>
+            <a:tailEnd/>
+          </a:ln>
+          <a:effectLst>
+            <a:outerShdw blurRad="381000" dist="292100" dir="5400000" sx="-80000" sy="-18000" rotWithShape="0">
+              <a:srgbClr val="000000">
+                <a:alpha val="22000"/>
+              </a:srgbClr>
+            </a:outerShdw>
+          </a:effectLst>
+          <a:scene3d>
+            <a:camera prst="orthographicFront"/>
+            <a:lightRig rig="contrasting" dir="t">
+              <a:rot lat="0" lon="0" rev="3000000"/>
+            </a:lightRig>
+          </a:scene3d>
+          <a:sp3d contourW="7620">
+            <a:bevelT w="95250" h="31750"/>
+            <a:contourClr>
+              <a:srgbClr val="333333"/>
+            </a:contourClr>
+          </a:sp3d>
+          <a:extLst>
+            <a:ext uri="{909E8E84-426E-40DD-AFC4-6F175D3DCCD1}">
+              <a14:hiddenFill xmlns:a14="http://schemas.microsoft.com/office/drawing/2010/main">
+                <a:solidFill>
+                  <a:schemeClr val="accent1"/>
+                </a:solidFill>
+              </a14:hiddenFill>
+            </a:ext>
+          </a:extLst>
+        </p:spPr>
+      </p:pic>
+      <p:pic>
+        <p:nvPicPr>
+          <p:cNvPr id="10244" name="Picture 4"/>
+          <p:cNvPicPr>
+            <a:picLocks noChangeAspect="1" noChangeArrowheads="1"/>
+          </p:cNvPicPr>
+          <p:nvPr/>
+        </p:nvPicPr>
+        <p:blipFill rotWithShape="1">
+          <a:blip r:embed="rId4">
+            <a:extLst>
+              <a:ext uri="{28A0092B-C50C-407E-A947-70E740481C1C}">
+                <a14:useLocalDpi xmlns:a14="http://schemas.microsoft.com/office/drawing/2010/main" val="0"/>
+              </a:ext>
+            </a:extLst>
+          </a:blip>
+          <a:srcRect t="9127" b="7418"/>
+          <a:stretch/>
+        </p:blipFill>
+        <p:spPr bwMode="auto">
+          <a:xfrm>
+            <a:off x="251520" y="5280749"/>
+            <a:ext cx="2088232" cy="1545021"/>
+          </a:xfrm>
+          <a:prstGeom prst="rect">
+            <a:avLst/>
+          </a:prstGeom>
+          <a:noFill/>
+          <a:ln>
+            <a:noFill/>
+          </a:ln>
+          <a:effectLst/>
+          <a:extLst>
+            <a:ext uri="{909E8E84-426E-40DD-AFC4-6F175D3DCCD1}">
+              <a14:hiddenFill xmlns:a14="http://schemas.microsoft.com/office/drawing/2010/main">
+                <a:solidFill>
+                  <a:schemeClr val="accent1"/>
+                </a:solidFill>
+              </a14:hiddenFill>
+            </a:ext>
+            <a:ext uri="{91240B29-F687-4F45-9708-019B960494DF}">
+              <a14:hiddenLine xmlns:a14="http://schemas.microsoft.com/office/drawing/2010/main" w="9525">
+                <a:solidFill>
+                  <a:schemeClr val="tx1"/>
+                </a:solidFill>
+                <a:miter lim="800000"/>
+                <a:headEnd/>
+                <a:tailEnd/>
+              </a14:hiddenLine>
+            </a:ext>
+            <a:ext uri="{AF507438-7753-43E0-B8FC-AC1667EBCBE1}">
+              <a14:hiddenEffects xmlns:a14="http://schemas.microsoft.com/office/drawing/2010/main">
+                <a:effectLst>
+                  <a:outerShdw dist="35921" dir="2700000" algn="ctr" rotWithShape="0">
+                    <a:schemeClr val="bg2"/>
+                  </a:outerShdw>
+                </a:effectLst>
+              </a14:hiddenEffects>
+            </a:ext>
+          </a:extLst>
+        </p:spPr>
+      </p:pic>
+      <p:pic>
+        <p:nvPicPr>
+          <p:cNvPr id="10246" name="Picture 6"/>
+          <p:cNvPicPr>
+            <a:picLocks noChangeAspect="1" noChangeArrowheads="1"/>
+          </p:cNvPicPr>
+          <p:nvPr/>
+        </p:nvPicPr>
+        <p:blipFill>
+          <a:blip r:embed="rId5" cstate="print">
+            <a:extLst>
+              <a:ext uri="{28A0092B-C50C-407E-A947-70E740481C1C}">
+                <a14:useLocalDpi xmlns:a14="http://schemas.microsoft.com/office/drawing/2010/main" val="0"/>
+              </a:ext>
+            </a:extLst>
+          </a:blip>
+          <a:srcRect/>
+          <a:stretch>
+            <a:fillRect/>
+          </a:stretch>
+        </p:blipFill>
+        <p:spPr bwMode="auto">
+          <a:xfrm>
+            <a:off x="251520" y="3429000"/>
+            <a:ext cx="2051035" cy="1419701"/>
+          </a:xfrm>
+          <a:prstGeom prst="rect">
+            <a:avLst/>
+          </a:prstGeom>
+          <a:noFill/>
+          <a:ln>
+            <a:noFill/>
+          </a:ln>
+          <a:effectLst/>
+          <a:extLst>
+            <a:ext uri="{909E8E84-426E-40DD-AFC4-6F175D3DCCD1}">
+              <a14:hiddenFill xmlns:a14="http://schemas.microsoft.com/office/drawing/2010/main">
+                <a:solidFill>
+                  <a:schemeClr val="accent1"/>
+                </a:solidFill>
+              </a14:hiddenFill>
+            </a:ext>
+            <a:ext uri="{91240B29-F687-4F45-9708-019B960494DF}">
+              <a14:hiddenLine xmlns:a14="http://schemas.microsoft.com/office/drawing/2010/main" w="9525">
+                <a:solidFill>
+                  <a:schemeClr val="tx1"/>
+                </a:solidFill>
+                <a:miter lim="800000"/>
+                <a:headEnd/>
+                <a:tailEnd/>
+              </a14:hiddenLine>
+            </a:ext>
+            <a:ext uri="{AF507438-7753-43E0-B8FC-AC1667EBCBE1}">
+              <a14:hiddenEffects xmlns:a14="http://schemas.microsoft.com/office/drawing/2010/main">
+                <a:effectLst>
+                  <a:outerShdw dist="35921" dir="2700000" algn="ctr" rotWithShape="0">
+                    <a:schemeClr val="bg2"/>
+                  </a:outerShdw>
+                </a:effectLst>
+              </a14:hiddenEffects>
+            </a:ext>
+          </a:extLst>
+        </p:spPr>
+      </p:pic>
+      <p:sp>
+        <p:nvSpPr>
+          <p:cNvPr id="4" name="Flèche droite 3"/>
+          <p:cNvSpPr/>
+          <p:nvPr/>
+        </p:nvSpPr>
+        <p:spPr>
+          <a:xfrm>
+            <a:off x="2771800" y="1772816"/>
+            <a:ext cx="3037584" cy="716632"/>
+          </a:xfrm>
+          <a:prstGeom prst="rightArrow">
+            <a:avLst/>
+          </a:prstGeom>
+        </p:spPr>
+        <p:style>
+          <a:lnRef idx="1">
+            <a:schemeClr val="accent5"/>
+          </a:lnRef>
+          <a:fillRef idx="2">
+            <a:schemeClr val="accent5"/>
+          </a:fillRef>
+          <a:effectRef idx="1">
+            <a:schemeClr val="accent5"/>
+          </a:effectRef>
+          <a:fontRef idx="minor">
+            <a:schemeClr val="dk1"/>
+          </a:fontRef>
+        </p:style>
+        <p:txBody>
+          <a:bodyPr rtlCol="0" anchor="ctr"/>
+          <a:lstStyle/>
+          <a:p>
+            <a:pPr algn="ctr"/>
+            <a:r>
+              <a:rPr lang="fr-FR" dirty="0">
+                <a:solidFill>
+                  <a:prstClr val="black"/>
+                </a:solidFill>
+              </a:rPr>
+              <a:t>Système souhaité</a:t>
+            </a:r>
+          </a:p>
+        </p:txBody>
+      </p:sp>
+      <p:sp>
+        <p:nvSpPr>
+          <p:cNvPr id="13" name="Flèche droite 12"/>
+          <p:cNvSpPr/>
+          <p:nvPr/>
+        </p:nvSpPr>
+        <p:spPr>
+          <a:xfrm>
+            <a:off x="2771800" y="3780534"/>
+            <a:ext cx="3037584" cy="716632"/>
+          </a:xfrm>
+          <a:prstGeom prst="rightArrow">
+            <a:avLst/>
+          </a:prstGeom>
+        </p:spPr>
+        <p:style>
+          <a:lnRef idx="1">
+            <a:schemeClr val="accent5"/>
+          </a:lnRef>
+          <a:fillRef idx="2">
+            <a:schemeClr val="accent5"/>
+          </a:fillRef>
+          <a:effectRef idx="1">
+            <a:schemeClr val="accent5"/>
+          </a:effectRef>
+          <a:fontRef idx="minor">
+            <a:schemeClr val="dk1"/>
+          </a:fontRef>
+        </p:style>
+        <p:txBody>
+          <a:bodyPr rtlCol="0" anchor="ctr"/>
+          <a:lstStyle/>
+          <a:p>
+            <a:pPr algn="ctr"/>
+            <a:r>
+              <a:rPr lang="fr-FR" dirty="0">
+                <a:solidFill>
+                  <a:prstClr val="black"/>
+                </a:solidFill>
+              </a:rPr>
+              <a:t>Système réel en utilisation</a:t>
+            </a:r>
+          </a:p>
+        </p:txBody>
+      </p:sp>
+      <p:sp>
+        <p:nvSpPr>
+          <p:cNvPr id="14" name="Flèche droite 13"/>
+          <p:cNvSpPr/>
+          <p:nvPr/>
+        </p:nvSpPr>
+        <p:spPr>
+          <a:xfrm>
+            <a:off x="2771800" y="5694943"/>
+            <a:ext cx="3037584" cy="716632"/>
+          </a:xfrm>
+          <a:prstGeom prst="rightArrow">
+            <a:avLst/>
+          </a:prstGeom>
+        </p:spPr>
+        <p:style>
+          <a:lnRef idx="1">
+            <a:schemeClr val="accent5"/>
+          </a:lnRef>
+          <a:fillRef idx="2">
+            <a:schemeClr val="accent5"/>
+          </a:fillRef>
+          <a:effectRef idx="1">
+            <a:schemeClr val="accent5"/>
+          </a:effectRef>
+          <a:fontRef idx="minor">
+            <a:schemeClr val="dk1"/>
+          </a:fontRef>
+        </p:style>
+        <p:txBody>
+          <a:bodyPr rtlCol="0" anchor="ctr"/>
+          <a:lstStyle/>
+          <a:p>
+            <a:pPr algn="ctr"/>
+            <a:r>
+              <a:rPr lang="fr-FR" dirty="0">
+                <a:solidFill>
+                  <a:prstClr val="black"/>
+                </a:solidFill>
+              </a:rPr>
+              <a:t>Système conçu</a:t>
+            </a:r>
+          </a:p>
+        </p:txBody>
+      </p:sp>
+      <p:sp>
+        <p:nvSpPr>
+          <p:cNvPr id="17" name="ZoneTexte 16"/>
+          <p:cNvSpPr txBox="1"/>
+          <p:nvPr/>
+        </p:nvSpPr>
+        <p:spPr>
+          <a:xfrm>
+            <a:off x="6054788" y="1807966"/>
+            <a:ext cx="1469540" cy="646331"/>
+          </a:xfrm>
+          <a:prstGeom prst="rect">
+            <a:avLst/>
+          </a:prstGeom>
+          <a:noFill/>
+        </p:spPr>
+        <p:txBody>
+          <a:bodyPr wrap="square" rtlCol="0">
+            <a:spAutoFit/>
+          </a:bodyPr>
+          <a:lstStyle/>
+          <a:p>
+            <a:pPr algn="ctr"/>
+            <a:r>
+              <a:rPr lang="fr-FR" dirty="0">
+                <a:solidFill>
+                  <a:prstClr val="black"/>
+                </a:solidFill>
+              </a:rPr>
+              <a:t>Service </a:t>
+            </a:r>
+          </a:p>
+          <a:p>
+            <a:pPr algn="ctr"/>
+            <a:r>
+              <a:rPr lang="fr-FR" dirty="0">
+                <a:solidFill>
+                  <a:prstClr val="black"/>
+                </a:solidFill>
+              </a:rPr>
+              <a:t>attendu</a:t>
+            </a:r>
+          </a:p>
+        </p:txBody>
+      </p:sp>
+      <p:sp>
+        <p:nvSpPr>
+          <p:cNvPr id="18" name="ZoneTexte 17"/>
+          <p:cNvSpPr txBox="1"/>
+          <p:nvPr/>
+        </p:nvSpPr>
+        <p:spPr>
+          <a:xfrm>
+            <a:off x="6054788" y="3815684"/>
+            <a:ext cx="1469540" cy="646331"/>
+          </a:xfrm>
+          <a:prstGeom prst="rect">
+            <a:avLst/>
+          </a:prstGeom>
+          <a:noFill/>
+        </p:spPr>
+        <p:txBody>
+          <a:bodyPr wrap="square" rtlCol="0">
+            <a:spAutoFit/>
+          </a:bodyPr>
+          <a:lstStyle/>
+          <a:p>
+            <a:pPr algn="ctr"/>
+            <a:r>
+              <a:rPr lang="fr-FR" dirty="0">
+                <a:solidFill>
+                  <a:prstClr val="black"/>
+                </a:solidFill>
+              </a:rPr>
+              <a:t>Service </a:t>
+            </a:r>
+          </a:p>
+          <a:p>
+            <a:pPr algn="ctr"/>
+            <a:r>
+              <a:rPr lang="fr-FR" dirty="0">
+                <a:solidFill>
+                  <a:prstClr val="black"/>
+                </a:solidFill>
+              </a:rPr>
+              <a:t>réalisé</a:t>
+            </a:r>
+          </a:p>
+        </p:txBody>
+      </p:sp>
+      <p:sp>
+        <p:nvSpPr>
+          <p:cNvPr id="19" name="ZoneTexte 18"/>
+          <p:cNvSpPr txBox="1"/>
+          <p:nvPr/>
+        </p:nvSpPr>
+        <p:spPr>
+          <a:xfrm>
+            <a:off x="6054788" y="5730093"/>
+            <a:ext cx="1469540" cy="646331"/>
+          </a:xfrm>
+          <a:prstGeom prst="rect">
+            <a:avLst/>
+          </a:prstGeom>
+          <a:noFill/>
+        </p:spPr>
+        <p:txBody>
+          <a:bodyPr wrap="square" rtlCol="0">
+            <a:spAutoFit/>
+          </a:bodyPr>
+          <a:lstStyle/>
+          <a:p>
+            <a:pPr algn="ctr"/>
+            <a:r>
+              <a:rPr lang="fr-FR" dirty="0">
+                <a:solidFill>
+                  <a:prstClr val="black"/>
+                </a:solidFill>
+              </a:rPr>
+              <a:t>Service </a:t>
+            </a:r>
+          </a:p>
+          <a:p>
+            <a:pPr algn="ctr"/>
+            <a:r>
+              <a:rPr lang="fr-FR" dirty="0">
+                <a:solidFill>
+                  <a:prstClr val="black"/>
+                </a:solidFill>
+              </a:rPr>
+              <a:t>simulé</a:t>
+            </a:r>
+          </a:p>
+        </p:txBody>
+      </p:sp>
+      <p:sp>
+        <p:nvSpPr>
+          <p:cNvPr id="7" name="Double flèche verticale 6"/>
+          <p:cNvSpPr/>
+          <p:nvPr/>
+        </p:nvSpPr>
+        <p:spPr>
+          <a:xfrm>
+            <a:off x="6572264" y="4572008"/>
+            <a:ext cx="504056" cy="1106764"/>
+          </a:xfrm>
+          <a:prstGeom prst="upDownArrow">
+            <a:avLst/>
+          </a:prstGeom>
+        </p:spPr>
+        <p:style>
+          <a:lnRef idx="2">
+            <a:schemeClr val="accent1">
+              <a:shade val="50000"/>
+            </a:schemeClr>
+          </a:lnRef>
+          <a:fillRef idx="1">
+            <a:schemeClr val="accent1"/>
+          </a:fillRef>
+          <a:effectRef idx="0">
+            <a:schemeClr val="accent1"/>
+          </a:effectRef>
+          <a:fontRef idx="minor">
+            <a:schemeClr val="lt1"/>
+          </a:fontRef>
+        </p:style>
+        <p:txBody>
+          <a:bodyPr rtlCol="0" anchor="ctr"/>
+          <a:lstStyle/>
+          <a:p>
+            <a:pPr algn="ctr"/>
+            <a:endParaRPr lang="fr-FR" sz="500" dirty="0">
+              <a:solidFill>
+                <a:prstClr val="white"/>
+              </a:solidFill>
+            </a:endParaRPr>
+          </a:p>
+        </p:txBody>
+      </p:sp>
+      <p:sp>
+        <p:nvSpPr>
+          <p:cNvPr id="21" name="Double flèche verticale 20"/>
+          <p:cNvSpPr/>
+          <p:nvPr/>
+        </p:nvSpPr>
+        <p:spPr>
+          <a:xfrm>
+            <a:off x="6572264" y="2643182"/>
+            <a:ext cx="504056" cy="1106764"/>
+          </a:xfrm>
+          <a:prstGeom prst="upDownArrow">
+            <a:avLst/>
+          </a:prstGeom>
+          <a:solidFill>
+            <a:schemeClr val="accent1">
+              <a:lumMod val="20000"/>
+              <a:lumOff val="80000"/>
+            </a:schemeClr>
+          </a:solidFill>
+          <a:ln>
+            <a:solidFill>
+              <a:schemeClr val="accent1">
+                <a:lumMod val="60000"/>
+                <a:lumOff val="40000"/>
+              </a:schemeClr>
+            </a:solidFill>
+          </a:ln>
+        </p:spPr>
+        <p:style>
+          <a:lnRef idx="2">
+            <a:schemeClr val="accent1">
+              <a:shade val="50000"/>
+            </a:schemeClr>
+          </a:lnRef>
+          <a:fillRef idx="1">
+            <a:schemeClr val="accent1"/>
+          </a:fillRef>
+          <a:effectRef idx="0">
+            <a:schemeClr val="accent1"/>
+          </a:effectRef>
+          <a:fontRef idx="minor">
+            <a:schemeClr val="lt1"/>
+          </a:fontRef>
+        </p:style>
+        <p:txBody>
+          <a:bodyPr rtlCol="0" anchor="ctr"/>
+          <a:lstStyle/>
+          <a:p>
+            <a:pPr algn="ctr"/>
+            <a:endParaRPr lang="fr-FR" sz="500" dirty="0">
+              <a:solidFill>
+                <a:prstClr val="white"/>
+              </a:solidFill>
+            </a:endParaRPr>
+          </a:p>
+        </p:txBody>
+      </p:sp>
+      <p:sp>
+        <p:nvSpPr>
+          <p:cNvPr id="22" name="Double flèche verticale 21"/>
+          <p:cNvSpPr/>
+          <p:nvPr/>
+        </p:nvSpPr>
+        <p:spPr>
+          <a:xfrm>
+            <a:off x="7524328" y="2181856"/>
+            <a:ext cx="504056" cy="3913986"/>
+          </a:xfrm>
+          <a:prstGeom prst="upDownArrow">
+            <a:avLst/>
+          </a:prstGeom>
+          <a:solidFill>
+            <a:schemeClr val="accent1">
+              <a:lumMod val="20000"/>
+              <a:lumOff val="80000"/>
+            </a:schemeClr>
+          </a:solidFill>
+          <a:ln>
+            <a:solidFill>
+              <a:schemeClr val="accent1">
+                <a:lumMod val="60000"/>
+                <a:lumOff val="40000"/>
+              </a:schemeClr>
+            </a:solidFill>
+          </a:ln>
+        </p:spPr>
+        <p:style>
+          <a:lnRef idx="2">
+            <a:schemeClr val="accent1">
+              <a:shade val="50000"/>
+            </a:schemeClr>
+          </a:lnRef>
+          <a:fillRef idx="1">
+            <a:schemeClr val="accent1"/>
+          </a:fillRef>
+          <a:effectRef idx="0">
+            <a:schemeClr val="accent1"/>
+          </a:effectRef>
+          <a:fontRef idx="minor">
+            <a:schemeClr val="lt1"/>
+          </a:fontRef>
+        </p:style>
+        <p:txBody>
+          <a:bodyPr rtlCol="0" anchor="ctr"/>
+          <a:lstStyle/>
+          <a:p>
+            <a:pPr algn="ctr"/>
+            <a:endParaRPr lang="fr-FR" sz="500" dirty="0">
+              <a:solidFill>
+                <a:prstClr val="white"/>
+              </a:solidFill>
+            </a:endParaRPr>
+          </a:p>
+        </p:txBody>
+      </p:sp>
+      <p:sp>
+        <p:nvSpPr>
+          <p:cNvPr id="23" name="ZoneTexte 22"/>
+          <p:cNvSpPr txBox="1"/>
+          <p:nvPr/>
+        </p:nvSpPr>
+        <p:spPr>
+          <a:xfrm rot="16200000">
+            <a:off x="5282735" y="2945424"/>
+            <a:ext cx="1944216" cy="400110"/>
+          </a:xfrm>
+          <a:prstGeom prst="rect">
+            <a:avLst/>
+          </a:prstGeom>
+          <a:noFill/>
+        </p:spPr>
+        <p:txBody>
+          <a:bodyPr wrap="square" rtlCol="0">
+            <a:spAutoFit/>
+          </a:bodyPr>
+          <a:lstStyle/>
+          <a:p>
+            <a:pPr algn="ctr"/>
+            <a:r>
+              <a:rPr lang="fr-FR" sz="2000" b="1" dirty="0">
+                <a:solidFill>
+                  <a:srgbClr val="FF0000"/>
+                </a:solidFill>
+              </a:rPr>
+              <a:t>Ecart 1</a:t>
+            </a:r>
+          </a:p>
+        </p:txBody>
+      </p:sp>
+      <p:sp>
+        <p:nvSpPr>
+          <p:cNvPr id="24" name="ZoneTexte 23"/>
+          <p:cNvSpPr txBox="1"/>
+          <p:nvPr/>
+        </p:nvSpPr>
+        <p:spPr>
+          <a:xfrm rot="16200000">
+            <a:off x="5282294" y="4923679"/>
+            <a:ext cx="1944216" cy="400110"/>
+          </a:xfrm>
+          <a:prstGeom prst="rect">
+            <a:avLst/>
+          </a:prstGeom>
+          <a:noFill/>
+        </p:spPr>
+        <p:txBody>
+          <a:bodyPr wrap="square" rtlCol="0">
+            <a:spAutoFit/>
+          </a:bodyPr>
+          <a:lstStyle/>
+          <a:p>
+            <a:pPr algn="ctr"/>
+            <a:r>
+              <a:rPr lang="fr-FR" sz="2000" b="1" dirty="0">
+                <a:solidFill>
+                  <a:srgbClr val="FF0000"/>
+                </a:solidFill>
+              </a:rPr>
+              <a:t>Ecart 2</a:t>
+            </a:r>
+          </a:p>
+        </p:txBody>
+      </p:sp>
+      <p:sp>
+        <p:nvSpPr>
+          <p:cNvPr id="25" name="ZoneTexte 24"/>
+          <p:cNvSpPr txBox="1"/>
+          <p:nvPr/>
+        </p:nvSpPr>
+        <p:spPr>
+          <a:xfrm rot="16200000">
+            <a:off x="7072245" y="3938794"/>
+            <a:ext cx="1944216" cy="400110"/>
+          </a:xfrm>
+          <a:prstGeom prst="rect">
+            <a:avLst/>
+          </a:prstGeom>
+          <a:noFill/>
+        </p:spPr>
+        <p:txBody>
+          <a:bodyPr wrap="square" rtlCol="0">
+            <a:spAutoFit/>
+          </a:bodyPr>
+          <a:lstStyle/>
+          <a:p>
+            <a:pPr algn="ctr"/>
+            <a:r>
+              <a:rPr lang="fr-FR" sz="2000" b="1" dirty="0">
+                <a:solidFill>
+                  <a:srgbClr val="FF0000"/>
+                </a:solidFill>
+              </a:rPr>
+              <a:t>Ecart 3</a:t>
+            </a:r>
+          </a:p>
+        </p:txBody>
+      </p:sp>
+    </p:spTree>
+    <p:extLst>
+      <p:ext uri="{BB962C8B-B14F-4D97-AF65-F5344CB8AC3E}">
+        <p14:creationId xmlns:p14="http://schemas.microsoft.com/office/powerpoint/2010/main" val="347518600"/>
+      </p:ext>
+    </p:extLst>
+  </p:cSld>
+  <p:clrMapOvr>
+    <a:masterClrMapping/>
+  </p:clrMapOvr>
+  <p:timing>
+    <p:tnLst>
+      <p:par>
+        <p:cTn id="1" dur="indefinite" restart="never" nodeType="tmRoot"/>
+      </p:par>
+    </p:tnLst>
+  </p:timing>
+</p:sld>
+</file>
+
+<file path=ppt/slides/slide11.xml><?xml version="1.0" encoding="utf-8"?>
+<p:sld xmlns:a="http://schemas.openxmlformats.org/drawingml/2006/main" xmlns:r="http://schemas.openxmlformats.org/officeDocument/2006/relationships" xmlns:p="http://schemas.openxmlformats.org/presentationml/2006/main">
+  <p:cSld>
+    <p:spTree>
+      <p:nvGrpSpPr>
+        <p:cNvPr id="1" name=""/>
+        <p:cNvGrpSpPr/>
+        <p:nvPr/>
+      </p:nvGrpSpPr>
+      <p:grpSpPr>
+        <a:xfrm>
+          <a:off x="0" y="0"/>
+          <a:ext cx="0" cy="0"/>
+          <a:chOff x="0" y="0"/>
+          <a:chExt cx="0" cy="0"/>
+        </a:xfrm>
+      </p:grpSpPr>
       <p:sp>
         <p:nvSpPr>
           <p:cNvPr id="3" name="Espace réservé du numéro de diapositive 2"/>
@@ -14573,7 +15400,7 @@
                 </a:solidFill>
               </a:rPr>
               <a:pPr/>
-              <a:t>10</a:t>
+              <a:t>11</a:t>
             </a:fld>
             <a:endParaRPr lang="fr-FR" dirty="0">
               <a:solidFill>
@@ -17237,11 +18064,6 @@
               </a:rPr>
               <a:t>  </a:t>
             </a:r>
-            <a:endParaRPr lang="fr-FR" sz="500" dirty="0">
-              <a:solidFill>
-                <a:prstClr val="white"/>
-              </a:solidFill>
-            </a:endParaRPr>
           </a:p>
         </p:txBody>
       </p:sp>
@@ -17410,6 +18232,657 @@
 </file>
 
 <file path=ppt/slides/slide5.xml><?xml version="1.0" encoding="utf-8"?>
+<p:sld xmlns:a="http://schemas.openxmlformats.org/drawingml/2006/main" xmlns:r="http://schemas.openxmlformats.org/officeDocument/2006/relationships" xmlns:p="http://schemas.openxmlformats.org/presentationml/2006/main">
+  <p:cSld>
+    <p:spTree>
+      <p:nvGrpSpPr>
+        <p:cNvPr id="1" name=""/>
+        <p:cNvGrpSpPr/>
+        <p:nvPr/>
+      </p:nvGrpSpPr>
+      <p:grpSpPr>
+        <a:xfrm>
+          <a:off x="0" y="0"/>
+          <a:ext cx="0" cy="0"/>
+          <a:chOff x="0" y="0"/>
+          <a:chExt cx="0" cy="0"/>
+        </a:xfrm>
+      </p:grpSpPr>
+      <p:sp>
+        <p:nvSpPr>
+          <p:cNvPr id="4" name="Flèche droite 3"/>
+          <p:cNvSpPr/>
+          <p:nvPr/>
+        </p:nvSpPr>
+        <p:spPr>
+          <a:xfrm>
+            <a:off x="2771800" y="1772816"/>
+            <a:ext cx="3037584" cy="716632"/>
+          </a:xfrm>
+          <a:prstGeom prst="rightArrow">
+            <a:avLst/>
+          </a:prstGeom>
+        </p:spPr>
+        <p:style>
+          <a:lnRef idx="1">
+            <a:schemeClr val="accent5"/>
+          </a:lnRef>
+          <a:fillRef idx="2">
+            <a:schemeClr val="accent5"/>
+          </a:fillRef>
+          <a:effectRef idx="1">
+            <a:schemeClr val="accent5"/>
+          </a:effectRef>
+          <a:fontRef idx="minor">
+            <a:schemeClr val="dk1"/>
+          </a:fontRef>
+        </p:style>
+        <p:txBody>
+          <a:bodyPr rtlCol="0" anchor="ctr"/>
+          <a:lstStyle/>
+          <a:p>
+            <a:pPr algn="ctr"/>
+            <a:r>
+              <a:rPr lang="fr-FR" dirty="0" smtClean="0">
+                <a:solidFill>
+                  <a:prstClr val="black"/>
+                </a:solidFill>
+              </a:rPr>
+              <a:t>Domaine du client</a:t>
+            </a:r>
+            <a:endParaRPr lang="fr-FR" dirty="0">
+              <a:solidFill>
+                <a:prstClr val="black"/>
+              </a:solidFill>
+            </a:endParaRPr>
+          </a:p>
+        </p:txBody>
+      </p:sp>
+      <p:sp>
+        <p:nvSpPr>
+          <p:cNvPr id="13" name="Flèche droite 12"/>
+          <p:cNvSpPr/>
+          <p:nvPr/>
+        </p:nvSpPr>
+        <p:spPr>
+          <a:xfrm>
+            <a:off x="2771800" y="3780534"/>
+            <a:ext cx="3037584" cy="716632"/>
+          </a:xfrm>
+          <a:prstGeom prst="rightArrow">
+            <a:avLst/>
+          </a:prstGeom>
+        </p:spPr>
+        <p:style>
+          <a:lnRef idx="1">
+            <a:schemeClr val="accent5"/>
+          </a:lnRef>
+          <a:fillRef idx="2">
+            <a:schemeClr val="accent5"/>
+          </a:fillRef>
+          <a:effectRef idx="1">
+            <a:schemeClr val="accent5"/>
+          </a:effectRef>
+          <a:fontRef idx="minor">
+            <a:schemeClr val="dk1"/>
+          </a:fontRef>
+        </p:style>
+        <p:txBody>
+          <a:bodyPr rtlCol="0" anchor="ctr"/>
+          <a:lstStyle/>
+          <a:p>
+            <a:pPr algn="ctr"/>
+            <a:r>
+              <a:rPr lang="fr-FR" dirty="0" smtClean="0">
+                <a:solidFill>
+                  <a:prstClr val="black"/>
+                </a:solidFill>
+              </a:rPr>
+              <a:t>Domaine du laboratoire</a:t>
+            </a:r>
+            <a:endParaRPr lang="fr-FR" dirty="0">
+              <a:solidFill>
+                <a:prstClr val="black"/>
+              </a:solidFill>
+            </a:endParaRPr>
+          </a:p>
+        </p:txBody>
+      </p:sp>
+      <p:sp>
+        <p:nvSpPr>
+          <p:cNvPr id="14" name="Flèche droite 13"/>
+          <p:cNvSpPr/>
+          <p:nvPr/>
+        </p:nvSpPr>
+        <p:spPr>
+          <a:xfrm>
+            <a:off x="2771800" y="5694943"/>
+            <a:ext cx="3037584" cy="716632"/>
+          </a:xfrm>
+          <a:prstGeom prst="rightArrow">
+            <a:avLst/>
+          </a:prstGeom>
+        </p:spPr>
+        <p:style>
+          <a:lnRef idx="1">
+            <a:schemeClr val="accent5"/>
+          </a:lnRef>
+          <a:fillRef idx="2">
+            <a:schemeClr val="accent5"/>
+          </a:fillRef>
+          <a:effectRef idx="1">
+            <a:schemeClr val="accent5"/>
+          </a:effectRef>
+          <a:fontRef idx="minor">
+            <a:schemeClr val="dk1"/>
+          </a:fontRef>
+        </p:style>
+        <p:txBody>
+          <a:bodyPr rtlCol="0" anchor="ctr"/>
+          <a:lstStyle/>
+          <a:p>
+            <a:pPr algn="ctr"/>
+            <a:r>
+              <a:rPr lang="fr-FR" dirty="0" smtClean="0">
+                <a:solidFill>
+                  <a:prstClr val="black"/>
+                </a:solidFill>
+              </a:rPr>
+              <a:t>Domaine de la simulation</a:t>
+            </a:r>
+            <a:endParaRPr lang="fr-FR" dirty="0">
+              <a:solidFill>
+                <a:prstClr val="black"/>
+              </a:solidFill>
+            </a:endParaRPr>
+          </a:p>
+        </p:txBody>
+      </p:sp>
+      <p:sp>
+        <p:nvSpPr>
+          <p:cNvPr id="17" name="ZoneTexte 16"/>
+          <p:cNvSpPr txBox="1"/>
+          <p:nvPr/>
+        </p:nvSpPr>
+        <p:spPr>
+          <a:xfrm>
+            <a:off x="6054788" y="1807966"/>
+            <a:ext cx="1469540" cy="646331"/>
+          </a:xfrm>
+          <a:prstGeom prst="rect">
+            <a:avLst/>
+          </a:prstGeom>
+          <a:noFill/>
+        </p:spPr>
+        <p:txBody>
+          <a:bodyPr wrap="square" rtlCol="0">
+            <a:spAutoFit/>
+          </a:bodyPr>
+          <a:lstStyle/>
+          <a:p>
+            <a:pPr algn="ctr"/>
+            <a:r>
+              <a:rPr lang="fr-FR" dirty="0" smtClean="0">
+                <a:solidFill>
+                  <a:prstClr val="black"/>
+                </a:solidFill>
+              </a:rPr>
+              <a:t>Performances</a:t>
+            </a:r>
+            <a:endParaRPr lang="fr-FR" dirty="0">
+              <a:solidFill>
+                <a:prstClr val="black"/>
+              </a:solidFill>
+            </a:endParaRPr>
+          </a:p>
+          <a:p>
+            <a:pPr algn="ctr"/>
+            <a:r>
+              <a:rPr lang="fr-FR" dirty="0" smtClean="0">
+                <a:solidFill>
+                  <a:prstClr val="black"/>
+                </a:solidFill>
+              </a:rPr>
+              <a:t>attendues</a:t>
+            </a:r>
+            <a:endParaRPr lang="fr-FR" dirty="0">
+              <a:solidFill>
+                <a:prstClr val="black"/>
+              </a:solidFill>
+            </a:endParaRPr>
+          </a:p>
+        </p:txBody>
+      </p:sp>
+      <p:sp>
+        <p:nvSpPr>
+          <p:cNvPr id="18" name="ZoneTexte 17"/>
+          <p:cNvSpPr txBox="1"/>
+          <p:nvPr/>
+        </p:nvSpPr>
+        <p:spPr>
+          <a:xfrm>
+            <a:off x="6054788" y="3815684"/>
+            <a:ext cx="1469540" cy="646331"/>
+          </a:xfrm>
+          <a:prstGeom prst="rect">
+            <a:avLst/>
+          </a:prstGeom>
+          <a:noFill/>
+        </p:spPr>
+        <p:txBody>
+          <a:bodyPr wrap="square" rtlCol="0">
+            <a:spAutoFit/>
+          </a:bodyPr>
+          <a:lstStyle/>
+          <a:p>
+            <a:pPr algn="ctr"/>
+            <a:r>
+              <a:rPr lang="fr-FR" dirty="0" smtClean="0">
+                <a:solidFill>
+                  <a:prstClr val="black"/>
+                </a:solidFill>
+              </a:rPr>
+              <a:t>Performances mesurées</a:t>
+            </a:r>
+            <a:endParaRPr lang="fr-FR" dirty="0">
+              <a:solidFill>
+                <a:prstClr val="black"/>
+              </a:solidFill>
+            </a:endParaRPr>
+          </a:p>
+        </p:txBody>
+      </p:sp>
+      <p:sp>
+        <p:nvSpPr>
+          <p:cNvPr id="19" name="ZoneTexte 18"/>
+          <p:cNvSpPr txBox="1"/>
+          <p:nvPr/>
+        </p:nvSpPr>
+        <p:spPr>
+          <a:xfrm>
+            <a:off x="6054788" y="5730093"/>
+            <a:ext cx="1469540" cy="646331"/>
+          </a:xfrm>
+          <a:prstGeom prst="rect">
+            <a:avLst/>
+          </a:prstGeom>
+          <a:noFill/>
+        </p:spPr>
+        <p:txBody>
+          <a:bodyPr wrap="square" rtlCol="0">
+            <a:spAutoFit/>
+          </a:bodyPr>
+          <a:lstStyle/>
+          <a:p>
+            <a:pPr algn="ctr"/>
+            <a:r>
+              <a:rPr lang="fr-FR" dirty="0" smtClean="0">
+                <a:solidFill>
+                  <a:prstClr val="black"/>
+                </a:solidFill>
+              </a:rPr>
+              <a:t>Performance simulées</a:t>
+            </a:r>
+            <a:endParaRPr lang="fr-FR" dirty="0">
+              <a:solidFill>
+                <a:prstClr val="black"/>
+              </a:solidFill>
+            </a:endParaRPr>
+          </a:p>
+        </p:txBody>
+      </p:sp>
+      <p:sp>
+        <p:nvSpPr>
+          <p:cNvPr id="21" name="Double flèche verticale 20"/>
+          <p:cNvSpPr/>
+          <p:nvPr/>
+        </p:nvSpPr>
+        <p:spPr>
+          <a:xfrm>
+            <a:off x="6537530" y="4564789"/>
+            <a:ext cx="504056" cy="1106764"/>
+          </a:xfrm>
+          <a:prstGeom prst="upDownArrow">
+            <a:avLst/>
+          </a:prstGeom>
+          <a:ln/>
+        </p:spPr>
+        <p:style>
+          <a:lnRef idx="1">
+            <a:schemeClr val="accent5"/>
+          </a:lnRef>
+          <a:fillRef idx="2">
+            <a:schemeClr val="accent5"/>
+          </a:fillRef>
+          <a:effectRef idx="1">
+            <a:schemeClr val="accent5"/>
+          </a:effectRef>
+          <a:fontRef idx="minor">
+            <a:schemeClr val="dk1"/>
+          </a:fontRef>
+        </p:style>
+        <p:txBody>
+          <a:bodyPr rtlCol="0" anchor="ctr"/>
+          <a:lstStyle/>
+          <a:p>
+            <a:pPr algn="ctr"/>
+            <a:endParaRPr lang="fr-FR" sz="500" dirty="0">
+              <a:solidFill>
+                <a:prstClr val="white"/>
+              </a:solidFill>
+            </a:endParaRPr>
+          </a:p>
+        </p:txBody>
+      </p:sp>
+      <p:sp>
+        <p:nvSpPr>
+          <p:cNvPr id="22" name="Double flèche verticale 21"/>
+          <p:cNvSpPr/>
+          <p:nvPr/>
+        </p:nvSpPr>
+        <p:spPr>
+          <a:xfrm>
+            <a:off x="7524328" y="2181856"/>
+            <a:ext cx="504056" cy="3913986"/>
+          </a:xfrm>
+          <a:prstGeom prst="upDownArrow">
+            <a:avLst/>
+          </a:prstGeom>
+          <a:ln/>
+        </p:spPr>
+        <p:style>
+          <a:lnRef idx="1">
+            <a:schemeClr val="accent5"/>
+          </a:lnRef>
+          <a:fillRef idx="2">
+            <a:schemeClr val="accent5"/>
+          </a:fillRef>
+          <a:effectRef idx="1">
+            <a:schemeClr val="accent5"/>
+          </a:effectRef>
+          <a:fontRef idx="minor">
+            <a:schemeClr val="dk1"/>
+          </a:fontRef>
+        </p:style>
+        <p:txBody>
+          <a:bodyPr rtlCol="0" anchor="ctr"/>
+          <a:lstStyle/>
+          <a:p>
+            <a:pPr algn="ctr"/>
+            <a:endParaRPr lang="fr-FR" sz="500" dirty="0">
+              <a:solidFill>
+                <a:prstClr val="white"/>
+              </a:solidFill>
+            </a:endParaRPr>
+          </a:p>
+        </p:txBody>
+      </p:sp>
+      <p:sp>
+        <p:nvSpPr>
+          <p:cNvPr id="23" name="ZoneTexte 22"/>
+          <p:cNvSpPr txBox="1"/>
+          <p:nvPr/>
+        </p:nvSpPr>
+        <p:spPr>
+          <a:xfrm rot="16200000">
+            <a:off x="5282735" y="2945424"/>
+            <a:ext cx="1944216" cy="400110"/>
+          </a:xfrm>
+          <a:prstGeom prst="rect">
+            <a:avLst/>
+          </a:prstGeom>
+          <a:noFill/>
+        </p:spPr>
+        <p:txBody>
+          <a:bodyPr wrap="square" rtlCol="0">
+            <a:spAutoFit/>
+          </a:bodyPr>
+          <a:lstStyle/>
+          <a:p>
+            <a:pPr algn="ctr"/>
+            <a:r>
+              <a:rPr lang="fr-FR" sz="2000" b="1" dirty="0">
+                <a:solidFill>
+                  <a:srgbClr val="FF0000"/>
+                </a:solidFill>
+              </a:rPr>
+              <a:t>Ecart 1</a:t>
+            </a:r>
+          </a:p>
+        </p:txBody>
+      </p:sp>
+      <p:sp>
+        <p:nvSpPr>
+          <p:cNvPr id="24" name="ZoneTexte 23"/>
+          <p:cNvSpPr txBox="1"/>
+          <p:nvPr/>
+        </p:nvSpPr>
+        <p:spPr>
+          <a:xfrm rot="16200000">
+            <a:off x="5282294" y="4923679"/>
+            <a:ext cx="1944216" cy="400110"/>
+          </a:xfrm>
+          <a:prstGeom prst="rect">
+            <a:avLst/>
+          </a:prstGeom>
+          <a:noFill/>
+        </p:spPr>
+        <p:txBody>
+          <a:bodyPr wrap="square" rtlCol="0">
+            <a:spAutoFit/>
+          </a:bodyPr>
+          <a:lstStyle/>
+          <a:p>
+            <a:pPr algn="ctr"/>
+            <a:r>
+              <a:rPr lang="fr-FR" sz="2000" b="1" dirty="0">
+                <a:solidFill>
+                  <a:srgbClr val="FF0000"/>
+                </a:solidFill>
+              </a:rPr>
+              <a:t>Ecart 2</a:t>
+            </a:r>
+          </a:p>
+        </p:txBody>
+      </p:sp>
+      <p:sp>
+        <p:nvSpPr>
+          <p:cNvPr id="25" name="ZoneTexte 24"/>
+          <p:cNvSpPr txBox="1"/>
+          <p:nvPr/>
+        </p:nvSpPr>
+        <p:spPr>
+          <a:xfrm rot="16200000">
+            <a:off x="7072245" y="3938794"/>
+            <a:ext cx="1944216" cy="400110"/>
+          </a:xfrm>
+          <a:prstGeom prst="rect">
+            <a:avLst/>
+          </a:prstGeom>
+          <a:noFill/>
+        </p:spPr>
+        <p:txBody>
+          <a:bodyPr wrap="square" rtlCol="0">
+            <a:spAutoFit/>
+          </a:bodyPr>
+          <a:lstStyle/>
+          <a:p>
+            <a:pPr algn="ctr"/>
+            <a:r>
+              <a:rPr lang="fr-FR" sz="2000" b="1" dirty="0">
+                <a:solidFill>
+                  <a:srgbClr val="FF0000"/>
+                </a:solidFill>
+              </a:rPr>
+              <a:t>Ecart 3</a:t>
+            </a:r>
+          </a:p>
+        </p:txBody>
+      </p:sp>
+      <p:sp>
+        <p:nvSpPr>
+          <p:cNvPr id="20" name="Double flèche verticale 19"/>
+          <p:cNvSpPr/>
+          <p:nvPr/>
+        </p:nvSpPr>
+        <p:spPr>
+          <a:xfrm>
+            <a:off x="6537530" y="2613359"/>
+            <a:ext cx="504056" cy="1106764"/>
+          </a:xfrm>
+          <a:prstGeom prst="upDownArrow">
+            <a:avLst/>
+          </a:prstGeom>
+          <a:ln/>
+        </p:spPr>
+        <p:style>
+          <a:lnRef idx="1">
+            <a:schemeClr val="accent5"/>
+          </a:lnRef>
+          <a:fillRef idx="2">
+            <a:schemeClr val="accent5"/>
+          </a:fillRef>
+          <a:effectRef idx="1">
+            <a:schemeClr val="accent5"/>
+          </a:effectRef>
+          <a:fontRef idx="minor">
+            <a:schemeClr val="dk1"/>
+          </a:fontRef>
+        </p:style>
+        <p:txBody>
+          <a:bodyPr rtlCol="0" anchor="ctr"/>
+          <a:lstStyle/>
+          <a:p>
+            <a:pPr algn="ctr"/>
+            <a:r>
+              <a:rPr lang="fr-FR" sz="500" dirty="0">
+                <a:solidFill>
+                  <a:prstClr val="white"/>
+                </a:solidFill>
+              </a:rPr>
+              <a:t>  </a:t>
+            </a:r>
+          </a:p>
+        </p:txBody>
+      </p:sp>
+      <p:pic>
+        <p:nvPicPr>
+          <p:cNvPr id="26" name="Image 25"/>
+          <p:cNvPicPr/>
+          <p:nvPr/>
+        </p:nvPicPr>
+        <p:blipFill>
+          <a:blip r:embed="rId2"/>
+          <a:stretch>
+            <a:fillRect/>
+          </a:stretch>
+        </p:blipFill>
+        <p:spPr>
+          <a:xfrm>
+            <a:off x="827584" y="5443023"/>
+            <a:ext cx="1492250" cy="1220470"/>
+          </a:xfrm>
+          <a:prstGeom prst="rect">
+            <a:avLst/>
+          </a:prstGeom>
+        </p:spPr>
+      </p:pic>
+      <p:pic>
+        <p:nvPicPr>
+          <p:cNvPr id="27" name="Image 26" descr="DSCF0017"/>
+          <p:cNvPicPr/>
+          <p:nvPr/>
+        </p:nvPicPr>
+        <p:blipFill>
+          <a:blip r:embed="rId3" cstate="print">
+            <a:lum bright="12000"/>
+            <a:extLst>
+              <a:ext uri="{28A0092B-C50C-407E-A947-70E740481C1C}">
+                <a14:useLocalDpi xmlns:a14="http://schemas.microsoft.com/office/drawing/2010/main" val="0"/>
+              </a:ext>
+            </a:extLst>
+          </a:blip>
+          <a:srcRect l="10629"/>
+          <a:stretch>
+            <a:fillRect/>
+          </a:stretch>
+        </p:blipFill>
+        <p:spPr bwMode="auto">
+          <a:xfrm>
+            <a:off x="650368" y="3364427"/>
+            <a:ext cx="1846682" cy="1548844"/>
+          </a:xfrm>
+          <a:prstGeom prst="rect">
+            <a:avLst/>
+          </a:prstGeom>
+          <a:noFill/>
+          <a:ln>
+            <a:noFill/>
+          </a:ln>
+        </p:spPr>
+      </p:pic>
+      <p:pic>
+        <p:nvPicPr>
+          <p:cNvPr id="1026" name="Picture 2" descr="Afficher l'image d'origine"/>
+          <p:cNvPicPr>
+            <a:picLocks noChangeAspect="1" noChangeArrowheads="1"/>
+          </p:cNvPicPr>
+          <p:nvPr/>
+        </p:nvPicPr>
+        <p:blipFill>
+          <a:blip r:embed="rId4" cstate="print">
+            <a:extLst>
+              <a:ext uri="{28A0092B-C50C-407E-A947-70E740481C1C}">
+                <a14:useLocalDpi xmlns:a14="http://schemas.microsoft.com/office/drawing/2010/main" val="0"/>
+              </a:ext>
+            </a:extLst>
+          </a:blip>
+          <a:srcRect/>
+          <a:stretch>
+            <a:fillRect/>
+          </a:stretch>
+        </p:blipFill>
+        <p:spPr bwMode="auto">
+          <a:xfrm>
+            <a:off x="650368" y="1445689"/>
+            <a:ext cx="1846682" cy="1370884"/>
+          </a:xfrm>
+          <a:prstGeom prst="rect">
+            <a:avLst/>
+          </a:prstGeom>
+          <a:noFill/>
+          <a:extLst>
+            <a:ext uri="{909E8E84-426E-40DD-AFC4-6F175D3DCCD1}">
+              <a14:hiddenFill xmlns:a14="http://schemas.microsoft.com/office/drawing/2010/main">
+                <a:solidFill>
+                  <a:srgbClr val="FFFFFF"/>
+                </a:solidFill>
+              </a14:hiddenFill>
+            </a:ext>
+          </a:extLst>
+        </p:spPr>
+      </p:pic>
+    </p:spTree>
+    <p:extLst>
+      <p:ext uri="{BB962C8B-B14F-4D97-AF65-F5344CB8AC3E}">
+        <p14:creationId xmlns:p14="http://schemas.microsoft.com/office/powerpoint/2010/main" val="2942048291"/>
+      </p:ext>
+    </p:extLst>
+  </p:cSld>
+  <p:clrMapOvr>
+    <a:masterClrMapping/>
+  </p:clrMapOvr>
+  <p:timing>
+    <p:tnLst>
+      <p:par>
+        <p:cTn id="1" dur="indefinite" restart="never" nodeType="tmRoot"/>
+      </p:par>
+    </p:tnLst>
+  </p:timing>
+</p:sld>
+</file>
+
+<file path=ppt/slides/slide6.xml><?xml version="1.0" encoding="utf-8"?>
 <p:sld xmlns:a="http://schemas.openxmlformats.org/drawingml/2006/main" xmlns:r="http://schemas.openxmlformats.org/officeDocument/2006/relationships" xmlns:p="http://schemas.openxmlformats.org/presentationml/2006/main">
   <p:cSld>
     <p:spTree>
@@ -17461,7 +18934,7 @@
 </p:sld>
 </file>
 
-<file path=ppt/slides/slide6.xml><?xml version="1.0" encoding="utf-8"?>
+<file path=ppt/slides/slide7.xml><?xml version="1.0" encoding="utf-8"?>
 <p:sld xmlns:a="http://schemas.openxmlformats.org/drawingml/2006/main" xmlns:r="http://schemas.openxmlformats.org/officeDocument/2006/relationships" xmlns:p="http://schemas.openxmlformats.org/presentationml/2006/main">
   <p:cSld>
     <p:spTree>
@@ -18838,7 +20311,7 @@
 </p:sld>
 </file>
 
-<file path=ppt/slides/slide7.xml><?xml version="1.0" encoding="utf-8"?>
+<file path=ppt/slides/slide8.xml><?xml version="1.0" encoding="utf-8"?>
 <p:sld xmlns:a="http://schemas.openxmlformats.org/drawingml/2006/main" xmlns:r="http://schemas.openxmlformats.org/officeDocument/2006/relationships" xmlns:p="http://schemas.openxmlformats.org/presentationml/2006/main">
   <p:cSld>
     <p:spTree>
@@ -20260,7 +21733,7 @@
 </p:sld>
 </file>
 
-<file path=ppt/slides/slide8.xml><?xml version="1.0" encoding="utf-8"?>
+<file path=ppt/slides/slide9.xml><?xml version="1.0" encoding="utf-8"?>
 <p:sld xmlns:a="http://schemas.openxmlformats.org/drawingml/2006/main" xmlns:r="http://schemas.openxmlformats.org/officeDocument/2006/relationships" xmlns:p="http://schemas.openxmlformats.org/presentationml/2006/main">
   <p:cSld>
     <p:spTree>
@@ -21090,832 +22563,6 @@
     <p:extLst>
       <p:ext uri="{BB962C8B-B14F-4D97-AF65-F5344CB8AC3E}">
         <p14:creationId xmlns:p14="http://schemas.microsoft.com/office/powerpoint/2010/main" val="918188242"/>
-      </p:ext>
-    </p:extLst>
-  </p:cSld>
-  <p:clrMapOvr>
-    <a:masterClrMapping/>
-  </p:clrMapOvr>
-  <p:timing>
-    <p:tnLst>
-      <p:par>
-        <p:cTn id="1" dur="indefinite" restart="never" nodeType="tmRoot"/>
-      </p:par>
-    </p:tnLst>
-  </p:timing>
-</p:sld>
-</file>
-
-<file path=ppt/slides/slide9.xml><?xml version="1.0" encoding="utf-8"?>
-<p:sld xmlns:a="http://schemas.openxmlformats.org/drawingml/2006/main" xmlns:r="http://schemas.openxmlformats.org/officeDocument/2006/relationships" xmlns:p="http://schemas.openxmlformats.org/presentationml/2006/main">
-  <p:cSld>
-    <p:spTree>
-      <p:nvGrpSpPr>
-        <p:cNvPr id="1" name=""/>
-        <p:cNvGrpSpPr/>
-        <p:nvPr/>
-      </p:nvGrpSpPr>
-      <p:grpSpPr>
-        <a:xfrm>
-          <a:off x="0" y="0"/>
-          <a:ext cx="0" cy="0"/>
-          <a:chOff x="0" y="0"/>
-          <a:chExt cx="0" cy="0"/>
-        </a:xfrm>
-      </p:grpSpPr>
-      <p:pic>
-        <p:nvPicPr>
-          <p:cNvPr id="10243" name="Picture 3"/>
-          <p:cNvPicPr>
-            <a:picLocks noChangeAspect="1" noChangeArrowheads="1"/>
-          </p:cNvPicPr>
-          <p:nvPr/>
-        </p:nvPicPr>
-        <p:blipFill>
-          <a:blip r:embed="rId2" cstate="print">
-            <a:extLst>
-              <a:ext uri="{28A0092B-C50C-407E-A947-70E740481C1C}">
-                <a14:useLocalDpi xmlns:a14="http://schemas.microsoft.com/office/drawing/2010/main" val="0"/>
-              </a:ext>
-            </a:extLst>
-          </a:blip>
-          <a:srcRect/>
-          <a:stretch>
-            <a:fillRect/>
-          </a:stretch>
-        </p:blipFill>
-        <p:spPr bwMode="auto">
-          <a:xfrm>
-            <a:off x="251520" y="1556792"/>
-            <a:ext cx="909638" cy="1426369"/>
-          </a:xfrm>
-          <a:prstGeom prst="rect">
-            <a:avLst/>
-          </a:prstGeom>
-          <a:noFill/>
-          <a:ln>
-            <a:noFill/>
-          </a:ln>
-          <a:effectLst/>
-          <a:extLst>
-            <a:ext uri="{909E8E84-426E-40DD-AFC4-6F175D3DCCD1}">
-              <a14:hiddenFill xmlns:a14="http://schemas.microsoft.com/office/drawing/2010/main">
-                <a:solidFill>
-                  <a:schemeClr val="accent1"/>
-                </a:solidFill>
-              </a14:hiddenFill>
-            </a:ext>
-            <a:ext uri="{91240B29-F687-4F45-9708-019B960494DF}">
-              <a14:hiddenLine xmlns:a14="http://schemas.microsoft.com/office/drawing/2010/main" w="9525">
-                <a:solidFill>
-                  <a:schemeClr val="tx1"/>
-                </a:solidFill>
-                <a:miter lim="800000"/>
-                <a:headEnd/>
-                <a:tailEnd/>
-              </a14:hiddenLine>
-            </a:ext>
-            <a:ext uri="{AF507438-7753-43E0-B8FC-AC1667EBCBE1}">
-              <a14:hiddenEffects xmlns:a14="http://schemas.microsoft.com/office/drawing/2010/main">
-                <a:effectLst>
-                  <a:outerShdw dist="35921" dir="2700000" algn="ctr" rotWithShape="0">
-                    <a:schemeClr val="bg2"/>
-                  </a:outerShdw>
-                </a:effectLst>
-              </a14:hiddenEffects>
-            </a:ext>
-          </a:extLst>
-        </p:spPr>
-      </p:pic>
-      <p:pic>
-        <p:nvPicPr>
-          <p:cNvPr id="10242" name="Picture 2"/>
-          <p:cNvPicPr>
-            <a:picLocks noChangeAspect="1" noChangeArrowheads="1"/>
-          </p:cNvPicPr>
-          <p:nvPr/>
-        </p:nvPicPr>
-        <p:blipFill>
-          <a:blip r:embed="rId3" cstate="print">
-            <a:extLst>
-              <a:ext uri="{28A0092B-C50C-407E-A947-70E740481C1C}">
-                <a14:useLocalDpi xmlns:a14="http://schemas.microsoft.com/office/drawing/2010/main" val="0"/>
-              </a:ext>
-            </a:extLst>
-          </a:blip>
-          <a:srcRect/>
-          <a:stretch>
-            <a:fillRect/>
-          </a:stretch>
-        </p:blipFill>
-        <p:spPr bwMode="auto">
-          <a:xfrm>
-            <a:off x="922363" y="944724"/>
-            <a:ext cx="1663132" cy="936104"/>
-          </a:xfrm>
-          <a:prstGeom prst="ellipse">
-            <a:avLst/>
-          </a:prstGeom>
-          <a:ln w="9525">
-            <a:solidFill>
-              <a:schemeClr val="tx1"/>
-            </a:solidFill>
-            <a:miter lim="800000"/>
-            <a:headEnd/>
-            <a:tailEnd/>
-          </a:ln>
-          <a:effectLst>
-            <a:outerShdw blurRad="381000" dist="292100" dir="5400000" sx="-80000" sy="-18000" rotWithShape="0">
-              <a:srgbClr val="000000">
-                <a:alpha val="22000"/>
-              </a:srgbClr>
-            </a:outerShdw>
-          </a:effectLst>
-          <a:scene3d>
-            <a:camera prst="orthographicFront"/>
-            <a:lightRig rig="contrasting" dir="t">
-              <a:rot lat="0" lon="0" rev="3000000"/>
-            </a:lightRig>
-          </a:scene3d>
-          <a:sp3d contourW="7620">
-            <a:bevelT w="95250" h="31750"/>
-            <a:contourClr>
-              <a:srgbClr val="333333"/>
-            </a:contourClr>
-          </a:sp3d>
-          <a:extLst>
-            <a:ext uri="{909E8E84-426E-40DD-AFC4-6F175D3DCCD1}">
-              <a14:hiddenFill xmlns:a14="http://schemas.microsoft.com/office/drawing/2010/main">
-                <a:solidFill>
-                  <a:schemeClr val="accent1"/>
-                </a:solidFill>
-              </a14:hiddenFill>
-            </a:ext>
-          </a:extLst>
-        </p:spPr>
-      </p:pic>
-      <p:pic>
-        <p:nvPicPr>
-          <p:cNvPr id="10244" name="Picture 4"/>
-          <p:cNvPicPr>
-            <a:picLocks noChangeAspect="1" noChangeArrowheads="1"/>
-          </p:cNvPicPr>
-          <p:nvPr/>
-        </p:nvPicPr>
-        <p:blipFill rotWithShape="1">
-          <a:blip r:embed="rId4">
-            <a:extLst>
-              <a:ext uri="{28A0092B-C50C-407E-A947-70E740481C1C}">
-                <a14:useLocalDpi xmlns:a14="http://schemas.microsoft.com/office/drawing/2010/main" val="0"/>
-              </a:ext>
-            </a:extLst>
-          </a:blip>
-          <a:srcRect t="9127" b="7418"/>
-          <a:stretch/>
-        </p:blipFill>
-        <p:spPr bwMode="auto">
-          <a:xfrm>
-            <a:off x="251520" y="5280749"/>
-            <a:ext cx="2088232" cy="1545021"/>
-          </a:xfrm>
-          <a:prstGeom prst="rect">
-            <a:avLst/>
-          </a:prstGeom>
-          <a:noFill/>
-          <a:ln>
-            <a:noFill/>
-          </a:ln>
-          <a:effectLst/>
-          <a:extLst>
-            <a:ext uri="{909E8E84-426E-40DD-AFC4-6F175D3DCCD1}">
-              <a14:hiddenFill xmlns:a14="http://schemas.microsoft.com/office/drawing/2010/main">
-                <a:solidFill>
-                  <a:schemeClr val="accent1"/>
-                </a:solidFill>
-              </a14:hiddenFill>
-            </a:ext>
-            <a:ext uri="{91240B29-F687-4F45-9708-019B960494DF}">
-              <a14:hiddenLine xmlns:a14="http://schemas.microsoft.com/office/drawing/2010/main" w="9525">
-                <a:solidFill>
-                  <a:schemeClr val="tx1"/>
-                </a:solidFill>
-                <a:miter lim="800000"/>
-                <a:headEnd/>
-                <a:tailEnd/>
-              </a14:hiddenLine>
-            </a:ext>
-            <a:ext uri="{AF507438-7753-43E0-B8FC-AC1667EBCBE1}">
-              <a14:hiddenEffects xmlns:a14="http://schemas.microsoft.com/office/drawing/2010/main">
-                <a:effectLst>
-                  <a:outerShdw dist="35921" dir="2700000" algn="ctr" rotWithShape="0">
-                    <a:schemeClr val="bg2"/>
-                  </a:outerShdw>
-                </a:effectLst>
-              </a14:hiddenEffects>
-            </a:ext>
-          </a:extLst>
-        </p:spPr>
-      </p:pic>
-      <p:pic>
-        <p:nvPicPr>
-          <p:cNvPr id="10246" name="Picture 6"/>
-          <p:cNvPicPr>
-            <a:picLocks noChangeAspect="1" noChangeArrowheads="1"/>
-          </p:cNvPicPr>
-          <p:nvPr/>
-        </p:nvPicPr>
-        <p:blipFill>
-          <a:blip r:embed="rId5" cstate="print">
-            <a:extLst>
-              <a:ext uri="{28A0092B-C50C-407E-A947-70E740481C1C}">
-                <a14:useLocalDpi xmlns:a14="http://schemas.microsoft.com/office/drawing/2010/main" val="0"/>
-              </a:ext>
-            </a:extLst>
-          </a:blip>
-          <a:srcRect/>
-          <a:stretch>
-            <a:fillRect/>
-          </a:stretch>
-        </p:blipFill>
-        <p:spPr bwMode="auto">
-          <a:xfrm>
-            <a:off x="251520" y="3429000"/>
-            <a:ext cx="2051035" cy="1419701"/>
-          </a:xfrm>
-          <a:prstGeom prst="rect">
-            <a:avLst/>
-          </a:prstGeom>
-          <a:noFill/>
-          <a:ln>
-            <a:noFill/>
-          </a:ln>
-          <a:effectLst/>
-          <a:extLst>
-            <a:ext uri="{909E8E84-426E-40DD-AFC4-6F175D3DCCD1}">
-              <a14:hiddenFill xmlns:a14="http://schemas.microsoft.com/office/drawing/2010/main">
-                <a:solidFill>
-                  <a:schemeClr val="accent1"/>
-                </a:solidFill>
-              </a14:hiddenFill>
-            </a:ext>
-            <a:ext uri="{91240B29-F687-4F45-9708-019B960494DF}">
-              <a14:hiddenLine xmlns:a14="http://schemas.microsoft.com/office/drawing/2010/main" w="9525">
-                <a:solidFill>
-                  <a:schemeClr val="tx1"/>
-                </a:solidFill>
-                <a:miter lim="800000"/>
-                <a:headEnd/>
-                <a:tailEnd/>
-              </a14:hiddenLine>
-            </a:ext>
-            <a:ext uri="{AF507438-7753-43E0-B8FC-AC1667EBCBE1}">
-              <a14:hiddenEffects xmlns:a14="http://schemas.microsoft.com/office/drawing/2010/main">
-                <a:effectLst>
-                  <a:outerShdw dist="35921" dir="2700000" algn="ctr" rotWithShape="0">
-                    <a:schemeClr val="bg2"/>
-                  </a:outerShdw>
-                </a:effectLst>
-              </a14:hiddenEffects>
-            </a:ext>
-          </a:extLst>
-        </p:spPr>
-      </p:pic>
-      <p:sp>
-        <p:nvSpPr>
-          <p:cNvPr id="4" name="Flèche droite 3"/>
-          <p:cNvSpPr/>
-          <p:nvPr/>
-        </p:nvSpPr>
-        <p:spPr>
-          <a:xfrm>
-            <a:off x="2771800" y="1772816"/>
-            <a:ext cx="3037584" cy="716632"/>
-          </a:xfrm>
-          <a:prstGeom prst="rightArrow">
-            <a:avLst/>
-          </a:prstGeom>
-        </p:spPr>
-        <p:style>
-          <a:lnRef idx="1">
-            <a:schemeClr val="accent5"/>
-          </a:lnRef>
-          <a:fillRef idx="2">
-            <a:schemeClr val="accent5"/>
-          </a:fillRef>
-          <a:effectRef idx="1">
-            <a:schemeClr val="accent5"/>
-          </a:effectRef>
-          <a:fontRef idx="minor">
-            <a:schemeClr val="dk1"/>
-          </a:fontRef>
-        </p:style>
-        <p:txBody>
-          <a:bodyPr rtlCol="0" anchor="ctr"/>
-          <a:lstStyle/>
-          <a:p>
-            <a:pPr algn="ctr"/>
-            <a:r>
-              <a:rPr lang="fr-FR" dirty="0">
-                <a:solidFill>
-                  <a:prstClr val="black"/>
-                </a:solidFill>
-              </a:rPr>
-              <a:t>Système souhaité</a:t>
-            </a:r>
-          </a:p>
-        </p:txBody>
-      </p:sp>
-      <p:sp>
-        <p:nvSpPr>
-          <p:cNvPr id="13" name="Flèche droite 12"/>
-          <p:cNvSpPr/>
-          <p:nvPr/>
-        </p:nvSpPr>
-        <p:spPr>
-          <a:xfrm>
-            <a:off x="2771800" y="3780534"/>
-            <a:ext cx="3037584" cy="716632"/>
-          </a:xfrm>
-          <a:prstGeom prst="rightArrow">
-            <a:avLst/>
-          </a:prstGeom>
-        </p:spPr>
-        <p:style>
-          <a:lnRef idx="1">
-            <a:schemeClr val="accent5"/>
-          </a:lnRef>
-          <a:fillRef idx="2">
-            <a:schemeClr val="accent5"/>
-          </a:fillRef>
-          <a:effectRef idx="1">
-            <a:schemeClr val="accent5"/>
-          </a:effectRef>
-          <a:fontRef idx="minor">
-            <a:schemeClr val="dk1"/>
-          </a:fontRef>
-        </p:style>
-        <p:txBody>
-          <a:bodyPr rtlCol="0" anchor="ctr"/>
-          <a:lstStyle/>
-          <a:p>
-            <a:pPr algn="ctr"/>
-            <a:r>
-              <a:rPr lang="fr-FR" dirty="0">
-                <a:solidFill>
-                  <a:prstClr val="black"/>
-                </a:solidFill>
-              </a:rPr>
-              <a:t>Système réel en utilisation</a:t>
-            </a:r>
-          </a:p>
-        </p:txBody>
-      </p:sp>
-      <p:sp>
-        <p:nvSpPr>
-          <p:cNvPr id="14" name="Flèche droite 13"/>
-          <p:cNvSpPr/>
-          <p:nvPr/>
-        </p:nvSpPr>
-        <p:spPr>
-          <a:xfrm>
-            <a:off x="2771800" y="5694943"/>
-            <a:ext cx="3037584" cy="716632"/>
-          </a:xfrm>
-          <a:prstGeom prst="rightArrow">
-            <a:avLst/>
-          </a:prstGeom>
-        </p:spPr>
-        <p:style>
-          <a:lnRef idx="1">
-            <a:schemeClr val="accent5"/>
-          </a:lnRef>
-          <a:fillRef idx="2">
-            <a:schemeClr val="accent5"/>
-          </a:fillRef>
-          <a:effectRef idx="1">
-            <a:schemeClr val="accent5"/>
-          </a:effectRef>
-          <a:fontRef idx="minor">
-            <a:schemeClr val="dk1"/>
-          </a:fontRef>
-        </p:style>
-        <p:txBody>
-          <a:bodyPr rtlCol="0" anchor="ctr"/>
-          <a:lstStyle/>
-          <a:p>
-            <a:pPr algn="ctr"/>
-            <a:r>
-              <a:rPr lang="fr-FR" dirty="0">
-                <a:solidFill>
-                  <a:prstClr val="black"/>
-                </a:solidFill>
-              </a:rPr>
-              <a:t>Système conçu</a:t>
-            </a:r>
-          </a:p>
-        </p:txBody>
-      </p:sp>
-      <p:sp>
-        <p:nvSpPr>
-          <p:cNvPr id="17" name="ZoneTexte 16"/>
-          <p:cNvSpPr txBox="1"/>
-          <p:nvPr/>
-        </p:nvSpPr>
-        <p:spPr>
-          <a:xfrm>
-            <a:off x="6054788" y="1807966"/>
-            <a:ext cx="1469540" cy="646331"/>
-          </a:xfrm>
-          <a:prstGeom prst="rect">
-            <a:avLst/>
-          </a:prstGeom>
-          <a:noFill/>
-        </p:spPr>
-        <p:txBody>
-          <a:bodyPr wrap="square" rtlCol="0">
-            <a:spAutoFit/>
-          </a:bodyPr>
-          <a:lstStyle/>
-          <a:p>
-            <a:pPr algn="ctr"/>
-            <a:r>
-              <a:rPr lang="fr-FR" dirty="0">
-                <a:solidFill>
-                  <a:prstClr val="black"/>
-                </a:solidFill>
-              </a:rPr>
-              <a:t>Service </a:t>
-            </a:r>
-          </a:p>
-          <a:p>
-            <a:pPr algn="ctr"/>
-            <a:r>
-              <a:rPr lang="fr-FR" dirty="0">
-                <a:solidFill>
-                  <a:prstClr val="black"/>
-                </a:solidFill>
-              </a:rPr>
-              <a:t>attendu</a:t>
-            </a:r>
-          </a:p>
-        </p:txBody>
-      </p:sp>
-      <p:sp>
-        <p:nvSpPr>
-          <p:cNvPr id="18" name="ZoneTexte 17"/>
-          <p:cNvSpPr txBox="1"/>
-          <p:nvPr/>
-        </p:nvSpPr>
-        <p:spPr>
-          <a:xfrm>
-            <a:off x="6054788" y="3815684"/>
-            <a:ext cx="1469540" cy="646331"/>
-          </a:xfrm>
-          <a:prstGeom prst="rect">
-            <a:avLst/>
-          </a:prstGeom>
-          <a:noFill/>
-        </p:spPr>
-        <p:txBody>
-          <a:bodyPr wrap="square" rtlCol="0">
-            <a:spAutoFit/>
-          </a:bodyPr>
-          <a:lstStyle/>
-          <a:p>
-            <a:pPr algn="ctr"/>
-            <a:r>
-              <a:rPr lang="fr-FR" dirty="0">
-                <a:solidFill>
-                  <a:prstClr val="black"/>
-                </a:solidFill>
-              </a:rPr>
-              <a:t>Service </a:t>
-            </a:r>
-          </a:p>
-          <a:p>
-            <a:pPr algn="ctr"/>
-            <a:r>
-              <a:rPr lang="fr-FR" dirty="0">
-                <a:solidFill>
-                  <a:prstClr val="black"/>
-                </a:solidFill>
-              </a:rPr>
-              <a:t>réalisé</a:t>
-            </a:r>
-          </a:p>
-        </p:txBody>
-      </p:sp>
-      <p:sp>
-        <p:nvSpPr>
-          <p:cNvPr id="19" name="ZoneTexte 18"/>
-          <p:cNvSpPr txBox="1"/>
-          <p:nvPr/>
-        </p:nvSpPr>
-        <p:spPr>
-          <a:xfrm>
-            <a:off x="6054788" y="5730093"/>
-            <a:ext cx="1469540" cy="646331"/>
-          </a:xfrm>
-          <a:prstGeom prst="rect">
-            <a:avLst/>
-          </a:prstGeom>
-          <a:noFill/>
-        </p:spPr>
-        <p:txBody>
-          <a:bodyPr wrap="square" rtlCol="0">
-            <a:spAutoFit/>
-          </a:bodyPr>
-          <a:lstStyle/>
-          <a:p>
-            <a:pPr algn="ctr"/>
-            <a:r>
-              <a:rPr lang="fr-FR" dirty="0">
-                <a:solidFill>
-                  <a:prstClr val="black"/>
-                </a:solidFill>
-              </a:rPr>
-              <a:t>Service </a:t>
-            </a:r>
-          </a:p>
-          <a:p>
-            <a:pPr algn="ctr"/>
-            <a:r>
-              <a:rPr lang="fr-FR" dirty="0">
-                <a:solidFill>
-                  <a:prstClr val="black"/>
-                </a:solidFill>
-              </a:rPr>
-              <a:t>simulé</a:t>
-            </a:r>
-          </a:p>
-        </p:txBody>
-      </p:sp>
-      <p:sp>
-        <p:nvSpPr>
-          <p:cNvPr id="7" name="Double flèche verticale 6"/>
-          <p:cNvSpPr/>
-          <p:nvPr/>
-        </p:nvSpPr>
-        <p:spPr>
-          <a:xfrm>
-            <a:off x="6572264" y="4572008"/>
-            <a:ext cx="504056" cy="1106764"/>
-          </a:xfrm>
-          <a:prstGeom prst="upDownArrow">
-            <a:avLst/>
-          </a:prstGeom>
-        </p:spPr>
-        <p:style>
-          <a:lnRef idx="2">
-            <a:schemeClr val="accent1">
-              <a:shade val="50000"/>
-            </a:schemeClr>
-          </a:lnRef>
-          <a:fillRef idx="1">
-            <a:schemeClr val="accent1"/>
-          </a:fillRef>
-          <a:effectRef idx="0">
-            <a:schemeClr val="accent1"/>
-          </a:effectRef>
-          <a:fontRef idx="minor">
-            <a:schemeClr val="lt1"/>
-          </a:fontRef>
-        </p:style>
-        <p:txBody>
-          <a:bodyPr rtlCol="0" anchor="ctr"/>
-          <a:lstStyle/>
-          <a:p>
-            <a:pPr algn="ctr"/>
-            <a:endParaRPr lang="fr-FR" sz="500" dirty="0">
-              <a:solidFill>
-                <a:prstClr val="white"/>
-              </a:solidFill>
-            </a:endParaRPr>
-          </a:p>
-        </p:txBody>
-      </p:sp>
-      <p:sp>
-        <p:nvSpPr>
-          <p:cNvPr id="21" name="Double flèche verticale 20"/>
-          <p:cNvSpPr/>
-          <p:nvPr/>
-        </p:nvSpPr>
-        <p:spPr>
-          <a:xfrm>
-            <a:off x="6572264" y="2643182"/>
-            <a:ext cx="504056" cy="1106764"/>
-          </a:xfrm>
-          <a:prstGeom prst="upDownArrow">
-            <a:avLst/>
-          </a:prstGeom>
-          <a:solidFill>
-            <a:schemeClr val="accent1">
-              <a:lumMod val="20000"/>
-              <a:lumOff val="80000"/>
-            </a:schemeClr>
-          </a:solidFill>
-          <a:ln>
-            <a:solidFill>
-              <a:schemeClr val="accent1">
-                <a:lumMod val="60000"/>
-                <a:lumOff val="40000"/>
-              </a:schemeClr>
-            </a:solidFill>
-          </a:ln>
-        </p:spPr>
-        <p:style>
-          <a:lnRef idx="2">
-            <a:schemeClr val="accent1">
-              <a:shade val="50000"/>
-            </a:schemeClr>
-          </a:lnRef>
-          <a:fillRef idx="1">
-            <a:schemeClr val="accent1"/>
-          </a:fillRef>
-          <a:effectRef idx="0">
-            <a:schemeClr val="accent1"/>
-          </a:effectRef>
-          <a:fontRef idx="minor">
-            <a:schemeClr val="lt1"/>
-          </a:fontRef>
-        </p:style>
-        <p:txBody>
-          <a:bodyPr rtlCol="0" anchor="ctr"/>
-          <a:lstStyle/>
-          <a:p>
-            <a:pPr algn="ctr"/>
-            <a:endParaRPr lang="fr-FR" sz="500" dirty="0">
-              <a:solidFill>
-                <a:prstClr val="white"/>
-              </a:solidFill>
-            </a:endParaRPr>
-          </a:p>
-        </p:txBody>
-      </p:sp>
-      <p:sp>
-        <p:nvSpPr>
-          <p:cNvPr id="22" name="Double flèche verticale 21"/>
-          <p:cNvSpPr/>
-          <p:nvPr/>
-        </p:nvSpPr>
-        <p:spPr>
-          <a:xfrm>
-            <a:off x="7524328" y="2181856"/>
-            <a:ext cx="504056" cy="3913986"/>
-          </a:xfrm>
-          <a:prstGeom prst="upDownArrow">
-            <a:avLst/>
-          </a:prstGeom>
-          <a:solidFill>
-            <a:schemeClr val="accent1">
-              <a:lumMod val="20000"/>
-              <a:lumOff val="80000"/>
-            </a:schemeClr>
-          </a:solidFill>
-          <a:ln>
-            <a:solidFill>
-              <a:schemeClr val="accent1">
-                <a:lumMod val="60000"/>
-                <a:lumOff val="40000"/>
-              </a:schemeClr>
-            </a:solidFill>
-          </a:ln>
-        </p:spPr>
-        <p:style>
-          <a:lnRef idx="2">
-            <a:schemeClr val="accent1">
-              <a:shade val="50000"/>
-            </a:schemeClr>
-          </a:lnRef>
-          <a:fillRef idx="1">
-            <a:schemeClr val="accent1"/>
-          </a:fillRef>
-          <a:effectRef idx="0">
-            <a:schemeClr val="accent1"/>
-          </a:effectRef>
-          <a:fontRef idx="minor">
-            <a:schemeClr val="lt1"/>
-          </a:fontRef>
-        </p:style>
-        <p:txBody>
-          <a:bodyPr rtlCol="0" anchor="ctr"/>
-          <a:lstStyle/>
-          <a:p>
-            <a:pPr algn="ctr"/>
-            <a:endParaRPr lang="fr-FR" sz="500" dirty="0">
-              <a:solidFill>
-                <a:prstClr val="white"/>
-              </a:solidFill>
-            </a:endParaRPr>
-          </a:p>
-        </p:txBody>
-      </p:sp>
-      <p:sp>
-        <p:nvSpPr>
-          <p:cNvPr id="23" name="ZoneTexte 22"/>
-          <p:cNvSpPr txBox="1"/>
-          <p:nvPr/>
-        </p:nvSpPr>
-        <p:spPr>
-          <a:xfrm rot="16200000">
-            <a:off x="5282735" y="2945424"/>
-            <a:ext cx="1944216" cy="400110"/>
-          </a:xfrm>
-          <a:prstGeom prst="rect">
-            <a:avLst/>
-          </a:prstGeom>
-          <a:noFill/>
-        </p:spPr>
-        <p:txBody>
-          <a:bodyPr wrap="square" rtlCol="0">
-            <a:spAutoFit/>
-          </a:bodyPr>
-          <a:lstStyle/>
-          <a:p>
-            <a:pPr algn="ctr"/>
-            <a:r>
-              <a:rPr lang="fr-FR" sz="2000" b="1" dirty="0">
-                <a:solidFill>
-                  <a:srgbClr val="FF0000"/>
-                </a:solidFill>
-              </a:rPr>
-              <a:t>Ecart 1</a:t>
-            </a:r>
-          </a:p>
-        </p:txBody>
-      </p:sp>
-      <p:sp>
-        <p:nvSpPr>
-          <p:cNvPr id="24" name="ZoneTexte 23"/>
-          <p:cNvSpPr txBox="1"/>
-          <p:nvPr/>
-        </p:nvSpPr>
-        <p:spPr>
-          <a:xfrm rot="16200000">
-            <a:off x="5282294" y="4923679"/>
-            <a:ext cx="1944216" cy="400110"/>
-          </a:xfrm>
-          <a:prstGeom prst="rect">
-            <a:avLst/>
-          </a:prstGeom>
-          <a:noFill/>
-        </p:spPr>
-        <p:txBody>
-          <a:bodyPr wrap="square" rtlCol="0">
-            <a:spAutoFit/>
-          </a:bodyPr>
-          <a:lstStyle/>
-          <a:p>
-            <a:pPr algn="ctr"/>
-            <a:r>
-              <a:rPr lang="fr-FR" sz="2000" b="1" dirty="0">
-                <a:solidFill>
-                  <a:srgbClr val="FF0000"/>
-                </a:solidFill>
-              </a:rPr>
-              <a:t>Ecart 2</a:t>
-            </a:r>
-          </a:p>
-        </p:txBody>
-      </p:sp>
-      <p:sp>
-        <p:nvSpPr>
-          <p:cNvPr id="25" name="ZoneTexte 24"/>
-          <p:cNvSpPr txBox="1"/>
-          <p:nvPr/>
-        </p:nvSpPr>
-        <p:spPr>
-          <a:xfrm rot="16200000">
-            <a:off x="7072245" y="3938794"/>
-            <a:ext cx="1944216" cy="400110"/>
-          </a:xfrm>
-          <a:prstGeom prst="rect">
-            <a:avLst/>
-          </a:prstGeom>
-          <a:noFill/>
-        </p:spPr>
-        <p:txBody>
-          <a:bodyPr wrap="square" rtlCol="0">
-            <a:spAutoFit/>
-          </a:bodyPr>
-          <a:lstStyle/>
-          <a:p>
-            <a:pPr algn="ctr"/>
-            <a:r>
-              <a:rPr lang="fr-FR" sz="2000" b="1" dirty="0">
-                <a:solidFill>
-                  <a:srgbClr val="FF0000"/>
-                </a:solidFill>
-              </a:rPr>
-              <a:t>Ecart 3</a:t>
-            </a:r>
-          </a:p>
-        </p:txBody>
-      </p:sp>
-    </p:spTree>
-    <p:extLst>
-      <p:ext uri="{BB962C8B-B14F-4D97-AF65-F5344CB8AC3E}">
-        <p14:creationId xmlns:p14="http://schemas.microsoft.com/office/powerpoint/2010/main" val="347518600"/>
       </p:ext>
     </p:extLst>
   </p:cSld>

--- a/Ressources/Ecarts.pptx
+++ b/Ressources/Ecarts.pptx
@@ -114,6 +114,22 @@
       </a:defRPr>
     </a:lvl9pPr>
   </p:defaultTextStyle>
+  <p:extLst>
+    <p:ext uri="{EFAFB233-063F-42B5-8137-9DF3F51BA10A}">
+      <p15:sldGuideLst xmlns:p15="http://schemas.microsoft.com/office/powerpoint/2012/main">
+        <p15:guide id="1" orient="horz" pos="2160">
+          <p15:clr>
+            <a:srgbClr val="A4A3A4"/>
+          </p15:clr>
+        </p15:guide>
+        <p15:guide id="2" pos="2880">
+          <p15:clr>
+            <a:srgbClr val="A4A3A4"/>
+          </p15:clr>
+        </p15:guide>
+      </p15:sldGuideLst>
+    </p:ext>
+  </p:extLst>
 </p:presentation>
 </file>
 
@@ -901,10 +917,9 @@
         <a:lstStyle/>
         <a:p>
           <a:r>
-            <a:rPr lang="fr-FR" sz="1200" dirty="0" smtClean="0"/>
+            <a:rPr lang="fr-FR" sz="1200" dirty="0"/>
             <a:t>Compétences</a:t>
           </a:r>
-          <a:endParaRPr lang="fr-FR" sz="1200" dirty="0"/>
         </a:p>
       </dgm:t>
     </dgm:pt>
@@ -953,7 +968,7 @@
         <a:lstStyle/>
         <a:p>
           <a:r>
-            <a:rPr lang="fr-FR" sz="1200" dirty="0" smtClean="0"/>
+            <a:rPr lang="fr-FR" sz="1200" dirty="0"/>
             <a:t>Concevoir</a:t>
           </a:r>
         </a:p>
@@ -1019,10 +1034,9 @@
         <a:lstStyle/>
         <a:p>
           <a:r>
-            <a:rPr lang="fr-FR" sz="1200" dirty="0" smtClean="0"/>
+            <a:rPr lang="fr-FR" sz="1200" dirty="0"/>
             <a:t>Réaliser</a:t>
           </a:r>
-          <a:endParaRPr lang="fr-FR" sz="1200" dirty="0"/>
         </a:p>
       </dgm:t>
     </dgm:pt>
@@ -1067,13 +1081,13 @@
       <dgm:prSet phldrT="[Texte]" custT="1">
         <dgm:style>
           <a:lnRef idx="1">
-            <a:schemeClr val="accent3"/>
+            <a:schemeClr val="accent6"/>
           </a:lnRef>
           <a:fillRef idx="2">
-            <a:schemeClr val="accent3"/>
+            <a:schemeClr val="accent6"/>
           </a:fillRef>
           <a:effectRef idx="1">
-            <a:schemeClr val="accent3"/>
+            <a:schemeClr val="accent6"/>
           </a:effectRef>
           <a:fontRef idx="minor">
             <a:schemeClr val="dk1"/>
@@ -1086,10 +1100,9 @@
         <a:lstStyle/>
         <a:p>
           <a:r>
-            <a:rPr lang="fr-FR" sz="1200" dirty="0" smtClean="0"/>
+            <a:rPr lang="fr-FR" sz="1200" dirty="0"/>
             <a:t>Expérimenter</a:t>
           </a:r>
-          <a:endParaRPr lang="fr-FR" sz="1200" dirty="0"/>
         </a:p>
       </dgm:t>
     </dgm:pt>
@@ -1097,13 +1110,13 @@
       <dgm:prSet custT="1">
         <dgm:style>
           <a:lnRef idx="1">
-            <a:schemeClr val="accent3"/>
+            <a:schemeClr val="accent6"/>
           </a:lnRef>
           <a:fillRef idx="2">
-            <a:schemeClr val="accent3"/>
+            <a:schemeClr val="accent6"/>
           </a:fillRef>
           <a:effectRef idx="1">
-            <a:schemeClr val="accent3"/>
+            <a:schemeClr val="accent6"/>
           </a:effectRef>
           <a:fontRef idx="minor">
             <a:schemeClr val="dk1"/>
@@ -1134,13 +1147,13 @@
       <dgm:prSet phldrT="[Texte]" custT="1">
         <dgm:style>
           <a:lnRef idx="1">
-            <a:schemeClr val="accent3"/>
+            <a:schemeClr val="accent6"/>
           </a:lnRef>
           <a:fillRef idx="2">
-            <a:schemeClr val="accent3"/>
+            <a:schemeClr val="accent6"/>
           </a:fillRef>
           <a:effectRef idx="1">
-            <a:schemeClr val="accent3"/>
+            <a:schemeClr val="accent6"/>
           </a:effectRef>
           <a:fontRef idx="minor">
             <a:schemeClr val="dk1"/>
@@ -1153,7 +1166,7 @@
         <a:lstStyle/>
         <a:p>
           <a:r>
-            <a:rPr lang="fr-FR" sz="1200" dirty="0" smtClean="0"/>
+            <a:rPr lang="fr-FR" sz="1200" dirty="0"/>
             <a:t>Communiquer</a:t>
           </a:r>
         </a:p>
@@ -1163,13 +1176,13 @@
       <dgm:prSet custT="1">
         <dgm:style>
           <a:lnRef idx="1">
-            <a:schemeClr val="accent3"/>
+            <a:schemeClr val="accent6"/>
           </a:lnRef>
           <a:fillRef idx="2">
-            <a:schemeClr val="accent3"/>
+            <a:schemeClr val="accent6"/>
           </a:fillRef>
           <a:effectRef idx="1">
-            <a:schemeClr val="accent3"/>
+            <a:schemeClr val="accent6"/>
           </a:effectRef>
           <a:fontRef idx="minor">
             <a:schemeClr val="dk1"/>
@@ -1220,7 +1233,7 @@
         <a:p>
           <a:pPr algn="ctr"/>
           <a:r>
-            <a:rPr lang="fr-FR" sz="1200" dirty="0" smtClean="0"/>
+            <a:rPr lang="fr-FR" sz="1200" dirty="0"/>
             <a:t>Analyser</a:t>
           </a:r>
         </a:p>
@@ -1267,13 +1280,13 @@
       <dgm:prSet phldrT="[Texte]" custT="1">
         <dgm:style>
           <a:lnRef idx="1">
-            <a:schemeClr val="accent1"/>
+            <a:schemeClr val="accent3"/>
           </a:lnRef>
           <a:fillRef idx="2">
-            <a:schemeClr val="accent1"/>
+            <a:schemeClr val="accent3"/>
           </a:fillRef>
           <a:effectRef idx="1">
-            <a:schemeClr val="accent1"/>
+            <a:schemeClr val="accent3"/>
           </a:effectRef>
           <a:fontRef idx="minor">
             <a:schemeClr val="dk1"/>
@@ -1286,7 +1299,7 @@
         <a:lstStyle/>
         <a:p>
           <a:r>
-            <a:rPr lang="fr-FR" sz="1200" dirty="0" smtClean="0"/>
+            <a:rPr lang="fr-FR" sz="1200" dirty="0"/>
             <a:t>Modéliser</a:t>
           </a:r>
         </a:p>
@@ -1296,13 +1309,13 @@
       <dgm:prSet custT="1">
         <dgm:style>
           <a:lnRef idx="1">
-            <a:schemeClr val="accent1"/>
+            <a:schemeClr val="accent3"/>
           </a:lnRef>
           <a:fillRef idx="2">
-            <a:schemeClr val="accent1"/>
+            <a:schemeClr val="accent3"/>
           </a:fillRef>
           <a:effectRef idx="1">
-            <a:schemeClr val="accent1"/>
+            <a:schemeClr val="accent3"/>
           </a:effectRef>
           <a:fontRef idx="minor">
             <a:schemeClr val="dk1"/>
@@ -1333,13 +1346,13 @@
       <dgm:prSet phldrT="[Texte]" custT="1">
         <dgm:style>
           <a:lnRef idx="1">
-            <a:schemeClr val="accent1"/>
+            <a:schemeClr val="accent3"/>
           </a:lnRef>
           <a:fillRef idx="2">
-            <a:schemeClr val="accent1"/>
+            <a:schemeClr val="accent3"/>
           </a:fillRef>
           <a:effectRef idx="1">
-            <a:schemeClr val="accent1"/>
+            <a:schemeClr val="accent3"/>
           </a:effectRef>
           <a:fontRef idx="minor">
             <a:schemeClr val="dk1"/>
@@ -1351,8 +1364,9 @@
         <a:bodyPr/>
         <a:lstStyle/>
         <a:p>
+          <a:pPr algn="ctr"/>
           <a:r>
-            <a:rPr lang="fr-FR" sz="1200" dirty="0" smtClean="0"/>
+            <a:rPr lang="fr-FR" sz="1200" dirty="0"/>
             <a:t>Résoudre</a:t>
           </a:r>
         </a:p>
@@ -1362,13 +1376,13 @@
       <dgm:prSet custT="1">
         <dgm:style>
           <a:lnRef idx="1">
-            <a:schemeClr val="accent1"/>
+            <a:schemeClr val="accent3"/>
           </a:lnRef>
           <a:fillRef idx="2">
-            <a:schemeClr val="accent1"/>
+            <a:schemeClr val="accent3"/>
           </a:fillRef>
           <a:effectRef idx="1">
-            <a:schemeClr val="accent1"/>
+            <a:schemeClr val="accent3"/>
           </a:effectRef>
           <a:fontRef idx="minor">
             <a:schemeClr val="dk1"/>
@@ -1405,46 +1419,18 @@
         </dgm:presLayoutVars>
       </dgm:prSet>
       <dgm:spPr/>
-      <dgm:t>
-        <a:bodyPr/>
-        <a:lstStyle/>
-        <a:p>
-          <a:endParaRPr lang="fr-FR"/>
-        </a:p>
-      </dgm:t>
     </dgm:pt>
     <dgm:pt modelId="{DF09870F-F5ED-4920-B7E1-9F0D91D7F1CD}" type="pres">
       <dgm:prSet presAssocID="{CC7A09D6-CF51-4503-A499-AEF2F86A612F}" presName="centerShape" presStyleLbl="node0" presStyleIdx="0" presStyleCnt="1" custScaleY="46828"/>
       <dgm:spPr/>
-      <dgm:t>
-        <a:bodyPr/>
-        <a:lstStyle/>
-        <a:p>
-          <a:endParaRPr lang="fr-FR"/>
-        </a:p>
-      </dgm:t>
     </dgm:pt>
     <dgm:pt modelId="{A2FC416A-EBC7-46CE-8A00-5E59C50D8257}" type="pres">
       <dgm:prSet presAssocID="{5E9DFCFE-8035-47FF-8737-041E4392E51E}" presName="parTrans" presStyleLbl="sibTrans2D1" presStyleIdx="0" presStyleCnt="7"/>
       <dgm:spPr/>
-      <dgm:t>
-        <a:bodyPr/>
-        <a:lstStyle/>
-        <a:p>
-          <a:endParaRPr lang="fr-FR"/>
-        </a:p>
-      </dgm:t>
     </dgm:pt>
     <dgm:pt modelId="{C36A42E1-BA91-4E47-B26A-022A82C87076}" type="pres">
       <dgm:prSet presAssocID="{5E9DFCFE-8035-47FF-8737-041E4392E51E}" presName="connectorText" presStyleLbl="sibTrans2D1" presStyleIdx="0" presStyleCnt="7"/>
       <dgm:spPr/>
-      <dgm:t>
-        <a:bodyPr/>
-        <a:lstStyle/>
-        <a:p>
-          <a:endParaRPr lang="fr-FR"/>
-        </a:p>
-      </dgm:t>
     </dgm:pt>
     <dgm:pt modelId="{15FE29C2-5BA5-4DFC-BAC0-77F2915FA520}" type="pres">
       <dgm:prSet presAssocID="{D15BCD82-54F2-4B53-AD5B-FCD43A008746}" presName="node" presStyleLbl="node1" presStyleIdx="0" presStyleCnt="7" custScaleY="37304" custRadScaleRad="75157" custRadScaleInc="3491">
@@ -1453,35 +1439,14 @@
         </dgm:presLayoutVars>
       </dgm:prSet>
       <dgm:spPr/>
-      <dgm:t>
-        <a:bodyPr/>
-        <a:lstStyle/>
-        <a:p>
-          <a:endParaRPr lang="fr-FR"/>
-        </a:p>
-      </dgm:t>
     </dgm:pt>
     <dgm:pt modelId="{B1A927CB-9F4B-4F29-AD07-9974F3A6F2F9}" type="pres">
       <dgm:prSet presAssocID="{FC2CD8C7-22DE-4FD8-BE5C-B5EFF3818DD1}" presName="parTrans" presStyleLbl="sibTrans2D1" presStyleIdx="1" presStyleCnt="7"/>
       <dgm:spPr/>
-      <dgm:t>
-        <a:bodyPr/>
-        <a:lstStyle/>
-        <a:p>
-          <a:endParaRPr lang="fr-FR"/>
-        </a:p>
-      </dgm:t>
     </dgm:pt>
     <dgm:pt modelId="{327B7C4E-C444-4ED2-92AB-EFA2130B78B5}" type="pres">
       <dgm:prSet presAssocID="{FC2CD8C7-22DE-4FD8-BE5C-B5EFF3818DD1}" presName="connectorText" presStyleLbl="sibTrans2D1" presStyleIdx="1" presStyleCnt="7"/>
       <dgm:spPr/>
-      <dgm:t>
-        <a:bodyPr/>
-        <a:lstStyle/>
-        <a:p>
-          <a:endParaRPr lang="fr-FR"/>
-        </a:p>
-      </dgm:t>
     </dgm:pt>
     <dgm:pt modelId="{7FD38485-6BD0-444D-A652-5E06AE00A9E5}" type="pres">
       <dgm:prSet presAssocID="{7D5AD727-B52D-4C15-8F81-ECF40C366E06}" presName="node" presStyleLbl="node1" presStyleIdx="1" presStyleCnt="7" custScaleY="45131" custRadScaleRad="101072" custRadScaleInc="39850">
@@ -1490,35 +1455,14 @@
         </dgm:presLayoutVars>
       </dgm:prSet>
       <dgm:spPr/>
-      <dgm:t>
-        <a:bodyPr/>
-        <a:lstStyle/>
-        <a:p>
-          <a:endParaRPr lang="fr-FR"/>
-        </a:p>
-      </dgm:t>
     </dgm:pt>
     <dgm:pt modelId="{56098039-CBAF-478E-849E-420E970445A4}" type="pres">
       <dgm:prSet presAssocID="{7B81B71B-46D0-4A6D-830C-D40787DA03E8}" presName="parTrans" presStyleLbl="sibTrans2D1" presStyleIdx="2" presStyleCnt="7"/>
       <dgm:spPr/>
-      <dgm:t>
-        <a:bodyPr/>
-        <a:lstStyle/>
-        <a:p>
-          <a:endParaRPr lang="fr-FR"/>
-        </a:p>
-      </dgm:t>
     </dgm:pt>
     <dgm:pt modelId="{01C07FA7-6127-46B1-A25D-7D27D71C42AE}" type="pres">
       <dgm:prSet presAssocID="{7B81B71B-46D0-4A6D-830C-D40787DA03E8}" presName="connectorText" presStyleLbl="sibTrans2D1" presStyleIdx="2" presStyleCnt="7"/>
       <dgm:spPr/>
-      <dgm:t>
-        <a:bodyPr/>
-        <a:lstStyle/>
-        <a:p>
-          <a:endParaRPr lang="fr-FR"/>
-        </a:p>
-      </dgm:t>
     </dgm:pt>
     <dgm:pt modelId="{FAA93E91-15D2-48FB-9F1C-1C1D6FCB396A}" type="pres">
       <dgm:prSet presAssocID="{CCC2B308-0DFF-4091-B48B-803AE41778E3}" presName="node" presStyleLbl="node1" presStyleIdx="2" presStyleCnt="7" custScaleY="46086">
@@ -1527,35 +1471,14 @@
         </dgm:presLayoutVars>
       </dgm:prSet>
       <dgm:spPr/>
-      <dgm:t>
-        <a:bodyPr/>
-        <a:lstStyle/>
-        <a:p>
-          <a:endParaRPr lang="fr-FR"/>
-        </a:p>
-      </dgm:t>
     </dgm:pt>
     <dgm:pt modelId="{1DFFE085-0465-4C9C-91D0-B8BC9794280B}" type="pres">
       <dgm:prSet presAssocID="{DB17F1C1-8100-4A84-9268-85BC9401DCC5}" presName="parTrans" presStyleLbl="sibTrans2D1" presStyleIdx="3" presStyleCnt="7"/>
       <dgm:spPr/>
-      <dgm:t>
-        <a:bodyPr/>
-        <a:lstStyle/>
-        <a:p>
-          <a:endParaRPr lang="fr-FR"/>
-        </a:p>
-      </dgm:t>
     </dgm:pt>
     <dgm:pt modelId="{80B1C042-E483-4375-8C28-86D3502EDF84}" type="pres">
       <dgm:prSet presAssocID="{DB17F1C1-8100-4A84-9268-85BC9401DCC5}" presName="connectorText" presStyleLbl="sibTrans2D1" presStyleIdx="3" presStyleCnt="7"/>
       <dgm:spPr/>
-      <dgm:t>
-        <a:bodyPr/>
-        <a:lstStyle/>
-        <a:p>
-          <a:endParaRPr lang="fr-FR"/>
-        </a:p>
-      </dgm:t>
     </dgm:pt>
     <dgm:pt modelId="{57029F2B-C901-4E73-B66B-D494F113F112}" type="pres">
       <dgm:prSet presAssocID="{FB167E6D-95F4-486A-9684-49CF8F1EDC35}" presName="node" presStyleLbl="node1" presStyleIdx="3" presStyleCnt="7" custScaleY="38921" custRadScaleRad="87823" custRadScaleInc="-47085">
@@ -1564,35 +1487,14 @@
         </dgm:presLayoutVars>
       </dgm:prSet>
       <dgm:spPr/>
-      <dgm:t>
-        <a:bodyPr/>
-        <a:lstStyle/>
-        <a:p>
-          <a:endParaRPr lang="fr-FR"/>
-        </a:p>
-      </dgm:t>
     </dgm:pt>
     <dgm:pt modelId="{DB595E4D-B805-4A4A-88B2-DF5095B26C26}" type="pres">
       <dgm:prSet presAssocID="{3EB26ABE-F2BD-4028-99EC-F1E8582BA826}" presName="parTrans" presStyleLbl="sibTrans2D1" presStyleIdx="4" presStyleCnt="7"/>
       <dgm:spPr/>
-      <dgm:t>
-        <a:bodyPr/>
-        <a:lstStyle/>
-        <a:p>
-          <a:endParaRPr lang="fr-FR"/>
-        </a:p>
-      </dgm:t>
     </dgm:pt>
     <dgm:pt modelId="{63F394C0-7139-45BF-B22D-425E9C732477}" type="pres">
       <dgm:prSet presAssocID="{3EB26ABE-F2BD-4028-99EC-F1E8582BA826}" presName="connectorText" presStyleLbl="sibTrans2D1" presStyleIdx="4" presStyleCnt="7"/>
       <dgm:spPr/>
-      <dgm:t>
-        <a:bodyPr/>
-        <a:lstStyle/>
-        <a:p>
-          <a:endParaRPr lang="fr-FR"/>
-        </a:p>
-      </dgm:t>
     </dgm:pt>
     <dgm:pt modelId="{CDF56BA1-CC1C-4AF6-9FD5-5ECAD45B1E19}" type="pres">
       <dgm:prSet presAssocID="{AF54BFE1-C9F7-4646-9391-D6163A259868}" presName="node" presStyleLbl="node1" presStyleIdx="4" presStyleCnt="7" custScaleY="38921" custRadScaleRad="82406" custRadScaleInc="27026">
@@ -1601,35 +1503,14 @@
         </dgm:presLayoutVars>
       </dgm:prSet>
       <dgm:spPr/>
-      <dgm:t>
-        <a:bodyPr/>
-        <a:lstStyle/>
-        <a:p>
-          <a:endParaRPr lang="fr-FR"/>
-        </a:p>
-      </dgm:t>
     </dgm:pt>
     <dgm:pt modelId="{92EA049D-F3DB-461A-959D-8698A61CDADA}" type="pres">
       <dgm:prSet presAssocID="{5B9EB4C0-1E68-48AE-AF26-3DE02EFE5D06}" presName="parTrans" presStyleLbl="sibTrans2D1" presStyleIdx="5" presStyleCnt="7"/>
       <dgm:spPr/>
-      <dgm:t>
-        <a:bodyPr/>
-        <a:lstStyle/>
-        <a:p>
-          <a:endParaRPr lang="fr-FR"/>
-        </a:p>
-      </dgm:t>
     </dgm:pt>
     <dgm:pt modelId="{88188D4A-CCE1-4990-A9B4-FA0168379059}" type="pres">
       <dgm:prSet presAssocID="{5B9EB4C0-1E68-48AE-AF26-3DE02EFE5D06}" presName="connectorText" presStyleLbl="sibTrans2D1" presStyleIdx="5" presStyleCnt="7"/>
       <dgm:spPr/>
-      <dgm:t>
-        <a:bodyPr/>
-        <a:lstStyle/>
-        <a:p>
-          <a:endParaRPr lang="fr-FR"/>
-        </a:p>
-      </dgm:t>
     </dgm:pt>
     <dgm:pt modelId="{49BFCD7E-D52E-418B-850F-E0FEDBDC3C1A}" type="pres">
       <dgm:prSet presAssocID="{62C52E52-C1AD-47B5-9DB2-222920B632D5}" presName="node" presStyleLbl="node1" presStyleIdx="5" presStyleCnt="7" custScaleY="34519" custRadScaleRad="96248" custRadScaleInc="-1985">
@@ -1638,50 +1519,22 @@
         </dgm:presLayoutVars>
       </dgm:prSet>
       <dgm:spPr/>
-      <dgm:t>
-        <a:bodyPr/>
-        <a:lstStyle/>
-        <a:p>
-          <a:endParaRPr lang="fr-FR"/>
-        </a:p>
-      </dgm:t>
     </dgm:pt>
     <dgm:pt modelId="{D73A92E1-6647-4ED8-BAB6-78EC34CB8AD1}" type="pres">
       <dgm:prSet presAssocID="{51BD329E-6830-43BB-B09C-E770653834F2}" presName="parTrans" presStyleLbl="sibTrans2D1" presStyleIdx="6" presStyleCnt="7"/>
       <dgm:spPr/>
-      <dgm:t>
-        <a:bodyPr/>
-        <a:lstStyle/>
-        <a:p>
-          <a:endParaRPr lang="fr-FR"/>
-        </a:p>
-      </dgm:t>
     </dgm:pt>
     <dgm:pt modelId="{644D3658-E40F-435C-8159-E49BEEDB7CAC}" type="pres">
       <dgm:prSet presAssocID="{51BD329E-6830-43BB-B09C-E770653834F2}" presName="connectorText" presStyleLbl="sibTrans2D1" presStyleIdx="6" presStyleCnt="7"/>
       <dgm:spPr/>
-      <dgm:t>
-        <a:bodyPr/>
-        <a:lstStyle/>
-        <a:p>
-          <a:endParaRPr lang="fr-FR"/>
-        </a:p>
-      </dgm:t>
     </dgm:pt>
     <dgm:pt modelId="{0898BD1C-0D41-48F1-BA11-A3086BB4EAB8}" type="pres">
-      <dgm:prSet presAssocID="{429AED82-4220-4FA6-BFD1-9BFC6D52522A}" presName="node" presStyleLbl="node1" presStyleIdx="6" presStyleCnt="7" custScaleY="44898" custRadScaleRad="95987" custRadScaleInc="-33229">
+      <dgm:prSet presAssocID="{429AED82-4220-4FA6-BFD1-9BFC6D52522A}" presName="node" presStyleLbl="node1" presStyleIdx="6" presStyleCnt="7" custScaleY="44898" custRadScaleRad="99019" custRadScaleInc="-54855">
         <dgm:presLayoutVars>
           <dgm:bulletEnabled val="1"/>
         </dgm:presLayoutVars>
       </dgm:prSet>
       <dgm:spPr/>
-      <dgm:t>
-        <a:bodyPr/>
-        <a:lstStyle/>
-        <a:p>
-          <a:endParaRPr lang="fr-FR"/>
-        </a:p>
-      </dgm:t>
     </dgm:pt>
   </dgm:ptLst>
   <dgm:cxnLst>
@@ -1829,7 +1682,7 @@
         </a:bodyPr>
         <a:lstStyle/>
         <a:p>
-          <a:pPr lvl="0" algn="ctr" defTabSz="533400">
+          <a:pPr marL="0" lvl="0" indent="0" algn="ctr" defTabSz="533400">
             <a:lnSpc>
               <a:spcPct val="90000"/>
             </a:lnSpc>
@@ -1839,12 +1692,12 @@
             <a:spcAft>
               <a:spcPct val="35000"/>
             </a:spcAft>
+            <a:buNone/>
           </a:pPr>
           <a:r>
-            <a:rPr lang="fr-FR" sz="1200" kern="1200" dirty="0" smtClean="0"/>
+            <a:rPr lang="fr-FR" sz="1200" kern="1200" dirty="0"/>
             <a:t>Compétences</a:t>
           </a:r>
-          <a:endParaRPr lang="fr-FR" sz="1200" kern="1200" dirty="0"/>
         </a:p>
       </dsp:txBody>
       <dsp:txXfrm>
@@ -1927,7 +1780,7 @@
         </a:bodyPr>
         <a:lstStyle/>
         <a:p>
-          <a:pPr lvl="0" algn="ctr" defTabSz="533400">
+          <a:pPr marL="0" lvl="0" indent="0" algn="ctr" defTabSz="533400">
             <a:lnSpc>
               <a:spcPct val="90000"/>
             </a:lnSpc>
@@ -1937,6 +1790,7 @@
             <a:spcAft>
               <a:spcPct val="35000"/>
             </a:spcAft>
+            <a:buNone/>
           </a:pPr>
           <a:endParaRPr lang="fr-FR" sz="1200" kern="1200"/>
         </a:p>
@@ -2018,7 +1872,7 @@
         </a:bodyPr>
         <a:lstStyle/>
         <a:p>
-          <a:pPr lvl="0" algn="ctr" defTabSz="533400">
+          <a:pPr marL="0" lvl="0" indent="0" algn="ctr" defTabSz="533400">
             <a:lnSpc>
               <a:spcPct val="90000"/>
             </a:lnSpc>
@@ -2028,9 +1882,10 @@
             <a:spcAft>
               <a:spcPct val="35000"/>
             </a:spcAft>
+            <a:buNone/>
           </a:pPr>
           <a:r>
-            <a:rPr lang="fr-FR" sz="1200" kern="1200" dirty="0" smtClean="0"/>
+            <a:rPr lang="fr-FR" sz="1200" kern="1200" dirty="0"/>
             <a:t>Concevoir</a:t>
           </a:r>
         </a:p>
@@ -2115,7 +1970,7 @@
         </a:bodyPr>
         <a:lstStyle/>
         <a:p>
-          <a:pPr lvl="0" algn="ctr" defTabSz="533400">
+          <a:pPr marL="0" lvl="0" indent="0" algn="ctr" defTabSz="533400">
             <a:lnSpc>
               <a:spcPct val="90000"/>
             </a:lnSpc>
@@ -2125,6 +1980,7 @@
             <a:spcAft>
               <a:spcPct val="35000"/>
             </a:spcAft>
+            <a:buNone/>
           </a:pPr>
           <a:endParaRPr lang="fr-FR" sz="1200" kern="1200"/>
         </a:p>
@@ -2206,7 +2062,7 @@
         </a:bodyPr>
         <a:lstStyle/>
         <a:p>
-          <a:pPr lvl="0" algn="ctr" defTabSz="533400">
+          <a:pPr marL="0" lvl="0" indent="0" algn="ctr" defTabSz="533400">
             <a:lnSpc>
               <a:spcPct val="90000"/>
             </a:lnSpc>
@@ -2216,12 +2072,12 @@
             <a:spcAft>
               <a:spcPct val="35000"/>
             </a:spcAft>
+            <a:buNone/>
           </a:pPr>
           <a:r>
-            <a:rPr lang="fr-FR" sz="1200" kern="1200" dirty="0" smtClean="0"/>
+            <a:rPr lang="fr-FR" sz="1200" kern="1200" dirty="0"/>
             <a:t>Réaliser</a:t>
           </a:r>
-          <a:endParaRPr lang="fr-FR" sz="1200" kern="1200" dirty="0"/>
         </a:p>
       </dsp:txBody>
       <dsp:txXfrm>
@@ -2248,19 +2104,19 @@
         <a:gradFill rotWithShape="1">
           <a:gsLst>
             <a:gs pos="0">
-              <a:schemeClr val="accent3">
+              <a:schemeClr val="accent6">
                 <a:tint val="65000"/>
                 <a:satMod val="270000"/>
               </a:schemeClr>
             </a:gs>
             <a:gs pos="25000">
-              <a:schemeClr val="accent3">
+              <a:schemeClr val="accent6">
                 <a:tint val="60000"/>
                 <a:satMod val="300000"/>
               </a:schemeClr>
             </a:gs>
             <a:gs pos="100000">
-              <a:schemeClr val="accent3">
+              <a:schemeClr val="accent6">
                 <a:tint val="29000"/>
                 <a:satMod val="400000"/>
               </a:schemeClr>
@@ -2270,7 +2126,7 @@
         </a:gradFill>
         <a:ln w="9525" cap="flat" cmpd="sng" algn="ctr">
           <a:solidFill>
-            <a:schemeClr val="accent3">
+            <a:schemeClr val="accent6">
               <a:satMod val="150000"/>
             </a:schemeClr>
           </a:solidFill>
@@ -2286,13 +2142,13 @@
       </dsp:spPr>
       <dsp:style>
         <a:lnRef idx="1">
-          <a:schemeClr val="accent3"/>
+          <a:schemeClr val="accent6"/>
         </a:lnRef>
         <a:fillRef idx="2">
-          <a:schemeClr val="accent3"/>
+          <a:schemeClr val="accent6"/>
         </a:fillRef>
         <a:effectRef idx="1">
-          <a:schemeClr val="accent3"/>
+          <a:schemeClr val="accent6"/>
         </a:effectRef>
         <a:fontRef idx="minor">
           <a:schemeClr val="dk1"/>
@@ -2304,7 +2160,7 @@
         </a:bodyPr>
         <a:lstStyle/>
         <a:p>
-          <a:pPr lvl="0" algn="ctr" defTabSz="533400">
+          <a:pPr marL="0" lvl="0" indent="0" algn="ctr" defTabSz="533400">
             <a:lnSpc>
               <a:spcPct val="90000"/>
             </a:lnSpc>
@@ -2314,6 +2170,7 @@
             <a:spcAft>
               <a:spcPct val="35000"/>
             </a:spcAft>
+            <a:buNone/>
           </a:pPr>
           <a:endParaRPr lang="fr-FR" sz="1200" kern="1200"/>
         </a:p>
@@ -2339,19 +2196,19 @@
         <a:gradFill rotWithShape="1">
           <a:gsLst>
             <a:gs pos="0">
-              <a:schemeClr val="accent3">
+              <a:schemeClr val="accent6">
                 <a:tint val="65000"/>
                 <a:satMod val="270000"/>
               </a:schemeClr>
             </a:gs>
             <a:gs pos="25000">
-              <a:schemeClr val="accent3">
+              <a:schemeClr val="accent6">
                 <a:tint val="60000"/>
                 <a:satMod val="300000"/>
               </a:schemeClr>
             </a:gs>
             <a:gs pos="100000">
-              <a:schemeClr val="accent3">
+              <a:schemeClr val="accent6">
                 <a:tint val="29000"/>
                 <a:satMod val="400000"/>
               </a:schemeClr>
@@ -2361,7 +2218,7 @@
         </a:gradFill>
         <a:ln w="9525" cap="flat" cmpd="sng" algn="ctr">
           <a:solidFill>
-            <a:schemeClr val="accent3">
+            <a:schemeClr val="accent6">
               <a:satMod val="150000"/>
             </a:schemeClr>
           </a:solidFill>
@@ -2377,13 +2234,13 @@
       </dsp:spPr>
       <dsp:style>
         <a:lnRef idx="1">
-          <a:schemeClr val="accent3"/>
+          <a:schemeClr val="accent6"/>
         </a:lnRef>
         <a:fillRef idx="2">
-          <a:schemeClr val="accent3"/>
+          <a:schemeClr val="accent6"/>
         </a:fillRef>
         <a:effectRef idx="1">
-          <a:schemeClr val="accent3"/>
+          <a:schemeClr val="accent6"/>
         </a:effectRef>
         <a:fontRef idx="minor">
           <a:schemeClr val="dk1"/>
@@ -2395,7 +2252,7 @@
         </a:bodyPr>
         <a:lstStyle/>
         <a:p>
-          <a:pPr lvl="0" algn="ctr" defTabSz="533400">
+          <a:pPr marL="0" lvl="0" indent="0" algn="ctr" defTabSz="533400">
             <a:lnSpc>
               <a:spcPct val="90000"/>
             </a:lnSpc>
@@ -2405,12 +2262,12 @@
             <a:spcAft>
               <a:spcPct val="35000"/>
             </a:spcAft>
+            <a:buNone/>
           </a:pPr>
           <a:r>
-            <a:rPr lang="fr-FR" sz="1200" kern="1200" dirty="0" smtClean="0"/>
+            <a:rPr lang="fr-FR" sz="1200" kern="1200" dirty="0"/>
             <a:t>Expérimenter</a:t>
           </a:r>
-          <a:endParaRPr lang="fr-FR" sz="1200" kern="1200" dirty="0"/>
         </a:p>
       </dsp:txBody>
       <dsp:txXfrm>
@@ -2493,7 +2350,7 @@
         </a:bodyPr>
         <a:lstStyle/>
         <a:p>
-          <a:pPr lvl="0" algn="ctr" defTabSz="533400">
+          <a:pPr marL="0" lvl="0" indent="0" algn="ctr" defTabSz="533400">
             <a:lnSpc>
               <a:spcPct val="90000"/>
             </a:lnSpc>
@@ -2503,6 +2360,7 @@
             <a:spcAft>
               <a:spcPct val="35000"/>
             </a:spcAft>
+            <a:buNone/>
           </a:pPr>
           <a:endParaRPr lang="fr-FR" sz="1200" kern="1200"/>
         </a:p>
@@ -2584,7 +2442,7 @@
         </a:bodyPr>
         <a:lstStyle/>
         <a:p>
-          <a:pPr lvl="0" algn="ctr" defTabSz="533400">
+          <a:pPr marL="0" lvl="0" indent="0" algn="ctr" defTabSz="533400">
             <a:lnSpc>
               <a:spcPct val="90000"/>
             </a:lnSpc>
@@ -2594,9 +2452,10 @@
             <a:spcAft>
               <a:spcPct val="35000"/>
             </a:spcAft>
+            <a:buNone/>
           </a:pPr>
           <a:r>
-            <a:rPr lang="fr-FR" sz="1200" kern="1200" dirty="0" smtClean="0"/>
+            <a:rPr lang="fr-FR" sz="1200" kern="1200" dirty="0"/>
             <a:t>Analyser</a:t>
           </a:r>
         </a:p>
@@ -2615,382 +2474,6 @@
         <a:xfrm rot="7359830">
           <a:off x="2950554" y="3213944"/>
           <a:ext cx="518312" cy="516836"/>
-        </a:xfrm>
-        <a:prstGeom prst="rightArrow">
-          <a:avLst>
-            <a:gd name="adj1" fmla="val 60000"/>
-            <a:gd name="adj2" fmla="val 50000"/>
-          </a:avLst>
-        </a:prstGeom>
-        <a:gradFill rotWithShape="1">
-          <a:gsLst>
-            <a:gs pos="0">
-              <a:schemeClr val="accent1">
-                <a:tint val="65000"/>
-                <a:satMod val="270000"/>
-              </a:schemeClr>
-            </a:gs>
-            <a:gs pos="25000">
-              <a:schemeClr val="accent1">
-                <a:tint val="60000"/>
-                <a:satMod val="300000"/>
-              </a:schemeClr>
-            </a:gs>
-            <a:gs pos="100000">
-              <a:schemeClr val="accent1">
-                <a:tint val="29000"/>
-                <a:satMod val="400000"/>
-              </a:schemeClr>
-            </a:gs>
-          </a:gsLst>
-          <a:lin ang="16200000" scaled="1"/>
-        </a:gradFill>
-        <a:ln w="9525" cap="flat" cmpd="sng" algn="ctr">
-          <a:solidFill>
-            <a:schemeClr val="accent1">
-              <a:satMod val="150000"/>
-            </a:schemeClr>
-          </a:solidFill>
-          <a:prstDash val="solid"/>
-        </a:ln>
-        <a:effectLst>
-          <a:outerShdw blurRad="65500" dist="38100" dir="5400000" rotWithShape="0">
-            <a:srgbClr val="000000">
-              <a:alpha val="40000"/>
-            </a:srgbClr>
-          </a:outerShdw>
-        </a:effectLst>
-      </dsp:spPr>
-      <dsp:style>
-        <a:lnRef idx="1">
-          <a:schemeClr val="accent1"/>
-        </a:lnRef>
-        <a:fillRef idx="2">
-          <a:schemeClr val="accent1"/>
-        </a:fillRef>
-        <a:effectRef idx="1">
-          <a:schemeClr val="accent1"/>
-        </a:effectRef>
-        <a:fontRef idx="minor">
-          <a:schemeClr val="dk1"/>
-        </a:fontRef>
-      </dsp:style>
-      <dsp:txBody>
-        <a:bodyPr spcFirstLastPara="0" vert="horz" wrap="square" lIns="0" tIns="0" rIns="0" bIns="0" numCol="1" spcCol="1270" anchor="ctr" anchorCtr="0">
-          <a:noAutofit/>
-        </a:bodyPr>
-        <a:lstStyle/>
-        <a:p>
-          <a:pPr lvl="0" algn="ctr" defTabSz="533400">
-            <a:lnSpc>
-              <a:spcPct val="90000"/>
-            </a:lnSpc>
-            <a:spcBef>
-              <a:spcPct val="0"/>
-            </a:spcBef>
-            <a:spcAft>
-              <a:spcPct val="35000"/>
-            </a:spcAft>
-          </a:pPr>
-          <a:endParaRPr lang="fr-FR" sz="1200" kern="1200"/>
-        </a:p>
-      </dsp:txBody>
-      <dsp:txXfrm rot="10800000">
-        <a:off x="3069921" y="3252046"/>
-        <a:ext cx="363261" cy="310102"/>
-      </dsp:txXfrm>
-    </dsp:sp>
-    <dsp:sp modelId="{CDF56BA1-CC1C-4AF6-9FD5-5ECAD45B1E19}">
-      <dsp:nvSpPr>
-        <dsp:cNvPr id="0" name=""/>
-        <dsp:cNvSpPr/>
-      </dsp:nvSpPr>
-      <dsp:spPr>
-        <a:xfrm>
-          <a:off x="2088233" y="3888435"/>
-          <a:ext cx="1368097" cy="532477"/>
-        </a:xfrm>
-        <a:prstGeom prst="ellipse">
-          <a:avLst/>
-        </a:prstGeom>
-        <a:gradFill rotWithShape="1">
-          <a:gsLst>
-            <a:gs pos="0">
-              <a:schemeClr val="accent1">
-                <a:tint val="65000"/>
-                <a:satMod val="270000"/>
-              </a:schemeClr>
-            </a:gs>
-            <a:gs pos="25000">
-              <a:schemeClr val="accent1">
-                <a:tint val="60000"/>
-                <a:satMod val="300000"/>
-              </a:schemeClr>
-            </a:gs>
-            <a:gs pos="100000">
-              <a:schemeClr val="accent1">
-                <a:tint val="29000"/>
-                <a:satMod val="400000"/>
-              </a:schemeClr>
-            </a:gs>
-          </a:gsLst>
-          <a:lin ang="16200000" scaled="1"/>
-        </a:gradFill>
-        <a:ln w="9525" cap="flat" cmpd="sng" algn="ctr">
-          <a:solidFill>
-            <a:schemeClr val="accent1">
-              <a:satMod val="150000"/>
-            </a:schemeClr>
-          </a:solidFill>
-          <a:prstDash val="solid"/>
-        </a:ln>
-        <a:effectLst>
-          <a:outerShdw blurRad="65500" dist="38100" dir="5400000" rotWithShape="0">
-            <a:srgbClr val="000000">
-              <a:alpha val="40000"/>
-            </a:srgbClr>
-          </a:outerShdw>
-        </a:effectLst>
-      </dsp:spPr>
-      <dsp:style>
-        <a:lnRef idx="1">
-          <a:schemeClr val="accent1"/>
-        </a:lnRef>
-        <a:fillRef idx="2">
-          <a:schemeClr val="accent1"/>
-        </a:fillRef>
-        <a:effectRef idx="1">
-          <a:schemeClr val="accent1"/>
-        </a:effectRef>
-        <a:fontRef idx="minor">
-          <a:schemeClr val="dk1"/>
-        </a:fontRef>
-      </dsp:style>
-      <dsp:txBody>
-        <a:bodyPr spcFirstLastPara="0" vert="horz" wrap="square" lIns="15240" tIns="15240" rIns="15240" bIns="15240" numCol="1" spcCol="1270" anchor="ctr" anchorCtr="0">
-          <a:noAutofit/>
-        </a:bodyPr>
-        <a:lstStyle/>
-        <a:p>
-          <a:pPr lvl="0" algn="ctr" defTabSz="533400">
-            <a:lnSpc>
-              <a:spcPct val="90000"/>
-            </a:lnSpc>
-            <a:spcBef>
-              <a:spcPct val="0"/>
-            </a:spcBef>
-            <a:spcAft>
-              <a:spcPct val="35000"/>
-            </a:spcAft>
-          </a:pPr>
-          <a:r>
-            <a:rPr lang="fr-FR" sz="1200" kern="1200" dirty="0" smtClean="0"/>
-            <a:t>Modéliser</a:t>
-          </a:r>
-        </a:p>
-      </dsp:txBody>
-      <dsp:txXfrm>
-        <a:off x="2288586" y="3966414"/>
-        <a:ext cx="967391" cy="376519"/>
-      </dsp:txXfrm>
-    </dsp:sp>
-    <dsp:sp modelId="{92EA049D-F3DB-461A-959D-8698A61CDADA}">
-      <dsp:nvSpPr>
-        <dsp:cNvPr id="0" name=""/>
-        <dsp:cNvSpPr/>
-      </dsp:nvSpPr>
-      <dsp:spPr>
-        <a:xfrm rot="9997946">
-          <a:off x="2492309" y="2713066"/>
-          <a:ext cx="369814" cy="516836"/>
-        </a:xfrm>
-        <a:prstGeom prst="rightArrow">
-          <a:avLst>
-            <a:gd name="adj1" fmla="val 60000"/>
-            <a:gd name="adj2" fmla="val 50000"/>
-          </a:avLst>
-        </a:prstGeom>
-        <a:gradFill rotWithShape="1">
-          <a:gsLst>
-            <a:gs pos="0">
-              <a:schemeClr val="accent1">
-                <a:tint val="65000"/>
-                <a:satMod val="270000"/>
-              </a:schemeClr>
-            </a:gs>
-            <a:gs pos="25000">
-              <a:schemeClr val="accent1">
-                <a:tint val="60000"/>
-                <a:satMod val="300000"/>
-              </a:schemeClr>
-            </a:gs>
-            <a:gs pos="100000">
-              <a:schemeClr val="accent1">
-                <a:tint val="29000"/>
-                <a:satMod val="400000"/>
-              </a:schemeClr>
-            </a:gs>
-          </a:gsLst>
-          <a:lin ang="16200000" scaled="1"/>
-        </a:gradFill>
-        <a:ln w="9525" cap="flat" cmpd="sng" algn="ctr">
-          <a:solidFill>
-            <a:schemeClr val="accent1">
-              <a:satMod val="150000"/>
-            </a:schemeClr>
-          </a:solidFill>
-          <a:prstDash val="solid"/>
-        </a:ln>
-        <a:effectLst>
-          <a:outerShdw blurRad="65500" dist="38100" dir="5400000" rotWithShape="0">
-            <a:srgbClr val="000000">
-              <a:alpha val="40000"/>
-            </a:srgbClr>
-          </a:outerShdw>
-        </a:effectLst>
-      </dsp:spPr>
-      <dsp:style>
-        <a:lnRef idx="1">
-          <a:schemeClr val="accent1"/>
-        </a:lnRef>
-        <a:fillRef idx="2">
-          <a:schemeClr val="accent1"/>
-        </a:fillRef>
-        <a:effectRef idx="1">
-          <a:schemeClr val="accent1"/>
-        </a:effectRef>
-        <a:fontRef idx="minor">
-          <a:schemeClr val="dk1"/>
-        </a:fontRef>
-      </dsp:style>
-      <dsp:txBody>
-        <a:bodyPr spcFirstLastPara="0" vert="horz" wrap="square" lIns="0" tIns="0" rIns="0" bIns="0" numCol="1" spcCol="1270" anchor="ctr" anchorCtr="0">
-          <a:noAutofit/>
-        </a:bodyPr>
-        <a:lstStyle/>
-        <a:p>
-          <a:pPr lvl="0" algn="ctr" defTabSz="533400">
-            <a:lnSpc>
-              <a:spcPct val="90000"/>
-            </a:lnSpc>
-            <a:spcBef>
-              <a:spcPct val="0"/>
-            </a:spcBef>
-            <a:spcAft>
-              <a:spcPct val="35000"/>
-            </a:spcAft>
-          </a:pPr>
-          <a:endParaRPr lang="fr-FR" sz="1200" kern="1200"/>
-        </a:p>
-      </dsp:txBody>
-      <dsp:txXfrm rot="10800000">
-        <a:off x="2601750" y="2803608"/>
-        <a:ext cx="258870" cy="310102"/>
-      </dsp:txXfrm>
-    </dsp:sp>
-    <dsp:sp modelId="{49BFCD7E-D52E-418B-850F-E0FEDBDC3C1A}">
-      <dsp:nvSpPr>
-        <dsp:cNvPr id="0" name=""/>
-        <dsp:cNvSpPr/>
-      </dsp:nvSpPr>
-      <dsp:spPr>
-        <a:xfrm>
-          <a:off x="1080112" y="2952332"/>
-          <a:ext cx="1368097" cy="472253"/>
-        </a:xfrm>
-        <a:prstGeom prst="ellipse">
-          <a:avLst/>
-        </a:prstGeom>
-        <a:gradFill rotWithShape="1">
-          <a:gsLst>
-            <a:gs pos="0">
-              <a:schemeClr val="accent1">
-                <a:tint val="65000"/>
-                <a:satMod val="270000"/>
-              </a:schemeClr>
-            </a:gs>
-            <a:gs pos="25000">
-              <a:schemeClr val="accent1">
-                <a:tint val="60000"/>
-                <a:satMod val="300000"/>
-              </a:schemeClr>
-            </a:gs>
-            <a:gs pos="100000">
-              <a:schemeClr val="accent1">
-                <a:tint val="29000"/>
-                <a:satMod val="400000"/>
-              </a:schemeClr>
-            </a:gs>
-          </a:gsLst>
-          <a:lin ang="16200000" scaled="1"/>
-        </a:gradFill>
-        <a:ln w="9525" cap="flat" cmpd="sng" algn="ctr">
-          <a:solidFill>
-            <a:schemeClr val="accent1">
-              <a:satMod val="150000"/>
-            </a:schemeClr>
-          </a:solidFill>
-          <a:prstDash val="solid"/>
-        </a:ln>
-        <a:effectLst>
-          <a:outerShdw blurRad="65500" dist="38100" dir="5400000" rotWithShape="0">
-            <a:srgbClr val="000000">
-              <a:alpha val="40000"/>
-            </a:srgbClr>
-          </a:outerShdw>
-        </a:effectLst>
-      </dsp:spPr>
-      <dsp:style>
-        <a:lnRef idx="1">
-          <a:schemeClr val="accent1"/>
-        </a:lnRef>
-        <a:fillRef idx="2">
-          <a:schemeClr val="accent1"/>
-        </a:fillRef>
-        <a:effectRef idx="1">
-          <a:schemeClr val="accent1"/>
-        </a:effectRef>
-        <a:fontRef idx="minor">
-          <a:schemeClr val="dk1"/>
-        </a:fontRef>
-      </dsp:style>
-      <dsp:txBody>
-        <a:bodyPr spcFirstLastPara="0" vert="horz" wrap="square" lIns="15240" tIns="15240" rIns="15240" bIns="15240" numCol="1" spcCol="1270" anchor="ctr" anchorCtr="0">
-          <a:noAutofit/>
-        </a:bodyPr>
-        <a:lstStyle/>
-        <a:p>
-          <a:pPr lvl="0" algn="ctr" defTabSz="533400">
-            <a:lnSpc>
-              <a:spcPct val="90000"/>
-            </a:lnSpc>
-            <a:spcBef>
-              <a:spcPct val="0"/>
-            </a:spcBef>
-            <a:spcAft>
-              <a:spcPct val="35000"/>
-            </a:spcAft>
-          </a:pPr>
-          <a:r>
-            <a:rPr lang="fr-FR" sz="1200" kern="1200" dirty="0" smtClean="0"/>
-            <a:t>Résoudre</a:t>
-          </a:r>
-        </a:p>
-      </dsp:txBody>
-      <dsp:txXfrm>
-        <a:off x="1280465" y="3021492"/>
-        <a:ext cx="967391" cy="333933"/>
-      </dsp:txXfrm>
-    </dsp:sp>
-    <dsp:sp modelId="{D73A92E1-6647-4ED8-BAB6-78EC34CB8AD1}">
-      <dsp:nvSpPr>
-        <dsp:cNvPr id="0" name=""/>
-        <dsp:cNvSpPr/>
-      </dsp:nvSpPr>
-      <dsp:spPr>
-        <a:xfrm rot="12601610">
-          <a:off x="2568212" y="1971300"/>
-          <a:ext cx="493359" cy="516836"/>
         </a:xfrm>
         <a:prstGeom prst="rightArrow">
           <a:avLst>
@@ -3057,7 +2540,7 @@
         </a:bodyPr>
         <a:lstStyle/>
         <a:p>
-          <a:pPr lvl="0" algn="ctr" defTabSz="533400">
+          <a:pPr marL="0" lvl="0" indent="0" algn="ctr" defTabSz="533400">
             <a:lnSpc>
               <a:spcPct val="90000"/>
             </a:lnSpc>
@@ -3067,24 +2550,25 @@
             <a:spcAft>
               <a:spcPct val="35000"/>
             </a:spcAft>
+            <a:buNone/>
           </a:pPr>
           <a:endParaRPr lang="fr-FR" sz="1200" kern="1200"/>
         </a:p>
       </dsp:txBody>
       <dsp:txXfrm rot="10800000">
-        <a:off x="2706288" y="2111699"/>
-        <a:ext cx="345351" cy="310102"/>
+        <a:off x="3069921" y="3252046"/>
+        <a:ext cx="363261" cy="310102"/>
       </dsp:txXfrm>
     </dsp:sp>
-    <dsp:sp modelId="{0898BD1C-0D41-48F1-BA11-A3086BB4EAB8}">
+    <dsp:sp modelId="{CDF56BA1-CC1C-4AF6-9FD5-5ECAD45B1E19}">
       <dsp:nvSpPr>
         <dsp:cNvPr id="0" name=""/>
         <dsp:cNvSpPr/>
       </dsp:nvSpPr>
       <dsp:spPr>
         <a:xfrm>
-          <a:off x="1296144" y="1440159"/>
-          <a:ext cx="1368097" cy="614248"/>
+          <a:off x="2088233" y="3888435"/>
+          <a:ext cx="1368097" cy="532477"/>
         </a:xfrm>
         <a:prstGeom prst="ellipse">
           <a:avLst/>
@@ -3148,7 +2632,7 @@
         </a:bodyPr>
         <a:lstStyle/>
         <a:p>
-          <a:pPr lvl="0" algn="ctr" defTabSz="533400">
+          <a:pPr marL="0" lvl="0" indent="0" algn="ctr" defTabSz="533400">
             <a:lnSpc>
               <a:spcPct val="90000"/>
             </a:lnSpc>
@@ -3158,15 +2642,396 @@
             <a:spcAft>
               <a:spcPct val="35000"/>
             </a:spcAft>
+            <a:buNone/>
           </a:pPr>
           <a:r>
-            <a:rPr lang="fr-FR" sz="1200" kern="1200" dirty="0" smtClean="0"/>
+            <a:rPr lang="fr-FR" sz="1200" kern="1200" dirty="0"/>
+            <a:t>Modéliser</a:t>
+          </a:r>
+        </a:p>
+      </dsp:txBody>
+      <dsp:txXfrm>
+        <a:off x="2288586" y="3966414"/>
+        <a:ext cx="967391" cy="376519"/>
+      </dsp:txXfrm>
+    </dsp:sp>
+    <dsp:sp modelId="{92EA049D-F3DB-461A-959D-8698A61CDADA}">
+      <dsp:nvSpPr>
+        <dsp:cNvPr id="0" name=""/>
+        <dsp:cNvSpPr/>
+      </dsp:nvSpPr>
+      <dsp:spPr>
+        <a:xfrm rot="9997946">
+          <a:off x="2492309" y="2713066"/>
+          <a:ext cx="369814" cy="516836"/>
+        </a:xfrm>
+        <a:prstGeom prst="rightArrow">
+          <a:avLst>
+            <a:gd name="adj1" fmla="val 60000"/>
+            <a:gd name="adj2" fmla="val 50000"/>
+          </a:avLst>
+        </a:prstGeom>
+        <a:gradFill rotWithShape="1">
+          <a:gsLst>
+            <a:gs pos="0">
+              <a:schemeClr val="accent3">
+                <a:tint val="65000"/>
+                <a:satMod val="270000"/>
+              </a:schemeClr>
+            </a:gs>
+            <a:gs pos="25000">
+              <a:schemeClr val="accent3">
+                <a:tint val="60000"/>
+                <a:satMod val="300000"/>
+              </a:schemeClr>
+            </a:gs>
+            <a:gs pos="100000">
+              <a:schemeClr val="accent3">
+                <a:tint val="29000"/>
+                <a:satMod val="400000"/>
+              </a:schemeClr>
+            </a:gs>
+          </a:gsLst>
+          <a:lin ang="16200000" scaled="1"/>
+        </a:gradFill>
+        <a:ln w="9525" cap="flat" cmpd="sng" algn="ctr">
+          <a:solidFill>
+            <a:schemeClr val="accent3">
+              <a:satMod val="150000"/>
+            </a:schemeClr>
+          </a:solidFill>
+          <a:prstDash val="solid"/>
+        </a:ln>
+        <a:effectLst>
+          <a:outerShdw blurRad="65500" dist="38100" dir="5400000" rotWithShape="0">
+            <a:srgbClr val="000000">
+              <a:alpha val="40000"/>
+            </a:srgbClr>
+          </a:outerShdw>
+        </a:effectLst>
+      </dsp:spPr>
+      <dsp:style>
+        <a:lnRef idx="1">
+          <a:schemeClr val="accent3"/>
+        </a:lnRef>
+        <a:fillRef idx="2">
+          <a:schemeClr val="accent3"/>
+        </a:fillRef>
+        <a:effectRef idx="1">
+          <a:schemeClr val="accent3"/>
+        </a:effectRef>
+        <a:fontRef idx="minor">
+          <a:schemeClr val="dk1"/>
+        </a:fontRef>
+      </dsp:style>
+      <dsp:txBody>
+        <a:bodyPr spcFirstLastPara="0" vert="horz" wrap="square" lIns="0" tIns="0" rIns="0" bIns="0" numCol="1" spcCol="1270" anchor="ctr" anchorCtr="0">
+          <a:noAutofit/>
+        </a:bodyPr>
+        <a:lstStyle/>
+        <a:p>
+          <a:pPr marL="0" lvl="0" indent="0" algn="ctr" defTabSz="533400">
+            <a:lnSpc>
+              <a:spcPct val="90000"/>
+            </a:lnSpc>
+            <a:spcBef>
+              <a:spcPct val="0"/>
+            </a:spcBef>
+            <a:spcAft>
+              <a:spcPct val="35000"/>
+            </a:spcAft>
+            <a:buNone/>
+          </a:pPr>
+          <a:endParaRPr lang="fr-FR" sz="1200" kern="1200"/>
+        </a:p>
+      </dsp:txBody>
+      <dsp:txXfrm rot="10800000">
+        <a:off x="2601750" y="2803608"/>
+        <a:ext cx="258870" cy="310102"/>
+      </dsp:txXfrm>
+    </dsp:sp>
+    <dsp:sp modelId="{49BFCD7E-D52E-418B-850F-E0FEDBDC3C1A}">
+      <dsp:nvSpPr>
+        <dsp:cNvPr id="0" name=""/>
+        <dsp:cNvSpPr/>
+      </dsp:nvSpPr>
+      <dsp:spPr>
+        <a:xfrm>
+          <a:off x="1080112" y="2952332"/>
+          <a:ext cx="1368097" cy="472253"/>
+        </a:xfrm>
+        <a:prstGeom prst="ellipse">
+          <a:avLst/>
+        </a:prstGeom>
+        <a:gradFill rotWithShape="1">
+          <a:gsLst>
+            <a:gs pos="0">
+              <a:schemeClr val="accent3">
+                <a:tint val="65000"/>
+                <a:satMod val="270000"/>
+              </a:schemeClr>
+            </a:gs>
+            <a:gs pos="25000">
+              <a:schemeClr val="accent3">
+                <a:tint val="60000"/>
+                <a:satMod val="300000"/>
+              </a:schemeClr>
+            </a:gs>
+            <a:gs pos="100000">
+              <a:schemeClr val="accent3">
+                <a:tint val="29000"/>
+                <a:satMod val="400000"/>
+              </a:schemeClr>
+            </a:gs>
+          </a:gsLst>
+          <a:lin ang="16200000" scaled="1"/>
+        </a:gradFill>
+        <a:ln w="9525" cap="flat" cmpd="sng" algn="ctr">
+          <a:solidFill>
+            <a:schemeClr val="accent3">
+              <a:satMod val="150000"/>
+            </a:schemeClr>
+          </a:solidFill>
+          <a:prstDash val="solid"/>
+        </a:ln>
+        <a:effectLst>
+          <a:outerShdw blurRad="65500" dist="38100" dir="5400000" rotWithShape="0">
+            <a:srgbClr val="000000">
+              <a:alpha val="40000"/>
+            </a:srgbClr>
+          </a:outerShdw>
+        </a:effectLst>
+      </dsp:spPr>
+      <dsp:style>
+        <a:lnRef idx="1">
+          <a:schemeClr val="accent3"/>
+        </a:lnRef>
+        <a:fillRef idx="2">
+          <a:schemeClr val="accent3"/>
+        </a:fillRef>
+        <a:effectRef idx="1">
+          <a:schemeClr val="accent3"/>
+        </a:effectRef>
+        <a:fontRef idx="minor">
+          <a:schemeClr val="dk1"/>
+        </a:fontRef>
+      </dsp:style>
+      <dsp:txBody>
+        <a:bodyPr spcFirstLastPara="0" vert="horz" wrap="square" lIns="15240" tIns="15240" rIns="15240" bIns="15240" numCol="1" spcCol="1270" anchor="ctr" anchorCtr="0">
+          <a:noAutofit/>
+        </a:bodyPr>
+        <a:lstStyle/>
+        <a:p>
+          <a:pPr marL="0" lvl="0" indent="0" algn="ctr" defTabSz="533400">
+            <a:lnSpc>
+              <a:spcPct val="90000"/>
+            </a:lnSpc>
+            <a:spcBef>
+              <a:spcPct val="0"/>
+            </a:spcBef>
+            <a:spcAft>
+              <a:spcPct val="35000"/>
+            </a:spcAft>
+            <a:buNone/>
+          </a:pPr>
+          <a:r>
+            <a:rPr lang="fr-FR" sz="1200" kern="1200" dirty="0"/>
+            <a:t>Résoudre</a:t>
+          </a:r>
+        </a:p>
+      </dsp:txBody>
+      <dsp:txXfrm>
+        <a:off x="1280465" y="3021492"/>
+        <a:ext cx="967391" cy="333933"/>
+      </dsp:txXfrm>
+    </dsp:sp>
+    <dsp:sp modelId="{D73A92E1-6647-4ED8-BAB6-78EC34CB8AD1}">
+      <dsp:nvSpPr>
+        <dsp:cNvPr id="0" name=""/>
+        <dsp:cNvSpPr/>
+      </dsp:nvSpPr>
+      <dsp:spPr>
+        <a:xfrm rot="12267951">
+          <a:off x="2500763" y="2044228"/>
+          <a:ext cx="478921" cy="516836"/>
+        </a:xfrm>
+        <a:prstGeom prst="rightArrow">
+          <a:avLst>
+            <a:gd name="adj1" fmla="val 60000"/>
+            <a:gd name="adj2" fmla="val 50000"/>
+          </a:avLst>
+        </a:prstGeom>
+        <a:gradFill rotWithShape="1">
+          <a:gsLst>
+            <a:gs pos="0">
+              <a:schemeClr val="accent6">
+                <a:tint val="65000"/>
+                <a:satMod val="270000"/>
+              </a:schemeClr>
+            </a:gs>
+            <a:gs pos="25000">
+              <a:schemeClr val="accent6">
+                <a:tint val="60000"/>
+                <a:satMod val="300000"/>
+              </a:schemeClr>
+            </a:gs>
+            <a:gs pos="100000">
+              <a:schemeClr val="accent6">
+                <a:tint val="29000"/>
+                <a:satMod val="400000"/>
+              </a:schemeClr>
+            </a:gs>
+          </a:gsLst>
+          <a:lin ang="16200000" scaled="1"/>
+        </a:gradFill>
+        <a:ln w="9525" cap="flat" cmpd="sng" algn="ctr">
+          <a:solidFill>
+            <a:schemeClr val="accent6">
+              <a:satMod val="150000"/>
+            </a:schemeClr>
+          </a:solidFill>
+          <a:prstDash val="solid"/>
+        </a:ln>
+        <a:effectLst>
+          <a:outerShdw blurRad="65500" dist="38100" dir="5400000" rotWithShape="0">
+            <a:srgbClr val="000000">
+              <a:alpha val="40000"/>
+            </a:srgbClr>
+          </a:outerShdw>
+        </a:effectLst>
+      </dsp:spPr>
+      <dsp:style>
+        <a:lnRef idx="1">
+          <a:schemeClr val="accent6"/>
+        </a:lnRef>
+        <a:fillRef idx="2">
+          <a:schemeClr val="accent6"/>
+        </a:fillRef>
+        <a:effectRef idx="1">
+          <a:schemeClr val="accent6"/>
+        </a:effectRef>
+        <a:fontRef idx="minor">
+          <a:schemeClr val="dk1"/>
+        </a:fontRef>
+      </dsp:style>
+      <dsp:txBody>
+        <a:bodyPr spcFirstLastPara="0" vert="horz" wrap="square" lIns="0" tIns="0" rIns="0" bIns="0" numCol="1" spcCol="1270" anchor="ctr" anchorCtr="0">
+          <a:noAutofit/>
+        </a:bodyPr>
+        <a:lstStyle/>
+        <a:p>
+          <a:pPr marL="0" lvl="0" indent="0" algn="ctr" defTabSz="533400">
+            <a:lnSpc>
+              <a:spcPct val="90000"/>
+            </a:lnSpc>
+            <a:spcBef>
+              <a:spcPct val="0"/>
+            </a:spcBef>
+            <a:spcAft>
+              <a:spcPct val="35000"/>
+            </a:spcAft>
+            <a:buNone/>
+          </a:pPr>
+          <a:endParaRPr lang="fr-FR" sz="1200" kern="1200"/>
+        </a:p>
+      </dsp:txBody>
+      <dsp:txXfrm rot="10800000">
+        <a:off x="2637989" y="2177347"/>
+        <a:ext cx="335245" cy="310102"/>
+      </dsp:txXfrm>
+    </dsp:sp>
+    <dsp:sp modelId="{0898BD1C-0D41-48F1-BA11-A3086BB4EAB8}">
+      <dsp:nvSpPr>
+        <dsp:cNvPr id="0" name=""/>
+        <dsp:cNvSpPr/>
+      </dsp:nvSpPr>
+      <dsp:spPr>
+        <a:xfrm>
+          <a:off x="1152134" y="1584177"/>
+          <a:ext cx="1368097" cy="614248"/>
+        </a:xfrm>
+        <a:prstGeom prst="ellipse">
+          <a:avLst/>
+        </a:prstGeom>
+        <a:gradFill rotWithShape="1">
+          <a:gsLst>
+            <a:gs pos="0">
+              <a:schemeClr val="accent6">
+                <a:tint val="65000"/>
+                <a:satMod val="270000"/>
+              </a:schemeClr>
+            </a:gs>
+            <a:gs pos="25000">
+              <a:schemeClr val="accent6">
+                <a:tint val="60000"/>
+                <a:satMod val="300000"/>
+              </a:schemeClr>
+            </a:gs>
+            <a:gs pos="100000">
+              <a:schemeClr val="accent6">
+                <a:tint val="29000"/>
+                <a:satMod val="400000"/>
+              </a:schemeClr>
+            </a:gs>
+          </a:gsLst>
+          <a:lin ang="16200000" scaled="1"/>
+        </a:gradFill>
+        <a:ln w="9525" cap="flat" cmpd="sng" algn="ctr">
+          <a:solidFill>
+            <a:schemeClr val="accent6">
+              <a:satMod val="150000"/>
+            </a:schemeClr>
+          </a:solidFill>
+          <a:prstDash val="solid"/>
+        </a:ln>
+        <a:effectLst>
+          <a:outerShdw blurRad="65500" dist="38100" dir="5400000" rotWithShape="0">
+            <a:srgbClr val="000000">
+              <a:alpha val="40000"/>
+            </a:srgbClr>
+          </a:outerShdw>
+        </a:effectLst>
+      </dsp:spPr>
+      <dsp:style>
+        <a:lnRef idx="1">
+          <a:schemeClr val="accent6"/>
+        </a:lnRef>
+        <a:fillRef idx="2">
+          <a:schemeClr val="accent6"/>
+        </a:fillRef>
+        <a:effectRef idx="1">
+          <a:schemeClr val="accent6"/>
+        </a:effectRef>
+        <a:fontRef idx="minor">
+          <a:schemeClr val="dk1"/>
+        </a:fontRef>
+      </dsp:style>
+      <dsp:txBody>
+        <a:bodyPr spcFirstLastPara="0" vert="horz" wrap="square" lIns="15240" tIns="15240" rIns="15240" bIns="15240" numCol="1" spcCol="1270" anchor="ctr" anchorCtr="0">
+          <a:noAutofit/>
+        </a:bodyPr>
+        <a:lstStyle/>
+        <a:p>
+          <a:pPr marL="0" lvl="0" indent="0" algn="ctr" defTabSz="533400">
+            <a:lnSpc>
+              <a:spcPct val="90000"/>
+            </a:lnSpc>
+            <a:spcBef>
+              <a:spcPct val="0"/>
+            </a:spcBef>
+            <a:spcAft>
+              <a:spcPct val="35000"/>
+            </a:spcAft>
+            <a:buNone/>
+          </a:pPr>
+          <a:r>
+            <a:rPr lang="fr-FR" sz="1200" kern="1200" dirty="0"/>
             <a:t>Communiquer</a:t>
           </a:r>
         </a:p>
       </dsp:txBody>
       <dsp:txXfrm>
-        <a:off x="1496497" y="1530114"/>
+        <a:off x="1352487" y="1674132"/>
         <a:ext cx="967391" cy="434338"/>
       </dsp:txXfrm>
     </dsp:sp>
@@ -4521,13 +4386,11 @@
         <p:spPr/>
         <p:txBody>
           <a:bodyPr/>
-          <a:lstStyle>
-            <a:extLst/>
-          </a:lstStyle>
+          <a:lstStyle/>
           <a:p>
             <a:pPr algn="r"/>
             <a:r>
-              <a:rPr smtClean="0">
+              <a:rPr>
                 <a:solidFill>
                   <a:prstClr val="black">
                     <a:tint val="65000"/>
@@ -4536,13 +4399,6 @@
               </a:rPr>
               <a:t>28/6/2006</a:t>
             </a:r>
-            <a:endParaRPr>
-              <a:solidFill>
-                <a:prstClr val="black">
-                  <a:tint val="65000"/>
-                </a:prstClr>
-              </a:solidFill>
-            </a:endParaRPr>
           </a:p>
         </p:txBody>
       </p:sp>
@@ -4596,9 +4452,7 @@
         <p:spPr/>
         <p:txBody>
           <a:bodyPr/>
-          <a:lstStyle>
-            <a:extLst/>
-          </a:lstStyle>
+          <a:lstStyle/>
           <a:p>
             <a:endParaRPr/>
           </a:p>
@@ -4655,13 +4509,11 @@
         </p:spPr>
         <p:txBody>
           <a:bodyPr/>
-          <a:lstStyle>
-            <a:extLst/>
-          </a:lstStyle>
+          <a:lstStyle/>
           <a:p>
             <a:pPr eaLnBrk="1" latinLnBrk="0" hangingPunct="1"/>
             <a:r>
-              <a:rPr lang="fr-FR" smtClean="0"/>
+              <a:rPr lang="fr-FR"/>
               <a:t>Modifiez le style du titre</a:t>
             </a:r>
             <a:endParaRPr/>
@@ -4728,41 +4580,39 @@
         </p:spPr>
         <p:txBody>
           <a:bodyPr/>
-          <a:lstStyle>
-            <a:extLst/>
-          </a:lstStyle>
+          <a:lstStyle/>
           <a:p>
             <a:pPr lvl="0" eaLnBrk="1" latinLnBrk="0" hangingPunct="1"/>
             <a:r>
-              <a:rPr lang="fr-FR" smtClean="0"/>
+              <a:rPr lang="fr-FR"/>
               <a:t>Modifiez les styles du texte du masque</a:t>
             </a:r>
           </a:p>
           <a:p>
             <a:pPr lvl="1" eaLnBrk="1" latinLnBrk="0" hangingPunct="1"/>
             <a:r>
-              <a:rPr lang="fr-FR" smtClean="0"/>
+              <a:rPr lang="fr-FR"/>
               <a:t>Deuxième niveau</a:t>
             </a:r>
           </a:p>
           <a:p>
             <a:pPr lvl="2" eaLnBrk="1" latinLnBrk="0" hangingPunct="1"/>
             <a:r>
-              <a:rPr lang="fr-FR" smtClean="0"/>
+              <a:rPr lang="fr-FR"/>
               <a:t>Troisième niveau</a:t>
             </a:r>
           </a:p>
           <a:p>
             <a:pPr lvl="3" eaLnBrk="1" latinLnBrk="0" hangingPunct="1"/>
             <a:r>
-              <a:rPr lang="fr-FR" smtClean="0"/>
+              <a:rPr lang="fr-FR"/>
               <a:t>Quatrième niveau</a:t>
             </a:r>
           </a:p>
           <a:p>
             <a:pPr lvl="4" eaLnBrk="1" latinLnBrk="0" hangingPunct="1"/>
             <a:r>
-              <a:rPr lang="fr-FR" smtClean="0"/>
+              <a:rPr lang="fr-FR"/>
               <a:t>Cinquième niveau</a:t>
             </a:r>
             <a:endParaRPr/>
@@ -4829,41 +4679,39 @@
         </p:spPr>
         <p:txBody>
           <a:bodyPr/>
-          <a:lstStyle>
-            <a:extLst/>
-          </a:lstStyle>
+          <a:lstStyle/>
           <a:p>
             <a:pPr lvl="0" eaLnBrk="1" latinLnBrk="0" hangingPunct="1"/>
             <a:r>
-              <a:rPr lang="fr-FR" smtClean="0"/>
+              <a:rPr lang="fr-FR"/>
               <a:t>Modifiez les styles du texte du masque</a:t>
             </a:r>
           </a:p>
           <a:p>
             <a:pPr lvl="1" eaLnBrk="1" latinLnBrk="0" hangingPunct="1"/>
             <a:r>
-              <a:rPr lang="fr-FR" smtClean="0"/>
+              <a:rPr lang="fr-FR"/>
               <a:t>Deuxième niveau</a:t>
             </a:r>
           </a:p>
           <a:p>
             <a:pPr lvl="2" eaLnBrk="1" latinLnBrk="0" hangingPunct="1"/>
             <a:r>
-              <a:rPr lang="fr-FR" smtClean="0"/>
+              <a:rPr lang="fr-FR"/>
               <a:t>Troisième niveau</a:t>
             </a:r>
           </a:p>
           <a:p>
             <a:pPr lvl="3" eaLnBrk="1" latinLnBrk="0" hangingPunct="1"/>
             <a:r>
-              <a:rPr lang="fr-FR" smtClean="0"/>
+              <a:rPr lang="fr-FR"/>
               <a:t>Quatrième niveau</a:t>
             </a:r>
           </a:p>
           <a:p>
             <a:pPr lvl="4" eaLnBrk="1" latinLnBrk="0" hangingPunct="1"/>
             <a:r>
-              <a:rPr lang="fr-FR" smtClean="0"/>
+              <a:rPr lang="fr-FR"/>
               <a:t>Cinquième niveau</a:t>
             </a:r>
             <a:endParaRPr/>
@@ -4930,41 +4778,39 @@
         </p:spPr>
         <p:txBody>
           <a:bodyPr/>
-          <a:lstStyle>
-            <a:extLst/>
-          </a:lstStyle>
+          <a:lstStyle/>
           <a:p>
             <a:pPr lvl="0" eaLnBrk="1" latinLnBrk="0" hangingPunct="1"/>
             <a:r>
-              <a:rPr lang="fr-FR" smtClean="0"/>
+              <a:rPr lang="fr-FR"/>
               <a:t>Modifiez les styles du texte du masque</a:t>
             </a:r>
           </a:p>
           <a:p>
             <a:pPr lvl="1" eaLnBrk="1" latinLnBrk="0" hangingPunct="1"/>
             <a:r>
-              <a:rPr lang="fr-FR" smtClean="0"/>
+              <a:rPr lang="fr-FR"/>
               <a:t>Deuxième niveau</a:t>
             </a:r>
           </a:p>
           <a:p>
             <a:pPr lvl="2" eaLnBrk="1" latinLnBrk="0" hangingPunct="1"/>
             <a:r>
-              <a:rPr lang="fr-FR" smtClean="0"/>
+              <a:rPr lang="fr-FR"/>
               <a:t>Troisième niveau</a:t>
             </a:r>
           </a:p>
           <a:p>
             <a:pPr lvl="3" eaLnBrk="1" latinLnBrk="0" hangingPunct="1"/>
             <a:r>
-              <a:rPr lang="fr-FR" smtClean="0"/>
+              <a:rPr lang="fr-FR"/>
               <a:t>Quatrième niveau</a:t>
             </a:r>
           </a:p>
           <a:p>
             <a:pPr lvl="4" eaLnBrk="1" latinLnBrk="0" hangingPunct="1"/>
             <a:r>
-              <a:rPr lang="fr-FR" smtClean="0"/>
+              <a:rPr lang="fr-FR"/>
               <a:t>Cinquième niveau</a:t>
             </a:r>
             <a:endParaRPr/>
@@ -4984,13 +4830,11 @@
         <p:spPr/>
         <p:txBody>
           <a:bodyPr/>
-          <a:lstStyle>
-            <a:extLst/>
-          </a:lstStyle>
+          <a:lstStyle/>
           <a:p>
             <a:pPr algn="r"/>
             <a:r>
-              <a:rPr smtClean="0">
+              <a:rPr>
                 <a:solidFill>
                   <a:prstClr val="black">
                     <a:tint val="65000"/>
@@ -4999,13 +4843,6 @@
               </a:rPr>
               <a:t>28/6/2006</a:t>
             </a:r>
-            <a:endParaRPr>
-              <a:solidFill>
-                <a:prstClr val="black">
-                  <a:tint val="65000"/>
-                </a:prstClr>
-              </a:solidFill>
-            </a:endParaRPr>
           </a:p>
         </p:txBody>
       </p:sp>
@@ -5022,9 +4859,7 @@
         <p:spPr/>
         <p:txBody>
           <a:bodyPr/>
-          <a:lstStyle>
-            <a:extLst/>
-          </a:lstStyle>
+          <a:lstStyle/>
           <a:p>
             <a:pPr algn="r"/>
             <a:fld id="{256D3EEF-DE4E-429D-8EC4-DDC531AFF587}" type="slidenum">
@@ -5057,9 +4892,7 @@
         <p:spPr/>
         <p:txBody>
           <a:bodyPr/>
-          <a:lstStyle>
-            <a:extLst/>
-          </a:lstStyle>
+          <a:lstStyle/>
           <a:p>
             <a:endParaRPr/>
           </a:p>
@@ -5116,13 +4949,11 @@
         </p:spPr>
         <p:txBody>
           <a:bodyPr/>
-          <a:lstStyle>
-            <a:extLst/>
-          </a:lstStyle>
+          <a:lstStyle/>
           <a:p>
             <a:pPr eaLnBrk="1" latinLnBrk="0" hangingPunct="1"/>
             <a:r>
-              <a:rPr lang="fr-FR" smtClean="0"/>
+              <a:rPr lang="fr-FR"/>
               <a:t>Modifiez le style du titre</a:t>
             </a:r>
             <a:endParaRPr/>
@@ -5189,41 +5020,39 @@
         </p:spPr>
         <p:txBody>
           <a:bodyPr/>
-          <a:lstStyle>
-            <a:extLst/>
-          </a:lstStyle>
+          <a:lstStyle/>
           <a:p>
             <a:pPr lvl="0" eaLnBrk="1" latinLnBrk="0" hangingPunct="1"/>
             <a:r>
-              <a:rPr lang="fr-FR" smtClean="0"/>
+              <a:rPr lang="fr-FR"/>
               <a:t>Modifiez les styles du texte du masque</a:t>
             </a:r>
           </a:p>
           <a:p>
             <a:pPr lvl="1" eaLnBrk="1" latinLnBrk="0" hangingPunct="1"/>
             <a:r>
-              <a:rPr lang="fr-FR" smtClean="0"/>
+              <a:rPr lang="fr-FR"/>
               <a:t>Deuxième niveau</a:t>
             </a:r>
           </a:p>
           <a:p>
             <a:pPr lvl="2" eaLnBrk="1" latinLnBrk="0" hangingPunct="1"/>
             <a:r>
-              <a:rPr lang="fr-FR" smtClean="0"/>
+              <a:rPr lang="fr-FR"/>
               <a:t>Troisième niveau</a:t>
             </a:r>
           </a:p>
           <a:p>
             <a:pPr lvl="3" eaLnBrk="1" latinLnBrk="0" hangingPunct="1"/>
             <a:r>
-              <a:rPr lang="fr-FR" smtClean="0"/>
+              <a:rPr lang="fr-FR"/>
               <a:t>Quatrième niveau</a:t>
             </a:r>
           </a:p>
           <a:p>
             <a:pPr lvl="4" eaLnBrk="1" latinLnBrk="0" hangingPunct="1"/>
             <a:r>
-              <a:rPr lang="fr-FR" smtClean="0"/>
+              <a:rPr lang="fr-FR"/>
               <a:t>Cinquième niveau</a:t>
             </a:r>
             <a:endParaRPr/>
@@ -5290,41 +5119,39 @@
         </p:spPr>
         <p:txBody>
           <a:bodyPr/>
-          <a:lstStyle>
-            <a:extLst/>
-          </a:lstStyle>
+          <a:lstStyle/>
           <a:p>
             <a:pPr lvl="0" eaLnBrk="1" latinLnBrk="0" hangingPunct="1"/>
             <a:r>
-              <a:rPr lang="fr-FR" smtClean="0"/>
+              <a:rPr lang="fr-FR"/>
               <a:t>Modifiez les styles du texte du masque</a:t>
             </a:r>
           </a:p>
           <a:p>
             <a:pPr lvl="1" eaLnBrk="1" latinLnBrk="0" hangingPunct="1"/>
             <a:r>
-              <a:rPr lang="fr-FR" smtClean="0"/>
+              <a:rPr lang="fr-FR"/>
               <a:t>Deuxième niveau</a:t>
             </a:r>
           </a:p>
           <a:p>
             <a:pPr lvl="2" eaLnBrk="1" latinLnBrk="0" hangingPunct="1"/>
             <a:r>
-              <a:rPr lang="fr-FR" smtClean="0"/>
+              <a:rPr lang="fr-FR"/>
               <a:t>Troisième niveau</a:t>
             </a:r>
           </a:p>
           <a:p>
             <a:pPr lvl="3" eaLnBrk="1" latinLnBrk="0" hangingPunct="1"/>
             <a:r>
-              <a:rPr lang="fr-FR" smtClean="0"/>
+              <a:rPr lang="fr-FR"/>
               <a:t>Quatrième niveau</a:t>
             </a:r>
           </a:p>
           <a:p>
             <a:pPr lvl="4" eaLnBrk="1" latinLnBrk="0" hangingPunct="1"/>
             <a:r>
-              <a:rPr lang="fr-FR" smtClean="0"/>
+              <a:rPr lang="fr-FR"/>
               <a:t>Cinquième niveau</a:t>
             </a:r>
             <a:endParaRPr/>
@@ -5391,41 +5218,39 @@
         </p:spPr>
         <p:txBody>
           <a:bodyPr/>
-          <a:lstStyle>
-            <a:extLst/>
-          </a:lstStyle>
+          <a:lstStyle/>
           <a:p>
             <a:pPr lvl="0" eaLnBrk="1" latinLnBrk="0" hangingPunct="1"/>
             <a:r>
-              <a:rPr lang="fr-FR" smtClean="0"/>
+              <a:rPr lang="fr-FR"/>
               <a:t>Modifiez les styles du texte du masque</a:t>
             </a:r>
           </a:p>
           <a:p>
             <a:pPr lvl="1" eaLnBrk="1" latinLnBrk="0" hangingPunct="1"/>
             <a:r>
-              <a:rPr lang="fr-FR" smtClean="0"/>
+              <a:rPr lang="fr-FR"/>
               <a:t>Deuxième niveau</a:t>
             </a:r>
           </a:p>
           <a:p>
             <a:pPr lvl="2" eaLnBrk="1" latinLnBrk="0" hangingPunct="1"/>
             <a:r>
-              <a:rPr lang="fr-FR" smtClean="0"/>
+              <a:rPr lang="fr-FR"/>
               <a:t>Troisième niveau</a:t>
             </a:r>
           </a:p>
           <a:p>
             <a:pPr lvl="3" eaLnBrk="1" latinLnBrk="0" hangingPunct="1"/>
             <a:r>
-              <a:rPr lang="fr-FR" smtClean="0"/>
+              <a:rPr lang="fr-FR"/>
               <a:t>Quatrième niveau</a:t>
             </a:r>
           </a:p>
           <a:p>
             <a:pPr lvl="4" eaLnBrk="1" latinLnBrk="0" hangingPunct="1"/>
             <a:r>
-              <a:rPr lang="fr-FR" smtClean="0"/>
+              <a:rPr lang="fr-FR"/>
               <a:t>Cinquième niveau</a:t>
             </a:r>
             <a:endParaRPr/>
@@ -5492,41 +5317,39 @@
         </p:spPr>
         <p:txBody>
           <a:bodyPr/>
-          <a:lstStyle>
-            <a:extLst/>
-          </a:lstStyle>
+          <a:lstStyle/>
           <a:p>
             <a:pPr lvl="0" eaLnBrk="1" latinLnBrk="0" hangingPunct="1"/>
             <a:r>
-              <a:rPr lang="fr-FR" smtClean="0"/>
+              <a:rPr lang="fr-FR"/>
               <a:t>Modifiez les styles du texte du masque</a:t>
             </a:r>
           </a:p>
           <a:p>
             <a:pPr lvl="1" eaLnBrk="1" latinLnBrk="0" hangingPunct="1"/>
             <a:r>
-              <a:rPr lang="fr-FR" smtClean="0"/>
+              <a:rPr lang="fr-FR"/>
               <a:t>Deuxième niveau</a:t>
             </a:r>
           </a:p>
           <a:p>
             <a:pPr lvl="2" eaLnBrk="1" latinLnBrk="0" hangingPunct="1"/>
             <a:r>
-              <a:rPr lang="fr-FR" smtClean="0"/>
+              <a:rPr lang="fr-FR"/>
               <a:t>Troisième niveau</a:t>
             </a:r>
           </a:p>
           <a:p>
             <a:pPr lvl="3" eaLnBrk="1" latinLnBrk="0" hangingPunct="1"/>
             <a:r>
-              <a:rPr lang="fr-FR" smtClean="0"/>
+              <a:rPr lang="fr-FR"/>
               <a:t>Quatrième niveau</a:t>
             </a:r>
           </a:p>
           <a:p>
             <a:pPr lvl="4" eaLnBrk="1" latinLnBrk="0" hangingPunct="1"/>
             <a:r>
-              <a:rPr lang="fr-FR" smtClean="0"/>
+              <a:rPr lang="fr-FR"/>
               <a:t>Cinquième niveau</a:t>
             </a:r>
             <a:endParaRPr/>
@@ -5546,13 +5369,11 @@
         <p:spPr/>
         <p:txBody>
           <a:bodyPr/>
-          <a:lstStyle>
-            <a:extLst/>
-          </a:lstStyle>
+          <a:lstStyle/>
           <a:p>
             <a:pPr algn="r"/>
             <a:r>
-              <a:rPr smtClean="0">
+              <a:rPr>
                 <a:solidFill>
                   <a:prstClr val="black">
                     <a:tint val="65000"/>
@@ -5561,13 +5382,6 @@
               </a:rPr>
               <a:t>28/6/2006</a:t>
             </a:r>
-            <a:endParaRPr>
-              <a:solidFill>
-                <a:prstClr val="black">
-                  <a:tint val="65000"/>
-                </a:prstClr>
-              </a:solidFill>
-            </a:endParaRPr>
           </a:p>
         </p:txBody>
       </p:sp>
@@ -5584,9 +5398,7 @@
         <p:spPr/>
         <p:txBody>
           <a:bodyPr/>
-          <a:lstStyle>
-            <a:extLst/>
-          </a:lstStyle>
+          <a:lstStyle/>
           <a:p>
             <a:pPr algn="r"/>
             <a:fld id="{256D3EEF-DE4E-429D-8EC4-DDC531AFF587}" type="slidenum">
@@ -5619,9 +5431,7 @@
         <p:spPr/>
         <p:txBody>
           <a:bodyPr/>
-          <a:lstStyle>
-            <a:extLst/>
-          </a:lstStyle>
+          <a:lstStyle/>
           <a:p>
             <a:endParaRPr/>
           </a:p>
@@ -5678,13 +5488,11 @@
         </p:spPr>
         <p:txBody>
           <a:bodyPr/>
-          <a:lstStyle>
-            <a:extLst/>
-          </a:lstStyle>
+          <a:lstStyle/>
           <a:p>
             <a:pPr eaLnBrk="1" latinLnBrk="0" hangingPunct="1"/>
             <a:r>
-              <a:rPr lang="fr-FR" smtClean="0"/>
+              <a:rPr lang="fr-FR"/>
               <a:t>Modifiez le style du titre</a:t>
             </a:r>
             <a:endParaRPr/>
@@ -5751,41 +5559,39 @@
         </p:spPr>
         <p:txBody>
           <a:bodyPr/>
-          <a:lstStyle>
-            <a:extLst/>
-          </a:lstStyle>
+          <a:lstStyle/>
           <a:p>
             <a:pPr lvl="0" eaLnBrk="1" latinLnBrk="0" hangingPunct="1"/>
             <a:r>
-              <a:rPr lang="fr-FR" smtClean="0"/>
+              <a:rPr lang="fr-FR"/>
               <a:t>Modifiez les styles du texte du masque</a:t>
             </a:r>
           </a:p>
           <a:p>
             <a:pPr lvl="1" eaLnBrk="1" latinLnBrk="0" hangingPunct="1"/>
             <a:r>
-              <a:rPr lang="fr-FR" smtClean="0"/>
+              <a:rPr lang="fr-FR"/>
               <a:t>Deuxième niveau</a:t>
             </a:r>
           </a:p>
           <a:p>
             <a:pPr lvl="2" eaLnBrk="1" latinLnBrk="0" hangingPunct="1"/>
             <a:r>
-              <a:rPr lang="fr-FR" smtClean="0"/>
+              <a:rPr lang="fr-FR"/>
               <a:t>Troisième niveau</a:t>
             </a:r>
           </a:p>
           <a:p>
             <a:pPr lvl="3" eaLnBrk="1" latinLnBrk="0" hangingPunct="1"/>
             <a:r>
-              <a:rPr lang="fr-FR" smtClean="0"/>
+              <a:rPr lang="fr-FR"/>
               <a:t>Quatrième niveau</a:t>
             </a:r>
           </a:p>
           <a:p>
             <a:pPr lvl="4" eaLnBrk="1" latinLnBrk="0" hangingPunct="1"/>
             <a:r>
-              <a:rPr lang="fr-FR" smtClean="0"/>
+              <a:rPr lang="fr-FR"/>
               <a:t>Cinquième niveau</a:t>
             </a:r>
             <a:endParaRPr/>
@@ -5852,41 +5658,39 @@
         </p:spPr>
         <p:txBody>
           <a:bodyPr/>
-          <a:lstStyle>
-            <a:extLst/>
-          </a:lstStyle>
+          <a:lstStyle/>
           <a:p>
             <a:pPr lvl="0" eaLnBrk="1" latinLnBrk="0" hangingPunct="1"/>
             <a:r>
-              <a:rPr lang="fr-FR" smtClean="0"/>
+              <a:rPr lang="fr-FR"/>
               <a:t>Modifiez les styles du texte du masque</a:t>
             </a:r>
           </a:p>
           <a:p>
             <a:pPr lvl="1" eaLnBrk="1" latinLnBrk="0" hangingPunct="1"/>
             <a:r>
-              <a:rPr lang="fr-FR" smtClean="0"/>
+              <a:rPr lang="fr-FR"/>
               <a:t>Deuxième niveau</a:t>
             </a:r>
           </a:p>
           <a:p>
             <a:pPr lvl="2" eaLnBrk="1" latinLnBrk="0" hangingPunct="1"/>
             <a:r>
-              <a:rPr lang="fr-FR" smtClean="0"/>
+              <a:rPr lang="fr-FR"/>
               <a:t>Troisième niveau</a:t>
             </a:r>
           </a:p>
           <a:p>
             <a:pPr lvl="3" eaLnBrk="1" latinLnBrk="0" hangingPunct="1"/>
             <a:r>
-              <a:rPr lang="fr-FR" smtClean="0"/>
+              <a:rPr lang="fr-FR"/>
               <a:t>Quatrième niveau</a:t>
             </a:r>
           </a:p>
           <a:p>
             <a:pPr lvl="4" eaLnBrk="1" latinLnBrk="0" hangingPunct="1"/>
             <a:r>
-              <a:rPr lang="fr-FR" smtClean="0"/>
+              <a:rPr lang="fr-FR"/>
               <a:t>Cinquième niveau</a:t>
             </a:r>
             <a:endParaRPr/>
@@ -5953,41 +5757,39 @@
         </p:spPr>
         <p:txBody>
           <a:bodyPr/>
-          <a:lstStyle>
-            <a:extLst/>
-          </a:lstStyle>
+          <a:lstStyle/>
           <a:p>
             <a:pPr lvl="0" eaLnBrk="1" latinLnBrk="0" hangingPunct="1"/>
             <a:r>
-              <a:rPr lang="fr-FR" smtClean="0"/>
+              <a:rPr lang="fr-FR"/>
               <a:t>Modifiez les styles du texte du masque</a:t>
             </a:r>
           </a:p>
           <a:p>
             <a:pPr lvl="1" eaLnBrk="1" latinLnBrk="0" hangingPunct="1"/>
             <a:r>
-              <a:rPr lang="fr-FR" smtClean="0"/>
+              <a:rPr lang="fr-FR"/>
               <a:t>Deuxième niveau</a:t>
             </a:r>
           </a:p>
           <a:p>
             <a:pPr lvl="2" eaLnBrk="1" latinLnBrk="0" hangingPunct="1"/>
             <a:r>
-              <a:rPr lang="fr-FR" smtClean="0"/>
+              <a:rPr lang="fr-FR"/>
               <a:t>Troisième niveau</a:t>
             </a:r>
           </a:p>
           <a:p>
             <a:pPr lvl="3" eaLnBrk="1" latinLnBrk="0" hangingPunct="1"/>
             <a:r>
-              <a:rPr lang="fr-FR" smtClean="0"/>
+              <a:rPr lang="fr-FR"/>
               <a:t>Quatrième niveau</a:t>
             </a:r>
           </a:p>
           <a:p>
             <a:pPr lvl="4" eaLnBrk="1" latinLnBrk="0" hangingPunct="1"/>
             <a:r>
-              <a:rPr lang="fr-FR" smtClean="0"/>
+              <a:rPr lang="fr-FR"/>
               <a:t>Cinquième niveau</a:t>
             </a:r>
             <a:endParaRPr/>
@@ -6054,41 +5856,39 @@
         </p:spPr>
         <p:txBody>
           <a:bodyPr/>
-          <a:lstStyle>
-            <a:extLst/>
-          </a:lstStyle>
+          <a:lstStyle/>
           <a:p>
             <a:pPr lvl="0" eaLnBrk="1" latinLnBrk="0" hangingPunct="1"/>
             <a:r>
-              <a:rPr lang="fr-FR" smtClean="0"/>
+              <a:rPr lang="fr-FR"/>
               <a:t>Modifiez les styles du texte du masque</a:t>
             </a:r>
           </a:p>
           <a:p>
             <a:pPr lvl="1" eaLnBrk="1" latinLnBrk="0" hangingPunct="1"/>
             <a:r>
-              <a:rPr lang="fr-FR" smtClean="0"/>
+              <a:rPr lang="fr-FR"/>
               <a:t>Deuxième niveau</a:t>
             </a:r>
           </a:p>
           <a:p>
             <a:pPr lvl="2" eaLnBrk="1" latinLnBrk="0" hangingPunct="1"/>
             <a:r>
-              <a:rPr lang="fr-FR" smtClean="0"/>
+              <a:rPr lang="fr-FR"/>
               <a:t>Troisième niveau</a:t>
             </a:r>
           </a:p>
           <a:p>
             <a:pPr lvl="3" eaLnBrk="1" latinLnBrk="0" hangingPunct="1"/>
             <a:r>
-              <a:rPr lang="fr-FR" smtClean="0"/>
+              <a:rPr lang="fr-FR"/>
               <a:t>Quatrième niveau</a:t>
             </a:r>
           </a:p>
           <a:p>
             <a:pPr lvl="4" eaLnBrk="1" latinLnBrk="0" hangingPunct="1"/>
             <a:r>
-              <a:rPr lang="fr-FR" smtClean="0"/>
+              <a:rPr lang="fr-FR"/>
               <a:t>Cinquième niveau</a:t>
             </a:r>
             <a:endParaRPr/>
@@ -6108,13 +5908,11 @@
         <p:spPr/>
         <p:txBody>
           <a:bodyPr/>
-          <a:lstStyle>
-            <a:extLst/>
-          </a:lstStyle>
+          <a:lstStyle/>
           <a:p>
             <a:pPr algn="r"/>
             <a:r>
-              <a:rPr smtClean="0">
+              <a:rPr>
                 <a:solidFill>
                   <a:prstClr val="black">
                     <a:tint val="65000"/>
@@ -6123,13 +5921,6 @@
               </a:rPr>
               <a:t>28/6/2006</a:t>
             </a:r>
-            <a:endParaRPr>
-              <a:solidFill>
-                <a:prstClr val="black">
-                  <a:tint val="65000"/>
-                </a:prstClr>
-              </a:solidFill>
-            </a:endParaRPr>
           </a:p>
         </p:txBody>
       </p:sp>
@@ -6146,9 +5937,7 @@
         <p:spPr/>
         <p:txBody>
           <a:bodyPr/>
-          <a:lstStyle>
-            <a:extLst/>
-          </a:lstStyle>
+          <a:lstStyle/>
           <a:p>
             <a:pPr algn="r"/>
             <a:fld id="{256D3EEF-DE4E-429D-8EC4-DDC531AFF587}" type="slidenum">
@@ -6181,9 +5970,7 @@
         <p:spPr/>
         <p:txBody>
           <a:bodyPr/>
-          <a:lstStyle>
-            <a:extLst/>
-          </a:lstStyle>
+          <a:lstStyle/>
           <a:p>
             <a:endParaRPr/>
           </a:p>
@@ -6240,13 +6027,11 @@
         </p:spPr>
         <p:txBody>
           <a:bodyPr/>
-          <a:lstStyle>
-            <a:extLst/>
-          </a:lstStyle>
+          <a:lstStyle/>
           <a:p>
             <a:pPr eaLnBrk="1" latinLnBrk="0" hangingPunct="1"/>
             <a:r>
-              <a:rPr lang="fr-FR" smtClean="0"/>
+              <a:rPr lang="fr-FR"/>
               <a:t>Modifiez le style du titre</a:t>
             </a:r>
             <a:endParaRPr/>
@@ -6313,41 +6098,39 @@
         </p:spPr>
         <p:txBody>
           <a:bodyPr/>
-          <a:lstStyle>
-            <a:extLst/>
-          </a:lstStyle>
+          <a:lstStyle/>
           <a:p>
             <a:pPr lvl="0" eaLnBrk="1" latinLnBrk="0" hangingPunct="1"/>
             <a:r>
-              <a:rPr lang="fr-FR" smtClean="0"/>
+              <a:rPr lang="fr-FR"/>
               <a:t>Modifiez les styles du texte du masque</a:t>
             </a:r>
           </a:p>
           <a:p>
             <a:pPr lvl="1" eaLnBrk="1" latinLnBrk="0" hangingPunct="1"/>
             <a:r>
-              <a:rPr lang="fr-FR" smtClean="0"/>
+              <a:rPr lang="fr-FR"/>
               <a:t>Deuxième niveau</a:t>
             </a:r>
           </a:p>
           <a:p>
             <a:pPr lvl="2" eaLnBrk="1" latinLnBrk="0" hangingPunct="1"/>
             <a:r>
-              <a:rPr lang="fr-FR" smtClean="0"/>
+              <a:rPr lang="fr-FR"/>
               <a:t>Troisième niveau</a:t>
             </a:r>
           </a:p>
           <a:p>
             <a:pPr lvl="3" eaLnBrk="1" latinLnBrk="0" hangingPunct="1"/>
             <a:r>
-              <a:rPr lang="fr-FR" smtClean="0"/>
+              <a:rPr lang="fr-FR"/>
               <a:t>Quatrième niveau</a:t>
             </a:r>
           </a:p>
           <a:p>
             <a:pPr lvl="4" eaLnBrk="1" latinLnBrk="0" hangingPunct="1"/>
             <a:r>
-              <a:rPr lang="fr-FR" smtClean="0"/>
+              <a:rPr lang="fr-FR"/>
               <a:t>Cinquième niveau</a:t>
             </a:r>
             <a:endParaRPr/>
@@ -6414,41 +6197,39 @@
         </p:spPr>
         <p:txBody>
           <a:bodyPr/>
-          <a:lstStyle>
-            <a:extLst/>
-          </a:lstStyle>
+          <a:lstStyle/>
           <a:p>
             <a:pPr lvl="0" eaLnBrk="1" latinLnBrk="0" hangingPunct="1"/>
             <a:r>
-              <a:rPr lang="fr-FR" smtClean="0"/>
+              <a:rPr lang="fr-FR"/>
               <a:t>Modifiez les styles du texte du masque</a:t>
             </a:r>
           </a:p>
           <a:p>
             <a:pPr lvl="1" eaLnBrk="1" latinLnBrk="0" hangingPunct="1"/>
             <a:r>
-              <a:rPr lang="fr-FR" smtClean="0"/>
+              <a:rPr lang="fr-FR"/>
               <a:t>Deuxième niveau</a:t>
             </a:r>
           </a:p>
           <a:p>
             <a:pPr lvl="2" eaLnBrk="1" latinLnBrk="0" hangingPunct="1"/>
             <a:r>
-              <a:rPr lang="fr-FR" smtClean="0"/>
+              <a:rPr lang="fr-FR"/>
               <a:t>Troisième niveau</a:t>
             </a:r>
           </a:p>
           <a:p>
             <a:pPr lvl="3" eaLnBrk="1" latinLnBrk="0" hangingPunct="1"/>
             <a:r>
-              <a:rPr lang="fr-FR" smtClean="0"/>
+              <a:rPr lang="fr-FR"/>
               <a:t>Quatrième niveau</a:t>
             </a:r>
           </a:p>
           <a:p>
             <a:pPr lvl="4" eaLnBrk="1" latinLnBrk="0" hangingPunct="1"/>
             <a:r>
-              <a:rPr lang="fr-FR" smtClean="0"/>
+              <a:rPr lang="fr-FR"/>
               <a:t>Cinquième niveau</a:t>
             </a:r>
             <a:endParaRPr/>
@@ -6515,41 +6296,39 @@
         </p:spPr>
         <p:txBody>
           <a:bodyPr/>
-          <a:lstStyle>
-            <a:extLst/>
-          </a:lstStyle>
+          <a:lstStyle/>
           <a:p>
             <a:pPr lvl="0" eaLnBrk="1" latinLnBrk="0" hangingPunct="1"/>
             <a:r>
-              <a:rPr lang="fr-FR" smtClean="0"/>
+              <a:rPr lang="fr-FR"/>
               <a:t>Modifiez les styles du texte du masque</a:t>
             </a:r>
           </a:p>
           <a:p>
             <a:pPr lvl="1" eaLnBrk="1" latinLnBrk="0" hangingPunct="1"/>
             <a:r>
-              <a:rPr lang="fr-FR" smtClean="0"/>
+              <a:rPr lang="fr-FR"/>
               <a:t>Deuxième niveau</a:t>
             </a:r>
           </a:p>
           <a:p>
             <a:pPr lvl="2" eaLnBrk="1" latinLnBrk="0" hangingPunct="1"/>
             <a:r>
-              <a:rPr lang="fr-FR" smtClean="0"/>
+              <a:rPr lang="fr-FR"/>
               <a:t>Troisième niveau</a:t>
             </a:r>
           </a:p>
           <a:p>
             <a:pPr lvl="3" eaLnBrk="1" latinLnBrk="0" hangingPunct="1"/>
             <a:r>
-              <a:rPr lang="fr-FR" smtClean="0"/>
+              <a:rPr lang="fr-FR"/>
               <a:t>Quatrième niveau</a:t>
             </a:r>
           </a:p>
           <a:p>
             <a:pPr lvl="4" eaLnBrk="1" latinLnBrk="0" hangingPunct="1"/>
             <a:r>
-              <a:rPr lang="fr-FR" smtClean="0"/>
+              <a:rPr lang="fr-FR"/>
               <a:t>Cinquième niveau</a:t>
             </a:r>
             <a:endParaRPr/>
@@ -6616,41 +6395,39 @@
         </p:spPr>
         <p:txBody>
           <a:bodyPr/>
-          <a:lstStyle>
-            <a:extLst/>
-          </a:lstStyle>
+          <a:lstStyle/>
           <a:p>
             <a:pPr lvl="0" eaLnBrk="1" latinLnBrk="0" hangingPunct="1"/>
             <a:r>
-              <a:rPr lang="fr-FR" smtClean="0"/>
+              <a:rPr lang="fr-FR"/>
               <a:t>Modifiez les styles du texte du masque</a:t>
             </a:r>
           </a:p>
           <a:p>
             <a:pPr lvl="1" eaLnBrk="1" latinLnBrk="0" hangingPunct="1"/>
             <a:r>
-              <a:rPr lang="fr-FR" smtClean="0"/>
+              <a:rPr lang="fr-FR"/>
               <a:t>Deuxième niveau</a:t>
             </a:r>
           </a:p>
           <a:p>
             <a:pPr lvl="2" eaLnBrk="1" latinLnBrk="0" hangingPunct="1"/>
             <a:r>
-              <a:rPr lang="fr-FR" smtClean="0"/>
+              <a:rPr lang="fr-FR"/>
               <a:t>Troisième niveau</a:t>
             </a:r>
           </a:p>
           <a:p>
             <a:pPr lvl="3" eaLnBrk="1" latinLnBrk="0" hangingPunct="1"/>
             <a:r>
-              <a:rPr lang="fr-FR" smtClean="0"/>
+              <a:rPr lang="fr-FR"/>
               <a:t>Quatrième niveau</a:t>
             </a:r>
           </a:p>
           <a:p>
             <a:pPr lvl="4" eaLnBrk="1" latinLnBrk="0" hangingPunct="1"/>
             <a:r>
-              <a:rPr lang="fr-FR" smtClean="0"/>
+              <a:rPr lang="fr-FR"/>
               <a:t>Cinquième niveau</a:t>
             </a:r>
             <a:endParaRPr/>
@@ -6670,13 +6447,11 @@
         <p:spPr/>
         <p:txBody>
           <a:bodyPr/>
-          <a:lstStyle>
-            <a:extLst/>
-          </a:lstStyle>
+          <a:lstStyle/>
           <a:p>
             <a:pPr algn="r"/>
             <a:r>
-              <a:rPr smtClean="0">
+              <a:rPr>
                 <a:solidFill>
                   <a:prstClr val="black">
                     <a:tint val="65000"/>
@@ -6685,13 +6460,6 @@
               </a:rPr>
               <a:t>28/6/2006</a:t>
             </a:r>
-            <a:endParaRPr>
-              <a:solidFill>
-                <a:prstClr val="black">
-                  <a:tint val="65000"/>
-                </a:prstClr>
-              </a:solidFill>
-            </a:endParaRPr>
           </a:p>
         </p:txBody>
       </p:sp>
@@ -6708,9 +6476,7 @@
         <p:spPr/>
         <p:txBody>
           <a:bodyPr/>
-          <a:lstStyle>
-            <a:extLst/>
-          </a:lstStyle>
+          <a:lstStyle/>
           <a:p>
             <a:pPr algn="r"/>
             <a:fld id="{256D3EEF-DE4E-429D-8EC4-DDC531AFF587}" type="slidenum">
@@ -6743,9 +6509,7 @@
         <p:spPr/>
         <p:txBody>
           <a:bodyPr/>
-          <a:lstStyle>
-            <a:extLst/>
-          </a:lstStyle>
+          <a:lstStyle/>
           <a:p>
             <a:endParaRPr/>
           </a:p>
@@ -6802,13 +6566,11 @@
         </p:spPr>
         <p:txBody>
           <a:bodyPr/>
-          <a:lstStyle>
-            <a:extLst/>
-          </a:lstStyle>
+          <a:lstStyle/>
           <a:p>
             <a:pPr eaLnBrk="1" latinLnBrk="0" hangingPunct="1"/>
             <a:r>
-              <a:rPr lang="fr-FR" smtClean="0"/>
+              <a:rPr lang="fr-FR"/>
               <a:t>Modifiez le style du titre</a:t>
             </a:r>
             <a:endParaRPr/>
@@ -6875,41 +6637,39 @@
         </p:spPr>
         <p:txBody>
           <a:bodyPr/>
-          <a:lstStyle>
-            <a:extLst/>
-          </a:lstStyle>
+          <a:lstStyle/>
           <a:p>
             <a:pPr lvl="0" eaLnBrk="1" latinLnBrk="0" hangingPunct="1"/>
             <a:r>
-              <a:rPr lang="fr-FR" smtClean="0"/>
+              <a:rPr lang="fr-FR"/>
               <a:t>Modifiez les styles du texte du masque</a:t>
             </a:r>
           </a:p>
           <a:p>
             <a:pPr lvl="1" eaLnBrk="1" latinLnBrk="0" hangingPunct="1"/>
             <a:r>
-              <a:rPr lang="fr-FR" smtClean="0"/>
+              <a:rPr lang="fr-FR"/>
               <a:t>Deuxième niveau</a:t>
             </a:r>
           </a:p>
           <a:p>
             <a:pPr lvl="2" eaLnBrk="1" latinLnBrk="0" hangingPunct="1"/>
             <a:r>
-              <a:rPr lang="fr-FR" smtClean="0"/>
+              <a:rPr lang="fr-FR"/>
               <a:t>Troisième niveau</a:t>
             </a:r>
           </a:p>
           <a:p>
             <a:pPr lvl="3" eaLnBrk="1" latinLnBrk="0" hangingPunct="1"/>
             <a:r>
-              <a:rPr lang="fr-FR" smtClean="0"/>
+              <a:rPr lang="fr-FR"/>
               <a:t>Quatrième niveau</a:t>
             </a:r>
           </a:p>
           <a:p>
             <a:pPr lvl="4" eaLnBrk="1" latinLnBrk="0" hangingPunct="1"/>
             <a:r>
-              <a:rPr lang="fr-FR" smtClean="0"/>
+              <a:rPr lang="fr-FR"/>
               <a:t>Cinquième niveau</a:t>
             </a:r>
             <a:endParaRPr/>
@@ -6976,41 +6736,39 @@
         </p:spPr>
         <p:txBody>
           <a:bodyPr/>
-          <a:lstStyle>
-            <a:extLst/>
-          </a:lstStyle>
+          <a:lstStyle/>
           <a:p>
             <a:pPr lvl="0" eaLnBrk="1" latinLnBrk="0" hangingPunct="1"/>
             <a:r>
-              <a:rPr lang="fr-FR" smtClean="0"/>
+              <a:rPr lang="fr-FR"/>
               <a:t>Modifiez les styles du texte du masque</a:t>
             </a:r>
           </a:p>
           <a:p>
             <a:pPr lvl="1" eaLnBrk="1" latinLnBrk="0" hangingPunct="1"/>
             <a:r>
-              <a:rPr lang="fr-FR" smtClean="0"/>
+              <a:rPr lang="fr-FR"/>
               <a:t>Deuxième niveau</a:t>
             </a:r>
           </a:p>
           <a:p>
             <a:pPr lvl="2" eaLnBrk="1" latinLnBrk="0" hangingPunct="1"/>
             <a:r>
-              <a:rPr lang="fr-FR" smtClean="0"/>
+              <a:rPr lang="fr-FR"/>
               <a:t>Troisième niveau</a:t>
             </a:r>
           </a:p>
           <a:p>
             <a:pPr lvl="3" eaLnBrk="1" latinLnBrk="0" hangingPunct="1"/>
             <a:r>
-              <a:rPr lang="fr-FR" smtClean="0"/>
+              <a:rPr lang="fr-FR"/>
               <a:t>Quatrième niveau</a:t>
             </a:r>
           </a:p>
           <a:p>
             <a:pPr lvl="4" eaLnBrk="1" latinLnBrk="0" hangingPunct="1"/>
             <a:r>
-              <a:rPr lang="fr-FR" smtClean="0"/>
+              <a:rPr lang="fr-FR"/>
               <a:t>Cinquième niveau</a:t>
             </a:r>
             <a:endParaRPr/>
@@ -7077,41 +6835,39 @@
         </p:spPr>
         <p:txBody>
           <a:bodyPr/>
-          <a:lstStyle>
-            <a:extLst/>
-          </a:lstStyle>
+          <a:lstStyle/>
           <a:p>
             <a:pPr lvl="0" eaLnBrk="1" latinLnBrk="0" hangingPunct="1"/>
             <a:r>
-              <a:rPr lang="fr-FR" smtClean="0"/>
+              <a:rPr lang="fr-FR"/>
               <a:t>Modifiez les styles du texte du masque</a:t>
             </a:r>
           </a:p>
           <a:p>
             <a:pPr lvl="1" eaLnBrk="1" latinLnBrk="0" hangingPunct="1"/>
             <a:r>
-              <a:rPr lang="fr-FR" smtClean="0"/>
+              <a:rPr lang="fr-FR"/>
               <a:t>Deuxième niveau</a:t>
             </a:r>
           </a:p>
           <a:p>
             <a:pPr lvl="2" eaLnBrk="1" latinLnBrk="0" hangingPunct="1"/>
             <a:r>
-              <a:rPr lang="fr-FR" smtClean="0"/>
+              <a:rPr lang="fr-FR"/>
               <a:t>Troisième niveau</a:t>
             </a:r>
           </a:p>
           <a:p>
             <a:pPr lvl="3" eaLnBrk="1" latinLnBrk="0" hangingPunct="1"/>
             <a:r>
-              <a:rPr lang="fr-FR" smtClean="0"/>
+              <a:rPr lang="fr-FR"/>
               <a:t>Quatrième niveau</a:t>
             </a:r>
           </a:p>
           <a:p>
             <a:pPr lvl="4" eaLnBrk="1" latinLnBrk="0" hangingPunct="1"/>
             <a:r>
-              <a:rPr lang="fr-FR" smtClean="0"/>
+              <a:rPr lang="fr-FR"/>
               <a:t>Cinquième niveau</a:t>
             </a:r>
             <a:endParaRPr/>
@@ -7178,41 +6934,39 @@
         </p:spPr>
         <p:txBody>
           <a:bodyPr/>
-          <a:lstStyle>
-            <a:extLst/>
-          </a:lstStyle>
+          <a:lstStyle/>
           <a:p>
             <a:pPr lvl="0" eaLnBrk="1" latinLnBrk="0" hangingPunct="1"/>
             <a:r>
-              <a:rPr lang="fr-FR" smtClean="0"/>
+              <a:rPr lang="fr-FR"/>
               <a:t>Modifiez les styles du texte du masque</a:t>
             </a:r>
           </a:p>
           <a:p>
             <a:pPr lvl="1" eaLnBrk="1" latinLnBrk="0" hangingPunct="1"/>
             <a:r>
-              <a:rPr lang="fr-FR" smtClean="0"/>
+              <a:rPr lang="fr-FR"/>
               <a:t>Deuxième niveau</a:t>
             </a:r>
           </a:p>
           <a:p>
             <a:pPr lvl="2" eaLnBrk="1" latinLnBrk="0" hangingPunct="1"/>
             <a:r>
-              <a:rPr lang="fr-FR" smtClean="0"/>
+              <a:rPr lang="fr-FR"/>
               <a:t>Troisième niveau</a:t>
             </a:r>
           </a:p>
           <a:p>
             <a:pPr lvl="3" eaLnBrk="1" latinLnBrk="0" hangingPunct="1"/>
             <a:r>
-              <a:rPr lang="fr-FR" smtClean="0"/>
+              <a:rPr lang="fr-FR"/>
               <a:t>Quatrième niveau</a:t>
             </a:r>
           </a:p>
           <a:p>
             <a:pPr lvl="4" eaLnBrk="1" latinLnBrk="0" hangingPunct="1"/>
             <a:r>
-              <a:rPr lang="fr-FR" smtClean="0"/>
+              <a:rPr lang="fr-FR"/>
               <a:t>Cinquième niveau</a:t>
             </a:r>
             <a:endParaRPr/>
@@ -7279,41 +7033,39 @@
         </p:spPr>
         <p:txBody>
           <a:bodyPr/>
-          <a:lstStyle>
-            <a:extLst/>
-          </a:lstStyle>
+          <a:lstStyle/>
           <a:p>
             <a:pPr lvl="0" eaLnBrk="1" latinLnBrk="0" hangingPunct="1"/>
             <a:r>
-              <a:rPr lang="fr-FR" smtClean="0"/>
+              <a:rPr lang="fr-FR"/>
               <a:t>Modifiez les styles du texte du masque</a:t>
             </a:r>
           </a:p>
           <a:p>
             <a:pPr lvl="1" eaLnBrk="1" latinLnBrk="0" hangingPunct="1"/>
             <a:r>
-              <a:rPr lang="fr-FR" smtClean="0"/>
+              <a:rPr lang="fr-FR"/>
               <a:t>Deuxième niveau</a:t>
             </a:r>
           </a:p>
           <a:p>
             <a:pPr lvl="2" eaLnBrk="1" latinLnBrk="0" hangingPunct="1"/>
             <a:r>
-              <a:rPr lang="fr-FR" smtClean="0"/>
+              <a:rPr lang="fr-FR"/>
               <a:t>Troisième niveau</a:t>
             </a:r>
           </a:p>
           <a:p>
             <a:pPr lvl="3" eaLnBrk="1" latinLnBrk="0" hangingPunct="1"/>
             <a:r>
-              <a:rPr lang="fr-FR" smtClean="0"/>
+              <a:rPr lang="fr-FR"/>
               <a:t>Quatrième niveau</a:t>
             </a:r>
           </a:p>
           <a:p>
             <a:pPr lvl="4" eaLnBrk="1" latinLnBrk="0" hangingPunct="1"/>
             <a:r>
-              <a:rPr lang="fr-FR" smtClean="0"/>
+              <a:rPr lang="fr-FR"/>
               <a:t>Cinquième niveau</a:t>
             </a:r>
             <a:endParaRPr/>
@@ -7333,13 +7085,11 @@
         <p:spPr/>
         <p:txBody>
           <a:bodyPr/>
-          <a:lstStyle>
-            <a:extLst/>
-          </a:lstStyle>
+          <a:lstStyle/>
           <a:p>
             <a:pPr algn="r"/>
             <a:r>
-              <a:rPr smtClean="0">
+              <a:rPr>
                 <a:solidFill>
                   <a:prstClr val="black">
                     <a:tint val="65000"/>
@@ -7348,13 +7098,6 @@
               </a:rPr>
               <a:t>28/6/2006</a:t>
             </a:r>
-            <a:endParaRPr>
-              <a:solidFill>
-                <a:prstClr val="black">
-                  <a:tint val="65000"/>
-                </a:prstClr>
-              </a:solidFill>
-            </a:endParaRPr>
           </a:p>
         </p:txBody>
       </p:sp>
@@ -7371,9 +7114,7 @@
         <p:spPr/>
         <p:txBody>
           <a:bodyPr/>
-          <a:lstStyle>
-            <a:extLst/>
-          </a:lstStyle>
+          <a:lstStyle/>
           <a:p>
             <a:pPr algn="r"/>
             <a:fld id="{256D3EEF-DE4E-429D-8EC4-DDC531AFF587}" type="slidenum">
@@ -7406,9 +7147,7 @@
         <p:spPr/>
         <p:txBody>
           <a:bodyPr/>
-          <a:lstStyle>
-            <a:extLst/>
-          </a:lstStyle>
+          <a:lstStyle/>
           <a:p>
             <a:endParaRPr/>
           </a:p>
@@ -7465,13 +7204,11 @@
         </p:spPr>
         <p:txBody>
           <a:bodyPr/>
-          <a:lstStyle>
-            <a:extLst/>
-          </a:lstStyle>
+          <a:lstStyle/>
           <a:p>
             <a:pPr eaLnBrk="1" latinLnBrk="0" hangingPunct="1"/>
             <a:r>
-              <a:rPr lang="fr-FR" smtClean="0"/>
+              <a:rPr lang="fr-FR"/>
               <a:t>Modifiez le style du titre</a:t>
             </a:r>
             <a:endParaRPr/>
@@ -7538,41 +7275,39 @@
         </p:spPr>
         <p:txBody>
           <a:bodyPr/>
-          <a:lstStyle>
-            <a:extLst/>
-          </a:lstStyle>
+          <a:lstStyle/>
           <a:p>
             <a:pPr lvl="0" eaLnBrk="1" latinLnBrk="0" hangingPunct="1"/>
             <a:r>
-              <a:rPr lang="fr-FR" smtClean="0"/>
+              <a:rPr lang="fr-FR"/>
               <a:t>Modifiez les styles du texte du masque</a:t>
             </a:r>
           </a:p>
           <a:p>
             <a:pPr lvl="1" eaLnBrk="1" latinLnBrk="0" hangingPunct="1"/>
             <a:r>
-              <a:rPr lang="fr-FR" smtClean="0"/>
+              <a:rPr lang="fr-FR"/>
               <a:t>Deuxième niveau</a:t>
             </a:r>
           </a:p>
           <a:p>
             <a:pPr lvl="2" eaLnBrk="1" latinLnBrk="0" hangingPunct="1"/>
             <a:r>
-              <a:rPr lang="fr-FR" smtClean="0"/>
+              <a:rPr lang="fr-FR"/>
               <a:t>Troisième niveau</a:t>
             </a:r>
           </a:p>
           <a:p>
             <a:pPr lvl="3" eaLnBrk="1" latinLnBrk="0" hangingPunct="1"/>
             <a:r>
-              <a:rPr lang="fr-FR" smtClean="0"/>
+              <a:rPr lang="fr-FR"/>
               <a:t>Quatrième niveau</a:t>
             </a:r>
           </a:p>
           <a:p>
             <a:pPr lvl="4" eaLnBrk="1" latinLnBrk="0" hangingPunct="1"/>
             <a:r>
-              <a:rPr lang="fr-FR" smtClean="0"/>
+              <a:rPr lang="fr-FR"/>
               <a:t>Cinquième niveau</a:t>
             </a:r>
             <a:endParaRPr/>
@@ -7639,41 +7374,39 @@
         </p:spPr>
         <p:txBody>
           <a:bodyPr/>
-          <a:lstStyle>
-            <a:extLst/>
-          </a:lstStyle>
+          <a:lstStyle/>
           <a:p>
             <a:pPr lvl="0" eaLnBrk="1" latinLnBrk="0" hangingPunct="1"/>
             <a:r>
-              <a:rPr lang="fr-FR" smtClean="0"/>
+              <a:rPr lang="fr-FR"/>
               <a:t>Modifiez les styles du texte du masque</a:t>
             </a:r>
           </a:p>
           <a:p>
             <a:pPr lvl="1" eaLnBrk="1" latinLnBrk="0" hangingPunct="1"/>
             <a:r>
-              <a:rPr lang="fr-FR" smtClean="0"/>
+              <a:rPr lang="fr-FR"/>
               <a:t>Deuxième niveau</a:t>
             </a:r>
           </a:p>
           <a:p>
             <a:pPr lvl="2" eaLnBrk="1" latinLnBrk="0" hangingPunct="1"/>
             <a:r>
-              <a:rPr lang="fr-FR" smtClean="0"/>
+              <a:rPr lang="fr-FR"/>
               <a:t>Troisième niveau</a:t>
             </a:r>
           </a:p>
           <a:p>
             <a:pPr lvl="3" eaLnBrk="1" latinLnBrk="0" hangingPunct="1"/>
             <a:r>
-              <a:rPr lang="fr-FR" smtClean="0"/>
+              <a:rPr lang="fr-FR"/>
               <a:t>Quatrième niveau</a:t>
             </a:r>
           </a:p>
           <a:p>
             <a:pPr lvl="4" eaLnBrk="1" latinLnBrk="0" hangingPunct="1"/>
             <a:r>
-              <a:rPr lang="fr-FR" smtClean="0"/>
+              <a:rPr lang="fr-FR"/>
               <a:t>Cinquième niveau</a:t>
             </a:r>
             <a:endParaRPr/>
@@ -7740,41 +7473,39 @@
         </p:spPr>
         <p:txBody>
           <a:bodyPr/>
-          <a:lstStyle>
-            <a:extLst/>
-          </a:lstStyle>
+          <a:lstStyle/>
           <a:p>
             <a:pPr lvl="0" eaLnBrk="1" latinLnBrk="0" hangingPunct="1"/>
             <a:r>
-              <a:rPr lang="fr-FR" smtClean="0"/>
+              <a:rPr lang="fr-FR"/>
               <a:t>Modifiez les styles du texte du masque</a:t>
             </a:r>
           </a:p>
           <a:p>
             <a:pPr lvl="1" eaLnBrk="1" latinLnBrk="0" hangingPunct="1"/>
             <a:r>
-              <a:rPr lang="fr-FR" smtClean="0"/>
+              <a:rPr lang="fr-FR"/>
               <a:t>Deuxième niveau</a:t>
             </a:r>
           </a:p>
           <a:p>
             <a:pPr lvl="2" eaLnBrk="1" latinLnBrk="0" hangingPunct="1"/>
             <a:r>
-              <a:rPr lang="fr-FR" smtClean="0"/>
+              <a:rPr lang="fr-FR"/>
               <a:t>Troisième niveau</a:t>
             </a:r>
           </a:p>
           <a:p>
             <a:pPr lvl="3" eaLnBrk="1" latinLnBrk="0" hangingPunct="1"/>
             <a:r>
-              <a:rPr lang="fr-FR" smtClean="0"/>
+              <a:rPr lang="fr-FR"/>
               <a:t>Quatrième niveau</a:t>
             </a:r>
           </a:p>
           <a:p>
             <a:pPr lvl="4" eaLnBrk="1" latinLnBrk="0" hangingPunct="1"/>
             <a:r>
-              <a:rPr lang="fr-FR" smtClean="0"/>
+              <a:rPr lang="fr-FR"/>
               <a:t>Cinquième niveau</a:t>
             </a:r>
             <a:endParaRPr/>
@@ -7841,41 +7572,39 @@
         </p:spPr>
         <p:txBody>
           <a:bodyPr/>
-          <a:lstStyle>
-            <a:extLst/>
-          </a:lstStyle>
+          <a:lstStyle/>
           <a:p>
             <a:pPr lvl="0" eaLnBrk="1" latinLnBrk="0" hangingPunct="1"/>
             <a:r>
-              <a:rPr lang="fr-FR" smtClean="0"/>
+              <a:rPr lang="fr-FR"/>
               <a:t>Modifiez les styles du texte du masque</a:t>
             </a:r>
           </a:p>
           <a:p>
             <a:pPr lvl="1" eaLnBrk="1" latinLnBrk="0" hangingPunct="1"/>
             <a:r>
-              <a:rPr lang="fr-FR" smtClean="0"/>
+              <a:rPr lang="fr-FR"/>
               <a:t>Deuxième niveau</a:t>
             </a:r>
           </a:p>
           <a:p>
             <a:pPr lvl="2" eaLnBrk="1" latinLnBrk="0" hangingPunct="1"/>
             <a:r>
-              <a:rPr lang="fr-FR" smtClean="0"/>
+              <a:rPr lang="fr-FR"/>
               <a:t>Troisième niveau</a:t>
             </a:r>
           </a:p>
           <a:p>
             <a:pPr lvl="3" eaLnBrk="1" latinLnBrk="0" hangingPunct="1"/>
             <a:r>
-              <a:rPr lang="fr-FR" smtClean="0"/>
+              <a:rPr lang="fr-FR"/>
               <a:t>Quatrième niveau</a:t>
             </a:r>
           </a:p>
           <a:p>
             <a:pPr lvl="4" eaLnBrk="1" latinLnBrk="0" hangingPunct="1"/>
             <a:r>
-              <a:rPr lang="fr-FR" smtClean="0"/>
+              <a:rPr lang="fr-FR"/>
               <a:t>Cinquième niveau</a:t>
             </a:r>
             <a:endParaRPr/>
@@ -7942,41 +7671,39 @@
         </p:spPr>
         <p:txBody>
           <a:bodyPr/>
-          <a:lstStyle>
-            <a:extLst/>
-          </a:lstStyle>
+          <a:lstStyle/>
           <a:p>
             <a:pPr lvl="0" eaLnBrk="1" latinLnBrk="0" hangingPunct="1"/>
             <a:r>
-              <a:rPr lang="fr-FR" smtClean="0"/>
+              <a:rPr lang="fr-FR"/>
               <a:t>Modifiez les styles du texte du masque</a:t>
             </a:r>
           </a:p>
           <a:p>
             <a:pPr lvl="1" eaLnBrk="1" latinLnBrk="0" hangingPunct="1"/>
             <a:r>
-              <a:rPr lang="fr-FR" smtClean="0"/>
+              <a:rPr lang="fr-FR"/>
               <a:t>Deuxième niveau</a:t>
             </a:r>
           </a:p>
           <a:p>
             <a:pPr lvl="2" eaLnBrk="1" latinLnBrk="0" hangingPunct="1"/>
             <a:r>
-              <a:rPr lang="fr-FR" smtClean="0"/>
+              <a:rPr lang="fr-FR"/>
               <a:t>Troisième niveau</a:t>
             </a:r>
           </a:p>
           <a:p>
             <a:pPr lvl="3" eaLnBrk="1" latinLnBrk="0" hangingPunct="1"/>
             <a:r>
-              <a:rPr lang="fr-FR" smtClean="0"/>
+              <a:rPr lang="fr-FR"/>
               <a:t>Quatrième niveau</a:t>
             </a:r>
           </a:p>
           <a:p>
             <a:pPr lvl="4" eaLnBrk="1" latinLnBrk="0" hangingPunct="1"/>
             <a:r>
-              <a:rPr lang="fr-FR" smtClean="0"/>
+              <a:rPr lang="fr-FR"/>
               <a:t>Cinquième niveau</a:t>
             </a:r>
             <a:endParaRPr/>
@@ -7996,13 +7723,11 @@
         <p:spPr/>
         <p:txBody>
           <a:bodyPr/>
-          <a:lstStyle>
-            <a:extLst/>
-          </a:lstStyle>
+          <a:lstStyle/>
           <a:p>
             <a:pPr algn="r"/>
             <a:r>
-              <a:rPr smtClean="0">
+              <a:rPr>
                 <a:solidFill>
                   <a:prstClr val="black">
                     <a:tint val="65000"/>
@@ -8011,13 +7736,6 @@
               </a:rPr>
               <a:t>28/6/2006</a:t>
             </a:r>
-            <a:endParaRPr>
-              <a:solidFill>
-                <a:prstClr val="black">
-                  <a:tint val="65000"/>
-                </a:prstClr>
-              </a:solidFill>
-            </a:endParaRPr>
           </a:p>
         </p:txBody>
       </p:sp>
@@ -8034,9 +7752,7 @@
         <p:spPr/>
         <p:txBody>
           <a:bodyPr/>
-          <a:lstStyle>
-            <a:extLst/>
-          </a:lstStyle>
+          <a:lstStyle/>
           <a:p>
             <a:pPr algn="r"/>
             <a:fld id="{256D3EEF-DE4E-429D-8EC4-DDC531AFF587}" type="slidenum">
@@ -8069,9 +7785,7 @@
         <p:spPr/>
         <p:txBody>
           <a:bodyPr/>
-          <a:lstStyle>
-            <a:extLst/>
-          </a:lstStyle>
+          <a:lstStyle/>
           <a:p>
             <a:endParaRPr/>
           </a:p>
@@ -8128,13 +7842,11 @@
         </p:spPr>
         <p:txBody>
           <a:bodyPr/>
-          <a:lstStyle>
-            <a:extLst/>
-          </a:lstStyle>
+          <a:lstStyle/>
           <a:p>
             <a:pPr eaLnBrk="1" latinLnBrk="0" hangingPunct="1"/>
             <a:r>
-              <a:rPr lang="fr-FR" smtClean="0"/>
+              <a:rPr lang="fr-FR"/>
               <a:t>Modifiez le style du titre</a:t>
             </a:r>
             <a:endParaRPr/>
@@ -8179,9 +7891,7 @@
         </p:style>
         <p:txBody>
           <a:bodyPr anchor="ctr"/>
-          <a:lstStyle>
-            <a:extLst/>
-          </a:lstStyle>
+          <a:lstStyle/>
           <a:p>
             <a:pPr algn="ctr"/>
             <a:endParaRPr lang="fr-FR">
@@ -8230,9 +7940,7 @@
         </p:style>
         <p:txBody>
           <a:bodyPr anchor="ctr"/>
-          <a:lstStyle>
-            <a:extLst/>
-          </a:lstStyle>
+          <a:lstStyle/>
           <a:p>
             <a:pPr algn="ctr"/>
             <a:endParaRPr lang="fr-FR">
@@ -8281,9 +7989,7 @@
         </p:style>
         <p:txBody>
           <a:bodyPr anchor="ctr"/>
-          <a:lstStyle>
-            <a:extLst/>
-          </a:lstStyle>
+          <a:lstStyle/>
           <a:p>
             <a:pPr algn="ctr"/>
             <a:endParaRPr lang="fr-FR">
@@ -8332,9 +8038,7 @@
         </p:style>
         <p:txBody>
           <a:bodyPr anchor="ctr"/>
-          <a:lstStyle>
-            <a:extLst/>
-          </a:lstStyle>
+          <a:lstStyle/>
           <a:p>
             <a:pPr algn="ctr"/>
             <a:endParaRPr lang="fr-FR">
@@ -8383,9 +8087,7 @@
         </p:style>
         <p:txBody>
           <a:bodyPr anchor="ctr"/>
-          <a:lstStyle>
-            <a:extLst/>
-          </a:lstStyle>
+          <a:lstStyle/>
           <a:p>
             <a:pPr algn="ctr"/>
             <a:endParaRPr lang="fr-FR">
@@ -8434,9 +8136,7 @@
         </p:style>
         <p:txBody>
           <a:bodyPr anchor="ctr"/>
-          <a:lstStyle>
-            <a:extLst/>
-          </a:lstStyle>
+          <a:lstStyle/>
           <a:p>
             <a:pPr algn="ctr"/>
             <a:endParaRPr lang="fr-FR">
@@ -8465,9 +8165,7 @@
         </p:spPr>
         <p:txBody>
           <a:bodyPr/>
-          <a:lstStyle>
-            <a:extLst/>
-          </a:lstStyle>
+          <a:lstStyle/>
           <a:p>
             <a:r>
               <a:rPr kumimoji="0" lang="fr-FR"/>
@@ -8499,9 +8197,7 @@
         </p:spPr>
         <p:txBody>
           <a:bodyPr/>
-          <a:lstStyle>
-            <a:extLst/>
-          </a:lstStyle>
+          <a:lstStyle/>
           <a:p>
             <a:r>
               <a:rPr kumimoji="0" lang="fr-FR"/>
@@ -8533,9 +8229,7 @@
         </p:spPr>
         <p:txBody>
           <a:bodyPr/>
-          <a:lstStyle>
-            <a:extLst/>
-          </a:lstStyle>
+          <a:lstStyle/>
           <a:p>
             <a:r>
               <a:rPr kumimoji="0" lang="fr-FR"/>
@@ -8567,9 +8261,7 @@
         </p:spPr>
         <p:txBody>
           <a:bodyPr/>
-          <a:lstStyle>
-            <a:extLst/>
-          </a:lstStyle>
+          <a:lstStyle/>
           <a:p>
             <a:r>
               <a:rPr kumimoji="0" lang="fr-FR"/>
@@ -8601,9 +8293,7 @@
         </p:spPr>
         <p:txBody>
           <a:bodyPr/>
-          <a:lstStyle>
-            <a:extLst/>
-          </a:lstStyle>
+          <a:lstStyle/>
           <a:p>
             <a:r>
               <a:rPr kumimoji="0" lang="fr-FR"/>
@@ -8635,9 +8325,7 @@
         </p:spPr>
         <p:txBody>
           <a:bodyPr/>
-          <a:lstStyle>
-            <a:extLst/>
-          </a:lstStyle>
+          <a:lstStyle/>
           <a:p>
             <a:r>
               <a:rPr kumimoji="0" lang="fr-FR"/>
@@ -9284,7 +8972,7 @@
           <a:p>
             <a:pPr lvl="0" eaLnBrk="1" latinLnBrk="0" hangingPunct="1"/>
             <a:r>
-              <a:rPr lang="fr-FR" smtClean="0"/>
+              <a:rPr lang="fr-FR"/>
               <a:t>Modifiez les styles du texte du masque</a:t>
             </a:r>
           </a:p>
@@ -9303,13 +8991,11 @@
         <p:spPr/>
         <p:txBody>
           <a:bodyPr/>
-          <a:lstStyle>
-            <a:extLst/>
-          </a:lstStyle>
+          <a:lstStyle/>
           <a:p>
             <a:pPr algn="r"/>
             <a:r>
-              <a:rPr smtClean="0">
+              <a:rPr>
                 <a:solidFill>
                   <a:prstClr val="black">
                     <a:tint val="65000"/>
@@ -9318,13 +9004,6 @@
               </a:rPr>
               <a:t>28/6/2006</a:t>
             </a:r>
-            <a:endParaRPr>
-              <a:solidFill>
-                <a:prstClr val="black">
-                  <a:tint val="65000"/>
-                </a:prstClr>
-              </a:solidFill>
-            </a:endParaRPr>
           </a:p>
         </p:txBody>
       </p:sp>
@@ -9341,9 +9020,7 @@
         <p:spPr/>
         <p:txBody>
           <a:bodyPr/>
-          <a:lstStyle>
-            <a:extLst/>
-          </a:lstStyle>
+          <a:lstStyle/>
           <a:p>
             <a:pPr algn="r"/>
             <a:fld id="{256D3EEF-DE4E-429D-8EC4-DDC531AFF587}" type="slidenum">
@@ -9376,9 +9053,7 @@
         <p:spPr/>
         <p:txBody>
           <a:bodyPr/>
-          <a:lstStyle>
-            <a:extLst/>
-          </a:lstStyle>
+          <a:lstStyle/>
           <a:p>
             <a:endParaRPr/>
           </a:p>
@@ -9432,9 +9107,7 @@
         </p:spPr>
         <p:txBody>
           <a:bodyPr anchor="ctr"/>
-          <a:lstStyle>
-            <a:extLst/>
-          </a:lstStyle>
+          <a:lstStyle/>
           <a:p>
             <a:pPr algn="r"/>
             <a:fld id="{256D3EEF-DE4E-429D-8EC4-DDC531AFF587}" type="slidenum">
@@ -9467,9 +9140,7 @@
         <p:spPr/>
         <p:txBody>
           <a:bodyPr/>
-          <a:lstStyle>
-            <a:extLst/>
-          </a:lstStyle>
+          <a:lstStyle/>
           <a:p>
             <a:endParaRPr/>
           </a:p>
@@ -9513,9 +9184,7 @@
         </p:style>
         <p:txBody>
           <a:bodyPr anchor="ctr"/>
-          <a:lstStyle>
-            <a:extLst/>
-          </a:lstStyle>
+          <a:lstStyle/>
           <a:p>
             <a:pPr algn="ctr"/>
             <a:endParaRPr lang="fr-FR">
@@ -9556,10 +9225,9 @@
           </a:lstStyle>
           <a:p>
             <a:r>
-              <a:rPr smtClean="0"/>
+              <a:rPr/>
               <a:t>28/6/2006</a:t>
             </a:r>
-            <a:endParaRPr/>
           </a:p>
         </p:txBody>
       </p:sp>
@@ -9603,9 +9271,7 @@
         </p:style>
         <p:txBody>
           <a:bodyPr anchor="ctr"/>
-          <a:lstStyle>
-            <a:extLst/>
-          </a:lstStyle>
+          <a:lstStyle/>
           <a:p>
             <a:pPr algn="ctr"/>
             <a:endParaRPr lang="fr-FR">
@@ -9653,7 +9319,7 @@
           <a:p>
             <a:pPr eaLnBrk="1" latinLnBrk="0" hangingPunct="1"/>
             <a:r>
-              <a:rPr lang="fr-FR" dirty="0" smtClean="0"/>
+              <a:rPr lang="fr-FR" dirty="0"/>
               <a:t>Modifiez le style du titre</a:t>
             </a:r>
             <a:endParaRPr dirty="0"/>
@@ -9698,9 +9364,7 @@
         </p:style>
         <p:txBody>
           <a:bodyPr anchor="ctr"/>
-          <a:lstStyle>
-            <a:extLst/>
-          </a:lstStyle>
+          <a:lstStyle/>
           <a:p>
             <a:pPr algn="ctr"/>
             <a:endParaRPr lang="fr-FR">
@@ -9825,13 +9489,6 @@
   <p:clrMapOvr>
     <a:masterClrMapping/>
   </p:clrMapOvr>
-  <p:timing>
-    <p:tnLst>
-      <p:par>
-        <p:cTn id="1" dur="indefinite" restart="never" nodeType="tmRoot"/>
-      </p:par>
-    </p:tnLst>
-  </p:timing>
 </p:sldLayout>
 </file>
 
@@ -10968,7 +10625,7 @@
           <a:p>
             <a:pPr algn="r"/>
             <a:r>
-              <a:rPr smtClean="0">
+              <a:rPr>
                 <a:solidFill>
                   <a:prstClr val="black">
                     <a:tint val="65000"/>
@@ -10977,13 +10634,6 @@
               </a:rPr>
               <a:t>28/6/2006</a:t>
             </a:r>
-            <a:endParaRPr>
-              <a:solidFill>
-                <a:prstClr val="black">
-                  <a:tint val="65000"/>
-                </a:prstClr>
-              </a:solidFill>
-            </a:endParaRPr>
           </a:p>
         </p:txBody>
       </p:sp>
@@ -11000,9 +10650,7 @@
         <p:spPr/>
         <p:txBody>
           <a:bodyPr/>
-          <a:lstStyle>
-            <a:extLst/>
-          </a:lstStyle>
+          <a:lstStyle/>
           <a:p>
             <a:pPr algn="r"/>
             <a:fld id="{256D3EEF-DE4E-429D-8EC4-DDC531AFF587}" type="slidenum">
@@ -11035,9 +10683,7 @@
         <p:spPr/>
         <p:txBody>
           <a:bodyPr/>
-          <a:lstStyle>
-            <a:extLst/>
-          </a:lstStyle>
+          <a:lstStyle/>
           <a:p>
             <a:endParaRPr/>
           </a:p>
@@ -11114,9 +10760,7 @@
         </p:style>
         <p:txBody>
           <a:bodyPr anchor="ctr"/>
-          <a:lstStyle>
-            <a:extLst/>
-          </a:lstStyle>
+          <a:lstStyle/>
           <a:p>
             <a:pPr algn="ctr"/>
             <a:endParaRPr lang="fr-FR">
@@ -11161,10 +10805,9 @@
           </a:lstStyle>
           <a:p>
             <a:r>
-              <a:rPr kumimoji="0" lang="fr-FR" smtClean="0"/>
+              <a:rPr kumimoji="0" lang="fr-FR"/>
               <a:t>Modifiez le style du titre</a:t>
             </a:r>
-            <a:endParaRPr kumimoji="0" lang="fr-FR"/>
           </a:p>
         </p:txBody>
       </p:sp>
@@ -11198,10 +10841,9 @@
           </a:lstStyle>
           <a:p>
             <a:r>
-              <a:rPr smtClean="0"/>
+              <a:rPr/>
               <a:t>28/6/2006</a:t>
             </a:r>
-            <a:endParaRPr/>
           </a:p>
         </p:txBody>
       </p:sp>
@@ -11260,9 +10902,7 @@
         </p:spPr>
         <p:txBody>
           <a:bodyPr anchor="ctr"/>
-          <a:lstStyle>
-            <a:extLst/>
-          </a:lstStyle>
+          <a:lstStyle/>
           <a:p>
             <a:pPr algn="r"/>
             <a:fld id="{256D3EEF-DE4E-429D-8EC4-DDC531AFF587}" type="slidenum">
@@ -11320,9 +10960,7 @@
         </p:style>
         <p:txBody>
           <a:bodyPr anchor="ctr"/>
-          <a:lstStyle>
-            <a:extLst/>
-          </a:lstStyle>
+          <a:lstStyle/>
           <a:p>
             <a:pPr algn="ctr"/>
             <a:endParaRPr lang="fr-FR">
@@ -11406,13 +11044,11 @@
         <p:spPr/>
         <p:txBody>
           <a:bodyPr/>
-          <a:lstStyle>
-            <a:extLst/>
-          </a:lstStyle>
+          <a:lstStyle/>
           <a:p>
             <a:pPr algn="r"/>
             <a:r>
-              <a:rPr smtClean="0">
+              <a:rPr>
                 <a:solidFill>
                   <a:prstClr val="black">
                     <a:tint val="65000"/>
@@ -11421,13 +11057,6 @@
               </a:rPr>
               <a:t>28/6/2006</a:t>
             </a:r>
-            <a:endParaRPr>
-              <a:solidFill>
-                <a:prstClr val="black">
-                  <a:tint val="65000"/>
-                </a:prstClr>
-              </a:solidFill>
-            </a:endParaRPr>
           </a:p>
         </p:txBody>
       </p:sp>
@@ -11481,9 +11110,7 @@
         <p:spPr/>
         <p:txBody>
           <a:bodyPr/>
-          <a:lstStyle>
-            <a:extLst/>
-          </a:lstStyle>
+          <a:lstStyle/>
           <a:p>
             <a:endParaRPr/>
           </a:p>
@@ -11578,35 +11205,35 @@
           <a:p>
             <a:pPr lvl="0" eaLnBrk="1" latinLnBrk="0" hangingPunct="1"/>
             <a:r>
-              <a:rPr lang="fr-FR" dirty="0" smtClean="0"/>
+              <a:rPr lang="fr-FR" dirty="0"/>
               <a:t>Modifiez les styles du texte du masque</a:t>
             </a:r>
           </a:p>
           <a:p>
             <a:pPr lvl="1" eaLnBrk="1" latinLnBrk="0" hangingPunct="1"/>
             <a:r>
-              <a:rPr lang="fr-FR" dirty="0" smtClean="0"/>
+              <a:rPr lang="fr-FR" dirty="0"/>
               <a:t>Deuxième niveau</a:t>
             </a:r>
           </a:p>
           <a:p>
             <a:pPr lvl="2" eaLnBrk="1" latinLnBrk="0" hangingPunct="1"/>
             <a:r>
-              <a:rPr lang="fr-FR" dirty="0" smtClean="0"/>
+              <a:rPr lang="fr-FR" dirty="0"/>
               <a:t>Troisième niveau</a:t>
             </a:r>
           </a:p>
           <a:p>
             <a:pPr lvl="3" eaLnBrk="1" latinLnBrk="0" hangingPunct="1"/>
             <a:r>
-              <a:rPr lang="fr-FR" dirty="0" smtClean="0"/>
+              <a:rPr lang="fr-FR" dirty="0"/>
               <a:t>Quatrième niveau</a:t>
             </a:r>
           </a:p>
           <a:p>
             <a:pPr lvl="4" eaLnBrk="1" latinLnBrk="0" hangingPunct="1"/>
             <a:r>
-              <a:rPr lang="fr-FR" dirty="0" smtClean="0"/>
+              <a:rPr lang="fr-FR" dirty="0"/>
               <a:t>Cinquième niveau</a:t>
             </a:r>
             <a:endParaRPr dirty="0"/>
@@ -11626,13 +11253,11 @@
         <p:spPr/>
         <p:txBody>
           <a:bodyPr/>
-          <a:lstStyle>
-            <a:extLst/>
-          </a:lstStyle>
+          <a:lstStyle/>
           <a:p>
             <a:pPr algn="r"/>
             <a:r>
-              <a:rPr smtClean="0">
+              <a:rPr>
                 <a:solidFill>
                   <a:prstClr val="black">
                     <a:tint val="65000"/>
@@ -11641,13 +11266,6 @@
               </a:rPr>
               <a:t>28/6/2006</a:t>
             </a:r>
-            <a:endParaRPr>
-              <a:solidFill>
-                <a:prstClr val="black">
-                  <a:tint val="65000"/>
-                </a:prstClr>
-              </a:solidFill>
-            </a:endParaRPr>
           </a:p>
         </p:txBody>
       </p:sp>
@@ -11710,9 +11328,7 @@
         <p:spPr/>
         <p:txBody>
           <a:bodyPr/>
-          <a:lstStyle>
-            <a:extLst/>
-          </a:lstStyle>
+          <a:lstStyle/>
           <a:p>
             <a:endParaRPr/>
           </a:p>
@@ -11772,13 +11388,6 @@
   <p:clrMapOvr>
     <a:masterClrMapping/>
   </p:clrMapOvr>
-  <p:timing>
-    <p:tnLst>
-      <p:par>
-        <p:cTn id="1" dur="indefinite" restart="never" nodeType="tmRoot"/>
-      </p:par>
-    </p:tnLst>
-  </p:timing>
 </p:sldLayout>
 </file>
 
@@ -11859,41 +11468,39 @@
         </p:spPr>
         <p:txBody>
           <a:bodyPr/>
-          <a:lstStyle>
-            <a:extLst/>
-          </a:lstStyle>
+          <a:lstStyle/>
           <a:p>
             <a:pPr lvl="0" eaLnBrk="1" latinLnBrk="0" hangingPunct="1"/>
             <a:r>
-              <a:rPr lang="fr-FR" smtClean="0"/>
+              <a:rPr lang="fr-FR"/>
               <a:t>Modifiez les styles du texte du masque</a:t>
             </a:r>
           </a:p>
           <a:p>
             <a:pPr lvl="1" eaLnBrk="1" latinLnBrk="0" hangingPunct="1"/>
             <a:r>
-              <a:rPr lang="fr-FR" smtClean="0"/>
+              <a:rPr lang="fr-FR"/>
               <a:t>Deuxième niveau</a:t>
             </a:r>
           </a:p>
           <a:p>
             <a:pPr lvl="2" eaLnBrk="1" latinLnBrk="0" hangingPunct="1"/>
             <a:r>
-              <a:rPr lang="fr-FR" smtClean="0"/>
+              <a:rPr lang="fr-FR"/>
               <a:t>Troisième niveau</a:t>
             </a:r>
           </a:p>
           <a:p>
             <a:pPr lvl="3" eaLnBrk="1" latinLnBrk="0" hangingPunct="1"/>
             <a:r>
-              <a:rPr lang="fr-FR" smtClean="0"/>
+              <a:rPr lang="fr-FR"/>
               <a:t>Quatrième niveau</a:t>
             </a:r>
           </a:p>
           <a:p>
             <a:pPr lvl="4" eaLnBrk="1" latinLnBrk="0" hangingPunct="1"/>
             <a:r>
-              <a:rPr lang="fr-FR" smtClean="0"/>
+              <a:rPr lang="fr-FR"/>
               <a:t>Cinquième niveau</a:t>
             </a:r>
             <a:endParaRPr/>
@@ -11960,41 +11567,39 @@
         </p:spPr>
         <p:txBody>
           <a:bodyPr/>
-          <a:lstStyle>
-            <a:extLst/>
-          </a:lstStyle>
+          <a:lstStyle/>
           <a:p>
             <a:pPr lvl="0" eaLnBrk="1" latinLnBrk="0" hangingPunct="1"/>
             <a:r>
-              <a:rPr lang="fr-FR" smtClean="0"/>
+              <a:rPr lang="fr-FR"/>
               <a:t>Modifiez les styles du texte du masque</a:t>
             </a:r>
           </a:p>
           <a:p>
             <a:pPr lvl="1" eaLnBrk="1" latinLnBrk="0" hangingPunct="1"/>
             <a:r>
-              <a:rPr lang="fr-FR" smtClean="0"/>
+              <a:rPr lang="fr-FR"/>
               <a:t>Deuxième niveau</a:t>
             </a:r>
           </a:p>
           <a:p>
             <a:pPr lvl="2" eaLnBrk="1" latinLnBrk="0" hangingPunct="1"/>
             <a:r>
-              <a:rPr lang="fr-FR" smtClean="0"/>
+              <a:rPr lang="fr-FR"/>
               <a:t>Troisième niveau</a:t>
             </a:r>
           </a:p>
           <a:p>
             <a:pPr lvl="3" eaLnBrk="1" latinLnBrk="0" hangingPunct="1"/>
             <a:r>
-              <a:rPr lang="fr-FR" smtClean="0"/>
+              <a:rPr lang="fr-FR"/>
               <a:t>Quatrième niveau</a:t>
             </a:r>
           </a:p>
           <a:p>
             <a:pPr lvl="4" eaLnBrk="1" latinLnBrk="0" hangingPunct="1"/>
             <a:r>
-              <a:rPr lang="fr-FR" smtClean="0"/>
+              <a:rPr lang="fr-FR"/>
               <a:t>Cinquième niveau</a:t>
             </a:r>
             <a:endParaRPr/>
@@ -12014,13 +11619,11 @@
         <p:spPr/>
         <p:txBody>
           <a:bodyPr/>
-          <a:lstStyle>
-            <a:extLst/>
-          </a:lstStyle>
+          <a:lstStyle/>
           <a:p>
             <a:pPr algn="r"/>
             <a:r>
-              <a:rPr smtClean="0">
+              <a:rPr>
                 <a:solidFill>
                   <a:prstClr val="black">
                     <a:tint val="65000"/>
@@ -12029,13 +11632,6 @@
               </a:rPr>
               <a:t>28/6/2006</a:t>
             </a:r>
-            <a:endParaRPr>
-              <a:solidFill>
-                <a:prstClr val="black">
-                  <a:tint val="65000"/>
-                </a:prstClr>
-              </a:solidFill>
-            </a:endParaRPr>
           </a:p>
         </p:txBody>
       </p:sp>
@@ -12093,9 +11689,7 @@
         <p:spPr/>
         <p:txBody>
           <a:bodyPr/>
-          <a:lstStyle>
-            <a:extLst/>
-          </a:lstStyle>
+          <a:lstStyle/>
           <a:p>
             <a:endParaRPr/>
           </a:p>
@@ -12152,13 +11746,11 @@
         </p:spPr>
         <p:txBody>
           <a:bodyPr/>
-          <a:lstStyle>
-            <a:extLst/>
-          </a:lstStyle>
+          <a:lstStyle/>
           <a:p>
             <a:pPr eaLnBrk="1" latinLnBrk="0" hangingPunct="1"/>
             <a:r>
-              <a:rPr lang="fr-FR" smtClean="0"/>
+              <a:rPr lang="fr-FR"/>
               <a:t>Modifiez le style du titre</a:t>
             </a:r>
             <a:endParaRPr/>
@@ -12225,41 +11817,39 @@
         </p:spPr>
         <p:txBody>
           <a:bodyPr/>
-          <a:lstStyle>
-            <a:extLst/>
-          </a:lstStyle>
+          <a:lstStyle/>
           <a:p>
             <a:pPr lvl="0" eaLnBrk="1" latinLnBrk="0" hangingPunct="1"/>
             <a:r>
-              <a:rPr lang="fr-FR" smtClean="0"/>
+              <a:rPr lang="fr-FR"/>
               <a:t>Modifiez les styles du texte du masque</a:t>
             </a:r>
           </a:p>
           <a:p>
             <a:pPr lvl="1" eaLnBrk="1" latinLnBrk="0" hangingPunct="1"/>
             <a:r>
-              <a:rPr lang="fr-FR" smtClean="0"/>
+              <a:rPr lang="fr-FR"/>
               <a:t>Deuxième niveau</a:t>
             </a:r>
           </a:p>
           <a:p>
             <a:pPr lvl="2" eaLnBrk="1" latinLnBrk="0" hangingPunct="1"/>
             <a:r>
-              <a:rPr lang="fr-FR" smtClean="0"/>
+              <a:rPr lang="fr-FR"/>
               <a:t>Troisième niveau</a:t>
             </a:r>
           </a:p>
           <a:p>
             <a:pPr lvl="3" eaLnBrk="1" latinLnBrk="0" hangingPunct="1"/>
             <a:r>
-              <a:rPr lang="fr-FR" smtClean="0"/>
+              <a:rPr lang="fr-FR"/>
               <a:t>Quatrième niveau</a:t>
             </a:r>
           </a:p>
           <a:p>
             <a:pPr lvl="4" eaLnBrk="1" latinLnBrk="0" hangingPunct="1"/>
             <a:r>
-              <a:rPr lang="fr-FR" smtClean="0"/>
+              <a:rPr lang="fr-FR"/>
               <a:t>Cinquième niveau</a:t>
             </a:r>
             <a:endParaRPr/>
@@ -12326,41 +11916,39 @@
         </p:spPr>
         <p:txBody>
           <a:bodyPr/>
-          <a:lstStyle>
-            <a:extLst/>
-          </a:lstStyle>
+          <a:lstStyle/>
           <a:p>
             <a:pPr lvl="0" eaLnBrk="1" latinLnBrk="0" hangingPunct="1"/>
             <a:r>
-              <a:rPr lang="fr-FR" smtClean="0"/>
+              <a:rPr lang="fr-FR"/>
               <a:t>Modifiez les styles du texte du masque</a:t>
             </a:r>
           </a:p>
           <a:p>
             <a:pPr lvl="1" eaLnBrk="1" latinLnBrk="0" hangingPunct="1"/>
             <a:r>
-              <a:rPr lang="fr-FR" smtClean="0"/>
+              <a:rPr lang="fr-FR"/>
               <a:t>Deuxième niveau</a:t>
             </a:r>
           </a:p>
           <a:p>
             <a:pPr lvl="2" eaLnBrk="1" latinLnBrk="0" hangingPunct="1"/>
             <a:r>
-              <a:rPr lang="fr-FR" smtClean="0"/>
+              <a:rPr lang="fr-FR"/>
               <a:t>Troisième niveau</a:t>
             </a:r>
           </a:p>
           <a:p>
             <a:pPr lvl="3" eaLnBrk="1" latinLnBrk="0" hangingPunct="1"/>
             <a:r>
-              <a:rPr lang="fr-FR" smtClean="0"/>
+              <a:rPr lang="fr-FR"/>
               <a:t>Quatrième niveau</a:t>
             </a:r>
           </a:p>
           <a:p>
             <a:pPr lvl="4" eaLnBrk="1" latinLnBrk="0" hangingPunct="1"/>
             <a:r>
-              <a:rPr lang="fr-FR" smtClean="0"/>
+              <a:rPr lang="fr-FR"/>
               <a:t>Cinquième niveau</a:t>
             </a:r>
             <a:endParaRPr/>
@@ -12427,41 +12015,39 @@
         </p:spPr>
         <p:txBody>
           <a:bodyPr/>
-          <a:lstStyle>
-            <a:extLst/>
-          </a:lstStyle>
+          <a:lstStyle/>
           <a:p>
             <a:pPr lvl="0" eaLnBrk="1" latinLnBrk="0" hangingPunct="1"/>
             <a:r>
-              <a:rPr lang="fr-FR" smtClean="0"/>
+              <a:rPr lang="fr-FR"/>
               <a:t>Modifiez les styles du texte du masque</a:t>
             </a:r>
           </a:p>
           <a:p>
             <a:pPr lvl="1" eaLnBrk="1" latinLnBrk="0" hangingPunct="1"/>
             <a:r>
-              <a:rPr lang="fr-FR" smtClean="0"/>
+              <a:rPr lang="fr-FR"/>
               <a:t>Deuxième niveau</a:t>
             </a:r>
           </a:p>
           <a:p>
             <a:pPr lvl="2" eaLnBrk="1" latinLnBrk="0" hangingPunct="1"/>
             <a:r>
-              <a:rPr lang="fr-FR" smtClean="0"/>
+              <a:rPr lang="fr-FR"/>
               <a:t>Troisième niveau</a:t>
             </a:r>
           </a:p>
           <a:p>
             <a:pPr lvl="3" eaLnBrk="1" latinLnBrk="0" hangingPunct="1"/>
             <a:r>
-              <a:rPr lang="fr-FR" smtClean="0"/>
+              <a:rPr lang="fr-FR"/>
               <a:t>Quatrième niveau</a:t>
             </a:r>
           </a:p>
           <a:p>
             <a:pPr lvl="4" eaLnBrk="1" latinLnBrk="0" hangingPunct="1"/>
             <a:r>
-              <a:rPr lang="fr-FR" smtClean="0"/>
+              <a:rPr lang="fr-FR"/>
               <a:t>Cinquième niveau</a:t>
             </a:r>
             <a:endParaRPr/>
@@ -12481,13 +12067,11 @@
         <p:spPr/>
         <p:txBody>
           <a:bodyPr/>
-          <a:lstStyle>
-            <a:extLst/>
-          </a:lstStyle>
+          <a:lstStyle/>
           <a:p>
             <a:pPr algn="r"/>
             <a:r>
-              <a:rPr smtClean="0">
+              <a:rPr>
                 <a:solidFill>
                   <a:prstClr val="black">
                     <a:tint val="65000"/>
@@ -12496,13 +12080,6 @@
               </a:rPr>
               <a:t>28/6/2006</a:t>
             </a:r>
-            <a:endParaRPr>
-              <a:solidFill>
-                <a:prstClr val="black">
-                  <a:tint val="65000"/>
-                </a:prstClr>
-              </a:solidFill>
-            </a:endParaRPr>
           </a:p>
         </p:txBody>
       </p:sp>
@@ -12519,9 +12096,7 @@
         <p:spPr/>
         <p:txBody>
           <a:bodyPr/>
-          <a:lstStyle>
-            <a:extLst/>
-          </a:lstStyle>
+          <a:lstStyle/>
           <a:p>
             <a:pPr algn="r"/>
             <a:fld id="{256D3EEF-DE4E-429D-8EC4-DDC531AFF587}" type="slidenum">
@@ -12554,9 +12129,7 @@
         <p:spPr/>
         <p:txBody>
           <a:bodyPr/>
-          <a:lstStyle>
-            <a:extLst/>
-          </a:lstStyle>
+          <a:lstStyle/>
           <a:p>
             <a:endParaRPr/>
           </a:p>
@@ -12613,13 +12186,11 @@
         </p:spPr>
         <p:txBody>
           <a:bodyPr/>
-          <a:lstStyle>
-            <a:extLst/>
-          </a:lstStyle>
+          <a:lstStyle/>
           <a:p>
             <a:pPr eaLnBrk="1" latinLnBrk="0" hangingPunct="1"/>
             <a:r>
-              <a:rPr lang="fr-FR" smtClean="0"/>
+              <a:rPr lang="fr-FR"/>
               <a:t>Modifiez le style du titre</a:t>
             </a:r>
             <a:endParaRPr/>
@@ -12686,41 +12257,39 @@
         </p:spPr>
         <p:txBody>
           <a:bodyPr/>
-          <a:lstStyle>
-            <a:extLst/>
-          </a:lstStyle>
+          <a:lstStyle/>
           <a:p>
             <a:pPr lvl="0" eaLnBrk="1" latinLnBrk="0" hangingPunct="1"/>
             <a:r>
-              <a:rPr lang="fr-FR" smtClean="0"/>
+              <a:rPr lang="fr-FR"/>
               <a:t>Modifiez les styles du texte du masque</a:t>
             </a:r>
           </a:p>
           <a:p>
             <a:pPr lvl="1" eaLnBrk="1" latinLnBrk="0" hangingPunct="1"/>
             <a:r>
-              <a:rPr lang="fr-FR" smtClean="0"/>
+              <a:rPr lang="fr-FR"/>
               <a:t>Deuxième niveau</a:t>
             </a:r>
           </a:p>
           <a:p>
             <a:pPr lvl="2" eaLnBrk="1" latinLnBrk="0" hangingPunct="1"/>
             <a:r>
-              <a:rPr lang="fr-FR" smtClean="0"/>
+              <a:rPr lang="fr-FR"/>
               <a:t>Troisième niveau</a:t>
             </a:r>
           </a:p>
           <a:p>
             <a:pPr lvl="3" eaLnBrk="1" latinLnBrk="0" hangingPunct="1"/>
             <a:r>
-              <a:rPr lang="fr-FR" smtClean="0"/>
+              <a:rPr lang="fr-FR"/>
               <a:t>Quatrième niveau</a:t>
             </a:r>
           </a:p>
           <a:p>
             <a:pPr lvl="4" eaLnBrk="1" latinLnBrk="0" hangingPunct="1"/>
             <a:r>
-              <a:rPr lang="fr-FR" smtClean="0"/>
+              <a:rPr lang="fr-FR"/>
               <a:t>Cinquième niveau</a:t>
             </a:r>
             <a:endParaRPr/>
@@ -12787,41 +12356,39 @@
         </p:spPr>
         <p:txBody>
           <a:bodyPr/>
-          <a:lstStyle>
-            <a:extLst/>
-          </a:lstStyle>
+          <a:lstStyle/>
           <a:p>
             <a:pPr lvl="0" eaLnBrk="1" latinLnBrk="0" hangingPunct="1"/>
             <a:r>
-              <a:rPr lang="fr-FR" smtClean="0"/>
+              <a:rPr lang="fr-FR"/>
               <a:t>Modifiez les styles du texte du masque</a:t>
             </a:r>
           </a:p>
           <a:p>
             <a:pPr lvl="1" eaLnBrk="1" latinLnBrk="0" hangingPunct="1"/>
             <a:r>
-              <a:rPr lang="fr-FR" smtClean="0"/>
+              <a:rPr lang="fr-FR"/>
               <a:t>Deuxième niveau</a:t>
             </a:r>
           </a:p>
           <a:p>
             <a:pPr lvl="2" eaLnBrk="1" latinLnBrk="0" hangingPunct="1"/>
             <a:r>
-              <a:rPr lang="fr-FR" smtClean="0"/>
+              <a:rPr lang="fr-FR"/>
               <a:t>Troisième niveau</a:t>
             </a:r>
           </a:p>
           <a:p>
             <a:pPr lvl="3" eaLnBrk="1" latinLnBrk="0" hangingPunct="1"/>
             <a:r>
-              <a:rPr lang="fr-FR" smtClean="0"/>
+              <a:rPr lang="fr-FR"/>
               <a:t>Quatrième niveau</a:t>
             </a:r>
           </a:p>
           <a:p>
             <a:pPr lvl="4" eaLnBrk="1" latinLnBrk="0" hangingPunct="1"/>
             <a:r>
-              <a:rPr lang="fr-FR" smtClean="0"/>
+              <a:rPr lang="fr-FR"/>
               <a:t>Cinquième niveau</a:t>
             </a:r>
             <a:endParaRPr/>
@@ -12888,41 +12455,39 @@
         </p:spPr>
         <p:txBody>
           <a:bodyPr/>
-          <a:lstStyle>
-            <a:extLst/>
-          </a:lstStyle>
+          <a:lstStyle/>
           <a:p>
             <a:pPr lvl="0" eaLnBrk="1" latinLnBrk="0" hangingPunct="1"/>
             <a:r>
-              <a:rPr lang="fr-FR" smtClean="0"/>
+              <a:rPr lang="fr-FR"/>
               <a:t>Modifiez les styles du texte du masque</a:t>
             </a:r>
           </a:p>
           <a:p>
             <a:pPr lvl="1" eaLnBrk="1" latinLnBrk="0" hangingPunct="1"/>
             <a:r>
-              <a:rPr lang="fr-FR" smtClean="0"/>
+              <a:rPr lang="fr-FR"/>
               <a:t>Deuxième niveau</a:t>
             </a:r>
           </a:p>
           <a:p>
             <a:pPr lvl="2" eaLnBrk="1" latinLnBrk="0" hangingPunct="1"/>
             <a:r>
-              <a:rPr lang="fr-FR" smtClean="0"/>
+              <a:rPr lang="fr-FR"/>
               <a:t>Troisième niveau</a:t>
             </a:r>
           </a:p>
           <a:p>
             <a:pPr lvl="3" eaLnBrk="1" latinLnBrk="0" hangingPunct="1"/>
             <a:r>
-              <a:rPr lang="fr-FR" smtClean="0"/>
+              <a:rPr lang="fr-FR"/>
               <a:t>Quatrième niveau</a:t>
             </a:r>
           </a:p>
           <a:p>
             <a:pPr lvl="4" eaLnBrk="1" latinLnBrk="0" hangingPunct="1"/>
             <a:r>
-              <a:rPr lang="fr-FR" smtClean="0"/>
+              <a:rPr lang="fr-FR"/>
               <a:t>Cinquième niveau</a:t>
             </a:r>
             <a:endParaRPr/>
@@ -12942,13 +12507,11 @@
         <p:spPr/>
         <p:txBody>
           <a:bodyPr/>
-          <a:lstStyle>
-            <a:extLst/>
-          </a:lstStyle>
+          <a:lstStyle/>
           <a:p>
             <a:pPr algn="r"/>
             <a:r>
-              <a:rPr smtClean="0">
+              <a:rPr>
                 <a:solidFill>
                   <a:prstClr val="black">
                     <a:tint val="65000"/>
@@ -12957,13 +12520,6 @@
               </a:rPr>
               <a:t>28/6/2006</a:t>
             </a:r>
-            <a:endParaRPr>
-              <a:solidFill>
-                <a:prstClr val="black">
-                  <a:tint val="65000"/>
-                </a:prstClr>
-              </a:solidFill>
-            </a:endParaRPr>
           </a:p>
         </p:txBody>
       </p:sp>
@@ -12980,9 +12536,7 @@
         <p:spPr/>
         <p:txBody>
           <a:bodyPr/>
-          <a:lstStyle>
-            <a:extLst/>
-          </a:lstStyle>
+          <a:lstStyle/>
           <a:p>
             <a:pPr algn="r"/>
             <a:fld id="{256D3EEF-DE4E-429D-8EC4-DDC531AFF587}" type="slidenum">
@@ -13015,9 +12569,7 @@
         <p:spPr/>
         <p:txBody>
           <a:bodyPr/>
-          <a:lstStyle>
-            <a:extLst/>
-          </a:lstStyle>
+          <a:lstStyle/>
           <a:p>
             <a:endParaRPr/>
           </a:p>
@@ -13096,9 +12648,7 @@
         </p:style>
         <p:txBody>
           <a:bodyPr anchor="ctr"/>
-          <a:lstStyle>
-            <a:extLst/>
-          </a:lstStyle>
+          <a:lstStyle/>
           <a:p>
             <a:pPr algn="ctr"/>
             <a:endParaRPr lang="fr-FR">
@@ -13132,41 +12682,39 @@
           <a:bodyPr vert="horz">
             <a:normAutofit/>
           </a:bodyPr>
-          <a:lstStyle>
-            <a:extLst/>
-          </a:lstStyle>
+          <a:lstStyle/>
           <a:p>
             <a:pPr lvl="0" eaLnBrk="1" latinLnBrk="0" hangingPunct="1"/>
             <a:r>
-              <a:rPr kumimoji="0" lang="fr-FR" dirty="0" smtClean="0"/>
+              <a:rPr kumimoji="0" lang="fr-FR" dirty="0"/>
               <a:t>Modifiez les styles du texte du masque</a:t>
             </a:r>
           </a:p>
           <a:p>
             <a:pPr lvl="1" eaLnBrk="1" latinLnBrk="0" hangingPunct="1"/>
             <a:r>
-              <a:rPr kumimoji="0" lang="fr-FR" dirty="0" smtClean="0"/>
+              <a:rPr kumimoji="0" lang="fr-FR" dirty="0"/>
               <a:t>Deuxième niveau</a:t>
             </a:r>
           </a:p>
           <a:p>
             <a:pPr lvl="2" eaLnBrk="1" latinLnBrk="0" hangingPunct="1"/>
             <a:r>
-              <a:rPr kumimoji="0" lang="fr-FR" dirty="0" smtClean="0"/>
+              <a:rPr kumimoji="0" lang="fr-FR" dirty="0"/>
               <a:t>Troisième niveau</a:t>
             </a:r>
           </a:p>
           <a:p>
             <a:pPr lvl="3" eaLnBrk="1" latinLnBrk="0" hangingPunct="1"/>
             <a:r>
-              <a:rPr kumimoji="0" lang="fr-FR" dirty="0" smtClean="0"/>
+              <a:rPr kumimoji="0" lang="fr-FR" dirty="0"/>
               <a:t>Quatrième niveau</a:t>
             </a:r>
           </a:p>
           <a:p>
             <a:pPr lvl="4" eaLnBrk="1" latinLnBrk="0" hangingPunct="1"/>
             <a:r>
-              <a:rPr kumimoji="0" lang="fr-FR" dirty="0" smtClean="0"/>
+              <a:rPr kumimoji="0" lang="fr-FR" dirty="0"/>
               <a:t>Cinquième niveau</a:t>
             </a:r>
             <a:endParaRPr kumimoji="0" lang="en-US" dirty="0"/>
@@ -13209,7 +12757,7 @@
           <a:p>
             <a:pPr algn="r"/>
             <a:r>
-              <a:rPr smtClean="0">
+              <a:rPr>
                 <a:solidFill>
                   <a:prstClr val="black">
                     <a:tint val="65000"/>
@@ -13218,13 +12766,6 @@
               </a:rPr>
               <a:t>28/6/2006</a:t>
             </a:r>
-            <a:endParaRPr>
-              <a:solidFill>
-                <a:prstClr val="black">
-                  <a:tint val="65000"/>
-                </a:prstClr>
-              </a:solidFill>
-            </a:endParaRPr>
           </a:p>
         </p:txBody>
       </p:sp>
@@ -13315,9 +12856,7 @@
         </p:style>
         <p:txBody>
           <a:bodyPr anchor="ctr"/>
-          <a:lstStyle>
-            <a:extLst/>
-          </a:lstStyle>
+          <a:lstStyle/>
           <a:p>
             <a:pPr algn="ctr"/>
             <a:endParaRPr lang="fr-FR">
@@ -13462,13 +13001,6 @@
     <p:sldLayoutId id="2147483675" r:id="rId15"/>
     <p:sldLayoutId id="2147483676" r:id="rId16"/>
   </p:sldLayoutIdLst>
-  <p:timing>
-    <p:tnLst>
-      <p:par>
-        <p:cTn id="1" dur="indefinite" restart="never" nodeType="tmRoot"/>
-      </p:par>
-    </p:tnLst>
-  </p:timing>
   <p:hf hdr="0" ftr="0" dt="0"/>
   <p:txStyles>
     <p:titleStyle>
@@ -14028,18 +13560,13 @@
           <a:p>
             <a:pPr algn="ctr"/>
             <a:r>
-              <a:rPr lang="fr-FR" dirty="0" smtClean="0">
+              <a:rPr lang="fr-FR" dirty="0">
                 <a:solidFill>
                   <a:prstClr val="black"/>
                 </a:solidFill>
               </a:rPr>
               <a:t>Domaine du client</a:t>
             </a:r>
-            <a:endParaRPr lang="fr-FR" dirty="0">
-              <a:solidFill>
-                <a:prstClr val="black"/>
-              </a:solidFill>
-            </a:endParaRPr>
           </a:p>
         </p:txBody>
       </p:sp>
@@ -14078,18 +13605,13 @@
           <a:p>
             <a:pPr algn="ctr"/>
             <a:r>
-              <a:rPr lang="fr-FR" dirty="0" smtClean="0">
+              <a:rPr lang="fr-FR" dirty="0">
                 <a:solidFill>
                   <a:prstClr val="black"/>
                 </a:solidFill>
               </a:rPr>
               <a:t>Domaine du laboratoire</a:t>
             </a:r>
-            <a:endParaRPr lang="fr-FR" dirty="0">
-              <a:solidFill>
-                <a:prstClr val="black"/>
-              </a:solidFill>
-            </a:endParaRPr>
           </a:p>
         </p:txBody>
       </p:sp>
@@ -14128,18 +13650,13 @@
           <a:p>
             <a:pPr algn="ctr"/>
             <a:r>
-              <a:rPr lang="fr-FR" dirty="0" smtClean="0">
+              <a:rPr lang="fr-FR" dirty="0">
                 <a:solidFill>
                   <a:prstClr val="black"/>
                 </a:solidFill>
               </a:rPr>
               <a:t>Domaine de la simulation</a:t>
             </a:r>
-            <a:endParaRPr lang="fr-FR" dirty="0">
-              <a:solidFill>
-                <a:prstClr val="black"/>
-              </a:solidFill>
-            </a:endParaRPr>
           </a:p>
         </p:txBody>
       </p:sp>
@@ -14167,34 +13684,24 @@
           <a:p>
             <a:pPr algn="ctr"/>
             <a:r>
-              <a:rPr lang="fr-FR" dirty="0" smtClean="0">
+              <a:rPr lang="fr-FR" dirty="0">
                 <a:solidFill>
                   <a:prstClr val="black"/>
                 </a:solidFill>
               </a:rPr>
               <a:t>Performances</a:t>
             </a:r>
-            <a:endParaRPr lang="fr-FR" dirty="0">
-              <a:solidFill>
-                <a:prstClr val="black"/>
-              </a:solidFill>
-            </a:endParaRPr>
           </a:p>
           <a:p>
             <a:pPr algn="ctr"/>
             <a:r>
-              <a:rPr lang="fr-FR" dirty="0" smtClean="0">
+              <a:rPr lang="fr-FR" dirty="0">
                 <a:solidFill>
                   <a:prstClr val="black"/>
                 </a:solidFill>
               </a:rPr>
               <a:t>attendues</a:t>
             </a:r>
-            <a:endParaRPr lang="fr-FR" dirty="0">
-              <a:solidFill>
-                <a:prstClr val="black"/>
-              </a:solidFill>
-            </a:endParaRPr>
           </a:p>
         </p:txBody>
       </p:sp>
@@ -14222,18 +13729,13 @@
           <a:p>
             <a:pPr algn="ctr"/>
             <a:r>
-              <a:rPr lang="fr-FR" dirty="0" smtClean="0">
+              <a:rPr lang="fr-FR" dirty="0">
                 <a:solidFill>
                   <a:prstClr val="black"/>
                 </a:solidFill>
               </a:rPr>
               <a:t>Performances mesurées</a:t>
             </a:r>
-            <a:endParaRPr lang="fr-FR" dirty="0">
-              <a:solidFill>
-                <a:prstClr val="black"/>
-              </a:solidFill>
-            </a:endParaRPr>
           </a:p>
         </p:txBody>
       </p:sp>
@@ -14261,18 +13763,13 @@
           <a:p>
             <a:pPr algn="ctr"/>
             <a:r>
-              <a:rPr lang="fr-FR" dirty="0" smtClean="0">
+              <a:rPr lang="fr-FR" dirty="0">
                 <a:solidFill>
                   <a:prstClr val="black"/>
                 </a:solidFill>
               </a:rPr>
               <a:t>Performance simulées</a:t>
             </a:r>
-            <a:endParaRPr lang="fr-FR" dirty="0">
-              <a:solidFill>
-                <a:prstClr val="black"/>
-              </a:solidFill>
-            </a:endParaRPr>
           </a:p>
         </p:txBody>
       </p:sp>
@@ -14500,18 +13997,13 @@
           <a:p>
             <a:pPr algn="ctr"/>
             <a:r>
-              <a:rPr lang="fr-FR" sz="500" dirty="0" smtClean="0">
+              <a:rPr lang="fr-FR" sz="500" dirty="0">
                 <a:solidFill>
                   <a:prstClr val="white"/>
                 </a:solidFill>
               </a:rPr>
               <a:t>  </a:t>
             </a:r>
-            <a:endParaRPr lang="fr-FR" sz="500" dirty="0">
-              <a:solidFill>
-                <a:prstClr val="white"/>
-              </a:solidFill>
-            </a:endParaRPr>
           </a:p>
         </p:txBody>
       </p:sp>
@@ -14525,13 +14017,6 @@
   <p:clrMapOvr>
     <a:masterClrMapping/>
   </p:clrMapOvr>
-  <p:timing>
-    <p:tnLst>
-      <p:par>
-        <p:cTn id="1" dur="indefinite" restart="never" nodeType="tmRoot"/>
-      </p:par>
-    </p:tnLst>
-  </p:timing>
 </p:sld>
 </file>
 
@@ -15351,13 +14836,6 @@
   <p:clrMapOvr>
     <a:masterClrMapping/>
   </p:clrMapOvr>
-  <p:timing>
-    <p:tnLst>
-      <p:par>
-        <p:cTn id="1" dur="indefinite" restart="never" nodeType="tmRoot"/>
-      </p:par>
-    </p:tnLst>
-  </p:timing>
 </p:sld>
 </file>
 
@@ -15572,10 +15050,9 @@
           <a:p>
             <a:pPr algn="ctr"/>
             <a:r>
-              <a:rPr lang="fr-FR" sz="1400" dirty="0" smtClean="0"/>
+              <a:rPr lang="fr-FR" sz="1400" dirty="0"/>
               <a:t>Tests unitaires</a:t>
             </a:r>
-            <a:endParaRPr lang="fr-FR" sz="1400" dirty="0"/>
           </a:p>
         </p:txBody>
       </p:sp>
@@ -15614,10 +15091,9 @@
           <a:p>
             <a:pPr algn="ctr"/>
             <a:r>
-              <a:rPr lang="fr-FR" sz="1400" dirty="0" smtClean="0"/>
+              <a:rPr lang="fr-FR" sz="1400" dirty="0"/>
               <a:t>Réalisation</a:t>
             </a:r>
-            <a:endParaRPr lang="fr-FR" sz="1400" dirty="0"/>
           </a:p>
         </p:txBody>
       </p:sp>
@@ -15656,10 +15132,9 @@
           <a:p>
             <a:pPr algn="ctr"/>
             <a:r>
-              <a:rPr lang="fr-FR" sz="1400" dirty="0" smtClean="0"/>
+              <a:rPr lang="fr-FR" sz="1400" dirty="0"/>
               <a:t>Conception détaillée</a:t>
             </a:r>
-            <a:endParaRPr lang="fr-FR" sz="1400" dirty="0"/>
           </a:p>
         </p:txBody>
       </p:sp>
@@ -15698,10 +15173,9 @@
           <a:p>
             <a:pPr algn="ctr"/>
             <a:r>
-              <a:rPr lang="fr-FR" sz="1400" dirty="0" smtClean="0"/>
+              <a:rPr lang="fr-FR" sz="1400" dirty="0"/>
               <a:t>Tests d’intégration</a:t>
             </a:r>
-            <a:endParaRPr lang="fr-FR" sz="1400" dirty="0"/>
           </a:p>
         </p:txBody>
       </p:sp>
@@ -15740,10 +15214,9 @@
           <a:p>
             <a:pPr algn="ctr"/>
             <a:r>
-              <a:rPr lang="fr-FR" sz="1400" dirty="0" smtClean="0"/>
+              <a:rPr lang="fr-FR" sz="1400" dirty="0"/>
               <a:t>Conception générale</a:t>
             </a:r>
-            <a:endParaRPr lang="fr-FR" sz="1400" dirty="0"/>
           </a:p>
         </p:txBody>
       </p:sp>
@@ -15782,10 +15255,9 @@
           <a:p>
             <a:pPr algn="ctr"/>
             <a:r>
-              <a:rPr lang="fr-FR" sz="1400" dirty="0" smtClean="0"/>
+              <a:rPr lang="fr-FR" sz="1400" dirty="0"/>
               <a:t>Validation</a:t>
             </a:r>
-            <a:endParaRPr lang="fr-FR" sz="1400" dirty="0"/>
           </a:p>
         </p:txBody>
       </p:sp>
@@ -15824,7 +15296,7 @@
           <a:p>
             <a:pPr algn="ctr"/>
             <a:r>
-              <a:rPr lang="fr-FR" sz="1400" dirty="0" smtClean="0"/>
+              <a:rPr lang="fr-FR" sz="1400" dirty="0"/>
               <a:t>Spécifications</a:t>
             </a:r>
           </a:p>
@@ -15865,10 +15337,9 @@
           <a:p>
             <a:pPr algn="ctr"/>
             <a:r>
-              <a:rPr lang="fr-FR" sz="1400" dirty="0" smtClean="0"/>
+              <a:rPr lang="fr-FR" sz="1400" dirty="0"/>
               <a:t>Production</a:t>
             </a:r>
-            <a:endParaRPr lang="fr-FR" sz="1400" dirty="0"/>
           </a:p>
         </p:txBody>
       </p:sp>
@@ -15907,10 +15378,9 @@
           <a:p>
             <a:pPr algn="ctr"/>
             <a:r>
-              <a:rPr lang="fr-FR" sz="1400" dirty="0" smtClean="0"/>
+              <a:rPr lang="fr-FR" sz="1400" dirty="0"/>
               <a:t>Expression des besoins</a:t>
             </a:r>
-            <a:endParaRPr lang="fr-FR" sz="1400" dirty="0"/>
           </a:p>
         </p:txBody>
       </p:sp>
@@ -15949,17 +15419,16 @@
           <a:p>
             <a:pPr algn="ctr"/>
             <a:r>
-              <a:rPr lang="fr-FR" sz="1400" dirty="0" smtClean="0"/>
+              <a:rPr lang="fr-FR" sz="1400" dirty="0"/>
               <a:t>Utilisation</a:t>
             </a:r>
           </a:p>
           <a:p>
             <a:pPr algn="ctr"/>
             <a:r>
-              <a:rPr lang="fr-FR" sz="1400" dirty="0" smtClean="0"/>
+              <a:rPr lang="fr-FR" sz="1400" dirty="0"/>
               <a:t>Maintenance</a:t>
             </a:r>
-            <a:endParaRPr lang="fr-FR" sz="1400" dirty="0"/>
           </a:p>
         </p:txBody>
       </p:sp>
@@ -15998,10 +15467,9 @@
           <a:p>
             <a:pPr algn="ctr"/>
             <a:r>
-              <a:rPr lang="fr-FR" sz="1400" dirty="0" smtClean="0"/>
+              <a:rPr lang="fr-FR" sz="1400" dirty="0"/>
               <a:t>Recyclage</a:t>
             </a:r>
-            <a:endParaRPr lang="fr-FR" sz="1400" dirty="0"/>
           </a:p>
         </p:txBody>
       </p:sp>
@@ -16230,18 +15698,13 @@
           <a:p>
             <a:pPr algn="ctr"/>
             <a:r>
-              <a:rPr lang="fr-FR" dirty="0" smtClean="0">
+              <a:rPr lang="fr-FR" dirty="0">
                 <a:solidFill>
                   <a:prstClr val="black"/>
                 </a:solidFill>
               </a:rPr>
               <a:t>Domaine du client</a:t>
             </a:r>
-            <a:endParaRPr lang="fr-FR" dirty="0">
-              <a:solidFill>
-                <a:prstClr val="black"/>
-              </a:solidFill>
-            </a:endParaRPr>
           </a:p>
         </p:txBody>
       </p:sp>
@@ -16325,18 +15788,13 @@
           <a:p>
             <a:pPr algn="ctr"/>
             <a:r>
-              <a:rPr lang="fr-FR" dirty="0" smtClean="0">
+              <a:rPr lang="fr-FR" dirty="0">
                 <a:solidFill>
                   <a:prstClr val="black"/>
                 </a:solidFill>
               </a:rPr>
               <a:t>Domaine de la simulation</a:t>
             </a:r>
-            <a:endParaRPr lang="fr-FR" dirty="0">
-              <a:solidFill>
-                <a:prstClr val="black"/>
-              </a:solidFill>
-            </a:endParaRPr>
           </a:p>
         </p:txBody>
       </p:sp>
@@ -16364,34 +15822,24 @@
           <a:p>
             <a:pPr algn="ctr"/>
             <a:r>
-              <a:rPr lang="fr-FR" dirty="0" smtClean="0">
+              <a:rPr lang="fr-FR" dirty="0">
                 <a:solidFill>
                   <a:prstClr val="black"/>
                 </a:solidFill>
               </a:rPr>
               <a:t>Performances</a:t>
             </a:r>
-            <a:endParaRPr lang="fr-FR" dirty="0">
-              <a:solidFill>
-                <a:prstClr val="black"/>
-              </a:solidFill>
-            </a:endParaRPr>
           </a:p>
           <a:p>
             <a:pPr algn="ctr"/>
             <a:r>
-              <a:rPr lang="fr-FR" dirty="0" smtClean="0">
+              <a:rPr lang="fr-FR" dirty="0">
                 <a:solidFill>
                   <a:prstClr val="black"/>
                 </a:solidFill>
               </a:rPr>
               <a:t>attendues</a:t>
             </a:r>
-            <a:endParaRPr lang="fr-FR" dirty="0">
-              <a:solidFill>
-                <a:prstClr val="black"/>
-              </a:solidFill>
-            </a:endParaRPr>
           </a:p>
         </p:txBody>
       </p:sp>
@@ -16419,18 +15867,13 @@
           <a:p>
             <a:pPr algn="ctr"/>
             <a:r>
-              <a:rPr lang="fr-FR" dirty="0" smtClean="0">
+              <a:rPr lang="fr-FR" dirty="0">
                 <a:solidFill>
                   <a:prstClr val="black"/>
                 </a:solidFill>
               </a:rPr>
               <a:t>Performances mesurées</a:t>
             </a:r>
-            <a:endParaRPr lang="fr-FR" dirty="0">
-              <a:solidFill>
-                <a:prstClr val="black"/>
-              </a:solidFill>
-            </a:endParaRPr>
           </a:p>
         </p:txBody>
       </p:sp>
@@ -16458,18 +15901,13 @@
           <a:p>
             <a:pPr algn="ctr"/>
             <a:r>
-              <a:rPr lang="fr-FR" dirty="0" smtClean="0">
+              <a:rPr lang="fr-FR" dirty="0">
                 <a:solidFill>
                   <a:prstClr val="black"/>
                 </a:solidFill>
               </a:rPr>
               <a:t>Performance simulées</a:t>
             </a:r>
-            <a:endParaRPr lang="fr-FR" dirty="0">
-              <a:solidFill>
-                <a:prstClr val="black"/>
-              </a:solidFill>
-            </a:endParaRPr>
           </a:p>
         </p:txBody>
       </p:sp>
@@ -16840,13 +16278,6 @@
   <p:clrMapOvr>
     <a:masterClrMapping/>
   </p:clrMapOvr>
-  <p:timing>
-    <p:tnLst>
-      <p:par>
-        <p:cTn id="1" dur="indefinite" restart="never" nodeType="tmRoot"/>
-      </p:par>
-    </p:tnLst>
-  </p:timing>
 </p:sld>
 </file>
 
@@ -16902,18 +16333,13 @@
           <a:p>
             <a:pPr algn="ctr"/>
             <a:r>
-              <a:rPr lang="fr-FR" dirty="0" smtClean="0">
+              <a:rPr lang="fr-FR" dirty="0">
                 <a:solidFill>
                   <a:prstClr val="black"/>
                 </a:solidFill>
               </a:rPr>
               <a:t>Domaine du client</a:t>
             </a:r>
-            <a:endParaRPr lang="fr-FR" dirty="0">
-              <a:solidFill>
-                <a:prstClr val="black"/>
-              </a:solidFill>
-            </a:endParaRPr>
           </a:p>
         </p:txBody>
       </p:sp>
@@ -16952,18 +16378,13 @@
           <a:p>
             <a:pPr algn="ctr"/>
             <a:r>
-              <a:rPr lang="fr-FR" dirty="0" smtClean="0">
+              <a:rPr lang="fr-FR" dirty="0">
                 <a:solidFill>
                   <a:prstClr val="black"/>
                 </a:solidFill>
               </a:rPr>
               <a:t>Domaine du laboratoire</a:t>
             </a:r>
-            <a:endParaRPr lang="fr-FR" dirty="0">
-              <a:solidFill>
-                <a:prstClr val="black"/>
-              </a:solidFill>
-            </a:endParaRPr>
           </a:p>
         </p:txBody>
       </p:sp>
@@ -17002,18 +16423,13 @@
           <a:p>
             <a:pPr algn="ctr"/>
             <a:r>
-              <a:rPr lang="fr-FR" dirty="0" smtClean="0">
+              <a:rPr lang="fr-FR" dirty="0">
                 <a:solidFill>
                   <a:prstClr val="black"/>
                 </a:solidFill>
               </a:rPr>
               <a:t>Domaine de la simulation</a:t>
             </a:r>
-            <a:endParaRPr lang="fr-FR" dirty="0">
-              <a:solidFill>
-                <a:prstClr val="black"/>
-              </a:solidFill>
-            </a:endParaRPr>
           </a:p>
         </p:txBody>
       </p:sp>
@@ -17041,34 +16457,24 @@
           <a:p>
             <a:pPr algn="ctr"/>
             <a:r>
-              <a:rPr lang="fr-FR" dirty="0" smtClean="0">
+              <a:rPr lang="fr-FR" dirty="0">
                 <a:solidFill>
                   <a:prstClr val="black"/>
                 </a:solidFill>
               </a:rPr>
               <a:t>Performances</a:t>
             </a:r>
-            <a:endParaRPr lang="fr-FR" dirty="0">
-              <a:solidFill>
-                <a:prstClr val="black"/>
-              </a:solidFill>
-            </a:endParaRPr>
           </a:p>
           <a:p>
             <a:pPr algn="ctr"/>
             <a:r>
-              <a:rPr lang="fr-FR" dirty="0" smtClean="0">
+              <a:rPr lang="fr-FR" dirty="0">
                 <a:solidFill>
                   <a:prstClr val="black"/>
                 </a:solidFill>
               </a:rPr>
               <a:t>attendues</a:t>
             </a:r>
-            <a:endParaRPr lang="fr-FR" dirty="0">
-              <a:solidFill>
-                <a:prstClr val="black"/>
-              </a:solidFill>
-            </a:endParaRPr>
           </a:p>
         </p:txBody>
       </p:sp>
@@ -17096,18 +16502,13 @@
           <a:p>
             <a:pPr algn="ctr"/>
             <a:r>
-              <a:rPr lang="fr-FR" dirty="0" smtClean="0">
+              <a:rPr lang="fr-FR" dirty="0">
                 <a:solidFill>
                   <a:prstClr val="black"/>
                 </a:solidFill>
               </a:rPr>
               <a:t>Performances mesurées</a:t>
             </a:r>
-            <a:endParaRPr lang="fr-FR" dirty="0">
-              <a:solidFill>
-                <a:prstClr val="black"/>
-              </a:solidFill>
-            </a:endParaRPr>
           </a:p>
         </p:txBody>
       </p:sp>
@@ -17135,18 +16536,13 @@
           <a:p>
             <a:pPr algn="ctr"/>
             <a:r>
-              <a:rPr lang="fr-FR" dirty="0" smtClean="0">
+              <a:rPr lang="fr-FR" dirty="0">
                 <a:solidFill>
                   <a:prstClr val="black"/>
                 </a:solidFill>
               </a:rPr>
               <a:t>Performance simulées</a:t>
             </a:r>
-            <a:endParaRPr lang="fr-FR" dirty="0">
-              <a:solidFill>
-                <a:prstClr val="black"/>
-              </a:solidFill>
-            </a:endParaRPr>
           </a:p>
         </p:txBody>
       </p:sp>
@@ -17374,18 +16770,13 @@
           <a:p>
             <a:pPr algn="ctr"/>
             <a:r>
-              <a:rPr lang="fr-FR" sz="500" dirty="0" smtClean="0">
+              <a:rPr lang="fr-FR" sz="500" dirty="0">
                 <a:solidFill>
                   <a:prstClr val="white"/>
                 </a:solidFill>
               </a:rPr>
               <a:t>  </a:t>
             </a:r>
-            <a:endParaRPr lang="fr-FR" sz="500" dirty="0">
-              <a:solidFill>
-                <a:prstClr val="white"/>
-              </a:solidFill>
-            </a:endParaRPr>
           </a:p>
         </p:txBody>
       </p:sp>
@@ -17523,13 +16914,6 @@
   <p:clrMapOvr>
     <a:masterClrMapping/>
   </p:clrMapOvr>
-  <p:timing>
-    <p:tnLst>
-      <p:par>
-        <p:cTn id="1" dur="indefinite" restart="never" nodeType="tmRoot"/>
-      </p:par>
-    </p:tnLst>
-  </p:timing>
 </p:sld>
 </file>
 
@@ -17585,18 +16969,13 @@
           <a:p>
             <a:pPr algn="ctr"/>
             <a:r>
-              <a:rPr lang="fr-FR" dirty="0" smtClean="0">
+              <a:rPr lang="fr-FR" dirty="0">
                 <a:solidFill>
                   <a:prstClr val="black"/>
                 </a:solidFill>
               </a:rPr>
               <a:t>Domaine du client</a:t>
             </a:r>
-            <a:endParaRPr lang="fr-FR" dirty="0">
-              <a:solidFill>
-                <a:prstClr val="black"/>
-              </a:solidFill>
-            </a:endParaRPr>
           </a:p>
         </p:txBody>
       </p:sp>
@@ -17635,18 +17014,13 @@
           <a:p>
             <a:pPr algn="ctr"/>
             <a:r>
-              <a:rPr lang="fr-FR" dirty="0" smtClean="0">
+              <a:rPr lang="fr-FR" dirty="0">
                 <a:solidFill>
                   <a:prstClr val="black"/>
                 </a:solidFill>
               </a:rPr>
               <a:t>Domaine du laboratoire</a:t>
             </a:r>
-            <a:endParaRPr lang="fr-FR" dirty="0">
-              <a:solidFill>
-                <a:prstClr val="black"/>
-              </a:solidFill>
-            </a:endParaRPr>
           </a:p>
         </p:txBody>
       </p:sp>
@@ -17685,18 +17059,13 @@
           <a:p>
             <a:pPr algn="ctr"/>
             <a:r>
-              <a:rPr lang="fr-FR" dirty="0" smtClean="0">
+              <a:rPr lang="fr-FR" dirty="0">
                 <a:solidFill>
                   <a:prstClr val="black"/>
                 </a:solidFill>
               </a:rPr>
               <a:t>Domaine de la simulation</a:t>
             </a:r>
-            <a:endParaRPr lang="fr-FR" dirty="0">
-              <a:solidFill>
-                <a:prstClr val="black"/>
-              </a:solidFill>
-            </a:endParaRPr>
           </a:p>
         </p:txBody>
       </p:sp>
@@ -17724,34 +17093,24 @@
           <a:p>
             <a:pPr algn="ctr"/>
             <a:r>
-              <a:rPr lang="fr-FR" dirty="0" smtClean="0">
+              <a:rPr lang="fr-FR" dirty="0">
                 <a:solidFill>
                   <a:prstClr val="black"/>
                 </a:solidFill>
               </a:rPr>
               <a:t>Performances</a:t>
             </a:r>
-            <a:endParaRPr lang="fr-FR" dirty="0">
-              <a:solidFill>
-                <a:prstClr val="black"/>
-              </a:solidFill>
-            </a:endParaRPr>
           </a:p>
           <a:p>
             <a:pPr algn="ctr"/>
             <a:r>
-              <a:rPr lang="fr-FR" dirty="0" smtClean="0">
+              <a:rPr lang="fr-FR" dirty="0">
                 <a:solidFill>
                   <a:prstClr val="black"/>
                 </a:solidFill>
               </a:rPr>
               <a:t>attendues</a:t>
             </a:r>
-            <a:endParaRPr lang="fr-FR" dirty="0">
-              <a:solidFill>
-                <a:prstClr val="black"/>
-              </a:solidFill>
-            </a:endParaRPr>
           </a:p>
         </p:txBody>
       </p:sp>
@@ -17779,18 +17138,13 @@
           <a:p>
             <a:pPr algn="ctr"/>
             <a:r>
-              <a:rPr lang="fr-FR" dirty="0" smtClean="0">
+              <a:rPr lang="fr-FR" dirty="0">
                 <a:solidFill>
                   <a:prstClr val="black"/>
                 </a:solidFill>
               </a:rPr>
               <a:t>Performances mesurées</a:t>
             </a:r>
-            <a:endParaRPr lang="fr-FR" dirty="0">
-              <a:solidFill>
-                <a:prstClr val="black"/>
-              </a:solidFill>
-            </a:endParaRPr>
           </a:p>
         </p:txBody>
       </p:sp>
@@ -17818,18 +17172,13 @@
           <a:p>
             <a:pPr algn="ctr"/>
             <a:r>
-              <a:rPr lang="fr-FR" dirty="0" smtClean="0">
+              <a:rPr lang="fr-FR" dirty="0">
                 <a:solidFill>
                   <a:prstClr val="black"/>
                 </a:solidFill>
               </a:rPr>
               <a:t>Performance simulées</a:t>
             </a:r>
-            <a:endParaRPr lang="fr-FR" dirty="0">
-              <a:solidFill>
-                <a:prstClr val="black"/>
-              </a:solidFill>
-            </a:endParaRPr>
           </a:p>
         </p:txBody>
       </p:sp>
@@ -18221,13 +17570,6 @@
   <p:clrMapOvr>
     <a:masterClrMapping/>
   </p:clrMapOvr>
-  <p:timing>
-    <p:tnLst>
-      <p:par>
-        <p:cTn id="1" dur="indefinite" restart="never" nodeType="tmRoot"/>
-      </p:par>
-    </p:tnLst>
-  </p:timing>
 </p:sld>
 </file>
 
@@ -18283,18 +17625,13 @@
           <a:p>
             <a:pPr algn="ctr"/>
             <a:r>
-              <a:rPr lang="fr-FR" dirty="0" smtClean="0">
+              <a:rPr lang="fr-FR" dirty="0">
                 <a:solidFill>
                   <a:prstClr val="black"/>
                 </a:solidFill>
               </a:rPr>
               <a:t>Domaine du client</a:t>
             </a:r>
-            <a:endParaRPr lang="fr-FR" dirty="0">
-              <a:solidFill>
-                <a:prstClr val="black"/>
-              </a:solidFill>
-            </a:endParaRPr>
           </a:p>
         </p:txBody>
       </p:sp>
@@ -18333,18 +17670,13 @@
           <a:p>
             <a:pPr algn="ctr"/>
             <a:r>
-              <a:rPr lang="fr-FR" dirty="0" smtClean="0">
+              <a:rPr lang="fr-FR" dirty="0">
                 <a:solidFill>
                   <a:prstClr val="black"/>
                 </a:solidFill>
               </a:rPr>
               <a:t>Domaine du laboratoire</a:t>
             </a:r>
-            <a:endParaRPr lang="fr-FR" dirty="0">
-              <a:solidFill>
-                <a:prstClr val="black"/>
-              </a:solidFill>
-            </a:endParaRPr>
           </a:p>
         </p:txBody>
       </p:sp>
@@ -18383,18 +17715,13 @@
           <a:p>
             <a:pPr algn="ctr"/>
             <a:r>
-              <a:rPr lang="fr-FR" dirty="0" smtClean="0">
+              <a:rPr lang="fr-FR" dirty="0">
                 <a:solidFill>
                   <a:prstClr val="black"/>
                 </a:solidFill>
               </a:rPr>
               <a:t>Domaine de la simulation</a:t>
             </a:r>
-            <a:endParaRPr lang="fr-FR" dirty="0">
-              <a:solidFill>
-                <a:prstClr val="black"/>
-              </a:solidFill>
-            </a:endParaRPr>
           </a:p>
         </p:txBody>
       </p:sp>
@@ -18422,34 +17749,24 @@
           <a:p>
             <a:pPr algn="ctr"/>
             <a:r>
-              <a:rPr lang="fr-FR" dirty="0" smtClean="0">
+              <a:rPr lang="fr-FR" dirty="0">
                 <a:solidFill>
                   <a:prstClr val="black"/>
                 </a:solidFill>
               </a:rPr>
               <a:t>Performances</a:t>
             </a:r>
-            <a:endParaRPr lang="fr-FR" dirty="0">
-              <a:solidFill>
-                <a:prstClr val="black"/>
-              </a:solidFill>
-            </a:endParaRPr>
           </a:p>
           <a:p>
             <a:pPr algn="ctr"/>
             <a:r>
-              <a:rPr lang="fr-FR" dirty="0" smtClean="0">
+              <a:rPr lang="fr-FR" dirty="0">
                 <a:solidFill>
                   <a:prstClr val="black"/>
                 </a:solidFill>
               </a:rPr>
               <a:t>attendues</a:t>
             </a:r>
-            <a:endParaRPr lang="fr-FR" dirty="0">
-              <a:solidFill>
-                <a:prstClr val="black"/>
-              </a:solidFill>
-            </a:endParaRPr>
           </a:p>
         </p:txBody>
       </p:sp>
@@ -18477,18 +17794,13 @@
           <a:p>
             <a:pPr algn="ctr"/>
             <a:r>
-              <a:rPr lang="fr-FR" dirty="0" smtClean="0">
+              <a:rPr lang="fr-FR" dirty="0">
                 <a:solidFill>
                   <a:prstClr val="black"/>
                 </a:solidFill>
               </a:rPr>
               <a:t>Performances mesurées</a:t>
             </a:r>
-            <a:endParaRPr lang="fr-FR" dirty="0">
-              <a:solidFill>
-                <a:prstClr val="black"/>
-              </a:solidFill>
-            </a:endParaRPr>
           </a:p>
         </p:txBody>
       </p:sp>
@@ -18516,18 +17828,13 @@
           <a:p>
             <a:pPr algn="ctr"/>
             <a:r>
-              <a:rPr lang="fr-FR" dirty="0" smtClean="0">
+              <a:rPr lang="fr-FR" dirty="0">
                 <a:solidFill>
                   <a:prstClr val="black"/>
                 </a:solidFill>
               </a:rPr>
               <a:t>Performance simulées</a:t>
             </a:r>
-            <a:endParaRPr lang="fr-FR" dirty="0">
-              <a:solidFill>
-                <a:prstClr val="black"/>
-              </a:solidFill>
-            </a:endParaRPr>
           </a:p>
         </p:txBody>
       </p:sp>
@@ -18872,13 +18179,6 @@
   <p:clrMapOvr>
     <a:masterClrMapping/>
   </p:clrMapOvr>
-  <p:timing>
-    <p:tnLst>
-      <p:par>
-        <p:cTn id="1" dur="indefinite" restart="never" nodeType="tmRoot"/>
-      </p:par>
-    </p:tnLst>
-  </p:timing>
 </p:sld>
 </file>
 
@@ -18906,7 +18206,7 @@
           <p:nvPr>
             <p:extLst>
               <p:ext uri="{D42A27DB-BD31-4B8C-83A1-F6EECF244321}">
-                <p14:modId xmlns:p14="http://schemas.microsoft.com/office/powerpoint/2010/main" val="3233866507"/>
+                <p14:modId xmlns:p14="http://schemas.microsoft.com/office/powerpoint/2010/main" val="4290967831"/>
               </p:ext>
             </p:extLst>
           </p:nvPr>
@@ -19200,10 +18500,9 @@
           <a:p>
             <a:pPr algn="ctr"/>
             <a:r>
-              <a:rPr lang="fr-FR" sz="1200" dirty="0" smtClean="0"/>
+              <a:rPr lang="fr-FR" sz="1200" dirty="0"/>
               <a:t>Besoin client</a:t>
             </a:r>
-            <a:endParaRPr lang="fr-FR" sz="1200" dirty="0"/>
           </a:p>
         </p:txBody>
       </p:sp>
@@ -19242,10 +18541,9 @@
           <a:p>
             <a:pPr algn="ctr"/>
             <a:r>
-              <a:rPr lang="fr-FR" sz="1200" dirty="0" smtClean="0"/>
+              <a:rPr lang="fr-FR" sz="1200" dirty="0"/>
               <a:t>Système livré</a:t>
             </a:r>
-            <a:endParaRPr lang="fr-FR" sz="1200" dirty="0"/>
           </a:p>
         </p:txBody>
       </p:sp>
@@ -19284,10 +18582,9 @@
           <a:p>
             <a:pPr algn="ctr"/>
             <a:r>
-              <a:rPr lang="fr-FR" sz="1200" dirty="0" smtClean="0"/>
+              <a:rPr lang="fr-FR" sz="1200" dirty="0"/>
               <a:t>Spécifications / Cahier des charges</a:t>
             </a:r>
-            <a:endParaRPr lang="fr-FR" sz="1200" dirty="0"/>
           </a:p>
         </p:txBody>
       </p:sp>
@@ -19326,10 +18623,9 @@
           <a:p>
             <a:pPr algn="ctr"/>
             <a:r>
-              <a:rPr lang="fr-FR" sz="1200" dirty="0" smtClean="0"/>
+              <a:rPr lang="fr-FR" sz="1200" dirty="0"/>
               <a:t>Choix de l’architecture globale du système</a:t>
             </a:r>
-            <a:endParaRPr lang="fr-FR" sz="1200" dirty="0"/>
           </a:p>
         </p:txBody>
       </p:sp>
@@ -19368,10 +18664,9 @@
           <a:p>
             <a:pPr algn="ctr"/>
             <a:r>
-              <a:rPr lang="fr-FR" sz="1200" dirty="0" smtClean="0"/>
+              <a:rPr lang="fr-FR" sz="1200" dirty="0"/>
               <a:t>Choix de l’architecture détaillée du système</a:t>
             </a:r>
-            <a:endParaRPr lang="fr-FR" sz="1200" dirty="0"/>
           </a:p>
         </p:txBody>
       </p:sp>
@@ -19410,10 +18705,9 @@
           <a:p>
             <a:pPr algn="ctr"/>
             <a:r>
-              <a:rPr lang="fr-FR" sz="1200" dirty="0" smtClean="0"/>
+              <a:rPr lang="fr-FR" sz="1200" dirty="0"/>
               <a:t>Sous-systèmes réalisés</a:t>
             </a:r>
-            <a:endParaRPr lang="fr-FR" sz="1200" dirty="0"/>
           </a:p>
         </p:txBody>
       </p:sp>
@@ -19452,10 +18746,9 @@
           <a:p>
             <a:pPr algn="ctr"/>
             <a:r>
-              <a:rPr lang="fr-FR" sz="1200" dirty="0" smtClean="0"/>
+              <a:rPr lang="fr-FR" sz="1200" dirty="0"/>
               <a:t>Système réalisé</a:t>
             </a:r>
-            <a:endParaRPr lang="fr-FR" sz="1200" dirty="0"/>
           </a:p>
         </p:txBody>
       </p:sp>
@@ -19494,10 +18787,9 @@
           <a:p>
             <a:pPr algn="ctr"/>
             <a:r>
-              <a:rPr lang="fr-FR" sz="1200" dirty="0" smtClean="0"/>
+              <a:rPr lang="fr-FR" sz="1200" dirty="0"/>
               <a:t>Performances attendues du système</a:t>
             </a:r>
-            <a:endParaRPr lang="fr-FR" sz="1200" dirty="0"/>
           </a:p>
         </p:txBody>
       </p:sp>
@@ -19536,10 +18828,9 @@
           <a:p>
             <a:pPr algn="ctr"/>
             <a:r>
-              <a:rPr lang="fr-FR" sz="1200" dirty="0" smtClean="0"/>
+              <a:rPr lang="fr-FR" sz="1200" dirty="0"/>
               <a:t>Performances simulées du système</a:t>
             </a:r>
-            <a:endParaRPr lang="fr-FR" sz="1200" dirty="0"/>
           </a:p>
         </p:txBody>
       </p:sp>
@@ -19578,10 +18869,9 @@
           <a:p>
             <a:pPr algn="ctr"/>
             <a:r>
-              <a:rPr lang="fr-FR" sz="1200" dirty="0" smtClean="0"/>
+              <a:rPr lang="fr-FR" sz="1200" dirty="0"/>
               <a:t>Performances attendues des sous-systèmes</a:t>
             </a:r>
-            <a:endParaRPr lang="fr-FR" sz="1200" dirty="0"/>
           </a:p>
         </p:txBody>
       </p:sp>
@@ -19620,10 +18910,9 @@
           <a:p>
             <a:pPr algn="ctr"/>
             <a:r>
-              <a:rPr lang="fr-FR" sz="1200" dirty="0" smtClean="0"/>
+              <a:rPr lang="fr-FR" sz="1200" dirty="0"/>
               <a:t>Performances mesurées des sous-systèmes</a:t>
             </a:r>
-            <a:endParaRPr lang="fr-FR" sz="1200" dirty="0"/>
           </a:p>
         </p:txBody>
       </p:sp>
@@ -19662,10 +18951,9 @@
           <a:p>
             <a:pPr algn="ctr"/>
             <a:r>
-              <a:rPr lang="fr-FR" sz="1200" dirty="0" smtClean="0"/>
+              <a:rPr lang="fr-FR" sz="1200" dirty="0"/>
               <a:t>Performances simulées des sous-systèmes</a:t>
             </a:r>
-            <a:endParaRPr lang="fr-FR" sz="1200" dirty="0"/>
           </a:p>
         </p:txBody>
       </p:sp>
@@ -19704,10 +18992,9 @@
           <a:p>
             <a:pPr algn="ctr"/>
             <a:r>
-              <a:rPr lang="fr-FR" sz="1400" b="1" i="1" dirty="0" smtClean="0"/>
+              <a:rPr lang="fr-FR" sz="1400" b="1" i="1" dirty="0"/>
               <a:t>Conception</a:t>
             </a:r>
-            <a:endParaRPr lang="fr-FR" sz="1400" b="1" i="1" dirty="0"/>
           </a:p>
         </p:txBody>
       </p:sp>
@@ -19746,10 +19033,9 @@
           <a:p>
             <a:pPr algn="ctr"/>
             <a:r>
-              <a:rPr lang="fr-FR" sz="1400" b="1" i="1" dirty="0" smtClean="0"/>
+              <a:rPr lang="fr-FR" sz="1400" b="1" i="1" dirty="0"/>
               <a:t>Réalisation</a:t>
             </a:r>
-            <a:endParaRPr lang="fr-FR" sz="1400" b="1" i="1" dirty="0"/>
           </a:p>
         </p:txBody>
       </p:sp>
@@ -19788,10 +19074,9 @@
           <a:p>
             <a:pPr algn="ctr"/>
             <a:r>
-              <a:rPr lang="fr-FR" sz="1400" b="1" i="1" dirty="0" smtClean="0"/>
+              <a:rPr lang="fr-FR" sz="1400" b="1" i="1" dirty="0"/>
               <a:t>Intégration</a:t>
             </a:r>
-            <a:endParaRPr lang="fr-FR" sz="1400" b="1" i="1" dirty="0"/>
           </a:p>
         </p:txBody>
       </p:sp>
@@ -19830,10 +19115,9 @@
           <a:p>
             <a:pPr algn="ctr"/>
             <a:r>
-              <a:rPr lang="fr-FR" sz="1200" dirty="0" smtClean="0"/>
+              <a:rPr lang="fr-FR" sz="1200" dirty="0"/>
               <a:t>Performances mesurées du système</a:t>
             </a:r>
-            <a:endParaRPr lang="fr-FR" sz="1200" dirty="0"/>
           </a:p>
         </p:txBody>
       </p:sp>
@@ -20577,10 +19861,9 @@
           <a:p>
             <a:pPr algn="ctr"/>
             <a:r>
-              <a:rPr lang="fr-FR" sz="1200" dirty="0" smtClean="0"/>
+              <a:rPr lang="fr-FR" sz="1200" dirty="0"/>
               <a:t>Besoin client</a:t>
             </a:r>
-            <a:endParaRPr lang="fr-FR" sz="1200" dirty="0"/>
           </a:p>
         </p:txBody>
       </p:sp>
@@ -20619,10 +19902,9 @@
           <a:p>
             <a:pPr algn="ctr"/>
             <a:r>
-              <a:rPr lang="fr-FR" sz="1200" dirty="0" smtClean="0"/>
+              <a:rPr lang="fr-FR" sz="1200" dirty="0"/>
               <a:t>Système livré</a:t>
             </a:r>
-            <a:endParaRPr lang="fr-FR" sz="1200" dirty="0"/>
           </a:p>
         </p:txBody>
       </p:sp>
@@ -20661,10 +19943,9 @@
           <a:p>
             <a:pPr algn="ctr"/>
             <a:r>
-              <a:rPr lang="fr-FR" sz="1200" dirty="0" smtClean="0"/>
+              <a:rPr lang="fr-FR" sz="1200" dirty="0"/>
               <a:t>Spécifications / Cahier des charges</a:t>
             </a:r>
-            <a:endParaRPr lang="fr-FR" sz="1200" dirty="0"/>
           </a:p>
         </p:txBody>
       </p:sp>
@@ -20785,10 +20066,9 @@
           <a:p>
             <a:pPr algn="ctr"/>
             <a:r>
-              <a:rPr lang="fr-FR" sz="1200" dirty="0" smtClean="0"/>
+              <a:rPr lang="fr-FR" sz="1200" dirty="0"/>
               <a:t>Sous-systèmes réalisés</a:t>
             </a:r>
-            <a:endParaRPr lang="fr-FR" sz="1200" dirty="0"/>
           </a:p>
         </p:txBody>
       </p:sp>
@@ -20827,10 +20107,9 @@
           <a:p>
             <a:pPr algn="ctr"/>
             <a:r>
-              <a:rPr lang="fr-FR" sz="1200" dirty="0" smtClean="0"/>
+              <a:rPr lang="fr-FR" sz="1200" dirty="0"/>
               <a:t>Système réalisé</a:t>
             </a:r>
-            <a:endParaRPr lang="fr-FR" sz="1200" dirty="0"/>
           </a:p>
         </p:txBody>
       </p:sp>
@@ -20869,10 +20148,9 @@
           <a:p>
             <a:pPr algn="ctr"/>
             <a:r>
-              <a:rPr lang="fr-FR" sz="1200" dirty="0" smtClean="0"/>
+              <a:rPr lang="fr-FR" sz="1200" dirty="0"/>
               <a:t>Performances attendues du système</a:t>
             </a:r>
-            <a:endParaRPr lang="fr-FR" sz="1200" dirty="0"/>
           </a:p>
         </p:txBody>
       </p:sp>
@@ -20911,10 +20189,9 @@
           <a:p>
             <a:pPr algn="ctr"/>
             <a:r>
-              <a:rPr lang="fr-FR" sz="1200" dirty="0" smtClean="0"/>
+              <a:rPr lang="fr-FR" sz="1200" dirty="0"/>
               <a:t>Performances simulées du système</a:t>
             </a:r>
-            <a:endParaRPr lang="fr-FR" sz="1200" dirty="0"/>
           </a:p>
         </p:txBody>
       </p:sp>
@@ -20953,10 +20230,9 @@
           <a:p>
             <a:pPr algn="ctr"/>
             <a:r>
-              <a:rPr lang="fr-FR" sz="1200" dirty="0" smtClean="0"/>
+              <a:rPr lang="fr-FR" sz="1200" dirty="0"/>
               <a:t>Performances attendues des sous-systèmes</a:t>
             </a:r>
-            <a:endParaRPr lang="fr-FR" sz="1200" dirty="0"/>
           </a:p>
         </p:txBody>
       </p:sp>
@@ -20995,10 +20271,9 @@
           <a:p>
             <a:pPr algn="ctr"/>
             <a:r>
-              <a:rPr lang="fr-FR" sz="1200" dirty="0" smtClean="0"/>
+              <a:rPr lang="fr-FR" sz="1200" dirty="0"/>
               <a:t>Performances mesurées des sous-systèmes</a:t>
             </a:r>
-            <a:endParaRPr lang="fr-FR" sz="1200" dirty="0"/>
           </a:p>
         </p:txBody>
       </p:sp>
@@ -21037,10 +20312,9 @@
           <a:p>
             <a:pPr algn="ctr"/>
             <a:r>
-              <a:rPr lang="fr-FR" sz="1200" dirty="0" smtClean="0"/>
+              <a:rPr lang="fr-FR" sz="1200" dirty="0"/>
               <a:t>Performances simulées des sous-systèmes</a:t>
             </a:r>
-            <a:endParaRPr lang="fr-FR" sz="1200" dirty="0"/>
           </a:p>
         </p:txBody>
       </p:sp>
@@ -21120,10 +20394,9 @@
           <a:p>
             <a:pPr algn="ctr"/>
             <a:r>
-              <a:rPr lang="fr-FR" sz="1400" b="1" i="1" dirty="0" smtClean="0"/>
+              <a:rPr lang="fr-FR" sz="1400" b="1" i="1" dirty="0"/>
               <a:t>Intégration</a:t>
             </a:r>
-            <a:endParaRPr lang="fr-FR" sz="1400" b="1" i="1" dirty="0"/>
           </a:p>
         </p:txBody>
       </p:sp>
@@ -21162,10 +20435,9 @@
           <a:p>
             <a:pPr algn="ctr"/>
             <a:r>
-              <a:rPr lang="fr-FR" sz="1200" dirty="0" smtClean="0"/>
+              <a:rPr lang="fr-FR" sz="1200" dirty="0"/>
               <a:t>Performances mesurées du système</a:t>
             </a:r>
-            <a:endParaRPr lang="fr-FR" sz="1200" dirty="0"/>
           </a:p>
         </p:txBody>
       </p:sp>
@@ -21713,10 +20985,9 @@
           <a:p>
             <a:pPr algn="ctr"/>
             <a:r>
-              <a:rPr lang="fr-FR" sz="2400" b="1" i="1" dirty="0" smtClean="0"/>
+              <a:rPr lang="fr-FR" sz="2400" b="1" i="1" dirty="0"/>
               <a:t>Réalisation</a:t>
             </a:r>
-            <a:endParaRPr lang="fr-FR" sz="2400" b="1" i="1" dirty="0"/>
           </a:p>
         </p:txBody>
       </p:sp>
@@ -21845,18 +21116,13 @@
           <a:p>
             <a:pPr algn="ctr"/>
             <a:r>
-              <a:rPr lang="fr-FR" dirty="0" smtClean="0">
+              <a:rPr lang="fr-FR" dirty="0">
                 <a:solidFill>
                   <a:prstClr val="black"/>
                 </a:solidFill>
               </a:rPr>
               <a:t>Domaine du client</a:t>
             </a:r>
-            <a:endParaRPr lang="fr-FR" dirty="0">
-              <a:solidFill>
-                <a:prstClr val="black"/>
-              </a:solidFill>
-            </a:endParaRPr>
           </a:p>
         </p:txBody>
       </p:sp>
@@ -21895,18 +21161,13 @@
           <a:p>
             <a:pPr algn="ctr"/>
             <a:r>
-              <a:rPr lang="fr-FR" dirty="0" smtClean="0">
+              <a:rPr lang="fr-FR" dirty="0">
                 <a:solidFill>
                   <a:prstClr val="black"/>
                 </a:solidFill>
               </a:rPr>
               <a:t>Domaine du laboratoire</a:t>
             </a:r>
-            <a:endParaRPr lang="fr-FR" dirty="0">
-              <a:solidFill>
-                <a:prstClr val="black"/>
-              </a:solidFill>
-            </a:endParaRPr>
           </a:p>
         </p:txBody>
       </p:sp>
@@ -21945,18 +21206,13 @@
           <a:p>
             <a:pPr algn="ctr"/>
             <a:r>
-              <a:rPr lang="fr-FR" dirty="0" smtClean="0">
+              <a:rPr lang="fr-FR" dirty="0">
                 <a:solidFill>
                   <a:prstClr val="black"/>
                 </a:solidFill>
               </a:rPr>
               <a:t>Domaine de la simulation</a:t>
             </a:r>
-            <a:endParaRPr lang="fr-FR" dirty="0">
-              <a:solidFill>
-                <a:prstClr val="black"/>
-              </a:solidFill>
-            </a:endParaRPr>
           </a:p>
         </p:txBody>
       </p:sp>
@@ -21984,34 +21240,24 @@
           <a:p>
             <a:pPr algn="ctr"/>
             <a:r>
-              <a:rPr lang="fr-FR" dirty="0" smtClean="0">
+              <a:rPr lang="fr-FR" dirty="0">
                 <a:solidFill>
                   <a:prstClr val="black"/>
                 </a:solidFill>
               </a:rPr>
               <a:t>Performances</a:t>
             </a:r>
-            <a:endParaRPr lang="fr-FR" dirty="0">
-              <a:solidFill>
-                <a:prstClr val="black"/>
-              </a:solidFill>
-            </a:endParaRPr>
           </a:p>
           <a:p>
             <a:pPr algn="ctr"/>
             <a:r>
-              <a:rPr lang="fr-FR" dirty="0" smtClean="0">
+              <a:rPr lang="fr-FR" dirty="0">
                 <a:solidFill>
                   <a:prstClr val="black"/>
                 </a:solidFill>
               </a:rPr>
               <a:t>attendues</a:t>
             </a:r>
-            <a:endParaRPr lang="fr-FR" dirty="0">
-              <a:solidFill>
-                <a:prstClr val="black"/>
-              </a:solidFill>
-            </a:endParaRPr>
           </a:p>
         </p:txBody>
       </p:sp>
@@ -22039,18 +21285,13 @@
           <a:p>
             <a:pPr algn="ctr"/>
             <a:r>
-              <a:rPr lang="fr-FR" dirty="0" smtClean="0">
+              <a:rPr lang="fr-FR" dirty="0">
                 <a:solidFill>
                   <a:prstClr val="black"/>
                 </a:solidFill>
               </a:rPr>
               <a:t>Performances mesurées</a:t>
             </a:r>
-            <a:endParaRPr lang="fr-FR" dirty="0">
-              <a:solidFill>
-                <a:prstClr val="black"/>
-              </a:solidFill>
-            </a:endParaRPr>
           </a:p>
         </p:txBody>
       </p:sp>
@@ -22078,18 +21319,13 @@
           <a:p>
             <a:pPr algn="ctr"/>
             <a:r>
-              <a:rPr lang="fr-FR" dirty="0" smtClean="0">
+              <a:rPr lang="fr-FR" dirty="0">
                 <a:solidFill>
                   <a:prstClr val="black"/>
                 </a:solidFill>
               </a:rPr>
               <a:t>Performance simulées</a:t>
             </a:r>
-            <a:endParaRPr lang="fr-FR" dirty="0">
-              <a:solidFill>
-                <a:prstClr val="black"/>
-              </a:solidFill>
-            </a:endParaRPr>
           </a:p>
         </p:txBody>
       </p:sp>
@@ -22362,18 +21598,13 @@
           <a:p>
             <a:pPr algn="ctr"/>
             <a:r>
-              <a:rPr lang="fr-FR" sz="500" dirty="0" smtClean="0">
+              <a:rPr lang="fr-FR" sz="500" dirty="0">
                 <a:solidFill>
                   <a:prstClr val="white"/>
                 </a:solidFill>
               </a:rPr>
               <a:t>  </a:t>
             </a:r>
-            <a:endParaRPr lang="fr-FR" sz="500" dirty="0">
-              <a:solidFill>
-                <a:prstClr val="white"/>
-              </a:solidFill>
-            </a:endParaRPr>
           </a:p>
         </p:txBody>
       </p:sp>
@@ -22569,13 +21800,6 @@
   <p:clrMapOvr>
     <a:masterClrMapping/>
   </p:clrMapOvr>
-  <p:timing>
-    <p:tnLst>
-      <p:par>
-        <p:cTn id="1" dur="indefinite" restart="never" nodeType="tmRoot"/>
-      </p:par>
-    </p:tnLst>
-  </p:timing>
 </p:sld>
 </file>
 

--- a/Ressources/Ecarts.pptx
+++ b/Ressources/Ecarts.pptx
@@ -12,13 +12,14 @@
     <p:sldId id="266" r:id="rId6"/>
     <p:sldId id="267" r:id="rId7"/>
     <p:sldId id="262" r:id="rId8"/>
-    <p:sldId id="261" r:id="rId9"/>
-    <p:sldId id="263" r:id="rId10"/>
-    <p:sldId id="259" r:id="rId11"/>
-    <p:sldId id="269" r:id="rId12"/>
-    <p:sldId id="258" r:id="rId13"/>
-    <p:sldId id="260" r:id="rId14"/>
-    <p:sldId id="270" r:id="rId15"/>
+    <p:sldId id="271" r:id="rId9"/>
+    <p:sldId id="261" r:id="rId10"/>
+    <p:sldId id="263" r:id="rId11"/>
+    <p:sldId id="259" r:id="rId12"/>
+    <p:sldId id="269" r:id="rId13"/>
+    <p:sldId id="258" r:id="rId14"/>
+    <p:sldId id="260" r:id="rId15"/>
+    <p:sldId id="270" r:id="rId16"/>
   </p:sldIdLst>
   <p:sldSz cx="9144000" cy="6858000" type="screen4x3"/>
   <p:notesSz cx="6858000" cy="9144000"/>
@@ -888,6 +889,753 @@
 </file>
 
 <file path=ppt/diagrams/colors2.xml><?xml version="1.0" encoding="utf-8"?>
+<dgm:colorsDef xmlns:dgm="http://schemas.openxmlformats.org/drawingml/2006/diagram" xmlns:a="http://schemas.openxmlformats.org/drawingml/2006/main" uniqueId="urn:microsoft.com/office/officeart/2005/8/colors/accent1_2">
+  <dgm:title val=""/>
+  <dgm:desc val=""/>
+  <dgm:catLst>
+    <dgm:cat type="accent1" pri="11200"/>
+  </dgm:catLst>
+  <dgm:styleLbl name="node0">
+    <dgm:fillClrLst meth="repeat">
+      <a:schemeClr val="accent1"/>
+    </dgm:fillClrLst>
+    <dgm:linClrLst meth="repeat">
+      <a:schemeClr val="lt1"/>
+    </dgm:linClrLst>
+    <dgm:effectClrLst/>
+    <dgm:txLinClrLst/>
+    <dgm:txFillClrLst/>
+    <dgm:txEffectClrLst/>
+  </dgm:styleLbl>
+  <dgm:styleLbl name="alignNode1">
+    <dgm:fillClrLst meth="repeat">
+      <a:schemeClr val="accent1"/>
+    </dgm:fillClrLst>
+    <dgm:linClrLst meth="repeat">
+      <a:schemeClr val="accent1"/>
+    </dgm:linClrLst>
+    <dgm:effectClrLst/>
+    <dgm:txLinClrLst/>
+    <dgm:txFillClrLst/>
+    <dgm:txEffectClrLst/>
+  </dgm:styleLbl>
+  <dgm:styleLbl name="node1">
+    <dgm:fillClrLst meth="repeat">
+      <a:schemeClr val="accent1"/>
+    </dgm:fillClrLst>
+    <dgm:linClrLst meth="repeat">
+      <a:schemeClr val="lt1"/>
+    </dgm:linClrLst>
+    <dgm:effectClrLst/>
+    <dgm:txLinClrLst/>
+    <dgm:txFillClrLst/>
+    <dgm:txEffectClrLst/>
+  </dgm:styleLbl>
+  <dgm:styleLbl name="lnNode1">
+    <dgm:fillClrLst meth="repeat">
+      <a:schemeClr val="accent1"/>
+    </dgm:fillClrLst>
+    <dgm:linClrLst meth="repeat">
+      <a:schemeClr val="lt1"/>
+    </dgm:linClrLst>
+    <dgm:effectClrLst/>
+    <dgm:txLinClrLst/>
+    <dgm:txFillClrLst/>
+    <dgm:txEffectClrLst/>
+  </dgm:styleLbl>
+  <dgm:styleLbl name="vennNode1">
+    <dgm:fillClrLst meth="repeat">
+      <a:schemeClr val="accent1">
+        <a:alpha val="50000"/>
+      </a:schemeClr>
+    </dgm:fillClrLst>
+    <dgm:linClrLst meth="repeat">
+      <a:schemeClr val="lt1"/>
+    </dgm:linClrLst>
+    <dgm:effectClrLst/>
+    <dgm:txLinClrLst/>
+    <dgm:txFillClrLst/>
+    <dgm:txEffectClrLst/>
+  </dgm:styleLbl>
+  <dgm:styleLbl name="node2">
+    <dgm:fillClrLst meth="repeat">
+      <a:schemeClr val="accent1"/>
+    </dgm:fillClrLst>
+    <dgm:linClrLst meth="repeat">
+      <a:schemeClr val="lt1"/>
+    </dgm:linClrLst>
+    <dgm:effectClrLst/>
+    <dgm:txLinClrLst/>
+    <dgm:txFillClrLst/>
+    <dgm:txEffectClrLst/>
+  </dgm:styleLbl>
+  <dgm:styleLbl name="node3">
+    <dgm:fillClrLst meth="repeat">
+      <a:schemeClr val="accent1"/>
+    </dgm:fillClrLst>
+    <dgm:linClrLst meth="repeat">
+      <a:schemeClr val="lt1"/>
+    </dgm:linClrLst>
+    <dgm:effectClrLst/>
+    <dgm:txLinClrLst/>
+    <dgm:txFillClrLst/>
+    <dgm:txEffectClrLst/>
+  </dgm:styleLbl>
+  <dgm:styleLbl name="node4">
+    <dgm:fillClrLst meth="repeat">
+      <a:schemeClr val="accent1"/>
+    </dgm:fillClrLst>
+    <dgm:linClrLst meth="repeat">
+      <a:schemeClr val="lt1"/>
+    </dgm:linClrLst>
+    <dgm:effectClrLst/>
+    <dgm:txLinClrLst/>
+    <dgm:txFillClrLst/>
+    <dgm:txEffectClrLst/>
+  </dgm:styleLbl>
+  <dgm:styleLbl name="fgImgPlace1">
+    <dgm:fillClrLst meth="repeat">
+      <a:schemeClr val="accent1">
+        <a:tint val="50000"/>
+      </a:schemeClr>
+    </dgm:fillClrLst>
+    <dgm:linClrLst meth="repeat">
+      <a:schemeClr val="lt1"/>
+    </dgm:linClrLst>
+    <dgm:effectClrLst/>
+    <dgm:txLinClrLst/>
+    <dgm:txFillClrLst meth="repeat">
+      <a:schemeClr val="lt1"/>
+    </dgm:txFillClrLst>
+    <dgm:txEffectClrLst/>
+  </dgm:styleLbl>
+  <dgm:styleLbl name="alignImgPlace1">
+    <dgm:fillClrLst meth="repeat">
+      <a:schemeClr val="accent1">
+        <a:tint val="50000"/>
+      </a:schemeClr>
+    </dgm:fillClrLst>
+    <dgm:linClrLst meth="repeat">
+      <a:schemeClr val="lt1"/>
+    </dgm:linClrLst>
+    <dgm:effectClrLst/>
+    <dgm:txLinClrLst/>
+    <dgm:txFillClrLst meth="repeat">
+      <a:schemeClr val="lt1"/>
+    </dgm:txFillClrLst>
+    <dgm:txEffectClrLst/>
+  </dgm:styleLbl>
+  <dgm:styleLbl name="bgImgPlace1">
+    <dgm:fillClrLst meth="repeat">
+      <a:schemeClr val="accent1">
+        <a:tint val="50000"/>
+      </a:schemeClr>
+    </dgm:fillClrLst>
+    <dgm:linClrLst meth="repeat">
+      <a:schemeClr val="lt1"/>
+    </dgm:linClrLst>
+    <dgm:effectClrLst/>
+    <dgm:txLinClrLst/>
+    <dgm:txFillClrLst meth="repeat">
+      <a:schemeClr val="lt1"/>
+    </dgm:txFillClrLst>
+    <dgm:txEffectClrLst/>
+  </dgm:styleLbl>
+  <dgm:styleLbl name="sibTrans2D1">
+    <dgm:fillClrLst meth="repeat">
+      <a:schemeClr val="accent1">
+        <a:tint val="60000"/>
+      </a:schemeClr>
+    </dgm:fillClrLst>
+    <dgm:linClrLst meth="repeat">
+      <a:schemeClr val="accent1">
+        <a:tint val="60000"/>
+      </a:schemeClr>
+    </dgm:linClrLst>
+    <dgm:effectClrLst/>
+    <dgm:txLinClrLst/>
+    <dgm:txFillClrLst/>
+    <dgm:txEffectClrLst/>
+  </dgm:styleLbl>
+  <dgm:styleLbl name="fgSibTrans2D1">
+    <dgm:fillClrLst meth="repeat">
+      <a:schemeClr val="accent1">
+        <a:tint val="60000"/>
+      </a:schemeClr>
+    </dgm:fillClrLst>
+    <dgm:linClrLst meth="repeat">
+      <a:schemeClr val="accent1">
+        <a:tint val="60000"/>
+      </a:schemeClr>
+    </dgm:linClrLst>
+    <dgm:effectClrLst/>
+    <dgm:txLinClrLst/>
+    <dgm:txFillClrLst/>
+    <dgm:txEffectClrLst/>
+  </dgm:styleLbl>
+  <dgm:styleLbl name="bgSibTrans2D1">
+    <dgm:fillClrLst meth="repeat">
+      <a:schemeClr val="accent1">
+        <a:tint val="60000"/>
+      </a:schemeClr>
+    </dgm:fillClrLst>
+    <dgm:linClrLst meth="repeat">
+      <a:schemeClr val="accent1">
+        <a:tint val="60000"/>
+      </a:schemeClr>
+    </dgm:linClrLst>
+    <dgm:effectClrLst/>
+    <dgm:txLinClrLst/>
+    <dgm:txFillClrLst/>
+    <dgm:txEffectClrLst/>
+  </dgm:styleLbl>
+  <dgm:styleLbl name="sibTrans1D1">
+    <dgm:fillClrLst meth="repeat">
+      <a:schemeClr val="accent1"/>
+    </dgm:fillClrLst>
+    <dgm:linClrLst meth="repeat">
+      <a:schemeClr val="accent1"/>
+    </dgm:linClrLst>
+    <dgm:effectClrLst/>
+    <dgm:txLinClrLst/>
+    <dgm:txFillClrLst meth="repeat">
+      <a:schemeClr val="tx1"/>
+    </dgm:txFillClrLst>
+    <dgm:txEffectClrLst/>
+  </dgm:styleLbl>
+  <dgm:styleLbl name="callout">
+    <dgm:fillClrLst meth="repeat">
+      <a:schemeClr val="accent1"/>
+    </dgm:fillClrLst>
+    <dgm:linClrLst meth="repeat">
+      <a:schemeClr val="accent1">
+        <a:tint val="50000"/>
+      </a:schemeClr>
+    </dgm:linClrLst>
+    <dgm:effectClrLst/>
+    <dgm:txLinClrLst/>
+    <dgm:txFillClrLst meth="repeat">
+      <a:schemeClr val="tx1"/>
+    </dgm:txFillClrLst>
+    <dgm:txEffectClrLst/>
+  </dgm:styleLbl>
+  <dgm:styleLbl name="asst0">
+    <dgm:fillClrLst meth="repeat">
+      <a:schemeClr val="accent1"/>
+    </dgm:fillClrLst>
+    <dgm:linClrLst meth="repeat">
+      <a:schemeClr val="lt1"/>
+    </dgm:linClrLst>
+    <dgm:effectClrLst/>
+    <dgm:txLinClrLst/>
+    <dgm:txFillClrLst/>
+    <dgm:txEffectClrLst/>
+  </dgm:styleLbl>
+  <dgm:styleLbl name="asst1">
+    <dgm:fillClrLst meth="repeat">
+      <a:schemeClr val="accent1"/>
+    </dgm:fillClrLst>
+    <dgm:linClrLst meth="repeat">
+      <a:schemeClr val="lt1"/>
+    </dgm:linClrLst>
+    <dgm:effectClrLst/>
+    <dgm:txLinClrLst/>
+    <dgm:txFillClrLst/>
+    <dgm:txEffectClrLst/>
+  </dgm:styleLbl>
+  <dgm:styleLbl name="asst2">
+    <dgm:fillClrLst meth="repeat">
+      <a:schemeClr val="accent1"/>
+    </dgm:fillClrLst>
+    <dgm:linClrLst meth="repeat">
+      <a:schemeClr val="lt1"/>
+    </dgm:linClrLst>
+    <dgm:effectClrLst/>
+    <dgm:txLinClrLst/>
+    <dgm:txFillClrLst/>
+    <dgm:txEffectClrLst/>
+  </dgm:styleLbl>
+  <dgm:styleLbl name="asst3">
+    <dgm:fillClrLst meth="repeat">
+      <a:schemeClr val="accent1"/>
+    </dgm:fillClrLst>
+    <dgm:linClrLst meth="repeat">
+      <a:schemeClr val="lt1"/>
+    </dgm:linClrLst>
+    <dgm:effectClrLst/>
+    <dgm:txLinClrLst/>
+    <dgm:txFillClrLst/>
+    <dgm:txEffectClrLst/>
+  </dgm:styleLbl>
+  <dgm:styleLbl name="asst4">
+    <dgm:fillClrLst meth="repeat">
+      <a:schemeClr val="accent1"/>
+    </dgm:fillClrLst>
+    <dgm:linClrLst meth="repeat">
+      <a:schemeClr val="lt1"/>
+    </dgm:linClrLst>
+    <dgm:effectClrLst/>
+    <dgm:txLinClrLst/>
+    <dgm:txFillClrLst/>
+    <dgm:txEffectClrLst/>
+  </dgm:styleLbl>
+  <dgm:styleLbl name="parChTrans2D1">
+    <dgm:fillClrLst meth="repeat">
+      <a:schemeClr val="accent1">
+        <a:tint val="60000"/>
+      </a:schemeClr>
+    </dgm:fillClrLst>
+    <dgm:linClrLst meth="repeat">
+      <a:schemeClr val="accent1">
+        <a:tint val="60000"/>
+      </a:schemeClr>
+    </dgm:linClrLst>
+    <dgm:effectClrLst/>
+    <dgm:txLinClrLst/>
+    <dgm:txFillClrLst meth="repeat">
+      <a:schemeClr val="lt1"/>
+    </dgm:txFillClrLst>
+    <dgm:txEffectClrLst/>
+  </dgm:styleLbl>
+  <dgm:styleLbl name="parChTrans2D2">
+    <dgm:fillClrLst meth="repeat">
+      <a:schemeClr val="accent1"/>
+    </dgm:fillClrLst>
+    <dgm:linClrLst meth="repeat">
+      <a:schemeClr val="accent1"/>
+    </dgm:linClrLst>
+    <dgm:effectClrLst/>
+    <dgm:txLinClrLst/>
+    <dgm:txFillClrLst meth="repeat">
+      <a:schemeClr val="lt1"/>
+    </dgm:txFillClrLst>
+    <dgm:txEffectClrLst/>
+  </dgm:styleLbl>
+  <dgm:styleLbl name="parChTrans2D3">
+    <dgm:fillClrLst meth="repeat">
+      <a:schemeClr val="accent1"/>
+    </dgm:fillClrLst>
+    <dgm:linClrLst meth="repeat">
+      <a:schemeClr val="accent1"/>
+    </dgm:linClrLst>
+    <dgm:effectClrLst/>
+    <dgm:txLinClrLst/>
+    <dgm:txFillClrLst meth="repeat">
+      <a:schemeClr val="lt1"/>
+    </dgm:txFillClrLst>
+    <dgm:txEffectClrLst/>
+  </dgm:styleLbl>
+  <dgm:styleLbl name="parChTrans2D4">
+    <dgm:fillClrLst meth="repeat">
+      <a:schemeClr val="accent1"/>
+    </dgm:fillClrLst>
+    <dgm:linClrLst meth="repeat">
+      <a:schemeClr val="accent1"/>
+    </dgm:linClrLst>
+    <dgm:effectClrLst/>
+    <dgm:txLinClrLst/>
+    <dgm:txFillClrLst meth="repeat">
+      <a:schemeClr val="lt1"/>
+    </dgm:txFillClrLst>
+    <dgm:txEffectClrLst/>
+  </dgm:styleLbl>
+  <dgm:styleLbl name="parChTrans1D1">
+    <dgm:fillClrLst meth="repeat">
+      <a:schemeClr val="accent1"/>
+    </dgm:fillClrLst>
+    <dgm:linClrLst meth="repeat">
+      <a:schemeClr val="accent1">
+        <a:shade val="60000"/>
+      </a:schemeClr>
+    </dgm:linClrLst>
+    <dgm:effectClrLst/>
+    <dgm:txLinClrLst/>
+    <dgm:txFillClrLst meth="repeat">
+      <a:schemeClr val="tx1"/>
+    </dgm:txFillClrLst>
+    <dgm:txEffectClrLst/>
+  </dgm:styleLbl>
+  <dgm:styleLbl name="parChTrans1D2">
+    <dgm:fillClrLst meth="repeat">
+      <a:schemeClr val="accent1"/>
+    </dgm:fillClrLst>
+    <dgm:linClrLst meth="repeat">
+      <a:schemeClr val="accent1">
+        <a:shade val="60000"/>
+      </a:schemeClr>
+    </dgm:linClrLst>
+    <dgm:effectClrLst/>
+    <dgm:txLinClrLst/>
+    <dgm:txFillClrLst meth="repeat">
+      <a:schemeClr val="tx1"/>
+    </dgm:txFillClrLst>
+    <dgm:txEffectClrLst/>
+  </dgm:styleLbl>
+  <dgm:styleLbl name="parChTrans1D3">
+    <dgm:fillClrLst meth="repeat">
+      <a:schemeClr val="accent1"/>
+    </dgm:fillClrLst>
+    <dgm:linClrLst meth="repeat">
+      <a:schemeClr val="accent1">
+        <a:shade val="80000"/>
+      </a:schemeClr>
+    </dgm:linClrLst>
+    <dgm:effectClrLst/>
+    <dgm:txLinClrLst/>
+    <dgm:txFillClrLst meth="repeat">
+      <a:schemeClr val="tx1"/>
+    </dgm:txFillClrLst>
+    <dgm:txEffectClrLst/>
+  </dgm:styleLbl>
+  <dgm:styleLbl name="parChTrans1D4">
+    <dgm:fillClrLst meth="repeat">
+      <a:schemeClr val="accent1"/>
+    </dgm:fillClrLst>
+    <dgm:linClrLst meth="repeat">
+      <a:schemeClr val="accent1">
+        <a:shade val="80000"/>
+      </a:schemeClr>
+    </dgm:linClrLst>
+    <dgm:effectClrLst/>
+    <dgm:txLinClrLst/>
+    <dgm:txFillClrLst meth="repeat">
+      <a:schemeClr val="tx1"/>
+    </dgm:txFillClrLst>
+    <dgm:txEffectClrLst/>
+  </dgm:styleLbl>
+  <dgm:styleLbl name="fgAcc1">
+    <dgm:fillClrLst meth="repeat">
+      <a:schemeClr val="lt1">
+        <a:alpha val="90000"/>
+      </a:schemeClr>
+    </dgm:fillClrLst>
+    <dgm:linClrLst meth="repeat">
+      <a:schemeClr val="accent1"/>
+    </dgm:linClrLst>
+    <dgm:effectClrLst/>
+    <dgm:txLinClrLst/>
+    <dgm:txFillClrLst meth="repeat">
+      <a:schemeClr val="dk1"/>
+    </dgm:txFillClrLst>
+    <dgm:txEffectClrLst/>
+  </dgm:styleLbl>
+  <dgm:styleLbl name="conFgAcc1">
+    <dgm:fillClrLst meth="repeat">
+      <a:schemeClr val="lt1">
+        <a:alpha val="90000"/>
+      </a:schemeClr>
+    </dgm:fillClrLst>
+    <dgm:linClrLst meth="repeat">
+      <a:schemeClr val="accent1"/>
+    </dgm:linClrLst>
+    <dgm:effectClrLst/>
+    <dgm:txLinClrLst/>
+    <dgm:txFillClrLst meth="repeat">
+      <a:schemeClr val="dk1"/>
+    </dgm:txFillClrLst>
+    <dgm:txEffectClrLst/>
+  </dgm:styleLbl>
+  <dgm:styleLbl name="alignAcc1">
+    <dgm:fillClrLst meth="repeat">
+      <a:schemeClr val="lt1">
+        <a:alpha val="90000"/>
+      </a:schemeClr>
+    </dgm:fillClrLst>
+    <dgm:linClrLst meth="repeat">
+      <a:schemeClr val="accent1"/>
+    </dgm:linClrLst>
+    <dgm:effectClrLst/>
+    <dgm:txLinClrLst/>
+    <dgm:txFillClrLst meth="repeat">
+      <a:schemeClr val="dk1"/>
+    </dgm:txFillClrLst>
+    <dgm:txEffectClrLst/>
+  </dgm:styleLbl>
+  <dgm:styleLbl name="trAlignAcc1">
+    <dgm:fillClrLst meth="repeat">
+      <a:schemeClr val="lt1">
+        <a:alpha val="40000"/>
+      </a:schemeClr>
+    </dgm:fillClrLst>
+    <dgm:linClrLst meth="repeat">
+      <a:schemeClr val="accent1"/>
+    </dgm:linClrLst>
+    <dgm:effectClrLst/>
+    <dgm:txLinClrLst/>
+    <dgm:txFillClrLst meth="repeat">
+      <a:schemeClr val="dk1"/>
+    </dgm:txFillClrLst>
+    <dgm:txEffectClrLst/>
+  </dgm:styleLbl>
+  <dgm:styleLbl name="bgAcc1">
+    <dgm:fillClrLst meth="repeat">
+      <a:schemeClr val="lt1">
+        <a:alpha val="90000"/>
+      </a:schemeClr>
+    </dgm:fillClrLst>
+    <dgm:linClrLst meth="repeat">
+      <a:schemeClr val="accent1"/>
+    </dgm:linClrLst>
+    <dgm:effectClrLst/>
+    <dgm:txLinClrLst/>
+    <dgm:txFillClrLst meth="repeat">
+      <a:schemeClr val="dk1"/>
+    </dgm:txFillClrLst>
+    <dgm:txEffectClrLst/>
+  </dgm:styleLbl>
+  <dgm:styleLbl name="solidFgAcc1">
+    <dgm:fillClrLst meth="repeat">
+      <a:schemeClr val="lt1"/>
+    </dgm:fillClrLst>
+    <dgm:linClrLst meth="repeat">
+      <a:schemeClr val="accent1"/>
+    </dgm:linClrLst>
+    <dgm:effectClrLst/>
+    <dgm:txLinClrLst/>
+    <dgm:txFillClrLst meth="repeat">
+      <a:schemeClr val="dk1"/>
+    </dgm:txFillClrLst>
+    <dgm:txEffectClrLst/>
+  </dgm:styleLbl>
+  <dgm:styleLbl name="solidAlignAcc1">
+    <dgm:fillClrLst meth="repeat">
+      <a:schemeClr val="lt1"/>
+    </dgm:fillClrLst>
+    <dgm:linClrLst meth="repeat">
+      <a:schemeClr val="accent1"/>
+    </dgm:linClrLst>
+    <dgm:effectClrLst/>
+    <dgm:txLinClrLst/>
+    <dgm:txFillClrLst meth="repeat">
+      <a:schemeClr val="dk1"/>
+    </dgm:txFillClrLst>
+    <dgm:txEffectClrLst/>
+  </dgm:styleLbl>
+  <dgm:styleLbl name="solidBgAcc1">
+    <dgm:fillClrLst meth="repeat">
+      <a:schemeClr val="lt1"/>
+    </dgm:fillClrLst>
+    <dgm:linClrLst meth="repeat">
+      <a:schemeClr val="accent1"/>
+    </dgm:linClrLst>
+    <dgm:effectClrLst/>
+    <dgm:txLinClrLst/>
+    <dgm:txFillClrLst meth="repeat">
+      <a:schemeClr val="dk1"/>
+    </dgm:txFillClrLst>
+    <dgm:txEffectClrLst/>
+  </dgm:styleLbl>
+  <dgm:styleLbl name="fgAccFollowNode1">
+    <dgm:fillClrLst meth="repeat">
+      <a:schemeClr val="accent1">
+        <a:alpha val="90000"/>
+        <a:tint val="40000"/>
+      </a:schemeClr>
+    </dgm:fillClrLst>
+    <dgm:linClrLst meth="repeat">
+      <a:schemeClr val="accent1">
+        <a:alpha val="90000"/>
+        <a:tint val="40000"/>
+      </a:schemeClr>
+    </dgm:linClrLst>
+    <dgm:effectClrLst/>
+    <dgm:txLinClrLst/>
+    <dgm:txFillClrLst meth="repeat">
+      <a:schemeClr val="dk1"/>
+    </dgm:txFillClrLst>
+    <dgm:txEffectClrLst/>
+  </dgm:styleLbl>
+  <dgm:styleLbl name="alignAccFollowNode1">
+    <dgm:fillClrLst meth="repeat">
+      <a:schemeClr val="accent1">
+        <a:alpha val="90000"/>
+        <a:tint val="40000"/>
+      </a:schemeClr>
+    </dgm:fillClrLst>
+    <dgm:linClrLst meth="repeat">
+      <a:schemeClr val="accent1">
+        <a:alpha val="90000"/>
+        <a:tint val="40000"/>
+      </a:schemeClr>
+    </dgm:linClrLst>
+    <dgm:effectClrLst/>
+    <dgm:txLinClrLst/>
+    <dgm:txFillClrLst meth="repeat">
+      <a:schemeClr val="dk1"/>
+    </dgm:txFillClrLst>
+    <dgm:txEffectClrLst/>
+  </dgm:styleLbl>
+  <dgm:styleLbl name="bgAccFollowNode1">
+    <dgm:fillClrLst meth="repeat">
+      <a:schemeClr val="accent1">
+        <a:alpha val="90000"/>
+        <a:tint val="40000"/>
+      </a:schemeClr>
+    </dgm:fillClrLst>
+    <dgm:linClrLst meth="repeat">
+      <a:schemeClr val="accent1">
+        <a:alpha val="90000"/>
+        <a:tint val="40000"/>
+      </a:schemeClr>
+    </dgm:linClrLst>
+    <dgm:effectClrLst/>
+    <dgm:txLinClrLst/>
+    <dgm:txFillClrLst meth="repeat">
+      <a:schemeClr val="dk1"/>
+    </dgm:txFillClrLst>
+    <dgm:txEffectClrLst/>
+  </dgm:styleLbl>
+  <dgm:styleLbl name="fgAcc0">
+    <dgm:fillClrLst meth="repeat">
+      <a:schemeClr val="lt1">
+        <a:alpha val="90000"/>
+      </a:schemeClr>
+    </dgm:fillClrLst>
+    <dgm:linClrLst meth="repeat">
+      <a:schemeClr val="accent1"/>
+    </dgm:linClrLst>
+    <dgm:effectClrLst/>
+    <dgm:txLinClrLst/>
+    <dgm:txFillClrLst meth="repeat">
+      <a:schemeClr val="dk1"/>
+    </dgm:txFillClrLst>
+    <dgm:txEffectClrLst/>
+  </dgm:styleLbl>
+  <dgm:styleLbl name="fgAcc2">
+    <dgm:fillClrLst meth="repeat">
+      <a:schemeClr val="lt1">
+        <a:alpha val="90000"/>
+      </a:schemeClr>
+    </dgm:fillClrLst>
+    <dgm:linClrLst meth="repeat">
+      <a:schemeClr val="accent1"/>
+    </dgm:linClrLst>
+    <dgm:effectClrLst/>
+    <dgm:txLinClrLst/>
+    <dgm:txFillClrLst meth="repeat">
+      <a:schemeClr val="dk1"/>
+    </dgm:txFillClrLst>
+    <dgm:txEffectClrLst/>
+  </dgm:styleLbl>
+  <dgm:styleLbl name="fgAcc3">
+    <dgm:fillClrLst meth="repeat">
+      <a:schemeClr val="lt1">
+        <a:alpha val="90000"/>
+      </a:schemeClr>
+    </dgm:fillClrLst>
+    <dgm:linClrLst meth="repeat">
+      <a:schemeClr val="accent1"/>
+    </dgm:linClrLst>
+    <dgm:effectClrLst/>
+    <dgm:txLinClrLst/>
+    <dgm:txFillClrLst meth="repeat">
+      <a:schemeClr val="dk1"/>
+    </dgm:txFillClrLst>
+    <dgm:txEffectClrLst/>
+  </dgm:styleLbl>
+  <dgm:styleLbl name="fgAcc4">
+    <dgm:fillClrLst meth="repeat">
+      <a:schemeClr val="lt1">
+        <a:alpha val="90000"/>
+      </a:schemeClr>
+    </dgm:fillClrLst>
+    <dgm:linClrLst meth="repeat">
+      <a:schemeClr val="accent1"/>
+    </dgm:linClrLst>
+    <dgm:effectClrLst/>
+    <dgm:txLinClrLst/>
+    <dgm:txFillClrLst meth="repeat">
+      <a:schemeClr val="dk1"/>
+    </dgm:txFillClrLst>
+    <dgm:txEffectClrLst/>
+  </dgm:styleLbl>
+  <dgm:styleLbl name="bgShp">
+    <dgm:fillClrLst meth="repeat">
+      <a:schemeClr val="accent1">
+        <a:tint val="40000"/>
+      </a:schemeClr>
+    </dgm:fillClrLst>
+    <dgm:linClrLst meth="repeat">
+      <a:schemeClr val="accent1"/>
+    </dgm:linClrLst>
+    <dgm:effectClrLst/>
+    <dgm:txLinClrLst/>
+    <dgm:txFillClrLst meth="repeat">
+      <a:schemeClr val="dk1"/>
+    </dgm:txFillClrLst>
+    <dgm:txEffectClrLst/>
+  </dgm:styleLbl>
+  <dgm:styleLbl name="dkBgShp">
+    <dgm:fillClrLst meth="repeat">
+      <a:schemeClr val="accent1">
+        <a:shade val="80000"/>
+      </a:schemeClr>
+    </dgm:fillClrLst>
+    <dgm:linClrLst meth="repeat">
+      <a:schemeClr val="accent1"/>
+    </dgm:linClrLst>
+    <dgm:effectClrLst/>
+    <dgm:txLinClrLst/>
+    <dgm:txFillClrLst meth="repeat">
+      <a:schemeClr val="lt1"/>
+    </dgm:txFillClrLst>
+    <dgm:txEffectClrLst/>
+  </dgm:styleLbl>
+  <dgm:styleLbl name="trBgShp">
+    <dgm:fillClrLst meth="repeat">
+      <a:schemeClr val="accent1">
+        <a:tint val="50000"/>
+        <a:alpha val="40000"/>
+      </a:schemeClr>
+    </dgm:fillClrLst>
+    <dgm:linClrLst meth="repeat">
+      <a:schemeClr val="accent1"/>
+    </dgm:linClrLst>
+    <dgm:effectClrLst/>
+    <dgm:txLinClrLst/>
+    <dgm:txFillClrLst meth="repeat">
+      <a:schemeClr val="lt1"/>
+    </dgm:txFillClrLst>
+    <dgm:txEffectClrLst/>
+  </dgm:styleLbl>
+  <dgm:styleLbl name="fgShp">
+    <dgm:fillClrLst meth="repeat">
+      <a:schemeClr val="accent1">
+        <a:tint val="60000"/>
+      </a:schemeClr>
+    </dgm:fillClrLst>
+    <dgm:linClrLst meth="repeat">
+      <a:schemeClr val="lt1"/>
+    </dgm:linClrLst>
+    <dgm:effectClrLst/>
+    <dgm:txLinClrLst/>
+    <dgm:txFillClrLst meth="repeat">
+      <a:schemeClr val="dk1"/>
+    </dgm:txFillClrLst>
+    <dgm:txEffectClrLst/>
+  </dgm:styleLbl>
+  <dgm:styleLbl name="revTx">
+    <dgm:fillClrLst meth="repeat">
+      <a:schemeClr val="lt1">
+        <a:alpha val="0"/>
+      </a:schemeClr>
+    </dgm:fillClrLst>
+    <dgm:linClrLst meth="repeat">
+      <a:schemeClr val="dk1">
+        <a:alpha val="0"/>
+      </a:schemeClr>
+    </dgm:linClrLst>
+    <dgm:effectClrLst/>
+    <dgm:txLinClrLst/>
+    <dgm:txFillClrLst meth="repeat">
+      <a:schemeClr val="tx1"/>
+    </dgm:txFillClrLst>
+    <dgm:txEffectClrLst/>
+  </dgm:styleLbl>
+</dgm:colorsDef>
+</file>
+
+<file path=ppt/diagrams/colors3.xml><?xml version="1.0" encoding="utf-8"?>
 <dgm:colorsDef xmlns:dgm="http://schemas.openxmlformats.org/drawingml/2006/diagram" xmlns:a="http://schemas.openxmlformats.org/drawingml/2006/main" uniqueId="urn:microsoft.com/office/officeart/2005/8/colors/accent1_2">
   <dgm:title val=""/>
   <dgm:desc val=""/>
@@ -2357,6 +3105,442 @@
 </file>
 
 <file path=ppt/diagrams/data2.xml><?xml version="1.0" encoding="utf-8"?>
+<dgm:dataModel xmlns:dgm="http://schemas.openxmlformats.org/drawingml/2006/diagram" xmlns:a="http://schemas.openxmlformats.org/drawingml/2006/main">
+  <dgm:ptLst>
+    <dgm:pt modelId="{F9998325-7ADE-4311-A231-52FDC1B8CDA9}" type="doc">
+      <dgm:prSet loTypeId="urn:microsoft.com/office/officeart/2005/8/layout/radial5" loCatId="cycle" qsTypeId="urn:microsoft.com/office/officeart/2005/8/quickstyle/simple1" qsCatId="simple" csTypeId="urn:microsoft.com/office/officeart/2005/8/colors/accent1_2" csCatId="accent1" phldr="1"/>
+      <dgm:spPr/>
+      <dgm:t>
+        <a:bodyPr/>
+        <a:lstStyle/>
+        <a:p>
+          <a:endParaRPr lang="fr-FR"/>
+        </a:p>
+      </dgm:t>
+    </dgm:pt>
+    <dgm:pt modelId="{6C7F26EE-DC41-4FCE-9A2B-BCB785BD3D40}">
+      <dgm:prSet phldrT="[Texte]" custT="1"/>
+      <dgm:spPr/>
+      <dgm:t>
+        <a:bodyPr/>
+        <a:lstStyle/>
+        <a:p>
+          <a:r>
+            <a:rPr lang="fr-FR" sz="1200" dirty="0"/>
+            <a:t>Compétences</a:t>
+          </a:r>
+        </a:p>
+      </dgm:t>
+    </dgm:pt>
+    <dgm:pt modelId="{E67DDFC5-6407-44C9-88BA-B29F651CA55F}" type="parTrans" cxnId="{A27BD5C5-98E9-4318-AF6E-79EC1869D510}">
+      <dgm:prSet/>
+      <dgm:spPr/>
+      <dgm:t>
+        <a:bodyPr/>
+        <a:lstStyle/>
+        <a:p>
+          <a:endParaRPr lang="fr-FR" sz="1200"/>
+        </a:p>
+      </dgm:t>
+    </dgm:pt>
+    <dgm:pt modelId="{32DAA5E5-A336-4688-A8E9-E9E67FCEA09C}" type="sibTrans" cxnId="{A27BD5C5-98E9-4318-AF6E-79EC1869D510}">
+      <dgm:prSet/>
+      <dgm:spPr/>
+      <dgm:t>
+        <a:bodyPr/>
+        <a:lstStyle/>
+        <a:p>
+          <a:endParaRPr lang="fr-FR" sz="1200"/>
+        </a:p>
+      </dgm:t>
+    </dgm:pt>
+    <dgm:pt modelId="{ABD21938-04B1-41CA-83C8-2ABDF967D126}">
+      <dgm:prSet phldrT="[Texte]" custT="1"/>
+      <dgm:spPr/>
+      <dgm:t>
+        <a:bodyPr/>
+        <a:lstStyle/>
+        <a:p>
+          <a:r>
+            <a:rPr lang="fr-FR" sz="1200" dirty="0"/>
+            <a:t>Communiquer</a:t>
+          </a:r>
+        </a:p>
+      </dgm:t>
+    </dgm:pt>
+    <dgm:pt modelId="{BF08AF18-252A-4A5D-9A63-82B61EF94DB5}" type="parTrans" cxnId="{A2A26490-63E0-4244-8E5E-DA191B3871F9}">
+      <dgm:prSet custT="1"/>
+      <dgm:spPr/>
+      <dgm:t>
+        <a:bodyPr/>
+        <a:lstStyle/>
+        <a:p>
+          <a:endParaRPr lang="fr-FR" sz="1200"/>
+        </a:p>
+      </dgm:t>
+    </dgm:pt>
+    <dgm:pt modelId="{E2D2F5AC-45C6-47DE-8D32-46362313B352}" type="sibTrans" cxnId="{A2A26490-63E0-4244-8E5E-DA191B3871F9}">
+      <dgm:prSet/>
+      <dgm:spPr/>
+      <dgm:t>
+        <a:bodyPr/>
+        <a:lstStyle/>
+        <a:p>
+          <a:endParaRPr lang="fr-FR" sz="1200"/>
+        </a:p>
+      </dgm:t>
+    </dgm:pt>
+    <dgm:pt modelId="{F0C6DB36-3872-4B58-8E34-E788738E6D2E}">
+      <dgm:prSet phldrT="[Texte]" custT="1"/>
+      <dgm:spPr/>
+      <dgm:t>
+        <a:bodyPr/>
+        <a:lstStyle/>
+        <a:p>
+          <a:r>
+            <a:rPr lang="fr-FR" sz="1200" dirty="0"/>
+            <a:t>Concevoir</a:t>
+          </a:r>
+        </a:p>
+      </dgm:t>
+    </dgm:pt>
+    <dgm:pt modelId="{AF093D10-7012-425E-8E21-3F88DE2923C4}" type="parTrans" cxnId="{F7BF687E-CDC4-402E-AA1A-21EEA45381D3}">
+      <dgm:prSet custT="1"/>
+      <dgm:spPr/>
+      <dgm:t>
+        <a:bodyPr/>
+        <a:lstStyle/>
+        <a:p>
+          <a:endParaRPr lang="fr-FR" sz="1200"/>
+        </a:p>
+      </dgm:t>
+    </dgm:pt>
+    <dgm:pt modelId="{A8813212-DCE7-4664-97BA-CD68F83C165B}" type="sibTrans" cxnId="{F7BF687E-CDC4-402E-AA1A-21EEA45381D3}">
+      <dgm:prSet/>
+      <dgm:spPr/>
+      <dgm:t>
+        <a:bodyPr/>
+        <a:lstStyle/>
+        <a:p>
+          <a:endParaRPr lang="fr-FR" sz="1200"/>
+        </a:p>
+      </dgm:t>
+    </dgm:pt>
+    <dgm:pt modelId="{E03C1B12-9674-4158-82E6-380D58725FD2}">
+      <dgm:prSet phldrT="[Texte]" custT="1"/>
+      <dgm:spPr/>
+      <dgm:t>
+        <a:bodyPr/>
+        <a:lstStyle/>
+        <a:p>
+          <a:r>
+            <a:rPr lang="fr-FR" sz="1200" dirty="0"/>
+            <a:t>Expérimenter</a:t>
+          </a:r>
+        </a:p>
+      </dgm:t>
+    </dgm:pt>
+    <dgm:pt modelId="{D505439A-4959-4459-A573-2343A93FF006}" type="parTrans" cxnId="{115F94F3-B364-44B5-B59A-022972CB01FC}">
+      <dgm:prSet custT="1"/>
+      <dgm:spPr/>
+      <dgm:t>
+        <a:bodyPr/>
+        <a:lstStyle/>
+        <a:p>
+          <a:endParaRPr lang="fr-FR" sz="1200"/>
+        </a:p>
+      </dgm:t>
+    </dgm:pt>
+    <dgm:pt modelId="{79082AFD-ADB4-4A07-AD6D-3FAB394DA409}" type="sibTrans" cxnId="{115F94F3-B364-44B5-B59A-022972CB01FC}">
+      <dgm:prSet/>
+      <dgm:spPr/>
+      <dgm:t>
+        <a:bodyPr/>
+        <a:lstStyle/>
+        <a:p>
+          <a:endParaRPr lang="fr-FR" sz="1200"/>
+        </a:p>
+      </dgm:t>
+    </dgm:pt>
+    <dgm:pt modelId="{3BB986C5-39B4-419F-BC66-29AA94C2C8B4}">
+      <dgm:prSet phldrT="[Texte]" custT="1"/>
+      <dgm:spPr/>
+      <dgm:t>
+        <a:bodyPr/>
+        <a:lstStyle/>
+        <a:p>
+          <a:r>
+            <a:rPr lang="fr-FR" sz="1200" dirty="0"/>
+            <a:t>Analyser</a:t>
+          </a:r>
+        </a:p>
+      </dgm:t>
+    </dgm:pt>
+    <dgm:pt modelId="{7C67E25A-687E-43EF-A30E-1BE6BB1C96BB}" type="parTrans" cxnId="{82D56A07-0F2D-4B39-8112-28903D5E7914}">
+      <dgm:prSet custT="1"/>
+      <dgm:spPr/>
+      <dgm:t>
+        <a:bodyPr/>
+        <a:lstStyle/>
+        <a:p>
+          <a:endParaRPr lang="fr-FR" sz="1200"/>
+        </a:p>
+      </dgm:t>
+    </dgm:pt>
+    <dgm:pt modelId="{6D74F808-3D7F-4FA4-AAE3-8BE6FCE9A644}" type="sibTrans" cxnId="{82D56A07-0F2D-4B39-8112-28903D5E7914}">
+      <dgm:prSet/>
+      <dgm:spPr/>
+      <dgm:t>
+        <a:bodyPr/>
+        <a:lstStyle/>
+        <a:p>
+          <a:endParaRPr lang="fr-FR" sz="1200"/>
+        </a:p>
+      </dgm:t>
+    </dgm:pt>
+    <dgm:pt modelId="{8E868AD2-930E-400E-AAA6-8A5A38622904}">
+      <dgm:prSet phldrT="[Texte]" custT="1"/>
+      <dgm:spPr/>
+      <dgm:t>
+        <a:bodyPr/>
+        <a:lstStyle/>
+        <a:p>
+          <a:r>
+            <a:rPr lang="fr-FR" sz="1200" dirty="0"/>
+            <a:t>Modéliser</a:t>
+          </a:r>
+        </a:p>
+      </dgm:t>
+    </dgm:pt>
+    <dgm:pt modelId="{97E1711E-874A-4867-847A-9FB0D49421F4}" type="parTrans" cxnId="{8D6FC9A5-7FEF-406E-8FAF-7341EF098230}">
+      <dgm:prSet custT="1"/>
+      <dgm:spPr/>
+      <dgm:t>
+        <a:bodyPr/>
+        <a:lstStyle/>
+        <a:p>
+          <a:endParaRPr lang="fr-FR" sz="1200"/>
+        </a:p>
+      </dgm:t>
+    </dgm:pt>
+    <dgm:pt modelId="{42EA9274-B982-4F92-AB98-104C73C78B23}" type="sibTrans" cxnId="{8D6FC9A5-7FEF-406E-8FAF-7341EF098230}">
+      <dgm:prSet/>
+      <dgm:spPr/>
+      <dgm:t>
+        <a:bodyPr/>
+        <a:lstStyle/>
+        <a:p>
+          <a:endParaRPr lang="fr-FR" sz="1200"/>
+        </a:p>
+      </dgm:t>
+    </dgm:pt>
+    <dgm:pt modelId="{B62E7B2B-FA3A-426A-B7EB-F310A4C8F75C}">
+      <dgm:prSet phldrT="[Texte]" custT="1"/>
+      <dgm:spPr/>
+      <dgm:t>
+        <a:bodyPr/>
+        <a:lstStyle/>
+        <a:p>
+          <a:r>
+            <a:rPr lang="fr-FR" sz="1200" dirty="0"/>
+            <a:t>Résoudre</a:t>
+          </a:r>
+        </a:p>
+      </dgm:t>
+    </dgm:pt>
+    <dgm:pt modelId="{CDC0C329-BEB2-408B-BDAB-EAAE090BC465}" type="parTrans" cxnId="{EFE7E207-FE94-4657-8EF6-9DB24939E01D}">
+      <dgm:prSet custT="1"/>
+      <dgm:spPr/>
+      <dgm:t>
+        <a:bodyPr/>
+        <a:lstStyle/>
+        <a:p>
+          <a:endParaRPr lang="fr-FR" sz="1200"/>
+        </a:p>
+      </dgm:t>
+    </dgm:pt>
+    <dgm:pt modelId="{6F80404E-2C54-4D9F-9ECA-7172053D77E5}" type="sibTrans" cxnId="{EFE7E207-FE94-4657-8EF6-9DB24939E01D}">
+      <dgm:prSet/>
+      <dgm:spPr/>
+      <dgm:t>
+        <a:bodyPr/>
+        <a:lstStyle/>
+        <a:p>
+          <a:endParaRPr lang="fr-FR" sz="1200"/>
+        </a:p>
+      </dgm:t>
+    </dgm:pt>
+    <dgm:pt modelId="{C587B4A8-743B-42E8-A685-647273CB9C3E}" type="pres">
+      <dgm:prSet presAssocID="{F9998325-7ADE-4311-A231-52FDC1B8CDA9}" presName="Name0" presStyleCnt="0">
+        <dgm:presLayoutVars>
+          <dgm:chMax val="1"/>
+          <dgm:dir/>
+          <dgm:animLvl val="ctr"/>
+          <dgm:resizeHandles val="exact"/>
+        </dgm:presLayoutVars>
+      </dgm:prSet>
+      <dgm:spPr/>
+    </dgm:pt>
+    <dgm:pt modelId="{795B084A-6AF2-4FE3-B8E7-6E77B4B1B4FE}" type="pres">
+      <dgm:prSet presAssocID="{6C7F26EE-DC41-4FCE-9A2B-BCB785BD3D40}" presName="centerShape" presStyleLbl="node0" presStyleIdx="0" presStyleCnt="1" custScaleX="134623" custScaleY="61213"/>
+      <dgm:spPr/>
+    </dgm:pt>
+    <dgm:pt modelId="{855A38A7-EDEB-431E-A167-42643272BBEE}" type="pres">
+      <dgm:prSet presAssocID="{BF08AF18-252A-4A5D-9A63-82B61EF94DB5}" presName="parTrans" presStyleLbl="sibTrans2D1" presStyleIdx="0" presStyleCnt="6"/>
+      <dgm:spPr/>
+    </dgm:pt>
+    <dgm:pt modelId="{C5CB236E-81F3-4E87-9694-5BDFFCCF0DCD}" type="pres">
+      <dgm:prSet presAssocID="{BF08AF18-252A-4A5D-9A63-82B61EF94DB5}" presName="connectorText" presStyleLbl="sibTrans2D1" presStyleIdx="0" presStyleCnt="6"/>
+      <dgm:spPr/>
+    </dgm:pt>
+    <dgm:pt modelId="{A4EEF9AC-C79A-4CC0-AE94-3847C4155BC9}" type="pres">
+      <dgm:prSet presAssocID="{ABD21938-04B1-41CA-83C8-2ABDF967D126}" presName="node" presStyleLbl="node1" presStyleIdx="0" presStyleCnt="6" custScaleX="134758" custScaleY="53903" custRadScaleRad="87743" custRadScaleInc="-3456">
+        <dgm:presLayoutVars>
+          <dgm:bulletEnabled val="1"/>
+        </dgm:presLayoutVars>
+      </dgm:prSet>
+      <dgm:spPr/>
+    </dgm:pt>
+    <dgm:pt modelId="{67BD1836-BBD8-49E6-8A1D-0B6AD1A49804}" type="pres">
+      <dgm:prSet presAssocID="{AF093D10-7012-425E-8E21-3F88DE2923C4}" presName="parTrans" presStyleLbl="sibTrans2D1" presStyleIdx="1" presStyleCnt="6"/>
+      <dgm:spPr/>
+    </dgm:pt>
+    <dgm:pt modelId="{44173EF8-C060-456B-A7FF-51FF3C3F3728}" type="pres">
+      <dgm:prSet presAssocID="{AF093D10-7012-425E-8E21-3F88DE2923C4}" presName="connectorText" presStyleLbl="sibTrans2D1" presStyleIdx="1" presStyleCnt="6"/>
+      <dgm:spPr/>
+    </dgm:pt>
+    <dgm:pt modelId="{3CA7F5B3-1CF7-48CD-9446-5EAAC42314B2}" type="pres">
+      <dgm:prSet presAssocID="{F0C6DB36-3872-4B58-8E34-E788738E6D2E}" presName="node" presStyleLbl="node1" presStyleIdx="1" presStyleCnt="6" custScaleX="134758" custScaleY="53903" custRadScaleRad="106734" custRadScaleInc="8488">
+        <dgm:presLayoutVars>
+          <dgm:bulletEnabled val="1"/>
+        </dgm:presLayoutVars>
+      </dgm:prSet>
+      <dgm:spPr/>
+    </dgm:pt>
+    <dgm:pt modelId="{79CA3347-9782-411C-88F7-42E0FDE4A993}" type="pres">
+      <dgm:prSet presAssocID="{D505439A-4959-4459-A573-2343A93FF006}" presName="parTrans" presStyleLbl="sibTrans2D1" presStyleIdx="2" presStyleCnt="6"/>
+      <dgm:spPr/>
+    </dgm:pt>
+    <dgm:pt modelId="{FAC6D00E-7DBC-4269-B96D-AD34341426B3}" type="pres">
+      <dgm:prSet presAssocID="{D505439A-4959-4459-A573-2343A93FF006}" presName="connectorText" presStyleLbl="sibTrans2D1" presStyleIdx="2" presStyleCnt="6"/>
+      <dgm:spPr/>
+    </dgm:pt>
+    <dgm:pt modelId="{4BBFCE1B-2519-4F4B-A2D6-A629CFD6B43E}" type="pres">
+      <dgm:prSet presAssocID="{E03C1B12-9674-4158-82E6-380D58725FD2}" presName="node" presStyleLbl="node1" presStyleIdx="2" presStyleCnt="6" custScaleX="134758" custScaleY="53903" custRadScaleRad="112253" custRadScaleInc="-8187">
+        <dgm:presLayoutVars>
+          <dgm:bulletEnabled val="1"/>
+        </dgm:presLayoutVars>
+      </dgm:prSet>
+      <dgm:spPr/>
+    </dgm:pt>
+    <dgm:pt modelId="{2908CCF2-B3E0-4425-A3A4-741C48F697CC}" type="pres">
+      <dgm:prSet presAssocID="{7C67E25A-687E-43EF-A30E-1BE6BB1C96BB}" presName="parTrans" presStyleLbl="sibTrans2D1" presStyleIdx="3" presStyleCnt="6"/>
+      <dgm:spPr/>
+    </dgm:pt>
+    <dgm:pt modelId="{02EDF0E0-C93D-496C-9C44-8B52081CF42F}" type="pres">
+      <dgm:prSet presAssocID="{7C67E25A-687E-43EF-A30E-1BE6BB1C96BB}" presName="connectorText" presStyleLbl="sibTrans2D1" presStyleIdx="3" presStyleCnt="6"/>
+      <dgm:spPr/>
+    </dgm:pt>
+    <dgm:pt modelId="{E47AF97F-3A35-4678-BBFB-CEBE864CC32F}" type="pres">
+      <dgm:prSet presAssocID="{3BB986C5-39B4-419F-BC66-29AA94C2C8B4}" presName="node" presStyleLbl="node1" presStyleIdx="3" presStyleCnt="6" custScaleX="134758" custScaleY="53903" custRadScaleRad="90444" custRadScaleInc="3352">
+        <dgm:presLayoutVars>
+          <dgm:bulletEnabled val="1"/>
+        </dgm:presLayoutVars>
+      </dgm:prSet>
+      <dgm:spPr/>
+    </dgm:pt>
+    <dgm:pt modelId="{6EA9DD4F-02C6-49FE-9FCF-19492F4C119B}" type="pres">
+      <dgm:prSet presAssocID="{97E1711E-874A-4867-847A-9FB0D49421F4}" presName="parTrans" presStyleLbl="sibTrans2D1" presStyleIdx="4" presStyleCnt="6"/>
+      <dgm:spPr/>
+    </dgm:pt>
+    <dgm:pt modelId="{76B889AC-5DC7-49E9-9470-1726B0E1E77F}" type="pres">
+      <dgm:prSet presAssocID="{97E1711E-874A-4867-847A-9FB0D49421F4}" presName="connectorText" presStyleLbl="sibTrans2D1" presStyleIdx="4" presStyleCnt="6"/>
+      <dgm:spPr/>
+    </dgm:pt>
+    <dgm:pt modelId="{F649323C-9A23-4780-ABBF-44EB22816205}" type="pres">
+      <dgm:prSet presAssocID="{8E868AD2-930E-400E-AAA6-8A5A38622904}" presName="node" presStyleLbl="node1" presStyleIdx="4" presStyleCnt="6" custScaleX="134758" custScaleY="53903" custRadScaleRad="115077" custRadScaleInc="10623">
+        <dgm:presLayoutVars>
+          <dgm:bulletEnabled val="1"/>
+        </dgm:presLayoutVars>
+      </dgm:prSet>
+      <dgm:spPr/>
+    </dgm:pt>
+    <dgm:pt modelId="{D8543BC6-C2A3-44A0-AD66-B070AE3B70F1}" type="pres">
+      <dgm:prSet presAssocID="{CDC0C329-BEB2-408B-BDAB-EAAE090BC465}" presName="parTrans" presStyleLbl="sibTrans2D1" presStyleIdx="5" presStyleCnt="6"/>
+      <dgm:spPr/>
+    </dgm:pt>
+    <dgm:pt modelId="{4B41BC24-608A-47A8-894A-F5C3286201C3}" type="pres">
+      <dgm:prSet presAssocID="{CDC0C329-BEB2-408B-BDAB-EAAE090BC465}" presName="connectorText" presStyleLbl="sibTrans2D1" presStyleIdx="5" presStyleCnt="6"/>
+      <dgm:spPr/>
+    </dgm:pt>
+    <dgm:pt modelId="{649B0251-076A-43A0-A9F0-20A26A16F648}" type="pres">
+      <dgm:prSet presAssocID="{B62E7B2B-FA3A-426A-B7EB-F310A4C8F75C}" presName="node" presStyleLbl="node1" presStyleIdx="5" presStyleCnt="6" custScaleX="134758" custScaleY="53903" custRadScaleRad="109562" custRadScaleInc="-11039">
+        <dgm:presLayoutVars>
+          <dgm:bulletEnabled val="1"/>
+        </dgm:presLayoutVars>
+      </dgm:prSet>
+      <dgm:spPr/>
+    </dgm:pt>
+  </dgm:ptLst>
+  <dgm:cxnLst>
+    <dgm:cxn modelId="{82D56A07-0F2D-4B39-8112-28903D5E7914}" srcId="{6C7F26EE-DC41-4FCE-9A2B-BCB785BD3D40}" destId="{3BB986C5-39B4-419F-BC66-29AA94C2C8B4}" srcOrd="3" destOrd="0" parTransId="{7C67E25A-687E-43EF-A30E-1BE6BB1C96BB}" sibTransId="{6D74F808-3D7F-4FA4-AAE3-8BE6FCE9A644}"/>
+    <dgm:cxn modelId="{EFE7E207-FE94-4657-8EF6-9DB24939E01D}" srcId="{6C7F26EE-DC41-4FCE-9A2B-BCB785BD3D40}" destId="{B62E7B2B-FA3A-426A-B7EB-F310A4C8F75C}" srcOrd="5" destOrd="0" parTransId="{CDC0C329-BEB2-408B-BDAB-EAAE090BC465}" sibTransId="{6F80404E-2C54-4D9F-9ECA-7172053D77E5}"/>
+    <dgm:cxn modelId="{DB4DCA15-3A21-49E2-8DE1-AE14995A8429}" type="presOf" srcId="{7C67E25A-687E-43EF-A30E-1BE6BB1C96BB}" destId="{02EDF0E0-C93D-496C-9C44-8B52081CF42F}" srcOrd="1" destOrd="0" presId="urn:microsoft.com/office/officeart/2005/8/layout/radial5"/>
+    <dgm:cxn modelId="{E231FA1D-34BE-490D-93A5-27BDDF493FD6}" type="presOf" srcId="{F0C6DB36-3872-4B58-8E34-E788738E6D2E}" destId="{3CA7F5B3-1CF7-48CD-9446-5EAAC42314B2}" srcOrd="0" destOrd="0" presId="urn:microsoft.com/office/officeart/2005/8/layout/radial5"/>
+    <dgm:cxn modelId="{0ED3562F-3DCF-42AB-82A3-B3E0DD0F2256}" type="presOf" srcId="{E03C1B12-9674-4158-82E6-380D58725FD2}" destId="{4BBFCE1B-2519-4F4B-A2D6-A629CFD6B43E}" srcOrd="0" destOrd="0" presId="urn:microsoft.com/office/officeart/2005/8/layout/radial5"/>
+    <dgm:cxn modelId="{06F65436-5D60-422F-8FA6-E3C1921BED54}" type="presOf" srcId="{B62E7B2B-FA3A-426A-B7EB-F310A4C8F75C}" destId="{649B0251-076A-43A0-A9F0-20A26A16F648}" srcOrd="0" destOrd="0" presId="urn:microsoft.com/office/officeart/2005/8/layout/radial5"/>
+    <dgm:cxn modelId="{ACB3CE3A-9A82-4288-848C-FF1454AC4B14}" type="presOf" srcId="{6C7F26EE-DC41-4FCE-9A2B-BCB785BD3D40}" destId="{795B084A-6AF2-4FE3-B8E7-6E77B4B1B4FE}" srcOrd="0" destOrd="0" presId="urn:microsoft.com/office/officeart/2005/8/layout/radial5"/>
+    <dgm:cxn modelId="{DDE09341-A8D5-48FF-80C0-A0DD3008222C}" type="presOf" srcId="{F9998325-7ADE-4311-A231-52FDC1B8CDA9}" destId="{C587B4A8-743B-42E8-A685-647273CB9C3E}" srcOrd="0" destOrd="0" presId="urn:microsoft.com/office/officeart/2005/8/layout/radial5"/>
+    <dgm:cxn modelId="{96AD066A-C83F-45F3-8784-C0EA75EEC60C}" type="presOf" srcId="{AF093D10-7012-425E-8E21-3F88DE2923C4}" destId="{44173EF8-C060-456B-A7FF-51FF3C3F3728}" srcOrd="1" destOrd="0" presId="urn:microsoft.com/office/officeart/2005/8/layout/radial5"/>
+    <dgm:cxn modelId="{B9B8684B-2680-48F1-9A77-B950DD172C77}" type="presOf" srcId="{AF093D10-7012-425E-8E21-3F88DE2923C4}" destId="{67BD1836-BBD8-49E6-8A1D-0B6AD1A49804}" srcOrd="0" destOrd="0" presId="urn:microsoft.com/office/officeart/2005/8/layout/radial5"/>
+    <dgm:cxn modelId="{5702097A-4CE3-41F2-81F9-FDD9F1A422E4}" type="presOf" srcId="{97E1711E-874A-4867-847A-9FB0D49421F4}" destId="{6EA9DD4F-02C6-49FE-9FCF-19492F4C119B}" srcOrd="0" destOrd="0" presId="urn:microsoft.com/office/officeart/2005/8/layout/radial5"/>
+    <dgm:cxn modelId="{F7BF687E-CDC4-402E-AA1A-21EEA45381D3}" srcId="{6C7F26EE-DC41-4FCE-9A2B-BCB785BD3D40}" destId="{F0C6DB36-3872-4B58-8E34-E788738E6D2E}" srcOrd="1" destOrd="0" parTransId="{AF093D10-7012-425E-8E21-3F88DE2923C4}" sibTransId="{A8813212-DCE7-4664-97BA-CD68F83C165B}"/>
+    <dgm:cxn modelId="{74EEB082-FF03-4B2C-A079-A3F2D3709F1E}" type="presOf" srcId="{CDC0C329-BEB2-408B-BDAB-EAAE090BC465}" destId="{D8543BC6-C2A3-44A0-AD66-B070AE3B70F1}" srcOrd="0" destOrd="0" presId="urn:microsoft.com/office/officeart/2005/8/layout/radial5"/>
+    <dgm:cxn modelId="{CCA1D185-E200-464F-9472-1CE2C5A7E784}" type="presOf" srcId="{BF08AF18-252A-4A5D-9A63-82B61EF94DB5}" destId="{855A38A7-EDEB-431E-A167-42643272BBEE}" srcOrd="0" destOrd="0" presId="urn:microsoft.com/office/officeart/2005/8/layout/radial5"/>
+    <dgm:cxn modelId="{A2A26490-63E0-4244-8E5E-DA191B3871F9}" srcId="{6C7F26EE-DC41-4FCE-9A2B-BCB785BD3D40}" destId="{ABD21938-04B1-41CA-83C8-2ABDF967D126}" srcOrd="0" destOrd="0" parTransId="{BF08AF18-252A-4A5D-9A63-82B61EF94DB5}" sibTransId="{E2D2F5AC-45C6-47DE-8D32-46362313B352}"/>
+    <dgm:cxn modelId="{E0E29099-C7D9-46F1-9955-FB30872C1168}" type="presOf" srcId="{8E868AD2-930E-400E-AAA6-8A5A38622904}" destId="{F649323C-9A23-4780-ABBF-44EB22816205}" srcOrd="0" destOrd="0" presId="urn:microsoft.com/office/officeart/2005/8/layout/radial5"/>
+    <dgm:cxn modelId="{796749A4-54A5-4F96-8DF6-936CD2B5D858}" type="presOf" srcId="{D505439A-4959-4459-A573-2343A93FF006}" destId="{FAC6D00E-7DBC-4269-B96D-AD34341426B3}" srcOrd="1" destOrd="0" presId="urn:microsoft.com/office/officeart/2005/8/layout/radial5"/>
+    <dgm:cxn modelId="{8D6FC9A5-7FEF-406E-8FAF-7341EF098230}" srcId="{6C7F26EE-DC41-4FCE-9A2B-BCB785BD3D40}" destId="{8E868AD2-930E-400E-AAA6-8A5A38622904}" srcOrd="4" destOrd="0" parTransId="{97E1711E-874A-4867-847A-9FB0D49421F4}" sibTransId="{42EA9274-B982-4F92-AB98-104C73C78B23}"/>
+    <dgm:cxn modelId="{7EFFB9AC-B92F-4FE0-AD61-CD9D563F93D8}" type="presOf" srcId="{D505439A-4959-4459-A573-2343A93FF006}" destId="{79CA3347-9782-411C-88F7-42E0FDE4A993}" srcOrd="0" destOrd="0" presId="urn:microsoft.com/office/officeart/2005/8/layout/radial5"/>
+    <dgm:cxn modelId="{A27BD5C5-98E9-4318-AF6E-79EC1869D510}" srcId="{F9998325-7ADE-4311-A231-52FDC1B8CDA9}" destId="{6C7F26EE-DC41-4FCE-9A2B-BCB785BD3D40}" srcOrd="0" destOrd="0" parTransId="{E67DDFC5-6407-44C9-88BA-B29F651CA55F}" sibTransId="{32DAA5E5-A336-4688-A8E9-E9E67FCEA09C}"/>
+    <dgm:cxn modelId="{6A7F93C6-E7A5-40CF-BCA9-62CFB38140A6}" type="presOf" srcId="{7C67E25A-687E-43EF-A30E-1BE6BB1C96BB}" destId="{2908CCF2-B3E0-4425-A3A4-741C48F697CC}" srcOrd="0" destOrd="0" presId="urn:microsoft.com/office/officeart/2005/8/layout/radial5"/>
+    <dgm:cxn modelId="{DA00FFCE-8051-4BEE-B2CB-D038378B4F4A}" type="presOf" srcId="{97E1711E-874A-4867-847A-9FB0D49421F4}" destId="{76B889AC-5DC7-49E9-9470-1726B0E1E77F}" srcOrd="1" destOrd="0" presId="urn:microsoft.com/office/officeart/2005/8/layout/radial5"/>
+    <dgm:cxn modelId="{4D9799D1-7C58-4CFA-B446-10A6EAE9D19E}" type="presOf" srcId="{CDC0C329-BEB2-408B-BDAB-EAAE090BC465}" destId="{4B41BC24-608A-47A8-894A-F5C3286201C3}" srcOrd="1" destOrd="0" presId="urn:microsoft.com/office/officeart/2005/8/layout/radial5"/>
+    <dgm:cxn modelId="{D6147ED2-98C9-440A-8128-A2C7C8E7F921}" type="presOf" srcId="{BF08AF18-252A-4A5D-9A63-82B61EF94DB5}" destId="{C5CB236E-81F3-4E87-9694-5BDFFCCF0DCD}" srcOrd="1" destOrd="0" presId="urn:microsoft.com/office/officeart/2005/8/layout/radial5"/>
+    <dgm:cxn modelId="{9165EBD3-B066-4A24-9446-F2A6D64CD860}" type="presOf" srcId="{ABD21938-04B1-41CA-83C8-2ABDF967D126}" destId="{A4EEF9AC-C79A-4CC0-AE94-3847C4155BC9}" srcOrd="0" destOrd="0" presId="urn:microsoft.com/office/officeart/2005/8/layout/radial5"/>
+    <dgm:cxn modelId="{48B183D5-9229-49B8-B8BF-7CCC95286584}" type="presOf" srcId="{3BB986C5-39B4-419F-BC66-29AA94C2C8B4}" destId="{E47AF97F-3A35-4678-BBFB-CEBE864CC32F}" srcOrd="0" destOrd="0" presId="urn:microsoft.com/office/officeart/2005/8/layout/radial5"/>
+    <dgm:cxn modelId="{115F94F3-B364-44B5-B59A-022972CB01FC}" srcId="{6C7F26EE-DC41-4FCE-9A2B-BCB785BD3D40}" destId="{E03C1B12-9674-4158-82E6-380D58725FD2}" srcOrd="2" destOrd="0" parTransId="{D505439A-4959-4459-A573-2343A93FF006}" sibTransId="{79082AFD-ADB4-4A07-AD6D-3FAB394DA409}"/>
+    <dgm:cxn modelId="{8B9BC0E2-457C-4F1B-9FAC-A97A73469517}" type="presParOf" srcId="{C587B4A8-743B-42E8-A685-647273CB9C3E}" destId="{795B084A-6AF2-4FE3-B8E7-6E77B4B1B4FE}" srcOrd="0" destOrd="0" presId="urn:microsoft.com/office/officeart/2005/8/layout/radial5"/>
+    <dgm:cxn modelId="{0A006FF0-C2EC-4E22-BEEA-F922A33F3E8D}" type="presParOf" srcId="{C587B4A8-743B-42E8-A685-647273CB9C3E}" destId="{855A38A7-EDEB-431E-A167-42643272BBEE}" srcOrd="1" destOrd="0" presId="urn:microsoft.com/office/officeart/2005/8/layout/radial5"/>
+    <dgm:cxn modelId="{A5230BF6-DE15-4DCC-857B-819590E791F4}" type="presParOf" srcId="{855A38A7-EDEB-431E-A167-42643272BBEE}" destId="{C5CB236E-81F3-4E87-9694-5BDFFCCF0DCD}" srcOrd="0" destOrd="0" presId="urn:microsoft.com/office/officeart/2005/8/layout/radial5"/>
+    <dgm:cxn modelId="{66005F16-2736-4A65-B310-700850F74380}" type="presParOf" srcId="{C587B4A8-743B-42E8-A685-647273CB9C3E}" destId="{A4EEF9AC-C79A-4CC0-AE94-3847C4155BC9}" srcOrd="2" destOrd="0" presId="urn:microsoft.com/office/officeart/2005/8/layout/radial5"/>
+    <dgm:cxn modelId="{D9237A9E-C1E7-4138-9D08-1BFAB31FDFEE}" type="presParOf" srcId="{C587B4A8-743B-42E8-A685-647273CB9C3E}" destId="{67BD1836-BBD8-49E6-8A1D-0B6AD1A49804}" srcOrd="3" destOrd="0" presId="urn:microsoft.com/office/officeart/2005/8/layout/radial5"/>
+    <dgm:cxn modelId="{483C8598-B6D2-4E7C-8992-046899DB11B6}" type="presParOf" srcId="{67BD1836-BBD8-49E6-8A1D-0B6AD1A49804}" destId="{44173EF8-C060-456B-A7FF-51FF3C3F3728}" srcOrd="0" destOrd="0" presId="urn:microsoft.com/office/officeart/2005/8/layout/radial5"/>
+    <dgm:cxn modelId="{2354EE13-8486-4ED4-9C6F-B49B1EF21238}" type="presParOf" srcId="{C587B4A8-743B-42E8-A685-647273CB9C3E}" destId="{3CA7F5B3-1CF7-48CD-9446-5EAAC42314B2}" srcOrd="4" destOrd="0" presId="urn:microsoft.com/office/officeart/2005/8/layout/radial5"/>
+    <dgm:cxn modelId="{8B299E1E-7278-4D59-884E-BE7180ABB0C1}" type="presParOf" srcId="{C587B4A8-743B-42E8-A685-647273CB9C3E}" destId="{79CA3347-9782-411C-88F7-42E0FDE4A993}" srcOrd="5" destOrd="0" presId="urn:microsoft.com/office/officeart/2005/8/layout/radial5"/>
+    <dgm:cxn modelId="{1C643640-F5AD-4524-BC2B-E2B5AC301106}" type="presParOf" srcId="{79CA3347-9782-411C-88F7-42E0FDE4A993}" destId="{FAC6D00E-7DBC-4269-B96D-AD34341426B3}" srcOrd="0" destOrd="0" presId="urn:microsoft.com/office/officeart/2005/8/layout/radial5"/>
+    <dgm:cxn modelId="{2D89AA28-C0AE-480C-B652-173DA3225E52}" type="presParOf" srcId="{C587B4A8-743B-42E8-A685-647273CB9C3E}" destId="{4BBFCE1B-2519-4F4B-A2D6-A629CFD6B43E}" srcOrd="6" destOrd="0" presId="urn:microsoft.com/office/officeart/2005/8/layout/radial5"/>
+    <dgm:cxn modelId="{1CEBB758-0746-4A5C-8731-D40AF51D45F6}" type="presParOf" srcId="{C587B4A8-743B-42E8-A685-647273CB9C3E}" destId="{2908CCF2-B3E0-4425-A3A4-741C48F697CC}" srcOrd="7" destOrd="0" presId="urn:microsoft.com/office/officeart/2005/8/layout/radial5"/>
+    <dgm:cxn modelId="{CD3FD816-C6A1-4F6C-99B1-5BA4F8A1CEBE}" type="presParOf" srcId="{2908CCF2-B3E0-4425-A3A4-741C48F697CC}" destId="{02EDF0E0-C93D-496C-9C44-8B52081CF42F}" srcOrd="0" destOrd="0" presId="urn:microsoft.com/office/officeart/2005/8/layout/radial5"/>
+    <dgm:cxn modelId="{3B462F3B-29E0-4A0E-9F3D-0ADD0E089770}" type="presParOf" srcId="{C587B4A8-743B-42E8-A685-647273CB9C3E}" destId="{E47AF97F-3A35-4678-BBFB-CEBE864CC32F}" srcOrd="8" destOrd="0" presId="urn:microsoft.com/office/officeart/2005/8/layout/radial5"/>
+    <dgm:cxn modelId="{5E366C80-A4FD-41E9-BAA5-3074A2747A2F}" type="presParOf" srcId="{C587B4A8-743B-42E8-A685-647273CB9C3E}" destId="{6EA9DD4F-02C6-49FE-9FCF-19492F4C119B}" srcOrd="9" destOrd="0" presId="urn:microsoft.com/office/officeart/2005/8/layout/radial5"/>
+    <dgm:cxn modelId="{B3CE3BCD-DF9B-4910-9436-9C894E57E7A6}" type="presParOf" srcId="{6EA9DD4F-02C6-49FE-9FCF-19492F4C119B}" destId="{76B889AC-5DC7-49E9-9470-1726B0E1E77F}" srcOrd="0" destOrd="0" presId="urn:microsoft.com/office/officeart/2005/8/layout/radial5"/>
+    <dgm:cxn modelId="{938161EF-17E3-42A7-BA2D-9BA4BF14392F}" type="presParOf" srcId="{C587B4A8-743B-42E8-A685-647273CB9C3E}" destId="{F649323C-9A23-4780-ABBF-44EB22816205}" srcOrd="10" destOrd="0" presId="urn:microsoft.com/office/officeart/2005/8/layout/radial5"/>
+    <dgm:cxn modelId="{647F40A5-F55D-4E7C-993F-52318AB64AC4}" type="presParOf" srcId="{C587B4A8-743B-42E8-A685-647273CB9C3E}" destId="{D8543BC6-C2A3-44A0-AD66-B070AE3B70F1}" srcOrd="11" destOrd="0" presId="urn:microsoft.com/office/officeart/2005/8/layout/radial5"/>
+    <dgm:cxn modelId="{5FB40B3E-D5DF-4A58-AD34-6C280623A4F1}" type="presParOf" srcId="{D8543BC6-C2A3-44A0-AD66-B070AE3B70F1}" destId="{4B41BC24-608A-47A8-894A-F5C3286201C3}" srcOrd="0" destOrd="0" presId="urn:microsoft.com/office/officeart/2005/8/layout/radial5"/>
+    <dgm:cxn modelId="{EC87134B-34C3-4BD9-A5F0-159C87FC185B}" type="presParOf" srcId="{C587B4A8-743B-42E8-A685-647273CB9C3E}" destId="{649B0251-076A-43A0-A9F0-20A26A16F648}" srcOrd="12" destOrd="0" presId="urn:microsoft.com/office/officeart/2005/8/layout/radial5"/>
+  </dgm:cxnLst>
+  <dgm:bg/>
+  <dgm:whole/>
+  <dgm:extLst>
+    <a:ext uri="http://schemas.microsoft.com/office/drawing/2008/diagram">
+      <dsp:dataModelExt xmlns:dsp="http://schemas.microsoft.com/office/drawing/2008/diagram" relId="rId6" minVer="http://schemas.openxmlformats.org/drawingml/2006/diagram"/>
+    </a:ext>
+  </dgm:extLst>
+</dgm:dataModel>
+</file>
+
+<file path=ppt/diagrams/data3.xml><?xml version="1.0" encoding="utf-8"?>
 <dgm:dataModel xmlns:dgm="http://schemas.openxmlformats.org/drawingml/2006/diagram" xmlns:a="http://schemas.openxmlformats.org/drawingml/2006/main">
   <dgm:ptLst>
     <dgm:pt modelId="{3BD24271-63EB-470F-95D7-9C9DD49CE152}" type="doc">
@@ -4387,6 +5571,984 @@
       <dsp:cNvGrpSpPr/>
     </dsp:nvGrpSpPr>
     <dsp:grpSpPr/>
+    <dsp:sp modelId="{795B084A-6AF2-4FE3-B8E7-6E77B4B1B4FE}">
+      <dsp:nvSpPr>
+        <dsp:cNvPr id="0" name=""/>
+        <dsp:cNvSpPr/>
+      </dsp:nvSpPr>
+      <dsp:spPr>
+        <a:xfrm>
+          <a:off x="2385072" y="1730567"/>
+          <a:ext cx="1325855" cy="602865"/>
+        </a:xfrm>
+        <a:prstGeom prst="ellipse">
+          <a:avLst/>
+        </a:prstGeom>
+        <a:solidFill>
+          <a:schemeClr val="accent1">
+            <a:hueOff val="0"/>
+            <a:satOff val="0"/>
+            <a:lumOff val="0"/>
+            <a:alphaOff val="0"/>
+          </a:schemeClr>
+        </a:solidFill>
+        <a:ln w="12700" cap="flat" cmpd="sng" algn="ctr">
+          <a:solidFill>
+            <a:schemeClr val="lt1">
+              <a:hueOff val="0"/>
+              <a:satOff val="0"/>
+              <a:lumOff val="0"/>
+              <a:alphaOff val="0"/>
+            </a:schemeClr>
+          </a:solidFill>
+          <a:prstDash val="solid"/>
+          <a:miter lim="800000"/>
+        </a:ln>
+        <a:effectLst/>
+      </dsp:spPr>
+      <dsp:style>
+        <a:lnRef idx="2">
+          <a:scrgbClr r="0" g="0" b="0"/>
+        </a:lnRef>
+        <a:fillRef idx="1">
+          <a:scrgbClr r="0" g="0" b="0"/>
+        </a:fillRef>
+        <a:effectRef idx="0">
+          <a:scrgbClr r="0" g="0" b="0"/>
+        </a:effectRef>
+        <a:fontRef idx="minor">
+          <a:schemeClr val="lt1"/>
+        </a:fontRef>
+      </dsp:style>
+      <dsp:txBody>
+        <a:bodyPr spcFirstLastPara="0" vert="horz" wrap="square" lIns="15240" tIns="15240" rIns="15240" bIns="15240" numCol="1" spcCol="1270" anchor="ctr" anchorCtr="0">
+          <a:noAutofit/>
+        </a:bodyPr>
+        <a:lstStyle/>
+        <a:p>
+          <a:pPr marL="0" lvl="0" indent="0" algn="ctr" defTabSz="533400">
+            <a:lnSpc>
+              <a:spcPct val="90000"/>
+            </a:lnSpc>
+            <a:spcBef>
+              <a:spcPct val="0"/>
+            </a:spcBef>
+            <a:spcAft>
+              <a:spcPct val="35000"/>
+            </a:spcAft>
+            <a:buNone/>
+          </a:pPr>
+          <a:r>
+            <a:rPr lang="fr-FR" sz="1200" kern="1200" dirty="0"/>
+            <a:t>Compétences</a:t>
+          </a:r>
+        </a:p>
+      </dsp:txBody>
+      <dsp:txXfrm>
+        <a:off x="2579239" y="1818855"/>
+        <a:ext cx="937521" cy="426289"/>
+      </dsp:txXfrm>
+    </dsp:sp>
+    <dsp:sp modelId="{855A38A7-EDEB-431E-A167-42643272BBEE}">
+      <dsp:nvSpPr>
+        <dsp:cNvPr id="0" name=""/>
+        <dsp:cNvSpPr/>
+      </dsp:nvSpPr>
+      <dsp:spPr>
+        <a:xfrm rot="16137792">
+          <a:off x="2844699" y="1198488"/>
+          <a:ext cx="383006" cy="363319"/>
+        </a:xfrm>
+        <a:prstGeom prst="rightArrow">
+          <a:avLst>
+            <a:gd name="adj1" fmla="val 60000"/>
+            <a:gd name="adj2" fmla="val 50000"/>
+          </a:avLst>
+        </a:prstGeom>
+        <a:solidFill>
+          <a:schemeClr val="accent1">
+            <a:tint val="60000"/>
+            <a:hueOff val="0"/>
+            <a:satOff val="0"/>
+            <a:lumOff val="0"/>
+            <a:alphaOff val="0"/>
+          </a:schemeClr>
+        </a:solidFill>
+        <a:ln>
+          <a:noFill/>
+        </a:ln>
+        <a:effectLst/>
+      </dsp:spPr>
+      <dsp:style>
+        <a:lnRef idx="0">
+          <a:scrgbClr r="0" g="0" b="0"/>
+        </a:lnRef>
+        <a:fillRef idx="1">
+          <a:scrgbClr r="0" g="0" b="0"/>
+        </a:fillRef>
+        <a:effectRef idx="0">
+          <a:scrgbClr r="0" g="0" b="0"/>
+        </a:effectRef>
+        <a:fontRef idx="minor">
+          <a:schemeClr val="lt1"/>
+        </a:fontRef>
+      </dsp:style>
+      <dsp:txBody>
+        <a:bodyPr spcFirstLastPara="0" vert="horz" wrap="square" lIns="0" tIns="0" rIns="0" bIns="0" numCol="1" spcCol="1270" anchor="ctr" anchorCtr="0">
+          <a:noAutofit/>
+        </a:bodyPr>
+        <a:lstStyle/>
+        <a:p>
+          <a:pPr marL="0" lvl="0" indent="0" algn="ctr" defTabSz="533400">
+            <a:lnSpc>
+              <a:spcPct val="90000"/>
+            </a:lnSpc>
+            <a:spcBef>
+              <a:spcPct val="0"/>
+            </a:spcBef>
+            <a:spcAft>
+              <a:spcPct val="35000"/>
+            </a:spcAft>
+            <a:buNone/>
+          </a:pPr>
+          <a:endParaRPr lang="fr-FR" sz="1200" kern="1200"/>
+        </a:p>
+      </dsp:txBody>
+      <dsp:txXfrm rot="10800000">
+        <a:off x="2900183" y="1325641"/>
+        <a:ext cx="274010" cy="217991"/>
+      </dsp:txXfrm>
+    </dsp:sp>
+    <dsp:sp modelId="{A4EEF9AC-C79A-4CC0-AE94-3847C4155BC9}">
+      <dsp:nvSpPr>
+        <dsp:cNvPr id="0" name=""/>
+        <dsp:cNvSpPr/>
+      </dsp:nvSpPr>
+      <dsp:spPr>
+        <a:xfrm>
+          <a:off x="2304254" y="432049"/>
+          <a:ext cx="1440005" cy="575999"/>
+        </a:xfrm>
+        <a:prstGeom prst="ellipse">
+          <a:avLst/>
+        </a:prstGeom>
+        <a:solidFill>
+          <a:schemeClr val="accent1">
+            <a:hueOff val="0"/>
+            <a:satOff val="0"/>
+            <a:lumOff val="0"/>
+            <a:alphaOff val="0"/>
+          </a:schemeClr>
+        </a:solidFill>
+        <a:ln w="12700" cap="flat" cmpd="sng" algn="ctr">
+          <a:solidFill>
+            <a:schemeClr val="lt1">
+              <a:hueOff val="0"/>
+              <a:satOff val="0"/>
+              <a:lumOff val="0"/>
+              <a:alphaOff val="0"/>
+            </a:schemeClr>
+          </a:solidFill>
+          <a:prstDash val="solid"/>
+          <a:miter lim="800000"/>
+        </a:ln>
+        <a:effectLst/>
+      </dsp:spPr>
+      <dsp:style>
+        <a:lnRef idx="2">
+          <a:scrgbClr r="0" g="0" b="0"/>
+        </a:lnRef>
+        <a:fillRef idx="1">
+          <a:scrgbClr r="0" g="0" b="0"/>
+        </a:fillRef>
+        <a:effectRef idx="0">
+          <a:scrgbClr r="0" g="0" b="0"/>
+        </a:effectRef>
+        <a:fontRef idx="minor">
+          <a:schemeClr val="lt1"/>
+        </a:fontRef>
+      </dsp:style>
+      <dsp:txBody>
+        <a:bodyPr spcFirstLastPara="0" vert="horz" wrap="square" lIns="15240" tIns="15240" rIns="15240" bIns="15240" numCol="1" spcCol="1270" anchor="ctr" anchorCtr="0">
+          <a:noAutofit/>
+        </a:bodyPr>
+        <a:lstStyle/>
+        <a:p>
+          <a:pPr marL="0" lvl="0" indent="0" algn="ctr" defTabSz="533400">
+            <a:lnSpc>
+              <a:spcPct val="90000"/>
+            </a:lnSpc>
+            <a:spcBef>
+              <a:spcPct val="0"/>
+            </a:spcBef>
+            <a:spcAft>
+              <a:spcPct val="35000"/>
+            </a:spcAft>
+            <a:buNone/>
+          </a:pPr>
+          <a:r>
+            <a:rPr lang="fr-FR" sz="1200" kern="1200" dirty="0"/>
+            <a:t>Communiquer</a:t>
+          </a:r>
+        </a:p>
+      </dsp:txBody>
+      <dsp:txXfrm>
+        <a:off x="2515138" y="516402"/>
+        <a:ext cx="1018237" cy="407293"/>
+      </dsp:txXfrm>
+    </dsp:sp>
+    <dsp:sp modelId="{67BD1836-BBD8-49E6-8A1D-0B6AD1A49804}">
+      <dsp:nvSpPr>
+        <dsp:cNvPr id="0" name=""/>
+        <dsp:cNvSpPr/>
+      </dsp:nvSpPr>
+      <dsp:spPr>
+        <a:xfrm rot="19952784">
+          <a:off x="3585345" y="1487298"/>
+          <a:ext cx="322867" cy="363319"/>
+        </a:xfrm>
+        <a:prstGeom prst="rightArrow">
+          <a:avLst>
+            <a:gd name="adj1" fmla="val 60000"/>
+            <a:gd name="adj2" fmla="val 50000"/>
+          </a:avLst>
+        </a:prstGeom>
+        <a:solidFill>
+          <a:schemeClr val="accent1">
+            <a:tint val="60000"/>
+            <a:hueOff val="0"/>
+            <a:satOff val="0"/>
+            <a:lumOff val="0"/>
+            <a:alphaOff val="0"/>
+          </a:schemeClr>
+        </a:solidFill>
+        <a:ln>
+          <a:noFill/>
+        </a:ln>
+        <a:effectLst/>
+      </dsp:spPr>
+      <dsp:style>
+        <a:lnRef idx="0">
+          <a:scrgbClr r="0" g="0" b="0"/>
+        </a:lnRef>
+        <a:fillRef idx="1">
+          <a:scrgbClr r="0" g="0" b="0"/>
+        </a:fillRef>
+        <a:effectRef idx="0">
+          <a:scrgbClr r="0" g="0" b="0"/>
+        </a:effectRef>
+        <a:fontRef idx="minor">
+          <a:schemeClr val="lt1"/>
+        </a:fontRef>
+      </dsp:style>
+      <dsp:txBody>
+        <a:bodyPr spcFirstLastPara="0" vert="horz" wrap="square" lIns="0" tIns="0" rIns="0" bIns="0" numCol="1" spcCol="1270" anchor="ctr" anchorCtr="0">
+          <a:noAutofit/>
+        </a:bodyPr>
+        <a:lstStyle/>
+        <a:p>
+          <a:pPr marL="0" lvl="0" indent="0" algn="ctr" defTabSz="533400">
+            <a:lnSpc>
+              <a:spcPct val="90000"/>
+            </a:lnSpc>
+            <a:spcBef>
+              <a:spcPct val="0"/>
+            </a:spcBef>
+            <a:spcAft>
+              <a:spcPct val="35000"/>
+            </a:spcAft>
+            <a:buNone/>
+          </a:pPr>
+          <a:endParaRPr lang="fr-FR" sz="1200" kern="1200"/>
+        </a:p>
+      </dsp:txBody>
+      <dsp:txXfrm>
+        <a:off x="3590799" y="1582290"/>
+        <a:ext cx="226007" cy="217991"/>
+      </dsp:txXfrm>
+    </dsp:sp>
+    <dsp:sp modelId="{3CA7F5B3-1CF7-48CD-9446-5EAAC42314B2}">
+      <dsp:nvSpPr>
+        <dsp:cNvPr id="0" name=""/>
+        <dsp:cNvSpPr/>
+      </dsp:nvSpPr>
+      <dsp:spPr>
+        <a:xfrm>
+          <a:off x="3744412" y="1008118"/>
+          <a:ext cx="1440005" cy="575999"/>
+        </a:xfrm>
+        <a:prstGeom prst="ellipse">
+          <a:avLst/>
+        </a:prstGeom>
+        <a:solidFill>
+          <a:schemeClr val="accent1">
+            <a:hueOff val="0"/>
+            <a:satOff val="0"/>
+            <a:lumOff val="0"/>
+            <a:alphaOff val="0"/>
+          </a:schemeClr>
+        </a:solidFill>
+        <a:ln w="12700" cap="flat" cmpd="sng" algn="ctr">
+          <a:solidFill>
+            <a:schemeClr val="lt1">
+              <a:hueOff val="0"/>
+              <a:satOff val="0"/>
+              <a:lumOff val="0"/>
+              <a:alphaOff val="0"/>
+            </a:schemeClr>
+          </a:solidFill>
+          <a:prstDash val="solid"/>
+          <a:miter lim="800000"/>
+        </a:ln>
+        <a:effectLst/>
+      </dsp:spPr>
+      <dsp:style>
+        <a:lnRef idx="2">
+          <a:scrgbClr r="0" g="0" b="0"/>
+        </a:lnRef>
+        <a:fillRef idx="1">
+          <a:scrgbClr r="0" g="0" b="0"/>
+        </a:fillRef>
+        <a:effectRef idx="0">
+          <a:scrgbClr r="0" g="0" b="0"/>
+        </a:effectRef>
+        <a:fontRef idx="minor">
+          <a:schemeClr val="lt1"/>
+        </a:fontRef>
+      </dsp:style>
+      <dsp:txBody>
+        <a:bodyPr spcFirstLastPara="0" vert="horz" wrap="square" lIns="15240" tIns="15240" rIns="15240" bIns="15240" numCol="1" spcCol="1270" anchor="ctr" anchorCtr="0">
+          <a:noAutofit/>
+        </a:bodyPr>
+        <a:lstStyle/>
+        <a:p>
+          <a:pPr marL="0" lvl="0" indent="0" algn="ctr" defTabSz="533400">
+            <a:lnSpc>
+              <a:spcPct val="90000"/>
+            </a:lnSpc>
+            <a:spcBef>
+              <a:spcPct val="0"/>
+            </a:spcBef>
+            <a:spcAft>
+              <a:spcPct val="35000"/>
+            </a:spcAft>
+            <a:buNone/>
+          </a:pPr>
+          <a:r>
+            <a:rPr lang="fr-FR" sz="1200" kern="1200" dirty="0"/>
+            <a:t>Concevoir</a:t>
+          </a:r>
+        </a:p>
+      </dsp:txBody>
+      <dsp:txXfrm>
+        <a:off x="3955296" y="1092471"/>
+        <a:ext cx="1018237" cy="407293"/>
+      </dsp:txXfrm>
+    </dsp:sp>
+    <dsp:sp modelId="{79CA3347-9782-411C-88F7-42E0FDE4A993}">
+      <dsp:nvSpPr>
+        <dsp:cNvPr id="0" name=""/>
+        <dsp:cNvSpPr/>
+      </dsp:nvSpPr>
+      <dsp:spPr>
+        <a:xfrm rot="1652634">
+          <a:off x="3598039" y="2233012"/>
+          <a:ext cx="367385" cy="363319"/>
+        </a:xfrm>
+        <a:prstGeom prst="rightArrow">
+          <a:avLst>
+            <a:gd name="adj1" fmla="val 60000"/>
+            <a:gd name="adj2" fmla="val 50000"/>
+          </a:avLst>
+        </a:prstGeom>
+        <a:solidFill>
+          <a:schemeClr val="accent1">
+            <a:tint val="60000"/>
+            <a:hueOff val="0"/>
+            <a:satOff val="0"/>
+            <a:lumOff val="0"/>
+            <a:alphaOff val="0"/>
+          </a:schemeClr>
+        </a:solidFill>
+        <a:ln>
+          <a:noFill/>
+        </a:ln>
+        <a:effectLst/>
+      </dsp:spPr>
+      <dsp:style>
+        <a:lnRef idx="0">
+          <a:scrgbClr r="0" g="0" b="0"/>
+        </a:lnRef>
+        <a:fillRef idx="1">
+          <a:scrgbClr r="0" g="0" b="0"/>
+        </a:fillRef>
+        <a:effectRef idx="0">
+          <a:scrgbClr r="0" g="0" b="0"/>
+        </a:effectRef>
+        <a:fontRef idx="minor">
+          <a:schemeClr val="lt1"/>
+        </a:fontRef>
+      </dsp:style>
+      <dsp:txBody>
+        <a:bodyPr spcFirstLastPara="0" vert="horz" wrap="square" lIns="0" tIns="0" rIns="0" bIns="0" numCol="1" spcCol="1270" anchor="ctr" anchorCtr="0">
+          <a:noAutofit/>
+        </a:bodyPr>
+        <a:lstStyle/>
+        <a:p>
+          <a:pPr marL="0" lvl="0" indent="0" algn="ctr" defTabSz="533400">
+            <a:lnSpc>
+              <a:spcPct val="90000"/>
+            </a:lnSpc>
+            <a:spcBef>
+              <a:spcPct val="0"/>
+            </a:spcBef>
+            <a:spcAft>
+              <a:spcPct val="35000"/>
+            </a:spcAft>
+            <a:buNone/>
+          </a:pPr>
+          <a:endParaRPr lang="fr-FR" sz="1200" kern="1200"/>
+        </a:p>
+      </dsp:txBody>
+      <dsp:txXfrm>
+        <a:off x="3604216" y="2280475"/>
+        <a:ext cx="258389" cy="217991"/>
+      </dsp:txXfrm>
+    </dsp:sp>
+    <dsp:sp modelId="{4BBFCE1B-2519-4F4B-A2D6-A629CFD6B43E}">
+      <dsp:nvSpPr>
+        <dsp:cNvPr id="0" name=""/>
+        <dsp:cNvSpPr/>
+      </dsp:nvSpPr>
+      <dsp:spPr>
+        <a:xfrm>
+          <a:off x="3816431" y="2520279"/>
+          <a:ext cx="1440005" cy="575999"/>
+        </a:xfrm>
+        <a:prstGeom prst="ellipse">
+          <a:avLst/>
+        </a:prstGeom>
+        <a:solidFill>
+          <a:schemeClr val="accent1">
+            <a:hueOff val="0"/>
+            <a:satOff val="0"/>
+            <a:lumOff val="0"/>
+            <a:alphaOff val="0"/>
+          </a:schemeClr>
+        </a:solidFill>
+        <a:ln w="12700" cap="flat" cmpd="sng" algn="ctr">
+          <a:solidFill>
+            <a:schemeClr val="lt1">
+              <a:hueOff val="0"/>
+              <a:satOff val="0"/>
+              <a:lumOff val="0"/>
+              <a:alphaOff val="0"/>
+            </a:schemeClr>
+          </a:solidFill>
+          <a:prstDash val="solid"/>
+          <a:miter lim="800000"/>
+        </a:ln>
+        <a:effectLst/>
+      </dsp:spPr>
+      <dsp:style>
+        <a:lnRef idx="2">
+          <a:scrgbClr r="0" g="0" b="0"/>
+        </a:lnRef>
+        <a:fillRef idx="1">
+          <a:scrgbClr r="0" g="0" b="0"/>
+        </a:fillRef>
+        <a:effectRef idx="0">
+          <a:scrgbClr r="0" g="0" b="0"/>
+        </a:effectRef>
+        <a:fontRef idx="minor">
+          <a:schemeClr val="lt1"/>
+        </a:fontRef>
+      </dsp:style>
+      <dsp:txBody>
+        <a:bodyPr spcFirstLastPara="0" vert="horz" wrap="square" lIns="15240" tIns="15240" rIns="15240" bIns="15240" numCol="1" spcCol="1270" anchor="ctr" anchorCtr="0">
+          <a:noAutofit/>
+        </a:bodyPr>
+        <a:lstStyle/>
+        <a:p>
+          <a:pPr marL="0" lvl="0" indent="0" algn="ctr" defTabSz="533400">
+            <a:lnSpc>
+              <a:spcPct val="90000"/>
+            </a:lnSpc>
+            <a:spcBef>
+              <a:spcPct val="0"/>
+            </a:spcBef>
+            <a:spcAft>
+              <a:spcPct val="35000"/>
+            </a:spcAft>
+            <a:buNone/>
+          </a:pPr>
+          <a:r>
+            <a:rPr lang="fr-FR" sz="1200" kern="1200" dirty="0"/>
+            <a:t>Expérimenter</a:t>
+          </a:r>
+        </a:p>
+      </dsp:txBody>
+      <dsp:txXfrm>
+        <a:off x="4027315" y="2604632"/>
+        <a:ext cx="1018237" cy="407293"/>
+      </dsp:txXfrm>
+    </dsp:sp>
+    <dsp:sp modelId="{2908CCF2-B3E0-4425-A3A4-741C48F697CC}">
+      <dsp:nvSpPr>
+        <dsp:cNvPr id="0" name=""/>
+        <dsp:cNvSpPr/>
+      </dsp:nvSpPr>
+      <dsp:spPr>
+        <a:xfrm rot="5460336">
+          <a:off x="2834005" y="2521786"/>
+          <a:ext cx="404416" cy="363319"/>
+        </a:xfrm>
+        <a:prstGeom prst="rightArrow">
+          <a:avLst>
+            <a:gd name="adj1" fmla="val 60000"/>
+            <a:gd name="adj2" fmla="val 50000"/>
+          </a:avLst>
+        </a:prstGeom>
+        <a:solidFill>
+          <a:schemeClr val="accent1">
+            <a:tint val="60000"/>
+            <a:hueOff val="0"/>
+            <a:satOff val="0"/>
+            <a:lumOff val="0"/>
+            <a:alphaOff val="0"/>
+          </a:schemeClr>
+        </a:solidFill>
+        <a:ln>
+          <a:noFill/>
+        </a:ln>
+        <a:effectLst/>
+      </dsp:spPr>
+      <dsp:style>
+        <a:lnRef idx="0">
+          <a:scrgbClr r="0" g="0" b="0"/>
+        </a:lnRef>
+        <a:fillRef idx="1">
+          <a:scrgbClr r="0" g="0" b="0"/>
+        </a:fillRef>
+        <a:effectRef idx="0">
+          <a:scrgbClr r="0" g="0" b="0"/>
+        </a:effectRef>
+        <a:fontRef idx="minor">
+          <a:schemeClr val="lt1"/>
+        </a:fontRef>
+      </dsp:style>
+      <dsp:txBody>
+        <a:bodyPr spcFirstLastPara="0" vert="horz" wrap="square" lIns="0" tIns="0" rIns="0" bIns="0" numCol="1" spcCol="1270" anchor="ctr" anchorCtr="0">
+          <a:noAutofit/>
+        </a:bodyPr>
+        <a:lstStyle/>
+        <a:p>
+          <a:pPr marL="0" lvl="0" indent="0" algn="ctr" defTabSz="533400">
+            <a:lnSpc>
+              <a:spcPct val="90000"/>
+            </a:lnSpc>
+            <a:spcBef>
+              <a:spcPct val="0"/>
+            </a:spcBef>
+            <a:spcAft>
+              <a:spcPct val="35000"/>
+            </a:spcAft>
+            <a:buNone/>
+          </a:pPr>
+          <a:endParaRPr lang="fr-FR" sz="1200" kern="1200"/>
+        </a:p>
+      </dsp:txBody>
+      <dsp:txXfrm rot="10800000">
+        <a:off x="2889459" y="2539960"/>
+        <a:ext cx="295420" cy="217991"/>
+      </dsp:txXfrm>
+    </dsp:sp>
+    <dsp:sp modelId="{E47AF97F-3A35-4678-BBFB-CEBE864CC32F}">
+      <dsp:nvSpPr>
+        <dsp:cNvPr id="0" name=""/>
+        <dsp:cNvSpPr/>
+      </dsp:nvSpPr>
+      <dsp:spPr>
+        <a:xfrm>
+          <a:off x="2304259" y="3096349"/>
+          <a:ext cx="1440005" cy="575999"/>
+        </a:xfrm>
+        <a:prstGeom prst="ellipse">
+          <a:avLst/>
+        </a:prstGeom>
+        <a:solidFill>
+          <a:schemeClr val="accent1">
+            <a:hueOff val="0"/>
+            <a:satOff val="0"/>
+            <a:lumOff val="0"/>
+            <a:alphaOff val="0"/>
+          </a:schemeClr>
+        </a:solidFill>
+        <a:ln w="12700" cap="flat" cmpd="sng" algn="ctr">
+          <a:solidFill>
+            <a:schemeClr val="lt1">
+              <a:hueOff val="0"/>
+              <a:satOff val="0"/>
+              <a:lumOff val="0"/>
+              <a:alphaOff val="0"/>
+            </a:schemeClr>
+          </a:solidFill>
+          <a:prstDash val="solid"/>
+          <a:miter lim="800000"/>
+        </a:ln>
+        <a:effectLst/>
+      </dsp:spPr>
+      <dsp:style>
+        <a:lnRef idx="2">
+          <a:scrgbClr r="0" g="0" b="0"/>
+        </a:lnRef>
+        <a:fillRef idx="1">
+          <a:scrgbClr r="0" g="0" b="0"/>
+        </a:fillRef>
+        <a:effectRef idx="0">
+          <a:scrgbClr r="0" g="0" b="0"/>
+        </a:effectRef>
+        <a:fontRef idx="minor">
+          <a:schemeClr val="lt1"/>
+        </a:fontRef>
+      </dsp:style>
+      <dsp:txBody>
+        <a:bodyPr spcFirstLastPara="0" vert="horz" wrap="square" lIns="15240" tIns="15240" rIns="15240" bIns="15240" numCol="1" spcCol="1270" anchor="ctr" anchorCtr="0">
+          <a:noAutofit/>
+        </a:bodyPr>
+        <a:lstStyle/>
+        <a:p>
+          <a:pPr marL="0" lvl="0" indent="0" algn="ctr" defTabSz="533400">
+            <a:lnSpc>
+              <a:spcPct val="90000"/>
+            </a:lnSpc>
+            <a:spcBef>
+              <a:spcPct val="0"/>
+            </a:spcBef>
+            <a:spcAft>
+              <a:spcPct val="35000"/>
+            </a:spcAft>
+            <a:buNone/>
+          </a:pPr>
+          <a:r>
+            <a:rPr lang="fr-FR" sz="1200" kern="1200" dirty="0"/>
+            <a:t>Analyser</a:t>
+          </a:r>
+        </a:p>
+      </dsp:txBody>
+      <dsp:txXfrm>
+        <a:off x="2515143" y="3180702"/>
+        <a:ext cx="1018237" cy="407293"/>
+      </dsp:txXfrm>
+    </dsp:sp>
+    <dsp:sp modelId="{6EA9DD4F-02C6-49FE-9FCF-19492F4C119B}">
+      <dsp:nvSpPr>
+        <dsp:cNvPr id="0" name=""/>
+        <dsp:cNvSpPr/>
+      </dsp:nvSpPr>
+      <dsp:spPr>
+        <a:xfrm rot="9191214">
+          <a:off x="2099727" y="2232716"/>
+          <a:ext cx="383452" cy="363319"/>
+        </a:xfrm>
+        <a:prstGeom prst="rightArrow">
+          <a:avLst>
+            <a:gd name="adj1" fmla="val 60000"/>
+            <a:gd name="adj2" fmla="val 50000"/>
+          </a:avLst>
+        </a:prstGeom>
+        <a:solidFill>
+          <a:schemeClr val="accent1">
+            <a:tint val="60000"/>
+            <a:hueOff val="0"/>
+            <a:satOff val="0"/>
+            <a:lumOff val="0"/>
+            <a:alphaOff val="0"/>
+          </a:schemeClr>
+        </a:solidFill>
+        <a:ln>
+          <a:noFill/>
+        </a:ln>
+        <a:effectLst/>
+      </dsp:spPr>
+      <dsp:style>
+        <a:lnRef idx="0">
+          <a:scrgbClr r="0" g="0" b="0"/>
+        </a:lnRef>
+        <a:fillRef idx="1">
+          <a:scrgbClr r="0" g="0" b="0"/>
+        </a:fillRef>
+        <a:effectRef idx="0">
+          <a:scrgbClr r="0" g="0" b="0"/>
+        </a:effectRef>
+        <a:fontRef idx="minor">
+          <a:schemeClr val="lt1"/>
+        </a:fontRef>
+      </dsp:style>
+      <dsp:txBody>
+        <a:bodyPr spcFirstLastPara="0" vert="horz" wrap="square" lIns="0" tIns="0" rIns="0" bIns="0" numCol="1" spcCol="1270" anchor="ctr" anchorCtr="0">
+          <a:noAutofit/>
+        </a:bodyPr>
+        <a:lstStyle/>
+        <a:p>
+          <a:pPr marL="0" lvl="0" indent="0" algn="ctr" defTabSz="533400">
+            <a:lnSpc>
+              <a:spcPct val="90000"/>
+            </a:lnSpc>
+            <a:spcBef>
+              <a:spcPct val="0"/>
+            </a:spcBef>
+            <a:spcAft>
+              <a:spcPct val="35000"/>
+            </a:spcAft>
+            <a:buNone/>
+          </a:pPr>
+          <a:endParaRPr lang="fr-FR" sz="1200" kern="1200"/>
+        </a:p>
+      </dsp:txBody>
+      <dsp:txXfrm rot="10800000">
+        <a:off x="2202864" y="2280797"/>
+        <a:ext cx="274456" cy="217991"/>
+      </dsp:txXfrm>
+    </dsp:sp>
+    <dsp:sp modelId="{F649323C-9A23-4780-ABBF-44EB22816205}">
+      <dsp:nvSpPr>
+        <dsp:cNvPr id="0" name=""/>
+        <dsp:cNvSpPr/>
+      </dsp:nvSpPr>
+      <dsp:spPr>
+        <a:xfrm>
+          <a:off x="792092" y="2520282"/>
+          <a:ext cx="1440005" cy="575999"/>
+        </a:xfrm>
+        <a:prstGeom prst="ellipse">
+          <a:avLst/>
+        </a:prstGeom>
+        <a:solidFill>
+          <a:schemeClr val="accent1">
+            <a:hueOff val="0"/>
+            <a:satOff val="0"/>
+            <a:lumOff val="0"/>
+            <a:alphaOff val="0"/>
+          </a:schemeClr>
+        </a:solidFill>
+        <a:ln w="12700" cap="flat" cmpd="sng" algn="ctr">
+          <a:solidFill>
+            <a:schemeClr val="lt1">
+              <a:hueOff val="0"/>
+              <a:satOff val="0"/>
+              <a:lumOff val="0"/>
+              <a:alphaOff val="0"/>
+            </a:schemeClr>
+          </a:solidFill>
+          <a:prstDash val="solid"/>
+          <a:miter lim="800000"/>
+        </a:ln>
+        <a:effectLst/>
+      </dsp:spPr>
+      <dsp:style>
+        <a:lnRef idx="2">
+          <a:scrgbClr r="0" g="0" b="0"/>
+        </a:lnRef>
+        <a:fillRef idx="1">
+          <a:scrgbClr r="0" g="0" b="0"/>
+        </a:fillRef>
+        <a:effectRef idx="0">
+          <a:scrgbClr r="0" g="0" b="0"/>
+        </a:effectRef>
+        <a:fontRef idx="minor">
+          <a:schemeClr val="lt1"/>
+        </a:fontRef>
+      </dsp:style>
+      <dsp:txBody>
+        <a:bodyPr spcFirstLastPara="0" vert="horz" wrap="square" lIns="15240" tIns="15240" rIns="15240" bIns="15240" numCol="1" spcCol="1270" anchor="ctr" anchorCtr="0">
+          <a:noAutofit/>
+        </a:bodyPr>
+        <a:lstStyle/>
+        <a:p>
+          <a:pPr marL="0" lvl="0" indent="0" algn="ctr" defTabSz="533400">
+            <a:lnSpc>
+              <a:spcPct val="90000"/>
+            </a:lnSpc>
+            <a:spcBef>
+              <a:spcPct val="0"/>
+            </a:spcBef>
+            <a:spcAft>
+              <a:spcPct val="35000"/>
+            </a:spcAft>
+            <a:buNone/>
+          </a:pPr>
+          <a:r>
+            <a:rPr lang="fr-FR" sz="1200" kern="1200" dirty="0"/>
+            <a:t>Modéliser</a:t>
+          </a:r>
+        </a:p>
+      </dsp:txBody>
+      <dsp:txXfrm>
+        <a:off x="1002976" y="2604635"/>
+        <a:ext cx="1018237" cy="407293"/>
+      </dsp:txXfrm>
+    </dsp:sp>
+    <dsp:sp modelId="{D8543BC6-C2A3-44A0-AD66-B070AE3B70F1}">
+      <dsp:nvSpPr>
+        <dsp:cNvPr id="0" name=""/>
+        <dsp:cNvSpPr/>
+      </dsp:nvSpPr>
+      <dsp:spPr>
+        <a:xfrm rot="12401298">
+          <a:off x="2157087" y="1487604"/>
+          <a:ext cx="338651" cy="363319"/>
+        </a:xfrm>
+        <a:prstGeom prst="rightArrow">
+          <a:avLst>
+            <a:gd name="adj1" fmla="val 60000"/>
+            <a:gd name="adj2" fmla="val 50000"/>
+          </a:avLst>
+        </a:prstGeom>
+        <a:solidFill>
+          <a:schemeClr val="accent1">
+            <a:tint val="60000"/>
+            <a:hueOff val="0"/>
+            <a:satOff val="0"/>
+            <a:lumOff val="0"/>
+            <a:alphaOff val="0"/>
+          </a:schemeClr>
+        </a:solidFill>
+        <a:ln>
+          <a:noFill/>
+        </a:ln>
+        <a:effectLst/>
+      </dsp:spPr>
+      <dsp:style>
+        <a:lnRef idx="0">
+          <a:scrgbClr r="0" g="0" b="0"/>
+        </a:lnRef>
+        <a:fillRef idx="1">
+          <a:scrgbClr r="0" g="0" b="0"/>
+        </a:fillRef>
+        <a:effectRef idx="0">
+          <a:scrgbClr r="0" g="0" b="0"/>
+        </a:effectRef>
+        <a:fontRef idx="minor">
+          <a:schemeClr val="lt1"/>
+        </a:fontRef>
+      </dsp:style>
+      <dsp:txBody>
+        <a:bodyPr spcFirstLastPara="0" vert="horz" wrap="square" lIns="0" tIns="0" rIns="0" bIns="0" numCol="1" spcCol="1270" anchor="ctr" anchorCtr="0">
+          <a:noAutofit/>
+        </a:bodyPr>
+        <a:lstStyle/>
+        <a:p>
+          <a:pPr marL="0" lvl="0" indent="0" algn="ctr" defTabSz="533400">
+            <a:lnSpc>
+              <a:spcPct val="90000"/>
+            </a:lnSpc>
+            <a:spcBef>
+              <a:spcPct val="0"/>
+            </a:spcBef>
+            <a:spcAft>
+              <a:spcPct val="35000"/>
+            </a:spcAft>
+            <a:buNone/>
+          </a:pPr>
+          <a:endParaRPr lang="fr-FR" sz="1200" kern="1200"/>
+        </a:p>
+      </dsp:txBody>
+      <dsp:txXfrm rot="10800000">
+        <a:off x="2253270" y="1583083"/>
+        <a:ext cx="237056" cy="217991"/>
+      </dsp:txXfrm>
+    </dsp:sp>
+    <dsp:sp modelId="{649B0251-076A-43A0-A9F0-20A26A16F648}">
+      <dsp:nvSpPr>
+        <dsp:cNvPr id="0" name=""/>
+        <dsp:cNvSpPr/>
+      </dsp:nvSpPr>
+      <dsp:spPr>
+        <a:xfrm>
+          <a:off x="864093" y="1008107"/>
+          <a:ext cx="1440005" cy="575999"/>
+        </a:xfrm>
+        <a:prstGeom prst="ellipse">
+          <a:avLst/>
+        </a:prstGeom>
+        <a:solidFill>
+          <a:schemeClr val="accent1">
+            <a:hueOff val="0"/>
+            <a:satOff val="0"/>
+            <a:lumOff val="0"/>
+            <a:alphaOff val="0"/>
+          </a:schemeClr>
+        </a:solidFill>
+        <a:ln w="12700" cap="flat" cmpd="sng" algn="ctr">
+          <a:solidFill>
+            <a:schemeClr val="lt1">
+              <a:hueOff val="0"/>
+              <a:satOff val="0"/>
+              <a:lumOff val="0"/>
+              <a:alphaOff val="0"/>
+            </a:schemeClr>
+          </a:solidFill>
+          <a:prstDash val="solid"/>
+          <a:miter lim="800000"/>
+        </a:ln>
+        <a:effectLst/>
+      </dsp:spPr>
+      <dsp:style>
+        <a:lnRef idx="2">
+          <a:scrgbClr r="0" g="0" b="0"/>
+        </a:lnRef>
+        <a:fillRef idx="1">
+          <a:scrgbClr r="0" g="0" b="0"/>
+        </a:fillRef>
+        <a:effectRef idx="0">
+          <a:scrgbClr r="0" g="0" b="0"/>
+        </a:effectRef>
+        <a:fontRef idx="minor">
+          <a:schemeClr val="lt1"/>
+        </a:fontRef>
+      </dsp:style>
+      <dsp:txBody>
+        <a:bodyPr spcFirstLastPara="0" vert="horz" wrap="square" lIns="15240" tIns="15240" rIns="15240" bIns="15240" numCol="1" spcCol="1270" anchor="ctr" anchorCtr="0">
+          <a:noAutofit/>
+        </a:bodyPr>
+        <a:lstStyle/>
+        <a:p>
+          <a:pPr marL="0" lvl="0" indent="0" algn="ctr" defTabSz="533400">
+            <a:lnSpc>
+              <a:spcPct val="90000"/>
+            </a:lnSpc>
+            <a:spcBef>
+              <a:spcPct val="0"/>
+            </a:spcBef>
+            <a:spcAft>
+              <a:spcPct val="35000"/>
+            </a:spcAft>
+            <a:buNone/>
+          </a:pPr>
+          <a:r>
+            <a:rPr lang="fr-FR" sz="1200" kern="1200" dirty="0"/>
+            <a:t>Résoudre</a:t>
+          </a:r>
+        </a:p>
+      </dsp:txBody>
+      <dsp:txXfrm>
+        <a:off x="1074977" y="1092460"/>
+        <a:ext cx="1018237" cy="407293"/>
+      </dsp:txXfrm>
+    </dsp:sp>
+  </dsp:spTree>
+</dsp:drawing>
+</file>
+
+<file path=ppt/diagrams/drawing3.xml><?xml version="1.0" encoding="utf-8"?>
+<dsp:drawing xmlns:dgm="http://schemas.openxmlformats.org/drawingml/2006/diagram" xmlns:dsp="http://schemas.microsoft.com/office/drawing/2008/diagram" xmlns:a="http://schemas.openxmlformats.org/drawingml/2006/main">
+  <dsp:spTree>
+    <dsp:nvGrpSpPr>
+      <dsp:cNvPr id="0" name=""/>
+      <dsp:cNvGrpSpPr/>
+    </dsp:nvGrpSpPr>
+    <dsp:grpSpPr/>
     <dsp:sp modelId="{DB88E11D-40FD-4DC8-9709-151F3F6AF8A2}">
       <dsp:nvSpPr>
         <dsp:cNvPr id="0" name=""/>
@@ -5834,6 +7996,245 @@
 </dgm:layoutDef>
 </file>
 
+<file path=ppt/diagrams/layout3.xml><?xml version="1.0" encoding="utf-8"?>
+<dgm:layoutDef xmlns:dgm="http://schemas.openxmlformats.org/drawingml/2006/diagram" xmlns:a="http://schemas.openxmlformats.org/drawingml/2006/main" uniqueId="urn:microsoft.com/office/officeart/2005/8/layout/radial5">
+  <dgm:title val=""/>
+  <dgm:desc val=""/>
+  <dgm:catLst>
+    <dgm:cat type="relationship" pri="23000"/>
+    <dgm:cat type="cycle" pri="11000"/>
+  </dgm:catLst>
+  <dgm:sampData>
+    <dgm:dataModel>
+      <dgm:ptLst>
+        <dgm:pt modelId="0" type="doc"/>
+        <dgm:pt modelId="1">
+          <dgm:prSet phldr="1"/>
+        </dgm:pt>
+        <dgm:pt modelId="11">
+          <dgm:prSet phldr="1"/>
+        </dgm:pt>
+        <dgm:pt modelId="12">
+          <dgm:prSet phldr="1"/>
+        </dgm:pt>
+        <dgm:pt modelId="13">
+          <dgm:prSet phldr="1"/>
+        </dgm:pt>
+        <dgm:pt modelId="14">
+          <dgm:prSet phldr="1"/>
+        </dgm:pt>
+      </dgm:ptLst>
+      <dgm:cxnLst>
+        <dgm:cxn modelId="2" srcId="0" destId="1" srcOrd="0" destOrd="0"/>
+        <dgm:cxn modelId="3" srcId="1" destId="11" srcOrd="0" destOrd="0"/>
+        <dgm:cxn modelId="4" srcId="1" destId="12" srcOrd="1" destOrd="0"/>
+        <dgm:cxn modelId="5" srcId="1" destId="13" srcOrd="2" destOrd="0"/>
+        <dgm:cxn modelId="6" srcId="1" destId="14" srcOrd="3" destOrd="0"/>
+      </dgm:cxnLst>
+      <dgm:bg/>
+      <dgm:whole/>
+    </dgm:dataModel>
+  </dgm:sampData>
+  <dgm:styleData>
+    <dgm:dataModel>
+      <dgm:ptLst>
+        <dgm:pt modelId="0" type="doc"/>
+        <dgm:pt modelId="1"/>
+        <dgm:pt modelId="11"/>
+        <dgm:pt modelId="12"/>
+        <dgm:pt modelId="13"/>
+      </dgm:ptLst>
+      <dgm:cxnLst>
+        <dgm:cxn modelId="2" srcId="0" destId="1" srcOrd="0" destOrd="0"/>
+        <dgm:cxn modelId="15" srcId="1" destId="11" srcOrd="0" destOrd="0"/>
+        <dgm:cxn modelId="16" srcId="1" destId="12" srcOrd="1" destOrd="0"/>
+        <dgm:cxn modelId="17" srcId="1" destId="13" srcOrd="2" destOrd="0"/>
+      </dgm:cxnLst>
+      <dgm:bg/>
+      <dgm:whole/>
+    </dgm:dataModel>
+  </dgm:styleData>
+  <dgm:clrData>
+    <dgm:dataModel>
+      <dgm:ptLst>
+        <dgm:pt modelId="0" type="doc"/>
+        <dgm:pt modelId="1"/>
+        <dgm:pt modelId="11"/>
+        <dgm:pt modelId="12"/>
+        <dgm:pt modelId="13"/>
+        <dgm:pt modelId="14"/>
+        <dgm:pt modelId="15"/>
+        <dgm:pt modelId="16"/>
+      </dgm:ptLst>
+      <dgm:cxnLst>
+        <dgm:cxn modelId="2" srcId="0" destId="1" srcOrd="0" destOrd="0"/>
+        <dgm:cxn modelId="16" srcId="1" destId="11" srcOrd="0" destOrd="0"/>
+        <dgm:cxn modelId="17" srcId="1" destId="12" srcOrd="1" destOrd="0"/>
+        <dgm:cxn modelId="18" srcId="1" destId="13" srcOrd="2" destOrd="0"/>
+        <dgm:cxn modelId="19" srcId="1" destId="14" srcOrd="3" destOrd="0"/>
+        <dgm:cxn modelId="20" srcId="1" destId="15" srcOrd="4" destOrd="0"/>
+        <dgm:cxn modelId="21" srcId="1" destId="16" srcOrd="5" destOrd="0"/>
+      </dgm:cxnLst>
+      <dgm:bg/>
+      <dgm:whole/>
+    </dgm:dataModel>
+  </dgm:clrData>
+  <dgm:layoutNode name="Name0">
+    <dgm:varLst>
+      <dgm:chMax val="1"/>
+      <dgm:dir/>
+      <dgm:animLvl val="ctr"/>
+      <dgm:resizeHandles val="exact"/>
+    </dgm:varLst>
+    <dgm:choose name="Name1">
+      <dgm:if name="Name2" func="var" arg="dir" op="equ" val="norm">
+        <dgm:alg type="cycle">
+          <dgm:param type="stAng" val="0"/>
+          <dgm:param type="spanAng" val="360"/>
+          <dgm:param type="ctrShpMap" val="fNode"/>
+        </dgm:alg>
+      </dgm:if>
+      <dgm:else name="Name3">
+        <dgm:alg type="cycle">
+          <dgm:param type="stAng" val="0"/>
+          <dgm:param type="spanAng" val="-360"/>
+          <dgm:param type="ctrShpMap" val="fNode"/>
+        </dgm:alg>
+      </dgm:else>
+    </dgm:choose>
+    <dgm:shape xmlns:r="http://schemas.openxmlformats.org/officeDocument/2006/relationships" r:blip="">
+      <dgm:adjLst/>
+    </dgm:shape>
+    <dgm:presOf/>
+    <dgm:constrLst>
+      <dgm:constr type="w" for="ch" forName="centerShape" refType="w"/>
+      <dgm:constr type="w" for="ch" forName="parTrans" refType="w" refFor="ch" refForName="centerShape" fact="0.4"/>
+      <dgm:constr type="w" for="ch" forName="node" refType="w" refFor="ch" refForName="centerShape" op="equ" fact="1.25"/>
+      <dgm:constr type="sp" refType="w" refFor="ch" refForName="centerShape" op="equ" fact="0.4"/>
+      <dgm:constr type="sibSp" refType="w" refFor="ch" refForName="node" fact="0.3"/>
+      <dgm:constr type="primFontSz" for="ch" forName="centerShape" val="65"/>
+      <dgm:constr type="primFontSz" for="des" forName="node" op="equ" val="65"/>
+      <dgm:constr type="primFontSz" for="des" forName="node" refType="primFontSz" refFor="ch" refForName="centerShape" op="lte"/>
+      <dgm:constr type="primFontSz" for="des" forName="connectorText" op="equ" val="55"/>
+      <dgm:constr type="primFontSz" for="des" forName="connectorText" refType="primFontSz" refFor="ch" refForName="centerShape" op="lte" fact="0.8"/>
+      <dgm:constr type="primFontSz" for="des" forName="connectorText" refType="primFontSz" refFor="des" refForName="node" op="lte"/>
+    </dgm:constrLst>
+    <dgm:choose name="Name4">
+      <dgm:if name="Name5" axis="ch ch" ptType="node node" st="1 1" cnt="1 0" func="cnt" op="lte" val="6">
+        <dgm:ruleLst>
+          <dgm:rule type="w" for="ch" forName="node" val="NaN" fact="1" max="NaN"/>
+        </dgm:ruleLst>
+      </dgm:if>
+      <dgm:if name="Name6" axis="ch ch" ptType="node node" st="1 1" cnt="1 0" func="cnt" op="lte" val="8">
+        <dgm:ruleLst>
+          <dgm:rule type="w" for="ch" forName="node" val="NaN" fact="0.9" max="NaN"/>
+        </dgm:ruleLst>
+      </dgm:if>
+      <dgm:if name="Name7" axis="ch ch" ptType="node node" st="1 1" cnt="1 0" func="cnt" op="lte" val="10">
+        <dgm:ruleLst>
+          <dgm:rule type="w" for="ch" forName="node" val="NaN" fact="0.8" max="NaN"/>
+        </dgm:ruleLst>
+      </dgm:if>
+      <dgm:if name="Name8" axis="ch ch" ptType="node node" st="1 1" cnt="1 0" func="cnt" op="lte" val="12">
+        <dgm:ruleLst>
+          <dgm:rule type="w" for="ch" forName="node" val="NaN" fact="0.7" max="NaN"/>
+        </dgm:ruleLst>
+      </dgm:if>
+      <dgm:if name="Name9" axis="ch ch" ptType="node node" st="1 1" cnt="1 0" func="cnt" op="lte" val="14">
+        <dgm:ruleLst>
+          <dgm:rule type="w" for="ch" forName="node" val="NaN" fact="0.6" max="NaN"/>
+        </dgm:ruleLst>
+      </dgm:if>
+      <dgm:else name="Name10">
+        <dgm:ruleLst>
+          <dgm:rule type="w" for="ch" forName="node" val="NaN" fact="0.5" max="NaN"/>
+        </dgm:ruleLst>
+      </dgm:else>
+    </dgm:choose>
+    <dgm:forEach name="Name11" axis="ch" ptType="node" cnt="1">
+      <dgm:layoutNode name="centerShape" styleLbl="node0">
+        <dgm:alg type="tx"/>
+        <dgm:shape xmlns:r="http://schemas.openxmlformats.org/officeDocument/2006/relationships" type="ellipse" r:blip="">
+          <dgm:adjLst/>
+        </dgm:shape>
+        <dgm:presOf axis="self"/>
+        <dgm:constrLst>
+          <dgm:constr type="h" refType="w"/>
+          <dgm:constr type="tMarg" refType="primFontSz" fact="0.1"/>
+          <dgm:constr type="bMarg" refType="primFontSz" fact="0.1"/>
+          <dgm:constr type="lMarg" refType="primFontSz" fact="0.1"/>
+          <dgm:constr type="rMarg" refType="primFontSz" fact="0.1"/>
+        </dgm:constrLst>
+        <dgm:ruleLst>
+          <dgm:rule type="primFontSz" val="5" fact="NaN" max="NaN"/>
+        </dgm:ruleLst>
+      </dgm:layoutNode>
+      <dgm:forEach name="Name12" axis="ch">
+        <dgm:forEach name="Name13" axis="self" ptType="parTrans">
+          <dgm:layoutNode name="parTrans" styleLbl="sibTrans2D1">
+            <dgm:alg type="conn">
+              <dgm:param type="begPts" val="auto"/>
+              <dgm:param type="endPts" val="auto"/>
+            </dgm:alg>
+            <dgm:shape xmlns:r="http://schemas.openxmlformats.org/officeDocument/2006/relationships" type="conn" r:blip="">
+              <dgm:adjLst/>
+            </dgm:shape>
+            <dgm:presOf axis="self"/>
+            <dgm:constrLst>
+              <dgm:constr type="h" refType="w" fact="0.85"/>
+            </dgm:constrLst>
+            <dgm:ruleLst/>
+            <dgm:layoutNode name="connectorText">
+              <dgm:alg type="tx">
+                <dgm:param type="autoTxRot" val="grav"/>
+              </dgm:alg>
+              <dgm:shape xmlns:r="http://schemas.openxmlformats.org/officeDocument/2006/relationships" type="conn" r:blip="" hideGeom="1">
+                <dgm:adjLst/>
+              </dgm:shape>
+              <dgm:presOf axis="self"/>
+              <dgm:constrLst>
+                <dgm:constr type="lMarg"/>
+                <dgm:constr type="rMarg"/>
+                <dgm:constr type="tMarg"/>
+                <dgm:constr type="bMarg"/>
+              </dgm:constrLst>
+              <dgm:ruleLst>
+                <dgm:rule type="primFontSz" val="5" fact="NaN" max="NaN"/>
+              </dgm:ruleLst>
+            </dgm:layoutNode>
+          </dgm:layoutNode>
+        </dgm:forEach>
+        <dgm:forEach name="Name14" axis="self" ptType="node">
+          <dgm:layoutNode name="node" styleLbl="node1">
+            <dgm:varLst>
+              <dgm:bulletEnabled val="1"/>
+            </dgm:varLst>
+            <dgm:alg type="tx">
+              <dgm:param type="txAnchorVertCh" val="mid"/>
+            </dgm:alg>
+            <dgm:shape xmlns:r="http://schemas.openxmlformats.org/officeDocument/2006/relationships" type="ellipse" r:blip="">
+              <dgm:adjLst/>
+            </dgm:shape>
+            <dgm:presOf axis="desOrSelf" ptType="node"/>
+            <dgm:constrLst>
+              <dgm:constr type="h" refType="w"/>
+              <dgm:constr type="tMarg" refType="primFontSz" fact="0.1"/>
+              <dgm:constr type="bMarg" refType="primFontSz" fact="0.1"/>
+              <dgm:constr type="lMarg" refType="primFontSz" fact="0.1"/>
+              <dgm:constr type="rMarg" refType="primFontSz" fact="0.1"/>
+            </dgm:constrLst>
+            <dgm:ruleLst>
+              <dgm:rule type="w" val="INF" fact="NaN" max="NaN"/>
+              <dgm:rule type="primFontSz" val="5" fact="NaN" max="NaN"/>
+            </dgm:ruleLst>
+          </dgm:layoutNode>
+        </dgm:forEach>
+      </dgm:forEach>
+    </dgm:forEach>
+  </dgm:layoutNode>
+</dgm:layoutDef>
+</file>
+
 <file path=ppt/diagrams/quickStyle1.xml><?xml version="1.0" encoding="utf-8"?>
 <dgm:styleDef xmlns:dgm="http://schemas.openxmlformats.org/drawingml/2006/diagram" xmlns:a="http://schemas.openxmlformats.org/drawingml/2006/main" uniqueId="urn:microsoft.com/office/officeart/2005/8/quickstyle/simple1">
   <dgm:title val=""/>
@@ -6869,6 +9270,1040 @@
 </file>
 
 <file path=ppt/diagrams/quickStyle2.xml><?xml version="1.0" encoding="utf-8"?>
+<dgm:styleDef xmlns:dgm="http://schemas.openxmlformats.org/drawingml/2006/diagram" xmlns:a="http://schemas.openxmlformats.org/drawingml/2006/main" uniqueId="urn:microsoft.com/office/officeart/2005/8/quickstyle/simple1">
+  <dgm:title val=""/>
+  <dgm:desc val=""/>
+  <dgm:catLst>
+    <dgm:cat type="simple" pri="10100"/>
+  </dgm:catLst>
+  <dgm:scene3d>
+    <a:camera prst="orthographicFront"/>
+    <a:lightRig rig="threePt" dir="t"/>
+  </dgm:scene3d>
+  <dgm:styleLbl name="node0">
+    <dgm:scene3d>
+      <a:camera prst="orthographicFront"/>
+      <a:lightRig rig="threePt" dir="t"/>
+    </dgm:scene3d>
+    <dgm:sp3d/>
+    <dgm:txPr/>
+    <dgm:style>
+      <a:lnRef idx="2">
+        <a:scrgbClr r="0" g="0" b="0"/>
+      </a:lnRef>
+      <a:fillRef idx="1">
+        <a:scrgbClr r="0" g="0" b="0"/>
+      </a:fillRef>
+      <a:effectRef idx="0">
+        <a:scrgbClr r="0" g="0" b="0"/>
+      </a:effectRef>
+      <a:fontRef idx="minor">
+        <a:schemeClr val="lt1"/>
+      </a:fontRef>
+    </dgm:style>
+  </dgm:styleLbl>
+  <dgm:styleLbl name="lnNode1">
+    <dgm:scene3d>
+      <a:camera prst="orthographicFront"/>
+      <a:lightRig rig="threePt" dir="t"/>
+    </dgm:scene3d>
+    <dgm:sp3d/>
+    <dgm:txPr/>
+    <dgm:style>
+      <a:lnRef idx="2">
+        <a:scrgbClr r="0" g="0" b="0"/>
+      </a:lnRef>
+      <a:fillRef idx="1">
+        <a:scrgbClr r="0" g="0" b="0"/>
+      </a:fillRef>
+      <a:effectRef idx="0">
+        <a:scrgbClr r="0" g="0" b="0"/>
+      </a:effectRef>
+      <a:fontRef idx="minor">
+        <a:schemeClr val="lt1"/>
+      </a:fontRef>
+    </dgm:style>
+  </dgm:styleLbl>
+  <dgm:styleLbl name="vennNode1">
+    <dgm:scene3d>
+      <a:camera prst="orthographicFront"/>
+      <a:lightRig rig="threePt" dir="t"/>
+    </dgm:scene3d>
+    <dgm:sp3d/>
+    <dgm:txPr/>
+    <dgm:style>
+      <a:lnRef idx="2">
+        <a:scrgbClr r="0" g="0" b="0"/>
+      </a:lnRef>
+      <a:fillRef idx="1">
+        <a:scrgbClr r="0" g="0" b="0"/>
+      </a:fillRef>
+      <a:effectRef idx="0">
+        <a:scrgbClr r="0" g="0" b="0"/>
+      </a:effectRef>
+      <a:fontRef idx="minor">
+        <a:schemeClr val="tx1"/>
+      </a:fontRef>
+    </dgm:style>
+  </dgm:styleLbl>
+  <dgm:styleLbl name="alignNode1">
+    <dgm:scene3d>
+      <a:camera prst="orthographicFront"/>
+      <a:lightRig rig="threePt" dir="t"/>
+    </dgm:scene3d>
+    <dgm:sp3d/>
+    <dgm:txPr/>
+    <dgm:style>
+      <a:lnRef idx="2">
+        <a:scrgbClr r="0" g="0" b="0"/>
+      </a:lnRef>
+      <a:fillRef idx="1">
+        <a:scrgbClr r="0" g="0" b="0"/>
+      </a:fillRef>
+      <a:effectRef idx="0">
+        <a:scrgbClr r="0" g="0" b="0"/>
+      </a:effectRef>
+      <a:fontRef idx="minor">
+        <a:schemeClr val="lt1"/>
+      </a:fontRef>
+    </dgm:style>
+  </dgm:styleLbl>
+  <dgm:styleLbl name="node1">
+    <dgm:scene3d>
+      <a:camera prst="orthographicFront"/>
+      <a:lightRig rig="threePt" dir="t"/>
+    </dgm:scene3d>
+    <dgm:sp3d/>
+    <dgm:txPr/>
+    <dgm:style>
+      <a:lnRef idx="2">
+        <a:scrgbClr r="0" g="0" b="0"/>
+      </a:lnRef>
+      <a:fillRef idx="1">
+        <a:scrgbClr r="0" g="0" b="0"/>
+      </a:fillRef>
+      <a:effectRef idx="0">
+        <a:scrgbClr r="0" g="0" b="0"/>
+      </a:effectRef>
+      <a:fontRef idx="minor">
+        <a:schemeClr val="lt1"/>
+      </a:fontRef>
+    </dgm:style>
+  </dgm:styleLbl>
+  <dgm:styleLbl name="node2">
+    <dgm:scene3d>
+      <a:camera prst="orthographicFront"/>
+      <a:lightRig rig="threePt" dir="t"/>
+    </dgm:scene3d>
+    <dgm:sp3d/>
+    <dgm:txPr/>
+    <dgm:style>
+      <a:lnRef idx="2">
+        <a:scrgbClr r="0" g="0" b="0"/>
+      </a:lnRef>
+      <a:fillRef idx="1">
+        <a:scrgbClr r="0" g="0" b="0"/>
+      </a:fillRef>
+      <a:effectRef idx="0">
+        <a:scrgbClr r="0" g="0" b="0"/>
+      </a:effectRef>
+      <a:fontRef idx="minor">
+        <a:schemeClr val="lt1"/>
+      </a:fontRef>
+    </dgm:style>
+  </dgm:styleLbl>
+  <dgm:styleLbl name="node3">
+    <dgm:scene3d>
+      <a:camera prst="orthographicFront"/>
+      <a:lightRig rig="threePt" dir="t"/>
+    </dgm:scene3d>
+    <dgm:sp3d/>
+    <dgm:txPr/>
+    <dgm:style>
+      <a:lnRef idx="2">
+        <a:scrgbClr r="0" g="0" b="0"/>
+      </a:lnRef>
+      <a:fillRef idx="1">
+        <a:scrgbClr r="0" g="0" b="0"/>
+      </a:fillRef>
+      <a:effectRef idx="0">
+        <a:scrgbClr r="0" g="0" b="0"/>
+      </a:effectRef>
+      <a:fontRef idx="minor">
+        <a:schemeClr val="lt1"/>
+      </a:fontRef>
+    </dgm:style>
+  </dgm:styleLbl>
+  <dgm:styleLbl name="node4">
+    <dgm:scene3d>
+      <a:camera prst="orthographicFront"/>
+      <a:lightRig rig="threePt" dir="t"/>
+    </dgm:scene3d>
+    <dgm:sp3d/>
+    <dgm:txPr/>
+    <dgm:style>
+      <a:lnRef idx="2">
+        <a:scrgbClr r="0" g="0" b="0"/>
+      </a:lnRef>
+      <a:fillRef idx="1">
+        <a:scrgbClr r="0" g="0" b="0"/>
+      </a:fillRef>
+      <a:effectRef idx="0">
+        <a:scrgbClr r="0" g="0" b="0"/>
+      </a:effectRef>
+      <a:fontRef idx="minor">
+        <a:schemeClr val="lt1"/>
+      </a:fontRef>
+    </dgm:style>
+  </dgm:styleLbl>
+  <dgm:styleLbl name="fgImgPlace1">
+    <dgm:scene3d>
+      <a:camera prst="orthographicFront"/>
+      <a:lightRig rig="threePt" dir="t"/>
+    </dgm:scene3d>
+    <dgm:sp3d/>
+    <dgm:txPr/>
+    <dgm:style>
+      <a:lnRef idx="2">
+        <a:scrgbClr r="0" g="0" b="0"/>
+      </a:lnRef>
+      <a:fillRef idx="1">
+        <a:scrgbClr r="0" g="0" b="0"/>
+      </a:fillRef>
+      <a:effectRef idx="0">
+        <a:scrgbClr r="0" g="0" b="0"/>
+      </a:effectRef>
+      <a:fontRef idx="minor"/>
+    </dgm:style>
+  </dgm:styleLbl>
+  <dgm:styleLbl name="alignImgPlace1">
+    <dgm:scene3d>
+      <a:camera prst="orthographicFront"/>
+      <a:lightRig rig="threePt" dir="t"/>
+    </dgm:scene3d>
+    <dgm:sp3d/>
+    <dgm:txPr/>
+    <dgm:style>
+      <a:lnRef idx="2">
+        <a:scrgbClr r="0" g="0" b="0"/>
+      </a:lnRef>
+      <a:fillRef idx="1">
+        <a:scrgbClr r="0" g="0" b="0"/>
+      </a:fillRef>
+      <a:effectRef idx="0">
+        <a:scrgbClr r="0" g="0" b="0"/>
+      </a:effectRef>
+      <a:fontRef idx="minor"/>
+    </dgm:style>
+  </dgm:styleLbl>
+  <dgm:styleLbl name="bgImgPlace1">
+    <dgm:scene3d>
+      <a:camera prst="orthographicFront"/>
+      <a:lightRig rig="threePt" dir="t"/>
+    </dgm:scene3d>
+    <dgm:sp3d/>
+    <dgm:txPr/>
+    <dgm:style>
+      <a:lnRef idx="2">
+        <a:scrgbClr r="0" g="0" b="0"/>
+      </a:lnRef>
+      <a:fillRef idx="1">
+        <a:scrgbClr r="0" g="0" b="0"/>
+      </a:fillRef>
+      <a:effectRef idx="0">
+        <a:scrgbClr r="0" g="0" b="0"/>
+      </a:effectRef>
+      <a:fontRef idx="minor"/>
+    </dgm:style>
+  </dgm:styleLbl>
+  <dgm:styleLbl name="sibTrans2D1">
+    <dgm:scene3d>
+      <a:camera prst="orthographicFront"/>
+      <a:lightRig rig="threePt" dir="t"/>
+    </dgm:scene3d>
+    <dgm:sp3d/>
+    <dgm:txPr/>
+    <dgm:style>
+      <a:lnRef idx="0">
+        <a:scrgbClr r="0" g="0" b="0"/>
+      </a:lnRef>
+      <a:fillRef idx="1">
+        <a:scrgbClr r="0" g="0" b="0"/>
+      </a:fillRef>
+      <a:effectRef idx="0">
+        <a:scrgbClr r="0" g="0" b="0"/>
+      </a:effectRef>
+      <a:fontRef idx="minor">
+        <a:schemeClr val="lt1"/>
+      </a:fontRef>
+    </dgm:style>
+  </dgm:styleLbl>
+  <dgm:styleLbl name="fgSibTrans2D1">
+    <dgm:scene3d>
+      <a:camera prst="orthographicFront"/>
+      <a:lightRig rig="threePt" dir="t"/>
+    </dgm:scene3d>
+    <dgm:sp3d/>
+    <dgm:txPr/>
+    <dgm:style>
+      <a:lnRef idx="0">
+        <a:scrgbClr r="0" g="0" b="0"/>
+      </a:lnRef>
+      <a:fillRef idx="1">
+        <a:scrgbClr r="0" g="0" b="0"/>
+      </a:fillRef>
+      <a:effectRef idx="0">
+        <a:scrgbClr r="0" g="0" b="0"/>
+      </a:effectRef>
+      <a:fontRef idx="minor">
+        <a:schemeClr val="lt1"/>
+      </a:fontRef>
+    </dgm:style>
+  </dgm:styleLbl>
+  <dgm:styleLbl name="bgSibTrans2D1">
+    <dgm:scene3d>
+      <a:camera prst="orthographicFront"/>
+      <a:lightRig rig="threePt" dir="t"/>
+    </dgm:scene3d>
+    <dgm:sp3d/>
+    <dgm:txPr/>
+    <dgm:style>
+      <a:lnRef idx="0">
+        <a:scrgbClr r="0" g="0" b="0"/>
+      </a:lnRef>
+      <a:fillRef idx="1">
+        <a:scrgbClr r="0" g="0" b="0"/>
+      </a:fillRef>
+      <a:effectRef idx="0">
+        <a:scrgbClr r="0" g="0" b="0"/>
+      </a:effectRef>
+      <a:fontRef idx="minor">
+        <a:schemeClr val="lt1"/>
+      </a:fontRef>
+    </dgm:style>
+  </dgm:styleLbl>
+  <dgm:styleLbl name="sibTrans1D1">
+    <dgm:scene3d>
+      <a:camera prst="orthographicFront"/>
+      <a:lightRig rig="threePt" dir="t"/>
+    </dgm:scene3d>
+    <dgm:sp3d/>
+    <dgm:txPr/>
+    <dgm:style>
+      <a:lnRef idx="1">
+        <a:scrgbClr r="0" g="0" b="0"/>
+      </a:lnRef>
+      <a:fillRef idx="0">
+        <a:scrgbClr r="0" g="0" b="0"/>
+      </a:fillRef>
+      <a:effectRef idx="0">
+        <a:scrgbClr r="0" g="0" b="0"/>
+      </a:effectRef>
+      <a:fontRef idx="minor"/>
+    </dgm:style>
+  </dgm:styleLbl>
+  <dgm:styleLbl name="callout">
+    <dgm:scene3d>
+      <a:camera prst="orthographicFront"/>
+      <a:lightRig rig="threePt" dir="t"/>
+    </dgm:scene3d>
+    <dgm:sp3d/>
+    <dgm:txPr/>
+    <dgm:style>
+      <a:lnRef idx="2">
+        <a:scrgbClr r="0" g="0" b="0"/>
+      </a:lnRef>
+      <a:fillRef idx="1">
+        <a:scrgbClr r="0" g="0" b="0"/>
+      </a:fillRef>
+      <a:effectRef idx="0">
+        <a:scrgbClr r="0" g="0" b="0"/>
+      </a:effectRef>
+      <a:fontRef idx="minor"/>
+    </dgm:style>
+  </dgm:styleLbl>
+  <dgm:styleLbl name="asst0">
+    <dgm:scene3d>
+      <a:camera prst="orthographicFront"/>
+      <a:lightRig rig="threePt" dir="t"/>
+    </dgm:scene3d>
+    <dgm:sp3d/>
+    <dgm:txPr/>
+    <dgm:style>
+      <a:lnRef idx="2">
+        <a:scrgbClr r="0" g="0" b="0"/>
+      </a:lnRef>
+      <a:fillRef idx="1">
+        <a:scrgbClr r="0" g="0" b="0"/>
+      </a:fillRef>
+      <a:effectRef idx="0">
+        <a:scrgbClr r="0" g="0" b="0"/>
+      </a:effectRef>
+      <a:fontRef idx="minor">
+        <a:schemeClr val="lt1"/>
+      </a:fontRef>
+    </dgm:style>
+  </dgm:styleLbl>
+  <dgm:styleLbl name="asst1">
+    <dgm:scene3d>
+      <a:camera prst="orthographicFront"/>
+      <a:lightRig rig="threePt" dir="t"/>
+    </dgm:scene3d>
+    <dgm:sp3d/>
+    <dgm:txPr/>
+    <dgm:style>
+      <a:lnRef idx="2">
+        <a:scrgbClr r="0" g="0" b="0"/>
+      </a:lnRef>
+      <a:fillRef idx="1">
+        <a:scrgbClr r="0" g="0" b="0"/>
+      </a:fillRef>
+      <a:effectRef idx="0">
+        <a:scrgbClr r="0" g="0" b="0"/>
+      </a:effectRef>
+      <a:fontRef idx="minor">
+        <a:schemeClr val="lt1"/>
+      </a:fontRef>
+    </dgm:style>
+  </dgm:styleLbl>
+  <dgm:styleLbl name="asst2">
+    <dgm:scene3d>
+      <a:camera prst="orthographicFront"/>
+      <a:lightRig rig="threePt" dir="t"/>
+    </dgm:scene3d>
+    <dgm:sp3d/>
+    <dgm:txPr/>
+    <dgm:style>
+      <a:lnRef idx="2">
+        <a:scrgbClr r="0" g="0" b="0"/>
+      </a:lnRef>
+      <a:fillRef idx="1">
+        <a:scrgbClr r="0" g="0" b="0"/>
+      </a:fillRef>
+      <a:effectRef idx="0">
+        <a:scrgbClr r="0" g="0" b="0"/>
+      </a:effectRef>
+      <a:fontRef idx="minor">
+        <a:schemeClr val="lt1"/>
+      </a:fontRef>
+    </dgm:style>
+  </dgm:styleLbl>
+  <dgm:styleLbl name="asst3">
+    <dgm:scene3d>
+      <a:camera prst="orthographicFront"/>
+      <a:lightRig rig="threePt" dir="t"/>
+    </dgm:scene3d>
+    <dgm:sp3d/>
+    <dgm:txPr/>
+    <dgm:style>
+      <a:lnRef idx="2">
+        <a:scrgbClr r="0" g="0" b="0"/>
+      </a:lnRef>
+      <a:fillRef idx="1">
+        <a:scrgbClr r="0" g="0" b="0"/>
+      </a:fillRef>
+      <a:effectRef idx="0">
+        <a:scrgbClr r="0" g="0" b="0"/>
+      </a:effectRef>
+      <a:fontRef idx="minor">
+        <a:schemeClr val="lt1"/>
+      </a:fontRef>
+    </dgm:style>
+  </dgm:styleLbl>
+  <dgm:styleLbl name="asst4">
+    <dgm:scene3d>
+      <a:camera prst="orthographicFront"/>
+      <a:lightRig rig="threePt" dir="t"/>
+    </dgm:scene3d>
+    <dgm:sp3d/>
+    <dgm:txPr/>
+    <dgm:style>
+      <a:lnRef idx="2">
+        <a:scrgbClr r="0" g="0" b="0"/>
+      </a:lnRef>
+      <a:fillRef idx="1">
+        <a:scrgbClr r="0" g="0" b="0"/>
+      </a:fillRef>
+      <a:effectRef idx="0">
+        <a:scrgbClr r="0" g="0" b="0"/>
+      </a:effectRef>
+      <a:fontRef idx="minor">
+        <a:schemeClr val="lt1"/>
+      </a:fontRef>
+    </dgm:style>
+  </dgm:styleLbl>
+  <dgm:styleLbl name="parChTrans2D1">
+    <dgm:scene3d>
+      <a:camera prst="orthographicFront"/>
+      <a:lightRig rig="threePt" dir="t"/>
+    </dgm:scene3d>
+    <dgm:sp3d/>
+    <dgm:txPr/>
+    <dgm:style>
+      <a:lnRef idx="2">
+        <a:scrgbClr r="0" g="0" b="0"/>
+      </a:lnRef>
+      <a:fillRef idx="1">
+        <a:scrgbClr r="0" g="0" b="0"/>
+      </a:fillRef>
+      <a:effectRef idx="0">
+        <a:scrgbClr r="0" g="0" b="0"/>
+      </a:effectRef>
+      <a:fontRef idx="minor">
+        <a:schemeClr val="lt1"/>
+      </a:fontRef>
+    </dgm:style>
+  </dgm:styleLbl>
+  <dgm:styleLbl name="parChTrans2D2">
+    <dgm:scene3d>
+      <a:camera prst="orthographicFront"/>
+      <a:lightRig rig="threePt" dir="t"/>
+    </dgm:scene3d>
+    <dgm:sp3d/>
+    <dgm:txPr/>
+    <dgm:style>
+      <a:lnRef idx="2">
+        <a:scrgbClr r="0" g="0" b="0"/>
+      </a:lnRef>
+      <a:fillRef idx="1">
+        <a:scrgbClr r="0" g="0" b="0"/>
+      </a:fillRef>
+      <a:effectRef idx="0">
+        <a:scrgbClr r="0" g="0" b="0"/>
+      </a:effectRef>
+      <a:fontRef idx="minor">
+        <a:schemeClr val="lt1"/>
+      </a:fontRef>
+    </dgm:style>
+  </dgm:styleLbl>
+  <dgm:styleLbl name="parChTrans2D3">
+    <dgm:scene3d>
+      <a:camera prst="orthographicFront"/>
+      <a:lightRig rig="threePt" dir="t"/>
+    </dgm:scene3d>
+    <dgm:sp3d/>
+    <dgm:txPr/>
+    <dgm:style>
+      <a:lnRef idx="2">
+        <a:scrgbClr r="0" g="0" b="0"/>
+      </a:lnRef>
+      <a:fillRef idx="1">
+        <a:scrgbClr r="0" g="0" b="0"/>
+      </a:fillRef>
+      <a:effectRef idx="0">
+        <a:scrgbClr r="0" g="0" b="0"/>
+      </a:effectRef>
+      <a:fontRef idx="minor">
+        <a:schemeClr val="lt1"/>
+      </a:fontRef>
+    </dgm:style>
+  </dgm:styleLbl>
+  <dgm:styleLbl name="parChTrans2D4">
+    <dgm:scene3d>
+      <a:camera prst="orthographicFront"/>
+      <a:lightRig rig="threePt" dir="t"/>
+    </dgm:scene3d>
+    <dgm:sp3d/>
+    <dgm:txPr/>
+    <dgm:style>
+      <a:lnRef idx="2">
+        <a:scrgbClr r="0" g="0" b="0"/>
+      </a:lnRef>
+      <a:fillRef idx="1">
+        <a:scrgbClr r="0" g="0" b="0"/>
+      </a:fillRef>
+      <a:effectRef idx="0">
+        <a:scrgbClr r="0" g="0" b="0"/>
+      </a:effectRef>
+      <a:fontRef idx="minor">
+        <a:schemeClr val="lt1"/>
+      </a:fontRef>
+    </dgm:style>
+  </dgm:styleLbl>
+  <dgm:styleLbl name="parChTrans1D1">
+    <dgm:scene3d>
+      <a:camera prst="orthographicFront"/>
+      <a:lightRig rig="threePt" dir="t"/>
+    </dgm:scene3d>
+    <dgm:sp3d/>
+    <dgm:txPr/>
+    <dgm:style>
+      <a:lnRef idx="2">
+        <a:scrgbClr r="0" g="0" b="0"/>
+      </a:lnRef>
+      <a:fillRef idx="0">
+        <a:scrgbClr r="0" g="0" b="0"/>
+      </a:fillRef>
+      <a:effectRef idx="0">
+        <a:scrgbClr r="0" g="0" b="0"/>
+      </a:effectRef>
+      <a:fontRef idx="minor"/>
+    </dgm:style>
+  </dgm:styleLbl>
+  <dgm:styleLbl name="parChTrans1D2">
+    <dgm:scene3d>
+      <a:camera prst="orthographicFront"/>
+      <a:lightRig rig="threePt" dir="t"/>
+    </dgm:scene3d>
+    <dgm:sp3d/>
+    <dgm:txPr/>
+    <dgm:style>
+      <a:lnRef idx="2">
+        <a:scrgbClr r="0" g="0" b="0"/>
+      </a:lnRef>
+      <a:fillRef idx="0">
+        <a:scrgbClr r="0" g="0" b="0"/>
+      </a:fillRef>
+      <a:effectRef idx="0">
+        <a:scrgbClr r="0" g="0" b="0"/>
+      </a:effectRef>
+      <a:fontRef idx="minor"/>
+    </dgm:style>
+  </dgm:styleLbl>
+  <dgm:styleLbl name="parChTrans1D3">
+    <dgm:scene3d>
+      <a:camera prst="orthographicFront"/>
+      <a:lightRig rig="threePt" dir="t"/>
+    </dgm:scene3d>
+    <dgm:sp3d/>
+    <dgm:txPr/>
+    <dgm:style>
+      <a:lnRef idx="2">
+        <a:scrgbClr r="0" g="0" b="0"/>
+      </a:lnRef>
+      <a:fillRef idx="0">
+        <a:scrgbClr r="0" g="0" b="0"/>
+      </a:fillRef>
+      <a:effectRef idx="0">
+        <a:scrgbClr r="0" g="0" b="0"/>
+      </a:effectRef>
+      <a:fontRef idx="minor"/>
+    </dgm:style>
+  </dgm:styleLbl>
+  <dgm:styleLbl name="parChTrans1D4">
+    <dgm:scene3d>
+      <a:camera prst="orthographicFront"/>
+      <a:lightRig rig="threePt" dir="t"/>
+    </dgm:scene3d>
+    <dgm:sp3d/>
+    <dgm:txPr/>
+    <dgm:style>
+      <a:lnRef idx="2">
+        <a:scrgbClr r="0" g="0" b="0"/>
+      </a:lnRef>
+      <a:fillRef idx="0">
+        <a:scrgbClr r="0" g="0" b="0"/>
+      </a:fillRef>
+      <a:effectRef idx="0">
+        <a:scrgbClr r="0" g="0" b="0"/>
+      </a:effectRef>
+      <a:fontRef idx="minor"/>
+    </dgm:style>
+  </dgm:styleLbl>
+  <dgm:styleLbl name="fgAcc1">
+    <dgm:scene3d>
+      <a:camera prst="orthographicFront"/>
+      <a:lightRig rig="threePt" dir="t"/>
+    </dgm:scene3d>
+    <dgm:sp3d/>
+    <dgm:txPr/>
+    <dgm:style>
+      <a:lnRef idx="2">
+        <a:scrgbClr r="0" g="0" b="0"/>
+      </a:lnRef>
+      <a:fillRef idx="1">
+        <a:scrgbClr r="0" g="0" b="0"/>
+      </a:fillRef>
+      <a:effectRef idx="0">
+        <a:scrgbClr r="0" g="0" b="0"/>
+      </a:effectRef>
+      <a:fontRef idx="minor"/>
+    </dgm:style>
+  </dgm:styleLbl>
+  <dgm:styleLbl name="conFgAcc1">
+    <dgm:scene3d>
+      <a:camera prst="orthographicFront"/>
+      <a:lightRig rig="threePt" dir="t"/>
+    </dgm:scene3d>
+    <dgm:sp3d/>
+    <dgm:txPr/>
+    <dgm:style>
+      <a:lnRef idx="2">
+        <a:scrgbClr r="0" g="0" b="0"/>
+      </a:lnRef>
+      <a:fillRef idx="1">
+        <a:scrgbClr r="0" g="0" b="0"/>
+      </a:fillRef>
+      <a:effectRef idx="0">
+        <a:scrgbClr r="0" g="0" b="0"/>
+      </a:effectRef>
+      <a:fontRef idx="minor"/>
+    </dgm:style>
+  </dgm:styleLbl>
+  <dgm:styleLbl name="alignAcc1">
+    <dgm:scene3d>
+      <a:camera prst="orthographicFront"/>
+      <a:lightRig rig="threePt" dir="t"/>
+    </dgm:scene3d>
+    <dgm:sp3d/>
+    <dgm:txPr/>
+    <dgm:style>
+      <a:lnRef idx="2">
+        <a:scrgbClr r="0" g="0" b="0"/>
+      </a:lnRef>
+      <a:fillRef idx="1">
+        <a:scrgbClr r="0" g="0" b="0"/>
+      </a:fillRef>
+      <a:effectRef idx="0">
+        <a:scrgbClr r="0" g="0" b="0"/>
+      </a:effectRef>
+      <a:fontRef idx="minor"/>
+    </dgm:style>
+  </dgm:styleLbl>
+  <dgm:styleLbl name="trAlignAcc1">
+    <dgm:scene3d>
+      <a:camera prst="orthographicFront"/>
+      <a:lightRig rig="threePt" dir="t"/>
+    </dgm:scene3d>
+    <dgm:sp3d/>
+    <dgm:txPr/>
+    <dgm:style>
+      <a:lnRef idx="1">
+        <a:scrgbClr r="0" g="0" b="0"/>
+      </a:lnRef>
+      <a:fillRef idx="1">
+        <a:scrgbClr r="0" g="0" b="0"/>
+      </a:fillRef>
+      <a:effectRef idx="0">
+        <a:scrgbClr r="0" g="0" b="0"/>
+      </a:effectRef>
+      <a:fontRef idx="minor"/>
+    </dgm:style>
+  </dgm:styleLbl>
+  <dgm:styleLbl name="bgAcc1">
+    <dgm:scene3d>
+      <a:camera prst="orthographicFront"/>
+      <a:lightRig rig="threePt" dir="t"/>
+    </dgm:scene3d>
+    <dgm:sp3d/>
+    <dgm:txPr/>
+    <dgm:style>
+      <a:lnRef idx="2">
+        <a:scrgbClr r="0" g="0" b="0"/>
+      </a:lnRef>
+      <a:fillRef idx="1">
+        <a:scrgbClr r="0" g="0" b="0"/>
+      </a:fillRef>
+      <a:effectRef idx="0">
+        <a:scrgbClr r="0" g="0" b="0"/>
+      </a:effectRef>
+      <a:fontRef idx="minor"/>
+    </dgm:style>
+  </dgm:styleLbl>
+  <dgm:styleLbl name="solidFgAcc1">
+    <dgm:scene3d>
+      <a:camera prst="orthographicFront"/>
+      <a:lightRig rig="threePt" dir="t"/>
+    </dgm:scene3d>
+    <dgm:sp3d/>
+    <dgm:txPr/>
+    <dgm:style>
+      <a:lnRef idx="2">
+        <a:scrgbClr r="0" g="0" b="0"/>
+      </a:lnRef>
+      <a:fillRef idx="1">
+        <a:scrgbClr r="0" g="0" b="0"/>
+      </a:fillRef>
+      <a:effectRef idx="0">
+        <a:scrgbClr r="0" g="0" b="0"/>
+      </a:effectRef>
+      <a:fontRef idx="minor"/>
+    </dgm:style>
+  </dgm:styleLbl>
+  <dgm:styleLbl name="solidAlignAcc1">
+    <dgm:scene3d>
+      <a:camera prst="orthographicFront"/>
+      <a:lightRig rig="threePt" dir="t"/>
+    </dgm:scene3d>
+    <dgm:sp3d/>
+    <dgm:txPr/>
+    <dgm:style>
+      <a:lnRef idx="2">
+        <a:scrgbClr r="0" g="0" b="0"/>
+      </a:lnRef>
+      <a:fillRef idx="1">
+        <a:scrgbClr r="0" g="0" b="0"/>
+      </a:fillRef>
+      <a:effectRef idx="0">
+        <a:scrgbClr r="0" g="0" b="0"/>
+      </a:effectRef>
+      <a:fontRef idx="minor"/>
+    </dgm:style>
+  </dgm:styleLbl>
+  <dgm:styleLbl name="solidBgAcc1">
+    <dgm:scene3d>
+      <a:camera prst="orthographicFront"/>
+      <a:lightRig rig="threePt" dir="t"/>
+    </dgm:scene3d>
+    <dgm:sp3d/>
+    <dgm:txPr/>
+    <dgm:style>
+      <a:lnRef idx="2">
+        <a:scrgbClr r="0" g="0" b="0"/>
+      </a:lnRef>
+      <a:fillRef idx="1">
+        <a:scrgbClr r="0" g="0" b="0"/>
+      </a:fillRef>
+      <a:effectRef idx="0">
+        <a:scrgbClr r="0" g="0" b="0"/>
+      </a:effectRef>
+      <a:fontRef idx="minor"/>
+    </dgm:style>
+  </dgm:styleLbl>
+  <dgm:styleLbl name="fgAccFollowNode1">
+    <dgm:scene3d>
+      <a:camera prst="orthographicFront"/>
+      <a:lightRig rig="threePt" dir="t"/>
+    </dgm:scene3d>
+    <dgm:sp3d/>
+    <dgm:txPr/>
+    <dgm:style>
+      <a:lnRef idx="2">
+        <a:scrgbClr r="0" g="0" b="0"/>
+      </a:lnRef>
+      <a:fillRef idx="1">
+        <a:scrgbClr r="0" g="0" b="0"/>
+      </a:fillRef>
+      <a:effectRef idx="0">
+        <a:scrgbClr r="0" g="0" b="0"/>
+      </a:effectRef>
+      <a:fontRef idx="minor"/>
+    </dgm:style>
+  </dgm:styleLbl>
+  <dgm:styleLbl name="alignAccFollowNode1">
+    <dgm:scene3d>
+      <a:camera prst="orthographicFront"/>
+      <a:lightRig rig="threePt" dir="t"/>
+    </dgm:scene3d>
+    <dgm:sp3d/>
+    <dgm:txPr/>
+    <dgm:style>
+      <a:lnRef idx="2">
+        <a:scrgbClr r="0" g="0" b="0"/>
+      </a:lnRef>
+      <a:fillRef idx="1">
+        <a:scrgbClr r="0" g="0" b="0"/>
+      </a:fillRef>
+      <a:effectRef idx="0">
+        <a:scrgbClr r="0" g="0" b="0"/>
+      </a:effectRef>
+      <a:fontRef idx="minor"/>
+    </dgm:style>
+  </dgm:styleLbl>
+  <dgm:styleLbl name="bgAccFollowNode1">
+    <dgm:scene3d>
+      <a:camera prst="orthographicFront"/>
+      <a:lightRig rig="threePt" dir="t"/>
+    </dgm:scene3d>
+    <dgm:sp3d/>
+    <dgm:txPr/>
+    <dgm:style>
+      <a:lnRef idx="2">
+        <a:scrgbClr r="0" g="0" b="0"/>
+      </a:lnRef>
+      <a:fillRef idx="1">
+        <a:scrgbClr r="0" g="0" b="0"/>
+      </a:fillRef>
+      <a:effectRef idx="0">
+        <a:scrgbClr r="0" g="0" b="0"/>
+      </a:effectRef>
+      <a:fontRef idx="minor"/>
+    </dgm:style>
+  </dgm:styleLbl>
+  <dgm:styleLbl name="fgAcc0">
+    <dgm:scene3d>
+      <a:camera prst="orthographicFront"/>
+      <a:lightRig rig="threePt" dir="t"/>
+    </dgm:scene3d>
+    <dgm:sp3d/>
+    <dgm:txPr/>
+    <dgm:style>
+      <a:lnRef idx="2">
+        <a:scrgbClr r="0" g="0" b="0"/>
+      </a:lnRef>
+      <a:fillRef idx="1">
+        <a:scrgbClr r="0" g="0" b="0"/>
+      </a:fillRef>
+      <a:effectRef idx="0">
+        <a:scrgbClr r="0" g="0" b="0"/>
+      </a:effectRef>
+      <a:fontRef idx="minor"/>
+    </dgm:style>
+  </dgm:styleLbl>
+  <dgm:styleLbl name="fgAcc2">
+    <dgm:scene3d>
+      <a:camera prst="orthographicFront"/>
+      <a:lightRig rig="threePt" dir="t"/>
+    </dgm:scene3d>
+    <dgm:sp3d/>
+    <dgm:txPr/>
+    <dgm:style>
+      <a:lnRef idx="2">
+        <a:scrgbClr r="0" g="0" b="0"/>
+      </a:lnRef>
+      <a:fillRef idx="1">
+        <a:scrgbClr r="0" g="0" b="0"/>
+      </a:fillRef>
+      <a:effectRef idx="0">
+        <a:scrgbClr r="0" g="0" b="0"/>
+      </a:effectRef>
+      <a:fontRef idx="minor"/>
+    </dgm:style>
+  </dgm:styleLbl>
+  <dgm:styleLbl name="fgAcc3">
+    <dgm:scene3d>
+      <a:camera prst="orthographicFront"/>
+      <a:lightRig rig="threePt" dir="t"/>
+    </dgm:scene3d>
+    <dgm:sp3d/>
+    <dgm:txPr/>
+    <dgm:style>
+      <a:lnRef idx="2">
+        <a:scrgbClr r="0" g="0" b="0"/>
+      </a:lnRef>
+      <a:fillRef idx="1">
+        <a:scrgbClr r="0" g="0" b="0"/>
+      </a:fillRef>
+      <a:effectRef idx="0">
+        <a:scrgbClr r="0" g="0" b="0"/>
+      </a:effectRef>
+      <a:fontRef idx="minor"/>
+    </dgm:style>
+  </dgm:styleLbl>
+  <dgm:styleLbl name="fgAcc4">
+    <dgm:scene3d>
+      <a:camera prst="orthographicFront"/>
+      <a:lightRig rig="threePt" dir="t"/>
+    </dgm:scene3d>
+    <dgm:sp3d/>
+    <dgm:txPr/>
+    <dgm:style>
+      <a:lnRef idx="2">
+        <a:scrgbClr r="0" g="0" b="0"/>
+      </a:lnRef>
+      <a:fillRef idx="1">
+        <a:scrgbClr r="0" g="0" b="0"/>
+      </a:fillRef>
+      <a:effectRef idx="0">
+        <a:scrgbClr r="0" g="0" b="0"/>
+      </a:effectRef>
+      <a:fontRef idx="minor"/>
+    </dgm:style>
+  </dgm:styleLbl>
+  <dgm:styleLbl name="bgShp">
+    <dgm:scene3d>
+      <a:camera prst="orthographicFront"/>
+      <a:lightRig rig="threePt" dir="t"/>
+    </dgm:scene3d>
+    <dgm:sp3d/>
+    <dgm:txPr/>
+    <dgm:style>
+      <a:lnRef idx="0">
+        <a:scrgbClr r="0" g="0" b="0"/>
+      </a:lnRef>
+      <a:fillRef idx="1">
+        <a:scrgbClr r="0" g="0" b="0"/>
+      </a:fillRef>
+      <a:effectRef idx="0">
+        <a:scrgbClr r="0" g="0" b="0"/>
+      </a:effectRef>
+      <a:fontRef idx="minor"/>
+    </dgm:style>
+  </dgm:styleLbl>
+  <dgm:styleLbl name="dkBgShp">
+    <dgm:scene3d>
+      <a:camera prst="orthographicFront"/>
+      <a:lightRig rig="threePt" dir="t"/>
+    </dgm:scene3d>
+    <dgm:sp3d/>
+    <dgm:txPr/>
+    <dgm:style>
+      <a:lnRef idx="0">
+        <a:scrgbClr r="0" g="0" b="0"/>
+      </a:lnRef>
+      <a:fillRef idx="1">
+        <a:scrgbClr r="0" g="0" b="0"/>
+      </a:fillRef>
+      <a:effectRef idx="0">
+        <a:scrgbClr r="0" g="0" b="0"/>
+      </a:effectRef>
+      <a:fontRef idx="minor"/>
+    </dgm:style>
+  </dgm:styleLbl>
+  <dgm:styleLbl name="trBgShp">
+    <dgm:scene3d>
+      <a:camera prst="orthographicFront"/>
+      <a:lightRig rig="threePt" dir="t"/>
+    </dgm:scene3d>
+    <dgm:sp3d/>
+    <dgm:txPr/>
+    <dgm:style>
+      <a:lnRef idx="0">
+        <a:scrgbClr r="0" g="0" b="0"/>
+      </a:lnRef>
+      <a:fillRef idx="1">
+        <a:scrgbClr r="0" g="0" b="0"/>
+      </a:fillRef>
+      <a:effectRef idx="0">
+        <a:scrgbClr r="0" g="0" b="0"/>
+      </a:effectRef>
+      <a:fontRef idx="minor"/>
+    </dgm:style>
+  </dgm:styleLbl>
+  <dgm:styleLbl name="fgShp">
+    <dgm:scene3d>
+      <a:camera prst="orthographicFront"/>
+      <a:lightRig rig="threePt" dir="t"/>
+    </dgm:scene3d>
+    <dgm:sp3d/>
+    <dgm:txPr/>
+    <dgm:style>
+      <a:lnRef idx="2">
+        <a:scrgbClr r="0" g="0" b="0"/>
+      </a:lnRef>
+      <a:fillRef idx="1">
+        <a:scrgbClr r="0" g="0" b="0"/>
+      </a:fillRef>
+      <a:effectRef idx="0">
+        <a:scrgbClr r="0" g="0" b="0"/>
+      </a:effectRef>
+      <a:fontRef idx="minor"/>
+    </dgm:style>
+  </dgm:styleLbl>
+  <dgm:styleLbl name="revTx">
+    <dgm:scene3d>
+      <a:camera prst="orthographicFront"/>
+      <a:lightRig rig="threePt" dir="t"/>
+    </dgm:scene3d>
+    <dgm:sp3d/>
+    <dgm:txPr/>
+    <dgm:style>
+      <a:lnRef idx="0">
+        <a:scrgbClr r="0" g="0" b="0"/>
+      </a:lnRef>
+      <a:fillRef idx="0">
+        <a:scrgbClr r="0" g="0" b="0"/>
+      </a:fillRef>
+      <a:effectRef idx="0">
+        <a:scrgbClr r="0" g="0" b="0"/>
+      </a:effectRef>
+      <a:fontRef idx="minor"/>
+    </dgm:style>
+  </dgm:styleLbl>
+</dgm:styleDef>
+</file>
+
+<file path=ppt/diagrams/quickStyle3.xml><?xml version="1.0" encoding="utf-8"?>
 <dgm:styleDef xmlns:dgm="http://schemas.openxmlformats.org/drawingml/2006/diagram" xmlns:a="http://schemas.openxmlformats.org/drawingml/2006/main" uniqueId="urn:microsoft.com/office/officeart/2005/8/quickstyle/simple1">
   <dgm:title val=""/>
   <dgm:desc val=""/>
@@ -14281,93 +17716,521 @@
           <a:chExt cx="0" cy="0"/>
         </a:xfrm>
       </p:grpSpPr>
-      <p:pic>
-        <p:nvPicPr>
-          <p:cNvPr id="2051" name="Picture 3"/>
-          <p:cNvPicPr>
-            <a:picLocks noChangeAspect="1" noChangeArrowheads="1"/>
-          </p:cNvPicPr>
+      <p:cxnSp>
+        <p:nvCxnSpPr>
+          <p:cNvPr id="5" name="Connecteur droit avec flèche 4"/>
+          <p:cNvCxnSpPr>
+            <a:stCxn id="13" idx="3"/>
+            <a:endCxn id="18" idx="1"/>
+          </p:cNvCxnSpPr>
           <p:nvPr/>
-        </p:nvPicPr>
-        <p:blipFill rotWithShape="1">
-          <a:blip r:embed="rId2" cstate="print">
-            <a:extLst>
-              <a:ext uri="{28A0092B-C50C-407E-A947-70E740481C1C}">
-                <a14:useLocalDpi xmlns:a14="http://schemas.microsoft.com/office/drawing/2010/main" val="0"/>
-              </a:ext>
-            </a:extLst>
-          </a:blip>
-          <a:srcRect l="51281" r="13060" b="33332"/>
-          <a:stretch/>
-        </p:blipFill>
-        <p:spPr bwMode="auto">
+        </p:nvCxnSpPr>
+        <p:spPr>
           <a:xfrm>
-            <a:off x="793040" y="5623995"/>
-            <a:ext cx="1998480" cy="1174491"/>
-          </a:xfrm>
-          <a:prstGeom prst="rect">
+            <a:off x="-1294740" y="1219984"/>
+            <a:ext cx="1939458" cy="0"/>
+          </a:xfrm>
+          <a:prstGeom prst="straightConnector1">
             <a:avLst/>
           </a:prstGeom>
-          <a:ln>
-            <a:noFill/>
+          <a:ln w="19050">
+            <a:tailEnd type="arrow"/>
           </a:ln>
-          <a:effectLst>
-            <a:outerShdw dist="35921" dir="2700000" algn="ctr" rotWithShape="0">
-              <a:schemeClr val="bg2"/>
-            </a:outerShdw>
-          </a:effectLst>
-          <a:scene3d>
-            <a:camera prst="isometricOffAxis1Right"/>
-            <a:lightRig rig="threePt" dir="t"/>
-          </a:scene3d>
-          <a:extLst>
-            <a:ext uri="{909E8E84-426E-40DD-AFC4-6F175D3DCCD1}">
-              <a14:hiddenFill xmlns:a14="http://schemas.microsoft.com/office/drawing/2010/main">
-                <a:solidFill>
-                  <a:schemeClr val="accent1"/>
-                </a:solidFill>
-              </a14:hiddenFill>
-            </a:ext>
-            <a:ext uri="{91240B29-F687-4F45-9708-019B960494DF}">
-              <a14:hiddenLine xmlns:a14="http://schemas.microsoft.com/office/drawing/2010/main" w="9525">
-                <a:solidFill>
-                  <a:schemeClr val="tx1"/>
-                </a:solidFill>
-                <a:miter lim="800000"/>
-                <a:headEnd/>
-                <a:tailEnd/>
-              </a14:hiddenLine>
-            </a:ext>
-          </a:extLst>
-        </p:spPr>
-      </p:pic>
+        </p:spPr>
+        <p:style>
+          <a:lnRef idx="1">
+            <a:schemeClr val="accent4"/>
+          </a:lnRef>
+          <a:fillRef idx="0">
+            <a:schemeClr val="accent4"/>
+          </a:fillRef>
+          <a:effectRef idx="0">
+            <a:schemeClr val="accent4"/>
+          </a:effectRef>
+          <a:fontRef idx="minor">
+            <a:schemeClr val="tx1"/>
+          </a:fontRef>
+        </p:style>
+      </p:cxnSp>
+      <p:cxnSp>
+        <p:nvCxnSpPr>
+          <p:cNvPr id="6" name="Connecteur droit avec flèche 5"/>
+          <p:cNvCxnSpPr>
+            <a:stCxn id="14" idx="3"/>
+            <a:endCxn id="19" idx="1"/>
+          </p:cNvCxnSpPr>
+          <p:nvPr/>
+        </p:nvCxnSpPr>
+        <p:spPr>
+          <a:xfrm>
+            <a:off x="-325011" y="2402856"/>
+            <a:ext cx="4108462" cy="0"/>
+          </a:xfrm>
+          <a:prstGeom prst="straightConnector1">
+            <a:avLst/>
+          </a:prstGeom>
+          <a:ln w="19050">
+            <a:tailEnd type="arrow"/>
+          </a:ln>
+        </p:spPr>
+        <p:style>
+          <a:lnRef idx="1">
+            <a:schemeClr val="accent4"/>
+          </a:lnRef>
+          <a:fillRef idx="0">
+            <a:schemeClr val="accent4"/>
+          </a:fillRef>
+          <a:effectRef idx="0">
+            <a:schemeClr val="accent4"/>
+          </a:effectRef>
+          <a:fontRef idx="minor">
+            <a:schemeClr val="tx1"/>
+          </a:fontRef>
+        </p:style>
+      </p:cxnSp>
+      <p:cxnSp>
+        <p:nvCxnSpPr>
+          <p:cNvPr id="7" name="Connecteur droit avec flèche 6"/>
+          <p:cNvCxnSpPr>
+            <a:stCxn id="17" idx="1"/>
+            <a:endCxn id="26" idx="3"/>
+          </p:cNvCxnSpPr>
+          <p:nvPr/>
+        </p:nvCxnSpPr>
+        <p:spPr>
+          <a:xfrm flipH="1">
+            <a:off x="8320869" y="1219984"/>
+            <a:ext cx="1867755" cy="0"/>
+          </a:xfrm>
+          <a:prstGeom prst="straightConnector1">
+            <a:avLst/>
+          </a:prstGeom>
+          <a:ln w="19050">
+            <a:tailEnd type="arrow"/>
+          </a:ln>
+        </p:spPr>
+        <p:style>
+          <a:lnRef idx="1">
+            <a:schemeClr val="accent4"/>
+          </a:lnRef>
+          <a:fillRef idx="0">
+            <a:schemeClr val="accent4"/>
+          </a:fillRef>
+          <a:effectRef idx="0">
+            <a:schemeClr val="accent4"/>
+          </a:effectRef>
+          <a:fontRef idx="minor">
+            <a:schemeClr val="tx1"/>
+          </a:fontRef>
+        </p:style>
+      </p:cxnSp>
+      <p:cxnSp>
+        <p:nvCxnSpPr>
+          <p:cNvPr id="8" name="Connecteur droit avec flèche 7"/>
+          <p:cNvCxnSpPr>
+            <a:stCxn id="16" idx="1"/>
+            <a:endCxn id="22" idx="3"/>
+          </p:cNvCxnSpPr>
+          <p:nvPr/>
+        </p:nvCxnSpPr>
+        <p:spPr>
+          <a:xfrm flipH="1">
+            <a:off x="6880869" y="3136239"/>
+            <a:ext cx="1543131" cy="0"/>
+          </a:xfrm>
+          <a:prstGeom prst="straightConnector1">
+            <a:avLst/>
+          </a:prstGeom>
+          <a:ln w="19050">
+            <a:tailEnd type="arrow"/>
+          </a:ln>
+        </p:spPr>
+        <p:style>
+          <a:lnRef idx="1">
+            <a:schemeClr val="accent4"/>
+          </a:lnRef>
+          <a:fillRef idx="0">
+            <a:schemeClr val="accent4"/>
+          </a:fillRef>
+          <a:effectRef idx="0">
+            <a:schemeClr val="accent4"/>
+          </a:effectRef>
+          <a:fontRef idx="minor">
+            <a:schemeClr val="tx1"/>
+          </a:fontRef>
+        </p:style>
+      </p:cxnSp>
+      <p:cxnSp>
+        <p:nvCxnSpPr>
+          <p:cNvPr id="9" name="Connecteur droit avec flèche 8"/>
+          <p:cNvCxnSpPr>
+            <a:endCxn id="21" idx="1"/>
+          </p:cNvCxnSpPr>
+          <p:nvPr/>
+        </p:nvCxnSpPr>
+        <p:spPr>
+          <a:xfrm>
+            <a:off x="269440" y="4130329"/>
+            <a:ext cx="3443237" cy="0"/>
+          </a:xfrm>
+          <a:prstGeom prst="straightConnector1">
+            <a:avLst/>
+          </a:prstGeom>
+          <a:ln w="19050">
+            <a:tailEnd type="arrow"/>
+          </a:ln>
+        </p:spPr>
+        <p:style>
+          <a:lnRef idx="1">
+            <a:schemeClr val="accent4"/>
+          </a:lnRef>
+          <a:fillRef idx="0">
+            <a:schemeClr val="accent4"/>
+          </a:fillRef>
+          <a:effectRef idx="0">
+            <a:schemeClr val="accent4"/>
+          </a:effectRef>
+          <a:fontRef idx="minor">
+            <a:schemeClr val="tx1"/>
+          </a:fontRef>
+        </p:style>
+      </p:cxnSp>
+      <p:cxnSp>
+        <p:nvCxnSpPr>
+          <p:cNvPr id="10" name="Connecteur droit avec flèche 9"/>
+          <p:cNvCxnSpPr>
+            <a:endCxn id="20" idx="1"/>
+          </p:cNvCxnSpPr>
+          <p:nvPr/>
+        </p:nvCxnSpPr>
+        <p:spPr>
+          <a:xfrm>
+            <a:off x="269440" y="3136239"/>
+            <a:ext cx="1715045" cy="0"/>
+          </a:xfrm>
+          <a:prstGeom prst="straightConnector1">
+            <a:avLst/>
+          </a:prstGeom>
+          <a:ln w="19050">
+            <a:tailEnd type="arrow"/>
+          </a:ln>
+        </p:spPr>
+        <p:style>
+          <a:lnRef idx="1">
+            <a:schemeClr val="accent4"/>
+          </a:lnRef>
+          <a:fillRef idx="0">
+            <a:schemeClr val="accent4"/>
+          </a:fillRef>
+          <a:effectRef idx="0">
+            <a:schemeClr val="accent4"/>
+          </a:effectRef>
+          <a:fontRef idx="minor">
+            <a:schemeClr val="tx1"/>
+          </a:fontRef>
+        </p:style>
+      </p:cxnSp>
       <p:sp>
         <p:nvSpPr>
-          <p:cNvPr id="4" name="Flèche droite 3"/>
+          <p:cNvPr id="11" name="Rectangle 10"/>
           <p:cNvSpPr/>
           <p:nvPr/>
         </p:nvSpPr>
         <p:spPr>
           <a:xfrm>
-            <a:off x="2771800" y="1772816"/>
-            <a:ext cx="3037584" cy="716632"/>
-          </a:xfrm>
-          <a:prstGeom prst="rightArrow">
+            <a:off x="-1695653" y="0"/>
+            <a:ext cx="1440000" cy="540000"/>
+          </a:xfrm>
+          <a:prstGeom prst="rect">
             <a:avLst/>
           </a:prstGeom>
-          <a:solidFill>
-            <a:schemeClr val="accent5">
-              <a:lumMod val="40000"/>
-              <a:lumOff val="60000"/>
-            </a:schemeClr>
-          </a:solidFill>
-          <a:ln w="28575">
-            <a:solidFill>
-              <a:schemeClr val="accent5">
-                <a:lumMod val="50000"/>
-              </a:schemeClr>
-            </a:solidFill>
-          </a:ln>
+        </p:spPr>
+        <p:style>
+          <a:lnRef idx="1">
+            <a:schemeClr val="accent6"/>
+          </a:lnRef>
+          <a:fillRef idx="2">
+            <a:schemeClr val="accent6"/>
+          </a:fillRef>
+          <a:effectRef idx="1">
+            <a:schemeClr val="accent6"/>
+          </a:effectRef>
+          <a:fontRef idx="minor">
+            <a:schemeClr val="dk1"/>
+          </a:fontRef>
+        </p:style>
+        <p:txBody>
+          <a:bodyPr rtlCol="0" anchor="ctr"/>
+          <a:lstStyle/>
+          <a:p>
+            <a:pPr algn="ctr"/>
+            <a:r>
+              <a:rPr lang="fr-FR" sz="1200" dirty="0"/>
+              <a:t>Besoin client</a:t>
+            </a:r>
+          </a:p>
+        </p:txBody>
+      </p:sp>
+      <p:sp>
+        <p:nvSpPr>
+          <p:cNvPr id="12" name="Rectangle 11"/>
+          <p:cNvSpPr/>
+          <p:nvPr/>
+        </p:nvSpPr>
+        <p:spPr>
+          <a:xfrm>
+            <a:off x="8977205" y="0"/>
+            <a:ext cx="1440000" cy="540000"/>
+          </a:xfrm>
+          <a:prstGeom prst="rect">
+            <a:avLst/>
+          </a:prstGeom>
+        </p:spPr>
+        <p:style>
+          <a:lnRef idx="1">
+            <a:schemeClr val="accent6"/>
+          </a:lnRef>
+          <a:fillRef idx="2">
+            <a:schemeClr val="accent6"/>
+          </a:fillRef>
+          <a:effectRef idx="1">
+            <a:schemeClr val="accent6"/>
+          </a:effectRef>
+          <a:fontRef idx="minor">
+            <a:schemeClr val="dk1"/>
+          </a:fontRef>
+        </p:style>
+        <p:txBody>
+          <a:bodyPr rtlCol="0" anchor="ctr"/>
+          <a:lstStyle/>
+          <a:p>
+            <a:pPr algn="ctr"/>
+            <a:r>
+              <a:rPr lang="fr-FR" sz="1200" dirty="0"/>
+              <a:t>Système livré</a:t>
+            </a:r>
+          </a:p>
+        </p:txBody>
+      </p:sp>
+      <p:sp>
+        <p:nvSpPr>
+          <p:cNvPr id="13" name="Rectangle 12"/>
+          <p:cNvSpPr/>
+          <p:nvPr/>
+        </p:nvSpPr>
+        <p:spPr>
+          <a:xfrm>
+            <a:off x="-2734740" y="949984"/>
+            <a:ext cx="1440000" cy="540000"/>
+          </a:xfrm>
+          <a:prstGeom prst="rect">
+            <a:avLst/>
+          </a:prstGeom>
+        </p:spPr>
+        <p:style>
+          <a:lnRef idx="1">
+            <a:schemeClr val="accent3"/>
+          </a:lnRef>
+          <a:fillRef idx="2">
+            <a:schemeClr val="accent3"/>
+          </a:fillRef>
+          <a:effectRef idx="1">
+            <a:schemeClr val="accent3"/>
+          </a:effectRef>
+          <a:fontRef idx="minor">
+            <a:schemeClr val="dk1"/>
+          </a:fontRef>
+        </p:style>
+        <p:txBody>
+          <a:bodyPr rtlCol="0" anchor="ctr"/>
+          <a:lstStyle/>
+          <a:p>
+            <a:pPr algn="ctr"/>
+            <a:r>
+              <a:rPr lang="fr-FR" sz="1200" dirty="0"/>
+              <a:t>Spécifications / Cahier des charges</a:t>
+            </a:r>
+          </a:p>
+        </p:txBody>
+      </p:sp>
+      <p:sp>
+        <p:nvSpPr>
+          <p:cNvPr id="14" name="Rectangle 13"/>
+          <p:cNvSpPr/>
+          <p:nvPr/>
+        </p:nvSpPr>
+        <p:spPr>
+          <a:xfrm>
+            <a:off x="-1765011" y="2132856"/>
+            <a:ext cx="1440000" cy="540000"/>
+          </a:xfrm>
+          <a:prstGeom prst="rect">
+            <a:avLst/>
+          </a:prstGeom>
+        </p:spPr>
+        <p:style>
+          <a:lnRef idx="1">
+            <a:schemeClr val="accent3"/>
+          </a:lnRef>
+          <a:fillRef idx="2">
+            <a:schemeClr val="accent3"/>
+          </a:fillRef>
+          <a:effectRef idx="1">
+            <a:schemeClr val="accent3"/>
+          </a:effectRef>
+          <a:fontRef idx="minor">
+            <a:schemeClr val="dk1"/>
+          </a:fontRef>
+        </p:style>
+        <p:txBody>
+          <a:bodyPr rtlCol="0" anchor="ctr"/>
+          <a:lstStyle/>
+          <a:p>
+            <a:pPr algn="ctr"/>
+            <a:r>
+              <a:rPr lang="fr-FR" sz="1200" dirty="0"/>
+              <a:t>Choix de l’architecture globale du système</a:t>
+            </a:r>
+          </a:p>
+        </p:txBody>
+      </p:sp>
+      <p:sp>
+        <p:nvSpPr>
+          <p:cNvPr id="15" name="Rectangle 14"/>
+          <p:cNvSpPr/>
+          <p:nvPr/>
+        </p:nvSpPr>
+        <p:spPr>
+          <a:xfrm>
+            <a:off x="-468560" y="3368035"/>
+            <a:ext cx="1476000" cy="540000"/>
+          </a:xfrm>
+          <a:prstGeom prst="rect">
+            <a:avLst/>
+          </a:prstGeom>
+        </p:spPr>
+        <p:style>
+          <a:lnRef idx="1">
+            <a:schemeClr val="accent3"/>
+          </a:lnRef>
+          <a:fillRef idx="2">
+            <a:schemeClr val="accent3"/>
+          </a:fillRef>
+          <a:effectRef idx="1">
+            <a:schemeClr val="accent3"/>
+          </a:effectRef>
+          <a:fontRef idx="minor">
+            <a:schemeClr val="dk1"/>
+          </a:fontRef>
+        </p:style>
+        <p:txBody>
+          <a:bodyPr rtlCol="0" anchor="ctr"/>
+          <a:lstStyle/>
+          <a:p>
+            <a:pPr algn="ctr"/>
+            <a:r>
+              <a:rPr lang="fr-FR" sz="1200" dirty="0"/>
+              <a:t>Choix de l’architecture détaillée du système</a:t>
+            </a:r>
+          </a:p>
+        </p:txBody>
+      </p:sp>
+      <p:sp>
+        <p:nvSpPr>
+          <p:cNvPr id="16" name="Rectangle 15"/>
+          <p:cNvSpPr/>
+          <p:nvPr/>
+        </p:nvSpPr>
+        <p:spPr>
+          <a:xfrm>
+            <a:off x="8424000" y="2866239"/>
+            <a:ext cx="1440000" cy="540000"/>
+          </a:xfrm>
+          <a:prstGeom prst="rect">
+            <a:avLst/>
+          </a:prstGeom>
+        </p:spPr>
+        <p:style>
+          <a:lnRef idx="1">
+            <a:schemeClr val="accent3"/>
+          </a:lnRef>
+          <a:fillRef idx="2">
+            <a:schemeClr val="accent3"/>
+          </a:fillRef>
+          <a:effectRef idx="1">
+            <a:schemeClr val="accent3"/>
+          </a:effectRef>
+          <a:fontRef idx="minor">
+            <a:schemeClr val="dk1"/>
+          </a:fontRef>
+        </p:style>
+        <p:txBody>
+          <a:bodyPr rtlCol="0" anchor="ctr"/>
+          <a:lstStyle/>
+          <a:p>
+            <a:pPr algn="ctr"/>
+            <a:r>
+              <a:rPr lang="fr-FR" sz="1200" dirty="0"/>
+              <a:t>Sous-systèmes réalisés</a:t>
+            </a:r>
+          </a:p>
+        </p:txBody>
+      </p:sp>
+      <p:sp>
+        <p:nvSpPr>
+          <p:cNvPr id="17" name="Rectangle 16"/>
+          <p:cNvSpPr/>
+          <p:nvPr/>
+        </p:nvSpPr>
+        <p:spPr>
+          <a:xfrm>
+            <a:off x="10188624" y="949984"/>
+            <a:ext cx="1440000" cy="540000"/>
+          </a:xfrm>
+          <a:prstGeom prst="rect">
+            <a:avLst/>
+          </a:prstGeom>
+        </p:spPr>
+        <p:style>
+          <a:lnRef idx="1">
+            <a:schemeClr val="accent3"/>
+          </a:lnRef>
+          <a:fillRef idx="2">
+            <a:schemeClr val="accent3"/>
+          </a:fillRef>
+          <a:effectRef idx="1">
+            <a:schemeClr val="accent3"/>
+          </a:effectRef>
+          <a:fontRef idx="minor">
+            <a:schemeClr val="dk1"/>
+          </a:fontRef>
+        </p:style>
+        <p:txBody>
+          <a:bodyPr rtlCol="0" anchor="ctr"/>
+          <a:lstStyle/>
+          <a:p>
+            <a:pPr algn="ctr"/>
+            <a:r>
+              <a:rPr lang="fr-FR" sz="1200" dirty="0"/>
+              <a:t>Système réalisé</a:t>
+            </a:r>
+          </a:p>
+        </p:txBody>
+      </p:sp>
+      <p:sp>
+        <p:nvSpPr>
+          <p:cNvPr id="18" name="Rectangle 17"/>
+          <p:cNvSpPr/>
+          <p:nvPr/>
+        </p:nvSpPr>
+        <p:spPr>
+          <a:xfrm>
+            <a:off x="644718" y="949984"/>
+            <a:ext cx="1440000" cy="540000"/>
+          </a:xfrm>
+          <a:prstGeom prst="rect">
+            <a:avLst/>
+          </a:prstGeom>
         </p:spPr>
         <p:style>
           <a:lnRef idx="1">
@@ -14389,43 +18252,26 @@
           <a:p>
             <a:pPr algn="ctr"/>
             <a:r>
-              <a:rPr lang="fr-FR" dirty="0">
-                <a:solidFill>
-                  <a:prstClr val="black"/>
-                </a:solidFill>
-              </a:rPr>
-              <a:t>Domaine du client</a:t>
+              <a:rPr lang="fr-FR" sz="1200" dirty="0"/>
+              <a:t>Performances attendues du système</a:t>
             </a:r>
           </a:p>
         </p:txBody>
       </p:sp>
       <p:sp>
         <p:nvSpPr>
-          <p:cNvPr id="13" name="Flèche droite 12"/>
+          <p:cNvPr id="19" name="Rectangle 18"/>
           <p:cNvSpPr/>
           <p:nvPr/>
         </p:nvSpPr>
         <p:spPr>
           <a:xfrm>
-            <a:off x="2771800" y="3780534"/>
-            <a:ext cx="3037584" cy="716632"/>
-          </a:xfrm>
-          <a:prstGeom prst="rightArrow">
+            <a:off x="3783451" y="2132856"/>
+            <a:ext cx="1440000" cy="540000"/>
+          </a:xfrm>
+          <a:prstGeom prst="rect">
             <a:avLst/>
           </a:prstGeom>
-          <a:solidFill>
-            <a:schemeClr val="accent5">
-              <a:lumMod val="40000"/>
-              <a:lumOff val="60000"/>
-            </a:schemeClr>
-          </a:solidFill>
-          <a:ln w="28575">
-            <a:solidFill>
-              <a:schemeClr val="accent5">
-                <a:lumMod val="50000"/>
-              </a:schemeClr>
-            </a:solidFill>
-          </a:ln>
         </p:spPr>
         <p:style>
           <a:lnRef idx="1">
@@ -14447,43 +18293,26 @@
           <a:p>
             <a:pPr algn="ctr"/>
             <a:r>
-              <a:rPr lang="fr-FR" dirty="0">
-                <a:solidFill>
-                  <a:prstClr val="black"/>
-                </a:solidFill>
-              </a:rPr>
-              <a:t>Domaine du laboratoire</a:t>
+              <a:rPr lang="fr-FR" sz="1200" dirty="0"/>
+              <a:t>Performances simulées du système</a:t>
             </a:r>
           </a:p>
         </p:txBody>
       </p:sp>
       <p:sp>
         <p:nvSpPr>
-          <p:cNvPr id="14" name="Flèche droite 13"/>
+          <p:cNvPr id="20" name="Rectangle 19"/>
           <p:cNvSpPr/>
           <p:nvPr/>
         </p:nvSpPr>
         <p:spPr>
           <a:xfrm>
-            <a:off x="2771800" y="5694943"/>
-            <a:ext cx="3037584" cy="716632"/>
-          </a:xfrm>
-          <a:prstGeom prst="rightArrow">
+            <a:off x="1984485" y="2866239"/>
+            <a:ext cx="1440000" cy="540000"/>
+          </a:xfrm>
+          <a:prstGeom prst="rect">
             <a:avLst/>
           </a:prstGeom>
-          <a:solidFill>
-            <a:schemeClr val="accent5">
-              <a:lumMod val="40000"/>
-              <a:lumOff val="60000"/>
-            </a:schemeClr>
-          </a:solidFill>
-          <a:ln w="28575">
-            <a:solidFill>
-              <a:schemeClr val="accent5">
-                <a:lumMod val="50000"/>
-              </a:schemeClr>
-            </a:solidFill>
-          </a:ln>
         </p:spPr>
         <p:style>
           <a:lnRef idx="1">
@@ -14505,152 +18334,699 @@
           <a:p>
             <a:pPr algn="ctr"/>
             <a:r>
-              <a:rPr lang="fr-FR" dirty="0">
-                <a:solidFill>
-                  <a:prstClr val="black"/>
-                </a:solidFill>
-              </a:rPr>
-              <a:t>Domaine de la simulation</a:t>
+              <a:rPr lang="fr-FR" sz="1200" dirty="0"/>
+              <a:t>Performances attendues des sous-systèmes</a:t>
             </a:r>
           </a:p>
         </p:txBody>
       </p:sp>
       <p:sp>
         <p:nvSpPr>
-          <p:cNvPr id="17" name="ZoneTexte 16"/>
-          <p:cNvSpPr txBox="1"/>
-          <p:nvPr/>
-        </p:nvSpPr>
-        <p:spPr>
-          <a:xfrm>
-            <a:off x="6054788" y="1807966"/>
-            <a:ext cx="1469540" cy="646331"/>
-          </a:xfrm>
-          <a:prstGeom prst="rect">
-            <a:avLst/>
-          </a:prstGeom>
-          <a:noFill/>
-        </p:spPr>
-        <p:txBody>
-          <a:bodyPr wrap="square" rtlCol="0">
-            <a:spAutoFit/>
-          </a:bodyPr>
-          <a:lstStyle/>
-          <a:p>
-            <a:pPr algn="ctr"/>
-            <a:r>
-              <a:rPr lang="fr-FR" dirty="0">
-                <a:solidFill>
-                  <a:prstClr val="black"/>
-                </a:solidFill>
-              </a:rPr>
-              <a:t>Performances</a:t>
-            </a:r>
-          </a:p>
-          <a:p>
-            <a:pPr algn="ctr"/>
-            <a:r>
-              <a:rPr lang="fr-FR" dirty="0">
-                <a:solidFill>
-                  <a:prstClr val="black"/>
-                </a:solidFill>
-              </a:rPr>
-              <a:t>attendues</a:t>
-            </a:r>
-          </a:p>
-        </p:txBody>
-      </p:sp>
-      <p:sp>
-        <p:nvSpPr>
-          <p:cNvPr id="18" name="ZoneTexte 17"/>
-          <p:cNvSpPr txBox="1"/>
-          <p:nvPr/>
-        </p:nvSpPr>
-        <p:spPr>
-          <a:xfrm>
-            <a:off x="6054788" y="3815684"/>
-            <a:ext cx="1469540" cy="646331"/>
-          </a:xfrm>
-          <a:prstGeom prst="rect">
-            <a:avLst/>
-          </a:prstGeom>
-          <a:noFill/>
-        </p:spPr>
-        <p:txBody>
-          <a:bodyPr wrap="square" rtlCol="0">
-            <a:spAutoFit/>
-          </a:bodyPr>
-          <a:lstStyle/>
-          <a:p>
-            <a:pPr algn="ctr"/>
-            <a:r>
-              <a:rPr lang="fr-FR" dirty="0">
-                <a:solidFill>
-                  <a:prstClr val="black"/>
-                </a:solidFill>
-              </a:rPr>
-              <a:t>Performances mesurées</a:t>
-            </a:r>
-          </a:p>
-        </p:txBody>
-      </p:sp>
-      <p:sp>
-        <p:nvSpPr>
-          <p:cNvPr id="19" name="ZoneTexte 18"/>
-          <p:cNvSpPr txBox="1"/>
-          <p:nvPr/>
-        </p:nvSpPr>
-        <p:spPr>
-          <a:xfrm>
-            <a:off x="6054788" y="5730093"/>
-            <a:ext cx="1469540" cy="646331"/>
-          </a:xfrm>
-          <a:prstGeom prst="rect">
-            <a:avLst/>
-          </a:prstGeom>
-          <a:noFill/>
-        </p:spPr>
-        <p:txBody>
-          <a:bodyPr wrap="square" rtlCol="0">
-            <a:spAutoFit/>
-          </a:bodyPr>
-          <a:lstStyle/>
-          <a:p>
-            <a:pPr algn="ctr"/>
-            <a:r>
-              <a:rPr lang="fr-FR" dirty="0">
-                <a:solidFill>
-                  <a:prstClr val="black"/>
-                </a:solidFill>
-              </a:rPr>
-              <a:t>Performance simulées</a:t>
-            </a:r>
-          </a:p>
-        </p:txBody>
-      </p:sp>
-      <p:sp>
-        <p:nvSpPr>
-          <p:cNvPr id="21" name="Double flèche verticale 20"/>
+          <p:cNvPr id="21" name="Rectangle 20"/>
           <p:cNvSpPr/>
           <p:nvPr/>
         </p:nvSpPr>
         <p:spPr>
           <a:xfrm>
-            <a:off x="6537530" y="4564789"/>
-            <a:ext cx="504056" cy="1106764"/>
-          </a:xfrm>
-          <a:prstGeom prst="upDownArrow">
+            <a:off x="3712677" y="3860329"/>
+            <a:ext cx="1440000" cy="540000"/>
+          </a:xfrm>
+          <a:prstGeom prst="rect">
+            <a:avLst/>
+          </a:prstGeom>
+        </p:spPr>
+        <p:style>
+          <a:lnRef idx="1">
+            <a:schemeClr val="accent5"/>
+          </a:lnRef>
+          <a:fillRef idx="2">
+            <a:schemeClr val="accent5"/>
+          </a:fillRef>
+          <a:effectRef idx="1">
+            <a:schemeClr val="accent5"/>
+          </a:effectRef>
+          <a:fontRef idx="minor">
+            <a:schemeClr val="dk1"/>
+          </a:fontRef>
+        </p:style>
+        <p:txBody>
+          <a:bodyPr rtlCol="0" anchor="ctr"/>
+          <a:lstStyle/>
+          <a:p>
+            <a:pPr algn="ctr"/>
+            <a:r>
+              <a:rPr lang="fr-FR" sz="1200" dirty="0"/>
+              <a:t>Performances mesurées des sous-systèmes</a:t>
+            </a:r>
+          </a:p>
+        </p:txBody>
+      </p:sp>
+      <p:sp>
+        <p:nvSpPr>
+          <p:cNvPr id="22" name="Rectangle 21"/>
+          <p:cNvSpPr/>
+          <p:nvPr/>
+        </p:nvSpPr>
+        <p:spPr>
+          <a:xfrm>
+            <a:off x="5440869" y="2866239"/>
+            <a:ext cx="1440000" cy="540000"/>
+          </a:xfrm>
+          <a:prstGeom prst="rect">
+            <a:avLst/>
+          </a:prstGeom>
+        </p:spPr>
+        <p:style>
+          <a:lnRef idx="1">
+            <a:schemeClr val="accent5"/>
+          </a:lnRef>
+          <a:fillRef idx="2">
+            <a:schemeClr val="accent5"/>
+          </a:fillRef>
+          <a:effectRef idx="1">
+            <a:schemeClr val="accent5"/>
+          </a:effectRef>
+          <a:fontRef idx="minor">
+            <a:schemeClr val="dk1"/>
+          </a:fontRef>
+        </p:style>
+        <p:txBody>
+          <a:bodyPr rtlCol="0" anchor="ctr"/>
+          <a:lstStyle/>
+          <a:p>
+            <a:pPr algn="ctr"/>
+            <a:r>
+              <a:rPr lang="fr-FR" sz="1200" dirty="0"/>
+              <a:t>Performances simulées des sous-systèmes</a:t>
+            </a:r>
+          </a:p>
+        </p:txBody>
+      </p:sp>
+      <p:sp>
+        <p:nvSpPr>
+          <p:cNvPr id="23" name="Flèche droite 22"/>
+          <p:cNvSpPr/>
+          <p:nvPr/>
+        </p:nvSpPr>
+        <p:spPr>
+          <a:xfrm rot="2700000">
+            <a:off x="-1915151" y="2442430"/>
+            <a:ext cx="5796062" cy="864096"/>
+          </a:xfrm>
+          <a:prstGeom prst="rightArrow">
+            <a:avLst/>
+          </a:prstGeom>
+        </p:spPr>
+        <p:style>
+          <a:lnRef idx="1">
+            <a:schemeClr val="accent3"/>
+          </a:lnRef>
+          <a:fillRef idx="2">
+            <a:schemeClr val="accent3"/>
+          </a:fillRef>
+          <a:effectRef idx="1">
+            <a:schemeClr val="accent3"/>
+          </a:effectRef>
+          <a:fontRef idx="minor">
+            <a:schemeClr val="dk1"/>
+          </a:fontRef>
+        </p:style>
+        <p:txBody>
+          <a:bodyPr rtlCol="0" anchor="ctr"/>
+          <a:lstStyle/>
+          <a:p>
+            <a:pPr algn="ctr"/>
+            <a:r>
+              <a:rPr lang="fr-FR" sz="1400" b="1" i="1" dirty="0"/>
+              <a:t>Conception</a:t>
+            </a:r>
+          </a:p>
+        </p:txBody>
+      </p:sp>
+      <p:sp>
+        <p:nvSpPr>
+          <p:cNvPr id="25" name="Flèche droite 24"/>
+          <p:cNvSpPr/>
+          <p:nvPr/>
+        </p:nvSpPr>
+        <p:spPr>
+          <a:xfrm rot="18900000">
+            <a:off x="5164505" y="2350430"/>
+            <a:ext cx="5796000" cy="864096"/>
+          </a:xfrm>
+          <a:prstGeom prst="rightArrow">
+            <a:avLst/>
+          </a:prstGeom>
+        </p:spPr>
+        <p:style>
+          <a:lnRef idx="1">
+            <a:schemeClr val="accent3"/>
+          </a:lnRef>
+          <a:fillRef idx="2">
+            <a:schemeClr val="accent3"/>
+          </a:fillRef>
+          <a:effectRef idx="1">
+            <a:schemeClr val="accent3"/>
+          </a:effectRef>
+          <a:fontRef idx="minor">
+            <a:schemeClr val="dk1"/>
+          </a:fontRef>
+        </p:style>
+        <p:txBody>
+          <a:bodyPr rtlCol="0" anchor="ctr"/>
+          <a:lstStyle/>
+          <a:p>
+            <a:pPr algn="ctr"/>
+            <a:r>
+              <a:rPr lang="fr-FR" sz="1400" b="1" i="1" dirty="0"/>
+              <a:t>Intégration</a:t>
+            </a:r>
+          </a:p>
+        </p:txBody>
+      </p:sp>
+      <p:sp>
+        <p:nvSpPr>
+          <p:cNvPr id="26" name="Rectangle 25"/>
+          <p:cNvSpPr/>
+          <p:nvPr/>
+        </p:nvSpPr>
+        <p:spPr>
+          <a:xfrm>
+            <a:off x="6880869" y="949984"/>
+            <a:ext cx="1440000" cy="540000"/>
+          </a:xfrm>
+          <a:prstGeom prst="rect">
+            <a:avLst/>
+          </a:prstGeom>
+        </p:spPr>
+        <p:style>
+          <a:lnRef idx="1">
+            <a:schemeClr val="accent5"/>
+          </a:lnRef>
+          <a:fillRef idx="2">
+            <a:schemeClr val="accent5"/>
+          </a:fillRef>
+          <a:effectRef idx="1">
+            <a:schemeClr val="accent5"/>
+          </a:effectRef>
+          <a:fontRef idx="minor">
+            <a:schemeClr val="dk1"/>
+          </a:fontRef>
+        </p:style>
+        <p:txBody>
+          <a:bodyPr rtlCol="0" anchor="ctr"/>
+          <a:lstStyle/>
+          <a:p>
+            <a:pPr algn="ctr"/>
+            <a:r>
+              <a:rPr lang="fr-FR" sz="1200" dirty="0"/>
+              <a:t>Performances mesurées du système</a:t>
+            </a:r>
+          </a:p>
+        </p:txBody>
+      </p:sp>
+      <p:cxnSp>
+        <p:nvCxnSpPr>
+          <p:cNvPr id="27" name="Connecteur droit avec flèche 26"/>
+          <p:cNvCxnSpPr>
+            <a:stCxn id="11" idx="3"/>
+            <a:endCxn id="12" idx="1"/>
+          </p:cNvCxnSpPr>
+          <p:nvPr/>
+        </p:nvCxnSpPr>
+        <p:spPr>
+          <a:xfrm>
+            <a:off x="-255653" y="270000"/>
+            <a:ext cx="9232858" cy="0"/>
+          </a:xfrm>
+          <a:prstGeom prst="straightConnector1">
+            <a:avLst/>
+          </a:prstGeom>
+          <a:ln w="47625" cmpd="sng">
+            <a:headEnd type="stealth" w="med" len="lg"/>
+            <a:tailEnd type="stealth" w="med" len="lg"/>
+          </a:ln>
+        </p:spPr>
+        <p:style>
+          <a:lnRef idx="1">
+            <a:schemeClr val="accent6"/>
+          </a:lnRef>
+          <a:fillRef idx="0">
+            <a:schemeClr val="accent6"/>
+          </a:fillRef>
+          <a:effectRef idx="0">
+            <a:schemeClr val="accent6"/>
+          </a:effectRef>
+          <a:fontRef idx="minor">
+            <a:schemeClr val="tx1"/>
+          </a:fontRef>
+        </p:style>
+      </p:cxnSp>
+      <p:cxnSp>
+        <p:nvCxnSpPr>
+          <p:cNvPr id="28" name="Connecteur droit avec flèche 27"/>
+          <p:cNvCxnSpPr>
+            <a:stCxn id="18" idx="3"/>
+            <a:endCxn id="26" idx="1"/>
+          </p:cNvCxnSpPr>
+          <p:nvPr/>
+        </p:nvCxnSpPr>
+        <p:spPr>
+          <a:xfrm>
+            <a:off x="2084718" y="1219984"/>
+            <a:ext cx="4796151" cy="0"/>
+          </a:xfrm>
+          <a:prstGeom prst="straightConnector1">
+            <a:avLst/>
+          </a:prstGeom>
+          <a:ln w="28575">
+            <a:headEnd type="stealth" w="med" len="lg"/>
+            <a:tailEnd type="stealth" w="med" len="lg"/>
+          </a:ln>
+        </p:spPr>
+        <p:style>
+          <a:lnRef idx="1">
+            <a:schemeClr val="accent5"/>
+          </a:lnRef>
+          <a:fillRef idx="0">
+            <a:schemeClr val="accent5"/>
+          </a:fillRef>
+          <a:effectRef idx="0">
+            <a:schemeClr val="accent5"/>
+          </a:effectRef>
+          <a:fontRef idx="minor">
+            <a:schemeClr val="tx1"/>
+          </a:fontRef>
+        </p:style>
+      </p:cxnSp>
+      <p:cxnSp>
+        <p:nvCxnSpPr>
+          <p:cNvPr id="29" name="Connecteur droit avec flèche 28"/>
+          <p:cNvCxnSpPr/>
+          <p:nvPr/>
+        </p:nvCxnSpPr>
+        <p:spPr>
+          <a:xfrm>
+            <a:off x="2084718" y="1489984"/>
+            <a:ext cx="1698733" cy="642872"/>
+          </a:xfrm>
+          <a:prstGeom prst="straightConnector1">
+            <a:avLst/>
+          </a:prstGeom>
+          <a:ln w="28575">
+            <a:headEnd type="stealth" w="med" len="lg"/>
+            <a:tailEnd type="stealth" w="med" len="lg"/>
+          </a:ln>
+        </p:spPr>
+        <p:style>
+          <a:lnRef idx="1">
+            <a:schemeClr val="accent5"/>
+          </a:lnRef>
+          <a:fillRef idx="0">
+            <a:schemeClr val="accent5"/>
+          </a:fillRef>
+          <a:effectRef idx="0">
+            <a:schemeClr val="accent5"/>
+          </a:effectRef>
+          <a:fontRef idx="minor">
+            <a:schemeClr val="tx1"/>
+          </a:fontRef>
+        </p:style>
+      </p:cxnSp>
+      <p:cxnSp>
+        <p:nvCxnSpPr>
+          <p:cNvPr id="30" name="Connecteur droit avec flèche 29"/>
+          <p:cNvCxnSpPr/>
+          <p:nvPr/>
+        </p:nvCxnSpPr>
+        <p:spPr>
+          <a:xfrm flipV="1">
+            <a:off x="5223451" y="1489984"/>
+            <a:ext cx="1657418" cy="642872"/>
+          </a:xfrm>
+          <a:prstGeom prst="straightConnector1">
+            <a:avLst/>
+          </a:prstGeom>
+          <a:ln w="28575">
+            <a:headEnd type="stealth" w="med" len="lg"/>
+            <a:tailEnd type="stealth" w="med" len="lg"/>
+          </a:ln>
+        </p:spPr>
+        <p:style>
+          <a:lnRef idx="1">
+            <a:schemeClr val="accent5"/>
+          </a:lnRef>
+          <a:fillRef idx="0">
+            <a:schemeClr val="accent5"/>
+          </a:fillRef>
+          <a:effectRef idx="0">
+            <a:schemeClr val="accent5"/>
+          </a:effectRef>
+          <a:fontRef idx="minor">
+            <a:schemeClr val="tx1"/>
+          </a:fontRef>
+        </p:style>
+      </p:cxnSp>
+      <p:cxnSp>
+        <p:nvCxnSpPr>
+          <p:cNvPr id="31" name="Connecteur droit avec flèche 30"/>
+          <p:cNvCxnSpPr/>
+          <p:nvPr/>
+        </p:nvCxnSpPr>
+        <p:spPr>
+          <a:xfrm flipV="1">
+            <a:off x="5152677" y="3406239"/>
+            <a:ext cx="288192" cy="454090"/>
+          </a:xfrm>
+          <a:prstGeom prst="straightConnector1">
+            <a:avLst/>
+          </a:prstGeom>
+          <a:ln w="28575">
+            <a:headEnd type="stealth" w="med" len="lg"/>
+            <a:tailEnd type="stealth" w="med" len="lg"/>
+          </a:ln>
+        </p:spPr>
+        <p:style>
+          <a:lnRef idx="1">
+            <a:schemeClr val="accent5"/>
+          </a:lnRef>
+          <a:fillRef idx="0">
+            <a:schemeClr val="accent5"/>
+          </a:fillRef>
+          <a:effectRef idx="0">
+            <a:schemeClr val="accent5"/>
+          </a:effectRef>
+          <a:fontRef idx="minor">
+            <a:schemeClr val="tx1"/>
+          </a:fontRef>
+        </p:style>
+      </p:cxnSp>
+      <p:cxnSp>
+        <p:nvCxnSpPr>
+          <p:cNvPr id="32" name="Connecteur droit avec flèche 31"/>
+          <p:cNvCxnSpPr/>
+          <p:nvPr/>
+        </p:nvCxnSpPr>
+        <p:spPr>
+          <a:xfrm flipH="1" flipV="1">
+            <a:off x="3424485" y="3406241"/>
+            <a:ext cx="288192" cy="454088"/>
+          </a:xfrm>
+          <a:prstGeom prst="straightConnector1">
+            <a:avLst/>
+          </a:prstGeom>
+          <a:ln w="28575">
+            <a:headEnd type="stealth" w="med" len="lg"/>
+            <a:tailEnd type="stealth" w="med" len="lg"/>
+          </a:ln>
+        </p:spPr>
+        <p:style>
+          <a:lnRef idx="1">
+            <a:schemeClr val="accent5"/>
+          </a:lnRef>
+          <a:fillRef idx="0">
+            <a:schemeClr val="accent5"/>
+          </a:fillRef>
+          <a:effectRef idx="0">
+            <a:schemeClr val="accent5"/>
+          </a:effectRef>
+          <a:fontRef idx="minor">
+            <a:schemeClr val="tx1"/>
+          </a:fontRef>
+        </p:style>
+      </p:cxnSp>
+      <p:cxnSp>
+        <p:nvCxnSpPr>
+          <p:cNvPr id="33" name="Connecteur droit avec flèche 32"/>
+          <p:cNvCxnSpPr>
+            <a:stCxn id="22" idx="1"/>
+            <a:endCxn id="20" idx="3"/>
+          </p:cNvCxnSpPr>
+          <p:nvPr/>
+        </p:nvCxnSpPr>
+        <p:spPr>
+          <a:xfrm flipH="1">
+            <a:off x="3424485" y="3136239"/>
+            <a:ext cx="2016384" cy="0"/>
+          </a:xfrm>
+          <a:prstGeom prst="straightConnector1">
+            <a:avLst/>
+          </a:prstGeom>
+          <a:ln w="28575">
+            <a:headEnd type="stealth" w="med" len="lg"/>
+            <a:tailEnd type="stealth" w="med" len="lg"/>
+          </a:ln>
+        </p:spPr>
+        <p:style>
+          <a:lnRef idx="1">
+            <a:schemeClr val="accent5"/>
+          </a:lnRef>
+          <a:fillRef idx="0">
+            <a:schemeClr val="accent5"/>
+          </a:fillRef>
+          <a:effectRef idx="0">
+            <a:schemeClr val="accent5"/>
+          </a:effectRef>
+          <a:fontRef idx="minor">
+            <a:schemeClr val="tx1"/>
+          </a:fontRef>
+        </p:style>
+      </p:cxnSp>
+      <p:cxnSp>
+        <p:nvCxnSpPr>
+          <p:cNvPr id="34" name="Connecteur droit avec flèche 33"/>
+          <p:cNvCxnSpPr>
+            <a:endCxn id="13" idx="0"/>
+          </p:cNvCxnSpPr>
+          <p:nvPr/>
+        </p:nvCxnSpPr>
+        <p:spPr>
+          <a:xfrm>
+            <a:off x="-2014740" y="270000"/>
+            <a:ext cx="0" cy="679984"/>
+          </a:xfrm>
+          <a:prstGeom prst="straightConnector1">
+            <a:avLst/>
+          </a:prstGeom>
+          <a:ln w="19050">
+            <a:tailEnd type="arrow"/>
+          </a:ln>
+        </p:spPr>
+        <p:style>
+          <a:lnRef idx="1">
+            <a:schemeClr val="accent4"/>
+          </a:lnRef>
+          <a:fillRef idx="0">
+            <a:schemeClr val="accent4"/>
+          </a:fillRef>
+          <a:effectRef idx="0">
+            <a:schemeClr val="accent4"/>
+          </a:effectRef>
+          <a:fontRef idx="minor">
+            <a:schemeClr val="tx1"/>
+          </a:fontRef>
+        </p:style>
+      </p:cxnSp>
+      <p:cxnSp>
+        <p:nvCxnSpPr>
+          <p:cNvPr id="35" name="Connecteur droit avec flèche 34"/>
+          <p:cNvCxnSpPr>
+            <a:endCxn id="12" idx="3"/>
+          </p:cNvCxnSpPr>
+          <p:nvPr/>
+        </p:nvCxnSpPr>
+        <p:spPr>
+          <a:xfrm flipH="1">
+            <a:off x="10417205" y="270000"/>
+            <a:ext cx="491419" cy="0"/>
+          </a:xfrm>
+          <a:prstGeom prst="straightConnector1">
+            <a:avLst/>
+          </a:prstGeom>
+          <a:ln w="19050">
+            <a:tailEnd type="arrow"/>
+          </a:ln>
+        </p:spPr>
+        <p:style>
+          <a:lnRef idx="1">
+            <a:schemeClr val="accent4"/>
+          </a:lnRef>
+          <a:fillRef idx="0">
+            <a:schemeClr val="accent4"/>
+          </a:fillRef>
+          <a:effectRef idx="0">
+            <a:schemeClr val="accent4"/>
+          </a:effectRef>
+          <a:fontRef idx="minor">
+            <a:schemeClr val="tx1"/>
+          </a:fontRef>
+        </p:style>
+      </p:cxnSp>
+      <p:cxnSp>
+        <p:nvCxnSpPr>
+          <p:cNvPr id="36" name="Connecteur droit avec flèche 35"/>
+          <p:cNvCxnSpPr>
+            <a:stCxn id="11" idx="1"/>
+          </p:cNvCxnSpPr>
+          <p:nvPr/>
+        </p:nvCxnSpPr>
+        <p:spPr>
+          <a:xfrm flipH="1">
+            <a:off x="-2014740" y="270000"/>
+            <a:ext cx="319087" cy="0"/>
+          </a:xfrm>
+          <a:prstGeom prst="straightConnector1">
+            <a:avLst/>
+          </a:prstGeom>
+          <a:ln w="19050">
+            <a:headEnd type="none" w="med" len="med"/>
+            <a:tailEnd type="none" w="med" len="med"/>
+          </a:ln>
+        </p:spPr>
+        <p:style>
+          <a:lnRef idx="1">
+            <a:schemeClr val="accent4"/>
+          </a:lnRef>
+          <a:fillRef idx="0">
+            <a:schemeClr val="accent4"/>
+          </a:fillRef>
+          <a:effectRef idx="0">
+            <a:schemeClr val="accent4"/>
+          </a:effectRef>
+          <a:fontRef idx="minor">
+            <a:schemeClr val="tx1"/>
+          </a:fontRef>
+        </p:style>
+      </p:cxnSp>
+      <p:cxnSp>
+        <p:nvCxnSpPr>
+          <p:cNvPr id="37" name="Connecteur droit avec flèche 36"/>
+          <p:cNvCxnSpPr>
+            <a:endCxn id="15" idx="0"/>
+          </p:cNvCxnSpPr>
+          <p:nvPr/>
+        </p:nvCxnSpPr>
+        <p:spPr>
+          <a:xfrm>
+            <a:off x="269440" y="3136239"/>
+            <a:ext cx="0" cy="231796"/>
+          </a:xfrm>
+          <a:prstGeom prst="straightConnector1">
+            <a:avLst/>
+          </a:prstGeom>
+          <a:ln w="19050">
+            <a:headEnd type="none" w="med" len="med"/>
+            <a:tailEnd type="none" w="med" len="med"/>
+          </a:ln>
+        </p:spPr>
+        <p:style>
+          <a:lnRef idx="1">
+            <a:schemeClr val="accent4"/>
+          </a:lnRef>
+          <a:fillRef idx="0">
+            <a:schemeClr val="accent4"/>
+          </a:fillRef>
+          <a:effectRef idx="0">
+            <a:schemeClr val="accent4"/>
+          </a:effectRef>
+          <a:fontRef idx="minor">
+            <a:schemeClr val="tx1"/>
+          </a:fontRef>
+        </p:style>
+      </p:cxnSp>
+      <p:cxnSp>
+        <p:nvCxnSpPr>
+          <p:cNvPr id="38" name="Connecteur droit avec flèche 37"/>
+          <p:cNvCxnSpPr>
+            <a:stCxn id="15" idx="2"/>
+          </p:cNvCxnSpPr>
+          <p:nvPr/>
+        </p:nvCxnSpPr>
+        <p:spPr>
+          <a:xfrm>
+            <a:off x="269440" y="3908035"/>
+            <a:ext cx="0" cy="222294"/>
+          </a:xfrm>
+          <a:prstGeom prst="straightConnector1">
+            <a:avLst/>
+          </a:prstGeom>
+          <a:ln w="19050">
+            <a:headEnd type="none" w="med" len="med"/>
+            <a:tailEnd type="none" w="med" len="med"/>
+          </a:ln>
+        </p:spPr>
+        <p:style>
+          <a:lnRef idx="1">
+            <a:schemeClr val="accent4"/>
+          </a:lnRef>
+          <a:fillRef idx="0">
+            <a:schemeClr val="accent4"/>
+          </a:fillRef>
+          <a:effectRef idx="0">
+            <a:schemeClr val="accent4"/>
+          </a:effectRef>
+          <a:fontRef idx="minor">
+            <a:schemeClr val="tx1"/>
+          </a:fontRef>
+        </p:style>
+      </p:cxnSp>
+      <p:cxnSp>
+        <p:nvCxnSpPr>
+          <p:cNvPr id="39" name="Connecteur droit avec flèche 38"/>
+          <p:cNvCxnSpPr>
+            <a:stCxn id="17" idx="0"/>
+          </p:cNvCxnSpPr>
+          <p:nvPr/>
+        </p:nvCxnSpPr>
+        <p:spPr>
+          <a:xfrm flipV="1">
+            <a:off x="10908624" y="270000"/>
+            <a:ext cx="0" cy="679984"/>
+          </a:xfrm>
+          <a:prstGeom prst="straightConnector1">
+            <a:avLst/>
+          </a:prstGeom>
+          <a:ln w="19050">
+            <a:headEnd type="none" w="med" len="med"/>
+            <a:tailEnd type="none" w="med" len="med"/>
+          </a:ln>
+        </p:spPr>
+        <p:style>
+          <a:lnRef idx="1">
+            <a:schemeClr val="accent4"/>
+          </a:lnRef>
+          <a:fillRef idx="0">
+            <a:schemeClr val="accent4"/>
+          </a:fillRef>
+          <a:effectRef idx="0">
+            <a:schemeClr val="accent4"/>
+          </a:effectRef>
+          <a:fontRef idx="minor">
+            <a:schemeClr val="tx1"/>
+          </a:fontRef>
+        </p:style>
+      </p:cxnSp>
+      <p:sp>
+        <p:nvSpPr>
+          <p:cNvPr id="2" name="Rectangle 1"/>
+          <p:cNvSpPr/>
+          <p:nvPr/>
+        </p:nvSpPr>
+        <p:spPr>
+          <a:xfrm>
+            <a:off x="-2988840" y="0"/>
+            <a:ext cx="14761640" cy="5445224"/>
+          </a:xfrm>
+          <a:prstGeom prst="rect">
             <a:avLst/>
           </a:prstGeom>
           <a:solidFill>
-            <a:srgbClr val="FF0000"/>
+            <a:schemeClr val="bg1">
+              <a:alpha val="60000"/>
+            </a:schemeClr>
           </a:solidFill>
-          <a:ln w="28575">
-            <a:solidFill>
-              <a:schemeClr val="accent2">
-                <a:lumMod val="50000"/>
-              </a:schemeClr>
-            </a:solidFill>
+          <a:ln>
+            <a:noFill/>
           </a:ln>
         </p:spPr>
         <p:style>
@@ -14674,56 +19050,37 @@
           <a:lstStyle/>
           <a:p>
             <a:pPr algn="ctr"/>
-            <a:endParaRPr lang="fr-FR" sz="500" dirty="0">
-              <a:solidFill>
-                <a:prstClr val="white"/>
-              </a:solidFill>
-            </a:endParaRPr>
+            <a:endParaRPr lang="fr-FR"/>
           </a:p>
         </p:txBody>
       </p:sp>
       <p:sp>
         <p:nvSpPr>
-          <p:cNvPr id="22" name="Double flèche verticale 21"/>
+          <p:cNvPr id="24" name="Flèche droite 23"/>
           <p:cNvSpPr/>
           <p:nvPr/>
         </p:nvSpPr>
         <p:spPr>
           <a:xfrm>
-            <a:off x="7524328" y="2181856"/>
-            <a:ext cx="504056" cy="3913986"/>
-          </a:xfrm>
-          <a:prstGeom prst="upDownArrow">
+            <a:off x="3145559" y="4400329"/>
+            <a:ext cx="2671700" cy="864096"/>
+          </a:xfrm>
+          <a:prstGeom prst="rightArrow">
             <a:avLst/>
           </a:prstGeom>
-          <a:solidFill>
-            <a:schemeClr val="accent6">
-              <a:lumMod val="40000"/>
-              <a:lumOff val="60000"/>
-            </a:schemeClr>
-          </a:solidFill>
-          <a:ln>
-            <a:solidFill>
-              <a:schemeClr val="accent6">
-                <a:lumMod val="50000"/>
-              </a:schemeClr>
-            </a:solidFill>
-          </a:ln>
         </p:spPr>
         <p:style>
-          <a:lnRef idx="2">
-            <a:schemeClr val="accent1">
-              <a:shade val="50000"/>
-            </a:schemeClr>
+          <a:lnRef idx="1">
+            <a:schemeClr val="accent1"/>
           </a:lnRef>
-          <a:fillRef idx="1">
+          <a:fillRef idx="2">
             <a:schemeClr val="accent1"/>
           </a:fillRef>
-          <a:effectRef idx="0">
+          <a:effectRef idx="1">
             <a:schemeClr val="accent1"/>
           </a:effectRef>
           <a:fontRef idx="minor">
-            <a:schemeClr val="lt1"/>
+            <a:schemeClr val="dk1"/>
           </a:fontRef>
         </p:style>
         <p:txBody>
@@ -14731,362 +19088,17 @@
           <a:lstStyle/>
           <a:p>
             <a:pPr algn="ctr"/>
-            <a:endParaRPr lang="fr-FR" sz="500" dirty="0">
-              <a:solidFill>
-                <a:prstClr val="white"/>
-              </a:solidFill>
-            </a:endParaRPr>
+            <a:r>
+              <a:rPr lang="fr-FR" sz="2400" b="1" i="1" dirty="0"/>
+              <a:t>Réalisation</a:t>
+            </a:r>
           </a:p>
         </p:txBody>
       </p:sp>
-      <p:sp>
-        <p:nvSpPr>
-          <p:cNvPr id="23" name="ZoneTexte 22"/>
-          <p:cNvSpPr txBox="1"/>
-          <p:nvPr/>
-        </p:nvSpPr>
-        <p:spPr>
-          <a:xfrm rot="16200000">
-            <a:off x="5282735" y="2945424"/>
-            <a:ext cx="1944216" cy="400110"/>
-          </a:xfrm>
-          <a:prstGeom prst="rect">
-            <a:avLst/>
-          </a:prstGeom>
-          <a:noFill/>
-        </p:spPr>
-        <p:txBody>
-          <a:bodyPr wrap="square" rtlCol="0">
-            <a:spAutoFit/>
-          </a:bodyPr>
-          <a:lstStyle/>
-          <a:p>
-            <a:pPr algn="ctr"/>
-            <a:r>
-              <a:rPr lang="fr-FR" sz="2000" b="1" dirty="0">
-                <a:solidFill>
-                  <a:srgbClr val="FF0000"/>
-                </a:solidFill>
-              </a:rPr>
-              <a:t>Ecart 1</a:t>
-            </a:r>
-          </a:p>
-        </p:txBody>
-      </p:sp>
-      <p:sp>
-        <p:nvSpPr>
-          <p:cNvPr id="24" name="ZoneTexte 23"/>
-          <p:cNvSpPr txBox="1"/>
-          <p:nvPr/>
-        </p:nvSpPr>
-        <p:spPr>
-          <a:xfrm rot="16200000">
-            <a:off x="5282294" y="4923679"/>
-            <a:ext cx="1944216" cy="400110"/>
-          </a:xfrm>
-          <a:prstGeom prst="rect">
-            <a:avLst/>
-          </a:prstGeom>
-          <a:noFill/>
-        </p:spPr>
-        <p:txBody>
-          <a:bodyPr wrap="square" rtlCol="0">
-            <a:spAutoFit/>
-          </a:bodyPr>
-          <a:lstStyle/>
-          <a:p>
-            <a:pPr algn="ctr"/>
-            <a:r>
-              <a:rPr lang="fr-FR" sz="2000" b="1" dirty="0">
-                <a:solidFill>
-                  <a:srgbClr val="FF0000"/>
-                </a:solidFill>
-              </a:rPr>
-              <a:t>Ecart 2</a:t>
-            </a:r>
-          </a:p>
-        </p:txBody>
-      </p:sp>
-      <p:sp>
-        <p:nvSpPr>
-          <p:cNvPr id="25" name="ZoneTexte 24"/>
-          <p:cNvSpPr txBox="1"/>
-          <p:nvPr/>
-        </p:nvSpPr>
-        <p:spPr>
-          <a:xfrm rot="16200000">
-            <a:off x="7072245" y="3938794"/>
-            <a:ext cx="1944216" cy="400110"/>
-          </a:xfrm>
-          <a:prstGeom prst="rect">
-            <a:avLst/>
-          </a:prstGeom>
-          <a:noFill/>
-        </p:spPr>
-        <p:txBody>
-          <a:bodyPr wrap="square" rtlCol="0">
-            <a:spAutoFit/>
-          </a:bodyPr>
-          <a:lstStyle/>
-          <a:p>
-            <a:pPr algn="ctr"/>
-            <a:r>
-              <a:rPr lang="fr-FR" sz="2000" b="1" dirty="0">
-                <a:solidFill>
-                  <a:srgbClr val="FF0000"/>
-                </a:solidFill>
-              </a:rPr>
-              <a:t>Ecart 3</a:t>
-            </a:r>
-          </a:p>
-        </p:txBody>
-      </p:sp>
-      <p:sp>
-        <p:nvSpPr>
-          <p:cNvPr id="20" name="Double flèche verticale 19"/>
-          <p:cNvSpPr/>
-          <p:nvPr/>
-        </p:nvSpPr>
-        <p:spPr>
-          <a:xfrm>
-            <a:off x="6537530" y="2613359"/>
-            <a:ext cx="504056" cy="1106764"/>
-          </a:xfrm>
-          <a:prstGeom prst="upDownArrow">
-            <a:avLst/>
-          </a:prstGeom>
-          <a:solidFill>
-            <a:schemeClr val="accent6">
-              <a:lumMod val="40000"/>
-              <a:lumOff val="60000"/>
-            </a:schemeClr>
-          </a:solidFill>
-          <a:ln>
-            <a:solidFill>
-              <a:schemeClr val="accent6">
-                <a:lumMod val="50000"/>
-              </a:schemeClr>
-            </a:solidFill>
-          </a:ln>
-        </p:spPr>
-        <p:style>
-          <a:lnRef idx="2">
-            <a:schemeClr val="accent1">
-              <a:shade val="50000"/>
-            </a:schemeClr>
-          </a:lnRef>
-          <a:fillRef idx="1">
-            <a:schemeClr val="accent1"/>
-          </a:fillRef>
-          <a:effectRef idx="0">
-            <a:schemeClr val="accent1"/>
-          </a:effectRef>
-          <a:fontRef idx="minor">
-            <a:schemeClr val="lt1"/>
-          </a:fontRef>
-        </p:style>
-        <p:txBody>
-          <a:bodyPr rtlCol="0" anchor="ctr"/>
-          <a:lstStyle/>
-          <a:p>
-            <a:pPr algn="ctr"/>
-            <a:r>
-              <a:rPr lang="fr-FR" sz="500" dirty="0">
-                <a:solidFill>
-                  <a:prstClr val="white"/>
-                </a:solidFill>
-              </a:rPr>
-              <a:t>  </a:t>
-            </a:r>
-          </a:p>
-        </p:txBody>
-      </p:sp>
-      <p:pic>
-        <p:nvPicPr>
-          <p:cNvPr id="1026" name="Picture 2"/>
-          <p:cNvPicPr>
-            <a:picLocks noChangeAspect="1" noChangeArrowheads="1"/>
-          </p:cNvPicPr>
-          <p:nvPr/>
-        </p:nvPicPr>
-        <p:blipFill>
-          <a:blip r:embed="rId3" cstate="print">
-            <a:extLst>
-              <a:ext uri="{28A0092B-C50C-407E-A947-70E740481C1C}">
-                <a14:useLocalDpi xmlns:a14="http://schemas.microsoft.com/office/drawing/2010/main" val="0"/>
-              </a:ext>
-            </a:extLst>
-          </a:blip>
-          <a:srcRect/>
-          <a:stretch>
-            <a:fillRect/>
-          </a:stretch>
-        </p:blipFill>
-        <p:spPr bwMode="auto">
-          <a:xfrm>
-            <a:off x="395536" y="1394591"/>
-            <a:ext cx="2110186" cy="1473080"/>
-          </a:xfrm>
-          <a:prstGeom prst="rect">
-            <a:avLst/>
-          </a:prstGeom>
-          <a:ln>
-            <a:noFill/>
-          </a:ln>
-          <a:effectLst>
-            <a:outerShdw blurRad="292100" dist="139700" dir="2700000" algn="tl" rotWithShape="0">
-              <a:srgbClr val="333333">
-                <a:alpha val="65000"/>
-              </a:srgbClr>
-            </a:outerShdw>
-          </a:effectLst>
-          <a:extLst>
-            <a:ext uri="{909E8E84-426E-40DD-AFC4-6F175D3DCCD1}">
-              <a14:hiddenFill xmlns:a14="http://schemas.microsoft.com/office/drawing/2010/main">
-                <a:solidFill>
-                  <a:schemeClr val="accent1"/>
-                </a:solidFill>
-              </a14:hiddenFill>
-            </a:ext>
-            <a:ext uri="{91240B29-F687-4F45-9708-019B960494DF}">
-              <a14:hiddenLine xmlns:a14="http://schemas.microsoft.com/office/drawing/2010/main" w="9525">
-                <a:solidFill>
-                  <a:schemeClr val="tx1"/>
-                </a:solidFill>
-                <a:miter lim="800000"/>
-                <a:headEnd/>
-                <a:tailEnd/>
-              </a14:hiddenLine>
-            </a:ext>
-          </a:extLst>
-        </p:spPr>
-      </p:pic>
-      <p:pic>
-        <p:nvPicPr>
-          <p:cNvPr id="2050" name="Picture 2"/>
-          <p:cNvPicPr>
-            <a:picLocks noChangeAspect="1" noChangeArrowheads="1"/>
-          </p:cNvPicPr>
-          <p:nvPr/>
-        </p:nvPicPr>
-        <p:blipFill>
-          <a:blip r:embed="rId4" cstate="print">
-            <a:extLst>
-              <a:ext uri="{28A0092B-C50C-407E-A947-70E740481C1C}">
-                <a14:useLocalDpi xmlns:a14="http://schemas.microsoft.com/office/drawing/2010/main" val="0"/>
-              </a:ext>
-            </a:extLst>
-          </a:blip>
-          <a:srcRect/>
-          <a:stretch>
-            <a:fillRect/>
-          </a:stretch>
-        </p:blipFill>
-        <p:spPr bwMode="auto">
-          <a:xfrm>
-            <a:off x="395535" y="3237074"/>
-            <a:ext cx="2041167" cy="1416061"/>
-          </a:xfrm>
-          <a:prstGeom prst="rect">
-            <a:avLst/>
-          </a:prstGeom>
-          <a:ln>
-            <a:noFill/>
-          </a:ln>
-          <a:effectLst>
-            <a:outerShdw blurRad="292100" dist="139700" dir="2700000" algn="tl" rotWithShape="0">
-              <a:srgbClr val="333333">
-                <a:alpha val="65000"/>
-              </a:srgbClr>
-            </a:outerShdw>
-          </a:effectLst>
-          <a:extLst>
-            <a:ext uri="{909E8E84-426E-40DD-AFC4-6F175D3DCCD1}">
-              <a14:hiddenFill xmlns:a14="http://schemas.microsoft.com/office/drawing/2010/main">
-                <a:solidFill>
-                  <a:schemeClr val="accent1"/>
-                </a:solidFill>
-              </a14:hiddenFill>
-            </a:ext>
-            <a:ext uri="{91240B29-F687-4F45-9708-019B960494DF}">
-              <a14:hiddenLine xmlns:a14="http://schemas.microsoft.com/office/drawing/2010/main" w="9525">
-                <a:solidFill>
-                  <a:schemeClr val="tx1"/>
-                </a:solidFill>
-                <a:miter lim="800000"/>
-                <a:headEnd/>
-                <a:tailEnd/>
-              </a14:hiddenLine>
-            </a:ext>
-          </a:extLst>
-        </p:spPr>
-      </p:pic>
-      <p:pic>
-        <p:nvPicPr>
-          <p:cNvPr id="2052" name="Picture 4"/>
-          <p:cNvPicPr>
-            <a:picLocks noChangeAspect="1" noChangeArrowheads="1"/>
-          </p:cNvPicPr>
-          <p:nvPr/>
-        </p:nvPicPr>
-        <p:blipFill rotWithShape="1">
-          <a:blip r:embed="rId5" cstate="print">
-            <a:extLst>
-              <a:ext uri="{28A0092B-C50C-407E-A947-70E740481C1C}">
-                <a14:useLocalDpi xmlns:a14="http://schemas.microsoft.com/office/drawing/2010/main" val="0"/>
-              </a:ext>
-            </a:extLst>
-          </a:blip>
-          <a:srcRect r="46224" b="18513"/>
-          <a:stretch/>
-        </p:blipFill>
-        <p:spPr bwMode="auto">
-          <a:xfrm>
-            <a:off x="339295" y="4966913"/>
-            <a:ext cx="1350503" cy="1159717"/>
-          </a:xfrm>
-          <a:prstGeom prst="rect">
-            <a:avLst/>
-          </a:prstGeom>
-          <a:ln>
-            <a:noFill/>
-          </a:ln>
-          <a:effectLst>
-            <a:outerShdw blurRad="292100" dist="139700" dir="2700000" algn="tl" rotWithShape="0">
-              <a:srgbClr val="333333">
-                <a:alpha val="65000"/>
-              </a:srgbClr>
-            </a:outerShdw>
-          </a:effectLst>
-          <a:scene3d>
-            <a:camera prst="isometricOffAxis1Right"/>
-            <a:lightRig rig="threePt" dir="t"/>
-          </a:scene3d>
-          <a:extLst>
-            <a:ext uri="{909E8E84-426E-40DD-AFC4-6F175D3DCCD1}">
-              <a14:hiddenFill xmlns:a14="http://schemas.microsoft.com/office/drawing/2010/main">
-                <a:solidFill>
-                  <a:schemeClr val="accent1"/>
-                </a:solidFill>
-              </a14:hiddenFill>
-            </a:ext>
-            <a:ext uri="{91240B29-F687-4F45-9708-019B960494DF}">
-              <a14:hiddenLine xmlns:a14="http://schemas.microsoft.com/office/drawing/2010/main" w="9525">
-                <a:solidFill>
-                  <a:schemeClr val="tx1"/>
-                </a:solidFill>
-                <a:miter lim="800000"/>
-                <a:headEnd/>
-                <a:tailEnd/>
-              </a14:hiddenLine>
-            </a:ext>
-          </a:extLst>
-        </p:spPr>
-      </p:pic>
     </p:spTree>
     <p:extLst>
       <p:ext uri="{BB962C8B-B14F-4D97-AF65-F5344CB8AC3E}">
-        <p14:creationId xmlns:p14="http://schemas.microsoft.com/office/powerpoint/2010/main" val="918188242"/>
+        <p14:creationId xmlns:p14="http://schemas.microsoft.com/office/powerpoint/2010/main" val="329598001"/>
       </p:ext>
     </p:extLst>
   </p:cSld>
@@ -15735,6 +19747,126 @@
       </p:sp>
       <p:pic>
         <p:nvPicPr>
+          <p:cNvPr id="1026" name="Picture 2"/>
+          <p:cNvPicPr>
+            <a:picLocks noChangeAspect="1" noChangeArrowheads="1"/>
+          </p:cNvPicPr>
+          <p:nvPr/>
+        </p:nvPicPr>
+        <p:blipFill>
+          <a:blip r:embed="rId3" cstate="print">
+            <a:extLst>
+              <a:ext uri="{28A0092B-C50C-407E-A947-70E740481C1C}">
+                <a14:useLocalDpi xmlns:a14="http://schemas.microsoft.com/office/drawing/2010/main" val="0"/>
+              </a:ext>
+            </a:extLst>
+          </a:blip>
+          <a:srcRect/>
+          <a:stretch>
+            <a:fillRect/>
+          </a:stretch>
+        </p:blipFill>
+        <p:spPr bwMode="auto">
+          <a:xfrm>
+            <a:off x="395536" y="1394591"/>
+            <a:ext cx="2110186" cy="1473080"/>
+          </a:xfrm>
+          <a:prstGeom prst="rect">
+            <a:avLst/>
+          </a:prstGeom>
+          <a:ln>
+            <a:noFill/>
+          </a:ln>
+          <a:effectLst>
+            <a:outerShdw blurRad="292100" dist="139700" dir="2700000" algn="tl" rotWithShape="0">
+              <a:srgbClr val="333333">
+                <a:alpha val="65000"/>
+              </a:srgbClr>
+            </a:outerShdw>
+          </a:effectLst>
+          <a:extLst>
+            <a:ext uri="{909E8E84-426E-40DD-AFC4-6F175D3DCCD1}">
+              <a14:hiddenFill xmlns:a14="http://schemas.microsoft.com/office/drawing/2010/main">
+                <a:solidFill>
+                  <a:schemeClr val="accent1"/>
+                </a:solidFill>
+              </a14:hiddenFill>
+            </a:ext>
+            <a:ext uri="{91240B29-F687-4F45-9708-019B960494DF}">
+              <a14:hiddenLine xmlns:a14="http://schemas.microsoft.com/office/drawing/2010/main" w="9525">
+                <a:solidFill>
+                  <a:schemeClr val="tx1"/>
+                </a:solidFill>
+                <a:miter lim="800000"/>
+                <a:headEnd/>
+                <a:tailEnd/>
+              </a14:hiddenLine>
+            </a:ext>
+          </a:extLst>
+        </p:spPr>
+      </p:pic>
+      <p:pic>
+        <p:nvPicPr>
+          <p:cNvPr id="2050" name="Picture 2"/>
+          <p:cNvPicPr>
+            <a:picLocks noChangeAspect="1" noChangeArrowheads="1"/>
+          </p:cNvPicPr>
+          <p:nvPr/>
+        </p:nvPicPr>
+        <p:blipFill>
+          <a:blip r:embed="rId4" cstate="print">
+            <a:extLst>
+              <a:ext uri="{28A0092B-C50C-407E-A947-70E740481C1C}">
+                <a14:useLocalDpi xmlns:a14="http://schemas.microsoft.com/office/drawing/2010/main" val="0"/>
+              </a:ext>
+            </a:extLst>
+          </a:blip>
+          <a:srcRect/>
+          <a:stretch>
+            <a:fillRect/>
+          </a:stretch>
+        </p:blipFill>
+        <p:spPr bwMode="auto">
+          <a:xfrm>
+            <a:off x="395535" y="3237074"/>
+            <a:ext cx="2041167" cy="1416061"/>
+          </a:xfrm>
+          <a:prstGeom prst="rect">
+            <a:avLst/>
+          </a:prstGeom>
+          <a:ln>
+            <a:noFill/>
+          </a:ln>
+          <a:effectLst>
+            <a:outerShdw blurRad="292100" dist="139700" dir="2700000" algn="tl" rotWithShape="0">
+              <a:srgbClr val="333333">
+                <a:alpha val="65000"/>
+              </a:srgbClr>
+            </a:outerShdw>
+          </a:effectLst>
+          <a:extLst>
+            <a:ext uri="{909E8E84-426E-40DD-AFC4-6F175D3DCCD1}">
+              <a14:hiddenFill xmlns:a14="http://schemas.microsoft.com/office/drawing/2010/main">
+                <a:solidFill>
+                  <a:schemeClr val="accent1"/>
+                </a:solidFill>
+              </a14:hiddenFill>
+            </a:ext>
+            <a:ext uri="{91240B29-F687-4F45-9708-019B960494DF}">
+              <a14:hiddenLine xmlns:a14="http://schemas.microsoft.com/office/drawing/2010/main" w="9525">
+                <a:solidFill>
+                  <a:schemeClr val="tx1"/>
+                </a:solidFill>
+                <a:miter lim="800000"/>
+                <a:headEnd/>
+                <a:tailEnd/>
+              </a14:hiddenLine>
+            </a:ext>
+          </a:extLst>
+        </p:spPr>
+      </p:pic>
+      <p:pic>
+        <p:nvPicPr>
           <p:cNvPr id="2052" name="Picture 4"/>
           <p:cNvPicPr>
             <a:picLocks noChangeAspect="1" noChangeArrowheads="1"/>
@@ -15742,7 +19874,7 @@
           <p:nvPr/>
         </p:nvPicPr>
         <p:blipFill rotWithShape="1">
-          <a:blip r:embed="rId3" cstate="print">
+          <a:blip r:embed="rId5" cstate="print">
             <a:extLst>
               <a:ext uri="{28A0092B-C50C-407E-A947-70E740481C1C}">
                 <a14:useLocalDpi xmlns:a14="http://schemas.microsoft.com/office/drawing/2010/main" val="0"/>
@@ -15795,6 +19927,718 @@
           </a:extLst>
         </p:spPr>
       </p:pic>
+    </p:spTree>
+    <p:extLst>
+      <p:ext uri="{BB962C8B-B14F-4D97-AF65-F5344CB8AC3E}">
+        <p14:creationId xmlns:p14="http://schemas.microsoft.com/office/powerpoint/2010/main" val="918188242"/>
+      </p:ext>
+    </p:extLst>
+  </p:cSld>
+  <p:clrMapOvr>
+    <a:masterClrMapping/>
+  </p:clrMapOvr>
+</p:sld>
+</file>
+
+<file path=ppt/slides/slide12.xml><?xml version="1.0" encoding="utf-8"?>
+<p:sld xmlns:a="http://schemas.openxmlformats.org/drawingml/2006/main" xmlns:r="http://schemas.openxmlformats.org/officeDocument/2006/relationships" xmlns:p="http://schemas.openxmlformats.org/presentationml/2006/main">
+  <p:cSld>
+    <p:spTree>
+      <p:nvGrpSpPr>
+        <p:cNvPr id="1" name=""/>
+        <p:cNvGrpSpPr/>
+        <p:nvPr/>
+      </p:nvGrpSpPr>
+      <p:grpSpPr>
+        <a:xfrm>
+          <a:off x="0" y="0"/>
+          <a:ext cx="0" cy="0"/>
+          <a:chOff x="0" y="0"/>
+          <a:chExt cx="0" cy="0"/>
+        </a:xfrm>
+      </p:grpSpPr>
+      <p:pic>
+        <p:nvPicPr>
+          <p:cNvPr id="2051" name="Picture 3"/>
+          <p:cNvPicPr>
+            <a:picLocks noChangeAspect="1" noChangeArrowheads="1"/>
+          </p:cNvPicPr>
+          <p:nvPr/>
+        </p:nvPicPr>
+        <p:blipFill rotWithShape="1">
+          <a:blip r:embed="rId2" cstate="print">
+            <a:extLst>
+              <a:ext uri="{28A0092B-C50C-407E-A947-70E740481C1C}">
+                <a14:useLocalDpi xmlns:a14="http://schemas.microsoft.com/office/drawing/2010/main" val="0"/>
+              </a:ext>
+            </a:extLst>
+          </a:blip>
+          <a:srcRect l="51281" r="13060" b="33332"/>
+          <a:stretch/>
+        </p:blipFill>
+        <p:spPr bwMode="auto">
+          <a:xfrm>
+            <a:off x="793040" y="5623995"/>
+            <a:ext cx="1998480" cy="1174491"/>
+          </a:xfrm>
+          <a:prstGeom prst="rect">
+            <a:avLst/>
+          </a:prstGeom>
+          <a:ln>
+            <a:noFill/>
+          </a:ln>
+          <a:effectLst>
+            <a:outerShdw dist="35921" dir="2700000" algn="ctr" rotWithShape="0">
+              <a:schemeClr val="bg2"/>
+            </a:outerShdw>
+          </a:effectLst>
+          <a:scene3d>
+            <a:camera prst="isometricOffAxis1Right"/>
+            <a:lightRig rig="threePt" dir="t"/>
+          </a:scene3d>
+          <a:extLst>
+            <a:ext uri="{909E8E84-426E-40DD-AFC4-6F175D3DCCD1}">
+              <a14:hiddenFill xmlns:a14="http://schemas.microsoft.com/office/drawing/2010/main">
+                <a:solidFill>
+                  <a:schemeClr val="accent1"/>
+                </a:solidFill>
+              </a14:hiddenFill>
+            </a:ext>
+            <a:ext uri="{91240B29-F687-4F45-9708-019B960494DF}">
+              <a14:hiddenLine xmlns:a14="http://schemas.microsoft.com/office/drawing/2010/main" w="9525">
+                <a:solidFill>
+                  <a:schemeClr val="tx1"/>
+                </a:solidFill>
+                <a:miter lim="800000"/>
+                <a:headEnd/>
+                <a:tailEnd/>
+              </a14:hiddenLine>
+            </a:ext>
+          </a:extLst>
+        </p:spPr>
+      </p:pic>
+      <p:sp>
+        <p:nvSpPr>
+          <p:cNvPr id="4" name="Flèche droite 3"/>
+          <p:cNvSpPr/>
+          <p:nvPr/>
+        </p:nvSpPr>
+        <p:spPr>
+          <a:xfrm>
+            <a:off x="2771800" y="1772816"/>
+            <a:ext cx="3037584" cy="716632"/>
+          </a:xfrm>
+          <a:prstGeom prst="rightArrow">
+            <a:avLst/>
+          </a:prstGeom>
+          <a:solidFill>
+            <a:schemeClr val="accent5">
+              <a:lumMod val="40000"/>
+              <a:lumOff val="60000"/>
+            </a:schemeClr>
+          </a:solidFill>
+          <a:ln w="28575">
+            <a:solidFill>
+              <a:schemeClr val="accent5">
+                <a:lumMod val="50000"/>
+              </a:schemeClr>
+            </a:solidFill>
+          </a:ln>
+        </p:spPr>
+        <p:style>
+          <a:lnRef idx="1">
+            <a:schemeClr val="accent5"/>
+          </a:lnRef>
+          <a:fillRef idx="2">
+            <a:schemeClr val="accent5"/>
+          </a:fillRef>
+          <a:effectRef idx="1">
+            <a:schemeClr val="accent5"/>
+          </a:effectRef>
+          <a:fontRef idx="minor">
+            <a:schemeClr val="dk1"/>
+          </a:fontRef>
+        </p:style>
+        <p:txBody>
+          <a:bodyPr rtlCol="0" anchor="ctr"/>
+          <a:lstStyle/>
+          <a:p>
+            <a:pPr algn="ctr"/>
+            <a:r>
+              <a:rPr lang="fr-FR" dirty="0">
+                <a:solidFill>
+                  <a:prstClr val="black"/>
+                </a:solidFill>
+              </a:rPr>
+              <a:t>Domaine du client</a:t>
+            </a:r>
+          </a:p>
+        </p:txBody>
+      </p:sp>
+      <p:sp>
+        <p:nvSpPr>
+          <p:cNvPr id="13" name="Flèche droite 12"/>
+          <p:cNvSpPr/>
+          <p:nvPr/>
+        </p:nvSpPr>
+        <p:spPr>
+          <a:xfrm>
+            <a:off x="2771800" y="3780534"/>
+            <a:ext cx="3037584" cy="716632"/>
+          </a:xfrm>
+          <a:prstGeom prst="rightArrow">
+            <a:avLst/>
+          </a:prstGeom>
+          <a:solidFill>
+            <a:schemeClr val="accent5">
+              <a:lumMod val="40000"/>
+              <a:lumOff val="60000"/>
+            </a:schemeClr>
+          </a:solidFill>
+          <a:ln w="28575">
+            <a:solidFill>
+              <a:schemeClr val="accent5">
+                <a:lumMod val="50000"/>
+              </a:schemeClr>
+            </a:solidFill>
+          </a:ln>
+        </p:spPr>
+        <p:style>
+          <a:lnRef idx="1">
+            <a:schemeClr val="accent5"/>
+          </a:lnRef>
+          <a:fillRef idx="2">
+            <a:schemeClr val="accent5"/>
+          </a:fillRef>
+          <a:effectRef idx="1">
+            <a:schemeClr val="accent5"/>
+          </a:effectRef>
+          <a:fontRef idx="minor">
+            <a:schemeClr val="dk1"/>
+          </a:fontRef>
+        </p:style>
+        <p:txBody>
+          <a:bodyPr rtlCol="0" anchor="ctr"/>
+          <a:lstStyle/>
+          <a:p>
+            <a:pPr algn="ctr"/>
+            <a:r>
+              <a:rPr lang="fr-FR" dirty="0">
+                <a:solidFill>
+                  <a:prstClr val="black"/>
+                </a:solidFill>
+              </a:rPr>
+              <a:t>Domaine du laboratoire</a:t>
+            </a:r>
+          </a:p>
+        </p:txBody>
+      </p:sp>
+      <p:sp>
+        <p:nvSpPr>
+          <p:cNvPr id="14" name="Flèche droite 13"/>
+          <p:cNvSpPr/>
+          <p:nvPr/>
+        </p:nvSpPr>
+        <p:spPr>
+          <a:xfrm>
+            <a:off x="2771800" y="5694943"/>
+            <a:ext cx="3037584" cy="716632"/>
+          </a:xfrm>
+          <a:prstGeom prst="rightArrow">
+            <a:avLst/>
+          </a:prstGeom>
+          <a:solidFill>
+            <a:schemeClr val="accent5">
+              <a:lumMod val="40000"/>
+              <a:lumOff val="60000"/>
+            </a:schemeClr>
+          </a:solidFill>
+          <a:ln w="28575">
+            <a:solidFill>
+              <a:schemeClr val="accent5">
+                <a:lumMod val="50000"/>
+              </a:schemeClr>
+            </a:solidFill>
+          </a:ln>
+        </p:spPr>
+        <p:style>
+          <a:lnRef idx="1">
+            <a:schemeClr val="accent5"/>
+          </a:lnRef>
+          <a:fillRef idx="2">
+            <a:schemeClr val="accent5"/>
+          </a:fillRef>
+          <a:effectRef idx="1">
+            <a:schemeClr val="accent5"/>
+          </a:effectRef>
+          <a:fontRef idx="minor">
+            <a:schemeClr val="dk1"/>
+          </a:fontRef>
+        </p:style>
+        <p:txBody>
+          <a:bodyPr rtlCol="0" anchor="ctr"/>
+          <a:lstStyle/>
+          <a:p>
+            <a:pPr algn="ctr"/>
+            <a:r>
+              <a:rPr lang="fr-FR" dirty="0">
+                <a:solidFill>
+                  <a:prstClr val="black"/>
+                </a:solidFill>
+              </a:rPr>
+              <a:t>Domaine de la simulation</a:t>
+            </a:r>
+          </a:p>
+        </p:txBody>
+      </p:sp>
+      <p:sp>
+        <p:nvSpPr>
+          <p:cNvPr id="17" name="ZoneTexte 16"/>
+          <p:cNvSpPr txBox="1"/>
+          <p:nvPr/>
+        </p:nvSpPr>
+        <p:spPr>
+          <a:xfrm>
+            <a:off x="6054788" y="1807966"/>
+            <a:ext cx="1469540" cy="646331"/>
+          </a:xfrm>
+          <a:prstGeom prst="rect">
+            <a:avLst/>
+          </a:prstGeom>
+          <a:noFill/>
+        </p:spPr>
+        <p:txBody>
+          <a:bodyPr wrap="square" rtlCol="0">
+            <a:spAutoFit/>
+          </a:bodyPr>
+          <a:lstStyle/>
+          <a:p>
+            <a:pPr algn="ctr"/>
+            <a:r>
+              <a:rPr lang="fr-FR" dirty="0">
+                <a:solidFill>
+                  <a:prstClr val="black"/>
+                </a:solidFill>
+              </a:rPr>
+              <a:t>Performances</a:t>
+            </a:r>
+          </a:p>
+          <a:p>
+            <a:pPr algn="ctr"/>
+            <a:r>
+              <a:rPr lang="fr-FR" dirty="0">
+                <a:solidFill>
+                  <a:prstClr val="black"/>
+                </a:solidFill>
+              </a:rPr>
+              <a:t>attendues</a:t>
+            </a:r>
+          </a:p>
+        </p:txBody>
+      </p:sp>
+      <p:sp>
+        <p:nvSpPr>
+          <p:cNvPr id="18" name="ZoneTexte 17"/>
+          <p:cNvSpPr txBox="1"/>
+          <p:nvPr/>
+        </p:nvSpPr>
+        <p:spPr>
+          <a:xfrm>
+            <a:off x="6054788" y="3815684"/>
+            <a:ext cx="1469540" cy="646331"/>
+          </a:xfrm>
+          <a:prstGeom prst="rect">
+            <a:avLst/>
+          </a:prstGeom>
+          <a:noFill/>
+        </p:spPr>
+        <p:txBody>
+          <a:bodyPr wrap="square" rtlCol="0">
+            <a:spAutoFit/>
+          </a:bodyPr>
+          <a:lstStyle/>
+          <a:p>
+            <a:pPr algn="ctr"/>
+            <a:r>
+              <a:rPr lang="fr-FR" dirty="0">
+                <a:solidFill>
+                  <a:prstClr val="black"/>
+                </a:solidFill>
+              </a:rPr>
+              <a:t>Performances mesurées</a:t>
+            </a:r>
+          </a:p>
+        </p:txBody>
+      </p:sp>
+      <p:sp>
+        <p:nvSpPr>
+          <p:cNvPr id="19" name="ZoneTexte 18"/>
+          <p:cNvSpPr txBox="1"/>
+          <p:nvPr/>
+        </p:nvSpPr>
+        <p:spPr>
+          <a:xfrm>
+            <a:off x="6054788" y="5730093"/>
+            <a:ext cx="1469540" cy="646331"/>
+          </a:xfrm>
+          <a:prstGeom prst="rect">
+            <a:avLst/>
+          </a:prstGeom>
+          <a:noFill/>
+        </p:spPr>
+        <p:txBody>
+          <a:bodyPr wrap="square" rtlCol="0">
+            <a:spAutoFit/>
+          </a:bodyPr>
+          <a:lstStyle/>
+          <a:p>
+            <a:pPr algn="ctr"/>
+            <a:r>
+              <a:rPr lang="fr-FR" dirty="0">
+                <a:solidFill>
+                  <a:prstClr val="black"/>
+                </a:solidFill>
+              </a:rPr>
+              <a:t>Performance simulées</a:t>
+            </a:r>
+          </a:p>
+        </p:txBody>
+      </p:sp>
+      <p:sp>
+        <p:nvSpPr>
+          <p:cNvPr id="21" name="Double flèche verticale 20"/>
+          <p:cNvSpPr/>
+          <p:nvPr/>
+        </p:nvSpPr>
+        <p:spPr>
+          <a:xfrm>
+            <a:off x="6537530" y="4564789"/>
+            <a:ext cx="504056" cy="1106764"/>
+          </a:xfrm>
+          <a:prstGeom prst="upDownArrow">
+            <a:avLst/>
+          </a:prstGeom>
+          <a:solidFill>
+            <a:srgbClr val="FF0000"/>
+          </a:solidFill>
+          <a:ln w="28575">
+            <a:solidFill>
+              <a:schemeClr val="accent2">
+                <a:lumMod val="50000"/>
+              </a:schemeClr>
+            </a:solidFill>
+          </a:ln>
+        </p:spPr>
+        <p:style>
+          <a:lnRef idx="2">
+            <a:schemeClr val="accent1">
+              <a:shade val="50000"/>
+            </a:schemeClr>
+          </a:lnRef>
+          <a:fillRef idx="1">
+            <a:schemeClr val="accent1"/>
+          </a:fillRef>
+          <a:effectRef idx="0">
+            <a:schemeClr val="accent1"/>
+          </a:effectRef>
+          <a:fontRef idx="minor">
+            <a:schemeClr val="lt1"/>
+          </a:fontRef>
+        </p:style>
+        <p:txBody>
+          <a:bodyPr rtlCol="0" anchor="ctr"/>
+          <a:lstStyle/>
+          <a:p>
+            <a:pPr algn="ctr"/>
+            <a:endParaRPr lang="fr-FR" sz="500" dirty="0">
+              <a:solidFill>
+                <a:prstClr val="white"/>
+              </a:solidFill>
+            </a:endParaRPr>
+          </a:p>
+        </p:txBody>
+      </p:sp>
+      <p:sp>
+        <p:nvSpPr>
+          <p:cNvPr id="22" name="Double flèche verticale 21"/>
+          <p:cNvSpPr/>
+          <p:nvPr/>
+        </p:nvSpPr>
+        <p:spPr>
+          <a:xfrm>
+            <a:off x="7524328" y="2181856"/>
+            <a:ext cx="504056" cy="3913986"/>
+          </a:xfrm>
+          <a:prstGeom prst="upDownArrow">
+            <a:avLst/>
+          </a:prstGeom>
+          <a:solidFill>
+            <a:schemeClr val="accent6">
+              <a:lumMod val="40000"/>
+              <a:lumOff val="60000"/>
+            </a:schemeClr>
+          </a:solidFill>
+          <a:ln>
+            <a:solidFill>
+              <a:schemeClr val="accent6">
+                <a:lumMod val="50000"/>
+              </a:schemeClr>
+            </a:solidFill>
+          </a:ln>
+        </p:spPr>
+        <p:style>
+          <a:lnRef idx="2">
+            <a:schemeClr val="accent1">
+              <a:shade val="50000"/>
+            </a:schemeClr>
+          </a:lnRef>
+          <a:fillRef idx="1">
+            <a:schemeClr val="accent1"/>
+          </a:fillRef>
+          <a:effectRef idx="0">
+            <a:schemeClr val="accent1"/>
+          </a:effectRef>
+          <a:fontRef idx="minor">
+            <a:schemeClr val="lt1"/>
+          </a:fontRef>
+        </p:style>
+        <p:txBody>
+          <a:bodyPr rtlCol="0" anchor="ctr"/>
+          <a:lstStyle/>
+          <a:p>
+            <a:pPr algn="ctr"/>
+            <a:endParaRPr lang="fr-FR" sz="500" dirty="0">
+              <a:solidFill>
+                <a:prstClr val="white"/>
+              </a:solidFill>
+            </a:endParaRPr>
+          </a:p>
+        </p:txBody>
+      </p:sp>
+      <p:sp>
+        <p:nvSpPr>
+          <p:cNvPr id="23" name="ZoneTexte 22"/>
+          <p:cNvSpPr txBox="1"/>
+          <p:nvPr/>
+        </p:nvSpPr>
+        <p:spPr>
+          <a:xfrm rot="16200000">
+            <a:off x="5282735" y="2945424"/>
+            <a:ext cx="1944216" cy="400110"/>
+          </a:xfrm>
+          <a:prstGeom prst="rect">
+            <a:avLst/>
+          </a:prstGeom>
+          <a:noFill/>
+        </p:spPr>
+        <p:txBody>
+          <a:bodyPr wrap="square" rtlCol="0">
+            <a:spAutoFit/>
+          </a:bodyPr>
+          <a:lstStyle/>
+          <a:p>
+            <a:pPr algn="ctr"/>
+            <a:r>
+              <a:rPr lang="fr-FR" sz="2000" b="1" dirty="0">
+                <a:solidFill>
+                  <a:srgbClr val="FF0000"/>
+                </a:solidFill>
+              </a:rPr>
+              <a:t>Ecart 1</a:t>
+            </a:r>
+          </a:p>
+        </p:txBody>
+      </p:sp>
+      <p:sp>
+        <p:nvSpPr>
+          <p:cNvPr id="24" name="ZoneTexte 23"/>
+          <p:cNvSpPr txBox="1"/>
+          <p:nvPr/>
+        </p:nvSpPr>
+        <p:spPr>
+          <a:xfrm rot="16200000">
+            <a:off x="5282294" y="4923679"/>
+            <a:ext cx="1944216" cy="400110"/>
+          </a:xfrm>
+          <a:prstGeom prst="rect">
+            <a:avLst/>
+          </a:prstGeom>
+          <a:noFill/>
+        </p:spPr>
+        <p:txBody>
+          <a:bodyPr wrap="square" rtlCol="0">
+            <a:spAutoFit/>
+          </a:bodyPr>
+          <a:lstStyle/>
+          <a:p>
+            <a:pPr algn="ctr"/>
+            <a:r>
+              <a:rPr lang="fr-FR" sz="2000" b="1" dirty="0">
+                <a:solidFill>
+                  <a:srgbClr val="FF0000"/>
+                </a:solidFill>
+              </a:rPr>
+              <a:t>Ecart 2</a:t>
+            </a:r>
+          </a:p>
+        </p:txBody>
+      </p:sp>
+      <p:sp>
+        <p:nvSpPr>
+          <p:cNvPr id="25" name="ZoneTexte 24"/>
+          <p:cNvSpPr txBox="1"/>
+          <p:nvPr/>
+        </p:nvSpPr>
+        <p:spPr>
+          <a:xfrm rot="16200000">
+            <a:off x="7072245" y="3938794"/>
+            <a:ext cx="1944216" cy="400110"/>
+          </a:xfrm>
+          <a:prstGeom prst="rect">
+            <a:avLst/>
+          </a:prstGeom>
+          <a:noFill/>
+        </p:spPr>
+        <p:txBody>
+          <a:bodyPr wrap="square" rtlCol="0">
+            <a:spAutoFit/>
+          </a:bodyPr>
+          <a:lstStyle/>
+          <a:p>
+            <a:pPr algn="ctr"/>
+            <a:r>
+              <a:rPr lang="fr-FR" sz="2000" b="1" dirty="0">
+                <a:solidFill>
+                  <a:srgbClr val="FF0000"/>
+                </a:solidFill>
+              </a:rPr>
+              <a:t>Ecart 3</a:t>
+            </a:r>
+          </a:p>
+        </p:txBody>
+      </p:sp>
+      <p:sp>
+        <p:nvSpPr>
+          <p:cNvPr id="20" name="Double flèche verticale 19"/>
+          <p:cNvSpPr/>
+          <p:nvPr/>
+        </p:nvSpPr>
+        <p:spPr>
+          <a:xfrm>
+            <a:off x="6537530" y="2613359"/>
+            <a:ext cx="504056" cy="1106764"/>
+          </a:xfrm>
+          <a:prstGeom prst="upDownArrow">
+            <a:avLst/>
+          </a:prstGeom>
+          <a:solidFill>
+            <a:schemeClr val="accent6">
+              <a:lumMod val="40000"/>
+              <a:lumOff val="60000"/>
+            </a:schemeClr>
+          </a:solidFill>
+          <a:ln>
+            <a:solidFill>
+              <a:schemeClr val="accent6">
+                <a:lumMod val="50000"/>
+              </a:schemeClr>
+            </a:solidFill>
+          </a:ln>
+        </p:spPr>
+        <p:style>
+          <a:lnRef idx="2">
+            <a:schemeClr val="accent1">
+              <a:shade val="50000"/>
+            </a:schemeClr>
+          </a:lnRef>
+          <a:fillRef idx="1">
+            <a:schemeClr val="accent1"/>
+          </a:fillRef>
+          <a:effectRef idx="0">
+            <a:schemeClr val="accent1"/>
+          </a:effectRef>
+          <a:fontRef idx="minor">
+            <a:schemeClr val="lt1"/>
+          </a:fontRef>
+        </p:style>
+        <p:txBody>
+          <a:bodyPr rtlCol="0" anchor="ctr"/>
+          <a:lstStyle/>
+          <a:p>
+            <a:pPr algn="ctr"/>
+            <a:r>
+              <a:rPr lang="fr-FR" sz="500" dirty="0">
+                <a:solidFill>
+                  <a:prstClr val="white"/>
+                </a:solidFill>
+              </a:rPr>
+              <a:t>  </a:t>
+            </a:r>
+          </a:p>
+        </p:txBody>
+      </p:sp>
+      <p:pic>
+        <p:nvPicPr>
+          <p:cNvPr id="2052" name="Picture 4"/>
+          <p:cNvPicPr>
+            <a:picLocks noChangeAspect="1" noChangeArrowheads="1"/>
+          </p:cNvPicPr>
+          <p:nvPr/>
+        </p:nvPicPr>
+        <p:blipFill rotWithShape="1">
+          <a:blip r:embed="rId3" cstate="print">
+            <a:extLst>
+              <a:ext uri="{28A0092B-C50C-407E-A947-70E740481C1C}">
+                <a14:useLocalDpi xmlns:a14="http://schemas.microsoft.com/office/drawing/2010/main" val="0"/>
+              </a:ext>
+            </a:extLst>
+          </a:blip>
+          <a:srcRect r="46224" b="18513"/>
+          <a:stretch/>
+        </p:blipFill>
+        <p:spPr bwMode="auto">
+          <a:xfrm>
+            <a:off x="339295" y="4966913"/>
+            <a:ext cx="1350503" cy="1159717"/>
+          </a:xfrm>
+          <a:prstGeom prst="rect">
+            <a:avLst/>
+          </a:prstGeom>
+          <a:ln>
+            <a:noFill/>
+          </a:ln>
+          <a:effectLst>
+            <a:outerShdw blurRad="292100" dist="139700" dir="2700000" algn="tl" rotWithShape="0">
+              <a:srgbClr val="333333">
+                <a:alpha val="65000"/>
+              </a:srgbClr>
+            </a:outerShdw>
+          </a:effectLst>
+          <a:scene3d>
+            <a:camera prst="isometricOffAxis1Right"/>
+            <a:lightRig rig="threePt" dir="t"/>
+          </a:scene3d>
+          <a:extLst>
+            <a:ext uri="{909E8E84-426E-40DD-AFC4-6F175D3DCCD1}">
+              <a14:hiddenFill xmlns:a14="http://schemas.microsoft.com/office/drawing/2010/main">
+                <a:solidFill>
+                  <a:schemeClr val="accent1"/>
+                </a:solidFill>
+              </a14:hiddenFill>
+            </a:ext>
+            <a:ext uri="{91240B29-F687-4F45-9708-019B960494DF}">
+              <a14:hiddenLine xmlns:a14="http://schemas.microsoft.com/office/drawing/2010/main" w="9525">
+                <a:solidFill>
+                  <a:schemeClr val="tx1"/>
+                </a:solidFill>
+                <a:miter lim="800000"/>
+                <a:headEnd/>
+                <a:tailEnd/>
+              </a14:hiddenLine>
+            </a:ext>
+          </a:extLst>
+        </p:spPr>
+      </p:pic>
       <p:pic>
         <p:nvPicPr>
           <p:cNvPr id="26" name="Image 25"/>
@@ -15864,7 +20708,7 @@
 </p:sld>
 </file>
 
-<file path=ppt/slides/slide12.xml><?xml version="1.0" encoding="utf-8"?>
+<file path=ppt/slides/slide13.xml><?xml version="1.0" encoding="utf-8"?>
 <p:sld xmlns:a="http://schemas.openxmlformats.org/drawingml/2006/main" xmlns:r="http://schemas.openxmlformats.org/officeDocument/2006/relationships" xmlns:p="http://schemas.openxmlformats.org/presentationml/2006/main">
   <p:cSld>
     <p:spTree>
@@ -16683,7 +21527,7 @@
 </p:sld>
 </file>
 
-<file path=ppt/slides/slide13.xml><?xml version="1.0" encoding="utf-8"?>
+<file path=ppt/slides/slide14.xml><?xml version="1.0" encoding="utf-8"?>
 <p:sld xmlns:a="http://schemas.openxmlformats.org/drawingml/2006/main" xmlns:r="http://schemas.openxmlformats.org/officeDocument/2006/relationships" xmlns:p="http://schemas.openxmlformats.org/presentationml/2006/main">
   <p:cSld>
     <p:spTree>
@@ -16722,7 +21566,7 @@
                 </a:solidFill>
               </a:rPr>
               <a:pPr/>
-              <a:t>13</a:t>
+              <a:t>14</a:t>
             </a:fld>
             <a:endParaRPr lang="fr-FR" dirty="0">
               <a:solidFill>
@@ -17490,7 +22334,7 @@
 </p:sld>
 </file>
 
-<file path=ppt/slides/slide14.xml><?xml version="1.0" encoding="utf-8"?>
+<file path=ppt/slides/slide15.xml><?xml version="1.0" encoding="utf-8"?>
 <p:sld xmlns:a="http://schemas.openxmlformats.org/drawingml/2006/main" xmlns:r="http://schemas.openxmlformats.org/officeDocument/2006/relationships" xmlns:p="http://schemas.openxmlformats.org/presentationml/2006/main">
   <p:cSld>
     <p:spTree>
@@ -20797,1341 +25641,38 @@
           <a:chExt cx="0" cy="0"/>
         </a:xfrm>
       </p:grpSpPr>
-      <p:cxnSp>
-        <p:nvCxnSpPr>
-          <p:cNvPr id="5" name="Connecteur droit avec flèche 4"/>
-          <p:cNvCxnSpPr>
-            <a:stCxn id="13" idx="3"/>
-            <a:endCxn id="18" idx="1"/>
-          </p:cNvCxnSpPr>
-          <p:nvPr/>
-        </p:nvCxnSpPr>
-        <p:spPr>
-          <a:xfrm>
-            <a:off x="-1294740" y="1219984"/>
-            <a:ext cx="1939458" cy="0"/>
-          </a:xfrm>
-          <a:prstGeom prst="straightConnector1">
-            <a:avLst/>
-          </a:prstGeom>
-          <a:ln w="19050">
-            <a:tailEnd type="arrow"/>
-          </a:ln>
-        </p:spPr>
-        <p:style>
-          <a:lnRef idx="1">
-            <a:schemeClr val="accent4"/>
-          </a:lnRef>
-          <a:fillRef idx="0">
-            <a:schemeClr val="accent4"/>
-          </a:fillRef>
-          <a:effectRef idx="0">
-            <a:schemeClr val="accent4"/>
-          </a:effectRef>
-          <a:fontRef idx="minor">
-            <a:schemeClr val="tx1"/>
-          </a:fontRef>
-        </p:style>
-      </p:cxnSp>
-      <p:cxnSp>
-        <p:nvCxnSpPr>
-          <p:cNvPr id="6" name="Connecteur droit avec flèche 5"/>
-          <p:cNvCxnSpPr>
-            <a:stCxn id="14" idx="3"/>
-            <a:endCxn id="19" idx="1"/>
-          </p:cNvCxnSpPr>
-          <p:nvPr/>
-        </p:nvCxnSpPr>
-        <p:spPr>
-          <a:xfrm>
-            <a:off x="-325011" y="2402856"/>
-            <a:ext cx="4108462" cy="0"/>
-          </a:xfrm>
-          <a:prstGeom prst="straightConnector1">
-            <a:avLst/>
-          </a:prstGeom>
-          <a:ln w="19050">
-            <a:tailEnd type="arrow"/>
-          </a:ln>
-        </p:spPr>
-        <p:style>
-          <a:lnRef idx="1">
-            <a:schemeClr val="accent4"/>
-          </a:lnRef>
-          <a:fillRef idx="0">
-            <a:schemeClr val="accent4"/>
-          </a:fillRef>
-          <a:effectRef idx="0">
-            <a:schemeClr val="accent4"/>
-          </a:effectRef>
-          <a:fontRef idx="minor">
-            <a:schemeClr val="tx1"/>
-          </a:fontRef>
-        </p:style>
-      </p:cxnSp>
-      <p:cxnSp>
-        <p:nvCxnSpPr>
-          <p:cNvPr id="7" name="Connecteur droit avec flèche 6"/>
-          <p:cNvCxnSpPr>
-            <a:stCxn id="17" idx="1"/>
-            <a:endCxn id="26" idx="3"/>
-          </p:cNvCxnSpPr>
-          <p:nvPr/>
-        </p:nvCxnSpPr>
-        <p:spPr>
-          <a:xfrm flipH="1">
-            <a:off x="8320869" y="1219984"/>
-            <a:ext cx="1867755" cy="0"/>
-          </a:xfrm>
-          <a:prstGeom prst="straightConnector1">
-            <a:avLst/>
-          </a:prstGeom>
-          <a:ln w="19050">
-            <a:tailEnd type="arrow"/>
-          </a:ln>
-        </p:spPr>
-        <p:style>
-          <a:lnRef idx="1">
-            <a:schemeClr val="accent4"/>
-          </a:lnRef>
-          <a:fillRef idx="0">
-            <a:schemeClr val="accent4"/>
-          </a:fillRef>
-          <a:effectRef idx="0">
-            <a:schemeClr val="accent4"/>
-          </a:effectRef>
-          <a:fontRef idx="minor">
-            <a:schemeClr val="tx1"/>
-          </a:fontRef>
-        </p:style>
-      </p:cxnSp>
-      <p:cxnSp>
-        <p:nvCxnSpPr>
-          <p:cNvPr id="8" name="Connecteur droit avec flèche 7"/>
-          <p:cNvCxnSpPr>
-            <a:stCxn id="16" idx="1"/>
-            <a:endCxn id="22" idx="3"/>
-          </p:cNvCxnSpPr>
-          <p:nvPr/>
-        </p:nvCxnSpPr>
-        <p:spPr>
-          <a:xfrm flipH="1">
-            <a:off x="6880869" y="3136239"/>
-            <a:ext cx="1543131" cy="0"/>
-          </a:xfrm>
-          <a:prstGeom prst="straightConnector1">
-            <a:avLst/>
-          </a:prstGeom>
-          <a:ln w="19050">
-            <a:tailEnd type="arrow"/>
-          </a:ln>
-        </p:spPr>
-        <p:style>
-          <a:lnRef idx="1">
-            <a:schemeClr val="accent4"/>
-          </a:lnRef>
-          <a:fillRef idx="0">
-            <a:schemeClr val="accent4"/>
-          </a:fillRef>
-          <a:effectRef idx="0">
-            <a:schemeClr val="accent4"/>
-          </a:effectRef>
-          <a:fontRef idx="minor">
-            <a:schemeClr val="tx1"/>
-          </a:fontRef>
-        </p:style>
-      </p:cxnSp>
-      <p:cxnSp>
-        <p:nvCxnSpPr>
-          <p:cNvPr id="9" name="Connecteur droit avec flèche 8"/>
-          <p:cNvCxnSpPr>
-            <a:endCxn id="21" idx="1"/>
-          </p:cNvCxnSpPr>
-          <p:nvPr/>
-        </p:nvCxnSpPr>
-        <p:spPr>
-          <a:xfrm>
-            <a:off x="269440" y="4130329"/>
-            <a:ext cx="3443237" cy="0"/>
-          </a:xfrm>
-          <a:prstGeom prst="straightConnector1">
-            <a:avLst/>
-          </a:prstGeom>
-          <a:ln w="19050">
-            <a:tailEnd type="arrow"/>
-          </a:ln>
-        </p:spPr>
-        <p:style>
-          <a:lnRef idx="1">
-            <a:schemeClr val="accent4"/>
-          </a:lnRef>
-          <a:fillRef idx="0">
-            <a:schemeClr val="accent4"/>
-          </a:fillRef>
-          <a:effectRef idx="0">
-            <a:schemeClr val="accent4"/>
-          </a:effectRef>
-          <a:fontRef idx="minor">
-            <a:schemeClr val="tx1"/>
-          </a:fontRef>
-        </p:style>
-      </p:cxnSp>
-      <p:cxnSp>
-        <p:nvCxnSpPr>
-          <p:cNvPr id="10" name="Connecteur droit avec flèche 9"/>
-          <p:cNvCxnSpPr>
-            <a:endCxn id="20" idx="1"/>
-          </p:cNvCxnSpPr>
-          <p:nvPr/>
-        </p:nvCxnSpPr>
-        <p:spPr>
-          <a:xfrm>
-            <a:off x="269440" y="3136239"/>
-            <a:ext cx="1715045" cy="0"/>
-          </a:xfrm>
-          <a:prstGeom prst="straightConnector1">
-            <a:avLst/>
-          </a:prstGeom>
-          <a:ln w="19050">
-            <a:tailEnd type="arrow"/>
-          </a:ln>
-        </p:spPr>
-        <p:style>
-          <a:lnRef idx="1">
-            <a:schemeClr val="accent4"/>
-          </a:lnRef>
-          <a:fillRef idx="0">
-            <a:schemeClr val="accent4"/>
-          </a:fillRef>
-          <a:effectRef idx="0">
-            <a:schemeClr val="accent4"/>
-          </a:effectRef>
-          <a:fontRef idx="minor">
-            <a:schemeClr val="tx1"/>
-          </a:fontRef>
-        </p:style>
-      </p:cxnSp>
-      <p:sp>
-        <p:nvSpPr>
-          <p:cNvPr id="11" name="Rectangle 10"/>
-          <p:cNvSpPr/>
-          <p:nvPr/>
-        </p:nvSpPr>
-        <p:spPr>
-          <a:xfrm>
-            <a:off x="-1695653" y="0"/>
-            <a:ext cx="1440000" cy="540000"/>
-          </a:xfrm>
-          <a:prstGeom prst="rect">
-            <a:avLst/>
-          </a:prstGeom>
-        </p:spPr>
-        <p:style>
-          <a:lnRef idx="1">
-            <a:schemeClr val="accent6"/>
-          </a:lnRef>
-          <a:fillRef idx="2">
-            <a:schemeClr val="accent6"/>
-          </a:fillRef>
-          <a:effectRef idx="1">
-            <a:schemeClr val="accent6"/>
-          </a:effectRef>
-          <a:fontRef idx="minor">
-            <a:schemeClr val="dk1"/>
-          </a:fontRef>
-        </p:style>
-        <p:txBody>
-          <a:bodyPr rtlCol="0" anchor="ctr"/>
-          <a:lstStyle/>
-          <a:p>
-            <a:pPr algn="ctr"/>
-            <a:r>
-              <a:rPr lang="fr-FR" sz="1200" dirty="0"/>
-              <a:t>Besoin client</a:t>
-            </a:r>
-          </a:p>
-        </p:txBody>
-      </p:sp>
-      <p:sp>
-        <p:nvSpPr>
-          <p:cNvPr id="12" name="Rectangle 11"/>
-          <p:cNvSpPr/>
-          <p:nvPr/>
-        </p:nvSpPr>
-        <p:spPr>
-          <a:xfrm>
-            <a:off x="8977205" y="0"/>
-            <a:ext cx="1440000" cy="540000"/>
-          </a:xfrm>
-          <a:prstGeom prst="rect">
-            <a:avLst/>
-          </a:prstGeom>
-        </p:spPr>
-        <p:style>
-          <a:lnRef idx="1">
-            <a:schemeClr val="accent6"/>
-          </a:lnRef>
-          <a:fillRef idx="2">
-            <a:schemeClr val="accent6"/>
-          </a:fillRef>
-          <a:effectRef idx="1">
-            <a:schemeClr val="accent6"/>
-          </a:effectRef>
-          <a:fontRef idx="minor">
-            <a:schemeClr val="dk1"/>
-          </a:fontRef>
-        </p:style>
-        <p:txBody>
-          <a:bodyPr rtlCol="0" anchor="ctr"/>
-          <a:lstStyle/>
-          <a:p>
-            <a:pPr algn="ctr"/>
-            <a:r>
-              <a:rPr lang="fr-FR" sz="1200" dirty="0"/>
-              <a:t>Système livré</a:t>
-            </a:r>
-          </a:p>
-        </p:txBody>
-      </p:sp>
-      <p:sp>
-        <p:nvSpPr>
-          <p:cNvPr id="13" name="Rectangle 12"/>
-          <p:cNvSpPr/>
-          <p:nvPr/>
-        </p:nvSpPr>
-        <p:spPr>
-          <a:xfrm>
-            <a:off x="-2734740" y="949984"/>
-            <a:ext cx="1440000" cy="540000"/>
-          </a:xfrm>
-          <a:prstGeom prst="rect">
-            <a:avLst/>
-          </a:prstGeom>
-        </p:spPr>
-        <p:style>
-          <a:lnRef idx="1">
-            <a:schemeClr val="accent4"/>
-          </a:lnRef>
-          <a:fillRef idx="2">
-            <a:schemeClr val="accent4"/>
-          </a:fillRef>
-          <a:effectRef idx="1">
-            <a:schemeClr val="accent4"/>
-          </a:effectRef>
-          <a:fontRef idx="minor">
-            <a:schemeClr val="dk1"/>
-          </a:fontRef>
-        </p:style>
-        <p:txBody>
-          <a:bodyPr rtlCol="0" anchor="ctr"/>
-          <a:lstStyle/>
-          <a:p>
-            <a:pPr algn="ctr"/>
-            <a:r>
-              <a:rPr lang="fr-FR" sz="1200" dirty="0"/>
-              <a:t>Spécifications / Cahier des charges</a:t>
-            </a:r>
-          </a:p>
-        </p:txBody>
-      </p:sp>
-      <p:sp>
-        <p:nvSpPr>
-          <p:cNvPr id="14" name="Rectangle 13"/>
-          <p:cNvSpPr/>
-          <p:nvPr/>
-        </p:nvSpPr>
-        <p:spPr>
-          <a:xfrm>
-            <a:off x="-1765011" y="2132856"/>
-            <a:ext cx="1440000" cy="540000"/>
-          </a:xfrm>
-          <a:prstGeom prst="rect">
-            <a:avLst/>
-          </a:prstGeom>
-        </p:spPr>
-        <p:style>
-          <a:lnRef idx="1">
-            <a:schemeClr val="accent4"/>
-          </a:lnRef>
-          <a:fillRef idx="2">
-            <a:schemeClr val="accent4"/>
-          </a:fillRef>
-          <a:effectRef idx="1">
-            <a:schemeClr val="accent4"/>
-          </a:effectRef>
-          <a:fontRef idx="minor">
-            <a:schemeClr val="dk1"/>
-          </a:fontRef>
-        </p:style>
-        <p:txBody>
-          <a:bodyPr rtlCol="0" anchor="ctr"/>
-          <a:lstStyle/>
-          <a:p>
-            <a:pPr algn="ctr"/>
-            <a:r>
-              <a:rPr lang="fr-FR" sz="1200" dirty="0"/>
-              <a:t>Choix de l’architecture globale du système</a:t>
-            </a:r>
-          </a:p>
-        </p:txBody>
-      </p:sp>
-      <p:sp>
-        <p:nvSpPr>
-          <p:cNvPr id="15" name="Rectangle 14"/>
-          <p:cNvSpPr/>
-          <p:nvPr/>
-        </p:nvSpPr>
-        <p:spPr>
-          <a:xfrm>
-            <a:off x="-468560" y="3368035"/>
-            <a:ext cx="1476000" cy="540000"/>
-          </a:xfrm>
-          <a:prstGeom prst="rect">
-            <a:avLst/>
-          </a:prstGeom>
-        </p:spPr>
-        <p:style>
-          <a:lnRef idx="1">
-            <a:schemeClr val="accent4"/>
-          </a:lnRef>
-          <a:fillRef idx="2">
-            <a:schemeClr val="accent4"/>
-          </a:fillRef>
-          <a:effectRef idx="1">
-            <a:schemeClr val="accent4"/>
-          </a:effectRef>
-          <a:fontRef idx="minor">
-            <a:schemeClr val="dk1"/>
-          </a:fontRef>
-        </p:style>
-        <p:txBody>
-          <a:bodyPr rtlCol="0" anchor="ctr"/>
-          <a:lstStyle/>
-          <a:p>
-            <a:pPr algn="ctr"/>
-            <a:r>
-              <a:rPr lang="fr-FR" sz="1200" dirty="0"/>
-              <a:t>Choix de l’architecture détaillée du système</a:t>
-            </a:r>
-          </a:p>
-        </p:txBody>
-      </p:sp>
-      <p:sp>
-        <p:nvSpPr>
-          <p:cNvPr id="16" name="Rectangle 15"/>
-          <p:cNvSpPr/>
-          <p:nvPr/>
-        </p:nvSpPr>
-        <p:spPr>
-          <a:xfrm>
-            <a:off x="8424000" y="2866239"/>
-            <a:ext cx="1440000" cy="540000"/>
-          </a:xfrm>
-          <a:prstGeom prst="rect">
-            <a:avLst/>
-          </a:prstGeom>
-        </p:spPr>
-        <p:style>
-          <a:lnRef idx="1">
-            <a:schemeClr val="accent4"/>
-          </a:lnRef>
-          <a:fillRef idx="2">
-            <a:schemeClr val="accent4"/>
-          </a:fillRef>
-          <a:effectRef idx="1">
-            <a:schemeClr val="accent4"/>
-          </a:effectRef>
-          <a:fontRef idx="minor">
-            <a:schemeClr val="dk1"/>
-          </a:fontRef>
-        </p:style>
-        <p:txBody>
-          <a:bodyPr rtlCol="0" anchor="ctr"/>
-          <a:lstStyle/>
-          <a:p>
-            <a:pPr algn="ctr"/>
-            <a:r>
-              <a:rPr lang="fr-FR" sz="1200" dirty="0"/>
-              <a:t>Sous-systèmes réalisés</a:t>
-            </a:r>
-          </a:p>
-        </p:txBody>
-      </p:sp>
-      <p:sp>
-        <p:nvSpPr>
-          <p:cNvPr id="17" name="Rectangle 16"/>
-          <p:cNvSpPr/>
-          <p:nvPr/>
-        </p:nvSpPr>
-        <p:spPr>
-          <a:xfrm>
-            <a:off x="10188624" y="949984"/>
-            <a:ext cx="1440000" cy="540000"/>
-          </a:xfrm>
-          <a:prstGeom prst="rect">
-            <a:avLst/>
-          </a:prstGeom>
-        </p:spPr>
-        <p:style>
-          <a:lnRef idx="1">
-            <a:schemeClr val="accent4"/>
-          </a:lnRef>
-          <a:fillRef idx="2">
-            <a:schemeClr val="accent4"/>
-          </a:fillRef>
-          <a:effectRef idx="1">
-            <a:schemeClr val="accent4"/>
-          </a:effectRef>
-          <a:fontRef idx="minor">
-            <a:schemeClr val="dk1"/>
-          </a:fontRef>
-        </p:style>
-        <p:txBody>
-          <a:bodyPr rtlCol="0" anchor="ctr"/>
-          <a:lstStyle/>
-          <a:p>
-            <a:pPr algn="ctr"/>
-            <a:r>
-              <a:rPr lang="fr-FR" sz="1200" dirty="0"/>
-              <a:t>Système réalisé</a:t>
-            </a:r>
-          </a:p>
-        </p:txBody>
-      </p:sp>
-      <p:sp>
-        <p:nvSpPr>
-          <p:cNvPr id="18" name="Rectangle 17"/>
-          <p:cNvSpPr/>
-          <p:nvPr/>
-        </p:nvSpPr>
-        <p:spPr>
-          <a:xfrm>
-            <a:off x="644718" y="949984"/>
-            <a:ext cx="1440000" cy="540000"/>
-          </a:xfrm>
-          <a:prstGeom prst="rect">
-            <a:avLst/>
-          </a:prstGeom>
-        </p:spPr>
-        <p:style>
-          <a:lnRef idx="1">
-            <a:schemeClr val="accent1"/>
-          </a:lnRef>
-          <a:fillRef idx="2">
-            <a:schemeClr val="accent1"/>
-          </a:fillRef>
-          <a:effectRef idx="1">
-            <a:schemeClr val="accent1"/>
-          </a:effectRef>
-          <a:fontRef idx="minor">
-            <a:schemeClr val="dk1"/>
-          </a:fontRef>
-        </p:style>
-        <p:txBody>
-          <a:bodyPr rtlCol="0" anchor="ctr"/>
-          <a:lstStyle/>
-          <a:p>
-            <a:pPr algn="ctr"/>
-            <a:r>
-              <a:rPr lang="fr-FR" sz="1200" dirty="0"/>
-              <a:t>Performances attendues du système</a:t>
-            </a:r>
-          </a:p>
-        </p:txBody>
-      </p:sp>
-      <p:sp>
-        <p:nvSpPr>
-          <p:cNvPr id="19" name="Rectangle 18"/>
-          <p:cNvSpPr/>
-          <p:nvPr/>
-        </p:nvSpPr>
-        <p:spPr>
-          <a:xfrm>
-            <a:off x="3783451" y="2132856"/>
-            <a:ext cx="1440000" cy="540000"/>
-          </a:xfrm>
-          <a:prstGeom prst="rect">
-            <a:avLst/>
-          </a:prstGeom>
-        </p:spPr>
-        <p:style>
-          <a:lnRef idx="1">
-            <a:schemeClr val="accent1"/>
-          </a:lnRef>
-          <a:fillRef idx="2">
-            <a:schemeClr val="accent1"/>
-          </a:fillRef>
-          <a:effectRef idx="1">
-            <a:schemeClr val="accent1"/>
-          </a:effectRef>
-          <a:fontRef idx="minor">
-            <a:schemeClr val="dk1"/>
-          </a:fontRef>
-        </p:style>
-        <p:txBody>
-          <a:bodyPr rtlCol="0" anchor="ctr"/>
-          <a:lstStyle/>
-          <a:p>
-            <a:pPr algn="ctr"/>
-            <a:r>
-              <a:rPr lang="fr-FR" sz="1200" dirty="0"/>
-              <a:t>Performances simulées du système</a:t>
-            </a:r>
-          </a:p>
-        </p:txBody>
-      </p:sp>
-      <p:sp>
-        <p:nvSpPr>
-          <p:cNvPr id="20" name="Rectangle 19"/>
-          <p:cNvSpPr/>
-          <p:nvPr/>
-        </p:nvSpPr>
-        <p:spPr>
-          <a:xfrm>
-            <a:off x="1984485" y="2866239"/>
-            <a:ext cx="1440000" cy="540000"/>
-          </a:xfrm>
-          <a:prstGeom prst="rect">
-            <a:avLst/>
-          </a:prstGeom>
-        </p:spPr>
-        <p:style>
-          <a:lnRef idx="1">
-            <a:schemeClr val="accent1"/>
-          </a:lnRef>
-          <a:fillRef idx="2">
-            <a:schemeClr val="accent1"/>
-          </a:fillRef>
-          <a:effectRef idx="1">
-            <a:schemeClr val="accent1"/>
-          </a:effectRef>
-          <a:fontRef idx="minor">
-            <a:schemeClr val="dk1"/>
-          </a:fontRef>
-        </p:style>
-        <p:txBody>
-          <a:bodyPr rtlCol="0" anchor="ctr"/>
-          <a:lstStyle/>
-          <a:p>
-            <a:pPr algn="ctr"/>
-            <a:r>
-              <a:rPr lang="fr-FR" sz="1200" dirty="0"/>
-              <a:t>Performances attendues des sous-systèmes</a:t>
-            </a:r>
-          </a:p>
-        </p:txBody>
-      </p:sp>
-      <p:sp>
-        <p:nvSpPr>
-          <p:cNvPr id="21" name="Rectangle 20"/>
-          <p:cNvSpPr/>
-          <p:nvPr/>
-        </p:nvSpPr>
-        <p:spPr>
-          <a:xfrm>
-            <a:off x="3712677" y="3860329"/>
-            <a:ext cx="1440000" cy="540000"/>
-          </a:xfrm>
-          <a:prstGeom prst="rect">
-            <a:avLst/>
-          </a:prstGeom>
-        </p:spPr>
-        <p:style>
-          <a:lnRef idx="1">
-            <a:schemeClr val="accent1"/>
-          </a:lnRef>
-          <a:fillRef idx="2">
-            <a:schemeClr val="accent1"/>
-          </a:fillRef>
-          <a:effectRef idx="1">
-            <a:schemeClr val="accent1"/>
-          </a:effectRef>
-          <a:fontRef idx="minor">
-            <a:schemeClr val="dk1"/>
-          </a:fontRef>
-        </p:style>
-        <p:txBody>
-          <a:bodyPr rtlCol="0" anchor="ctr"/>
-          <a:lstStyle/>
-          <a:p>
-            <a:pPr algn="ctr"/>
-            <a:r>
-              <a:rPr lang="fr-FR" sz="1200" dirty="0"/>
-              <a:t>Performances mesurées des sous-systèmes</a:t>
-            </a:r>
-          </a:p>
-        </p:txBody>
-      </p:sp>
-      <p:sp>
-        <p:nvSpPr>
-          <p:cNvPr id="22" name="Rectangle 21"/>
-          <p:cNvSpPr/>
-          <p:nvPr/>
-        </p:nvSpPr>
-        <p:spPr>
-          <a:xfrm>
-            <a:off x="5440869" y="2866239"/>
-            <a:ext cx="1440000" cy="540000"/>
-          </a:xfrm>
-          <a:prstGeom prst="rect">
-            <a:avLst/>
-          </a:prstGeom>
-        </p:spPr>
-        <p:style>
-          <a:lnRef idx="1">
-            <a:schemeClr val="accent1"/>
-          </a:lnRef>
-          <a:fillRef idx="2">
-            <a:schemeClr val="accent1"/>
-          </a:fillRef>
-          <a:effectRef idx="1">
-            <a:schemeClr val="accent1"/>
-          </a:effectRef>
-          <a:fontRef idx="minor">
-            <a:schemeClr val="dk1"/>
-          </a:fontRef>
-        </p:style>
-        <p:txBody>
-          <a:bodyPr rtlCol="0" anchor="ctr"/>
-          <a:lstStyle/>
-          <a:p>
-            <a:pPr algn="ctr"/>
-            <a:r>
-              <a:rPr lang="fr-FR" sz="1200" dirty="0"/>
-              <a:t>Performances simulées des sous-systèmes</a:t>
-            </a:r>
-          </a:p>
-        </p:txBody>
-      </p:sp>
-      <p:sp>
-        <p:nvSpPr>
-          <p:cNvPr id="23" name="Flèche droite 22"/>
-          <p:cNvSpPr/>
-          <p:nvPr/>
-        </p:nvSpPr>
-        <p:spPr>
-          <a:xfrm rot="2700000">
-            <a:off x="-1915151" y="2442430"/>
-            <a:ext cx="5796062" cy="864096"/>
-          </a:xfrm>
-          <a:prstGeom prst="rightArrow">
-            <a:avLst/>
-          </a:prstGeom>
-        </p:spPr>
-        <p:style>
-          <a:lnRef idx="1">
-            <a:schemeClr val="accent3"/>
-          </a:lnRef>
-          <a:fillRef idx="2">
-            <a:schemeClr val="accent3"/>
-          </a:fillRef>
-          <a:effectRef idx="1">
-            <a:schemeClr val="accent3"/>
-          </a:effectRef>
-          <a:fontRef idx="minor">
-            <a:schemeClr val="dk1"/>
-          </a:fontRef>
-        </p:style>
-        <p:txBody>
-          <a:bodyPr rtlCol="0" anchor="ctr"/>
-          <a:lstStyle/>
-          <a:p>
-            <a:pPr algn="ctr"/>
-            <a:r>
-              <a:rPr lang="fr-FR" sz="1400" b="1" i="1" dirty="0"/>
-              <a:t>Conception</a:t>
-            </a:r>
-          </a:p>
-        </p:txBody>
-      </p:sp>
-      <p:sp>
-        <p:nvSpPr>
-          <p:cNvPr id="24" name="Flèche droite 23"/>
-          <p:cNvSpPr/>
-          <p:nvPr/>
-        </p:nvSpPr>
-        <p:spPr>
-          <a:xfrm>
-            <a:off x="3145559" y="4400329"/>
-            <a:ext cx="2671700" cy="864096"/>
-          </a:xfrm>
-          <a:prstGeom prst="rightArrow">
-            <a:avLst/>
-          </a:prstGeom>
-        </p:spPr>
-        <p:style>
-          <a:lnRef idx="1">
-            <a:schemeClr val="accent3"/>
-          </a:lnRef>
-          <a:fillRef idx="2">
-            <a:schemeClr val="accent3"/>
-          </a:fillRef>
-          <a:effectRef idx="1">
-            <a:schemeClr val="accent3"/>
-          </a:effectRef>
-          <a:fontRef idx="minor">
-            <a:schemeClr val="dk1"/>
-          </a:fontRef>
-        </p:style>
-        <p:txBody>
-          <a:bodyPr rtlCol="0" anchor="ctr"/>
-          <a:lstStyle/>
-          <a:p>
-            <a:pPr algn="ctr"/>
-            <a:r>
-              <a:rPr lang="fr-FR" sz="1400" b="1" i="1" dirty="0"/>
-              <a:t>Réalisation</a:t>
-            </a:r>
-          </a:p>
-        </p:txBody>
-      </p:sp>
-      <p:sp>
-        <p:nvSpPr>
-          <p:cNvPr id="25" name="Flèche droite 24"/>
-          <p:cNvSpPr/>
-          <p:nvPr/>
-        </p:nvSpPr>
-        <p:spPr>
-          <a:xfrm rot="18900000">
-            <a:off x="5164505" y="2350430"/>
-            <a:ext cx="5796000" cy="864096"/>
-          </a:xfrm>
-          <a:prstGeom prst="rightArrow">
-            <a:avLst/>
-          </a:prstGeom>
-        </p:spPr>
-        <p:style>
-          <a:lnRef idx="1">
-            <a:schemeClr val="accent3"/>
-          </a:lnRef>
-          <a:fillRef idx="2">
-            <a:schemeClr val="accent3"/>
-          </a:fillRef>
-          <a:effectRef idx="1">
-            <a:schemeClr val="accent3"/>
-          </a:effectRef>
-          <a:fontRef idx="minor">
-            <a:schemeClr val="dk1"/>
-          </a:fontRef>
-        </p:style>
-        <p:txBody>
-          <a:bodyPr rtlCol="0" anchor="ctr"/>
-          <a:lstStyle/>
-          <a:p>
-            <a:pPr algn="ctr"/>
-            <a:r>
-              <a:rPr lang="fr-FR" sz="1400" b="1" i="1" dirty="0"/>
-              <a:t>Intégration</a:t>
-            </a:r>
-          </a:p>
-        </p:txBody>
-      </p:sp>
-      <p:sp>
-        <p:nvSpPr>
-          <p:cNvPr id="26" name="Rectangle 25"/>
-          <p:cNvSpPr/>
-          <p:nvPr/>
-        </p:nvSpPr>
-        <p:spPr>
-          <a:xfrm>
-            <a:off x="6880869" y="949984"/>
-            <a:ext cx="1440000" cy="540000"/>
-          </a:xfrm>
-          <a:prstGeom prst="rect">
-            <a:avLst/>
-          </a:prstGeom>
-        </p:spPr>
-        <p:style>
-          <a:lnRef idx="1">
-            <a:schemeClr val="accent1"/>
-          </a:lnRef>
-          <a:fillRef idx="2">
-            <a:schemeClr val="accent1"/>
-          </a:fillRef>
-          <a:effectRef idx="1">
-            <a:schemeClr val="accent1"/>
-          </a:effectRef>
-          <a:fontRef idx="minor">
-            <a:schemeClr val="dk1"/>
-          </a:fontRef>
-        </p:style>
-        <p:txBody>
-          <a:bodyPr rtlCol="0" anchor="ctr"/>
-          <a:lstStyle/>
-          <a:p>
-            <a:pPr algn="ctr"/>
-            <a:r>
-              <a:rPr lang="fr-FR" sz="1200" dirty="0"/>
-              <a:t>Performances mesurées du système</a:t>
-            </a:r>
-          </a:p>
-        </p:txBody>
-      </p:sp>
-      <p:cxnSp>
-        <p:nvCxnSpPr>
-          <p:cNvPr id="27" name="Connecteur droit avec flèche 26"/>
-          <p:cNvCxnSpPr>
-            <a:stCxn id="11" idx="3"/>
-            <a:endCxn id="12" idx="1"/>
-          </p:cNvCxnSpPr>
-          <p:nvPr/>
-        </p:nvCxnSpPr>
-        <p:spPr>
-          <a:xfrm>
-            <a:off x="-255653" y="270000"/>
-            <a:ext cx="9232858" cy="0"/>
-          </a:xfrm>
-          <a:prstGeom prst="straightConnector1">
-            <a:avLst/>
-          </a:prstGeom>
-          <a:ln w="47625" cmpd="sng">
-            <a:headEnd type="stealth" w="med" len="lg"/>
-            <a:tailEnd type="stealth" w="med" len="lg"/>
-          </a:ln>
-        </p:spPr>
-        <p:style>
-          <a:lnRef idx="1">
-            <a:schemeClr val="accent6"/>
-          </a:lnRef>
-          <a:fillRef idx="0">
-            <a:schemeClr val="accent6"/>
-          </a:fillRef>
-          <a:effectRef idx="0">
-            <a:schemeClr val="accent6"/>
-          </a:effectRef>
-          <a:fontRef idx="minor">
-            <a:schemeClr val="tx1"/>
-          </a:fontRef>
-        </p:style>
-      </p:cxnSp>
-      <p:cxnSp>
-        <p:nvCxnSpPr>
-          <p:cNvPr id="28" name="Connecteur droit avec flèche 27"/>
-          <p:cNvCxnSpPr>
-            <a:stCxn id="18" idx="3"/>
-            <a:endCxn id="26" idx="1"/>
-          </p:cNvCxnSpPr>
-          <p:nvPr/>
-        </p:nvCxnSpPr>
-        <p:spPr>
-          <a:xfrm>
-            <a:off x="2084718" y="1219984"/>
-            <a:ext cx="4796151" cy="0"/>
-          </a:xfrm>
-          <a:prstGeom prst="straightConnector1">
-            <a:avLst/>
-          </a:prstGeom>
-          <a:ln w="28575">
-            <a:headEnd type="stealth" w="med" len="lg"/>
-            <a:tailEnd type="stealth" w="med" len="lg"/>
-          </a:ln>
-        </p:spPr>
-        <p:style>
-          <a:lnRef idx="1">
-            <a:schemeClr val="accent5"/>
-          </a:lnRef>
-          <a:fillRef idx="0">
-            <a:schemeClr val="accent5"/>
-          </a:fillRef>
-          <a:effectRef idx="0">
-            <a:schemeClr val="accent5"/>
-          </a:effectRef>
-          <a:fontRef idx="minor">
-            <a:schemeClr val="tx1"/>
-          </a:fontRef>
-        </p:style>
-      </p:cxnSp>
-      <p:cxnSp>
-        <p:nvCxnSpPr>
-          <p:cNvPr id="29" name="Connecteur droit avec flèche 28"/>
-          <p:cNvCxnSpPr/>
-          <p:nvPr/>
-        </p:nvCxnSpPr>
-        <p:spPr>
-          <a:xfrm>
-            <a:off x="2084718" y="1489984"/>
-            <a:ext cx="1698733" cy="642872"/>
-          </a:xfrm>
-          <a:prstGeom prst="straightConnector1">
-            <a:avLst/>
-          </a:prstGeom>
-          <a:ln w="28575">
-            <a:headEnd type="stealth" w="med" len="lg"/>
-            <a:tailEnd type="stealth" w="med" len="lg"/>
-          </a:ln>
-        </p:spPr>
-        <p:style>
-          <a:lnRef idx="1">
-            <a:schemeClr val="accent5"/>
-          </a:lnRef>
-          <a:fillRef idx="0">
-            <a:schemeClr val="accent5"/>
-          </a:fillRef>
-          <a:effectRef idx="0">
-            <a:schemeClr val="accent5"/>
-          </a:effectRef>
-          <a:fontRef idx="minor">
-            <a:schemeClr val="tx1"/>
-          </a:fontRef>
-        </p:style>
-      </p:cxnSp>
-      <p:cxnSp>
-        <p:nvCxnSpPr>
-          <p:cNvPr id="30" name="Connecteur droit avec flèche 29"/>
-          <p:cNvCxnSpPr/>
-          <p:nvPr/>
-        </p:nvCxnSpPr>
-        <p:spPr>
-          <a:xfrm flipV="1">
-            <a:off x="5223451" y="1489984"/>
-            <a:ext cx="1657418" cy="642872"/>
-          </a:xfrm>
-          <a:prstGeom prst="straightConnector1">
-            <a:avLst/>
-          </a:prstGeom>
-          <a:ln w="28575">
-            <a:headEnd type="stealth" w="med" len="lg"/>
-            <a:tailEnd type="stealth" w="med" len="lg"/>
-          </a:ln>
-        </p:spPr>
-        <p:style>
-          <a:lnRef idx="1">
-            <a:schemeClr val="accent5"/>
-          </a:lnRef>
-          <a:fillRef idx="0">
-            <a:schemeClr val="accent5"/>
-          </a:fillRef>
-          <a:effectRef idx="0">
-            <a:schemeClr val="accent5"/>
-          </a:effectRef>
-          <a:fontRef idx="minor">
-            <a:schemeClr val="tx1"/>
-          </a:fontRef>
-        </p:style>
-      </p:cxnSp>
-      <p:cxnSp>
-        <p:nvCxnSpPr>
-          <p:cNvPr id="31" name="Connecteur droit avec flèche 30"/>
-          <p:cNvCxnSpPr/>
-          <p:nvPr/>
-        </p:nvCxnSpPr>
-        <p:spPr>
-          <a:xfrm flipV="1">
-            <a:off x="5152677" y="3406239"/>
-            <a:ext cx="288192" cy="454090"/>
-          </a:xfrm>
-          <a:prstGeom prst="straightConnector1">
-            <a:avLst/>
-          </a:prstGeom>
-          <a:ln w="28575">
-            <a:headEnd type="stealth" w="med" len="lg"/>
-            <a:tailEnd type="stealth" w="med" len="lg"/>
-          </a:ln>
-        </p:spPr>
-        <p:style>
-          <a:lnRef idx="1">
-            <a:schemeClr val="accent5"/>
-          </a:lnRef>
-          <a:fillRef idx="0">
-            <a:schemeClr val="accent5"/>
-          </a:fillRef>
-          <a:effectRef idx="0">
-            <a:schemeClr val="accent5"/>
-          </a:effectRef>
-          <a:fontRef idx="minor">
-            <a:schemeClr val="tx1"/>
-          </a:fontRef>
-        </p:style>
-      </p:cxnSp>
-      <p:cxnSp>
-        <p:nvCxnSpPr>
-          <p:cNvPr id="32" name="Connecteur droit avec flèche 31"/>
-          <p:cNvCxnSpPr/>
-          <p:nvPr/>
-        </p:nvCxnSpPr>
-        <p:spPr>
-          <a:xfrm flipH="1" flipV="1">
-            <a:off x="3424485" y="3406241"/>
-            <a:ext cx="288192" cy="454088"/>
-          </a:xfrm>
-          <a:prstGeom prst="straightConnector1">
-            <a:avLst/>
-          </a:prstGeom>
-          <a:ln w="28575">
-            <a:headEnd type="stealth" w="med" len="lg"/>
-            <a:tailEnd type="stealth" w="med" len="lg"/>
-          </a:ln>
-        </p:spPr>
-        <p:style>
-          <a:lnRef idx="1">
-            <a:schemeClr val="accent5"/>
-          </a:lnRef>
-          <a:fillRef idx="0">
-            <a:schemeClr val="accent5"/>
-          </a:fillRef>
-          <a:effectRef idx="0">
-            <a:schemeClr val="accent5"/>
-          </a:effectRef>
-          <a:fontRef idx="minor">
-            <a:schemeClr val="tx1"/>
-          </a:fontRef>
-        </p:style>
-      </p:cxnSp>
-      <p:cxnSp>
-        <p:nvCxnSpPr>
-          <p:cNvPr id="33" name="Connecteur droit avec flèche 32"/>
-          <p:cNvCxnSpPr>
-            <a:stCxn id="22" idx="1"/>
-            <a:endCxn id="20" idx="3"/>
-          </p:cNvCxnSpPr>
-          <p:nvPr/>
-        </p:nvCxnSpPr>
-        <p:spPr>
-          <a:xfrm flipH="1">
-            <a:off x="3424485" y="3136239"/>
-            <a:ext cx="2016384" cy="0"/>
-          </a:xfrm>
-          <a:prstGeom prst="straightConnector1">
-            <a:avLst/>
-          </a:prstGeom>
-          <a:ln w="28575">
-            <a:headEnd type="stealth" w="med" len="lg"/>
-            <a:tailEnd type="stealth" w="med" len="lg"/>
-          </a:ln>
-        </p:spPr>
-        <p:style>
-          <a:lnRef idx="1">
-            <a:schemeClr val="accent5"/>
-          </a:lnRef>
-          <a:fillRef idx="0">
-            <a:schemeClr val="accent5"/>
-          </a:fillRef>
-          <a:effectRef idx="0">
-            <a:schemeClr val="accent5"/>
-          </a:effectRef>
-          <a:fontRef idx="minor">
-            <a:schemeClr val="tx1"/>
-          </a:fontRef>
-        </p:style>
-      </p:cxnSp>
-      <p:cxnSp>
-        <p:nvCxnSpPr>
-          <p:cNvPr id="34" name="Connecteur droit avec flèche 33"/>
-          <p:cNvCxnSpPr>
-            <a:endCxn id="13" idx="0"/>
-          </p:cNvCxnSpPr>
-          <p:nvPr/>
-        </p:nvCxnSpPr>
-        <p:spPr>
-          <a:xfrm>
-            <a:off x="-2014740" y="270000"/>
-            <a:ext cx="0" cy="679984"/>
-          </a:xfrm>
-          <a:prstGeom prst="straightConnector1">
-            <a:avLst/>
-          </a:prstGeom>
-          <a:ln w="19050">
-            <a:tailEnd type="arrow"/>
-          </a:ln>
-        </p:spPr>
-        <p:style>
-          <a:lnRef idx="1">
-            <a:schemeClr val="accent4"/>
-          </a:lnRef>
-          <a:fillRef idx="0">
-            <a:schemeClr val="accent4"/>
-          </a:fillRef>
-          <a:effectRef idx="0">
-            <a:schemeClr val="accent4"/>
-          </a:effectRef>
-          <a:fontRef idx="minor">
-            <a:schemeClr val="tx1"/>
-          </a:fontRef>
-        </p:style>
-      </p:cxnSp>
-      <p:cxnSp>
-        <p:nvCxnSpPr>
-          <p:cNvPr id="35" name="Connecteur droit avec flèche 34"/>
-          <p:cNvCxnSpPr>
-            <a:endCxn id="12" idx="3"/>
-          </p:cNvCxnSpPr>
-          <p:nvPr/>
-        </p:nvCxnSpPr>
-        <p:spPr>
-          <a:xfrm flipH="1">
-            <a:off x="10417205" y="270000"/>
-            <a:ext cx="491419" cy="0"/>
-          </a:xfrm>
-          <a:prstGeom prst="straightConnector1">
-            <a:avLst/>
-          </a:prstGeom>
-          <a:ln w="19050">
-            <a:tailEnd type="arrow"/>
-          </a:ln>
-        </p:spPr>
-        <p:style>
-          <a:lnRef idx="1">
-            <a:schemeClr val="accent4"/>
-          </a:lnRef>
-          <a:fillRef idx="0">
-            <a:schemeClr val="accent4"/>
-          </a:fillRef>
-          <a:effectRef idx="0">
-            <a:schemeClr val="accent4"/>
-          </a:effectRef>
-          <a:fontRef idx="minor">
-            <a:schemeClr val="tx1"/>
-          </a:fontRef>
-        </p:style>
-      </p:cxnSp>
-      <p:cxnSp>
-        <p:nvCxnSpPr>
-          <p:cNvPr id="36" name="Connecteur droit avec flèche 35"/>
-          <p:cNvCxnSpPr>
-            <a:stCxn id="11" idx="1"/>
-          </p:cNvCxnSpPr>
-          <p:nvPr/>
-        </p:nvCxnSpPr>
-        <p:spPr>
-          <a:xfrm flipH="1">
-            <a:off x="-2014740" y="270000"/>
-            <a:ext cx="319087" cy="0"/>
-          </a:xfrm>
-          <a:prstGeom prst="straightConnector1">
-            <a:avLst/>
-          </a:prstGeom>
-          <a:ln w="19050">
-            <a:headEnd type="none" w="med" len="med"/>
-            <a:tailEnd type="none" w="med" len="med"/>
-          </a:ln>
-        </p:spPr>
-        <p:style>
-          <a:lnRef idx="1">
-            <a:schemeClr val="accent4"/>
-          </a:lnRef>
-          <a:fillRef idx="0">
-            <a:schemeClr val="accent4"/>
-          </a:fillRef>
-          <a:effectRef idx="0">
-            <a:schemeClr val="accent4"/>
-          </a:effectRef>
-          <a:fontRef idx="minor">
-            <a:schemeClr val="tx1"/>
-          </a:fontRef>
-        </p:style>
-      </p:cxnSp>
-      <p:cxnSp>
-        <p:nvCxnSpPr>
-          <p:cNvPr id="37" name="Connecteur droit avec flèche 36"/>
-          <p:cNvCxnSpPr>
-            <a:endCxn id="15" idx="0"/>
-          </p:cNvCxnSpPr>
-          <p:nvPr/>
-        </p:nvCxnSpPr>
-        <p:spPr>
-          <a:xfrm>
-            <a:off x="269440" y="3136239"/>
-            <a:ext cx="0" cy="231796"/>
-          </a:xfrm>
-          <a:prstGeom prst="straightConnector1">
-            <a:avLst/>
-          </a:prstGeom>
-          <a:ln w="19050">
-            <a:headEnd type="none" w="med" len="med"/>
-            <a:tailEnd type="none" w="med" len="med"/>
-          </a:ln>
-        </p:spPr>
-        <p:style>
-          <a:lnRef idx="1">
-            <a:schemeClr val="accent4"/>
-          </a:lnRef>
-          <a:fillRef idx="0">
-            <a:schemeClr val="accent4"/>
-          </a:fillRef>
-          <a:effectRef idx="0">
-            <a:schemeClr val="accent4"/>
-          </a:effectRef>
-          <a:fontRef idx="minor">
-            <a:schemeClr val="tx1"/>
-          </a:fontRef>
-        </p:style>
-      </p:cxnSp>
-      <p:cxnSp>
-        <p:nvCxnSpPr>
-          <p:cNvPr id="38" name="Connecteur droit avec flèche 37"/>
-          <p:cNvCxnSpPr>
-            <a:stCxn id="15" idx="2"/>
-          </p:cNvCxnSpPr>
-          <p:nvPr/>
-        </p:nvCxnSpPr>
-        <p:spPr>
-          <a:xfrm>
-            <a:off x="269440" y="3908035"/>
-            <a:ext cx="0" cy="222294"/>
-          </a:xfrm>
-          <a:prstGeom prst="straightConnector1">
-            <a:avLst/>
-          </a:prstGeom>
-          <a:ln w="19050">
-            <a:headEnd type="none" w="med" len="med"/>
-            <a:tailEnd type="none" w="med" len="med"/>
-          </a:ln>
-        </p:spPr>
-        <p:style>
-          <a:lnRef idx="1">
-            <a:schemeClr val="accent4"/>
-          </a:lnRef>
-          <a:fillRef idx="0">
-            <a:schemeClr val="accent4"/>
-          </a:fillRef>
-          <a:effectRef idx="0">
-            <a:schemeClr val="accent4"/>
-          </a:effectRef>
-          <a:fontRef idx="minor">
-            <a:schemeClr val="tx1"/>
-          </a:fontRef>
-        </p:style>
-      </p:cxnSp>
-      <p:cxnSp>
-        <p:nvCxnSpPr>
-          <p:cNvPr id="39" name="Connecteur droit avec flèche 38"/>
-          <p:cNvCxnSpPr>
-            <a:stCxn id="17" idx="0"/>
-          </p:cNvCxnSpPr>
-          <p:nvPr/>
-        </p:nvCxnSpPr>
-        <p:spPr>
-          <a:xfrm flipV="1">
-            <a:off x="10908624" y="270000"/>
-            <a:ext cx="0" cy="679984"/>
-          </a:xfrm>
-          <a:prstGeom prst="straightConnector1">
-            <a:avLst/>
-          </a:prstGeom>
-          <a:ln w="19050">
-            <a:headEnd type="none" w="med" len="med"/>
-            <a:tailEnd type="none" w="med" len="med"/>
-          </a:ln>
-        </p:spPr>
-        <p:style>
-          <a:lnRef idx="1">
-            <a:schemeClr val="accent4"/>
-          </a:lnRef>
-          <a:fillRef idx="0">
-            <a:schemeClr val="accent4"/>
-          </a:fillRef>
-          <a:effectRef idx="0">
-            <a:schemeClr val="accent4"/>
-          </a:effectRef>
-          <a:fontRef idx="minor">
-            <a:schemeClr val="tx1"/>
-          </a:fontRef>
-        </p:style>
-      </p:cxnSp>
+      <p:graphicFrame>
+        <p:nvGraphicFramePr>
+          <p:cNvPr id="2" name="Diagramme 1">
+            <a:extLst>
+              <a:ext uri="{FF2B5EF4-FFF2-40B4-BE49-F238E27FC236}">
+                <a16:creationId xmlns:a16="http://schemas.microsoft.com/office/drawing/2014/main" id="{F71F5A2D-F91F-4F54-AF39-257B590A9A7D}"/>
+              </a:ext>
+            </a:extLst>
+          </p:cNvPr>
+          <p:cNvGraphicFramePr/>
+          <p:nvPr>
+            <p:extLst>
+              <p:ext uri="{D42A27DB-BD31-4B8C-83A1-F6EECF244321}">
+                <p14:modId xmlns:p14="http://schemas.microsoft.com/office/powerpoint/2010/main" val="2615067442"/>
+              </p:ext>
+            </p:extLst>
+          </p:nvPr>
+        </p:nvGraphicFramePr>
+        <p:xfrm>
+          <a:off x="1187624" y="1196752"/>
+          <a:ext cx="6096000" cy="4064000"/>
+        </p:xfrm>
+        <a:graphic>
+          <a:graphicData uri="http://schemas.openxmlformats.org/drawingml/2006/diagram">
+            <dgm:relIds xmlns:dgm="http://schemas.openxmlformats.org/drawingml/2006/diagram" xmlns:r="http://schemas.openxmlformats.org/officeDocument/2006/relationships" r:dm="rId2" r:lo="rId3" r:qs="rId4" r:cs="rId5"/>
+          </a:graphicData>
+        </a:graphic>
+      </p:graphicFrame>
     </p:spTree>
     <p:extLst>
       <p:ext uri="{BB962C8B-B14F-4D97-AF65-F5344CB8AC3E}">
-        <p14:creationId xmlns:p14="http://schemas.microsoft.com/office/powerpoint/2010/main" val="1959051362"/>
+        <p14:creationId xmlns:p14="http://schemas.microsoft.com/office/powerpoint/2010/main" val="1945340062"/>
       </p:ext>
     </p:extLst>
   </p:cSld>
@@ -22471,13 +26012,13 @@
         </p:spPr>
         <p:style>
           <a:lnRef idx="1">
-            <a:schemeClr val="accent3"/>
+            <a:schemeClr val="accent4"/>
           </a:lnRef>
           <a:fillRef idx="2">
-            <a:schemeClr val="accent3"/>
+            <a:schemeClr val="accent4"/>
           </a:fillRef>
           <a:effectRef idx="1">
-            <a:schemeClr val="accent3"/>
+            <a:schemeClr val="accent4"/>
           </a:effectRef>
           <a:fontRef idx="minor">
             <a:schemeClr val="dk1"/>
@@ -22507,6 +26048,375 @@
             <a:ext cx="1440000" cy="540000"/>
           </a:xfrm>
           <a:prstGeom prst="rect">
+            <a:avLst/>
+          </a:prstGeom>
+        </p:spPr>
+        <p:style>
+          <a:lnRef idx="1">
+            <a:schemeClr val="accent4"/>
+          </a:lnRef>
+          <a:fillRef idx="2">
+            <a:schemeClr val="accent4"/>
+          </a:fillRef>
+          <a:effectRef idx="1">
+            <a:schemeClr val="accent4"/>
+          </a:effectRef>
+          <a:fontRef idx="minor">
+            <a:schemeClr val="dk1"/>
+          </a:fontRef>
+        </p:style>
+        <p:txBody>
+          <a:bodyPr rtlCol="0" anchor="ctr"/>
+          <a:lstStyle/>
+          <a:p>
+            <a:pPr algn="ctr"/>
+            <a:r>
+              <a:rPr lang="fr-FR" sz="1200" dirty="0"/>
+              <a:t>Choix de l’architecture globale du système</a:t>
+            </a:r>
+          </a:p>
+        </p:txBody>
+      </p:sp>
+      <p:sp>
+        <p:nvSpPr>
+          <p:cNvPr id="15" name="Rectangle 14"/>
+          <p:cNvSpPr/>
+          <p:nvPr/>
+        </p:nvSpPr>
+        <p:spPr>
+          <a:xfrm>
+            <a:off x="-468560" y="3368035"/>
+            <a:ext cx="1476000" cy="540000"/>
+          </a:xfrm>
+          <a:prstGeom prst="rect">
+            <a:avLst/>
+          </a:prstGeom>
+        </p:spPr>
+        <p:style>
+          <a:lnRef idx="1">
+            <a:schemeClr val="accent4"/>
+          </a:lnRef>
+          <a:fillRef idx="2">
+            <a:schemeClr val="accent4"/>
+          </a:fillRef>
+          <a:effectRef idx="1">
+            <a:schemeClr val="accent4"/>
+          </a:effectRef>
+          <a:fontRef idx="minor">
+            <a:schemeClr val="dk1"/>
+          </a:fontRef>
+        </p:style>
+        <p:txBody>
+          <a:bodyPr rtlCol="0" anchor="ctr"/>
+          <a:lstStyle/>
+          <a:p>
+            <a:pPr algn="ctr"/>
+            <a:r>
+              <a:rPr lang="fr-FR" sz="1200" dirty="0"/>
+              <a:t>Choix de l’architecture détaillée du système</a:t>
+            </a:r>
+          </a:p>
+        </p:txBody>
+      </p:sp>
+      <p:sp>
+        <p:nvSpPr>
+          <p:cNvPr id="16" name="Rectangle 15"/>
+          <p:cNvSpPr/>
+          <p:nvPr/>
+        </p:nvSpPr>
+        <p:spPr>
+          <a:xfrm>
+            <a:off x="8424000" y="2866239"/>
+            <a:ext cx="1440000" cy="540000"/>
+          </a:xfrm>
+          <a:prstGeom prst="rect">
+            <a:avLst/>
+          </a:prstGeom>
+        </p:spPr>
+        <p:style>
+          <a:lnRef idx="1">
+            <a:schemeClr val="accent4"/>
+          </a:lnRef>
+          <a:fillRef idx="2">
+            <a:schemeClr val="accent4"/>
+          </a:fillRef>
+          <a:effectRef idx="1">
+            <a:schemeClr val="accent4"/>
+          </a:effectRef>
+          <a:fontRef idx="minor">
+            <a:schemeClr val="dk1"/>
+          </a:fontRef>
+        </p:style>
+        <p:txBody>
+          <a:bodyPr rtlCol="0" anchor="ctr"/>
+          <a:lstStyle/>
+          <a:p>
+            <a:pPr algn="ctr"/>
+            <a:r>
+              <a:rPr lang="fr-FR" sz="1200" dirty="0"/>
+              <a:t>Sous-systèmes réalisés</a:t>
+            </a:r>
+          </a:p>
+        </p:txBody>
+      </p:sp>
+      <p:sp>
+        <p:nvSpPr>
+          <p:cNvPr id="17" name="Rectangle 16"/>
+          <p:cNvSpPr/>
+          <p:nvPr/>
+        </p:nvSpPr>
+        <p:spPr>
+          <a:xfrm>
+            <a:off x="10188624" y="949984"/>
+            <a:ext cx="1440000" cy="540000"/>
+          </a:xfrm>
+          <a:prstGeom prst="rect">
+            <a:avLst/>
+          </a:prstGeom>
+        </p:spPr>
+        <p:style>
+          <a:lnRef idx="1">
+            <a:schemeClr val="accent4"/>
+          </a:lnRef>
+          <a:fillRef idx="2">
+            <a:schemeClr val="accent4"/>
+          </a:fillRef>
+          <a:effectRef idx="1">
+            <a:schemeClr val="accent4"/>
+          </a:effectRef>
+          <a:fontRef idx="minor">
+            <a:schemeClr val="dk1"/>
+          </a:fontRef>
+        </p:style>
+        <p:txBody>
+          <a:bodyPr rtlCol="0" anchor="ctr"/>
+          <a:lstStyle/>
+          <a:p>
+            <a:pPr algn="ctr"/>
+            <a:r>
+              <a:rPr lang="fr-FR" sz="1200" dirty="0"/>
+              <a:t>Système réalisé</a:t>
+            </a:r>
+          </a:p>
+        </p:txBody>
+      </p:sp>
+      <p:sp>
+        <p:nvSpPr>
+          <p:cNvPr id="18" name="Rectangle 17"/>
+          <p:cNvSpPr/>
+          <p:nvPr/>
+        </p:nvSpPr>
+        <p:spPr>
+          <a:xfrm>
+            <a:off x="644718" y="949984"/>
+            <a:ext cx="1440000" cy="540000"/>
+          </a:xfrm>
+          <a:prstGeom prst="rect">
+            <a:avLst/>
+          </a:prstGeom>
+        </p:spPr>
+        <p:style>
+          <a:lnRef idx="1">
+            <a:schemeClr val="accent1"/>
+          </a:lnRef>
+          <a:fillRef idx="2">
+            <a:schemeClr val="accent1"/>
+          </a:fillRef>
+          <a:effectRef idx="1">
+            <a:schemeClr val="accent1"/>
+          </a:effectRef>
+          <a:fontRef idx="minor">
+            <a:schemeClr val="dk1"/>
+          </a:fontRef>
+        </p:style>
+        <p:txBody>
+          <a:bodyPr rtlCol="0" anchor="ctr"/>
+          <a:lstStyle/>
+          <a:p>
+            <a:pPr algn="ctr"/>
+            <a:r>
+              <a:rPr lang="fr-FR" sz="1200" dirty="0"/>
+              <a:t>Performances attendues du système</a:t>
+            </a:r>
+          </a:p>
+        </p:txBody>
+      </p:sp>
+      <p:sp>
+        <p:nvSpPr>
+          <p:cNvPr id="19" name="Rectangle 18"/>
+          <p:cNvSpPr/>
+          <p:nvPr/>
+        </p:nvSpPr>
+        <p:spPr>
+          <a:xfrm>
+            <a:off x="3783451" y="2132856"/>
+            <a:ext cx="1440000" cy="540000"/>
+          </a:xfrm>
+          <a:prstGeom prst="rect">
+            <a:avLst/>
+          </a:prstGeom>
+        </p:spPr>
+        <p:style>
+          <a:lnRef idx="1">
+            <a:schemeClr val="accent1"/>
+          </a:lnRef>
+          <a:fillRef idx="2">
+            <a:schemeClr val="accent1"/>
+          </a:fillRef>
+          <a:effectRef idx="1">
+            <a:schemeClr val="accent1"/>
+          </a:effectRef>
+          <a:fontRef idx="minor">
+            <a:schemeClr val="dk1"/>
+          </a:fontRef>
+        </p:style>
+        <p:txBody>
+          <a:bodyPr rtlCol="0" anchor="ctr"/>
+          <a:lstStyle/>
+          <a:p>
+            <a:pPr algn="ctr"/>
+            <a:r>
+              <a:rPr lang="fr-FR" sz="1200" dirty="0"/>
+              <a:t>Performances simulées du système</a:t>
+            </a:r>
+          </a:p>
+        </p:txBody>
+      </p:sp>
+      <p:sp>
+        <p:nvSpPr>
+          <p:cNvPr id="20" name="Rectangle 19"/>
+          <p:cNvSpPr/>
+          <p:nvPr/>
+        </p:nvSpPr>
+        <p:spPr>
+          <a:xfrm>
+            <a:off x="1984485" y="2866239"/>
+            <a:ext cx="1440000" cy="540000"/>
+          </a:xfrm>
+          <a:prstGeom prst="rect">
+            <a:avLst/>
+          </a:prstGeom>
+        </p:spPr>
+        <p:style>
+          <a:lnRef idx="1">
+            <a:schemeClr val="accent1"/>
+          </a:lnRef>
+          <a:fillRef idx="2">
+            <a:schemeClr val="accent1"/>
+          </a:fillRef>
+          <a:effectRef idx="1">
+            <a:schemeClr val="accent1"/>
+          </a:effectRef>
+          <a:fontRef idx="minor">
+            <a:schemeClr val="dk1"/>
+          </a:fontRef>
+        </p:style>
+        <p:txBody>
+          <a:bodyPr rtlCol="0" anchor="ctr"/>
+          <a:lstStyle/>
+          <a:p>
+            <a:pPr algn="ctr"/>
+            <a:r>
+              <a:rPr lang="fr-FR" sz="1200" dirty="0"/>
+              <a:t>Performances attendues des sous-systèmes</a:t>
+            </a:r>
+          </a:p>
+        </p:txBody>
+      </p:sp>
+      <p:sp>
+        <p:nvSpPr>
+          <p:cNvPr id="21" name="Rectangle 20"/>
+          <p:cNvSpPr/>
+          <p:nvPr/>
+        </p:nvSpPr>
+        <p:spPr>
+          <a:xfrm>
+            <a:off x="3712677" y="3860329"/>
+            <a:ext cx="1440000" cy="540000"/>
+          </a:xfrm>
+          <a:prstGeom prst="rect">
+            <a:avLst/>
+          </a:prstGeom>
+        </p:spPr>
+        <p:style>
+          <a:lnRef idx="1">
+            <a:schemeClr val="accent1"/>
+          </a:lnRef>
+          <a:fillRef idx="2">
+            <a:schemeClr val="accent1"/>
+          </a:fillRef>
+          <a:effectRef idx="1">
+            <a:schemeClr val="accent1"/>
+          </a:effectRef>
+          <a:fontRef idx="minor">
+            <a:schemeClr val="dk1"/>
+          </a:fontRef>
+        </p:style>
+        <p:txBody>
+          <a:bodyPr rtlCol="0" anchor="ctr"/>
+          <a:lstStyle/>
+          <a:p>
+            <a:pPr algn="ctr"/>
+            <a:r>
+              <a:rPr lang="fr-FR" sz="1200" dirty="0"/>
+              <a:t>Performances mesurées des sous-systèmes</a:t>
+            </a:r>
+          </a:p>
+        </p:txBody>
+      </p:sp>
+      <p:sp>
+        <p:nvSpPr>
+          <p:cNvPr id="22" name="Rectangle 21"/>
+          <p:cNvSpPr/>
+          <p:nvPr/>
+        </p:nvSpPr>
+        <p:spPr>
+          <a:xfrm>
+            <a:off x="5440869" y="2866239"/>
+            <a:ext cx="1440000" cy="540000"/>
+          </a:xfrm>
+          <a:prstGeom prst="rect">
+            <a:avLst/>
+          </a:prstGeom>
+        </p:spPr>
+        <p:style>
+          <a:lnRef idx="1">
+            <a:schemeClr val="accent1"/>
+          </a:lnRef>
+          <a:fillRef idx="2">
+            <a:schemeClr val="accent1"/>
+          </a:fillRef>
+          <a:effectRef idx="1">
+            <a:schemeClr val="accent1"/>
+          </a:effectRef>
+          <a:fontRef idx="minor">
+            <a:schemeClr val="dk1"/>
+          </a:fontRef>
+        </p:style>
+        <p:txBody>
+          <a:bodyPr rtlCol="0" anchor="ctr"/>
+          <a:lstStyle/>
+          <a:p>
+            <a:pPr algn="ctr"/>
+            <a:r>
+              <a:rPr lang="fr-FR" sz="1200" dirty="0"/>
+              <a:t>Performances simulées des sous-systèmes</a:t>
+            </a:r>
+          </a:p>
+        </p:txBody>
+      </p:sp>
+      <p:sp>
+        <p:nvSpPr>
+          <p:cNvPr id="23" name="Flèche droite 22"/>
+          <p:cNvSpPr/>
+          <p:nvPr/>
+        </p:nvSpPr>
+        <p:spPr>
+          <a:xfrm rot="2700000">
+            <a:off x="-1915151" y="2442430"/>
+            <a:ext cx="5796062" cy="864096"/>
+          </a:xfrm>
+          <a:prstGeom prst="rightArrow">
             <a:avLst/>
           </a:prstGeom>
         </p:spPr>
@@ -22530,24 +26440,24 @@
           <a:p>
             <a:pPr algn="ctr"/>
             <a:r>
-              <a:rPr lang="fr-FR" sz="1200" dirty="0"/>
-              <a:t>Choix de l’architecture globale du système</a:t>
+              <a:rPr lang="fr-FR" sz="1400" b="1" i="1" dirty="0"/>
+              <a:t>Conception</a:t>
             </a:r>
           </a:p>
         </p:txBody>
       </p:sp>
       <p:sp>
         <p:nvSpPr>
-          <p:cNvPr id="15" name="Rectangle 14"/>
+          <p:cNvPr id="24" name="Flèche droite 23"/>
           <p:cNvSpPr/>
           <p:nvPr/>
         </p:nvSpPr>
         <p:spPr>
           <a:xfrm>
-            <a:off x="-468560" y="3368035"/>
-            <a:ext cx="1476000" cy="540000"/>
-          </a:xfrm>
-          <a:prstGeom prst="rect">
+            <a:off x="3145559" y="4400329"/>
+            <a:ext cx="2671700" cy="864096"/>
+          </a:xfrm>
+          <a:prstGeom prst="rightArrow">
             <a:avLst/>
           </a:prstGeom>
         </p:spPr>
@@ -22571,24 +26481,24 @@
           <a:p>
             <a:pPr algn="ctr"/>
             <a:r>
-              <a:rPr lang="fr-FR" sz="1200" dirty="0"/>
-              <a:t>Choix de l’architecture détaillée du système</a:t>
+              <a:rPr lang="fr-FR" sz="1400" b="1" i="1" dirty="0"/>
+              <a:t>Réalisation</a:t>
             </a:r>
           </a:p>
         </p:txBody>
       </p:sp>
       <p:sp>
         <p:nvSpPr>
-          <p:cNvPr id="16" name="Rectangle 15"/>
+          <p:cNvPr id="25" name="Flèche droite 24"/>
           <p:cNvSpPr/>
           <p:nvPr/>
         </p:nvSpPr>
         <p:spPr>
-          <a:xfrm>
-            <a:off x="8424000" y="2866239"/>
-            <a:ext cx="1440000" cy="540000"/>
-          </a:xfrm>
-          <a:prstGeom prst="rect">
+          <a:xfrm rot="18900000">
+            <a:off x="5164505" y="2350430"/>
+            <a:ext cx="5796000" cy="864096"/>
+          </a:xfrm>
+          <a:prstGeom prst="rightArrow">
             <a:avLst/>
           </a:prstGeom>
         </p:spPr>
@@ -22612,334 +26522,6 @@
           <a:p>
             <a:pPr algn="ctr"/>
             <a:r>
-              <a:rPr lang="fr-FR" sz="1200" dirty="0"/>
-              <a:t>Sous-systèmes réalisés</a:t>
-            </a:r>
-          </a:p>
-        </p:txBody>
-      </p:sp>
-      <p:sp>
-        <p:nvSpPr>
-          <p:cNvPr id="17" name="Rectangle 16"/>
-          <p:cNvSpPr/>
-          <p:nvPr/>
-        </p:nvSpPr>
-        <p:spPr>
-          <a:xfrm>
-            <a:off x="10188624" y="949984"/>
-            <a:ext cx="1440000" cy="540000"/>
-          </a:xfrm>
-          <a:prstGeom prst="rect">
-            <a:avLst/>
-          </a:prstGeom>
-        </p:spPr>
-        <p:style>
-          <a:lnRef idx="1">
-            <a:schemeClr val="accent3"/>
-          </a:lnRef>
-          <a:fillRef idx="2">
-            <a:schemeClr val="accent3"/>
-          </a:fillRef>
-          <a:effectRef idx="1">
-            <a:schemeClr val="accent3"/>
-          </a:effectRef>
-          <a:fontRef idx="minor">
-            <a:schemeClr val="dk1"/>
-          </a:fontRef>
-        </p:style>
-        <p:txBody>
-          <a:bodyPr rtlCol="0" anchor="ctr"/>
-          <a:lstStyle/>
-          <a:p>
-            <a:pPr algn="ctr"/>
-            <a:r>
-              <a:rPr lang="fr-FR" sz="1200" dirty="0"/>
-              <a:t>Système réalisé</a:t>
-            </a:r>
-          </a:p>
-        </p:txBody>
-      </p:sp>
-      <p:sp>
-        <p:nvSpPr>
-          <p:cNvPr id="18" name="Rectangle 17"/>
-          <p:cNvSpPr/>
-          <p:nvPr/>
-        </p:nvSpPr>
-        <p:spPr>
-          <a:xfrm>
-            <a:off x="644718" y="949984"/>
-            <a:ext cx="1440000" cy="540000"/>
-          </a:xfrm>
-          <a:prstGeom prst="rect">
-            <a:avLst/>
-          </a:prstGeom>
-        </p:spPr>
-        <p:style>
-          <a:lnRef idx="1">
-            <a:schemeClr val="accent5"/>
-          </a:lnRef>
-          <a:fillRef idx="2">
-            <a:schemeClr val="accent5"/>
-          </a:fillRef>
-          <a:effectRef idx="1">
-            <a:schemeClr val="accent5"/>
-          </a:effectRef>
-          <a:fontRef idx="minor">
-            <a:schemeClr val="dk1"/>
-          </a:fontRef>
-        </p:style>
-        <p:txBody>
-          <a:bodyPr rtlCol="0" anchor="ctr"/>
-          <a:lstStyle/>
-          <a:p>
-            <a:pPr algn="ctr"/>
-            <a:r>
-              <a:rPr lang="fr-FR" sz="1200" dirty="0"/>
-              <a:t>Performances attendues du système</a:t>
-            </a:r>
-          </a:p>
-        </p:txBody>
-      </p:sp>
-      <p:sp>
-        <p:nvSpPr>
-          <p:cNvPr id="19" name="Rectangle 18"/>
-          <p:cNvSpPr/>
-          <p:nvPr/>
-        </p:nvSpPr>
-        <p:spPr>
-          <a:xfrm>
-            <a:off x="3783451" y="2132856"/>
-            <a:ext cx="1440000" cy="540000"/>
-          </a:xfrm>
-          <a:prstGeom prst="rect">
-            <a:avLst/>
-          </a:prstGeom>
-        </p:spPr>
-        <p:style>
-          <a:lnRef idx="1">
-            <a:schemeClr val="accent5"/>
-          </a:lnRef>
-          <a:fillRef idx="2">
-            <a:schemeClr val="accent5"/>
-          </a:fillRef>
-          <a:effectRef idx="1">
-            <a:schemeClr val="accent5"/>
-          </a:effectRef>
-          <a:fontRef idx="minor">
-            <a:schemeClr val="dk1"/>
-          </a:fontRef>
-        </p:style>
-        <p:txBody>
-          <a:bodyPr rtlCol="0" anchor="ctr"/>
-          <a:lstStyle/>
-          <a:p>
-            <a:pPr algn="ctr"/>
-            <a:r>
-              <a:rPr lang="fr-FR" sz="1200" dirty="0"/>
-              <a:t>Performances simulées du système</a:t>
-            </a:r>
-          </a:p>
-        </p:txBody>
-      </p:sp>
-      <p:sp>
-        <p:nvSpPr>
-          <p:cNvPr id="20" name="Rectangle 19"/>
-          <p:cNvSpPr/>
-          <p:nvPr/>
-        </p:nvSpPr>
-        <p:spPr>
-          <a:xfrm>
-            <a:off x="1984485" y="2866239"/>
-            <a:ext cx="1440000" cy="540000"/>
-          </a:xfrm>
-          <a:prstGeom prst="rect">
-            <a:avLst/>
-          </a:prstGeom>
-        </p:spPr>
-        <p:style>
-          <a:lnRef idx="1">
-            <a:schemeClr val="accent5"/>
-          </a:lnRef>
-          <a:fillRef idx="2">
-            <a:schemeClr val="accent5"/>
-          </a:fillRef>
-          <a:effectRef idx="1">
-            <a:schemeClr val="accent5"/>
-          </a:effectRef>
-          <a:fontRef idx="minor">
-            <a:schemeClr val="dk1"/>
-          </a:fontRef>
-        </p:style>
-        <p:txBody>
-          <a:bodyPr rtlCol="0" anchor="ctr"/>
-          <a:lstStyle/>
-          <a:p>
-            <a:pPr algn="ctr"/>
-            <a:r>
-              <a:rPr lang="fr-FR" sz="1200" dirty="0"/>
-              <a:t>Performances attendues des sous-systèmes</a:t>
-            </a:r>
-          </a:p>
-        </p:txBody>
-      </p:sp>
-      <p:sp>
-        <p:nvSpPr>
-          <p:cNvPr id="21" name="Rectangle 20"/>
-          <p:cNvSpPr/>
-          <p:nvPr/>
-        </p:nvSpPr>
-        <p:spPr>
-          <a:xfrm>
-            <a:off x="3712677" y="3860329"/>
-            <a:ext cx="1440000" cy="540000"/>
-          </a:xfrm>
-          <a:prstGeom prst="rect">
-            <a:avLst/>
-          </a:prstGeom>
-        </p:spPr>
-        <p:style>
-          <a:lnRef idx="1">
-            <a:schemeClr val="accent5"/>
-          </a:lnRef>
-          <a:fillRef idx="2">
-            <a:schemeClr val="accent5"/>
-          </a:fillRef>
-          <a:effectRef idx="1">
-            <a:schemeClr val="accent5"/>
-          </a:effectRef>
-          <a:fontRef idx="minor">
-            <a:schemeClr val="dk1"/>
-          </a:fontRef>
-        </p:style>
-        <p:txBody>
-          <a:bodyPr rtlCol="0" anchor="ctr"/>
-          <a:lstStyle/>
-          <a:p>
-            <a:pPr algn="ctr"/>
-            <a:r>
-              <a:rPr lang="fr-FR" sz="1200" dirty="0"/>
-              <a:t>Performances mesurées des sous-systèmes</a:t>
-            </a:r>
-          </a:p>
-        </p:txBody>
-      </p:sp>
-      <p:sp>
-        <p:nvSpPr>
-          <p:cNvPr id="22" name="Rectangle 21"/>
-          <p:cNvSpPr/>
-          <p:nvPr/>
-        </p:nvSpPr>
-        <p:spPr>
-          <a:xfrm>
-            <a:off x="5440869" y="2866239"/>
-            <a:ext cx="1440000" cy="540000"/>
-          </a:xfrm>
-          <a:prstGeom prst="rect">
-            <a:avLst/>
-          </a:prstGeom>
-        </p:spPr>
-        <p:style>
-          <a:lnRef idx="1">
-            <a:schemeClr val="accent5"/>
-          </a:lnRef>
-          <a:fillRef idx="2">
-            <a:schemeClr val="accent5"/>
-          </a:fillRef>
-          <a:effectRef idx="1">
-            <a:schemeClr val="accent5"/>
-          </a:effectRef>
-          <a:fontRef idx="minor">
-            <a:schemeClr val="dk1"/>
-          </a:fontRef>
-        </p:style>
-        <p:txBody>
-          <a:bodyPr rtlCol="0" anchor="ctr"/>
-          <a:lstStyle/>
-          <a:p>
-            <a:pPr algn="ctr"/>
-            <a:r>
-              <a:rPr lang="fr-FR" sz="1200" dirty="0"/>
-              <a:t>Performances simulées des sous-systèmes</a:t>
-            </a:r>
-          </a:p>
-        </p:txBody>
-      </p:sp>
-      <p:sp>
-        <p:nvSpPr>
-          <p:cNvPr id="23" name="Flèche droite 22"/>
-          <p:cNvSpPr/>
-          <p:nvPr/>
-        </p:nvSpPr>
-        <p:spPr>
-          <a:xfrm rot="2700000">
-            <a:off x="-1915151" y="2442430"/>
-            <a:ext cx="5796062" cy="864096"/>
-          </a:xfrm>
-          <a:prstGeom prst="rightArrow">
-            <a:avLst/>
-          </a:prstGeom>
-        </p:spPr>
-        <p:style>
-          <a:lnRef idx="1">
-            <a:schemeClr val="accent3"/>
-          </a:lnRef>
-          <a:fillRef idx="2">
-            <a:schemeClr val="accent3"/>
-          </a:fillRef>
-          <a:effectRef idx="1">
-            <a:schemeClr val="accent3"/>
-          </a:effectRef>
-          <a:fontRef idx="minor">
-            <a:schemeClr val="dk1"/>
-          </a:fontRef>
-        </p:style>
-        <p:txBody>
-          <a:bodyPr rtlCol="0" anchor="ctr"/>
-          <a:lstStyle/>
-          <a:p>
-            <a:pPr algn="ctr"/>
-            <a:r>
-              <a:rPr lang="fr-FR" sz="1400" b="1" i="1" dirty="0"/>
-              <a:t>Conception</a:t>
-            </a:r>
-          </a:p>
-        </p:txBody>
-      </p:sp>
-      <p:sp>
-        <p:nvSpPr>
-          <p:cNvPr id="25" name="Flèche droite 24"/>
-          <p:cNvSpPr/>
-          <p:nvPr/>
-        </p:nvSpPr>
-        <p:spPr>
-          <a:xfrm rot="18900000">
-            <a:off x="5164505" y="2350430"/>
-            <a:ext cx="5796000" cy="864096"/>
-          </a:xfrm>
-          <a:prstGeom prst="rightArrow">
-            <a:avLst/>
-          </a:prstGeom>
-        </p:spPr>
-        <p:style>
-          <a:lnRef idx="1">
-            <a:schemeClr val="accent3"/>
-          </a:lnRef>
-          <a:fillRef idx="2">
-            <a:schemeClr val="accent3"/>
-          </a:fillRef>
-          <a:effectRef idx="1">
-            <a:schemeClr val="accent3"/>
-          </a:effectRef>
-          <a:fontRef idx="minor">
-            <a:schemeClr val="dk1"/>
-          </a:fontRef>
-        </p:style>
-        <p:txBody>
-          <a:bodyPr rtlCol="0" anchor="ctr"/>
-          <a:lstStyle/>
-          <a:p>
-            <a:pPr algn="ctr"/>
-            <a:r>
               <a:rPr lang="fr-FR" sz="1400" b="1" i="1" dirty="0"/>
               <a:t>Intégration</a:t>
             </a:r>
@@ -22963,13 +26545,13 @@
         </p:spPr>
         <p:style>
           <a:lnRef idx="1">
-            <a:schemeClr val="accent5"/>
+            <a:schemeClr val="accent1"/>
           </a:lnRef>
           <a:fillRef idx="2">
-            <a:schemeClr val="accent5"/>
+            <a:schemeClr val="accent1"/>
           </a:fillRef>
           <a:effectRef idx="1">
-            <a:schemeClr val="accent5"/>
+            <a:schemeClr val="accent1"/>
           </a:effectRef>
           <a:fontRef idx="minor">
             <a:schemeClr val="dk1"/>
@@ -23448,99 +27030,10 @@
           </a:fontRef>
         </p:style>
       </p:cxnSp>
-      <p:sp>
-        <p:nvSpPr>
-          <p:cNvPr id="2" name="Rectangle 1"/>
-          <p:cNvSpPr/>
-          <p:nvPr/>
-        </p:nvSpPr>
-        <p:spPr>
-          <a:xfrm>
-            <a:off x="-2988840" y="0"/>
-            <a:ext cx="14761640" cy="5445224"/>
-          </a:xfrm>
-          <a:prstGeom prst="rect">
-            <a:avLst/>
-          </a:prstGeom>
-          <a:solidFill>
-            <a:schemeClr val="bg1">
-              <a:alpha val="60000"/>
-            </a:schemeClr>
-          </a:solidFill>
-          <a:ln>
-            <a:noFill/>
-          </a:ln>
-        </p:spPr>
-        <p:style>
-          <a:lnRef idx="2">
-            <a:schemeClr val="accent1">
-              <a:shade val="50000"/>
-            </a:schemeClr>
-          </a:lnRef>
-          <a:fillRef idx="1">
-            <a:schemeClr val="accent1"/>
-          </a:fillRef>
-          <a:effectRef idx="0">
-            <a:schemeClr val="accent1"/>
-          </a:effectRef>
-          <a:fontRef idx="minor">
-            <a:schemeClr val="lt1"/>
-          </a:fontRef>
-        </p:style>
-        <p:txBody>
-          <a:bodyPr rtlCol="0" anchor="ctr"/>
-          <a:lstStyle/>
-          <a:p>
-            <a:pPr algn="ctr"/>
-            <a:endParaRPr lang="fr-FR"/>
-          </a:p>
-        </p:txBody>
-      </p:sp>
-      <p:sp>
-        <p:nvSpPr>
-          <p:cNvPr id="24" name="Flèche droite 23"/>
-          <p:cNvSpPr/>
-          <p:nvPr/>
-        </p:nvSpPr>
-        <p:spPr>
-          <a:xfrm>
-            <a:off x="3145559" y="4400329"/>
-            <a:ext cx="2671700" cy="864096"/>
-          </a:xfrm>
-          <a:prstGeom prst="rightArrow">
-            <a:avLst/>
-          </a:prstGeom>
-        </p:spPr>
-        <p:style>
-          <a:lnRef idx="1">
-            <a:schemeClr val="accent1"/>
-          </a:lnRef>
-          <a:fillRef idx="2">
-            <a:schemeClr val="accent1"/>
-          </a:fillRef>
-          <a:effectRef idx="1">
-            <a:schemeClr val="accent1"/>
-          </a:effectRef>
-          <a:fontRef idx="minor">
-            <a:schemeClr val="dk1"/>
-          </a:fontRef>
-        </p:style>
-        <p:txBody>
-          <a:bodyPr rtlCol="0" anchor="ctr"/>
-          <a:lstStyle/>
-          <a:p>
-            <a:pPr algn="ctr"/>
-            <a:r>
-              <a:rPr lang="fr-FR" sz="2400" b="1" i="1" dirty="0"/>
-              <a:t>Réalisation</a:t>
-            </a:r>
-          </a:p>
-        </p:txBody>
-      </p:sp>
     </p:spTree>
     <p:extLst>
       <p:ext uri="{BB962C8B-B14F-4D97-AF65-F5344CB8AC3E}">
-        <p14:creationId xmlns:p14="http://schemas.microsoft.com/office/powerpoint/2010/main" val="329598001"/>
+        <p14:creationId xmlns:p14="http://schemas.microsoft.com/office/powerpoint/2010/main" val="1959051362"/>
       </p:ext>
     </p:extLst>
   </p:cSld>

--- a/Ressources/Ecarts.pptx
+++ b/Ressources/Ecarts.pptx
@@ -120,7 +120,7 @@
   </p:defaultTextStyle>
   <p:extLst>
     <p:ext uri="{EFAFB233-063F-42B5-8137-9DF3F51BA10A}">
-      <p15:sldGuideLst xmlns:p15="http://schemas.microsoft.com/office/powerpoint/2012/main">
+      <p15:sldGuideLst xmlns:p15="http://schemas.microsoft.com/office/powerpoint/2012/main" xmlns="">
         <p15:guide id="1" orient="horz" pos="2160">
           <p15:clr>
             <a:srgbClr val="A4A3A4"/>
@@ -2451,13 +2451,13 @@
       <dgm:prSet phldrT="[Texte]" custT="1">
         <dgm:style>
           <a:lnRef idx="1">
-            <a:schemeClr val="accent3"/>
+            <a:schemeClr val="accent1"/>
           </a:lnRef>
           <a:fillRef idx="2">
-            <a:schemeClr val="accent3"/>
+            <a:schemeClr val="accent1"/>
           </a:fillRef>
           <a:effectRef idx="1">
-            <a:schemeClr val="accent3"/>
+            <a:schemeClr val="accent1"/>
           </a:effectRef>
           <a:fontRef idx="minor">
             <a:schemeClr val="dk1"/>
@@ -2480,13 +2480,13 @@
       <dgm:prSet custT="1">
         <dgm:style>
           <a:lnRef idx="1">
-            <a:schemeClr val="accent3"/>
+            <a:schemeClr val="accent1"/>
           </a:lnRef>
           <a:fillRef idx="2">
-            <a:schemeClr val="accent3"/>
+            <a:schemeClr val="accent1"/>
           </a:fillRef>
           <a:effectRef idx="1">
-            <a:schemeClr val="accent3"/>
+            <a:schemeClr val="accent1"/>
           </a:effectRef>
           <a:fontRef idx="minor">
             <a:schemeClr val="dk1"/>
@@ -2517,13 +2517,13 @@
       <dgm:prSet phldrT="[Texte]" custT="1">
         <dgm:style>
           <a:lnRef idx="1">
-            <a:schemeClr val="accent3"/>
+            <a:schemeClr val="accent1"/>
           </a:lnRef>
           <a:fillRef idx="2">
-            <a:schemeClr val="accent3"/>
+            <a:schemeClr val="accent1"/>
           </a:fillRef>
           <a:effectRef idx="1">
-            <a:schemeClr val="accent3"/>
+            <a:schemeClr val="accent1"/>
           </a:effectRef>
           <a:fontRef idx="minor">
             <a:schemeClr val="dk1"/>
@@ -2546,13 +2546,13 @@
       <dgm:prSet custT="1">
         <dgm:style>
           <a:lnRef idx="1">
-            <a:schemeClr val="accent3"/>
+            <a:schemeClr val="accent1"/>
           </a:lnRef>
           <a:fillRef idx="2">
-            <a:schemeClr val="accent3"/>
+            <a:schemeClr val="accent1"/>
           </a:fillRef>
           <a:effectRef idx="1">
-            <a:schemeClr val="accent3"/>
+            <a:schemeClr val="accent1"/>
           </a:effectRef>
           <a:fontRef idx="minor">
             <a:schemeClr val="dk1"/>
@@ -2649,13 +2649,13 @@
       <dgm:prSet phldrT="[Texte]" custT="1">
         <dgm:style>
           <a:lnRef idx="1">
-            <a:schemeClr val="accent6"/>
+            <a:schemeClr val="accent1"/>
           </a:lnRef>
           <a:fillRef idx="2">
-            <a:schemeClr val="accent6"/>
+            <a:schemeClr val="accent1"/>
           </a:fillRef>
           <a:effectRef idx="1">
-            <a:schemeClr val="accent6"/>
+            <a:schemeClr val="accent1"/>
           </a:effectRef>
           <a:fontRef idx="minor">
             <a:schemeClr val="dk1"/>
@@ -2678,13 +2678,13 @@
       <dgm:prSet custT="1">
         <dgm:style>
           <a:lnRef idx="1">
-            <a:schemeClr val="accent6"/>
+            <a:schemeClr val="accent1"/>
           </a:lnRef>
           <a:fillRef idx="2">
-            <a:schemeClr val="accent6"/>
+            <a:schemeClr val="accent1"/>
           </a:fillRef>
           <a:effectRef idx="1">
-            <a:schemeClr val="accent6"/>
+            <a:schemeClr val="accent1"/>
           </a:effectRef>
           <a:fontRef idx="minor">
             <a:schemeClr val="dk1"/>
@@ -2782,13 +2782,13 @@
       <dgm:prSet phldrT="[Texte]" custT="1">
         <dgm:style>
           <a:lnRef idx="1">
-            <a:schemeClr val="accent6"/>
+            <a:schemeClr val="accent1"/>
           </a:lnRef>
           <a:fillRef idx="2">
-            <a:schemeClr val="accent6"/>
+            <a:schemeClr val="accent1"/>
           </a:fillRef>
           <a:effectRef idx="1">
-            <a:schemeClr val="accent6"/>
+            <a:schemeClr val="accent1"/>
           </a:effectRef>
           <a:fontRef idx="minor">
             <a:schemeClr val="dk1"/>
@@ -2811,13 +2811,13 @@
       <dgm:prSet custT="1">
         <dgm:style>
           <a:lnRef idx="1">
-            <a:schemeClr val="accent6"/>
+            <a:schemeClr val="accent1"/>
           </a:lnRef>
           <a:fillRef idx="2">
-            <a:schemeClr val="accent6"/>
+            <a:schemeClr val="accent1"/>
           </a:fillRef>
           <a:effectRef idx="1">
-            <a:schemeClr val="accent6"/>
+            <a:schemeClr val="accent1"/>
           </a:effectRef>
           <a:fontRef idx="minor">
             <a:schemeClr val="dk1"/>
@@ -2848,13 +2848,13 @@
       <dgm:prSet phldrT="[Texte]" custT="1">
         <dgm:style>
           <a:lnRef idx="1">
-            <a:schemeClr val="accent3"/>
+            <a:schemeClr val="accent1"/>
           </a:lnRef>
           <a:fillRef idx="2">
-            <a:schemeClr val="accent3"/>
+            <a:schemeClr val="accent1"/>
           </a:fillRef>
           <a:effectRef idx="1">
-            <a:schemeClr val="accent3"/>
+            <a:schemeClr val="accent1"/>
           </a:effectRef>
           <a:fontRef idx="minor">
             <a:schemeClr val="dk1"/>
@@ -2878,13 +2878,13 @@
       <dgm:prSet custT="1">
         <dgm:style>
           <a:lnRef idx="1">
-            <a:schemeClr val="accent3"/>
+            <a:schemeClr val="accent1"/>
           </a:lnRef>
           <a:fillRef idx="2">
-            <a:schemeClr val="accent3"/>
+            <a:schemeClr val="accent1"/>
           </a:fillRef>
           <a:effectRef idx="1">
-            <a:schemeClr val="accent3"/>
+            <a:schemeClr val="accent1"/>
           </a:effectRef>
           <a:fontRef idx="minor">
             <a:schemeClr val="dk1"/>
@@ -2921,18 +2921,46 @@
         </dgm:presLayoutVars>
       </dgm:prSet>
       <dgm:spPr/>
+      <dgm:t>
+        <a:bodyPr/>
+        <a:lstStyle/>
+        <a:p>
+          <a:endParaRPr lang="fr-FR"/>
+        </a:p>
+      </dgm:t>
     </dgm:pt>
     <dgm:pt modelId="{DF09870F-F5ED-4920-B7E1-9F0D91D7F1CD}" type="pres">
       <dgm:prSet presAssocID="{CC7A09D6-CF51-4503-A499-AEF2F86A612F}" presName="centerShape" presStyleLbl="node0" presStyleIdx="0" presStyleCnt="1" custScaleY="46828"/>
       <dgm:spPr/>
+      <dgm:t>
+        <a:bodyPr/>
+        <a:lstStyle/>
+        <a:p>
+          <a:endParaRPr lang="fr-FR"/>
+        </a:p>
+      </dgm:t>
     </dgm:pt>
     <dgm:pt modelId="{A2FC416A-EBC7-46CE-8A00-5E59C50D8257}" type="pres">
       <dgm:prSet presAssocID="{5E9DFCFE-8035-47FF-8737-041E4392E51E}" presName="parTrans" presStyleLbl="sibTrans2D1" presStyleIdx="0" presStyleCnt="7"/>
       <dgm:spPr/>
+      <dgm:t>
+        <a:bodyPr/>
+        <a:lstStyle/>
+        <a:p>
+          <a:endParaRPr lang="fr-FR"/>
+        </a:p>
+      </dgm:t>
     </dgm:pt>
     <dgm:pt modelId="{C36A42E1-BA91-4E47-B26A-022A82C87076}" type="pres">
       <dgm:prSet presAssocID="{5E9DFCFE-8035-47FF-8737-041E4392E51E}" presName="connectorText" presStyleLbl="sibTrans2D1" presStyleIdx="0" presStyleCnt="7"/>
       <dgm:spPr/>
+      <dgm:t>
+        <a:bodyPr/>
+        <a:lstStyle/>
+        <a:p>
+          <a:endParaRPr lang="fr-FR"/>
+        </a:p>
+      </dgm:t>
     </dgm:pt>
     <dgm:pt modelId="{15FE29C2-5BA5-4DFC-BAC0-77F2915FA520}" type="pres">
       <dgm:prSet presAssocID="{D15BCD82-54F2-4B53-AD5B-FCD43A008746}" presName="node" presStyleLbl="node1" presStyleIdx="0" presStyleCnt="7" custScaleY="37304" custRadScaleRad="75157" custRadScaleInc="3491">
@@ -2941,14 +2969,35 @@
         </dgm:presLayoutVars>
       </dgm:prSet>
       <dgm:spPr/>
+      <dgm:t>
+        <a:bodyPr/>
+        <a:lstStyle/>
+        <a:p>
+          <a:endParaRPr lang="fr-FR"/>
+        </a:p>
+      </dgm:t>
     </dgm:pt>
     <dgm:pt modelId="{B1A927CB-9F4B-4F29-AD07-9974F3A6F2F9}" type="pres">
       <dgm:prSet presAssocID="{FC2CD8C7-22DE-4FD8-BE5C-B5EFF3818DD1}" presName="parTrans" presStyleLbl="sibTrans2D1" presStyleIdx="1" presStyleCnt="7"/>
       <dgm:spPr/>
+      <dgm:t>
+        <a:bodyPr/>
+        <a:lstStyle/>
+        <a:p>
+          <a:endParaRPr lang="fr-FR"/>
+        </a:p>
+      </dgm:t>
     </dgm:pt>
     <dgm:pt modelId="{327B7C4E-C444-4ED2-92AB-EFA2130B78B5}" type="pres">
       <dgm:prSet presAssocID="{FC2CD8C7-22DE-4FD8-BE5C-B5EFF3818DD1}" presName="connectorText" presStyleLbl="sibTrans2D1" presStyleIdx="1" presStyleCnt="7"/>
       <dgm:spPr/>
+      <dgm:t>
+        <a:bodyPr/>
+        <a:lstStyle/>
+        <a:p>
+          <a:endParaRPr lang="fr-FR"/>
+        </a:p>
+      </dgm:t>
     </dgm:pt>
     <dgm:pt modelId="{7FD38485-6BD0-444D-A652-5E06AE00A9E5}" type="pres">
       <dgm:prSet presAssocID="{7D5AD727-B52D-4C15-8F81-ECF40C366E06}" presName="node" presStyleLbl="node1" presStyleIdx="1" presStyleCnt="7" custScaleY="45131" custRadScaleRad="101072" custRadScaleInc="39850">
@@ -2957,14 +3006,35 @@
         </dgm:presLayoutVars>
       </dgm:prSet>
       <dgm:spPr/>
+      <dgm:t>
+        <a:bodyPr/>
+        <a:lstStyle/>
+        <a:p>
+          <a:endParaRPr lang="fr-FR"/>
+        </a:p>
+      </dgm:t>
     </dgm:pt>
     <dgm:pt modelId="{56098039-CBAF-478E-849E-420E970445A4}" type="pres">
       <dgm:prSet presAssocID="{7B81B71B-46D0-4A6D-830C-D40787DA03E8}" presName="parTrans" presStyleLbl="sibTrans2D1" presStyleIdx="2" presStyleCnt="7"/>
       <dgm:spPr/>
+      <dgm:t>
+        <a:bodyPr/>
+        <a:lstStyle/>
+        <a:p>
+          <a:endParaRPr lang="fr-FR"/>
+        </a:p>
+      </dgm:t>
     </dgm:pt>
     <dgm:pt modelId="{01C07FA7-6127-46B1-A25D-7D27D71C42AE}" type="pres">
       <dgm:prSet presAssocID="{7B81B71B-46D0-4A6D-830C-D40787DA03E8}" presName="connectorText" presStyleLbl="sibTrans2D1" presStyleIdx="2" presStyleCnt="7"/>
       <dgm:spPr/>
+      <dgm:t>
+        <a:bodyPr/>
+        <a:lstStyle/>
+        <a:p>
+          <a:endParaRPr lang="fr-FR"/>
+        </a:p>
+      </dgm:t>
     </dgm:pt>
     <dgm:pt modelId="{FAA93E91-15D2-48FB-9F1C-1C1D6FCB396A}" type="pres">
       <dgm:prSet presAssocID="{CCC2B308-0DFF-4091-B48B-803AE41778E3}" presName="node" presStyleLbl="node1" presStyleIdx="2" presStyleCnt="7" custScaleY="46086">
@@ -2973,14 +3043,35 @@
         </dgm:presLayoutVars>
       </dgm:prSet>
       <dgm:spPr/>
+      <dgm:t>
+        <a:bodyPr/>
+        <a:lstStyle/>
+        <a:p>
+          <a:endParaRPr lang="fr-FR"/>
+        </a:p>
+      </dgm:t>
     </dgm:pt>
     <dgm:pt modelId="{1DFFE085-0465-4C9C-91D0-B8BC9794280B}" type="pres">
       <dgm:prSet presAssocID="{DB17F1C1-8100-4A84-9268-85BC9401DCC5}" presName="parTrans" presStyleLbl="sibTrans2D1" presStyleIdx="3" presStyleCnt="7"/>
       <dgm:spPr/>
+      <dgm:t>
+        <a:bodyPr/>
+        <a:lstStyle/>
+        <a:p>
+          <a:endParaRPr lang="fr-FR"/>
+        </a:p>
+      </dgm:t>
     </dgm:pt>
     <dgm:pt modelId="{80B1C042-E483-4375-8C28-86D3502EDF84}" type="pres">
       <dgm:prSet presAssocID="{DB17F1C1-8100-4A84-9268-85BC9401DCC5}" presName="connectorText" presStyleLbl="sibTrans2D1" presStyleIdx="3" presStyleCnt="7"/>
       <dgm:spPr/>
+      <dgm:t>
+        <a:bodyPr/>
+        <a:lstStyle/>
+        <a:p>
+          <a:endParaRPr lang="fr-FR"/>
+        </a:p>
+      </dgm:t>
     </dgm:pt>
     <dgm:pt modelId="{57029F2B-C901-4E73-B66B-D494F113F112}" type="pres">
       <dgm:prSet presAssocID="{FB167E6D-95F4-486A-9684-49CF8F1EDC35}" presName="node" presStyleLbl="node1" presStyleIdx="3" presStyleCnt="7" custScaleY="38921" custRadScaleRad="87823" custRadScaleInc="-47085">
@@ -2989,14 +3080,35 @@
         </dgm:presLayoutVars>
       </dgm:prSet>
       <dgm:spPr/>
+      <dgm:t>
+        <a:bodyPr/>
+        <a:lstStyle/>
+        <a:p>
+          <a:endParaRPr lang="fr-FR"/>
+        </a:p>
+      </dgm:t>
     </dgm:pt>
     <dgm:pt modelId="{DB595E4D-B805-4A4A-88B2-DF5095B26C26}" type="pres">
       <dgm:prSet presAssocID="{3EB26ABE-F2BD-4028-99EC-F1E8582BA826}" presName="parTrans" presStyleLbl="sibTrans2D1" presStyleIdx="4" presStyleCnt="7"/>
       <dgm:spPr/>
+      <dgm:t>
+        <a:bodyPr/>
+        <a:lstStyle/>
+        <a:p>
+          <a:endParaRPr lang="fr-FR"/>
+        </a:p>
+      </dgm:t>
     </dgm:pt>
     <dgm:pt modelId="{63F394C0-7139-45BF-B22D-425E9C732477}" type="pres">
       <dgm:prSet presAssocID="{3EB26ABE-F2BD-4028-99EC-F1E8582BA826}" presName="connectorText" presStyleLbl="sibTrans2D1" presStyleIdx="4" presStyleCnt="7"/>
       <dgm:spPr/>
+      <dgm:t>
+        <a:bodyPr/>
+        <a:lstStyle/>
+        <a:p>
+          <a:endParaRPr lang="fr-FR"/>
+        </a:p>
+      </dgm:t>
     </dgm:pt>
     <dgm:pt modelId="{CDF56BA1-CC1C-4AF6-9FD5-5ECAD45B1E19}" type="pres">
       <dgm:prSet presAssocID="{AF54BFE1-C9F7-4646-9391-D6163A259868}" presName="node" presStyleLbl="node1" presStyleIdx="4" presStyleCnt="7" custScaleY="38921" custRadScaleRad="82406" custRadScaleInc="27026">
@@ -3005,14 +3117,35 @@
         </dgm:presLayoutVars>
       </dgm:prSet>
       <dgm:spPr/>
+      <dgm:t>
+        <a:bodyPr/>
+        <a:lstStyle/>
+        <a:p>
+          <a:endParaRPr lang="fr-FR"/>
+        </a:p>
+      </dgm:t>
     </dgm:pt>
     <dgm:pt modelId="{92EA049D-F3DB-461A-959D-8698A61CDADA}" type="pres">
       <dgm:prSet presAssocID="{5B9EB4C0-1E68-48AE-AF26-3DE02EFE5D06}" presName="parTrans" presStyleLbl="sibTrans2D1" presStyleIdx="5" presStyleCnt="7"/>
       <dgm:spPr/>
+      <dgm:t>
+        <a:bodyPr/>
+        <a:lstStyle/>
+        <a:p>
+          <a:endParaRPr lang="fr-FR"/>
+        </a:p>
+      </dgm:t>
     </dgm:pt>
     <dgm:pt modelId="{88188D4A-CCE1-4990-A9B4-FA0168379059}" type="pres">
       <dgm:prSet presAssocID="{5B9EB4C0-1E68-48AE-AF26-3DE02EFE5D06}" presName="connectorText" presStyleLbl="sibTrans2D1" presStyleIdx="5" presStyleCnt="7"/>
       <dgm:spPr/>
+      <dgm:t>
+        <a:bodyPr/>
+        <a:lstStyle/>
+        <a:p>
+          <a:endParaRPr lang="fr-FR"/>
+        </a:p>
+      </dgm:t>
     </dgm:pt>
     <dgm:pt modelId="{49BFCD7E-D52E-418B-850F-E0FEDBDC3C1A}" type="pres">
       <dgm:prSet presAssocID="{62C52E52-C1AD-47B5-9DB2-222920B632D5}" presName="node" presStyleLbl="node1" presStyleIdx="5" presStyleCnt="7" custScaleY="34519" custRadScaleRad="96248" custRadScaleInc="-1985">
@@ -3021,14 +3154,35 @@
         </dgm:presLayoutVars>
       </dgm:prSet>
       <dgm:spPr/>
+      <dgm:t>
+        <a:bodyPr/>
+        <a:lstStyle/>
+        <a:p>
+          <a:endParaRPr lang="fr-FR"/>
+        </a:p>
+      </dgm:t>
     </dgm:pt>
     <dgm:pt modelId="{D73A92E1-6647-4ED8-BAB6-78EC34CB8AD1}" type="pres">
       <dgm:prSet presAssocID="{51BD329E-6830-43BB-B09C-E770653834F2}" presName="parTrans" presStyleLbl="sibTrans2D1" presStyleIdx="6" presStyleCnt="7"/>
       <dgm:spPr/>
+      <dgm:t>
+        <a:bodyPr/>
+        <a:lstStyle/>
+        <a:p>
+          <a:endParaRPr lang="fr-FR"/>
+        </a:p>
+      </dgm:t>
     </dgm:pt>
     <dgm:pt modelId="{644D3658-E40F-435C-8159-E49BEEDB7CAC}" type="pres">
       <dgm:prSet presAssocID="{51BD329E-6830-43BB-B09C-E770653834F2}" presName="connectorText" presStyleLbl="sibTrans2D1" presStyleIdx="6" presStyleCnt="7"/>
       <dgm:spPr/>
+      <dgm:t>
+        <a:bodyPr/>
+        <a:lstStyle/>
+        <a:p>
+          <a:endParaRPr lang="fr-FR"/>
+        </a:p>
+      </dgm:t>
     </dgm:pt>
     <dgm:pt modelId="{0898BD1C-0D41-48F1-BA11-A3086BB4EAB8}" type="pres">
       <dgm:prSet presAssocID="{429AED82-4220-4FA6-BFD1-9BFC6D52522A}" presName="node" presStyleLbl="node1" presStyleIdx="6" presStyleCnt="7" custScaleY="44898" custRadScaleRad="99019" custRadScaleInc="-54855">
@@ -3037,40 +3191,47 @@
         </dgm:presLayoutVars>
       </dgm:prSet>
       <dgm:spPr/>
+      <dgm:t>
+        <a:bodyPr/>
+        <a:lstStyle/>
+        <a:p>
+          <a:endParaRPr lang="fr-FR"/>
+        </a:p>
+      </dgm:t>
     </dgm:pt>
   </dgm:ptLst>
   <dgm:cxnLst>
+    <dgm:cxn modelId="{20C0B18A-0934-4C2F-9B2C-BCDC133AE3F0}" type="presOf" srcId="{7B81B71B-46D0-4A6D-830C-D40787DA03E8}" destId="{01C07FA7-6127-46B1-A25D-7D27D71C42AE}" srcOrd="1" destOrd="0" presId="urn:microsoft.com/office/officeart/2005/8/layout/radial5"/>
+    <dgm:cxn modelId="{328D04D4-454C-4D80-BAE8-80E14F1A6E1C}" type="presOf" srcId="{DB17F1C1-8100-4A84-9268-85BC9401DCC5}" destId="{80B1C042-E483-4375-8C28-86D3502EDF84}" srcOrd="1" destOrd="0" presId="urn:microsoft.com/office/officeart/2005/8/layout/radial5"/>
+    <dgm:cxn modelId="{E293F5C5-9FA2-4796-846E-318452D9245E}" srcId="{CC7A09D6-CF51-4503-A499-AEF2F86A612F}" destId="{CCC2B308-0DFF-4091-B48B-803AE41778E3}" srcOrd="2" destOrd="0" parTransId="{7B81B71B-46D0-4A6D-830C-D40787DA03E8}" sibTransId="{86F0E311-87DC-4734-807F-C04DD816D27D}"/>
+    <dgm:cxn modelId="{9B22C6CD-3D1B-4DDE-AE75-083131893F2D}" srcId="{EAC09F0B-262C-4FC1-B4B2-6CE1041716FF}" destId="{CC7A09D6-CF51-4503-A499-AEF2F86A612F}" srcOrd="0" destOrd="0" parTransId="{6C9F694C-4D87-42C9-A17F-036DA80877D9}" sibTransId="{E04762FD-5F95-45CE-AE4B-76F0F4EDD05D}"/>
+    <dgm:cxn modelId="{9AE4555C-1BCE-4710-846A-3E55ED13E17F}" type="presOf" srcId="{FB167E6D-95F4-486A-9684-49CF8F1EDC35}" destId="{57029F2B-C901-4E73-B66B-D494F113F112}" srcOrd="0" destOrd="0" presId="urn:microsoft.com/office/officeart/2005/8/layout/radial5"/>
+    <dgm:cxn modelId="{738194C6-EC65-440B-ACBA-EA2A0BF276CE}" srcId="{CC7A09D6-CF51-4503-A499-AEF2F86A612F}" destId="{AF54BFE1-C9F7-4646-9391-D6163A259868}" srcOrd="4" destOrd="0" parTransId="{3EB26ABE-F2BD-4028-99EC-F1E8582BA826}" sibTransId="{7568927D-FC3D-42AA-B1C2-779A2F90BA1A}"/>
+    <dgm:cxn modelId="{6D0B7F88-6B38-4399-AE69-CAC866F7F964}" type="presOf" srcId="{5B9EB4C0-1E68-48AE-AF26-3DE02EFE5D06}" destId="{92EA049D-F3DB-461A-959D-8698A61CDADA}" srcOrd="0" destOrd="0" presId="urn:microsoft.com/office/officeart/2005/8/layout/radial5"/>
+    <dgm:cxn modelId="{7DF02CA6-7569-4BCC-9DEE-B7FCFFB3CDA2}" type="presOf" srcId="{3EB26ABE-F2BD-4028-99EC-F1E8582BA826}" destId="{DB595E4D-B805-4A4A-88B2-DF5095B26C26}" srcOrd="0" destOrd="0" presId="urn:microsoft.com/office/officeart/2005/8/layout/radial5"/>
+    <dgm:cxn modelId="{A174C8CD-7127-4031-AA10-920DFB100133}" type="presOf" srcId="{429AED82-4220-4FA6-BFD1-9BFC6D52522A}" destId="{0898BD1C-0D41-48F1-BA11-A3086BB4EAB8}" srcOrd="0" destOrd="0" presId="urn:microsoft.com/office/officeart/2005/8/layout/radial5"/>
+    <dgm:cxn modelId="{0359A209-85E5-4631-82A3-C1A054F73892}" type="presOf" srcId="{AF54BFE1-C9F7-4646-9391-D6163A259868}" destId="{CDF56BA1-CC1C-4AF6-9FD5-5ECAD45B1E19}" srcOrd="0" destOrd="0" presId="urn:microsoft.com/office/officeart/2005/8/layout/radial5"/>
+    <dgm:cxn modelId="{0E3DBAB9-8A9E-4151-A510-B64BB5DEF846}" type="presOf" srcId="{FC2CD8C7-22DE-4FD8-BE5C-B5EFF3818DD1}" destId="{B1A927CB-9F4B-4F29-AD07-9974F3A6F2F9}" srcOrd="0" destOrd="0" presId="urn:microsoft.com/office/officeart/2005/8/layout/radial5"/>
+    <dgm:cxn modelId="{F1F52530-2588-4ADC-84CA-48D0BC728A4A}" type="presOf" srcId="{7B81B71B-46D0-4A6D-830C-D40787DA03E8}" destId="{56098039-CBAF-478E-849E-420E970445A4}" srcOrd="0" destOrd="0" presId="urn:microsoft.com/office/officeart/2005/8/layout/radial5"/>
+    <dgm:cxn modelId="{1B9D6484-9762-489A-A018-62AC55E20A90}" type="presOf" srcId="{EAC09F0B-262C-4FC1-B4B2-6CE1041716FF}" destId="{27F82ACC-B48B-4BAF-B8F5-E19DE7EFBFE6}" srcOrd="0" destOrd="0" presId="urn:microsoft.com/office/officeart/2005/8/layout/radial5"/>
+    <dgm:cxn modelId="{C5A8998D-2D5F-49EE-B361-648C0423C1DA}" type="presOf" srcId="{DB17F1C1-8100-4A84-9268-85BC9401DCC5}" destId="{1DFFE085-0465-4C9C-91D0-B8BC9794280B}" srcOrd="0" destOrd="0" presId="urn:microsoft.com/office/officeart/2005/8/layout/radial5"/>
+    <dgm:cxn modelId="{C0F3508B-F94D-4974-A5C9-20089ED5404E}" type="presOf" srcId="{62C52E52-C1AD-47B5-9DB2-222920B632D5}" destId="{49BFCD7E-D52E-418B-850F-E0FEDBDC3C1A}" srcOrd="0" destOrd="0" presId="urn:microsoft.com/office/officeart/2005/8/layout/radial5"/>
+    <dgm:cxn modelId="{A1F301B4-1190-4C43-8908-2959AB824ABF}" type="presOf" srcId="{51BD329E-6830-43BB-B09C-E770653834F2}" destId="{644D3658-E40F-435C-8159-E49BEEDB7CAC}" srcOrd="1" destOrd="0" presId="urn:microsoft.com/office/officeart/2005/8/layout/radial5"/>
     <dgm:cxn modelId="{D3462101-1D12-41E8-AE45-EAB0A1B71C2E}" type="presOf" srcId="{7D5AD727-B52D-4C15-8F81-ECF40C366E06}" destId="{7FD38485-6BD0-444D-A652-5E06AE00A9E5}" srcOrd="0" destOrd="0" presId="urn:microsoft.com/office/officeart/2005/8/layout/radial5"/>
+    <dgm:cxn modelId="{15F517FA-77CA-4F5F-90CF-4C6DBBF2B577}" type="presOf" srcId="{51BD329E-6830-43BB-B09C-E770653834F2}" destId="{D73A92E1-6647-4ED8-BAB6-78EC34CB8AD1}" srcOrd="0" destOrd="0" presId="urn:microsoft.com/office/officeart/2005/8/layout/radial5"/>
+    <dgm:cxn modelId="{BA3E3BF1-3585-4CFA-A2C3-1D50C9F18DB6}" type="presOf" srcId="{FC2CD8C7-22DE-4FD8-BE5C-B5EFF3818DD1}" destId="{327B7C4E-C444-4ED2-92AB-EFA2130B78B5}" srcOrd="1" destOrd="0" presId="urn:microsoft.com/office/officeart/2005/8/layout/radial5"/>
+    <dgm:cxn modelId="{5FD8A590-A627-49F6-8CDB-A9E80CDFDDAC}" type="presOf" srcId="{D15BCD82-54F2-4B53-AD5B-FCD43A008746}" destId="{15FE29C2-5BA5-4DFC-BAC0-77F2915FA520}" srcOrd="0" destOrd="0" presId="urn:microsoft.com/office/officeart/2005/8/layout/radial5"/>
+    <dgm:cxn modelId="{C11749B2-4461-4901-B8F3-9F0A9280E0E3}" type="presOf" srcId="{5E9DFCFE-8035-47FF-8737-041E4392E51E}" destId="{A2FC416A-EBC7-46CE-8A00-5E59C50D8257}" srcOrd="0" destOrd="0" presId="urn:microsoft.com/office/officeart/2005/8/layout/radial5"/>
+    <dgm:cxn modelId="{69DBF3AA-50E3-4C2F-93BC-81D38815D9F2}" srcId="{CC7A09D6-CF51-4503-A499-AEF2F86A612F}" destId="{D15BCD82-54F2-4B53-AD5B-FCD43A008746}" srcOrd="0" destOrd="0" parTransId="{5E9DFCFE-8035-47FF-8737-041E4392E51E}" sibTransId="{D82A9993-BEF0-4F2B-A0FE-323133071D30}"/>
+    <dgm:cxn modelId="{EDE851F5-EECF-41D5-A859-0BED15D98140}" srcId="{CC7A09D6-CF51-4503-A499-AEF2F86A612F}" destId="{FB167E6D-95F4-486A-9684-49CF8F1EDC35}" srcOrd="3" destOrd="0" parTransId="{DB17F1C1-8100-4A84-9268-85BC9401DCC5}" sibTransId="{CF9EB4C0-46C5-472F-847A-42C49CDB749A}"/>
+    <dgm:cxn modelId="{1F6E322F-7A32-46B3-8384-36E159BC6A7B}" srcId="{CC7A09D6-CF51-4503-A499-AEF2F86A612F}" destId="{7D5AD727-B52D-4C15-8F81-ECF40C366E06}" srcOrd="1" destOrd="0" parTransId="{FC2CD8C7-22DE-4FD8-BE5C-B5EFF3818DD1}" sibTransId="{92842FD9-58C7-469D-B912-ED30619B3461}"/>
     <dgm:cxn modelId="{149DB207-923A-4655-AD15-AED99E1D0609}" type="presOf" srcId="{3EB26ABE-F2BD-4028-99EC-F1E8582BA826}" destId="{63F394C0-7139-45BF-B22D-425E9C732477}" srcOrd="1" destOrd="0" presId="urn:microsoft.com/office/officeart/2005/8/layout/radial5"/>
-    <dgm:cxn modelId="{0359A209-85E5-4631-82A3-C1A054F73892}" type="presOf" srcId="{AF54BFE1-C9F7-4646-9391-D6163A259868}" destId="{CDF56BA1-CC1C-4AF6-9FD5-5ECAD45B1E19}" srcOrd="0" destOrd="0" presId="urn:microsoft.com/office/officeart/2005/8/layout/radial5"/>
-    <dgm:cxn modelId="{1F6E322F-7A32-46B3-8384-36E159BC6A7B}" srcId="{CC7A09D6-CF51-4503-A499-AEF2F86A612F}" destId="{7D5AD727-B52D-4C15-8F81-ECF40C366E06}" srcOrd="1" destOrd="0" parTransId="{FC2CD8C7-22DE-4FD8-BE5C-B5EFF3818DD1}" sibTransId="{92842FD9-58C7-469D-B912-ED30619B3461}"/>
-    <dgm:cxn modelId="{F1F52530-2588-4ADC-84CA-48D0BC728A4A}" type="presOf" srcId="{7B81B71B-46D0-4A6D-830C-D40787DA03E8}" destId="{56098039-CBAF-478E-849E-420E970445A4}" srcOrd="0" destOrd="0" presId="urn:microsoft.com/office/officeart/2005/8/layout/radial5"/>
-    <dgm:cxn modelId="{9AE4555C-1BCE-4710-846A-3E55ED13E17F}" type="presOf" srcId="{FB167E6D-95F4-486A-9684-49CF8F1EDC35}" destId="{57029F2B-C901-4E73-B66B-D494F113F112}" srcOrd="0" destOrd="0" presId="urn:microsoft.com/office/officeart/2005/8/layout/radial5"/>
     <dgm:cxn modelId="{57D0446D-082A-40E7-A52A-213E78D1C776}" type="presOf" srcId="{5B9EB4C0-1E68-48AE-AF26-3DE02EFE5D06}" destId="{88188D4A-CCE1-4990-A9B4-FA0168379059}" srcOrd="1" destOrd="0" presId="urn:microsoft.com/office/officeart/2005/8/layout/radial5"/>
+    <dgm:cxn modelId="{A2BEC598-FE8B-4C64-832D-EFF2E6F316C2}" srcId="{CC7A09D6-CF51-4503-A499-AEF2F86A612F}" destId="{429AED82-4220-4FA6-BFD1-9BFC6D52522A}" srcOrd="6" destOrd="0" parTransId="{51BD329E-6830-43BB-B09C-E770653834F2}" sibTransId="{3D00A040-3661-4F05-9AED-3F7171D38CC8}"/>
+    <dgm:cxn modelId="{06F77691-4154-4D63-8C04-D73E8F8B34FA}" type="presOf" srcId="{CC7A09D6-CF51-4503-A499-AEF2F86A612F}" destId="{DF09870F-F5ED-4920-B7E1-9F0D91D7F1CD}" srcOrd="0" destOrd="0" presId="urn:microsoft.com/office/officeart/2005/8/layout/radial5"/>
+    <dgm:cxn modelId="{7F2A7CCF-8E7C-4FEE-A2B1-5C49B8BBFA30}" type="presOf" srcId="{5E9DFCFE-8035-47FF-8737-041E4392E51E}" destId="{C36A42E1-BA91-4E47-B26A-022A82C87076}" srcOrd="1" destOrd="0" presId="urn:microsoft.com/office/officeart/2005/8/layout/radial5"/>
     <dgm:cxn modelId="{28593B54-6CAA-46DD-A60F-B65FBE49C607}" srcId="{CC7A09D6-CF51-4503-A499-AEF2F86A612F}" destId="{62C52E52-C1AD-47B5-9DB2-222920B632D5}" srcOrd="5" destOrd="0" parTransId="{5B9EB4C0-1E68-48AE-AF26-3DE02EFE5D06}" sibTransId="{E35DC3D1-23F4-46B8-A668-702D0A5F3BA7}"/>
-    <dgm:cxn modelId="{1B9D6484-9762-489A-A018-62AC55E20A90}" type="presOf" srcId="{EAC09F0B-262C-4FC1-B4B2-6CE1041716FF}" destId="{27F82ACC-B48B-4BAF-B8F5-E19DE7EFBFE6}" srcOrd="0" destOrd="0" presId="urn:microsoft.com/office/officeart/2005/8/layout/radial5"/>
-    <dgm:cxn modelId="{6D0B7F88-6B38-4399-AE69-CAC866F7F964}" type="presOf" srcId="{5B9EB4C0-1E68-48AE-AF26-3DE02EFE5D06}" destId="{92EA049D-F3DB-461A-959D-8698A61CDADA}" srcOrd="0" destOrd="0" presId="urn:microsoft.com/office/officeart/2005/8/layout/radial5"/>
-    <dgm:cxn modelId="{20C0B18A-0934-4C2F-9B2C-BCDC133AE3F0}" type="presOf" srcId="{7B81B71B-46D0-4A6D-830C-D40787DA03E8}" destId="{01C07FA7-6127-46B1-A25D-7D27D71C42AE}" srcOrd="1" destOrd="0" presId="urn:microsoft.com/office/officeart/2005/8/layout/radial5"/>
-    <dgm:cxn modelId="{C0F3508B-F94D-4974-A5C9-20089ED5404E}" type="presOf" srcId="{62C52E52-C1AD-47B5-9DB2-222920B632D5}" destId="{49BFCD7E-D52E-418B-850F-E0FEDBDC3C1A}" srcOrd="0" destOrd="0" presId="urn:microsoft.com/office/officeart/2005/8/layout/radial5"/>
-    <dgm:cxn modelId="{C5A8998D-2D5F-49EE-B361-648C0423C1DA}" type="presOf" srcId="{DB17F1C1-8100-4A84-9268-85BC9401DCC5}" destId="{1DFFE085-0465-4C9C-91D0-B8BC9794280B}" srcOrd="0" destOrd="0" presId="urn:microsoft.com/office/officeart/2005/8/layout/radial5"/>
-    <dgm:cxn modelId="{5FD8A590-A627-49F6-8CDB-A9E80CDFDDAC}" type="presOf" srcId="{D15BCD82-54F2-4B53-AD5B-FCD43A008746}" destId="{15FE29C2-5BA5-4DFC-BAC0-77F2915FA520}" srcOrd="0" destOrd="0" presId="urn:microsoft.com/office/officeart/2005/8/layout/radial5"/>
-    <dgm:cxn modelId="{06F77691-4154-4D63-8C04-D73E8F8B34FA}" type="presOf" srcId="{CC7A09D6-CF51-4503-A499-AEF2F86A612F}" destId="{DF09870F-F5ED-4920-B7E1-9F0D91D7F1CD}" srcOrd="0" destOrd="0" presId="urn:microsoft.com/office/officeart/2005/8/layout/radial5"/>
-    <dgm:cxn modelId="{A2BEC598-FE8B-4C64-832D-EFF2E6F316C2}" srcId="{CC7A09D6-CF51-4503-A499-AEF2F86A612F}" destId="{429AED82-4220-4FA6-BFD1-9BFC6D52522A}" srcOrd="6" destOrd="0" parTransId="{51BD329E-6830-43BB-B09C-E770653834F2}" sibTransId="{3D00A040-3661-4F05-9AED-3F7171D38CC8}"/>
     <dgm:cxn modelId="{36EA8AA1-3787-438A-B12C-7497065248DC}" type="presOf" srcId="{CCC2B308-0DFF-4091-B48B-803AE41778E3}" destId="{FAA93E91-15D2-48FB-9F1C-1C1D6FCB396A}" srcOrd="0" destOrd="0" presId="urn:microsoft.com/office/officeart/2005/8/layout/radial5"/>
-    <dgm:cxn modelId="{7DF02CA6-7569-4BCC-9DEE-B7FCFFB3CDA2}" type="presOf" srcId="{3EB26ABE-F2BD-4028-99EC-F1E8582BA826}" destId="{DB595E4D-B805-4A4A-88B2-DF5095B26C26}" srcOrd="0" destOrd="0" presId="urn:microsoft.com/office/officeart/2005/8/layout/radial5"/>
-    <dgm:cxn modelId="{69DBF3AA-50E3-4C2F-93BC-81D38815D9F2}" srcId="{CC7A09D6-CF51-4503-A499-AEF2F86A612F}" destId="{D15BCD82-54F2-4B53-AD5B-FCD43A008746}" srcOrd="0" destOrd="0" parTransId="{5E9DFCFE-8035-47FF-8737-041E4392E51E}" sibTransId="{D82A9993-BEF0-4F2B-A0FE-323133071D30}"/>
-    <dgm:cxn modelId="{C11749B2-4461-4901-B8F3-9F0A9280E0E3}" type="presOf" srcId="{5E9DFCFE-8035-47FF-8737-041E4392E51E}" destId="{A2FC416A-EBC7-46CE-8A00-5E59C50D8257}" srcOrd="0" destOrd="0" presId="urn:microsoft.com/office/officeart/2005/8/layout/radial5"/>
-    <dgm:cxn modelId="{A1F301B4-1190-4C43-8908-2959AB824ABF}" type="presOf" srcId="{51BD329E-6830-43BB-B09C-E770653834F2}" destId="{644D3658-E40F-435C-8159-E49BEEDB7CAC}" srcOrd="1" destOrd="0" presId="urn:microsoft.com/office/officeart/2005/8/layout/radial5"/>
-    <dgm:cxn modelId="{0E3DBAB9-8A9E-4151-A510-B64BB5DEF846}" type="presOf" srcId="{FC2CD8C7-22DE-4FD8-BE5C-B5EFF3818DD1}" destId="{B1A927CB-9F4B-4F29-AD07-9974F3A6F2F9}" srcOrd="0" destOrd="0" presId="urn:microsoft.com/office/officeart/2005/8/layout/radial5"/>
-    <dgm:cxn modelId="{E293F5C5-9FA2-4796-846E-318452D9245E}" srcId="{CC7A09D6-CF51-4503-A499-AEF2F86A612F}" destId="{CCC2B308-0DFF-4091-B48B-803AE41778E3}" srcOrd="2" destOrd="0" parTransId="{7B81B71B-46D0-4A6D-830C-D40787DA03E8}" sibTransId="{86F0E311-87DC-4734-807F-C04DD816D27D}"/>
-    <dgm:cxn modelId="{738194C6-EC65-440B-ACBA-EA2A0BF276CE}" srcId="{CC7A09D6-CF51-4503-A499-AEF2F86A612F}" destId="{AF54BFE1-C9F7-4646-9391-D6163A259868}" srcOrd="4" destOrd="0" parTransId="{3EB26ABE-F2BD-4028-99EC-F1E8582BA826}" sibTransId="{7568927D-FC3D-42AA-B1C2-779A2F90BA1A}"/>
-    <dgm:cxn modelId="{9B22C6CD-3D1B-4DDE-AE75-083131893F2D}" srcId="{EAC09F0B-262C-4FC1-B4B2-6CE1041716FF}" destId="{CC7A09D6-CF51-4503-A499-AEF2F86A612F}" srcOrd="0" destOrd="0" parTransId="{6C9F694C-4D87-42C9-A17F-036DA80877D9}" sibTransId="{E04762FD-5F95-45CE-AE4B-76F0F4EDD05D}"/>
-    <dgm:cxn modelId="{A174C8CD-7127-4031-AA10-920DFB100133}" type="presOf" srcId="{429AED82-4220-4FA6-BFD1-9BFC6D52522A}" destId="{0898BD1C-0D41-48F1-BA11-A3086BB4EAB8}" srcOrd="0" destOrd="0" presId="urn:microsoft.com/office/officeart/2005/8/layout/radial5"/>
-    <dgm:cxn modelId="{7F2A7CCF-8E7C-4FEE-A2B1-5C49B8BBFA30}" type="presOf" srcId="{5E9DFCFE-8035-47FF-8737-041E4392E51E}" destId="{C36A42E1-BA91-4E47-B26A-022A82C87076}" srcOrd="1" destOrd="0" presId="urn:microsoft.com/office/officeart/2005/8/layout/radial5"/>
-    <dgm:cxn modelId="{328D04D4-454C-4D80-BAE8-80E14F1A6E1C}" type="presOf" srcId="{DB17F1C1-8100-4A84-9268-85BC9401DCC5}" destId="{80B1C042-E483-4375-8C28-86D3502EDF84}" srcOrd="1" destOrd="0" presId="urn:microsoft.com/office/officeart/2005/8/layout/radial5"/>
-    <dgm:cxn modelId="{BA3E3BF1-3585-4CFA-A2C3-1D50C9F18DB6}" type="presOf" srcId="{FC2CD8C7-22DE-4FD8-BE5C-B5EFF3818DD1}" destId="{327B7C4E-C444-4ED2-92AB-EFA2130B78B5}" srcOrd="1" destOrd="0" presId="urn:microsoft.com/office/officeart/2005/8/layout/radial5"/>
-    <dgm:cxn modelId="{EDE851F5-EECF-41D5-A859-0BED15D98140}" srcId="{CC7A09D6-CF51-4503-A499-AEF2F86A612F}" destId="{FB167E6D-95F4-486A-9684-49CF8F1EDC35}" srcOrd="3" destOrd="0" parTransId="{DB17F1C1-8100-4A84-9268-85BC9401DCC5}" sibTransId="{CF9EB4C0-46C5-472F-847A-42C49CDB749A}"/>
-    <dgm:cxn modelId="{15F517FA-77CA-4F5F-90CF-4C6DBBF2B577}" type="presOf" srcId="{51BD329E-6830-43BB-B09C-E770653834F2}" destId="{D73A92E1-6647-4ED8-BAB6-78EC34CB8AD1}" srcOrd="0" destOrd="0" presId="urn:microsoft.com/office/officeart/2005/8/layout/radial5"/>
     <dgm:cxn modelId="{079DEB35-52B8-4894-B2EF-7AC62B5AB911}" type="presParOf" srcId="{27F82ACC-B48B-4BAF-B8F5-E19DE7EFBFE6}" destId="{DF09870F-F5ED-4920-B7E1-9F0D91D7F1CD}" srcOrd="0" destOrd="0" presId="urn:microsoft.com/office/officeart/2005/8/layout/radial5"/>
     <dgm:cxn modelId="{3CFCE81B-6E56-4F4A-A379-FCB7134B90CB}" type="presParOf" srcId="{27F82ACC-B48B-4BAF-B8F5-E19DE7EFBFE6}" destId="{A2FC416A-EBC7-46CE-8A00-5E59C50D8257}" srcOrd="1" destOrd="0" presId="urn:microsoft.com/office/officeart/2005/8/layout/radial5"/>
     <dgm:cxn modelId="{24B291DD-BB24-42EA-9CCC-4CC5A1ABC878}" type="presParOf" srcId="{A2FC416A-EBC7-46CE-8A00-5E59C50D8257}" destId="{C36A42E1-BA91-4E47-B26A-022A82C87076}" srcOrd="0" destOrd="0" presId="urn:microsoft.com/office/officeart/2005/8/layout/radial5"/>
@@ -3380,18 +3541,46 @@
         </dgm:presLayoutVars>
       </dgm:prSet>
       <dgm:spPr/>
+      <dgm:t>
+        <a:bodyPr/>
+        <a:lstStyle/>
+        <a:p>
+          <a:endParaRPr lang="fr-FR"/>
+        </a:p>
+      </dgm:t>
     </dgm:pt>
     <dgm:pt modelId="{795B084A-6AF2-4FE3-B8E7-6E77B4B1B4FE}" type="pres">
       <dgm:prSet presAssocID="{6C7F26EE-DC41-4FCE-9A2B-BCB785BD3D40}" presName="centerShape" presStyleLbl="node0" presStyleIdx="0" presStyleCnt="1" custScaleX="134623" custScaleY="61213"/>
       <dgm:spPr/>
+      <dgm:t>
+        <a:bodyPr/>
+        <a:lstStyle/>
+        <a:p>
+          <a:endParaRPr lang="fr-FR"/>
+        </a:p>
+      </dgm:t>
     </dgm:pt>
     <dgm:pt modelId="{855A38A7-EDEB-431E-A167-42643272BBEE}" type="pres">
       <dgm:prSet presAssocID="{BF08AF18-252A-4A5D-9A63-82B61EF94DB5}" presName="parTrans" presStyleLbl="sibTrans2D1" presStyleIdx="0" presStyleCnt="6"/>
       <dgm:spPr/>
+      <dgm:t>
+        <a:bodyPr/>
+        <a:lstStyle/>
+        <a:p>
+          <a:endParaRPr lang="fr-FR"/>
+        </a:p>
+      </dgm:t>
     </dgm:pt>
     <dgm:pt modelId="{C5CB236E-81F3-4E87-9694-5BDFFCCF0DCD}" type="pres">
       <dgm:prSet presAssocID="{BF08AF18-252A-4A5D-9A63-82B61EF94DB5}" presName="connectorText" presStyleLbl="sibTrans2D1" presStyleIdx="0" presStyleCnt="6"/>
       <dgm:spPr/>
+      <dgm:t>
+        <a:bodyPr/>
+        <a:lstStyle/>
+        <a:p>
+          <a:endParaRPr lang="fr-FR"/>
+        </a:p>
+      </dgm:t>
     </dgm:pt>
     <dgm:pt modelId="{A4EEF9AC-C79A-4CC0-AE94-3847C4155BC9}" type="pres">
       <dgm:prSet presAssocID="{ABD21938-04B1-41CA-83C8-2ABDF967D126}" presName="node" presStyleLbl="node1" presStyleIdx="0" presStyleCnt="6" custScaleX="134758" custScaleY="53903" custRadScaleRad="87743" custRadScaleInc="-3456">
@@ -3400,14 +3589,35 @@
         </dgm:presLayoutVars>
       </dgm:prSet>
       <dgm:spPr/>
+      <dgm:t>
+        <a:bodyPr/>
+        <a:lstStyle/>
+        <a:p>
+          <a:endParaRPr lang="fr-FR"/>
+        </a:p>
+      </dgm:t>
     </dgm:pt>
     <dgm:pt modelId="{67BD1836-BBD8-49E6-8A1D-0B6AD1A49804}" type="pres">
       <dgm:prSet presAssocID="{AF093D10-7012-425E-8E21-3F88DE2923C4}" presName="parTrans" presStyleLbl="sibTrans2D1" presStyleIdx="1" presStyleCnt="6"/>
       <dgm:spPr/>
+      <dgm:t>
+        <a:bodyPr/>
+        <a:lstStyle/>
+        <a:p>
+          <a:endParaRPr lang="fr-FR"/>
+        </a:p>
+      </dgm:t>
     </dgm:pt>
     <dgm:pt modelId="{44173EF8-C060-456B-A7FF-51FF3C3F3728}" type="pres">
       <dgm:prSet presAssocID="{AF093D10-7012-425E-8E21-3F88DE2923C4}" presName="connectorText" presStyleLbl="sibTrans2D1" presStyleIdx="1" presStyleCnt="6"/>
       <dgm:spPr/>
+      <dgm:t>
+        <a:bodyPr/>
+        <a:lstStyle/>
+        <a:p>
+          <a:endParaRPr lang="fr-FR"/>
+        </a:p>
+      </dgm:t>
     </dgm:pt>
     <dgm:pt modelId="{3CA7F5B3-1CF7-48CD-9446-5EAAC42314B2}" type="pres">
       <dgm:prSet presAssocID="{F0C6DB36-3872-4B58-8E34-E788738E6D2E}" presName="node" presStyleLbl="node1" presStyleIdx="1" presStyleCnt="6" custScaleX="134758" custScaleY="53903" custRadScaleRad="106734" custRadScaleInc="8488">
@@ -3416,14 +3626,35 @@
         </dgm:presLayoutVars>
       </dgm:prSet>
       <dgm:spPr/>
+      <dgm:t>
+        <a:bodyPr/>
+        <a:lstStyle/>
+        <a:p>
+          <a:endParaRPr lang="fr-FR"/>
+        </a:p>
+      </dgm:t>
     </dgm:pt>
     <dgm:pt modelId="{79CA3347-9782-411C-88F7-42E0FDE4A993}" type="pres">
       <dgm:prSet presAssocID="{D505439A-4959-4459-A573-2343A93FF006}" presName="parTrans" presStyleLbl="sibTrans2D1" presStyleIdx="2" presStyleCnt="6"/>
       <dgm:spPr/>
+      <dgm:t>
+        <a:bodyPr/>
+        <a:lstStyle/>
+        <a:p>
+          <a:endParaRPr lang="fr-FR"/>
+        </a:p>
+      </dgm:t>
     </dgm:pt>
     <dgm:pt modelId="{FAC6D00E-7DBC-4269-B96D-AD34341426B3}" type="pres">
       <dgm:prSet presAssocID="{D505439A-4959-4459-A573-2343A93FF006}" presName="connectorText" presStyleLbl="sibTrans2D1" presStyleIdx="2" presStyleCnt="6"/>
       <dgm:spPr/>
+      <dgm:t>
+        <a:bodyPr/>
+        <a:lstStyle/>
+        <a:p>
+          <a:endParaRPr lang="fr-FR"/>
+        </a:p>
+      </dgm:t>
     </dgm:pt>
     <dgm:pt modelId="{4BBFCE1B-2519-4F4B-A2D6-A629CFD6B43E}" type="pres">
       <dgm:prSet presAssocID="{E03C1B12-9674-4158-82E6-380D58725FD2}" presName="node" presStyleLbl="node1" presStyleIdx="2" presStyleCnt="6" custScaleX="134758" custScaleY="53903" custRadScaleRad="112253" custRadScaleInc="-8187">
@@ -3432,14 +3663,35 @@
         </dgm:presLayoutVars>
       </dgm:prSet>
       <dgm:spPr/>
+      <dgm:t>
+        <a:bodyPr/>
+        <a:lstStyle/>
+        <a:p>
+          <a:endParaRPr lang="fr-FR"/>
+        </a:p>
+      </dgm:t>
     </dgm:pt>
     <dgm:pt modelId="{2908CCF2-B3E0-4425-A3A4-741C48F697CC}" type="pres">
       <dgm:prSet presAssocID="{7C67E25A-687E-43EF-A30E-1BE6BB1C96BB}" presName="parTrans" presStyleLbl="sibTrans2D1" presStyleIdx="3" presStyleCnt="6"/>
       <dgm:spPr/>
+      <dgm:t>
+        <a:bodyPr/>
+        <a:lstStyle/>
+        <a:p>
+          <a:endParaRPr lang="fr-FR"/>
+        </a:p>
+      </dgm:t>
     </dgm:pt>
     <dgm:pt modelId="{02EDF0E0-C93D-496C-9C44-8B52081CF42F}" type="pres">
       <dgm:prSet presAssocID="{7C67E25A-687E-43EF-A30E-1BE6BB1C96BB}" presName="connectorText" presStyleLbl="sibTrans2D1" presStyleIdx="3" presStyleCnt="6"/>
       <dgm:spPr/>
+      <dgm:t>
+        <a:bodyPr/>
+        <a:lstStyle/>
+        <a:p>
+          <a:endParaRPr lang="fr-FR"/>
+        </a:p>
+      </dgm:t>
     </dgm:pt>
     <dgm:pt modelId="{E47AF97F-3A35-4678-BBFB-CEBE864CC32F}" type="pres">
       <dgm:prSet presAssocID="{3BB986C5-39B4-419F-BC66-29AA94C2C8B4}" presName="node" presStyleLbl="node1" presStyleIdx="3" presStyleCnt="6" custScaleX="134758" custScaleY="53903" custRadScaleRad="90444" custRadScaleInc="3352">
@@ -3448,14 +3700,35 @@
         </dgm:presLayoutVars>
       </dgm:prSet>
       <dgm:spPr/>
+      <dgm:t>
+        <a:bodyPr/>
+        <a:lstStyle/>
+        <a:p>
+          <a:endParaRPr lang="fr-FR"/>
+        </a:p>
+      </dgm:t>
     </dgm:pt>
     <dgm:pt modelId="{6EA9DD4F-02C6-49FE-9FCF-19492F4C119B}" type="pres">
       <dgm:prSet presAssocID="{97E1711E-874A-4867-847A-9FB0D49421F4}" presName="parTrans" presStyleLbl="sibTrans2D1" presStyleIdx="4" presStyleCnt="6"/>
       <dgm:spPr/>
+      <dgm:t>
+        <a:bodyPr/>
+        <a:lstStyle/>
+        <a:p>
+          <a:endParaRPr lang="fr-FR"/>
+        </a:p>
+      </dgm:t>
     </dgm:pt>
     <dgm:pt modelId="{76B889AC-5DC7-49E9-9470-1726B0E1E77F}" type="pres">
       <dgm:prSet presAssocID="{97E1711E-874A-4867-847A-9FB0D49421F4}" presName="connectorText" presStyleLbl="sibTrans2D1" presStyleIdx="4" presStyleCnt="6"/>
       <dgm:spPr/>
+      <dgm:t>
+        <a:bodyPr/>
+        <a:lstStyle/>
+        <a:p>
+          <a:endParaRPr lang="fr-FR"/>
+        </a:p>
+      </dgm:t>
     </dgm:pt>
     <dgm:pt modelId="{F649323C-9A23-4780-ABBF-44EB22816205}" type="pres">
       <dgm:prSet presAssocID="{8E868AD2-930E-400E-AAA6-8A5A38622904}" presName="node" presStyleLbl="node1" presStyleIdx="4" presStyleCnt="6" custScaleX="134758" custScaleY="53903" custRadScaleRad="115077" custRadScaleInc="10623">
@@ -3464,14 +3737,35 @@
         </dgm:presLayoutVars>
       </dgm:prSet>
       <dgm:spPr/>
+      <dgm:t>
+        <a:bodyPr/>
+        <a:lstStyle/>
+        <a:p>
+          <a:endParaRPr lang="fr-FR"/>
+        </a:p>
+      </dgm:t>
     </dgm:pt>
     <dgm:pt modelId="{D8543BC6-C2A3-44A0-AD66-B070AE3B70F1}" type="pres">
       <dgm:prSet presAssocID="{CDC0C329-BEB2-408B-BDAB-EAAE090BC465}" presName="parTrans" presStyleLbl="sibTrans2D1" presStyleIdx="5" presStyleCnt="6"/>
       <dgm:spPr/>
+      <dgm:t>
+        <a:bodyPr/>
+        <a:lstStyle/>
+        <a:p>
+          <a:endParaRPr lang="fr-FR"/>
+        </a:p>
+      </dgm:t>
     </dgm:pt>
     <dgm:pt modelId="{4B41BC24-608A-47A8-894A-F5C3286201C3}" type="pres">
       <dgm:prSet presAssocID="{CDC0C329-BEB2-408B-BDAB-EAAE090BC465}" presName="connectorText" presStyleLbl="sibTrans2D1" presStyleIdx="5" presStyleCnt="6"/>
       <dgm:spPr/>
+      <dgm:t>
+        <a:bodyPr/>
+        <a:lstStyle/>
+        <a:p>
+          <a:endParaRPr lang="fr-FR"/>
+        </a:p>
+      </dgm:t>
     </dgm:pt>
     <dgm:pt modelId="{649B0251-076A-43A0-A9F0-20A26A16F648}" type="pres">
       <dgm:prSet presAssocID="{B62E7B2B-FA3A-426A-B7EB-F310A4C8F75C}" presName="node" presStyleLbl="node1" presStyleIdx="5" presStyleCnt="6" custScaleX="134758" custScaleY="53903" custRadScaleRad="109562" custRadScaleInc="-11039">
@@ -3480,36 +3774,43 @@
         </dgm:presLayoutVars>
       </dgm:prSet>
       <dgm:spPr/>
+      <dgm:t>
+        <a:bodyPr/>
+        <a:lstStyle/>
+        <a:p>
+          <a:endParaRPr lang="fr-FR"/>
+        </a:p>
+      </dgm:t>
     </dgm:pt>
   </dgm:ptLst>
   <dgm:cxnLst>
+    <dgm:cxn modelId="{9165EBD3-B066-4A24-9446-F2A6D64CD860}" type="presOf" srcId="{ABD21938-04B1-41CA-83C8-2ABDF967D126}" destId="{A4EEF9AC-C79A-4CC0-AE94-3847C4155BC9}" srcOrd="0" destOrd="0" presId="urn:microsoft.com/office/officeart/2005/8/layout/radial5"/>
+    <dgm:cxn modelId="{A27BD5C5-98E9-4318-AF6E-79EC1869D510}" srcId="{F9998325-7ADE-4311-A231-52FDC1B8CDA9}" destId="{6C7F26EE-DC41-4FCE-9A2B-BCB785BD3D40}" srcOrd="0" destOrd="0" parTransId="{E67DDFC5-6407-44C9-88BA-B29F651CA55F}" sibTransId="{32DAA5E5-A336-4688-A8E9-E9E67FCEA09C}"/>
+    <dgm:cxn modelId="{48B183D5-9229-49B8-B8BF-7CCC95286584}" type="presOf" srcId="{3BB986C5-39B4-419F-BC66-29AA94C2C8B4}" destId="{E47AF97F-3A35-4678-BBFB-CEBE864CC32F}" srcOrd="0" destOrd="0" presId="urn:microsoft.com/office/officeart/2005/8/layout/radial5"/>
+    <dgm:cxn modelId="{DA00FFCE-8051-4BEE-B2CB-D038378B4F4A}" type="presOf" srcId="{97E1711E-874A-4867-847A-9FB0D49421F4}" destId="{76B889AC-5DC7-49E9-9470-1726B0E1E77F}" srcOrd="1" destOrd="0" presId="urn:microsoft.com/office/officeart/2005/8/layout/radial5"/>
+    <dgm:cxn modelId="{E231FA1D-34BE-490D-93A5-27BDDF493FD6}" type="presOf" srcId="{F0C6DB36-3872-4B58-8E34-E788738E6D2E}" destId="{3CA7F5B3-1CF7-48CD-9446-5EAAC42314B2}" srcOrd="0" destOrd="0" presId="urn:microsoft.com/office/officeart/2005/8/layout/radial5"/>
+    <dgm:cxn modelId="{6A7F93C6-E7A5-40CF-BCA9-62CFB38140A6}" type="presOf" srcId="{7C67E25A-687E-43EF-A30E-1BE6BB1C96BB}" destId="{2908CCF2-B3E0-4425-A3A4-741C48F697CC}" srcOrd="0" destOrd="0" presId="urn:microsoft.com/office/officeart/2005/8/layout/radial5"/>
+    <dgm:cxn modelId="{5702097A-4CE3-41F2-81F9-FDD9F1A422E4}" type="presOf" srcId="{97E1711E-874A-4867-847A-9FB0D49421F4}" destId="{6EA9DD4F-02C6-49FE-9FCF-19492F4C119B}" srcOrd="0" destOrd="0" presId="urn:microsoft.com/office/officeart/2005/8/layout/radial5"/>
+    <dgm:cxn modelId="{D6147ED2-98C9-440A-8128-A2C7C8E7F921}" type="presOf" srcId="{BF08AF18-252A-4A5D-9A63-82B61EF94DB5}" destId="{C5CB236E-81F3-4E87-9694-5BDFFCCF0DCD}" srcOrd="1" destOrd="0" presId="urn:microsoft.com/office/officeart/2005/8/layout/radial5"/>
+    <dgm:cxn modelId="{A2A26490-63E0-4244-8E5E-DA191B3871F9}" srcId="{6C7F26EE-DC41-4FCE-9A2B-BCB785BD3D40}" destId="{ABD21938-04B1-41CA-83C8-2ABDF967D126}" srcOrd="0" destOrd="0" parTransId="{BF08AF18-252A-4A5D-9A63-82B61EF94DB5}" sibTransId="{E2D2F5AC-45C6-47DE-8D32-46362313B352}"/>
+    <dgm:cxn modelId="{CCA1D185-E200-464F-9472-1CE2C5A7E784}" type="presOf" srcId="{BF08AF18-252A-4A5D-9A63-82B61EF94DB5}" destId="{855A38A7-EDEB-431E-A167-42643272BBEE}" srcOrd="0" destOrd="0" presId="urn:microsoft.com/office/officeart/2005/8/layout/radial5"/>
+    <dgm:cxn modelId="{7EFFB9AC-B92F-4FE0-AD61-CD9D563F93D8}" type="presOf" srcId="{D505439A-4959-4459-A573-2343A93FF006}" destId="{79CA3347-9782-411C-88F7-42E0FDE4A993}" srcOrd="0" destOrd="0" presId="urn:microsoft.com/office/officeart/2005/8/layout/radial5"/>
+    <dgm:cxn modelId="{E0E29099-C7D9-46F1-9955-FB30872C1168}" type="presOf" srcId="{8E868AD2-930E-400E-AAA6-8A5A38622904}" destId="{F649323C-9A23-4780-ABBF-44EB22816205}" srcOrd="0" destOrd="0" presId="urn:microsoft.com/office/officeart/2005/8/layout/radial5"/>
+    <dgm:cxn modelId="{DDE09341-A8D5-48FF-80C0-A0DD3008222C}" type="presOf" srcId="{F9998325-7ADE-4311-A231-52FDC1B8CDA9}" destId="{C587B4A8-743B-42E8-A685-647273CB9C3E}" srcOrd="0" destOrd="0" presId="urn:microsoft.com/office/officeart/2005/8/layout/radial5"/>
+    <dgm:cxn modelId="{F7BF687E-CDC4-402E-AA1A-21EEA45381D3}" srcId="{6C7F26EE-DC41-4FCE-9A2B-BCB785BD3D40}" destId="{F0C6DB36-3872-4B58-8E34-E788738E6D2E}" srcOrd="1" destOrd="0" parTransId="{AF093D10-7012-425E-8E21-3F88DE2923C4}" sibTransId="{A8813212-DCE7-4664-97BA-CD68F83C165B}"/>
+    <dgm:cxn modelId="{8D6FC9A5-7FEF-406E-8FAF-7341EF098230}" srcId="{6C7F26EE-DC41-4FCE-9A2B-BCB785BD3D40}" destId="{8E868AD2-930E-400E-AAA6-8A5A38622904}" srcOrd="4" destOrd="0" parTransId="{97E1711E-874A-4867-847A-9FB0D49421F4}" sibTransId="{42EA9274-B982-4F92-AB98-104C73C78B23}"/>
+    <dgm:cxn modelId="{EFE7E207-FE94-4657-8EF6-9DB24939E01D}" srcId="{6C7F26EE-DC41-4FCE-9A2B-BCB785BD3D40}" destId="{B62E7B2B-FA3A-426A-B7EB-F310A4C8F75C}" srcOrd="5" destOrd="0" parTransId="{CDC0C329-BEB2-408B-BDAB-EAAE090BC465}" sibTransId="{6F80404E-2C54-4D9F-9ECA-7172053D77E5}"/>
+    <dgm:cxn modelId="{96AD066A-C83F-45F3-8784-C0EA75EEC60C}" type="presOf" srcId="{AF093D10-7012-425E-8E21-3F88DE2923C4}" destId="{44173EF8-C060-456B-A7FF-51FF3C3F3728}" srcOrd="1" destOrd="0" presId="urn:microsoft.com/office/officeart/2005/8/layout/radial5"/>
+    <dgm:cxn modelId="{ACB3CE3A-9A82-4288-848C-FF1454AC4B14}" type="presOf" srcId="{6C7F26EE-DC41-4FCE-9A2B-BCB785BD3D40}" destId="{795B084A-6AF2-4FE3-B8E7-6E77B4B1B4FE}" srcOrd="0" destOrd="0" presId="urn:microsoft.com/office/officeart/2005/8/layout/radial5"/>
+    <dgm:cxn modelId="{115F94F3-B364-44B5-B59A-022972CB01FC}" srcId="{6C7F26EE-DC41-4FCE-9A2B-BCB785BD3D40}" destId="{E03C1B12-9674-4158-82E6-380D58725FD2}" srcOrd="2" destOrd="0" parTransId="{D505439A-4959-4459-A573-2343A93FF006}" sibTransId="{79082AFD-ADB4-4A07-AD6D-3FAB394DA409}"/>
+    <dgm:cxn modelId="{4D9799D1-7C58-4CFA-B446-10A6EAE9D19E}" type="presOf" srcId="{CDC0C329-BEB2-408B-BDAB-EAAE090BC465}" destId="{4B41BC24-608A-47A8-894A-F5C3286201C3}" srcOrd="1" destOrd="0" presId="urn:microsoft.com/office/officeart/2005/8/layout/radial5"/>
+    <dgm:cxn modelId="{796749A4-54A5-4F96-8DF6-936CD2B5D858}" type="presOf" srcId="{D505439A-4959-4459-A573-2343A93FF006}" destId="{FAC6D00E-7DBC-4269-B96D-AD34341426B3}" srcOrd="1" destOrd="0" presId="urn:microsoft.com/office/officeart/2005/8/layout/radial5"/>
     <dgm:cxn modelId="{82D56A07-0F2D-4B39-8112-28903D5E7914}" srcId="{6C7F26EE-DC41-4FCE-9A2B-BCB785BD3D40}" destId="{3BB986C5-39B4-419F-BC66-29AA94C2C8B4}" srcOrd="3" destOrd="0" parTransId="{7C67E25A-687E-43EF-A30E-1BE6BB1C96BB}" sibTransId="{6D74F808-3D7F-4FA4-AAE3-8BE6FCE9A644}"/>
-    <dgm:cxn modelId="{EFE7E207-FE94-4657-8EF6-9DB24939E01D}" srcId="{6C7F26EE-DC41-4FCE-9A2B-BCB785BD3D40}" destId="{B62E7B2B-FA3A-426A-B7EB-F310A4C8F75C}" srcOrd="5" destOrd="0" parTransId="{CDC0C329-BEB2-408B-BDAB-EAAE090BC465}" sibTransId="{6F80404E-2C54-4D9F-9ECA-7172053D77E5}"/>
     <dgm:cxn modelId="{DB4DCA15-3A21-49E2-8DE1-AE14995A8429}" type="presOf" srcId="{7C67E25A-687E-43EF-A30E-1BE6BB1C96BB}" destId="{02EDF0E0-C93D-496C-9C44-8B52081CF42F}" srcOrd="1" destOrd="0" presId="urn:microsoft.com/office/officeart/2005/8/layout/radial5"/>
-    <dgm:cxn modelId="{E231FA1D-34BE-490D-93A5-27BDDF493FD6}" type="presOf" srcId="{F0C6DB36-3872-4B58-8E34-E788738E6D2E}" destId="{3CA7F5B3-1CF7-48CD-9446-5EAAC42314B2}" srcOrd="0" destOrd="0" presId="urn:microsoft.com/office/officeart/2005/8/layout/radial5"/>
+    <dgm:cxn modelId="{06F65436-5D60-422F-8FA6-E3C1921BED54}" type="presOf" srcId="{B62E7B2B-FA3A-426A-B7EB-F310A4C8F75C}" destId="{649B0251-076A-43A0-A9F0-20A26A16F648}" srcOrd="0" destOrd="0" presId="urn:microsoft.com/office/officeart/2005/8/layout/radial5"/>
     <dgm:cxn modelId="{0ED3562F-3DCF-42AB-82A3-B3E0DD0F2256}" type="presOf" srcId="{E03C1B12-9674-4158-82E6-380D58725FD2}" destId="{4BBFCE1B-2519-4F4B-A2D6-A629CFD6B43E}" srcOrd="0" destOrd="0" presId="urn:microsoft.com/office/officeart/2005/8/layout/radial5"/>
-    <dgm:cxn modelId="{06F65436-5D60-422F-8FA6-E3C1921BED54}" type="presOf" srcId="{B62E7B2B-FA3A-426A-B7EB-F310A4C8F75C}" destId="{649B0251-076A-43A0-A9F0-20A26A16F648}" srcOrd="0" destOrd="0" presId="urn:microsoft.com/office/officeart/2005/8/layout/radial5"/>
-    <dgm:cxn modelId="{ACB3CE3A-9A82-4288-848C-FF1454AC4B14}" type="presOf" srcId="{6C7F26EE-DC41-4FCE-9A2B-BCB785BD3D40}" destId="{795B084A-6AF2-4FE3-B8E7-6E77B4B1B4FE}" srcOrd="0" destOrd="0" presId="urn:microsoft.com/office/officeart/2005/8/layout/radial5"/>
-    <dgm:cxn modelId="{DDE09341-A8D5-48FF-80C0-A0DD3008222C}" type="presOf" srcId="{F9998325-7ADE-4311-A231-52FDC1B8CDA9}" destId="{C587B4A8-743B-42E8-A685-647273CB9C3E}" srcOrd="0" destOrd="0" presId="urn:microsoft.com/office/officeart/2005/8/layout/radial5"/>
-    <dgm:cxn modelId="{96AD066A-C83F-45F3-8784-C0EA75EEC60C}" type="presOf" srcId="{AF093D10-7012-425E-8E21-3F88DE2923C4}" destId="{44173EF8-C060-456B-A7FF-51FF3C3F3728}" srcOrd="1" destOrd="0" presId="urn:microsoft.com/office/officeart/2005/8/layout/radial5"/>
+    <dgm:cxn modelId="{74EEB082-FF03-4B2C-A079-A3F2D3709F1E}" type="presOf" srcId="{CDC0C329-BEB2-408B-BDAB-EAAE090BC465}" destId="{D8543BC6-C2A3-44A0-AD66-B070AE3B70F1}" srcOrd="0" destOrd="0" presId="urn:microsoft.com/office/officeart/2005/8/layout/radial5"/>
     <dgm:cxn modelId="{B9B8684B-2680-48F1-9A77-B950DD172C77}" type="presOf" srcId="{AF093D10-7012-425E-8E21-3F88DE2923C4}" destId="{67BD1836-BBD8-49E6-8A1D-0B6AD1A49804}" srcOrd="0" destOrd="0" presId="urn:microsoft.com/office/officeart/2005/8/layout/radial5"/>
-    <dgm:cxn modelId="{5702097A-4CE3-41F2-81F9-FDD9F1A422E4}" type="presOf" srcId="{97E1711E-874A-4867-847A-9FB0D49421F4}" destId="{6EA9DD4F-02C6-49FE-9FCF-19492F4C119B}" srcOrd="0" destOrd="0" presId="urn:microsoft.com/office/officeart/2005/8/layout/radial5"/>
-    <dgm:cxn modelId="{F7BF687E-CDC4-402E-AA1A-21EEA45381D3}" srcId="{6C7F26EE-DC41-4FCE-9A2B-BCB785BD3D40}" destId="{F0C6DB36-3872-4B58-8E34-E788738E6D2E}" srcOrd="1" destOrd="0" parTransId="{AF093D10-7012-425E-8E21-3F88DE2923C4}" sibTransId="{A8813212-DCE7-4664-97BA-CD68F83C165B}"/>
-    <dgm:cxn modelId="{74EEB082-FF03-4B2C-A079-A3F2D3709F1E}" type="presOf" srcId="{CDC0C329-BEB2-408B-BDAB-EAAE090BC465}" destId="{D8543BC6-C2A3-44A0-AD66-B070AE3B70F1}" srcOrd="0" destOrd="0" presId="urn:microsoft.com/office/officeart/2005/8/layout/radial5"/>
-    <dgm:cxn modelId="{CCA1D185-E200-464F-9472-1CE2C5A7E784}" type="presOf" srcId="{BF08AF18-252A-4A5D-9A63-82B61EF94DB5}" destId="{855A38A7-EDEB-431E-A167-42643272BBEE}" srcOrd="0" destOrd="0" presId="urn:microsoft.com/office/officeart/2005/8/layout/radial5"/>
-    <dgm:cxn modelId="{A2A26490-63E0-4244-8E5E-DA191B3871F9}" srcId="{6C7F26EE-DC41-4FCE-9A2B-BCB785BD3D40}" destId="{ABD21938-04B1-41CA-83C8-2ABDF967D126}" srcOrd="0" destOrd="0" parTransId="{BF08AF18-252A-4A5D-9A63-82B61EF94DB5}" sibTransId="{E2D2F5AC-45C6-47DE-8D32-46362313B352}"/>
-    <dgm:cxn modelId="{E0E29099-C7D9-46F1-9955-FB30872C1168}" type="presOf" srcId="{8E868AD2-930E-400E-AAA6-8A5A38622904}" destId="{F649323C-9A23-4780-ABBF-44EB22816205}" srcOrd="0" destOrd="0" presId="urn:microsoft.com/office/officeart/2005/8/layout/radial5"/>
-    <dgm:cxn modelId="{796749A4-54A5-4F96-8DF6-936CD2B5D858}" type="presOf" srcId="{D505439A-4959-4459-A573-2343A93FF006}" destId="{FAC6D00E-7DBC-4269-B96D-AD34341426B3}" srcOrd="1" destOrd="0" presId="urn:microsoft.com/office/officeart/2005/8/layout/radial5"/>
-    <dgm:cxn modelId="{8D6FC9A5-7FEF-406E-8FAF-7341EF098230}" srcId="{6C7F26EE-DC41-4FCE-9A2B-BCB785BD3D40}" destId="{8E868AD2-930E-400E-AAA6-8A5A38622904}" srcOrd="4" destOrd="0" parTransId="{97E1711E-874A-4867-847A-9FB0D49421F4}" sibTransId="{42EA9274-B982-4F92-AB98-104C73C78B23}"/>
-    <dgm:cxn modelId="{7EFFB9AC-B92F-4FE0-AD61-CD9D563F93D8}" type="presOf" srcId="{D505439A-4959-4459-A573-2343A93FF006}" destId="{79CA3347-9782-411C-88F7-42E0FDE4A993}" srcOrd="0" destOrd="0" presId="urn:microsoft.com/office/officeart/2005/8/layout/radial5"/>
-    <dgm:cxn modelId="{A27BD5C5-98E9-4318-AF6E-79EC1869D510}" srcId="{F9998325-7ADE-4311-A231-52FDC1B8CDA9}" destId="{6C7F26EE-DC41-4FCE-9A2B-BCB785BD3D40}" srcOrd="0" destOrd="0" parTransId="{E67DDFC5-6407-44C9-88BA-B29F651CA55F}" sibTransId="{32DAA5E5-A336-4688-A8E9-E9E67FCEA09C}"/>
-    <dgm:cxn modelId="{6A7F93C6-E7A5-40CF-BCA9-62CFB38140A6}" type="presOf" srcId="{7C67E25A-687E-43EF-A30E-1BE6BB1C96BB}" destId="{2908CCF2-B3E0-4425-A3A4-741C48F697CC}" srcOrd="0" destOrd="0" presId="urn:microsoft.com/office/officeart/2005/8/layout/radial5"/>
-    <dgm:cxn modelId="{DA00FFCE-8051-4BEE-B2CB-D038378B4F4A}" type="presOf" srcId="{97E1711E-874A-4867-847A-9FB0D49421F4}" destId="{76B889AC-5DC7-49E9-9470-1726B0E1E77F}" srcOrd="1" destOrd="0" presId="urn:microsoft.com/office/officeart/2005/8/layout/radial5"/>
-    <dgm:cxn modelId="{4D9799D1-7C58-4CFA-B446-10A6EAE9D19E}" type="presOf" srcId="{CDC0C329-BEB2-408B-BDAB-EAAE090BC465}" destId="{4B41BC24-608A-47A8-894A-F5C3286201C3}" srcOrd="1" destOrd="0" presId="urn:microsoft.com/office/officeart/2005/8/layout/radial5"/>
-    <dgm:cxn modelId="{D6147ED2-98C9-440A-8128-A2C7C8E7F921}" type="presOf" srcId="{BF08AF18-252A-4A5D-9A63-82B61EF94DB5}" destId="{C5CB236E-81F3-4E87-9694-5BDFFCCF0DCD}" srcOrd="1" destOrd="0" presId="urn:microsoft.com/office/officeart/2005/8/layout/radial5"/>
-    <dgm:cxn modelId="{9165EBD3-B066-4A24-9446-F2A6D64CD860}" type="presOf" srcId="{ABD21938-04B1-41CA-83C8-2ABDF967D126}" destId="{A4EEF9AC-C79A-4CC0-AE94-3847C4155BC9}" srcOrd="0" destOrd="0" presId="urn:microsoft.com/office/officeart/2005/8/layout/radial5"/>
-    <dgm:cxn modelId="{48B183D5-9229-49B8-B8BF-7CCC95286584}" type="presOf" srcId="{3BB986C5-39B4-419F-BC66-29AA94C2C8B4}" destId="{E47AF97F-3A35-4678-BBFB-CEBE864CC32F}" srcOrd="0" destOrd="0" presId="urn:microsoft.com/office/officeart/2005/8/layout/radial5"/>
-    <dgm:cxn modelId="{115F94F3-B364-44B5-B59A-022972CB01FC}" srcId="{6C7F26EE-DC41-4FCE-9A2B-BCB785BD3D40}" destId="{E03C1B12-9674-4158-82E6-380D58725FD2}" srcOrd="2" destOrd="0" parTransId="{D505439A-4959-4459-A573-2343A93FF006}" sibTransId="{79082AFD-ADB4-4A07-AD6D-3FAB394DA409}"/>
     <dgm:cxn modelId="{8B9BC0E2-457C-4F1B-9FAC-A97A73469517}" type="presParOf" srcId="{C587B4A8-743B-42E8-A685-647273CB9C3E}" destId="{795B084A-6AF2-4FE3-B8E7-6E77B4B1B4FE}" srcOrd="0" destOrd="0" presId="urn:microsoft.com/office/officeart/2005/8/layout/radial5"/>
     <dgm:cxn modelId="{0A006FF0-C2EC-4E22-BEEA-F922A33F3E8D}" type="presParOf" srcId="{C587B4A8-743B-42E8-A685-647273CB9C3E}" destId="{855A38A7-EDEB-431E-A167-42643272BBEE}" srcOrd="1" destOrd="0" presId="urn:microsoft.com/office/officeart/2005/8/layout/radial5"/>
     <dgm:cxn modelId="{A5230BF6-DE15-4DCC-857B-819590E791F4}" type="presParOf" srcId="{855A38A7-EDEB-431E-A167-42643272BBEE}" destId="{C5CB236E-81F3-4E87-9694-5BDFFCCF0DCD}" srcOrd="0" destOrd="0" presId="urn:microsoft.com/office/officeart/2005/8/layout/radial5"/>
@@ -4026,18 +4327,46 @@
         </dgm:presLayoutVars>
       </dgm:prSet>
       <dgm:spPr/>
+      <dgm:t>
+        <a:bodyPr/>
+        <a:lstStyle/>
+        <a:p>
+          <a:endParaRPr lang="fr-FR"/>
+        </a:p>
+      </dgm:t>
     </dgm:pt>
     <dgm:pt modelId="{DB88E11D-40FD-4DC8-9709-151F3F6AF8A2}" type="pres">
       <dgm:prSet presAssocID="{DB1ECD7B-33CE-438B-8FCF-36CE06373187}" presName="centerShape" presStyleLbl="node0" presStyleIdx="0" presStyleCnt="1" custScaleX="202353" custScaleY="59084"/>
       <dgm:spPr/>
+      <dgm:t>
+        <a:bodyPr/>
+        <a:lstStyle/>
+        <a:p>
+          <a:endParaRPr lang="fr-FR"/>
+        </a:p>
+      </dgm:t>
     </dgm:pt>
     <dgm:pt modelId="{C843AE18-BBE0-4804-A6C2-23355CC65A43}" type="pres">
       <dgm:prSet presAssocID="{C04C3B39-8153-4D89-91C0-99A572D6DC35}" presName="parTrans" presStyleLbl="sibTrans2D1" presStyleIdx="0" presStyleCnt="6"/>
       <dgm:spPr/>
+      <dgm:t>
+        <a:bodyPr/>
+        <a:lstStyle/>
+        <a:p>
+          <a:endParaRPr lang="fr-FR"/>
+        </a:p>
+      </dgm:t>
     </dgm:pt>
     <dgm:pt modelId="{236556D0-0332-466D-8032-DBA611F9F683}" type="pres">
       <dgm:prSet presAssocID="{C04C3B39-8153-4D89-91C0-99A572D6DC35}" presName="connectorText" presStyleLbl="sibTrans2D1" presStyleIdx="0" presStyleCnt="6"/>
       <dgm:spPr/>
+      <dgm:t>
+        <a:bodyPr/>
+        <a:lstStyle/>
+        <a:p>
+          <a:endParaRPr lang="fr-FR"/>
+        </a:p>
+      </dgm:t>
     </dgm:pt>
     <dgm:pt modelId="{C99B0596-F3BC-46CA-A3DA-80FC7298D85A}" type="pres">
       <dgm:prSet presAssocID="{C2344170-2A49-4D92-8939-4DD442ABD289}" presName="node" presStyleLbl="node1" presStyleIdx="0" presStyleCnt="6" custScaleX="202353" custScaleY="59084">
@@ -4046,14 +4375,35 @@
         </dgm:presLayoutVars>
       </dgm:prSet>
       <dgm:spPr/>
+      <dgm:t>
+        <a:bodyPr/>
+        <a:lstStyle/>
+        <a:p>
+          <a:endParaRPr lang="fr-FR"/>
+        </a:p>
+      </dgm:t>
     </dgm:pt>
     <dgm:pt modelId="{7DC30116-61F1-488A-BB40-B27378D8A4F5}" type="pres">
       <dgm:prSet presAssocID="{BF622680-C02C-4F08-96AE-C91A4BD53493}" presName="parTrans" presStyleLbl="sibTrans2D1" presStyleIdx="1" presStyleCnt="6"/>
       <dgm:spPr/>
+      <dgm:t>
+        <a:bodyPr/>
+        <a:lstStyle/>
+        <a:p>
+          <a:endParaRPr lang="fr-FR"/>
+        </a:p>
+      </dgm:t>
     </dgm:pt>
     <dgm:pt modelId="{2C85C0C6-51C3-4E04-AF87-BF328E81307B}" type="pres">
       <dgm:prSet presAssocID="{BF622680-C02C-4F08-96AE-C91A4BD53493}" presName="connectorText" presStyleLbl="sibTrans2D1" presStyleIdx="1" presStyleCnt="6"/>
       <dgm:spPr/>
+      <dgm:t>
+        <a:bodyPr/>
+        <a:lstStyle/>
+        <a:p>
+          <a:endParaRPr lang="fr-FR"/>
+        </a:p>
+      </dgm:t>
     </dgm:pt>
     <dgm:pt modelId="{9D2D2DCE-967B-486F-AA34-5FB6C5E204E0}" type="pres">
       <dgm:prSet presAssocID="{D9021F6A-ED0C-41F5-B9BC-6D56397EABA1}" presName="node" presStyleLbl="node1" presStyleIdx="1" presStyleCnt="6" custScaleX="202353" custScaleY="59084" custRadScaleRad="139760" custRadScaleInc="28488">
@@ -4062,14 +4412,35 @@
         </dgm:presLayoutVars>
       </dgm:prSet>
       <dgm:spPr/>
+      <dgm:t>
+        <a:bodyPr/>
+        <a:lstStyle/>
+        <a:p>
+          <a:endParaRPr lang="fr-FR"/>
+        </a:p>
+      </dgm:t>
     </dgm:pt>
     <dgm:pt modelId="{5831C01D-5B76-46CC-A9C4-ABAE70477854}" type="pres">
       <dgm:prSet presAssocID="{3BC1C3C5-9BC8-483C-81D9-2DBD5FD73635}" presName="parTrans" presStyleLbl="sibTrans2D1" presStyleIdx="2" presStyleCnt="6"/>
       <dgm:spPr/>
+      <dgm:t>
+        <a:bodyPr/>
+        <a:lstStyle/>
+        <a:p>
+          <a:endParaRPr lang="fr-FR"/>
+        </a:p>
+      </dgm:t>
     </dgm:pt>
     <dgm:pt modelId="{EC15500E-9448-4F3B-91E0-EC67EE8C39BF}" type="pres">
       <dgm:prSet presAssocID="{3BC1C3C5-9BC8-483C-81D9-2DBD5FD73635}" presName="connectorText" presStyleLbl="sibTrans2D1" presStyleIdx="2" presStyleCnt="6"/>
       <dgm:spPr/>
+      <dgm:t>
+        <a:bodyPr/>
+        <a:lstStyle/>
+        <a:p>
+          <a:endParaRPr lang="fr-FR"/>
+        </a:p>
+      </dgm:t>
     </dgm:pt>
     <dgm:pt modelId="{8EFE7648-C6E3-4FC0-B2D2-1AB05B86C87C}" type="pres">
       <dgm:prSet presAssocID="{28FEFE16-81DB-4F5F-9EC2-274148A34983}" presName="node" presStyleLbl="node1" presStyleIdx="2" presStyleCnt="6" custScaleX="202353" custScaleY="59084" custRadScaleRad="143094" custRadScaleInc="-17908">
@@ -4078,14 +4449,35 @@
         </dgm:presLayoutVars>
       </dgm:prSet>
       <dgm:spPr/>
+      <dgm:t>
+        <a:bodyPr/>
+        <a:lstStyle/>
+        <a:p>
+          <a:endParaRPr lang="fr-FR"/>
+        </a:p>
+      </dgm:t>
     </dgm:pt>
     <dgm:pt modelId="{6CC55E1F-7E5A-485C-ACAC-3C4DB63CAD28}" type="pres">
       <dgm:prSet presAssocID="{09DBB705-1161-4770-B195-CB713F6FFD90}" presName="parTrans" presStyleLbl="sibTrans2D1" presStyleIdx="3" presStyleCnt="6"/>
       <dgm:spPr/>
+      <dgm:t>
+        <a:bodyPr/>
+        <a:lstStyle/>
+        <a:p>
+          <a:endParaRPr lang="fr-FR"/>
+        </a:p>
+      </dgm:t>
     </dgm:pt>
     <dgm:pt modelId="{7749C33C-F1AB-4975-AB6E-A1472D0DD1BA}" type="pres">
       <dgm:prSet presAssocID="{09DBB705-1161-4770-B195-CB713F6FFD90}" presName="connectorText" presStyleLbl="sibTrans2D1" presStyleIdx="3" presStyleCnt="6"/>
       <dgm:spPr/>
+      <dgm:t>
+        <a:bodyPr/>
+        <a:lstStyle/>
+        <a:p>
+          <a:endParaRPr lang="fr-FR"/>
+        </a:p>
+      </dgm:t>
     </dgm:pt>
     <dgm:pt modelId="{79302343-95A0-47F0-845D-FD125267F2B4}" type="pres">
       <dgm:prSet presAssocID="{ABE1521B-912D-45F6-9E14-4CD2E09E3AB5}" presName="node" presStyleLbl="node1" presStyleIdx="3" presStyleCnt="6" custScaleX="202353" custScaleY="59084">
@@ -4094,14 +4486,35 @@
         </dgm:presLayoutVars>
       </dgm:prSet>
       <dgm:spPr/>
+      <dgm:t>
+        <a:bodyPr/>
+        <a:lstStyle/>
+        <a:p>
+          <a:endParaRPr lang="fr-FR"/>
+        </a:p>
+      </dgm:t>
     </dgm:pt>
     <dgm:pt modelId="{2D9AC406-8DFB-4E9E-82C0-451F8D0EA3CA}" type="pres">
       <dgm:prSet presAssocID="{27E72E15-BAF0-4CD7-AB41-574880D0B46B}" presName="parTrans" presStyleLbl="sibTrans2D1" presStyleIdx="4" presStyleCnt="6"/>
       <dgm:spPr/>
+      <dgm:t>
+        <a:bodyPr/>
+        <a:lstStyle/>
+        <a:p>
+          <a:endParaRPr lang="fr-FR"/>
+        </a:p>
+      </dgm:t>
     </dgm:pt>
     <dgm:pt modelId="{9DC10DDA-8623-42BD-9D46-3126683B2C91}" type="pres">
       <dgm:prSet presAssocID="{27E72E15-BAF0-4CD7-AB41-574880D0B46B}" presName="connectorText" presStyleLbl="sibTrans2D1" presStyleIdx="4" presStyleCnt="6"/>
       <dgm:spPr/>
+      <dgm:t>
+        <a:bodyPr/>
+        <a:lstStyle/>
+        <a:p>
+          <a:endParaRPr lang="fr-FR"/>
+        </a:p>
+      </dgm:t>
     </dgm:pt>
     <dgm:pt modelId="{7C0ECB5E-552A-46A1-BC0F-291569D03607}" type="pres">
       <dgm:prSet presAssocID="{F2E7CA69-B94F-429C-88DF-11A1ED6105EA}" presName="node" presStyleLbl="node1" presStyleIdx="4" presStyleCnt="6" custScaleX="202353" custScaleY="59084" custRadScaleRad="142967" custRadScaleInc="17830">
@@ -4110,14 +4523,35 @@
         </dgm:presLayoutVars>
       </dgm:prSet>
       <dgm:spPr/>
+      <dgm:t>
+        <a:bodyPr/>
+        <a:lstStyle/>
+        <a:p>
+          <a:endParaRPr lang="fr-FR"/>
+        </a:p>
+      </dgm:t>
     </dgm:pt>
     <dgm:pt modelId="{5D8E482A-D01C-4BFA-891A-BC121E9CDA45}" type="pres">
       <dgm:prSet presAssocID="{AA0EA506-BF24-44A0-A61D-5FE8174EE760}" presName="parTrans" presStyleLbl="sibTrans2D1" presStyleIdx="5" presStyleCnt="6"/>
       <dgm:spPr/>
+      <dgm:t>
+        <a:bodyPr/>
+        <a:lstStyle/>
+        <a:p>
+          <a:endParaRPr lang="fr-FR"/>
+        </a:p>
+      </dgm:t>
     </dgm:pt>
     <dgm:pt modelId="{BD1F30F4-579E-4A97-9C2C-8F886E61FA41}" type="pres">
       <dgm:prSet presAssocID="{AA0EA506-BF24-44A0-A61D-5FE8174EE760}" presName="connectorText" presStyleLbl="sibTrans2D1" presStyleIdx="5" presStyleCnt="6"/>
       <dgm:spPr/>
+      <dgm:t>
+        <a:bodyPr/>
+        <a:lstStyle/>
+        <a:p>
+          <a:endParaRPr lang="fr-FR"/>
+        </a:p>
+      </dgm:t>
     </dgm:pt>
     <dgm:pt modelId="{5777AA9C-663F-4F65-AFCF-363F5E108C73}" type="pres">
       <dgm:prSet presAssocID="{F77BE9A9-138D-47FE-8246-345BA3CD8E85}" presName="node" presStyleLbl="node1" presStyleIdx="5" presStyleCnt="6" custScaleX="202353" custScaleY="59084" custRadScaleRad="139631" custRadScaleInc="-28418">
@@ -4126,36 +4560,43 @@
         </dgm:presLayoutVars>
       </dgm:prSet>
       <dgm:spPr/>
+      <dgm:t>
+        <a:bodyPr/>
+        <a:lstStyle/>
+        <a:p>
+          <a:endParaRPr lang="fr-FR"/>
+        </a:p>
+      </dgm:t>
     </dgm:pt>
   </dgm:ptLst>
   <dgm:cxnLst>
-    <dgm:cxn modelId="{D419E600-0F8A-4973-9F1D-58C0DB31C4C2}" type="presOf" srcId="{BF622680-C02C-4F08-96AE-C91A4BD53493}" destId="{2C85C0C6-51C3-4E04-AF87-BF328E81307B}" srcOrd="1" destOrd="0" presId="urn:microsoft.com/office/officeart/2005/8/layout/radial5"/>
     <dgm:cxn modelId="{6674F506-C15A-4D91-B92D-15A72BD9447A}" type="presOf" srcId="{27E72E15-BAF0-4CD7-AB41-574880D0B46B}" destId="{9DC10DDA-8623-42BD-9D46-3126683B2C91}" srcOrd="1" destOrd="0" presId="urn:microsoft.com/office/officeart/2005/8/layout/radial5"/>
-    <dgm:cxn modelId="{A3622816-8BDA-41EB-9EC6-E93930AB2496}" type="presOf" srcId="{BF622680-C02C-4F08-96AE-C91A4BD53493}" destId="{7DC30116-61F1-488A-BB40-B27378D8A4F5}" srcOrd="0" destOrd="0" presId="urn:microsoft.com/office/officeart/2005/8/layout/radial5"/>
-    <dgm:cxn modelId="{F0399B2E-6C7D-4493-BDDA-B242F94E6FC8}" srcId="{DB1ECD7B-33CE-438B-8FCF-36CE06373187}" destId="{28FEFE16-81DB-4F5F-9EC2-274148A34983}" srcOrd="2" destOrd="0" parTransId="{3BC1C3C5-9BC8-483C-81D9-2DBD5FD73635}" sibTransId="{4FCB997B-EA25-4B14-B8B6-1CB94F4F0B10}"/>
-    <dgm:cxn modelId="{62A54334-E64C-43E7-952A-2FDBBCBED07C}" type="presOf" srcId="{09DBB705-1161-4770-B195-CB713F6FFD90}" destId="{7749C33C-F1AB-4975-AB6E-A1472D0DD1BA}" srcOrd="1" destOrd="0" presId="urn:microsoft.com/office/officeart/2005/8/layout/radial5"/>
-    <dgm:cxn modelId="{DAE2B235-AF0D-4A7C-9BCC-A2BA5D8746C4}" srcId="{DB1ECD7B-33CE-438B-8FCF-36CE06373187}" destId="{F2E7CA69-B94F-429C-88DF-11A1ED6105EA}" srcOrd="4" destOrd="0" parTransId="{27E72E15-BAF0-4CD7-AB41-574880D0B46B}" sibTransId="{6AA2EFEF-4A67-48AD-8901-80141EA1EE02}"/>
-    <dgm:cxn modelId="{65386D39-FCD1-4EA3-8697-D8654B09854D}" type="presOf" srcId="{C04C3B39-8153-4D89-91C0-99A572D6DC35}" destId="{C843AE18-BBE0-4804-A6C2-23355CC65A43}" srcOrd="0" destOrd="0" presId="urn:microsoft.com/office/officeart/2005/8/layout/radial5"/>
-    <dgm:cxn modelId="{6663313C-0891-42DE-8B99-1FEABE8135B1}" srcId="{DB1ECD7B-33CE-438B-8FCF-36CE06373187}" destId="{D9021F6A-ED0C-41F5-B9BC-6D56397EABA1}" srcOrd="1" destOrd="0" parTransId="{BF622680-C02C-4F08-96AE-C91A4BD53493}" sibTransId="{6BE5D31A-A716-4448-9492-F7940CDD3B64}"/>
-    <dgm:cxn modelId="{B013385B-BBBA-4C43-BC53-6F1BDE7DD6CE}" type="presOf" srcId="{F77BE9A9-138D-47FE-8246-345BA3CD8E85}" destId="{5777AA9C-663F-4F65-AFCF-363F5E108C73}" srcOrd="0" destOrd="0" presId="urn:microsoft.com/office/officeart/2005/8/layout/radial5"/>
-    <dgm:cxn modelId="{0EF5245F-C83C-4088-8D19-8749DB0A0BD2}" type="presOf" srcId="{AA0EA506-BF24-44A0-A61D-5FE8174EE760}" destId="{5D8E482A-D01C-4BFA-891A-BC121E9CDA45}" srcOrd="0" destOrd="0" presId="urn:microsoft.com/office/officeart/2005/8/layout/radial5"/>
-    <dgm:cxn modelId="{2D09F246-2164-4062-9806-6EEC2683437A}" srcId="{DB1ECD7B-33CE-438B-8FCF-36CE06373187}" destId="{F77BE9A9-138D-47FE-8246-345BA3CD8E85}" srcOrd="5" destOrd="0" parTransId="{AA0EA506-BF24-44A0-A61D-5FE8174EE760}" sibTransId="{E3B2BD90-1056-4062-8285-F69CC95E439E}"/>
-    <dgm:cxn modelId="{6BE11550-2645-410F-BA33-611E4E086F95}" srcId="{DB1ECD7B-33CE-438B-8FCF-36CE06373187}" destId="{C2344170-2A49-4D92-8939-4DD442ABD289}" srcOrd="0" destOrd="0" parTransId="{C04C3B39-8153-4D89-91C0-99A572D6DC35}" sibTransId="{D08A13B7-B85B-4803-A0A2-83E139342244}"/>
-    <dgm:cxn modelId="{5CD06D51-9C10-404E-B487-C810311769C0}" type="presOf" srcId="{ABE1521B-912D-45F6-9E14-4CD2E09E3AB5}" destId="{79302343-95A0-47F0-845D-FD125267F2B4}" srcOrd="0" destOrd="0" presId="urn:microsoft.com/office/officeart/2005/8/layout/radial5"/>
-    <dgm:cxn modelId="{4C64D871-2E67-488F-88CF-9A4B05B2E641}" type="presOf" srcId="{3BC1C3C5-9BC8-483C-81D9-2DBD5FD73635}" destId="{5831C01D-5B76-46CC-A9C4-ABAE70477854}" srcOrd="0" destOrd="0" presId="urn:microsoft.com/office/officeart/2005/8/layout/radial5"/>
-    <dgm:cxn modelId="{0A910A74-831F-45BA-93DC-7830A259D138}" type="presOf" srcId="{3BD24271-63EB-470F-95D7-9C9DD49CE152}" destId="{32B03225-092B-4496-A8E5-447176E8B7DA}" srcOrd="0" destOrd="0" presId="urn:microsoft.com/office/officeart/2005/8/layout/radial5"/>
     <dgm:cxn modelId="{1B2C0E76-BABF-4E2B-A776-7E78FAC87DB7}" type="presOf" srcId="{D9021F6A-ED0C-41F5-B9BC-6D56397EABA1}" destId="{9D2D2DCE-967B-486F-AA34-5FB6C5E204E0}" srcOrd="0" destOrd="0" presId="urn:microsoft.com/office/officeart/2005/8/layout/radial5"/>
     <dgm:cxn modelId="{28AA5288-B8CF-4441-BC5F-1ECFAF4773AA}" type="presOf" srcId="{C04C3B39-8153-4D89-91C0-99A572D6DC35}" destId="{236556D0-0332-466D-8032-DBA611F9F683}" srcOrd="1" destOrd="0" presId="urn:microsoft.com/office/officeart/2005/8/layout/radial5"/>
+    <dgm:cxn modelId="{EFB565FA-2603-4D5C-AC37-A3666245400C}" type="presOf" srcId="{3BC1C3C5-9BC8-483C-81D9-2DBD5FD73635}" destId="{EC15500E-9448-4F3B-91E0-EC67EE8C39BF}" srcOrd="1" destOrd="0" presId="urn:microsoft.com/office/officeart/2005/8/layout/radial5"/>
+    <dgm:cxn modelId="{725AF8C6-D758-4165-8AE8-E06AD72D91FF}" type="presOf" srcId="{28FEFE16-81DB-4F5F-9EC2-274148A34983}" destId="{8EFE7648-C6E3-4FC0-B2D2-1AB05B86C87C}" srcOrd="0" destOrd="0" presId="urn:microsoft.com/office/officeart/2005/8/layout/radial5"/>
+    <dgm:cxn modelId="{2D09F246-2164-4062-9806-6EEC2683437A}" srcId="{DB1ECD7B-33CE-438B-8FCF-36CE06373187}" destId="{F77BE9A9-138D-47FE-8246-345BA3CD8E85}" srcOrd="5" destOrd="0" parTransId="{AA0EA506-BF24-44A0-A61D-5FE8174EE760}" sibTransId="{E3B2BD90-1056-4062-8285-F69CC95E439E}"/>
+    <dgm:cxn modelId="{B013385B-BBBA-4C43-BC53-6F1BDE7DD6CE}" type="presOf" srcId="{F77BE9A9-138D-47FE-8246-345BA3CD8E85}" destId="{5777AA9C-663F-4F65-AFCF-363F5E108C73}" srcOrd="0" destOrd="0" presId="urn:microsoft.com/office/officeart/2005/8/layout/radial5"/>
+    <dgm:cxn modelId="{6BE11550-2645-410F-BA33-611E4E086F95}" srcId="{DB1ECD7B-33CE-438B-8FCF-36CE06373187}" destId="{C2344170-2A49-4D92-8939-4DD442ABD289}" srcOrd="0" destOrd="0" parTransId="{C04C3B39-8153-4D89-91C0-99A572D6DC35}" sibTransId="{D08A13B7-B85B-4803-A0A2-83E139342244}"/>
     <dgm:cxn modelId="{91FBFE9C-2FEE-4B9E-BB3C-8B98A62E365F}" srcId="{3BD24271-63EB-470F-95D7-9C9DD49CE152}" destId="{DB1ECD7B-33CE-438B-8FCF-36CE06373187}" srcOrd="0" destOrd="0" parTransId="{EEFC4DFC-E6ED-4335-93FD-553C9D5C9E81}" sibTransId="{6C7B606D-7874-4F0F-BA9E-4C771F637F06}"/>
+    <dgm:cxn modelId="{5B684FB2-57DC-47AE-B418-CE550D982931}" type="presOf" srcId="{C2344170-2A49-4D92-8939-4DD442ABD289}" destId="{C99B0596-F3BC-46CA-A3DA-80FC7298D85A}" srcOrd="0" destOrd="0" presId="urn:microsoft.com/office/officeart/2005/8/layout/radial5"/>
+    <dgm:cxn modelId="{62A54334-E64C-43E7-952A-2FDBBCBED07C}" type="presOf" srcId="{09DBB705-1161-4770-B195-CB713F6FFD90}" destId="{7749C33C-F1AB-4975-AB6E-A1472D0DD1BA}" srcOrd="1" destOrd="0" presId="urn:microsoft.com/office/officeart/2005/8/layout/radial5"/>
+    <dgm:cxn modelId="{5CD06D51-9C10-404E-B487-C810311769C0}" type="presOf" srcId="{ABE1521B-912D-45F6-9E14-4CD2E09E3AB5}" destId="{79302343-95A0-47F0-845D-FD125267F2B4}" srcOrd="0" destOrd="0" presId="urn:microsoft.com/office/officeart/2005/8/layout/radial5"/>
+    <dgm:cxn modelId="{0A4531AA-5F67-4750-A7A2-BC0C35E43446}" type="presOf" srcId="{27E72E15-BAF0-4CD7-AB41-574880D0B46B}" destId="{2D9AC406-8DFB-4E9E-82C0-451F8D0EA3CA}" srcOrd="0" destOrd="0" presId="urn:microsoft.com/office/officeart/2005/8/layout/radial5"/>
     <dgm:cxn modelId="{E1D6A09D-BC0A-440A-B4C1-309BC02D3530}" type="presOf" srcId="{09DBB705-1161-4770-B195-CB713F6FFD90}" destId="{6CC55E1F-7E5A-485C-ACAC-3C4DB63CAD28}" srcOrd="0" destOrd="0" presId="urn:microsoft.com/office/officeart/2005/8/layout/radial5"/>
-    <dgm:cxn modelId="{0A4531AA-5F67-4750-A7A2-BC0C35E43446}" type="presOf" srcId="{27E72E15-BAF0-4CD7-AB41-574880D0B46B}" destId="{2D9AC406-8DFB-4E9E-82C0-451F8D0EA3CA}" srcOrd="0" destOrd="0" presId="urn:microsoft.com/office/officeart/2005/8/layout/radial5"/>
-    <dgm:cxn modelId="{5B684FB2-57DC-47AE-B418-CE550D982931}" type="presOf" srcId="{C2344170-2A49-4D92-8939-4DD442ABD289}" destId="{C99B0596-F3BC-46CA-A3DA-80FC7298D85A}" srcOrd="0" destOrd="0" presId="urn:microsoft.com/office/officeart/2005/8/layout/radial5"/>
+    <dgm:cxn modelId="{A0503DD3-73AE-41F2-84D0-3DC164F3CD64}" type="presOf" srcId="{DB1ECD7B-33CE-438B-8FCF-36CE06373187}" destId="{DB88E11D-40FD-4DC8-9709-151F3F6AF8A2}" srcOrd="0" destOrd="0" presId="urn:microsoft.com/office/officeart/2005/8/layout/radial5"/>
+    <dgm:cxn modelId="{DAE2B235-AF0D-4A7C-9BCC-A2BA5D8746C4}" srcId="{DB1ECD7B-33CE-438B-8FCF-36CE06373187}" destId="{F2E7CA69-B94F-429C-88DF-11A1ED6105EA}" srcOrd="4" destOrd="0" parTransId="{27E72E15-BAF0-4CD7-AB41-574880D0B46B}" sibTransId="{6AA2EFEF-4A67-48AD-8901-80141EA1EE02}"/>
+    <dgm:cxn modelId="{0A910A74-831F-45BA-93DC-7830A259D138}" type="presOf" srcId="{3BD24271-63EB-470F-95D7-9C9DD49CE152}" destId="{32B03225-092B-4496-A8E5-447176E8B7DA}" srcOrd="0" destOrd="0" presId="urn:microsoft.com/office/officeart/2005/8/layout/radial5"/>
+    <dgm:cxn modelId="{865E4AFC-7677-4432-806C-415D8F42B79B}" type="presOf" srcId="{F2E7CA69-B94F-429C-88DF-11A1ED6105EA}" destId="{7C0ECB5E-552A-46A1-BC0F-291569D03607}" srcOrd="0" destOrd="0" presId="urn:microsoft.com/office/officeart/2005/8/layout/radial5"/>
+    <dgm:cxn modelId="{F0399B2E-6C7D-4493-BDDA-B242F94E6FC8}" srcId="{DB1ECD7B-33CE-438B-8FCF-36CE06373187}" destId="{28FEFE16-81DB-4F5F-9EC2-274148A34983}" srcOrd="2" destOrd="0" parTransId="{3BC1C3C5-9BC8-483C-81D9-2DBD5FD73635}" sibTransId="{4FCB997B-EA25-4B14-B8B6-1CB94F4F0B10}"/>
+    <dgm:cxn modelId="{B53DDCFF-DCFA-4153-BAF1-DB58A6684BDA}" srcId="{DB1ECD7B-33CE-438B-8FCF-36CE06373187}" destId="{ABE1521B-912D-45F6-9E14-4CD2E09E3AB5}" srcOrd="3" destOrd="0" parTransId="{09DBB705-1161-4770-B195-CB713F6FFD90}" sibTransId="{D4BE16C4-FA75-4149-BFED-23850188004A}"/>
+    <dgm:cxn modelId="{A3622816-8BDA-41EB-9EC6-E93930AB2496}" type="presOf" srcId="{BF622680-C02C-4F08-96AE-C91A4BD53493}" destId="{7DC30116-61F1-488A-BB40-B27378D8A4F5}" srcOrd="0" destOrd="0" presId="urn:microsoft.com/office/officeart/2005/8/layout/radial5"/>
+    <dgm:cxn modelId="{6663313C-0891-42DE-8B99-1FEABE8135B1}" srcId="{DB1ECD7B-33CE-438B-8FCF-36CE06373187}" destId="{D9021F6A-ED0C-41F5-B9BC-6D56397EABA1}" srcOrd="1" destOrd="0" parTransId="{BF622680-C02C-4F08-96AE-C91A4BD53493}" sibTransId="{6BE5D31A-A716-4448-9492-F7940CDD3B64}"/>
+    <dgm:cxn modelId="{4C64D871-2E67-488F-88CF-9A4B05B2E641}" type="presOf" srcId="{3BC1C3C5-9BC8-483C-81D9-2DBD5FD73635}" destId="{5831C01D-5B76-46CC-A9C4-ABAE70477854}" srcOrd="0" destOrd="0" presId="urn:microsoft.com/office/officeart/2005/8/layout/radial5"/>
     <dgm:cxn modelId="{375C18C4-8D47-445F-AE42-9E7F0A499766}" type="presOf" srcId="{AA0EA506-BF24-44A0-A61D-5FE8174EE760}" destId="{BD1F30F4-579E-4A97-9C2C-8F886E61FA41}" srcOrd="1" destOrd="0" presId="urn:microsoft.com/office/officeart/2005/8/layout/radial5"/>
-    <dgm:cxn modelId="{725AF8C6-D758-4165-8AE8-E06AD72D91FF}" type="presOf" srcId="{28FEFE16-81DB-4F5F-9EC2-274148A34983}" destId="{8EFE7648-C6E3-4FC0-B2D2-1AB05B86C87C}" srcOrd="0" destOrd="0" presId="urn:microsoft.com/office/officeart/2005/8/layout/radial5"/>
-    <dgm:cxn modelId="{A0503DD3-73AE-41F2-84D0-3DC164F3CD64}" type="presOf" srcId="{DB1ECD7B-33CE-438B-8FCF-36CE06373187}" destId="{DB88E11D-40FD-4DC8-9709-151F3F6AF8A2}" srcOrd="0" destOrd="0" presId="urn:microsoft.com/office/officeart/2005/8/layout/radial5"/>
-    <dgm:cxn modelId="{EFB565FA-2603-4D5C-AC37-A3666245400C}" type="presOf" srcId="{3BC1C3C5-9BC8-483C-81D9-2DBD5FD73635}" destId="{EC15500E-9448-4F3B-91E0-EC67EE8C39BF}" srcOrd="1" destOrd="0" presId="urn:microsoft.com/office/officeart/2005/8/layout/radial5"/>
-    <dgm:cxn modelId="{865E4AFC-7677-4432-806C-415D8F42B79B}" type="presOf" srcId="{F2E7CA69-B94F-429C-88DF-11A1ED6105EA}" destId="{7C0ECB5E-552A-46A1-BC0F-291569D03607}" srcOrd="0" destOrd="0" presId="urn:microsoft.com/office/officeart/2005/8/layout/radial5"/>
-    <dgm:cxn modelId="{B53DDCFF-DCFA-4153-BAF1-DB58A6684BDA}" srcId="{DB1ECD7B-33CE-438B-8FCF-36CE06373187}" destId="{ABE1521B-912D-45F6-9E14-4CD2E09E3AB5}" srcOrd="3" destOrd="0" parTransId="{09DBB705-1161-4770-B195-CB713F6FFD90}" sibTransId="{D4BE16C4-FA75-4149-BFED-23850188004A}"/>
+    <dgm:cxn modelId="{0EF5245F-C83C-4088-8D19-8749DB0A0BD2}" type="presOf" srcId="{AA0EA506-BF24-44A0-A61D-5FE8174EE760}" destId="{5D8E482A-D01C-4BFA-891A-BC121E9CDA45}" srcOrd="0" destOrd="0" presId="urn:microsoft.com/office/officeart/2005/8/layout/radial5"/>
+    <dgm:cxn modelId="{65386D39-FCD1-4EA3-8697-D8654B09854D}" type="presOf" srcId="{C04C3B39-8153-4D89-91C0-99A572D6DC35}" destId="{C843AE18-BBE0-4804-A6C2-23355CC65A43}" srcOrd="0" destOrd="0" presId="urn:microsoft.com/office/officeart/2005/8/layout/radial5"/>
+    <dgm:cxn modelId="{D419E600-0F8A-4973-9F1D-58C0DB31C4C2}" type="presOf" srcId="{BF622680-C02C-4F08-96AE-C91A4BD53493}" destId="{2C85C0C6-51C3-4E04-AF87-BF328E81307B}" srcOrd="1" destOrd="0" presId="urn:microsoft.com/office/officeart/2005/8/layout/radial5"/>
     <dgm:cxn modelId="{31537390-D698-4120-B097-33AC9214E6D7}" type="presParOf" srcId="{32B03225-092B-4496-A8E5-447176E8B7DA}" destId="{DB88E11D-40FD-4DC8-9709-151F3F6AF8A2}" srcOrd="0" destOrd="0" presId="urn:microsoft.com/office/officeart/2005/8/layout/radial5"/>
     <dgm:cxn modelId="{2CA22AB2-ED94-4DD8-889B-D36380205B11}" type="presParOf" srcId="{32B03225-092B-4496-A8E5-447176E8B7DA}" destId="{C843AE18-BBE0-4804-A6C2-23355CC65A43}" srcOrd="1" destOrd="0" presId="urn:microsoft.com/office/officeart/2005/8/layout/radial5"/>
     <dgm:cxn modelId="{E6847A11-97D5-49B7-80BD-AB0CA3EFA19B}" type="presParOf" srcId="{C843AE18-BBE0-4804-A6C2-23355CC65A43}" destId="{236556D0-0332-466D-8032-DBA611F9F683}" srcOrd="0" destOrd="0" presId="urn:microsoft.com/office/officeart/2005/8/layout/radial5"/>
@@ -4262,7 +4703,7 @@
         </a:bodyPr>
         <a:lstStyle/>
         <a:p>
-          <a:pPr marL="0" lvl="0" indent="0" algn="ctr" defTabSz="533400">
+          <a:pPr lvl="0" algn="ctr" defTabSz="533400">
             <a:lnSpc>
               <a:spcPct val="90000"/>
             </a:lnSpc>
@@ -4272,7 +4713,6 @@
             <a:spcAft>
               <a:spcPct val="35000"/>
             </a:spcAft>
-            <a:buNone/>
           </a:pPr>
           <a:r>
             <a:rPr lang="fr-FR" sz="1200" kern="1200" dirty="0"/>
@@ -4304,21 +4744,21 @@
         <a:gradFill rotWithShape="1">
           <a:gsLst>
             <a:gs pos="0">
-              <a:schemeClr val="accent3">
+              <a:schemeClr val="accent1">
                 <a:lumMod val="110000"/>
                 <a:satMod val="105000"/>
                 <a:tint val="67000"/>
               </a:schemeClr>
             </a:gs>
             <a:gs pos="50000">
-              <a:schemeClr val="accent3">
+              <a:schemeClr val="accent1">
                 <a:lumMod val="105000"/>
                 <a:satMod val="103000"/>
                 <a:tint val="73000"/>
               </a:schemeClr>
             </a:gs>
             <a:gs pos="100000">
-              <a:schemeClr val="accent3">
+              <a:schemeClr val="accent1">
                 <a:lumMod val="105000"/>
                 <a:satMod val="109000"/>
                 <a:tint val="81000"/>
@@ -4329,7 +4769,7 @@
         </a:gradFill>
         <a:ln w="6350" cap="flat" cmpd="sng" algn="ctr">
           <a:solidFill>
-            <a:schemeClr val="accent3"/>
+            <a:schemeClr val="accent1"/>
           </a:solidFill>
           <a:prstDash val="solid"/>
           <a:miter lim="800000"/>
@@ -4338,13 +4778,13 @@
       </dsp:spPr>
       <dsp:style>
         <a:lnRef idx="1">
-          <a:schemeClr val="accent3"/>
+          <a:schemeClr val="accent1"/>
         </a:lnRef>
         <a:fillRef idx="2">
-          <a:schemeClr val="accent3"/>
+          <a:schemeClr val="accent1"/>
         </a:fillRef>
         <a:effectRef idx="1">
-          <a:schemeClr val="accent3"/>
+          <a:schemeClr val="accent1"/>
         </a:effectRef>
         <a:fontRef idx="minor">
           <a:schemeClr val="dk1"/>
@@ -4356,7 +4796,7 @@
         </a:bodyPr>
         <a:lstStyle/>
         <a:p>
-          <a:pPr marL="0" lvl="0" indent="0" algn="ctr" defTabSz="533400">
+          <a:pPr lvl="0" algn="ctr" defTabSz="533400">
             <a:lnSpc>
               <a:spcPct val="90000"/>
             </a:lnSpc>
@@ -4366,7 +4806,6 @@
             <a:spcAft>
               <a:spcPct val="35000"/>
             </a:spcAft>
-            <a:buNone/>
           </a:pPr>
           <a:endParaRPr lang="fr-FR" sz="1200" kern="1200"/>
         </a:p>
@@ -4392,21 +4831,21 @@
         <a:gradFill rotWithShape="1">
           <a:gsLst>
             <a:gs pos="0">
-              <a:schemeClr val="accent3">
+              <a:schemeClr val="accent1">
                 <a:lumMod val="110000"/>
                 <a:satMod val="105000"/>
                 <a:tint val="67000"/>
               </a:schemeClr>
             </a:gs>
             <a:gs pos="50000">
-              <a:schemeClr val="accent3">
+              <a:schemeClr val="accent1">
                 <a:lumMod val="105000"/>
                 <a:satMod val="103000"/>
                 <a:tint val="73000"/>
               </a:schemeClr>
             </a:gs>
             <a:gs pos="100000">
-              <a:schemeClr val="accent3">
+              <a:schemeClr val="accent1">
                 <a:lumMod val="105000"/>
                 <a:satMod val="109000"/>
                 <a:tint val="81000"/>
@@ -4417,7 +4856,7 @@
         </a:gradFill>
         <a:ln w="6350" cap="flat" cmpd="sng" algn="ctr">
           <a:solidFill>
-            <a:schemeClr val="accent3"/>
+            <a:schemeClr val="accent1"/>
           </a:solidFill>
           <a:prstDash val="solid"/>
           <a:miter lim="800000"/>
@@ -4426,13 +4865,13 @@
       </dsp:spPr>
       <dsp:style>
         <a:lnRef idx="1">
-          <a:schemeClr val="accent3"/>
+          <a:schemeClr val="accent1"/>
         </a:lnRef>
         <a:fillRef idx="2">
-          <a:schemeClr val="accent3"/>
+          <a:schemeClr val="accent1"/>
         </a:fillRef>
         <a:effectRef idx="1">
-          <a:schemeClr val="accent3"/>
+          <a:schemeClr val="accent1"/>
         </a:effectRef>
         <a:fontRef idx="minor">
           <a:schemeClr val="dk1"/>
@@ -4444,7 +4883,7 @@
         </a:bodyPr>
         <a:lstStyle/>
         <a:p>
-          <a:pPr marL="0" lvl="0" indent="0" algn="ctr" defTabSz="533400">
+          <a:pPr lvl="0" algn="ctr" defTabSz="533400">
             <a:lnSpc>
               <a:spcPct val="90000"/>
             </a:lnSpc>
@@ -4454,7 +4893,6 @@
             <a:spcAft>
               <a:spcPct val="35000"/>
             </a:spcAft>
-            <a:buNone/>
           </a:pPr>
           <a:r>
             <a:rPr lang="fr-FR" sz="1200" kern="1200" dirty="0"/>
@@ -4486,21 +4924,21 @@
         <a:gradFill rotWithShape="1">
           <a:gsLst>
             <a:gs pos="0">
-              <a:schemeClr val="accent3">
+              <a:schemeClr val="accent1">
                 <a:lumMod val="110000"/>
                 <a:satMod val="105000"/>
                 <a:tint val="67000"/>
               </a:schemeClr>
             </a:gs>
             <a:gs pos="50000">
-              <a:schemeClr val="accent3">
+              <a:schemeClr val="accent1">
                 <a:lumMod val="105000"/>
                 <a:satMod val="103000"/>
                 <a:tint val="73000"/>
               </a:schemeClr>
             </a:gs>
             <a:gs pos="100000">
-              <a:schemeClr val="accent3">
+              <a:schemeClr val="accent1">
                 <a:lumMod val="105000"/>
                 <a:satMod val="109000"/>
                 <a:tint val="81000"/>
@@ -4511,7 +4949,7 @@
         </a:gradFill>
         <a:ln w="6350" cap="flat" cmpd="sng" algn="ctr">
           <a:solidFill>
-            <a:schemeClr val="accent3"/>
+            <a:schemeClr val="accent1"/>
           </a:solidFill>
           <a:prstDash val="solid"/>
           <a:miter lim="800000"/>
@@ -4520,13 +4958,13 @@
       </dsp:spPr>
       <dsp:style>
         <a:lnRef idx="1">
-          <a:schemeClr val="accent3"/>
+          <a:schemeClr val="accent1"/>
         </a:lnRef>
         <a:fillRef idx="2">
-          <a:schemeClr val="accent3"/>
+          <a:schemeClr val="accent1"/>
         </a:fillRef>
         <a:effectRef idx="1">
-          <a:schemeClr val="accent3"/>
+          <a:schemeClr val="accent1"/>
         </a:effectRef>
         <a:fontRef idx="minor">
           <a:schemeClr val="dk1"/>
@@ -4538,7 +4976,7 @@
         </a:bodyPr>
         <a:lstStyle/>
         <a:p>
-          <a:pPr marL="0" lvl="0" indent="0" algn="ctr" defTabSz="533400">
+          <a:pPr lvl="0" algn="ctr" defTabSz="533400">
             <a:lnSpc>
               <a:spcPct val="90000"/>
             </a:lnSpc>
@@ -4548,7 +4986,6 @@
             <a:spcAft>
               <a:spcPct val="35000"/>
             </a:spcAft>
-            <a:buNone/>
           </a:pPr>
           <a:endParaRPr lang="fr-FR" sz="1200" kern="1200"/>
         </a:p>
@@ -4574,21 +5011,21 @@
         <a:gradFill rotWithShape="1">
           <a:gsLst>
             <a:gs pos="0">
-              <a:schemeClr val="accent3">
+              <a:schemeClr val="accent1">
                 <a:lumMod val="110000"/>
                 <a:satMod val="105000"/>
                 <a:tint val="67000"/>
               </a:schemeClr>
             </a:gs>
             <a:gs pos="50000">
-              <a:schemeClr val="accent3">
+              <a:schemeClr val="accent1">
                 <a:lumMod val="105000"/>
                 <a:satMod val="103000"/>
                 <a:tint val="73000"/>
               </a:schemeClr>
             </a:gs>
             <a:gs pos="100000">
-              <a:schemeClr val="accent3">
+              <a:schemeClr val="accent1">
                 <a:lumMod val="105000"/>
                 <a:satMod val="109000"/>
                 <a:tint val="81000"/>
@@ -4599,7 +5036,7 @@
         </a:gradFill>
         <a:ln w="6350" cap="flat" cmpd="sng" algn="ctr">
           <a:solidFill>
-            <a:schemeClr val="accent3"/>
+            <a:schemeClr val="accent1"/>
           </a:solidFill>
           <a:prstDash val="solid"/>
           <a:miter lim="800000"/>
@@ -4608,13 +5045,13 @@
       </dsp:spPr>
       <dsp:style>
         <a:lnRef idx="1">
-          <a:schemeClr val="accent3"/>
+          <a:schemeClr val="accent1"/>
         </a:lnRef>
         <a:fillRef idx="2">
-          <a:schemeClr val="accent3"/>
+          <a:schemeClr val="accent1"/>
         </a:fillRef>
         <a:effectRef idx="1">
-          <a:schemeClr val="accent3"/>
+          <a:schemeClr val="accent1"/>
         </a:effectRef>
         <a:fontRef idx="minor">
           <a:schemeClr val="dk1"/>
@@ -4626,7 +5063,7 @@
         </a:bodyPr>
         <a:lstStyle/>
         <a:p>
-          <a:pPr marL="0" lvl="0" indent="0" algn="ctr" defTabSz="533400">
+          <a:pPr lvl="0" algn="ctr" defTabSz="533400">
             <a:lnSpc>
               <a:spcPct val="90000"/>
             </a:lnSpc>
@@ -4636,7 +5073,6 @@
             <a:spcAft>
               <a:spcPct val="35000"/>
             </a:spcAft>
-            <a:buNone/>
           </a:pPr>
           <a:r>
             <a:rPr lang="fr-FR" sz="1200" kern="1200" dirty="0"/>
@@ -4720,7 +5156,7 @@
         </a:bodyPr>
         <a:lstStyle/>
         <a:p>
-          <a:pPr marL="0" lvl="0" indent="0" algn="ctr" defTabSz="533400">
+          <a:pPr lvl="0" algn="ctr" defTabSz="533400">
             <a:lnSpc>
               <a:spcPct val="90000"/>
             </a:lnSpc>
@@ -4730,7 +5166,6 @@
             <a:spcAft>
               <a:spcPct val="35000"/>
             </a:spcAft>
-            <a:buNone/>
           </a:pPr>
           <a:endParaRPr lang="fr-FR" sz="1200" kern="1200"/>
         </a:p>
@@ -4808,7 +5243,7 @@
         </a:bodyPr>
         <a:lstStyle/>
         <a:p>
-          <a:pPr marL="0" lvl="0" indent="0" algn="ctr" defTabSz="533400">
+          <a:pPr lvl="0" algn="ctr" defTabSz="533400">
             <a:lnSpc>
               <a:spcPct val="90000"/>
             </a:lnSpc>
@@ -4818,7 +5253,6 @@
             <a:spcAft>
               <a:spcPct val="35000"/>
             </a:spcAft>
-            <a:buNone/>
           </a:pPr>
           <a:r>
             <a:rPr lang="fr-FR" sz="1200" kern="1200" dirty="0"/>
@@ -4902,7 +5336,7 @@
         </a:bodyPr>
         <a:lstStyle/>
         <a:p>
-          <a:pPr marL="0" lvl="0" indent="0" algn="ctr" defTabSz="533400">
+          <a:pPr lvl="0" algn="ctr" defTabSz="533400">
             <a:lnSpc>
               <a:spcPct val="90000"/>
             </a:lnSpc>
@@ -4912,7 +5346,6 @@
             <a:spcAft>
               <a:spcPct val="35000"/>
             </a:spcAft>
-            <a:buNone/>
           </a:pPr>
           <a:endParaRPr lang="fr-FR" sz="1200" kern="1200"/>
         </a:p>
@@ -4990,7 +5423,7 @@
         </a:bodyPr>
         <a:lstStyle/>
         <a:p>
-          <a:pPr marL="0" lvl="0" indent="0" algn="ctr" defTabSz="533400">
+          <a:pPr lvl="0" algn="ctr" defTabSz="533400">
             <a:lnSpc>
               <a:spcPct val="90000"/>
             </a:lnSpc>
@@ -5000,7 +5433,6 @@
             <a:spcAft>
               <a:spcPct val="35000"/>
             </a:spcAft>
-            <a:buNone/>
           </a:pPr>
           <a:r>
             <a:rPr lang="fr-FR" sz="1200" kern="1200" dirty="0"/>
@@ -5032,21 +5464,21 @@
         <a:gradFill rotWithShape="1">
           <a:gsLst>
             <a:gs pos="0">
-              <a:schemeClr val="accent6">
+              <a:schemeClr val="accent1">
                 <a:lumMod val="110000"/>
                 <a:satMod val="105000"/>
                 <a:tint val="67000"/>
               </a:schemeClr>
             </a:gs>
             <a:gs pos="50000">
-              <a:schemeClr val="accent6">
+              <a:schemeClr val="accent1">
                 <a:lumMod val="105000"/>
                 <a:satMod val="103000"/>
                 <a:tint val="73000"/>
               </a:schemeClr>
             </a:gs>
             <a:gs pos="100000">
-              <a:schemeClr val="accent6">
+              <a:schemeClr val="accent1">
                 <a:lumMod val="105000"/>
                 <a:satMod val="109000"/>
                 <a:tint val="81000"/>
@@ -5057,7 +5489,7 @@
         </a:gradFill>
         <a:ln w="6350" cap="flat" cmpd="sng" algn="ctr">
           <a:solidFill>
-            <a:schemeClr val="accent6"/>
+            <a:schemeClr val="accent1"/>
           </a:solidFill>
           <a:prstDash val="solid"/>
           <a:miter lim="800000"/>
@@ -5066,13 +5498,13 @@
       </dsp:spPr>
       <dsp:style>
         <a:lnRef idx="1">
-          <a:schemeClr val="accent6"/>
+          <a:schemeClr val="accent1"/>
         </a:lnRef>
         <a:fillRef idx="2">
-          <a:schemeClr val="accent6"/>
+          <a:schemeClr val="accent1"/>
         </a:fillRef>
         <a:effectRef idx="1">
-          <a:schemeClr val="accent6"/>
+          <a:schemeClr val="accent1"/>
         </a:effectRef>
         <a:fontRef idx="minor">
           <a:schemeClr val="dk1"/>
@@ -5084,7 +5516,7 @@
         </a:bodyPr>
         <a:lstStyle/>
         <a:p>
-          <a:pPr marL="0" lvl="0" indent="0" algn="ctr" defTabSz="533400">
+          <a:pPr lvl="0" algn="ctr" defTabSz="533400">
             <a:lnSpc>
               <a:spcPct val="90000"/>
             </a:lnSpc>
@@ -5094,7 +5526,6 @@
             <a:spcAft>
               <a:spcPct val="35000"/>
             </a:spcAft>
-            <a:buNone/>
           </a:pPr>
           <a:endParaRPr lang="fr-FR" sz="1200" kern="1200"/>
         </a:p>
@@ -5120,21 +5551,21 @@
         <a:gradFill rotWithShape="1">
           <a:gsLst>
             <a:gs pos="0">
-              <a:schemeClr val="accent6">
+              <a:schemeClr val="accent1">
                 <a:lumMod val="110000"/>
                 <a:satMod val="105000"/>
                 <a:tint val="67000"/>
               </a:schemeClr>
             </a:gs>
             <a:gs pos="50000">
-              <a:schemeClr val="accent6">
+              <a:schemeClr val="accent1">
                 <a:lumMod val="105000"/>
                 <a:satMod val="103000"/>
                 <a:tint val="73000"/>
               </a:schemeClr>
             </a:gs>
             <a:gs pos="100000">
-              <a:schemeClr val="accent6">
+              <a:schemeClr val="accent1">
                 <a:lumMod val="105000"/>
                 <a:satMod val="109000"/>
                 <a:tint val="81000"/>
@@ -5145,7 +5576,7 @@
         </a:gradFill>
         <a:ln w="6350" cap="flat" cmpd="sng" algn="ctr">
           <a:solidFill>
-            <a:schemeClr val="accent6"/>
+            <a:schemeClr val="accent1"/>
           </a:solidFill>
           <a:prstDash val="solid"/>
           <a:miter lim="800000"/>
@@ -5154,13 +5585,13 @@
       </dsp:spPr>
       <dsp:style>
         <a:lnRef idx="1">
-          <a:schemeClr val="accent6"/>
+          <a:schemeClr val="accent1"/>
         </a:lnRef>
         <a:fillRef idx="2">
-          <a:schemeClr val="accent6"/>
+          <a:schemeClr val="accent1"/>
         </a:fillRef>
         <a:effectRef idx="1">
-          <a:schemeClr val="accent6"/>
+          <a:schemeClr val="accent1"/>
         </a:effectRef>
         <a:fontRef idx="minor">
           <a:schemeClr val="dk1"/>
@@ -5172,7 +5603,7 @@
         </a:bodyPr>
         <a:lstStyle/>
         <a:p>
-          <a:pPr marL="0" lvl="0" indent="0" algn="ctr" defTabSz="533400">
+          <a:pPr lvl="0" algn="ctr" defTabSz="533400">
             <a:lnSpc>
               <a:spcPct val="90000"/>
             </a:lnSpc>
@@ -5182,7 +5613,6 @@
             <a:spcAft>
               <a:spcPct val="35000"/>
             </a:spcAft>
-            <a:buNone/>
           </a:pPr>
           <a:r>
             <a:rPr lang="fr-FR" sz="1200" kern="1200" dirty="0"/>
@@ -5214,21 +5644,21 @@
         <a:gradFill rotWithShape="1">
           <a:gsLst>
             <a:gs pos="0">
-              <a:schemeClr val="accent3">
+              <a:schemeClr val="accent1">
                 <a:lumMod val="110000"/>
                 <a:satMod val="105000"/>
                 <a:tint val="67000"/>
               </a:schemeClr>
             </a:gs>
             <a:gs pos="50000">
-              <a:schemeClr val="accent3">
+              <a:schemeClr val="accent1">
                 <a:lumMod val="105000"/>
                 <a:satMod val="103000"/>
                 <a:tint val="73000"/>
               </a:schemeClr>
             </a:gs>
             <a:gs pos="100000">
-              <a:schemeClr val="accent3">
+              <a:schemeClr val="accent1">
                 <a:lumMod val="105000"/>
                 <a:satMod val="109000"/>
                 <a:tint val="81000"/>
@@ -5239,7 +5669,7 @@
         </a:gradFill>
         <a:ln w="6350" cap="flat" cmpd="sng" algn="ctr">
           <a:solidFill>
-            <a:schemeClr val="accent3"/>
+            <a:schemeClr val="accent1"/>
           </a:solidFill>
           <a:prstDash val="solid"/>
           <a:miter lim="800000"/>
@@ -5248,13 +5678,13 @@
       </dsp:spPr>
       <dsp:style>
         <a:lnRef idx="1">
-          <a:schemeClr val="accent3"/>
+          <a:schemeClr val="accent1"/>
         </a:lnRef>
         <a:fillRef idx="2">
-          <a:schemeClr val="accent3"/>
+          <a:schemeClr val="accent1"/>
         </a:fillRef>
         <a:effectRef idx="1">
-          <a:schemeClr val="accent3"/>
+          <a:schemeClr val="accent1"/>
         </a:effectRef>
         <a:fontRef idx="minor">
           <a:schemeClr val="dk1"/>
@@ -5266,7 +5696,7 @@
         </a:bodyPr>
         <a:lstStyle/>
         <a:p>
-          <a:pPr marL="0" lvl="0" indent="0" algn="ctr" defTabSz="533400">
+          <a:pPr lvl="0" algn="ctr" defTabSz="533400">
             <a:lnSpc>
               <a:spcPct val="90000"/>
             </a:lnSpc>
@@ -5276,7 +5706,6 @@
             <a:spcAft>
               <a:spcPct val="35000"/>
             </a:spcAft>
-            <a:buNone/>
           </a:pPr>
           <a:endParaRPr lang="fr-FR" sz="1200" kern="1200"/>
         </a:p>
@@ -5302,21 +5731,21 @@
         <a:gradFill rotWithShape="1">
           <a:gsLst>
             <a:gs pos="0">
-              <a:schemeClr val="accent3">
+              <a:schemeClr val="accent1">
                 <a:lumMod val="110000"/>
                 <a:satMod val="105000"/>
                 <a:tint val="67000"/>
               </a:schemeClr>
             </a:gs>
             <a:gs pos="50000">
-              <a:schemeClr val="accent3">
+              <a:schemeClr val="accent1">
                 <a:lumMod val="105000"/>
                 <a:satMod val="103000"/>
                 <a:tint val="73000"/>
               </a:schemeClr>
             </a:gs>
             <a:gs pos="100000">
-              <a:schemeClr val="accent3">
+              <a:schemeClr val="accent1">
                 <a:lumMod val="105000"/>
                 <a:satMod val="109000"/>
                 <a:tint val="81000"/>
@@ -5327,7 +5756,7 @@
         </a:gradFill>
         <a:ln w="6350" cap="flat" cmpd="sng" algn="ctr">
           <a:solidFill>
-            <a:schemeClr val="accent3"/>
+            <a:schemeClr val="accent1"/>
           </a:solidFill>
           <a:prstDash val="solid"/>
           <a:miter lim="800000"/>
@@ -5336,13 +5765,13 @@
       </dsp:spPr>
       <dsp:style>
         <a:lnRef idx="1">
-          <a:schemeClr val="accent3"/>
+          <a:schemeClr val="accent1"/>
         </a:lnRef>
         <a:fillRef idx="2">
-          <a:schemeClr val="accent3"/>
+          <a:schemeClr val="accent1"/>
         </a:fillRef>
         <a:effectRef idx="1">
-          <a:schemeClr val="accent3"/>
+          <a:schemeClr val="accent1"/>
         </a:effectRef>
         <a:fontRef idx="minor">
           <a:schemeClr val="dk1"/>
@@ -5354,7 +5783,7 @@
         </a:bodyPr>
         <a:lstStyle/>
         <a:p>
-          <a:pPr marL="0" lvl="0" indent="0" algn="ctr" defTabSz="533400">
+          <a:pPr lvl="0" algn="ctr" defTabSz="533400">
             <a:lnSpc>
               <a:spcPct val="90000"/>
             </a:lnSpc>
@@ -5364,7 +5793,6 @@
             <a:spcAft>
               <a:spcPct val="35000"/>
             </a:spcAft>
-            <a:buNone/>
           </a:pPr>
           <a:r>
             <a:rPr lang="fr-FR" sz="1200" kern="1200" dirty="0"/>
@@ -5396,21 +5824,21 @@
         <a:gradFill rotWithShape="1">
           <a:gsLst>
             <a:gs pos="0">
-              <a:schemeClr val="accent6">
+              <a:schemeClr val="accent1">
                 <a:lumMod val="110000"/>
                 <a:satMod val="105000"/>
                 <a:tint val="67000"/>
               </a:schemeClr>
             </a:gs>
             <a:gs pos="50000">
-              <a:schemeClr val="accent6">
+              <a:schemeClr val="accent1">
                 <a:lumMod val="105000"/>
                 <a:satMod val="103000"/>
                 <a:tint val="73000"/>
               </a:schemeClr>
             </a:gs>
             <a:gs pos="100000">
-              <a:schemeClr val="accent6">
+              <a:schemeClr val="accent1">
                 <a:lumMod val="105000"/>
                 <a:satMod val="109000"/>
                 <a:tint val="81000"/>
@@ -5421,7 +5849,7 @@
         </a:gradFill>
         <a:ln w="6350" cap="flat" cmpd="sng" algn="ctr">
           <a:solidFill>
-            <a:schemeClr val="accent6"/>
+            <a:schemeClr val="accent1"/>
           </a:solidFill>
           <a:prstDash val="solid"/>
           <a:miter lim="800000"/>
@@ -5430,13 +5858,13 @@
       </dsp:spPr>
       <dsp:style>
         <a:lnRef idx="1">
-          <a:schemeClr val="accent6"/>
+          <a:schemeClr val="accent1"/>
         </a:lnRef>
         <a:fillRef idx="2">
-          <a:schemeClr val="accent6"/>
+          <a:schemeClr val="accent1"/>
         </a:fillRef>
         <a:effectRef idx="1">
-          <a:schemeClr val="accent6"/>
+          <a:schemeClr val="accent1"/>
         </a:effectRef>
         <a:fontRef idx="minor">
           <a:schemeClr val="dk1"/>
@@ -5448,7 +5876,7 @@
         </a:bodyPr>
         <a:lstStyle/>
         <a:p>
-          <a:pPr marL="0" lvl="0" indent="0" algn="ctr" defTabSz="533400">
+          <a:pPr lvl="0" algn="ctr" defTabSz="533400">
             <a:lnSpc>
               <a:spcPct val="90000"/>
             </a:lnSpc>
@@ -5458,7 +5886,6 @@
             <a:spcAft>
               <a:spcPct val="35000"/>
             </a:spcAft>
-            <a:buNone/>
           </a:pPr>
           <a:endParaRPr lang="fr-FR" sz="1200" kern="1200"/>
         </a:p>
@@ -5484,21 +5911,21 @@
         <a:gradFill rotWithShape="1">
           <a:gsLst>
             <a:gs pos="0">
-              <a:schemeClr val="accent6">
+              <a:schemeClr val="accent1">
                 <a:lumMod val="110000"/>
                 <a:satMod val="105000"/>
                 <a:tint val="67000"/>
               </a:schemeClr>
             </a:gs>
             <a:gs pos="50000">
-              <a:schemeClr val="accent6">
+              <a:schemeClr val="accent1">
                 <a:lumMod val="105000"/>
                 <a:satMod val="103000"/>
                 <a:tint val="73000"/>
               </a:schemeClr>
             </a:gs>
             <a:gs pos="100000">
-              <a:schemeClr val="accent6">
+              <a:schemeClr val="accent1">
                 <a:lumMod val="105000"/>
                 <a:satMod val="109000"/>
                 <a:tint val="81000"/>
@@ -5509,7 +5936,7 @@
         </a:gradFill>
         <a:ln w="6350" cap="flat" cmpd="sng" algn="ctr">
           <a:solidFill>
-            <a:schemeClr val="accent6"/>
+            <a:schemeClr val="accent1"/>
           </a:solidFill>
           <a:prstDash val="solid"/>
           <a:miter lim="800000"/>
@@ -5518,13 +5945,13 @@
       </dsp:spPr>
       <dsp:style>
         <a:lnRef idx="1">
-          <a:schemeClr val="accent6"/>
+          <a:schemeClr val="accent1"/>
         </a:lnRef>
         <a:fillRef idx="2">
-          <a:schemeClr val="accent6"/>
+          <a:schemeClr val="accent1"/>
         </a:fillRef>
         <a:effectRef idx="1">
-          <a:schemeClr val="accent6"/>
+          <a:schemeClr val="accent1"/>
         </a:effectRef>
         <a:fontRef idx="minor">
           <a:schemeClr val="dk1"/>
@@ -5536,7 +5963,7 @@
         </a:bodyPr>
         <a:lstStyle/>
         <a:p>
-          <a:pPr marL="0" lvl="0" indent="0" algn="ctr" defTabSz="533400">
+          <a:pPr lvl="0" algn="ctr" defTabSz="533400">
             <a:lnSpc>
               <a:spcPct val="90000"/>
             </a:lnSpc>
@@ -5546,7 +5973,6 @@
             <a:spcAft>
               <a:spcPct val="35000"/>
             </a:spcAft>
-            <a:buNone/>
           </a:pPr>
           <a:r>
             <a:rPr lang="fr-FR" sz="1200" kern="1200" dirty="0"/>
@@ -5626,7 +6052,7 @@
         </a:bodyPr>
         <a:lstStyle/>
         <a:p>
-          <a:pPr marL="0" lvl="0" indent="0" algn="ctr" defTabSz="533400">
+          <a:pPr lvl="0" algn="ctr" defTabSz="533400">
             <a:lnSpc>
               <a:spcPct val="90000"/>
             </a:lnSpc>
@@ -5636,7 +6062,6 @@
             <a:spcAft>
               <a:spcPct val="35000"/>
             </a:spcAft>
-            <a:buNone/>
           </a:pPr>
           <a:r>
             <a:rPr lang="fr-FR" sz="1200" kern="1200" dirty="0"/>
@@ -5699,7 +6124,7 @@
         </a:bodyPr>
         <a:lstStyle/>
         <a:p>
-          <a:pPr marL="0" lvl="0" indent="0" algn="ctr" defTabSz="533400">
+          <a:pPr lvl="0" algn="ctr" defTabSz="533400">
             <a:lnSpc>
               <a:spcPct val="90000"/>
             </a:lnSpc>
@@ -5709,7 +6134,6 @@
             <a:spcAft>
               <a:spcPct val="35000"/>
             </a:spcAft>
-            <a:buNone/>
           </a:pPr>
           <a:endParaRPr lang="fr-FR" sz="1200" kern="1200"/>
         </a:p>
@@ -5774,7 +6198,7 @@
         </a:bodyPr>
         <a:lstStyle/>
         <a:p>
-          <a:pPr marL="0" lvl="0" indent="0" algn="ctr" defTabSz="533400">
+          <a:pPr lvl="0" algn="ctr" defTabSz="533400">
             <a:lnSpc>
               <a:spcPct val="90000"/>
             </a:lnSpc>
@@ -5784,7 +6208,6 @@
             <a:spcAft>
               <a:spcPct val="35000"/>
             </a:spcAft>
-            <a:buNone/>
           </a:pPr>
           <a:r>
             <a:rPr lang="fr-FR" sz="1200" kern="1200" dirty="0"/>
@@ -5847,7 +6270,7 @@
         </a:bodyPr>
         <a:lstStyle/>
         <a:p>
-          <a:pPr marL="0" lvl="0" indent="0" algn="ctr" defTabSz="533400">
+          <a:pPr lvl="0" algn="ctr" defTabSz="533400">
             <a:lnSpc>
               <a:spcPct val="90000"/>
             </a:lnSpc>
@@ -5857,7 +6280,6 @@
             <a:spcAft>
               <a:spcPct val="35000"/>
             </a:spcAft>
-            <a:buNone/>
           </a:pPr>
           <a:endParaRPr lang="fr-FR" sz="1200" kern="1200"/>
         </a:p>
@@ -5922,7 +6344,7 @@
         </a:bodyPr>
         <a:lstStyle/>
         <a:p>
-          <a:pPr marL="0" lvl="0" indent="0" algn="ctr" defTabSz="533400">
+          <a:pPr lvl="0" algn="ctr" defTabSz="533400">
             <a:lnSpc>
               <a:spcPct val="90000"/>
             </a:lnSpc>
@@ -5932,7 +6354,6 @@
             <a:spcAft>
               <a:spcPct val="35000"/>
             </a:spcAft>
-            <a:buNone/>
           </a:pPr>
           <a:r>
             <a:rPr lang="fr-FR" sz="1200" kern="1200" dirty="0"/>
@@ -5995,7 +6416,7 @@
         </a:bodyPr>
         <a:lstStyle/>
         <a:p>
-          <a:pPr marL="0" lvl="0" indent="0" algn="ctr" defTabSz="533400">
+          <a:pPr lvl="0" algn="ctr" defTabSz="533400">
             <a:lnSpc>
               <a:spcPct val="90000"/>
             </a:lnSpc>
@@ -6005,7 +6426,6 @@
             <a:spcAft>
               <a:spcPct val="35000"/>
             </a:spcAft>
-            <a:buNone/>
           </a:pPr>
           <a:endParaRPr lang="fr-FR" sz="1200" kern="1200"/>
         </a:p>
@@ -6070,7 +6490,7 @@
         </a:bodyPr>
         <a:lstStyle/>
         <a:p>
-          <a:pPr marL="0" lvl="0" indent="0" algn="ctr" defTabSz="533400">
+          <a:pPr lvl="0" algn="ctr" defTabSz="533400">
             <a:lnSpc>
               <a:spcPct val="90000"/>
             </a:lnSpc>
@@ -6080,7 +6500,6 @@
             <a:spcAft>
               <a:spcPct val="35000"/>
             </a:spcAft>
-            <a:buNone/>
           </a:pPr>
           <a:r>
             <a:rPr lang="fr-FR" sz="1200" kern="1200" dirty="0"/>
@@ -6143,7 +6562,7 @@
         </a:bodyPr>
         <a:lstStyle/>
         <a:p>
-          <a:pPr marL="0" lvl="0" indent="0" algn="ctr" defTabSz="533400">
+          <a:pPr lvl="0" algn="ctr" defTabSz="533400">
             <a:lnSpc>
               <a:spcPct val="90000"/>
             </a:lnSpc>
@@ -6153,7 +6572,6 @@
             <a:spcAft>
               <a:spcPct val="35000"/>
             </a:spcAft>
-            <a:buNone/>
           </a:pPr>
           <a:endParaRPr lang="fr-FR" sz="1200" kern="1200"/>
         </a:p>
@@ -6218,7 +6636,7 @@
         </a:bodyPr>
         <a:lstStyle/>
         <a:p>
-          <a:pPr marL="0" lvl="0" indent="0" algn="ctr" defTabSz="533400">
+          <a:pPr lvl="0" algn="ctr" defTabSz="533400">
             <a:lnSpc>
               <a:spcPct val="90000"/>
             </a:lnSpc>
@@ -6228,7 +6646,6 @@
             <a:spcAft>
               <a:spcPct val="35000"/>
             </a:spcAft>
-            <a:buNone/>
           </a:pPr>
           <a:r>
             <a:rPr lang="fr-FR" sz="1200" kern="1200" dirty="0"/>
@@ -6291,7 +6708,7 @@
         </a:bodyPr>
         <a:lstStyle/>
         <a:p>
-          <a:pPr marL="0" lvl="0" indent="0" algn="ctr" defTabSz="533400">
+          <a:pPr lvl="0" algn="ctr" defTabSz="533400">
             <a:lnSpc>
               <a:spcPct val="90000"/>
             </a:lnSpc>
@@ -6301,7 +6718,6 @@
             <a:spcAft>
               <a:spcPct val="35000"/>
             </a:spcAft>
-            <a:buNone/>
           </a:pPr>
           <a:endParaRPr lang="fr-FR" sz="1200" kern="1200"/>
         </a:p>
@@ -6366,7 +6782,7 @@
         </a:bodyPr>
         <a:lstStyle/>
         <a:p>
-          <a:pPr marL="0" lvl="0" indent="0" algn="ctr" defTabSz="533400">
+          <a:pPr lvl="0" algn="ctr" defTabSz="533400">
             <a:lnSpc>
               <a:spcPct val="90000"/>
             </a:lnSpc>
@@ -6376,7 +6792,6 @@
             <a:spcAft>
               <a:spcPct val="35000"/>
             </a:spcAft>
-            <a:buNone/>
           </a:pPr>
           <a:r>
             <a:rPr lang="fr-FR" sz="1200" kern="1200" dirty="0"/>
@@ -6439,7 +6854,7 @@
         </a:bodyPr>
         <a:lstStyle/>
         <a:p>
-          <a:pPr marL="0" lvl="0" indent="0" algn="ctr" defTabSz="533400">
+          <a:pPr lvl="0" algn="ctr" defTabSz="533400">
             <a:lnSpc>
               <a:spcPct val="90000"/>
             </a:lnSpc>
@@ -6449,7 +6864,6 @@
             <a:spcAft>
               <a:spcPct val="35000"/>
             </a:spcAft>
-            <a:buNone/>
           </a:pPr>
           <a:endParaRPr lang="fr-FR" sz="1200" kern="1200"/>
         </a:p>
@@ -6514,7 +6928,7 @@
         </a:bodyPr>
         <a:lstStyle/>
         <a:p>
-          <a:pPr marL="0" lvl="0" indent="0" algn="ctr" defTabSz="533400">
+          <a:pPr lvl="0" algn="ctr" defTabSz="533400">
             <a:lnSpc>
               <a:spcPct val="90000"/>
             </a:lnSpc>
@@ -6524,7 +6938,6 @@
             <a:spcAft>
               <a:spcPct val="35000"/>
             </a:spcAft>
-            <a:buNone/>
           </a:pPr>
           <a:r>
             <a:rPr lang="fr-FR" sz="1200" kern="1200" dirty="0"/>
@@ -6549,971 +6962,6 @@
       <dsp:cNvGrpSpPr/>
     </dsp:nvGrpSpPr>
     <dsp:grpSpPr/>
-    <dsp:sp modelId="{DB88E11D-40FD-4DC8-9709-151F3F6AF8A2}">
-      <dsp:nvSpPr>
-        <dsp:cNvPr id="0" name=""/>
-        <dsp:cNvSpPr/>
-      </dsp:nvSpPr>
-      <dsp:spPr>
-        <a:xfrm>
-          <a:off x="2100078" y="1755221"/>
-          <a:ext cx="1895842" cy="553557"/>
-        </a:xfrm>
-        <a:prstGeom prst="ellipse">
-          <a:avLst/>
-        </a:prstGeom>
-        <a:solidFill>
-          <a:schemeClr val="accent2">
-            <a:lumMod val="20000"/>
-            <a:lumOff val="80000"/>
-          </a:schemeClr>
-        </a:solidFill>
-        <a:ln w="12700" cap="flat" cmpd="sng" algn="ctr">
-          <a:solidFill>
-            <a:schemeClr val="accent2">
-              <a:lumMod val="75000"/>
-            </a:schemeClr>
-          </a:solidFill>
-          <a:prstDash val="solid"/>
-          <a:miter lim="800000"/>
-        </a:ln>
-        <a:effectLst/>
-      </dsp:spPr>
-      <dsp:style>
-        <a:lnRef idx="2">
-          <a:scrgbClr r="0" g="0" b="0"/>
-        </a:lnRef>
-        <a:fillRef idx="1">
-          <a:scrgbClr r="0" g="0" b="0"/>
-        </a:fillRef>
-        <a:effectRef idx="0">
-          <a:scrgbClr r="0" g="0" b="0"/>
-        </a:effectRef>
-        <a:fontRef idx="minor">
-          <a:schemeClr val="lt1"/>
-        </a:fontRef>
-      </dsp:style>
-      <dsp:txBody>
-        <a:bodyPr spcFirstLastPara="0" vert="horz" wrap="square" lIns="20320" tIns="20320" rIns="20320" bIns="20320" numCol="1" spcCol="1270" anchor="ctr" anchorCtr="0">
-          <a:noAutofit/>
-        </a:bodyPr>
-        <a:lstStyle/>
-        <a:p>
-          <a:pPr marL="0" lvl="0" indent="0" algn="ctr" defTabSz="711200">
-            <a:lnSpc>
-              <a:spcPct val="90000"/>
-            </a:lnSpc>
-            <a:spcBef>
-              <a:spcPct val="0"/>
-            </a:spcBef>
-            <a:spcAft>
-              <a:spcPct val="35000"/>
-            </a:spcAft>
-            <a:buNone/>
-          </a:pPr>
-          <a:r>
-            <a:rPr lang="fr-FR" sz="1600" kern="1200" dirty="0">
-              <a:solidFill>
-                <a:schemeClr val="tx1"/>
-              </a:solidFill>
-            </a:rPr>
-            <a:t>Compétences</a:t>
-          </a:r>
-        </a:p>
-      </dsp:txBody>
-      <dsp:txXfrm>
-        <a:off x="2377718" y="1836288"/>
-        <a:ext cx="1340562" cy="391423"/>
-      </dsp:txXfrm>
-    </dsp:sp>
-    <dsp:sp modelId="{C843AE18-BBE0-4804-A6C2-23355CC65A43}">
-      <dsp:nvSpPr>
-        <dsp:cNvPr id="0" name=""/>
-        <dsp:cNvSpPr/>
-      </dsp:nvSpPr>
-      <dsp:spPr>
-        <a:xfrm rot="16200000">
-          <a:off x="2808704" y="1135605"/>
-          <a:ext cx="478591" cy="363319"/>
-        </a:xfrm>
-        <a:prstGeom prst="rightArrow">
-          <a:avLst>
-            <a:gd name="adj1" fmla="val 60000"/>
-            <a:gd name="adj2" fmla="val 50000"/>
-          </a:avLst>
-        </a:prstGeom>
-        <a:solidFill>
-          <a:schemeClr val="accent6">
-            <a:lumMod val="40000"/>
-            <a:lumOff val="60000"/>
-          </a:schemeClr>
-        </a:solidFill>
-        <a:ln>
-          <a:solidFill>
-            <a:schemeClr val="accent6">
-              <a:lumMod val="50000"/>
-            </a:schemeClr>
-          </a:solidFill>
-        </a:ln>
-        <a:effectLst/>
-      </dsp:spPr>
-      <dsp:style>
-        <a:lnRef idx="0">
-          <a:scrgbClr r="0" g="0" b="0"/>
-        </a:lnRef>
-        <a:fillRef idx="1">
-          <a:scrgbClr r="0" g="0" b="0"/>
-        </a:fillRef>
-        <a:effectRef idx="0">
-          <a:scrgbClr r="0" g="0" b="0"/>
-        </a:effectRef>
-        <a:fontRef idx="minor">
-          <a:schemeClr val="lt1"/>
-        </a:fontRef>
-      </dsp:style>
-      <dsp:txBody>
-        <a:bodyPr spcFirstLastPara="0" vert="horz" wrap="square" lIns="0" tIns="0" rIns="0" bIns="0" numCol="1" spcCol="1270" anchor="ctr" anchorCtr="0">
-          <a:noAutofit/>
-        </a:bodyPr>
-        <a:lstStyle/>
-        <a:p>
-          <a:pPr marL="0" lvl="0" indent="0" algn="ctr" defTabSz="666750">
-            <a:lnSpc>
-              <a:spcPct val="90000"/>
-            </a:lnSpc>
-            <a:spcBef>
-              <a:spcPct val="0"/>
-            </a:spcBef>
-            <a:spcAft>
-              <a:spcPct val="35000"/>
-            </a:spcAft>
-            <a:buNone/>
-          </a:pPr>
-          <a:endParaRPr lang="fr-FR" sz="1500" kern="1200"/>
-        </a:p>
-      </dsp:txBody>
-      <dsp:txXfrm>
-        <a:off x="2863202" y="1262767"/>
-        <a:ext cx="369595" cy="217991"/>
-      </dsp:txXfrm>
-    </dsp:sp>
-    <dsp:sp modelId="{C99B0596-F3BC-46CA-A3DA-80FC7298D85A}">
-      <dsp:nvSpPr>
-        <dsp:cNvPr id="0" name=""/>
-        <dsp:cNvSpPr/>
-      </dsp:nvSpPr>
-      <dsp:spPr>
-        <a:xfrm>
-          <a:off x="1966842" y="220854"/>
-          <a:ext cx="2162315" cy="631363"/>
-        </a:xfrm>
-        <a:prstGeom prst="ellipse">
-          <a:avLst/>
-        </a:prstGeom>
-        <a:solidFill>
-          <a:schemeClr val="accent6">
-            <a:lumMod val="40000"/>
-            <a:lumOff val="60000"/>
-          </a:schemeClr>
-        </a:solidFill>
-        <a:ln w="12700" cap="flat" cmpd="sng" algn="ctr">
-          <a:solidFill>
-            <a:schemeClr val="accent6">
-              <a:lumMod val="50000"/>
-            </a:schemeClr>
-          </a:solidFill>
-          <a:prstDash val="solid"/>
-          <a:miter lim="800000"/>
-        </a:ln>
-        <a:effectLst/>
-      </dsp:spPr>
-      <dsp:style>
-        <a:lnRef idx="2">
-          <a:scrgbClr r="0" g="0" b="0"/>
-        </a:lnRef>
-        <a:fillRef idx="1">
-          <a:scrgbClr r="0" g="0" b="0"/>
-        </a:fillRef>
-        <a:effectRef idx="0">
-          <a:scrgbClr r="0" g="0" b="0"/>
-        </a:effectRef>
-        <a:fontRef idx="minor">
-          <a:schemeClr val="lt1"/>
-        </a:fontRef>
-      </dsp:style>
-      <dsp:txBody>
-        <a:bodyPr spcFirstLastPara="0" vert="horz" wrap="square" lIns="20320" tIns="20320" rIns="20320" bIns="20320" numCol="1" spcCol="1270" anchor="ctr" anchorCtr="0">
-          <a:noAutofit/>
-        </a:bodyPr>
-        <a:lstStyle/>
-        <a:p>
-          <a:pPr marL="0" lvl="0" indent="0" algn="ctr" defTabSz="711200">
-            <a:lnSpc>
-              <a:spcPct val="90000"/>
-            </a:lnSpc>
-            <a:spcBef>
-              <a:spcPct val="0"/>
-            </a:spcBef>
-            <a:spcAft>
-              <a:spcPct val="35000"/>
-            </a:spcAft>
-            <a:buNone/>
-          </a:pPr>
-          <a:r>
-            <a:rPr lang="fr-FR" sz="1600" kern="1200" dirty="0">
-              <a:solidFill>
-                <a:schemeClr val="tx1"/>
-              </a:solidFill>
-            </a:rPr>
-            <a:t>Communiquer</a:t>
-          </a:r>
-        </a:p>
-      </dsp:txBody>
-      <dsp:txXfrm>
-        <a:off x="2283506" y="313315"/>
-        <a:ext cx="1528987" cy="446441"/>
-      </dsp:txXfrm>
-    </dsp:sp>
-    <dsp:sp modelId="{7DC30116-61F1-488A-BB40-B27378D8A4F5}">
-      <dsp:nvSpPr>
-        <dsp:cNvPr id="0" name=""/>
-        <dsp:cNvSpPr/>
-      </dsp:nvSpPr>
-      <dsp:spPr>
-        <a:xfrm rot="20312784">
-          <a:off x="3760563" y="1488069"/>
-          <a:ext cx="418606" cy="363319"/>
-        </a:xfrm>
-        <a:prstGeom prst="rightArrow">
-          <a:avLst>
-            <a:gd name="adj1" fmla="val 60000"/>
-            <a:gd name="adj2" fmla="val 50000"/>
-          </a:avLst>
-        </a:prstGeom>
-        <a:solidFill>
-          <a:schemeClr val="accent5">
-            <a:lumMod val="40000"/>
-            <a:lumOff val="60000"/>
-          </a:schemeClr>
-        </a:solidFill>
-        <a:ln>
-          <a:solidFill>
-            <a:schemeClr val="accent5">
-              <a:lumMod val="50000"/>
-            </a:schemeClr>
-          </a:solidFill>
-        </a:ln>
-        <a:effectLst/>
-      </dsp:spPr>
-      <dsp:style>
-        <a:lnRef idx="0">
-          <a:scrgbClr r="0" g="0" b="0"/>
-        </a:lnRef>
-        <a:fillRef idx="1">
-          <a:scrgbClr r="0" g="0" b="0"/>
-        </a:fillRef>
-        <a:effectRef idx="0">
-          <a:scrgbClr r="0" g="0" b="0"/>
-        </a:effectRef>
-        <a:fontRef idx="minor">
-          <a:schemeClr val="lt1"/>
-        </a:fontRef>
-      </dsp:style>
-      <dsp:txBody>
-        <a:bodyPr spcFirstLastPara="0" vert="horz" wrap="square" lIns="0" tIns="0" rIns="0" bIns="0" numCol="1" spcCol="1270" anchor="ctr" anchorCtr="0">
-          <a:noAutofit/>
-        </a:bodyPr>
-        <a:lstStyle/>
-        <a:p>
-          <a:pPr marL="0" lvl="0" indent="0" algn="ctr" defTabSz="666750">
-            <a:lnSpc>
-              <a:spcPct val="90000"/>
-            </a:lnSpc>
-            <a:spcBef>
-              <a:spcPct val="0"/>
-            </a:spcBef>
-            <a:spcAft>
-              <a:spcPct val="35000"/>
-            </a:spcAft>
-            <a:buNone/>
-          </a:pPr>
-          <a:endParaRPr lang="fr-FR" sz="1500" kern="1200"/>
-        </a:p>
-      </dsp:txBody>
-      <dsp:txXfrm>
-        <a:off x="3764339" y="1580666"/>
-        <a:ext cx="309610" cy="217991"/>
-      </dsp:txXfrm>
-    </dsp:sp>
-    <dsp:sp modelId="{9D2D2DCE-967B-486F-AA34-5FB6C5E204E0}">
-      <dsp:nvSpPr>
-        <dsp:cNvPr id="0" name=""/>
-        <dsp:cNvSpPr/>
-      </dsp:nvSpPr>
-      <dsp:spPr>
-        <a:xfrm>
-          <a:off x="3912090" y="951883"/>
-          <a:ext cx="2162315" cy="631363"/>
-        </a:xfrm>
-        <a:prstGeom prst="ellipse">
-          <a:avLst/>
-        </a:prstGeom>
-        <a:solidFill>
-          <a:schemeClr val="accent5">
-            <a:lumMod val="40000"/>
-            <a:lumOff val="60000"/>
-          </a:schemeClr>
-        </a:solidFill>
-        <a:ln w="12700" cap="flat" cmpd="sng" algn="ctr">
-          <a:solidFill>
-            <a:schemeClr val="accent5">
-              <a:lumMod val="50000"/>
-            </a:schemeClr>
-          </a:solidFill>
-          <a:prstDash val="solid"/>
-          <a:miter lim="800000"/>
-        </a:ln>
-        <a:effectLst/>
-      </dsp:spPr>
-      <dsp:style>
-        <a:lnRef idx="2">
-          <a:scrgbClr r="0" g="0" b="0"/>
-        </a:lnRef>
-        <a:fillRef idx="1">
-          <a:scrgbClr r="0" g="0" b="0"/>
-        </a:fillRef>
-        <a:effectRef idx="0">
-          <a:scrgbClr r="0" g="0" b="0"/>
-        </a:effectRef>
-        <a:fontRef idx="minor">
-          <a:schemeClr val="lt1"/>
-        </a:fontRef>
-      </dsp:style>
-      <dsp:txBody>
-        <a:bodyPr spcFirstLastPara="0" vert="horz" wrap="square" lIns="20320" tIns="20320" rIns="20320" bIns="20320" numCol="1" spcCol="1270" anchor="ctr" anchorCtr="0">
-          <a:noAutofit/>
-        </a:bodyPr>
-        <a:lstStyle/>
-        <a:p>
-          <a:pPr marL="0" lvl="0" indent="0" algn="ctr" defTabSz="711200">
-            <a:lnSpc>
-              <a:spcPct val="90000"/>
-            </a:lnSpc>
-            <a:spcBef>
-              <a:spcPct val="0"/>
-            </a:spcBef>
-            <a:spcAft>
-              <a:spcPct val="35000"/>
-            </a:spcAft>
-            <a:buNone/>
-          </a:pPr>
-          <a:r>
-            <a:rPr lang="fr-FR" sz="1600" kern="1200" dirty="0">
-              <a:solidFill>
-                <a:schemeClr val="tx1"/>
-              </a:solidFill>
-            </a:rPr>
-            <a:t>Concevoir</a:t>
-          </a:r>
-        </a:p>
-      </dsp:txBody>
-      <dsp:txXfrm>
-        <a:off x="4228754" y="1044344"/>
-        <a:ext cx="1528987" cy="446441"/>
-      </dsp:txXfrm>
-    </dsp:sp>
-    <dsp:sp modelId="{5831C01D-5B76-46CC-A9C4-ABAE70477854}">
-      <dsp:nvSpPr>
-        <dsp:cNvPr id="0" name=""/>
-        <dsp:cNvSpPr/>
-      </dsp:nvSpPr>
-      <dsp:spPr>
-        <a:xfrm rot="1477656">
-          <a:off x="3722708" y="2273925"/>
-          <a:ext cx="498611" cy="363319"/>
-        </a:xfrm>
-        <a:prstGeom prst="rightArrow">
-          <a:avLst>
-            <a:gd name="adj1" fmla="val 60000"/>
-            <a:gd name="adj2" fmla="val 50000"/>
-          </a:avLst>
-        </a:prstGeom>
-        <a:solidFill>
-          <a:schemeClr val="accent2">
-            <a:lumMod val="20000"/>
-            <a:lumOff val="80000"/>
-          </a:schemeClr>
-        </a:solidFill>
-        <a:ln>
-          <a:solidFill>
-            <a:schemeClr val="accent2">
-              <a:lumMod val="75000"/>
-            </a:schemeClr>
-          </a:solidFill>
-        </a:ln>
-        <a:effectLst/>
-      </dsp:spPr>
-      <dsp:style>
-        <a:lnRef idx="0">
-          <a:scrgbClr r="0" g="0" b="0"/>
-        </a:lnRef>
-        <a:fillRef idx="1">
-          <a:scrgbClr r="0" g="0" b="0"/>
-        </a:fillRef>
-        <a:effectRef idx="0">
-          <a:scrgbClr r="0" g="0" b="0"/>
-        </a:effectRef>
-        <a:fontRef idx="minor">
-          <a:schemeClr val="lt1"/>
-        </a:fontRef>
-      </dsp:style>
-      <dsp:txBody>
-        <a:bodyPr spcFirstLastPara="0" vert="horz" wrap="square" lIns="0" tIns="0" rIns="0" bIns="0" numCol="1" spcCol="1270" anchor="ctr" anchorCtr="0">
-          <a:noAutofit/>
-        </a:bodyPr>
-        <a:lstStyle/>
-        <a:p>
-          <a:pPr marL="0" lvl="0" indent="0" algn="ctr" defTabSz="666750">
-            <a:lnSpc>
-              <a:spcPct val="90000"/>
-            </a:lnSpc>
-            <a:spcBef>
-              <a:spcPct val="0"/>
-            </a:spcBef>
-            <a:spcAft>
-              <a:spcPct val="35000"/>
-            </a:spcAft>
-            <a:buNone/>
-          </a:pPr>
-          <a:endParaRPr lang="fr-FR" sz="1500" kern="1200"/>
-        </a:p>
-      </dsp:txBody>
-      <dsp:txXfrm>
-        <a:off x="3727665" y="2323879"/>
-        <a:ext cx="389615" cy="217991"/>
-      </dsp:txXfrm>
-    </dsp:sp>
-    <dsp:sp modelId="{8EFE7648-C6E3-4FC0-B2D2-1AB05B86C87C}">
-      <dsp:nvSpPr>
-        <dsp:cNvPr id="0" name=""/>
-        <dsp:cNvSpPr/>
-      </dsp:nvSpPr>
-      <dsp:spPr>
-        <a:xfrm>
-          <a:off x="3912104" y="2608062"/>
-          <a:ext cx="2162315" cy="631363"/>
-        </a:xfrm>
-        <a:prstGeom prst="ellipse">
-          <a:avLst/>
-        </a:prstGeom>
-        <a:solidFill>
-          <a:schemeClr val="accent2">
-            <a:lumMod val="20000"/>
-            <a:lumOff val="80000"/>
-          </a:schemeClr>
-        </a:solidFill>
-        <a:ln w="12700" cap="flat" cmpd="sng" algn="ctr">
-          <a:solidFill>
-            <a:schemeClr val="accent2">
-              <a:lumMod val="75000"/>
-            </a:schemeClr>
-          </a:solidFill>
-          <a:prstDash val="solid"/>
-          <a:miter lim="800000"/>
-        </a:ln>
-        <a:effectLst/>
-      </dsp:spPr>
-      <dsp:style>
-        <a:lnRef idx="2">
-          <a:scrgbClr r="0" g="0" b="0"/>
-        </a:lnRef>
-        <a:fillRef idx="1">
-          <a:scrgbClr r="0" g="0" b="0"/>
-        </a:fillRef>
-        <a:effectRef idx="0">
-          <a:scrgbClr r="0" g="0" b="0"/>
-        </a:effectRef>
-        <a:fontRef idx="minor">
-          <a:schemeClr val="lt1"/>
-        </a:fontRef>
-      </dsp:style>
-      <dsp:txBody>
-        <a:bodyPr spcFirstLastPara="0" vert="horz" wrap="square" lIns="20320" tIns="20320" rIns="20320" bIns="20320" numCol="1" spcCol="1270" anchor="ctr" anchorCtr="0">
-          <a:noAutofit/>
-        </a:bodyPr>
-        <a:lstStyle/>
-        <a:p>
-          <a:pPr marL="0" lvl="0" indent="0" algn="ctr" defTabSz="711200">
-            <a:lnSpc>
-              <a:spcPct val="90000"/>
-            </a:lnSpc>
-            <a:spcBef>
-              <a:spcPct val="0"/>
-            </a:spcBef>
-            <a:spcAft>
-              <a:spcPct val="35000"/>
-            </a:spcAft>
-            <a:buNone/>
-          </a:pPr>
-          <a:r>
-            <a:rPr lang="fr-FR" sz="1600" kern="1200" dirty="0">
-              <a:solidFill>
-                <a:schemeClr val="tx1"/>
-              </a:solidFill>
-            </a:rPr>
-            <a:t>Expérimenter</a:t>
-          </a:r>
-        </a:p>
-      </dsp:txBody>
-      <dsp:txXfrm>
-        <a:off x="4228768" y="2700523"/>
-        <a:ext cx="1528987" cy="446441"/>
-      </dsp:txXfrm>
-    </dsp:sp>
-    <dsp:sp modelId="{6CC55E1F-7E5A-485C-ACAC-3C4DB63CAD28}">
-      <dsp:nvSpPr>
-        <dsp:cNvPr id="0" name=""/>
-        <dsp:cNvSpPr/>
-      </dsp:nvSpPr>
-      <dsp:spPr>
-        <a:xfrm rot="5400000">
-          <a:off x="2808704" y="2565075"/>
-          <a:ext cx="478591" cy="363319"/>
-        </a:xfrm>
-        <a:prstGeom prst="rightArrow">
-          <a:avLst>
-            <a:gd name="adj1" fmla="val 60000"/>
-            <a:gd name="adj2" fmla="val 50000"/>
-          </a:avLst>
-        </a:prstGeom>
-        <a:solidFill>
-          <a:schemeClr val="accent6">
-            <a:lumMod val="40000"/>
-            <a:lumOff val="60000"/>
-          </a:schemeClr>
-        </a:solidFill>
-        <a:ln>
-          <a:solidFill>
-            <a:schemeClr val="accent6">
-              <a:lumMod val="50000"/>
-            </a:schemeClr>
-          </a:solidFill>
-        </a:ln>
-        <a:effectLst/>
-      </dsp:spPr>
-      <dsp:style>
-        <a:lnRef idx="0">
-          <a:scrgbClr r="0" g="0" b="0"/>
-        </a:lnRef>
-        <a:fillRef idx="1">
-          <a:scrgbClr r="0" g="0" b="0"/>
-        </a:fillRef>
-        <a:effectRef idx="0">
-          <a:scrgbClr r="0" g="0" b="0"/>
-        </a:effectRef>
-        <a:fontRef idx="minor">
-          <a:schemeClr val="lt1"/>
-        </a:fontRef>
-      </dsp:style>
-      <dsp:txBody>
-        <a:bodyPr spcFirstLastPara="0" vert="horz" wrap="square" lIns="0" tIns="0" rIns="0" bIns="0" numCol="1" spcCol="1270" anchor="ctr" anchorCtr="0">
-          <a:noAutofit/>
-        </a:bodyPr>
-        <a:lstStyle/>
-        <a:p>
-          <a:pPr marL="0" lvl="0" indent="0" algn="ctr" defTabSz="666750">
-            <a:lnSpc>
-              <a:spcPct val="90000"/>
-            </a:lnSpc>
-            <a:spcBef>
-              <a:spcPct val="0"/>
-            </a:spcBef>
-            <a:spcAft>
-              <a:spcPct val="35000"/>
-            </a:spcAft>
-            <a:buNone/>
-          </a:pPr>
-          <a:endParaRPr lang="fr-FR" sz="1500" kern="1200"/>
-        </a:p>
-      </dsp:txBody>
-      <dsp:txXfrm>
-        <a:off x="2863202" y="2583241"/>
-        <a:ext cx="369595" cy="217991"/>
-      </dsp:txXfrm>
-    </dsp:sp>
-    <dsp:sp modelId="{79302343-95A0-47F0-845D-FD125267F2B4}">
-      <dsp:nvSpPr>
-        <dsp:cNvPr id="0" name=""/>
-        <dsp:cNvSpPr/>
-      </dsp:nvSpPr>
-      <dsp:spPr>
-        <a:xfrm>
-          <a:off x="1966842" y="3211782"/>
-          <a:ext cx="2162315" cy="631363"/>
-        </a:xfrm>
-        <a:prstGeom prst="ellipse">
-          <a:avLst/>
-        </a:prstGeom>
-        <a:solidFill>
-          <a:schemeClr val="accent6">
-            <a:lumMod val="40000"/>
-            <a:lumOff val="60000"/>
-          </a:schemeClr>
-        </a:solidFill>
-        <a:ln w="12700" cap="flat" cmpd="sng" algn="ctr">
-          <a:solidFill>
-            <a:schemeClr val="accent6">
-              <a:lumMod val="50000"/>
-            </a:schemeClr>
-          </a:solidFill>
-          <a:prstDash val="solid"/>
-          <a:miter lim="800000"/>
-        </a:ln>
-        <a:effectLst/>
-      </dsp:spPr>
-      <dsp:style>
-        <a:lnRef idx="2">
-          <a:scrgbClr r="0" g="0" b="0"/>
-        </a:lnRef>
-        <a:fillRef idx="1">
-          <a:scrgbClr r="0" g="0" b="0"/>
-        </a:fillRef>
-        <a:effectRef idx="0">
-          <a:scrgbClr r="0" g="0" b="0"/>
-        </a:effectRef>
-        <a:fontRef idx="minor">
-          <a:schemeClr val="lt1"/>
-        </a:fontRef>
-      </dsp:style>
-      <dsp:txBody>
-        <a:bodyPr spcFirstLastPara="0" vert="horz" wrap="square" lIns="20320" tIns="20320" rIns="20320" bIns="20320" numCol="1" spcCol="1270" anchor="ctr" anchorCtr="0">
-          <a:noAutofit/>
-        </a:bodyPr>
-        <a:lstStyle/>
-        <a:p>
-          <a:pPr marL="0" lvl="0" indent="0" algn="ctr" defTabSz="711200">
-            <a:lnSpc>
-              <a:spcPct val="90000"/>
-            </a:lnSpc>
-            <a:spcBef>
-              <a:spcPct val="0"/>
-            </a:spcBef>
-            <a:spcAft>
-              <a:spcPct val="35000"/>
-            </a:spcAft>
-            <a:buNone/>
-          </a:pPr>
-          <a:r>
-            <a:rPr lang="fr-FR" sz="1600" kern="1200" dirty="0">
-              <a:solidFill>
-                <a:schemeClr val="tx1"/>
-              </a:solidFill>
-            </a:rPr>
-            <a:t>Analyser</a:t>
-          </a:r>
-        </a:p>
-      </dsp:txBody>
-      <dsp:txXfrm>
-        <a:off x="2283506" y="3304243"/>
-        <a:ext cx="1528987" cy="446441"/>
-      </dsp:txXfrm>
-    </dsp:sp>
-    <dsp:sp modelId="{2D9AC406-8DFB-4E9E-82C0-451F8D0EA3CA}">
-      <dsp:nvSpPr>
-        <dsp:cNvPr id="0" name=""/>
-        <dsp:cNvSpPr/>
-      </dsp:nvSpPr>
-      <dsp:spPr>
-        <a:xfrm rot="9320940">
-          <a:off x="1875998" y="2273924"/>
-          <a:ext cx="497972" cy="363319"/>
-        </a:xfrm>
-        <a:prstGeom prst="rightArrow">
-          <a:avLst>
-            <a:gd name="adj1" fmla="val 60000"/>
-            <a:gd name="adj2" fmla="val 50000"/>
-          </a:avLst>
-        </a:prstGeom>
-        <a:solidFill>
-          <a:schemeClr val="accent2">
-            <a:lumMod val="20000"/>
-            <a:lumOff val="80000"/>
-          </a:schemeClr>
-        </a:solidFill>
-        <a:ln>
-          <a:solidFill>
-            <a:schemeClr val="accent2">
-              <a:lumMod val="75000"/>
-            </a:schemeClr>
-          </a:solidFill>
-        </a:ln>
-        <a:effectLst/>
-      </dsp:spPr>
-      <dsp:style>
-        <a:lnRef idx="0">
-          <a:scrgbClr r="0" g="0" b="0"/>
-        </a:lnRef>
-        <a:fillRef idx="1">
-          <a:scrgbClr r="0" g="0" b="0"/>
-        </a:fillRef>
-        <a:effectRef idx="0">
-          <a:scrgbClr r="0" g="0" b="0"/>
-        </a:effectRef>
-        <a:fontRef idx="minor">
-          <a:schemeClr val="lt1"/>
-        </a:fontRef>
-      </dsp:style>
-      <dsp:txBody>
-        <a:bodyPr spcFirstLastPara="0" vert="horz" wrap="square" lIns="0" tIns="0" rIns="0" bIns="0" numCol="1" spcCol="1270" anchor="ctr" anchorCtr="0">
-          <a:noAutofit/>
-        </a:bodyPr>
-        <a:lstStyle/>
-        <a:p>
-          <a:pPr marL="0" lvl="0" indent="0" algn="ctr" defTabSz="666750">
-            <a:lnSpc>
-              <a:spcPct val="90000"/>
-            </a:lnSpc>
-            <a:spcBef>
-              <a:spcPct val="0"/>
-            </a:spcBef>
-            <a:spcAft>
-              <a:spcPct val="35000"/>
-            </a:spcAft>
-            <a:buNone/>
-          </a:pPr>
-          <a:endParaRPr lang="fr-FR" sz="1500" kern="1200"/>
-        </a:p>
-      </dsp:txBody>
-      <dsp:txXfrm rot="10800000">
-        <a:off x="1980027" y="2323857"/>
-        <a:ext cx="388976" cy="217991"/>
-      </dsp:txXfrm>
-    </dsp:sp>
-    <dsp:sp modelId="{7C0ECB5E-552A-46A1-BC0F-291569D03607}">
-      <dsp:nvSpPr>
-        <dsp:cNvPr id="0" name=""/>
-        <dsp:cNvSpPr/>
-      </dsp:nvSpPr>
-      <dsp:spPr>
-        <a:xfrm>
-          <a:off x="23670" y="2608064"/>
-          <a:ext cx="2162315" cy="631363"/>
-        </a:xfrm>
-        <a:prstGeom prst="ellipse">
-          <a:avLst/>
-        </a:prstGeom>
-        <a:solidFill>
-          <a:schemeClr val="accent2">
-            <a:lumMod val="20000"/>
-            <a:lumOff val="80000"/>
-          </a:schemeClr>
-        </a:solidFill>
-        <a:ln w="12700" cap="flat" cmpd="sng" algn="ctr">
-          <a:solidFill>
-            <a:schemeClr val="accent2">
-              <a:lumMod val="75000"/>
-            </a:schemeClr>
-          </a:solidFill>
-          <a:prstDash val="solid"/>
-          <a:miter lim="800000"/>
-        </a:ln>
-        <a:effectLst/>
-      </dsp:spPr>
-      <dsp:style>
-        <a:lnRef idx="2">
-          <a:scrgbClr r="0" g="0" b="0"/>
-        </a:lnRef>
-        <a:fillRef idx="1">
-          <a:scrgbClr r="0" g="0" b="0"/>
-        </a:fillRef>
-        <a:effectRef idx="0">
-          <a:scrgbClr r="0" g="0" b="0"/>
-        </a:effectRef>
-        <a:fontRef idx="minor">
-          <a:schemeClr val="lt1"/>
-        </a:fontRef>
-      </dsp:style>
-      <dsp:txBody>
-        <a:bodyPr spcFirstLastPara="0" vert="horz" wrap="square" lIns="20320" tIns="20320" rIns="20320" bIns="20320" numCol="1" spcCol="1270" anchor="ctr" anchorCtr="0">
-          <a:noAutofit/>
-        </a:bodyPr>
-        <a:lstStyle/>
-        <a:p>
-          <a:pPr marL="0" lvl="0" indent="0" algn="ctr" defTabSz="711200">
-            <a:lnSpc>
-              <a:spcPct val="90000"/>
-            </a:lnSpc>
-            <a:spcBef>
-              <a:spcPct val="0"/>
-            </a:spcBef>
-            <a:spcAft>
-              <a:spcPct val="35000"/>
-            </a:spcAft>
-            <a:buNone/>
-          </a:pPr>
-          <a:r>
-            <a:rPr lang="fr-FR" sz="1600" kern="1200" dirty="0">
-              <a:solidFill>
-                <a:schemeClr val="tx1"/>
-              </a:solidFill>
-            </a:rPr>
-            <a:t>Modéliser</a:t>
-          </a:r>
-        </a:p>
-      </dsp:txBody>
-      <dsp:txXfrm>
-        <a:off x="340334" y="2700525"/>
-        <a:ext cx="1528987" cy="446441"/>
-      </dsp:txXfrm>
-    </dsp:sp>
-    <dsp:sp modelId="{5D8E482A-D01C-4BFA-891A-BC121E9CDA45}">
-      <dsp:nvSpPr>
-        <dsp:cNvPr id="0" name=""/>
-        <dsp:cNvSpPr/>
-      </dsp:nvSpPr>
-      <dsp:spPr>
-        <a:xfrm rot="12088476">
-          <a:off x="1918144" y="1488069"/>
-          <a:ext cx="417962" cy="363319"/>
-        </a:xfrm>
-        <a:prstGeom prst="rightArrow">
-          <a:avLst>
-            <a:gd name="adj1" fmla="val 60000"/>
-            <a:gd name="adj2" fmla="val 50000"/>
-          </a:avLst>
-        </a:prstGeom>
-        <a:solidFill>
-          <a:schemeClr val="accent5">
-            <a:lumMod val="40000"/>
-            <a:lumOff val="60000"/>
-          </a:schemeClr>
-        </a:solidFill>
-        <a:ln>
-          <a:solidFill>
-            <a:schemeClr val="accent5">
-              <a:lumMod val="50000"/>
-            </a:schemeClr>
-          </a:solidFill>
-        </a:ln>
-        <a:effectLst/>
-      </dsp:spPr>
-      <dsp:style>
-        <a:lnRef idx="0">
-          <a:scrgbClr r="0" g="0" b="0"/>
-        </a:lnRef>
-        <a:fillRef idx="1">
-          <a:scrgbClr r="0" g="0" b="0"/>
-        </a:fillRef>
-        <a:effectRef idx="0">
-          <a:scrgbClr r="0" g="0" b="0"/>
-        </a:effectRef>
-        <a:fontRef idx="minor">
-          <a:schemeClr val="lt1"/>
-        </a:fontRef>
-      </dsp:style>
-      <dsp:txBody>
-        <a:bodyPr spcFirstLastPara="0" vert="horz" wrap="square" lIns="0" tIns="0" rIns="0" bIns="0" numCol="1" spcCol="1270" anchor="ctr" anchorCtr="0">
-          <a:noAutofit/>
-        </a:bodyPr>
-        <a:lstStyle/>
-        <a:p>
-          <a:pPr marL="0" lvl="0" indent="0" algn="ctr" defTabSz="666750">
-            <a:lnSpc>
-              <a:spcPct val="90000"/>
-            </a:lnSpc>
-            <a:spcBef>
-              <a:spcPct val="0"/>
-            </a:spcBef>
-            <a:spcAft>
-              <a:spcPct val="35000"/>
-            </a:spcAft>
-            <a:buNone/>
-          </a:pPr>
-          <a:endParaRPr lang="fr-FR" sz="1500" kern="1200"/>
-        </a:p>
-      </dsp:txBody>
-      <dsp:txXfrm rot="10800000">
-        <a:off x="2023357" y="1580684"/>
-        <a:ext cx="308966" cy="217991"/>
-      </dsp:txXfrm>
-    </dsp:sp>
-    <dsp:sp modelId="{5777AA9C-663F-4F65-AFCF-363F5E108C73}">
-      <dsp:nvSpPr>
-        <dsp:cNvPr id="0" name=""/>
-        <dsp:cNvSpPr/>
-      </dsp:nvSpPr>
-      <dsp:spPr>
-        <a:xfrm>
-          <a:off x="23669" y="951877"/>
-          <a:ext cx="2162315" cy="631363"/>
-        </a:xfrm>
-        <a:prstGeom prst="ellipse">
-          <a:avLst/>
-        </a:prstGeom>
-        <a:solidFill>
-          <a:schemeClr val="accent5">
-            <a:lumMod val="40000"/>
-            <a:lumOff val="60000"/>
-          </a:schemeClr>
-        </a:solidFill>
-        <a:ln w="12700" cap="flat" cmpd="sng" algn="ctr">
-          <a:solidFill>
-            <a:schemeClr val="accent5">
-              <a:lumMod val="50000"/>
-            </a:schemeClr>
-          </a:solidFill>
-          <a:prstDash val="solid"/>
-          <a:miter lim="800000"/>
-        </a:ln>
-        <a:effectLst/>
-      </dsp:spPr>
-      <dsp:style>
-        <a:lnRef idx="2">
-          <a:scrgbClr r="0" g="0" b="0"/>
-        </a:lnRef>
-        <a:fillRef idx="1">
-          <a:scrgbClr r="0" g="0" b="0"/>
-        </a:fillRef>
-        <a:effectRef idx="0">
-          <a:scrgbClr r="0" g="0" b="0"/>
-        </a:effectRef>
-        <a:fontRef idx="minor">
-          <a:schemeClr val="lt1"/>
-        </a:fontRef>
-      </dsp:style>
-      <dsp:txBody>
-        <a:bodyPr spcFirstLastPara="0" vert="horz" wrap="square" lIns="20320" tIns="20320" rIns="20320" bIns="20320" numCol="1" spcCol="1270" anchor="ctr" anchorCtr="0">
-          <a:noAutofit/>
-        </a:bodyPr>
-        <a:lstStyle/>
-        <a:p>
-          <a:pPr marL="0" lvl="0" indent="0" algn="ctr" defTabSz="711200">
-            <a:lnSpc>
-              <a:spcPct val="90000"/>
-            </a:lnSpc>
-            <a:spcBef>
-              <a:spcPct val="0"/>
-            </a:spcBef>
-            <a:spcAft>
-              <a:spcPct val="35000"/>
-            </a:spcAft>
-            <a:buNone/>
-          </a:pPr>
-          <a:r>
-            <a:rPr lang="fr-FR" sz="1600" kern="1200" dirty="0">
-              <a:solidFill>
-                <a:schemeClr val="tx1"/>
-              </a:solidFill>
-            </a:rPr>
-            <a:t>Résoudre</a:t>
-          </a:r>
-        </a:p>
-      </dsp:txBody>
-      <dsp:txXfrm>
-        <a:off x="340333" y="1044338"/>
-        <a:ext cx="1528987" cy="446441"/>
-      </dsp:txXfrm>
-    </dsp:sp>
   </dsp:spTree>
 </dsp:drawing>
 </file>
@@ -25596,7 +25044,7 @@
           <p:nvPr>
             <p:extLst>
               <p:ext uri="{D42A27DB-BD31-4B8C-83A1-F6EECF244321}">
-                <p14:modId xmlns:p14="http://schemas.microsoft.com/office/powerpoint/2010/main" val="464400286"/>
+                <p14:modId xmlns:p14="http://schemas.microsoft.com/office/powerpoint/2010/main" val="3919530972"/>
               </p:ext>
             </p:extLst>
           </p:nvPr>
@@ -25646,7 +25094,7 @@
           <p:cNvPr id="2" name="Diagramme 1">
             <a:extLst>
               <a:ext uri="{FF2B5EF4-FFF2-40B4-BE49-F238E27FC236}">
-                <a16:creationId xmlns:a16="http://schemas.microsoft.com/office/drawing/2014/main" id="{F71F5A2D-F91F-4F54-AF39-257B590A9A7D}"/>
+                <a16:creationId xmlns:a16="http://schemas.microsoft.com/office/drawing/2014/main" xmlns="" id="{F71F5A2D-F91F-4F54-AF39-257B590A9A7D}"/>
               </a:ext>
             </a:extLst>
           </p:cNvPr>
@@ -27298,7 +26746,7 @@
   <a:extraClrSchemeLst/>
   <a:extLst>
     <a:ext uri="{05A4C25C-085E-4340-85A3-A5531E510DB2}">
-      <thm15:themeFamily xmlns:thm15="http://schemas.microsoft.com/office/thememl/2012/main" name="Office Theme" id="{62F939B6-93AF-4DB8-9C6B-D6C7DFDC589F}" vid="{AE6F2518-B084-4896-AF52-66CC2144AA26}"/>
+      <thm15:themeFamily xmlns:thm15="http://schemas.microsoft.com/office/thememl/2012/main" xmlns="" name="Office Theme" id="{62F939B6-93AF-4DB8-9C6B-D6C7DFDC589F}" vid="{AE6F2518-B084-4896-AF52-66CC2144AA26}"/>
     </a:ext>
   </a:extLst>
 </a:theme>
